--- a/FinalProject.pptx
+++ b/FinalProject.pptx
@@ -5,7 +5,7 @@
     <p:sldMasterId id="2147483648" r:id="rId1"/>
   </p:sldMasterIdLst>
   <p:notesMasterIdLst>
-    <p:notesMasterId r:id="rId23"/>
+    <p:notesMasterId r:id="rId26"/>
   </p:notesMasterIdLst>
   <p:sldIdLst>
     <p:sldId id="256" r:id="rId2"/>
@@ -16,19 +16,22 @@
     <p:sldId id="261" r:id="rId7"/>
     <p:sldId id="262" r:id="rId8"/>
     <p:sldId id="263" r:id="rId9"/>
-    <p:sldId id="264" r:id="rId10"/>
-    <p:sldId id="265" r:id="rId11"/>
-    <p:sldId id="266" r:id="rId12"/>
-    <p:sldId id="267" r:id="rId13"/>
-    <p:sldId id="268" r:id="rId14"/>
-    <p:sldId id="269" r:id="rId15"/>
-    <p:sldId id="270" r:id="rId16"/>
-    <p:sldId id="271" r:id="rId17"/>
-    <p:sldId id="272" r:id="rId18"/>
-    <p:sldId id="273" r:id="rId19"/>
-    <p:sldId id="274" r:id="rId20"/>
-    <p:sldId id="275" r:id="rId21"/>
-    <p:sldId id="276" r:id="rId22"/>
+    <p:sldId id="278" r:id="rId10"/>
+    <p:sldId id="277" r:id="rId11"/>
+    <p:sldId id="264" r:id="rId12"/>
+    <p:sldId id="265" r:id="rId13"/>
+    <p:sldId id="266" r:id="rId14"/>
+    <p:sldId id="267" r:id="rId15"/>
+    <p:sldId id="268" r:id="rId16"/>
+    <p:sldId id="269" r:id="rId17"/>
+    <p:sldId id="270" r:id="rId18"/>
+    <p:sldId id="271" r:id="rId19"/>
+    <p:sldId id="272" r:id="rId20"/>
+    <p:sldId id="273" r:id="rId21"/>
+    <p:sldId id="274" r:id="rId22"/>
+    <p:sldId id="275" r:id="rId23"/>
+    <p:sldId id="279" r:id="rId24"/>
+    <p:sldId id="276" r:id="rId25"/>
   </p:sldIdLst>
   <p:sldSz cx="9144000" cy="6858000" type="screen4x3"/>
   <p:notesSz cx="6858000" cy="9144000"/>
@@ -3541,6 +3544,21 @@
 <file path=ppt/slides/slide1.xml><?xml version="1.0" encoding="utf-8"?>
 <p:sld xmlns:a="http://schemas.openxmlformats.org/drawingml/2006/main" xmlns:r="http://schemas.openxmlformats.org/officeDocument/2006/relationships" xmlns:p="http://schemas.openxmlformats.org/presentationml/2006/main">
   <p:cSld>
+    <p:bg>
+      <p:bgPr>
+        <a:blipFill dpi="0" rotWithShape="1">
+          <a:blip r:embed="rId3">
+            <a:alphaModFix amt="42000"/>
+            <a:lum/>
+          </a:blip>
+          <a:srcRect/>
+          <a:stretch>
+            <a:fillRect l="-13000" r="-13000"/>
+          </a:stretch>
+        </a:blipFill>
+        <a:effectLst/>
+      </p:bgPr>
+    </p:bg>
     <p:spTree>
       <p:nvGrpSpPr>
         <p:cNvPr id="1" name=""/>
@@ -3573,14 +3591,38 @@
           <a:lstStyle/>
           <a:p>
             <a:r>
-              <a:rPr lang="en-US" dirty="0"/>
+              <a:rPr lang="en-US" b="1" u="sng" dirty="0">
+                <a:effectLst>
+                  <a:outerShdw blurRad="38100" dist="38100" dir="2700000" algn="tl">
+                    <a:srgbClr val="000000">
+                      <a:alpha val="43137"/>
+                    </a:srgbClr>
+                  </a:outerShdw>
+                </a:effectLst>
+              </a:rPr>
               <a:t>S</a:t>
             </a:r>
             <a:r>
-              <a:rPr lang="en-US" dirty="0" smtClean="0"/>
+              <a:rPr lang="en-US" b="1" u="sng" dirty="0" smtClean="0">
+                <a:effectLst>
+                  <a:outerShdw blurRad="38100" dist="38100" dir="2700000" algn="tl">
+                    <a:srgbClr val="000000">
+                      <a:alpha val="43137"/>
+                    </a:srgbClr>
+                  </a:outerShdw>
+                </a:effectLst>
+              </a:rPr>
               <a:t>election of the optimal drug for a patient with a complex set of diagnoses</a:t>
             </a:r>
-            <a:endParaRPr lang="en-US" dirty="0"/>
+            <a:endParaRPr lang="en-US" b="1" u="sng" dirty="0">
+              <a:effectLst>
+                <a:outerShdw blurRad="38100" dist="38100" dir="2700000" algn="tl">
+                  <a:srgbClr val="000000">
+                    <a:alpha val="43137"/>
+                  </a:srgbClr>
+                </a:outerShdw>
+              </a:effectLst>
+            </a:endParaRPr>
           </a:p>
         </p:txBody>
       </p:sp>
@@ -3600,10 +3642,18 @@
           <a:lstStyle/>
           <a:p>
             <a:r>
-              <a:rPr lang="en-US" dirty="0" smtClean="0"/>
+              <a:rPr lang="en-US" dirty="0" smtClean="0">
+                <a:solidFill>
+                  <a:schemeClr val="tx1"/>
+                </a:solidFill>
+              </a:rPr>
               <a:t>Doctor – Patient Assistance to understand drug-drug interaction </a:t>
             </a:r>
-            <a:endParaRPr lang="en-US" dirty="0"/>
+            <a:endParaRPr lang="en-US" dirty="0">
+              <a:solidFill>
+                <a:schemeClr val="tx1"/>
+              </a:solidFill>
+            </a:endParaRPr>
           </a:p>
         </p:txBody>
       </p:sp>
@@ -3656,45 +3706,293 @@
           <a:p>
             <a:r>
               <a:rPr lang="en-US" dirty="0" smtClean="0"/>
-              <a:t>Data streaming engine is implemented in </a:t>
-            </a:r>
-            <a:r>
-              <a:rPr lang="en-US" dirty="0" err="1" smtClean="0"/>
-              <a:t>nifi</a:t>
+              <a:t>Toolbox for technical realization -continued</a:t>
             </a:r>
             <a:endParaRPr lang="en-US" dirty="0"/>
           </a:p>
         </p:txBody>
       </p:sp>
-      <p:sp>
-        <p:nvSpPr>
-          <p:cNvPr id="3" name="Content Placeholder 2"/>
-          <p:cNvSpPr>
-            <a:spLocks noGrp="1"/>
-          </p:cNvSpPr>
+      <p:graphicFrame>
+        <p:nvGraphicFramePr>
+          <p:cNvPr id="4" name="Content Placeholder 3"/>
+          <p:cNvGraphicFramePr>
+            <a:graphicFrameLocks noGrp="1"/>
+          </p:cNvGraphicFramePr>
           <p:nvPr>
             <p:ph idx="1"/>
-          </p:nvPr>
-        </p:nvSpPr>
-        <p:spPr/>
-        <p:txBody>
-          <a:bodyPr/>
-          <a:lstStyle/>
-          <a:p>
-            <a:endParaRPr lang="en-US"/>
-          </a:p>
-        </p:txBody>
-      </p:sp>
+            <p:extLst>
+              <p:ext uri="{D42A27DB-BD31-4B8C-83A1-F6EECF244321}">
+                <p14:modId xmlns:p14="http://schemas.microsoft.com/office/powerpoint/2010/main" val="4003196913"/>
+              </p:ext>
+            </p:extLst>
+          </p:nvPr>
+        </p:nvGraphicFramePr>
+        <p:xfrm>
+          <a:off x="457200" y="1600200"/>
+          <a:ext cx="8229600" cy="2839720"/>
+        </p:xfrm>
+        <a:graphic>
+          <a:graphicData uri="http://schemas.openxmlformats.org/drawingml/2006/table">
+            <a:tbl>
+              <a:tblPr firstRow="1" bandRow="1">
+                <a:tableStyleId>{5C22544A-7EE6-4342-B048-85BDC9FD1C3A}</a:tableStyleId>
+              </a:tblPr>
+              <a:tblGrid>
+                <a:gridCol w="2743200"/>
+                <a:gridCol w="2743200"/>
+                <a:gridCol w="2743200"/>
+              </a:tblGrid>
+              <a:tr h="370840">
+                <a:tc>
+                  <a:txBody>
+                    <a:bodyPr/>
+                    <a:lstStyle/>
+                    <a:p>
+                      <a:r>
+                        <a:rPr lang="en-US" dirty="0" smtClean="0"/>
+                        <a:t>tool</a:t>
+                      </a:r>
+                      <a:endParaRPr lang="en-US" dirty="0"/>
+                    </a:p>
+                  </a:txBody>
+                  <a:tcPr/>
+                </a:tc>
+                <a:tc>
+                  <a:txBody>
+                    <a:bodyPr/>
+                    <a:lstStyle/>
+                    <a:p>
+                      <a:r>
+                        <a:rPr lang="en-US" dirty="0" smtClean="0"/>
+                        <a:t>use</a:t>
+                      </a:r>
+                      <a:endParaRPr lang="en-US" dirty="0"/>
+                    </a:p>
+                  </a:txBody>
+                  <a:tcPr/>
+                </a:tc>
+                <a:tc>
+                  <a:txBody>
+                    <a:bodyPr/>
+                    <a:lstStyle/>
+                    <a:p>
+                      <a:r>
+                        <a:rPr lang="en-US" dirty="0" smtClean="0"/>
+                        <a:t>description</a:t>
+                      </a:r>
+                      <a:endParaRPr lang="en-US" dirty="0"/>
+                    </a:p>
+                  </a:txBody>
+                  <a:tcPr/>
+                </a:tc>
+              </a:tr>
+              <a:tr h="370840">
+                <a:tc>
+                  <a:txBody>
+                    <a:bodyPr/>
+                    <a:lstStyle/>
+                    <a:p>
+                      <a:r>
+                        <a:rPr lang="en-US" dirty="0" err="1" smtClean="0"/>
+                        <a:t>hdfs</a:t>
+                      </a:r>
+                      <a:endParaRPr lang="en-US" dirty="0"/>
+                    </a:p>
+                  </a:txBody>
+                  <a:tcPr/>
+                </a:tc>
+                <a:tc>
+                  <a:txBody>
+                    <a:bodyPr/>
+                    <a:lstStyle/>
+                    <a:p>
+                      <a:r>
+                        <a:rPr lang="en-US" dirty="0" smtClean="0"/>
+                        <a:t>Receipts </a:t>
+                      </a:r>
+                      <a:r>
+                        <a:rPr lang="en-US" dirty="0" smtClean="0"/>
+                        <a:t>data archive</a:t>
+                      </a:r>
+                      <a:endParaRPr lang="en-US" dirty="0"/>
+                    </a:p>
+                  </a:txBody>
+                  <a:tcPr/>
+                </a:tc>
+                <a:tc>
+                  <a:txBody>
+                    <a:bodyPr/>
+                    <a:lstStyle/>
+                    <a:p>
+                      <a:r>
+                        <a:rPr lang="en-US" dirty="0" smtClean="0"/>
+                        <a:t>Source for reports and analytics</a:t>
+                      </a:r>
+                      <a:endParaRPr lang="en-US" dirty="0"/>
+                    </a:p>
+                  </a:txBody>
+                  <a:tcPr/>
+                </a:tc>
+              </a:tr>
+              <a:tr h="370840">
+                <a:tc>
+                  <a:txBody>
+                    <a:bodyPr/>
+                    <a:lstStyle/>
+                    <a:p>
+                      <a:r>
+                        <a:rPr lang="en-US" dirty="0" smtClean="0"/>
+                        <a:t>NIH </a:t>
+                      </a:r>
+                      <a:r>
+                        <a:rPr lang="en-US" dirty="0" err="1" smtClean="0"/>
+                        <a:t>apis</a:t>
+                      </a:r>
+                      <a:r>
+                        <a:rPr lang="en-US" dirty="0" smtClean="0"/>
+                        <a:t> </a:t>
+                      </a:r>
+                      <a:endParaRPr lang="en-US" dirty="0"/>
+                    </a:p>
+                  </a:txBody>
+                  <a:tcPr/>
+                </a:tc>
+                <a:tc>
+                  <a:txBody>
+                    <a:bodyPr/>
+                    <a:lstStyle/>
+                    <a:p>
+                      <a:r>
+                        <a:rPr lang="en-US" dirty="0" smtClean="0"/>
+                        <a:t>Source</a:t>
+                      </a:r>
+                      <a:r>
+                        <a:rPr lang="en-US" baseline="0" dirty="0" smtClean="0"/>
+                        <a:t> </a:t>
+                      </a:r>
+                      <a:r>
+                        <a:rPr lang="en-US" baseline="0" dirty="0" err="1" smtClean="0"/>
+                        <a:t>DrugBank</a:t>
+                      </a:r>
+                      <a:endParaRPr lang="en-US" dirty="0"/>
+                    </a:p>
+                  </a:txBody>
+                  <a:tcPr/>
+                </a:tc>
+                <a:tc>
+                  <a:txBody>
+                    <a:bodyPr/>
+                    <a:lstStyle/>
+                    <a:p>
+                      <a:r>
+                        <a:rPr lang="en-US" dirty="0" err="1" smtClean="0"/>
+                        <a:t>Api</a:t>
+                      </a:r>
+                      <a:r>
+                        <a:rPr lang="en-US" dirty="0" smtClean="0"/>
+                        <a:t> can works</a:t>
+                      </a:r>
+                      <a:r>
+                        <a:rPr lang="en-US" baseline="0" dirty="0" smtClean="0"/>
+                        <a:t> with different data source,</a:t>
+                      </a:r>
+                    </a:p>
+                    <a:p>
+                      <a:r>
+                        <a:rPr lang="en-US" baseline="0" dirty="0" smtClean="0"/>
+                        <a:t> in this project we use the </a:t>
+                      </a:r>
+                      <a:r>
+                        <a:rPr lang="en-US" baseline="0" dirty="0" err="1" smtClean="0"/>
+                        <a:t>DrugBank</a:t>
+                      </a:r>
+                      <a:r>
+                        <a:rPr lang="en-US" baseline="0" dirty="0" smtClean="0"/>
+                        <a:t> source</a:t>
+                      </a:r>
+                      <a:endParaRPr lang="en-US" dirty="0"/>
+                    </a:p>
+                  </a:txBody>
+                  <a:tcPr/>
+                </a:tc>
+              </a:tr>
+              <a:tr h="370840">
+                <a:tc>
+                  <a:txBody>
+                    <a:bodyPr/>
+                    <a:lstStyle/>
+                    <a:p>
+                      <a:r>
+                        <a:rPr lang="en-US" dirty="0" smtClean="0"/>
+                        <a:t>python</a:t>
+                      </a:r>
+                      <a:endParaRPr lang="en-US" dirty="0"/>
+                    </a:p>
+                  </a:txBody>
+                  <a:tcPr/>
+                </a:tc>
+                <a:tc>
+                  <a:txBody>
+                    <a:bodyPr/>
+                    <a:lstStyle/>
+                    <a:p>
+                      <a:endParaRPr lang="en-US" dirty="0"/>
+                    </a:p>
+                  </a:txBody>
+                  <a:tcPr/>
+                </a:tc>
+                <a:tc>
+                  <a:txBody>
+                    <a:bodyPr/>
+                    <a:lstStyle/>
+                    <a:p>
+                      <a:r>
+                        <a:rPr lang="en-US" dirty="0" smtClean="0"/>
+                        <a:t>Use </a:t>
+                      </a:r>
+                      <a:r>
+                        <a:rPr lang="en-US" dirty="0" err="1" smtClean="0"/>
+                        <a:t>parrow</a:t>
+                      </a:r>
+                      <a:r>
+                        <a:rPr lang="en-US" dirty="0" smtClean="0"/>
+                        <a:t>, </a:t>
+                      </a:r>
+                      <a:r>
+                        <a:rPr lang="en-US" dirty="0" err="1" smtClean="0"/>
+                        <a:t>pyspark</a:t>
+                      </a:r>
+                      <a:r>
+                        <a:rPr lang="en-US" dirty="0" smtClean="0"/>
+                        <a:t> , lexical analysis</a:t>
+                      </a:r>
+                      <a:endParaRPr lang="en-US" dirty="0"/>
+                    </a:p>
+                  </a:txBody>
+                  <a:tcPr/>
+                </a:tc>
+              </a:tr>
+            </a:tbl>
+          </a:graphicData>
+        </a:graphic>
+      </p:graphicFrame>
     </p:spTree>
     <p:extLst>
       <p:ext uri="{BB962C8B-B14F-4D97-AF65-F5344CB8AC3E}">
-        <p14:creationId xmlns:p14="http://schemas.microsoft.com/office/powerpoint/2010/main" val="28244178"/>
+        <p14:creationId xmlns:p14="http://schemas.microsoft.com/office/powerpoint/2010/main" val="3559383738"/>
       </p:ext>
     </p:extLst>
   </p:cSld>
   <p:clrMapOvr>
     <a:masterClrMapping/>
   </p:clrMapOvr>
+  <p:timing>
+    <p:tnLst>
+      <p:par>
+        <p:cTn id="1" dur="indefinite" restart="never" nodeType="tmRoot"/>
+      </p:par>
+    </p:tnLst>
+  </p:timing>
 </p:sld>
 </file>
 
@@ -3725,48 +4023,70 @@
             <p:ph type="title"/>
           </p:nvPr>
         </p:nvSpPr>
-        <p:spPr/>
+        <p:spPr>
+          <a:xfrm>
+            <a:off x="533588" y="418415"/>
+            <a:ext cx="8229600" cy="1143000"/>
+          </a:xfrm>
+        </p:spPr>
         <p:txBody>
           <a:bodyPr/>
           <a:lstStyle/>
           <a:p>
             <a:r>
-              <a:rPr lang="en-US" dirty="0" smtClean="0"/>
-              <a:t>API Result</a:t>
+              <a:rPr lang="en-US" smtClean="0"/>
+              <a:t>Solution architecture</a:t>
             </a:r>
             <a:endParaRPr lang="en-US" dirty="0"/>
           </a:p>
         </p:txBody>
       </p:sp>
-      <p:sp>
-        <p:nvSpPr>
-          <p:cNvPr id="3" name="Content Placeholder 2"/>
-          <p:cNvSpPr>
-            <a:spLocks noGrp="1"/>
-          </p:cNvSpPr>
+      <p:pic>
+        <p:nvPicPr>
+          <p:cNvPr id="4" name="Content Placeholder 3"/>
+          <p:cNvPicPr>
+            <a:picLocks noGrp="1" noChangeAspect="1"/>
+          </p:cNvPicPr>
           <p:nvPr>
             <p:ph idx="1"/>
           </p:nvPr>
-        </p:nvSpPr>
-        <p:spPr/>
-        <p:txBody>
-          <a:bodyPr/>
-          <a:lstStyle/>
-          <a:p>
-            <a:endParaRPr lang="en-US"/>
-          </a:p>
-        </p:txBody>
-      </p:sp>
+        </p:nvPicPr>
+        <p:blipFill>
+          <a:blip r:embed="rId2">
+            <a:extLst>
+              <a:ext uri="{28A0092B-C50C-407E-A947-70E740481C1C}">
+                <a14:useLocalDpi xmlns:a14="http://schemas.microsoft.com/office/drawing/2010/main" val="0"/>
+              </a:ext>
+            </a:extLst>
+          </a:blip>
+          <a:stretch>
+            <a:fillRect/>
+          </a:stretch>
+        </p:blipFill>
+        <p:spPr>
+          <a:xfrm>
+            <a:off x="127077" y="1447800"/>
+            <a:ext cx="9016923" cy="5181600"/>
+          </a:xfrm>
+        </p:spPr>
+      </p:pic>
     </p:spTree>
     <p:extLst>
       <p:ext uri="{BB962C8B-B14F-4D97-AF65-F5344CB8AC3E}">
-        <p14:creationId xmlns:p14="http://schemas.microsoft.com/office/powerpoint/2010/main" val="1964454756"/>
+        <p14:creationId xmlns:p14="http://schemas.microsoft.com/office/powerpoint/2010/main" val="2944557163"/>
       </p:ext>
     </p:extLst>
   </p:cSld>
   <p:clrMapOvr>
     <a:masterClrMapping/>
   </p:clrMapOvr>
+  <p:timing>
+    <p:tnLst>
+      <p:par>
+        <p:cTn id="1" dur="indefinite" restart="never" nodeType="tmRoot"/>
+      </p:par>
+    </p:tnLst>
+  </p:timing>
 </p:sld>
 </file>
 
@@ -3799,46 +4119,59 @@
         </p:nvSpPr>
         <p:spPr/>
         <p:txBody>
+          <a:bodyPr>
+            <a:normAutofit fontScale="90000"/>
+          </a:bodyPr>
+          <a:lstStyle/>
+          <a:p>
+            <a:r>
+              <a:rPr lang="en-US" dirty="0" smtClean="0"/>
+              <a:t>Data streaming engine is implemented in </a:t>
+            </a:r>
+            <a:r>
+              <a:rPr lang="en-US" dirty="0" err="1" smtClean="0"/>
+              <a:t>nifi</a:t>
+            </a:r>
+            <a:endParaRPr lang="en-US" dirty="0"/>
+          </a:p>
+        </p:txBody>
+      </p:sp>
+      <p:sp>
+        <p:nvSpPr>
+          <p:cNvPr id="5" name="Content Placeholder 4"/>
+          <p:cNvSpPr>
+            <a:spLocks noGrp="1"/>
+          </p:cNvSpPr>
+          <p:nvPr>
+            <p:ph idx="1"/>
+          </p:nvPr>
+        </p:nvSpPr>
+        <p:spPr/>
+        <p:txBody>
           <a:bodyPr/>
           <a:lstStyle/>
           <a:p>
-            <a:r>
-              <a:rPr lang="en-US" dirty="0" smtClean="0"/>
-              <a:t>JOLT Specification</a:t>
-            </a:r>
-            <a:endParaRPr lang="en-US" dirty="0"/>
-          </a:p>
-        </p:txBody>
-      </p:sp>
-      <p:sp>
-        <p:nvSpPr>
-          <p:cNvPr id="3" name="Content Placeholder 2"/>
-          <p:cNvSpPr>
-            <a:spLocks noGrp="1"/>
-          </p:cNvSpPr>
-          <p:nvPr>
-            <p:ph idx="1"/>
-          </p:nvPr>
-        </p:nvSpPr>
-        <p:spPr/>
-        <p:txBody>
-          <a:bodyPr/>
-          <a:lstStyle/>
-          <a:p>
-            <a:endParaRPr lang="en-US" dirty="0"/>
+            <a:endParaRPr lang="en-US"/>
           </a:p>
         </p:txBody>
       </p:sp>
     </p:spTree>
     <p:extLst>
       <p:ext uri="{BB962C8B-B14F-4D97-AF65-F5344CB8AC3E}">
-        <p14:creationId xmlns:p14="http://schemas.microsoft.com/office/powerpoint/2010/main" val="193232357"/>
+        <p14:creationId xmlns:p14="http://schemas.microsoft.com/office/powerpoint/2010/main" val="28244178"/>
       </p:ext>
     </p:extLst>
   </p:cSld>
   <p:clrMapOvr>
     <a:masterClrMapping/>
   </p:clrMapOvr>
+  <p:timing>
+    <p:tnLst>
+      <p:par>
+        <p:cTn id="1" dur="indefinite" restart="never" nodeType="tmRoot"/>
+      </p:par>
+    </p:tnLst>
+  </p:timing>
 </p:sld>
 </file>
 
@@ -3876,7 +4209,7 @@
           <a:p>
             <a:r>
               <a:rPr lang="en-US" dirty="0" smtClean="0"/>
-              <a:t>Result producer data</a:t>
+              <a:t>API Result</a:t>
             </a:r>
             <a:endParaRPr lang="en-US" dirty="0"/>
           </a:p>
@@ -3894,8 +4227,846 @@
         </p:nvSpPr>
         <p:spPr/>
         <p:txBody>
-          <a:bodyPr/>
+          <a:bodyPr>
+            <a:normAutofit fontScale="25000" lnSpcReduction="20000"/>
+          </a:bodyPr>
           <a:lstStyle/>
+          <a:p>
+            <a:r>
+              <a:rPr lang="en-US" sz="5600" b="1" dirty="0" smtClean="0"/>
+              <a:t>Large and not useful file format. The example saved in </a:t>
+            </a:r>
+            <a:r>
+              <a:rPr lang="en-US" sz="5600" b="1" dirty="0" err="1" smtClean="0"/>
+              <a:t>github</a:t>
+            </a:r>
+            <a:endParaRPr lang="en-US" sz="5600" b="1" dirty="0" smtClean="0"/>
+          </a:p>
+          <a:p>
+            <a:r>
+              <a:rPr lang="en-US" sz="5600" b="1" dirty="0" smtClean="0">
+                <a:hlinkClick r:id="rId2"/>
+              </a:rPr>
+              <a:t>https://github.com/katkovOlga/nayaProject/blob/main/Dr_dr_Out.txt</a:t>
+            </a:r>
+            <a:endParaRPr lang="en-US" sz="5600" b="1" dirty="0" smtClean="0"/>
+          </a:p>
+          <a:p>
+            <a:r>
+              <a:rPr lang="en-US" sz="5600" b="1" dirty="0" smtClean="0"/>
+              <a:t>It seems so, followed part of </a:t>
+            </a:r>
+            <a:r>
+              <a:rPr lang="en-US" sz="5600" b="1" dirty="0" err="1" smtClean="0"/>
+              <a:t>api</a:t>
+            </a:r>
+            <a:r>
+              <a:rPr lang="en-US" sz="5600" b="1" dirty="0" smtClean="0"/>
+              <a:t> result:</a:t>
+            </a:r>
+          </a:p>
+          <a:p>
+            <a:endParaRPr lang="en-US" dirty="0"/>
+          </a:p>
+          <a:p>
+            <a:r>
+              <a:rPr lang="en-US" dirty="0" smtClean="0"/>
+              <a:t>{"</a:t>
+            </a:r>
+            <a:r>
+              <a:rPr lang="en-US" dirty="0" err="1" smtClean="0"/>
+              <a:t>nlmDisclaimer</a:t>
+            </a:r>
+            <a:r>
+              <a:rPr lang="en-US" dirty="0" smtClean="0"/>
+              <a:t>":"It is not the intention of NLM to provide specific medical advice, but rather to provide users with information to better understand their health and their medications. NLM urges you to consult with a qualified physician for advice about medications.","</a:t>
+            </a:r>
+            <a:r>
+              <a:rPr lang="en-US" dirty="0" err="1" smtClean="0"/>
+              <a:t>interactionTypeGroup</a:t>
+            </a:r>
+            <a:r>
+              <a:rPr lang="en-US" dirty="0" smtClean="0"/>
+              <a:t>":[{"</a:t>
+            </a:r>
+            <a:r>
+              <a:rPr lang="en-US" dirty="0" err="1" smtClean="0"/>
+              <a:t>sourceDisclaimer</a:t>
+            </a:r>
+            <a:r>
+              <a:rPr lang="en-US" dirty="0" smtClean="0"/>
+              <a:t>":"</a:t>
+            </a:r>
+            <a:r>
+              <a:rPr lang="en-US" dirty="0" err="1" smtClean="0"/>
+              <a:t>DrugBank</a:t>
+            </a:r>
+            <a:r>
+              <a:rPr lang="en-US" dirty="0" smtClean="0"/>
+              <a:t> is intended for educational and scientific research purposes only and you expressly acknowledge and agree that use of </a:t>
+            </a:r>
+            <a:r>
+              <a:rPr lang="en-US" dirty="0" err="1" smtClean="0"/>
+              <a:t>DrugBank</a:t>
+            </a:r>
+            <a:r>
+              <a:rPr lang="en-US" dirty="0" smtClean="0"/>
+              <a:t> is at your sole risk. The accuracy of </a:t>
+            </a:r>
+            <a:r>
+              <a:rPr lang="en-US" dirty="0" err="1" smtClean="0"/>
+              <a:t>DrugBank</a:t>
+            </a:r>
+            <a:r>
+              <a:rPr lang="en-US" dirty="0" smtClean="0"/>
+              <a:t> information is not guaranteed and reliance on </a:t>
+            </a:r>
+            <a:r>
+              <a:rPr lang="en-US" dirty="0" err="1" smtClean="0"/>
+              <a:t>DrugBank</a:t>
+            </a:r>
+            <a:r>
+              <a:rPr lang="en-US" dirty="0" smtClean="0"/>
+              <a:t> shall be at your sole risk. </a:t>
+            </a:r>
+            <a:r>
+              <a:rPr lang="en-US" dirty="0" err="1" smtClean="0"/>
+              <a:t>DrugBank</a:t>
+            </a:r>
+            <a:r>
+              <a:rPr lang="en-US" dirty="0" smtClean="0"/>
+              <a:t> is not intended as a substitute for professional medical advice, diagnosis or treatment..[www.drugbank.ca]","sourceName":"DrugBank","interactionType":[{"comment":"aspirin (1191) is resolved to aspirin (1191)","</a:t>
+            </a:r>
+            <a:r>
+              <a:rPr lang="en-US" dirty="0" err="1" smtClean="0"/>
+              <a:t>minConceptItem</a:t>
+            </a:r>
+            <a:r>
+              <a:rPr lang="en-US" dirty="0" smtClean="0"/>
+              <a:t>":{"rxcui":"1191","name":"aspirin","tty":"IN"},"</a:t>
+            </a:r>
+            <a:r>
+              <a:rPr lang="en-US" dirty="0" err="1" smtClean="0"/>
+              <a:t>interactionPair</a:t>
+            </a:r>
+            <a:r>
+              <a:rPr lang="en-US" dirty="0" smtClean="0"/>
+              <a:t>":[{"</a:t>
+            </a:r>
+            <a:r>
+              <a:rPr lang="en-US" dirty="0" err="1" smtClean="0"/>
+              <a:t>interactionConcept</a:t>
+            </a:r>
+            <a:r>
+              <a:rPr lang="en-US" dirty="0" smtClean="0"/>
+              <a:t>":[{"</a:t>
+            </a:r>
+            <a:r>
+              <a:rPr lang="en-US" dirty="0" err="1" smtClean="0"/>
+              <a:t>minConceptItem</a:t>
+            </a:r>
+            <a:r>
+              <a:rPr lang="en-US" dirty="0" smtClean="0"/>
+              <a:t>":{"rxcui":"1191","name":"aspirin","tty":"IN"},"</a:t>
+            </a:r>
+            <a:r>
+              <a:rPr lang="en-US" dirty="0" err="1" smtClean="0"/>
+              <a:t>sourceConceptItem</a:t>
+            </a:r>
+            <a:r>
+              <a:rPr lang="en-US" dirty="0" smtClean="0"/>
+              <a:t>":{"id":"DB00945","name":"Acetylsalicylic acid","</a:t>
+            </a:r>
+            <a:r>
+              <a:rPr lang="en-US" dirty="0" err="1" smtClean="0"/>
+              <a:t>url</a:t>
+            </a:r>
+            <a:r>
+              <a:rPr lang="en-US" dirty="0" smtClean="0"/>
+              <a:t>":"https://go.drugbank.com/drugs/DB00945#interactions"}},{"</a:t>
+            </a:r>
+            <a:r>
+              <a:rPr lang="en-US" dirty="0" err="1" smtClean="0"/>
+              <a:t>minConceptItem</a:t>
+            </a:r>
+            <a:r>
+              <a:rPr lang="en-US" dirty="0" smtClean="0"/>
+              <a:t>":{"rxcui":"1000492","name":"resveratrol","tty":"IN"},"</a:t>
+            </a:r>
+            <a:r>
+              <a:rPr lang="en-US" dirty="0" err="1" smtClean="0"/>
+              <a:t>sourceConceptItem</a:t>
+            </a:r>
+            <a:r>
+              <a:rPr lang="en-US" dirty="0" smtClean="0"/>
+              <a:t>":{"id":"DB02709","name":"Resveratrol","url":"https://go.drugbank.com/drugs/DB02709#interactions"}}],"</a:t>
+            </a:r>
+            <a:r>
+              <a:rPr lang="en-US" dirty="0" err="1" smtClean="0"/>
+              <a:t>severity":"N</a:t>
+            </a:r>
+            <a:r>
+              <a:rPr lang="en-US" dirty="0" smtClean="0"/>
+              <a:t>/</a:t>
+            </a:r>
+            <a:r>
+              <a:rPr lang="en-US" dirty="0" err="1" smtClean="0"/>
+              <a:t>A","description":"Acetylsalicylic</a:t>
+            </a:r>
+            <a:r>
+              <a:rPr lang="en-US" dirty="0" smtClean="0"/>
+              <a:t> acid may increase the antiplatelet activities of Resveratrol."},{"</a:t>
+            </a:r>
+            <a:r>
+              <a:rPr lang="en-US" dirty="0" err="1" smtClean="0"/>
+              <a:t>interactionConcept</a:t>
+            </a:r>
+            <a:r>
+              <a:rPr lang="en-US" dirty="0" smtClean="0"/>
+              <a:t>":[{"</a:t>
+            </a:r>
+            <a:r>
+              <a:rPr lang="en-US" dirty="0" err="1" smtClean="0"/>
+              <a:t>minConceptItem</a:t>
+            </a:r>
+            <a:r>
+              <a:rPr lang="en-US" dirty="0" smtClean="0"/>
+              <a:t>":{"rxcui":"1191","name":"aspirin","tty":"IN"},"</a:t>
+            </a:r>
+            <a:r>
+              <a:rPr lang="en-US" dirty="0" err="1" smtClean="0"/>
+              <a:t>sourceConceptItem</a:t>
+            </a:r>
+            <a:r>
+              <a:rPr lang="en-US" dirty="0" smtClean="0"/>
+              <a:t>":{"id":"DB00945","name":"Acetylsalicylic acid","</a:t>
+            </a:r>
+            <a:r>
+              <a:rPr lang="en-US" dirty="0" err="1" smtClean="0"/>
+              <a:t>url</a:t>
+            </a:r>
+            <a:r>
+              <a:rPr lang="en-US" dirty="0" smtClean="0"/>
+              <a:t>":"https://go.drugbank.com/drugs/DB00945#interactions"}},{"</a:t>
+            </a:r>
+            <a:r>
+              <a:rPr lang="en-US" dirty="0" err="1" smtClean="0"/>
+              <a:t>minConceptItem</a:t>
+            </a:r>
+            <a:r>
+              <a:rPr lang="en-US" dirty="0" smtClean="0"/>
+              <a:t>":{"rxcui":"1001","name":"antipyrine","tty":"IN"},"</a:t>
+            </a:r>
+            <a:r>
+              <a:rPr lang="en-US" dirty="0" err="1" smtClean="0"/>
+              <a:t>sourceConceptItem</a:t>
+            </a:r>
+            <a:r>
+              <a:rPr lang="en-US" dirty="0" smtClean="0"/>
+              <a:t>":{"id":"DB01435","name":"Antipyrine","url":"https://go.drugbank.com/drugs/DB01435#interactions"}}],"</a:t>
+            </a:r>
+            <a:r>
+              <a:rPr lang="en-US" dirty="0" err="1" smtClean="0"/>
+              <a:t>severity":"N</a:t>
+            </a:r>
+            <a:r>
+              <a:rPr lang="en-US" dirty="0" smtClean="0"/>
+              <a:t>/</a:t>
+            </a:r>
+            <a:r>
+              <a:rPr lang="en-US" dirty="0" err="1" smtClean="0"/>
+              <a:t>A","description":"The</a:t>
+            </a:r>
+            <a:r>
+              <a:rPr lang="en-US" dirty="0" smtClean="0"/>
+              <a:t> therapeutic efficacy of Acetylsalicylic acid can be decreased when used in combination with </a:t>
+            </a:r>
+            <a:r>
+              <a:rPr lang="en-US" dirty="0" err="1" smtClean="0"/>
+              <a:t>Antipyrine</a:t>
+            </a:r>
+            <a:r>
+              <a:rPr lang="en-US" dirty="0" smtClean="0"/>
+              <a:t>."},{"</a:t>
+            </a:r>
+            <a:r>
+              <a:rPr lang="en-US" dirty="0" err="1" smtClean="0"/>
+              <a:t>interactionConcept</a:t>
+            </a:r>
+            <a:r>
+              <a:rPr lang="en-US" dirty="0" smtClean="0"/>
+              <a:t>":[{"</a:t>
+            </a:r>
+            <a:r>
+              <a:rPr lang="en-US" dirty="0" err="1" smtClean="0"/>
+              <a:t>minConceptItem</a:t>
+            </a:r>
+            <a:r>
+              <a:rPr lang="en-US" dirty="0" smtClean="0"/>
+              <a:t>":{"rxcui":"1191","name":"aspirin","tty":"IN"},"</a:t>
+            </a:r>
+            <a:r>
+              <a:rPr lang="en-US" dirty="0" err="1" smtClean="0"/>
+              <a:t>sourceConceptItem</a:t>
+            </a:r>
+            <a:r>
+              <a:rPr lang="en-US" dirty="0" smtClean="0"/>
+              <a:t>":{"id":"DB00945","name":"Acetylsalicylic acid","</a:t>
+            </a:r>
+            <a:r>
+              <a:rPr lang="en-US" dirty="0" err="1" smtClean="0"/>
+              <a:t>url</a:t>
+            </a:r>
+            <a:r>
+              <a:rPr lang="en-US" dirty="0" smtClean="0"/>
+              <a:t>":"https://go.drugbank.com/drugs/DB00945#interactions"}},{"</a:t>
+            </a:r>
+            <a:r>
+              <a:rPr lang="en-US" dirty="0" err="1" smtClean="0"/>
+              <a:t>minConceptItem</a:t>
+            </a:r>
+            <a:r>
+              <a:rPr lang="en-US" dirty="0" smtClean="0"/>
+              <a:t>":{"rxcui":"1005911","name":"influenza virus vaccine, live attenuated, A-Perth-16-2009 (H3N2) strain","</a:t>
+            </a:r>
+            <a:r>
+              <a:rPr lang="en-US" dirty="0" err="1" smtClean="0"/>
+              <a:t>tty</a:t>
+            </a:r>
+            <a:r>
+              <a:rPr lang="en-US" dirty="0" smtClean="0"/>
+              <a:t>":"IN"},"</a:t>
+            </a:r>
+            <a:r>
+              <a:rPr lang="en-US" dirty="0" err="1" smtClean="0"/>
+              <a:t>sourceConceptItem</a:t>
+            </a:r>
+            <a:r>
+              <a:rPr lang="en-US" dirty="0" smtClean="0"/>
+              <a:t>":{"id":"DB14449","name":"Influenza A virus A/Perth/16/2009 (H3N2) live (attenuated) antigen","</a:t>
+            </a:r>
+            <a:r>
+              <a:rPr lang="en-US" dirty="0" err="1" smtClean="0"/>
+              <a:t>url</a:t>
+            </a:r>
+            <a:r>
+              <a:rPr lang="en-US" dirty="0" smtClean="0"/>
+              <a:t>":"https://go.drugbank.com/drugs/DB14449#interactions"}}],"</a:t>
+            </a:r>
+            <a:r>
+              <a:rPr lang="en-US" dirty="0" err="1" smtClean="0"/>
+              <a:t>severity":"N</a:t>
+            </a:r>
+            <a:r>
+              <a:rPr lang="en-US" dirty="0" smtClean="0"/>
+              <a:t>/</a:t>
+            </a:r>
+            <a:r>
+              <a:rPr lang="en-US" dirty="0" err="1" smtClean="0"/>
+              <a:t>A","description":"The</a:t>
+            </a:r>
+            <a:r>
+              <a:rPr lang="en-US" dirty="0" smtClean="0"/>
+              <a:t> risk or severity of adverse effects can be increased when Influenza A virus A/Perth/16/2009 (H3N2) live (attenuated) antigen is combined with Acetylsalicylic acid."},{"</a:t>
+            </a:r>
+            <a:r>
+              <a:rPr lang="en-US" dirty="0" err="1" smtClean="0"/>
+              <a:t>interactionConcept</a:t>
+            </a:r>
+            <a:r>
+              <a:rPr lang="en-US" dirty="0" smtClean="0"/>
+              <a:t>":[{"</a:t>
+            </a:r>
+            <a:r>
+              <a:rPr lang="en-US" dirty="0" err="1" smtClean="0"/>
+              <a:t>minConceptItem</a:t>
+            </a:r>
+            <a:r>
+              <a:rPr lang="en-US" dirty="0" smtClean="0"/>
+              <a:t>":{"rxcui":"1191","name":"aspirin","tty":"IN"},"</a:t>
+            </a:r>
+            <a:r>
+              <a:rPr lang="en-US" dirty="0" err="1" smtClean="0"/>
+              <a:t>sourceConceptItem</a:t>
+            </a:r>
+            <a:r>
+              <a:rPr lang="en-US" dirty="0" smtClean="0"/>
+              <a:t>":{"id":"DB00945","name":"Acetylsalicylic acid","</a:t>
+            </a:r>
+            <a:r>
+              <a:rPr lang="en-US" dirty="0" err="1" smtClean="0"/>
+              <a:t>url</a:t>
+            </a:r>
+            <a:r>
+              <a:rPr lang="en-US" dirty="0" smtClean="0"/>
+              <a:t>":"https://go.drugbank.com/drugs/DB00945#interactions"}},{"</a:t>
+            </a:r>
+            <a:r>
+              <a:rPr lang="en-US" dirty="0" err="1" smtClean="0"/>
+              <a:t>minConceptItem</a:t>
+            </a:r>
+            <a:r>
+              <a:rPr lang="en-US" dirty="0" smtClean="0"/>
+              <a:t>":{"rxcui":"1006469","name":"doconexent","tty":"IN"},"</a:t>
+            </a:r>
+            <a:r>
+              <a:rPr lang="en-US" dirty="0" err="1" smtClean="0"/>
+              <a:t>sourceConceptItem</a:t>
+            </a:r>
+            <a:r>
+              <a:rPr lang="en-US" dirty="0" smtClean="0"/>
+              <a:t>":{"id":"DB03756","name":"Doconexent","url":"https://go.drugbank.com/drugs/DB03756#interactions"}}],"</a:t>
+            </a:r>
+            <a:r>
+              <a:rPr lang="en-US" dirty="0" err="1" smtClean="0"/>
+              <a:t>severity":"N</a:t>
+            </a:r>
+            <a:r>
+              <a:rPr lang="en-US" dirty="0" smtClean="0"/>
+              <a:t>/</a:t>
+            </a:r>
+            <a:r>
+              <a:rPr lang="en-US" dirty="0" err="1" smtClean="0"/>
+              <a:t>A","description":"The</a:t>
+            </a:r>
+            <a:r>
+              <a:rPr lang="en-US" dirty="0" smtClean="0"/>
+              <a:t> metabolism of Acetylsalicylic acid can be decreased when combined with </a:t>
+            </a:r>
+            <a:r>
+              <a:rPr lang="en-US" dirty="0" err="1" smtClean="0"/>
+              <a:t>Doconexent</a:t>
+            </a:r>
+            <a:r>
+              <a:rPr lang="en-US" dirty="0" smtClean="0"/>
+              <a:t>."},{"</a:t>
+            </a:r>
+            <a:r>
+              <a:rPr lang="en-US" dirty="0" err="1" smtClean="0"/>
+              <a:t>interactionConcept</a:t>
+            </a:r>
+            <a:r>
+              <a:rPr lang="en-US" dirty="0" smtClean="0"/>
+              <a:t>":[{"</a:t>
+            </a:r>
+            <a:r>
+              <a:rPr lang="en-US" dirty="0" err="1" smtClean="0"/>
+              <a:t>minConceptItem</a:t>
+            </a:r>
+            <a:r>
+              <a:rPr lang="en-US" dirty="0" smtClean="0"/>
+              <a:t>":{"rxcui":"1191","name":"aspirin","tty":"IN"},"</a:t>
+            </a:r>
+            <a:r>
+              <a:rPr lang="en-US" dirty="0" err="1" smtClean="0"/>
+              <a:t>sourceConceptItem</a:t>
+            </a:r>
+            <a:r>
+              <a:rPr lang="en-US" dirty="0" smtClean="0"/>
+              <a:t>":{"id":"DB00945","name":"Acetylsalicylic acid","</a:t>
+            </a:r>
+            <a:r>
+              <a:rPr lang="en-US" dirty="0" err="1" smtClean="0"/>
+              <a:t>url</a:t>
+            </a:r>
+            <a:r>
+              <a:rPr lang="en-US" dirty="0" smtClean="0"/>
+              <a:t>":"https://go.drugbank.com/drugs/DB00945#interactions"}},{"</a:t>
+            </a:r>
+            <a:r>
+              <a:rPr lang="en-US" dirty="0" err="1" smtClean="0"/>
+              <a:t>minConceptItem</a:t>
+            </a:r>
+            <a:r>
+              <a:rPr lang="en-US" dirty="0" smtClean="0"/>
+              <a:t>":{"rxcui":"1009","name":"antithrombin III","</a:t>
+            </a:r>
+            <a:r>
+              <a:rPr lang="en-US" dirty="0" err="1" smtClean="0"/>
+              <a:t>tty</a:t>
+            </a:r>
+            <a:r>
+              <a:rPr lang="en-US" dirty="0" smtClean="0"/>
+              <a:t>":"IN"},"</a:t>
+            </a:r>
+            <a:r>
+              <a:rPr lang="en-US" dirty="0" err="1" smtClean="0"/>
+              <a:t>sourceConceptItem</a:t>
+            </a:r>
+            <a:r>
+              <a:rPr lang="en-US" dirty="0" smtClean="0"/>
+              <a:t>":{"id":"DB11598","name":"Antithrombin III human","</a:t>
+            </a:r>
+            <a:r>
+              <a:rPr lang="en-US" dirty="0" err="1" smtClean="0"/>
+              <a:t>url</a:t>
+            </a:r>
+            <a:r>
+              <a:rPr lang="en-US" dirty="0" smtClean="0"/>
+              <a:t>":"https://go.drugbank.com/drugs/DB11598#interactions"}}],"</a:t>
+            </a:r>
+            <a:r>
+              <a:rPr lang="en-US" dirty="0" err="1" smtClean="0"/>
+              <a:t>severity":"N</a:t>
+            </a:r>
+            <a:r>
+              <a:rPr lang="en-US" dirty="0" smtClean="0"/>
+              <a:t>/</a:t>
+            </a:r>
+            <a:r>
+              <a:rPr lang="en-US" dirty="0" err="1" smtClean="0"/>
+              <a:t>A","description":"Acetylsalicylic</a:t>
+            </a:r>
+            <a:r>
+              <a:rPr lang="en-US" dirty="0" smtClean="0"/>
+              <a:t> acid may increase the anticoagulant activities of </a:t>
+            </a:r>
+            <a:r>
+              <a:rPr lang="en-US" dirty="0" err="1" smtClean="0"/>
+              <a:t>Antithrombin</a:t>
+            </a:r>
+            <a:r>
+              <a:rPr lang="en-US" dirty="0" smtClean="0"/>
+              <a:t> III human."},{"</a:t>
+            </a:r>
+            <a:r>
+              <a:rPr lang="en-US" dirty="0" err="1" smtClean="0"/>
+              <a:t>interactionConcept</a:t>
+            </a:r>
+            <a:r>
+              <a:rPr lang="en-US" dirty="0" smtClean="0"/>
+              <a:t>":[{"</a:t>
+            </a:r>
+            <a:r>
+              <a:rPr lang="en-US" dirty="0" err="1" smtClean="0"/>
+              <a:t>minConceptItem</a:t>
+            </a:r>
+            <a:r>
+              <a:rPr lang="en-US" dirty="0" smtClean="0"/>
+              <a:t>":{"rxcui":"1191","name":"aspirin","tty":"IN"},"</a:t>
+            </a:r>
+            <a:r>
+              <a:rPr lang="en-US" dirty="0" err="1" smtClean="0"/>
+              <a:t>sourceConceptItem</a:t>
+            </a:r>
+            <a:r>
+              <a:rPr lang="en-US" dirty="0" smtClean="0"/>
+              <a:t>":{"id":"DB00945","name":"Acetylsalicylic acid","</a:t>
+            </a:r>
+            <a:r>
+              <a:rPr lang="en-US" dirty="0" err="1" smtClean="0"/>
+              <a:t>url</a:t>
+            </a:r>
+            <a:r>
+              <a:rPr lang="en-US" dirty="0" smtClean="0"/>
+              <a:t>":"https://go.drugbank.com/drugs/DB00945#interactions"}},{"</a:t>
+            </a:r>
+            <a:r>
+              <a:rPr lang="en-US" dirty="0" err="1" smtClean="0"/>
+              <a:t>minConceptItem</a:t>
+            </a:r>
+            <a:r>
+              <a:rPr lang="en-US" dirty="0" smtClean="0"/>
+              <a:t>":{"rxcui":"10106","name":"streptokinase","tty":"IN"},"</a:t>
+            </a:r>
+            <a:r>
+              <a:rPr lang="en-US" dirty="0" err="1" smtClean="0"/>
+              <a:t>sourceConceptItem</a:t>
+            </a:r>
+            <a:r>
+              <a:rPr lang="en-US" dirty="0" smtClean="0"/>
+              <a:t>":{"id":"DB00086","name":"Streptokinase","url":"https://go.drugbank.com/drugs/DB00086#interactions"}}],"</a:t>
+            </a:r>
+            <a:r>
+              <a:rPr lang="en-US" dirty="0" err="1" smtClean="0"/>
+              <a:t>severity":"N</a:t>
+            </a:r>
+            <a:r>
+              <a:rPr lang="en-US" dirty="0" smtClean="0"/>
+              <a:t>/</a:t>
+            </a:r>
+            <a:r>
+              <a:rPr lang="en-US" dirty="0" err="1" smtClean="0"/>
+              <a:t>A","description":"Acetylsalicylic</a:t>
+            </a:r>
+            <a:r>
+              <a:rPr lang="en-US" dirty="0" smtClean="0"/>
+              <a:t> acid may increase the anticoagulant activities of Streptokinase."},{"</a:t>
+            </a:r>
+            <a:r>
+              <a:rPr lang="en-US" dirty="0" err="1" smtClean="0"/>
+              <a:t>interactionConcept</a:t>
+            </a:r>
+            <a:r>
+              <a:rPr lang="en-US" dirty="0" smtClean="0"/>
+              <a:t>":[{"</a:t>
+            </a:r>
+            <a:r>
+              <a:rPr lang="en-US" dirty="0" err="1" smtClean="0"/>
+              <a:t>minConceptItem</a:t>
+            </a:r>
+            <a:r>
+              <a:rPr lang="en-US" dirty="0" smtClean="0"/>
+              <a:t>":{"rxcui":"1191","name":"aspirin","tty":"IN"},"</a:t>
+            </a:r>
+            <a:r>
+              <a:rPr lang="en-US" dirty="0" err="1" smtClean="0"/>
+              <a:t>sourceConceptItem</a:t>
+            </a:r>
+            <a:r>
+              <a:rPr lang="en-US" dirty="0" smtClean="0"/>
+              <a:t>":{"id":"DB00945","name":"Acetylsalicylic acid","</a:t>
+            </a:r>
+            <a:r>
+              <a:rPr lang="en-US" dirty="0" err="1" smtClean="0"/>
+              <a:t>url</a:t>
+            </a:r>
+            <a:r>
+              <a:rPr lang="en-US" dirty="0" smtClean="0"/>
+              <a:t>":"https://go.drugbank.com/drugs/DB00945#interactions"}},{"</a:t>
+            </a:r>
+            <a:r>
+              <a:rPr lang="en-US" dirty="0" err="1" smtClean="0"/>
+              <a:t>minConceptItem</a:t>
+            </a:r>
+            <a:r>
+              <a:rPr lang="en-US" dirty="0" smtClean="0"/>
+              <a:t>":{"rxcui":"10109","name":"streptomycin","tty":"IN"},"</a:t>
+            </a:r>
+            <a:r>
+              <a:rPr lang="en-US" dirty="0" err="1" smtClean="0"/>
+              <a:t>sourceConceptItem</a:t>
+            </a:r>
+            <a:r>
+              <a:rPr lang="en-US" dirty="0" smtClean="0"/>
+              <a:t>":{"id":"DB01082","name":"Streptomycin","url":"https://go.drugbank.com/drugs/DB01082#interactions"}}],"</a:t>
+            </a:r>
+            <a:r>
+              <a:rPr lang="en-US" dirty="0" err="1" smtClean="0"/>
+              <a:t>severity":"N</a:t>
+            </a:r>
+            <a:r>
+              <a:rPr lang="en-US" dirty="0" smtClean="0"/>
+              <a:t>/</a:t>
+            </a:r>
+            <a:r>
+              <a:rPr lang="en-US" dirty="0" err="1" smtClean="0"/>
+              <a:t>A","description":"Acetylsalicylic</a:t>
+            </a:r>
+            <a:r>
+              <a:rPr lang="en-US" dirty="0" smtClean="0"/>
+              <a:t> acid may decrease the excretion rate of Streptomycin which could result in a higher serum level."},{"</a:t>
+            </a:r>
+            <a:r>
+              <a:rPr lang="en-US" dirty="0" err="1" smtClean="0"/>
+              <a:t>interactionConcept</a:t>
+            </a:r>
+            <a:r>
+              <a:rPr lang="en-US" dirty="0" smtClean="0"/>
+              <a:t>":[{"</a:t>
+            </a:r>
+            <a:r>
+              <a:rPr lang="en-US" dirty="0" err="1" smtClean="0"/>
+              <a:t>minConceptItem</a:t>
+            </a:r>
+            <a:r>
+              <a:rPr lang="en-US" dirty="0" smtClean="0"/>
+              <a:t>":{"rxcui":"1191","name":"aspirin","tty":"IN"},"</a:t>
+            </a:r>
+            <a:r>
+              <a:rPr lang="en-US" dirty="0" err="1" smtClean="0"/>
+              <a:t>sourceConceptItem</a:t>
+            </a:r>
+            <a:r>
+              <a:rPr lang="en-US" dirty="0" smtClean="0"/>
+              <a:t>":{"id":"DB00945","name":"Acetylsalicylic acid","</a:t>
+            </a:r>
+            <a:r>
+              <a:rPr lang="en-US" dirty="0" err="1" smtClean="0"/>
+              <a:t>url</a:t>
+            </a:r>
+            <a:r>
+              <a:rPr lang="en-US" dirty="0" smtClean="0"/>
+              <a:t>":"https://go.drugbank.com/drugs/DB00945#interactions"}},{"</a:t>
+            </a:r>
+            <a:r>
+              <a:rPr lang="en-US" dirty="0" err="1" smtClean="0"/>
+              <a:t>minConceptItem</a:t>
+            </a:r>
+            <a:r>
+              <a:rPr lang="en-US" dirty="0" smtClean="0"/>
+              <a:t>":{"rxcui":"10114","name":"streptozocin","tty":"IN"},"</a:t>
+            </a:r>
+            <a:r>
+              <a:rPr lang="en-US" dirty="0" err="1" smtClean="0"/>
+              <a:t>sourceConceptItem</a:t>
+            </a:r>
+            <a:r>
+              <a:rPr lang="en-US" dirty="0" smtClean="0"/>
+              <a:t>":{"id":"DB00428","name":"Streptozocin","url":"https://go.drugbank.com/drugs/DB00428#interactions"}}],"</a:t>
+            </a:r>
+            <a:r>
+              <a:rPr lang="en-US" dirty="0" err="1" smtClean="0"/>
+              <a:t>severity":"N</a:t>
+            </a:r>
+            <a:r>
+              <a:rPr lang="en-US" dirty="0" smtClean="0"/>
+              <a:t>/</a:t>
+            </a:r>
+            <a:r>
+              <a:rPr lang="en-US" dirty="0" err="1" smtClean="0"/>
+              <a:t>A","description":"The</a:t>
+            </a:r>
+            <a:r>
+              <a:rPr lang="en-US" dirty="0" smtClean="0"/>
+              <a:t> risk or severity of bleeding can be increased when Acetylsalicylic acid is combined with </a:t>
+            </a:r>
+            <a:r>
+              <a:rPr lang="en-US" dirty="0" err="1" smtClean="0"/>
+              <a:t>Streptozocin</a:t>
+            </a:r>
+            <a:r>
+              <a:rPr lang="en-US" dirty="0" smtClean="0"/>
+              <a:t>."},{"</a:t>
+            </a:r>
+            <a:r>
+              <a:rPr lang="en-US" dirty="0" err="1" smtClean="0"/>
+              <a:t>interactionConcept</a:t>
+            </a:r>
+            <a:r>
+              <a:rPr lang="en-US" dirty="0" smtClean="0"/>
+              <a:t>":[{"</a:t>
+            </a:r>
+            <a:r>
+              <a:rPr lang="en-US" dirty="0" err="1" smtClean="0"/>
+              <a:t>minConceptItem</a:t>
+            </a:r>
+            <a:r>
+              <a:rPr lang="en-US" dirty="0" smtClean="0"/>
+              <a:t>":{"rxcui":"1191","name":"aspirin","tty":"IN"},"</a:t>
+            </a:r>
+            <a:r>
+              <a:rPr lang="en-US" dirty="0" err="1" smtClean="0"/>
+              <a:t>sourceConceptItem</a:t>
+            </a:r>
+            <a:r>
+              <a:rPr lang="en-US" dirty="0" smtClean="0"/>
+              <a:t>":{"id":"DB00945","name":"Acetylsalicylic acid","</a:t>
+            </a:r>
+            <a:r>
+              <a:rPr lang="en-US" dirty="0" err="1" smtClean="0"/>
+              <a:t>url</a:t>
+            </a:r>
+            <a:r>
+              <a:rPr lang="en-US" dirty="0" smtClean="0"/>
+              <a:t>":"https://go.drugbank.com/drugs/DB00945#interactions"}},{"</a:t>
+            </a:r>
+            <a:r>
+              <a:rPr lang="en-US" dirty="0" err="1" smtClean="0"/>
+              <a:t>minConceptItem</a:t>
+            </a:r>
+            <a:r>
+              <a:rPr lang="en-US" dirty="0" smtClean="0"/>
+              <a:t>":{"rxcui":"10154","name":"succinylcholine","tty":"IN"},"</a:t>
+            </a:r>
+            <a:r>
+              <a:rPr lang="en-US" dirty="0" err="1" smtClean="0"/>
+              <a:t>sourceConceptItem</a:t>
+            </a:r>
+            <a:r>
+              <a:rPr lang="en-US" dirty="0" smtClean="0"/>
+              <a:t>":{"id":"DB00202","name":"Succinylcholine","url":"https://go.drugbank.com/drugs/DB00202#interactions"}}],"</a:t>
+            </a:r>
+            <a:r>
+              <a:rPr lang="en-US" dirty="0" err="1" smtClean="0"/>
+              <a:t>severity":"N</a:t>
+            </a:r>
+            <a:r>
+              <a:rPr lang="en-US" dirty="0" smtClean="0"/>
+              <a:t>/</a:t>
+            </a:r>
+            <a:r>
+              <a:rPr lang="en-US" dirty="0" err="1" smtClean="0"/>
+              <a:t>A","description":"The</a:t>
+            </a:r>
+            <a:r>
+              <a:rPr lang="en-US" dirty="0" smtClean="0"/>
+              <a:t> risk or severity of hyperkalemia can be increased when Succinylcholine is combined with Acetylsalicylic acid."},{"</a:t>
+            </a:r>
+            <a:r>
+              <a:rPr lang="en-US" dirty="0" err="1" smtClean="0"/>
+              <a:t>interactionConcept</a:t>
+            </a:r>
+            <a:r>
+              <a:rPr lang="en-US" dirty="0" smtClean="0"/>
+              <a:t>":[{"</a:t>
+            </a:r>
+            <a:r>
+              <a:rPr lang="en-US" dirty="0" err="1" smtClean="0"/>
+              <a:t>minConceptItem</a:t>
+            </a:r>
+            <a:r>
+              <a:rPr lang="en-US" dirty="0" smtClean="0"/>
+              <a:t>":{"rxcui":"1191","name":"aspirin","tty":"IN"},"</a:t>
+            </a:r>
+            <a:r>
+              <a:rPr lang="en-US" dirty="0" err="1" smtClean="0"/>
+              <a:t>sourceConceptItem</a:t>
+            </a:r>
+            <a:r>
+              <a:rPr lang="en-US" dirty="0" smtClean="0"/>
+              <a:t>":{"id":"DB00945","name":"Acetylsalicylic acid","</a:t>
+            </a:r>
+            <a:r>
+              <a:rPr lang="en-US" dirty="0" err="1" smtClean="0"/>
+              <a:t>url</a:t>
+            </a:r>
+            <a:r>
+              <a:rPr lang="en-US" dirty="0" smtClean="0"/>
+              <a:t>":"https://go.drugbank.com/drugs/DB00945#interactions"}},{"</a:t>
+            </a:r>
+            <a:r>
+              <a:rPr lang="en-US" dirty="0" err="1" smtClean="0"/>
+              <a:t>minConceptItem</a:t>
+            </a:r>
+            <a:r>
+              <a:rPr lang="en-US" dirty="0" smtClean="0"/>
+              <a:t>":{"rxcui":"10167","name":"sulbactam","tty":"IN"},"</a:t>
+            </a:r>
+            <a:r>
+              <a:rPr lang="en-US" dirty="0" err="1" smtClean="0"/>
+              <a:t>sourceConceptItem</a:t>
+            </a:r>
+            <a:r>
+              <a:rPr lang="en-US" dirty="0" smtClean="0"/>
+              <a:t>":{"id":"DB09324","name":"Sulbactam","url":"https://go.drugbank.com/drugs/DB09324#interactions"}}],"</a:t>
+            </a:r>
+            <a:r>
+              <a:rPr lang="en-US" dirty="0" err="1" smtClean="0"/>
+              <a:t>severity":"N</a:t>
+            </a:r>
+            <a:r>
+              <a:rPr lang="en-US" dirty="0" smtClean="0"/>
+              <a:t>/</a:t>
+            </a:r>
+            <a:r>
+              <a:rPr lang="en-US" dirty="0" err="1" smtClean="0"/>
+              <a:t>A","description":"Acetylsalicylic</a:t>
+            </a:r>
+            <a:r>
+              <a:rPr lang="en-US" dirty="0" smtClean="0"/>
+              <a:t> acid may decrease the excretion rate of </a:t>
+            </a:r>
+            <a:r>
+              <a:rPr lang="en-US" dirty="0" err="1" smtClean="0"/>
+              <a:t>Sulbactam</a:t>
+            </a:r>
+            <a:r>
+              <a:rPr lang="en-US" dirty="0" smtClean="0"/>
+              <a:t> which could result in a higher serum level."}</a:t>
+            </a:r>
+            <a:endParaRPr lang="en-US" dirty="0"/>
+          </a:p>
           <a:p>
             <a:endParaRPr lang="en-US" dirty="0"/>
           </a:p>
@@ -3904,13 +5075,20 @@
     </p:spTree>
     <p:extLst>
       <p:ext uri="{BB962C8B-B14F-4D97-AF65-F5344CB8AC3E}">
-        <p14:creationId xmlns:p14="http://schemas.microsoft.com/office/powerpoint/2010/main" val="707677580"/>
+        <p14:creationId xmlns:p14="http://schemas.microsoft.com/office/powerpoint/2010/main" val="1964454756"/>
       </p:ext>
     </p:extLst>
   </p:cSld>
   <p:clrMapOvr>
     <a:masterClrMapping/>
   </p:clrMapOvr>
+  <p:timing>
+    <p:tnLst>
+      <p:par>
+        <p:cTn id="1" dur="indefinite" restart="never" nodeType="tmRoot"/>
+      </p:par>
+    </p:tnLst>
+  </p:timing>
 </p:sld>
 </file>
 
@@ -3943,48 +5121,335 @@
         </p:nvSpPr>
         <p:spPr/>
         <p:txBody>
+          <a:bodyPr/>
+          <a:lstStyle/>
+          <a:p>
+            <a:r>
+              <a:rPr lang="en-US" dirty="0" smtClean="0"/>
+              <a:t>JOLT Specification</a:t>
+            </a:r>
+            <a:endParaRPr lang="en-US" dirty="0"/>
+          </a:p>
+        </p:txBody>
+      </p:sp>
+      <p:sp>
+        <p:nvSpPr>
+          <p:cNvPr id="3" name="Content Placeholder 2"/>
+          <p:cNvSpPr>
+            <a:spLocks noGrp="1"/>
+          </p:cNvSpPr>
+          <p:nvPr>
+            <p:ph idx="1"/>
+          </p:nvPr>
+        </p:nvSpPr>
+        <p:spPr>
+          <a:xfrm>
+            <a:off x="533400" y="1371600"/>
+            <a:ext cx="8229600" cy="4525963"/>
+          </a:xfrm>
+        </p:spPr>
+        <p:txBody>
           <a:bodyPr>
-            <a:normAutofit fontScale="90000"/>
+            <a:noAutofit/>
           </a:bodyPr>
           <a:lstStyle/>
           <a:p>
-            <a:r>
-              <a:rPr lang="en-US" dirty="0" smtClean="0"/>
-              <a:t>Lexical analysis and data transformation</a:t>
-            </a:r>
-            <a:endParaRPr lang="en-US" dirty="0"/>
-          </a:p>
-        </p:txBody>
-      </p:sp>
-      <p:sp>
-        <p:nvSpPr>
-          <p:cNvPr id="3" name="Content Placeholder 2"/>
-          <p:cNvSpPr>
-            <a:spLocks noGrp="1"/>
-          </p:cNvSpPr>
-          <p:nvPr>
-            <p:ph idx="1"/>
-          </p:nvPr>
-        </p:nvSpPr>
-        <p:spPr/>
-        <p:txBody>
-          <a:bodyPr/>
-          <a:lstStyle/>
-          <a:p>
-            <a:endParaRPr lang="en-US" dirty="0"/>
+            <a:pPr marL="0" indent="0">
+              <a:buNone/>
+            </a:pPr>
+            <a:r>
+              <a:rPr lang="en-US" sz="1200" dirty="0" smtClean="0"/>
+              <a:t>[{</a:t>
+            </a:r>
+          </a:p>
+          <a:p>
+            <a:pPr marL="0" indent="0">
+              <a:buNone/>
+            </a:pPr>
+            <a:r>
+              <a:rPr lang="en-US" sz="1200" dirty="0" smtClean="0"/>
+              <a:t>  "operation": "shift",</a:t>
+            </a:r>
+          </a:p>
+          <a:p>
+            <a:pPr marL="0" indent="0">
+              <a:buNone/>
+            </a:pPr>
+            <a:r>
+              <a:rPr lang="en-US" sz="1200" dirty="0" smtClean="0"/>
+              <a:t>  "spec": {</a:t>
+            </a:r>
+          </a:p>
+          <a:p>
+            <a:pPr marL="0" indent="0">
+              <a:buNone/>
+            </a:pPr>
+            <a:r>
+              <a:rPr lang="en-US" sz="1200" dirty="0" smtClean="0"/>
+              <a:t>    "</a:t>
+            </a:r>
+            <a:r>
+              <a:rPr lang="en-US" sz="1200" dirty="0" err="1" smtClean="0"/>
+              <a:t>interactionTypeGroup</a:t>
+            </a:r>
+            <a:r>
+              <a:rPr lang="en-US" sz="1200" dirty="0" smtClean="0"/>
+              <a:t>": {</a:t>
+            </a:r>
+          </a:p>
+          <a:p>
+            <a:pPr marL="0" indent="0">
+              <a:buNone/>
+            </a:pPr>
+            <a:r>
+              <a:rPr lang="en-US" sz="1200" dirty="0" smtClean="0"/>
+              <a:t>      "*": {</a:t>
+            </a:r>
+          </a:p>
+          <a:p>
+            <a:pPr marL="0" indent="0">
+              <a:buNone/>
+            </a:pPr>
+            <a:r>
+              <a:rPr lang="en-US" sz="1200" dirty="0" smtClean="0"/>
+              <a:t>        "</a:t>
+            </a:r>
+            <a:r>
+              <a:rPr lang="en-US" sz="1200" dirty="0" err="1" smtClean="0"/>
+              <a:t>interactionType</a:t>
+            </a:r>
+            <a:r>
+              <a:rPr lang="en-US" sz="1200" dirty="0" smtClean="0"/>
+              <a:t>": {</a:t>
+            </a:r>
+          </a:p>
+          <a:p>
+            <a:pPr marL="0" indent="0">
+              <a:buNone/>
+            </a:pPr>
+            <a:r>
+              <a:rPr lang="en-US" sz="1200" dirty="0" smtClean="0"/>
+              <a:t>          "*": {</a:t>
+            </a:r>
+          </a:p>
+          <a:p>
+            <a:pPr marL="0" indent="0">
+              <a:buNone/>
+            </a:pPr>
+            <a:r>
+              <a:rPr lang="en-US" sz="1200" dirty="0" smtClean="0"/>
+              <a:t>            "</a:t>
+            </a:r>
+            <a:r>
+              <a:rPr lang="en-US" sz="1200" dirty="0" err="1" smtClean="0"/>
+              <a:t>minConceptItem</a:t>
+            </a:r>
+            <a:r>
+              <a:rPr lang="en-US" sz="1200" dirty="0" smtClean="0"/>
+              <a:t>": {</a:t>
+            </a:r>
+          </a:p>
+          <a:p>
+            <a:pPr marL="0" indent="0">
+              <a:buNone/>
+            </a:pPr>
+            <a:r>
+              <a:rPr lang="en-US" sz="1200" dirty="0" smtClean="0"/>
+              <a:t>              "</a:t>
+            </a:r>
+            <a:r>
+              <a:rPr lang="en-US" sz="1200" dirty="0" err="1" smtClean="0"/>
+              <a:t>rxcui</a:t>
+            </a:r>
+            <a:r>
+              <a:rPr lang="en-US" sz="1200" dirty="0" smtClean="0"/>
+              <a:t>": "</a:t>
+            </a:r>
+            <a:r>
+              <a:rPr lang="en-US" sz="1200" dirty="0" err="1" smtClean="0"/>
+              <a:t>rxcui</a:t>
+            </a:r>
+            <a:r>
+              <a:rPr lang="en-US" sz="1200" dirty="0" smtClean="0"/>
+              <a:t>",</a:t>
+            </a:r>
+          </a:p>
+          <a:p>
+            <a:pPr marL="0" indent="0">
+              <a:buNone/>
+            </a:pPr>
+            <a:r>
+              <a:rPr lang="en-US" sz="1200" dirty="0" smtClean="0"/>
+              <a:t>              "name": "name"</a:t>
+            </a:r>
+          </a:p>
+          <a:p>
+            <a:pPr marL="0" indent="0">
+              <a:buNone/>
+            </a:pPr>
+            <a:r>
+              <a:rPr lang="en-US" sz="1200" dirty="0" smtClean="0"/>
+              <a:t>            },</a:t>
+            </a:r>
+          </a:p>
+          <a:p>
+            <a:pPr marL="0" indent="0">
+              <a:buNone/>
+            </a:pPr>
+            <a:r>
+              <a:rPr lang="en-US" sz="1200" dirty="0" smtClean="0"/>
+              <a:t>            "</a:t>
+            </a:r>
+            <a:r>
+              <a:rPr lang="en-US" sz="1200" dirty="0" err="1" smtClean="0"/>
+              <a:t>interactionPair</a:t>
+            </a:r>
+            <a:r>
+              <a:rPr lang="en-US" sz="1200" dirty="0" smtClean="0"/>
+              <a:t>": {</a:t>
+            </a:r>
+          </a:p>
+          <a:p>
+            <a:pPr marL="0" indent="0">
+              <a:buNone/>
+            </a:pPr>
+            <a:r>
+              <a:rPr lang="en-US" sz="1200" dirty="0" smtClean="0"/>
+              <a:t>              "*": {</a:t>
+            </a:r>
+          </a:p>
+          <a:p>
+            <a:pPr marL="0" indent="0">
+              <a:buNone/>
+            </a:pPr>
+            <a:r>
+              <a:rPr lang="en-US" sz="1200" dirty="0" smtClean="0"/>
+              <a:t>                "severity": "severity",</a:t>
+            </a:r>
+          </a:p>
+          <a:p>
+            <a:pPr marL="0" indent="0">
+              <a:buNone/>
+            </a:pPr>
+            <a:r>
+              <a:rPr lang="en-US" sz="1200" dirty="0" smtClean="0"/>
+              <a:t>                "description": "description",</a:t>
+            </a:r>
+          </a:p>
+          <a:p>
+            <a:pPr marL="0" indent="0">
+              <a:buNone/>
+            </a:pPr>
+            <a:r>
+              <a:rPr lang="en-US" sz="1200" dirty="0" smtClean="0"/>
+              <a:t>                "</a:t>
+            </a:r>
+            <a:r>
+              <a:rPr lang="en-US" sz="1200" dirty="0" err="1" smtClean="0"/>
+              <a:t>interactionConcept</a:t>
+            </a:r>
+            <a:r>
+              <a:rPr lang="en-US" sz="1200" dirty="0" smtClean="0"/>
+              <a:t>": {</a:t>
+            </a:r>
+          </a:p>
+          <a:p>
+            <a:pPr marL="0" indent="0">
+              <a:buNone/>
+            </a:pPr>
+            <a:r>
+              <a:rPr lang="en-US" sz="1200" dirty="0" smtClean="0"/>
+              <a:t>                  "*": {</a:t>
+            </a:r>
+          </a:p>
+          <a:p>
+            <a:pPr marL="0" indent="0">
+              <a:buNone/>
+            </a:pPr>
+            <a:r>
+              <a:rPr lang="en-US" sz="1200" dirty="0" smtClean="0"/>
+              <a:t>                    "</a:t>
+            </a:r>
+            <a:r>
+              <a:rPr lang="en-US" sz="1200" dirty="0" err="1" smtClean="0"/>
+              <a:t>minConceptItem</a:t>
+            </a:r>
+            <a:r>
+              <a:rPr lang="en-US" sz="1200" dirty="0" smtClean="0"/>
+              <a:t>": {</a:t>
+            </a:r>
+          </a:p>
+          <a:p>
+            <a:pPr marL="0" indent="0">
+              <a:buNone/>
+            </a:pPr>
+            <a:r>
+              <a:rPr lang="en-US" sz="1200" dirty="0" smtClean="0"/>
+              <a:t>                      "</a:t>
+            </a:r>
+            <a:r>
+              <a:rPr lang="en-US" sz="1200" dirty="0" err="1" smtClean="0"/>
+              <a:t>rxcui</a:t>
+            </a:r>
+            <a:r>
+              <a:rPr lang="en-US" sz="1200" dirty="0" smtClean="0"/>
+              <a:t>": "</a:t>
+            </a:r>
+            <a:r>
+              <a:rPr lang="en-US" sz="1200" dirty="0" err="1" smtClean="0"/>
+              <a:t>IdList</a:t>
+            </a:r>
+            <a:r>
+              <a:rPr lang="en-US" sz="1200" dirty="0" smtClean="0"/>
+              <a:t>",</a:t>
+            </a:r>
+          </a:p>
+          <a:p>
+            <a:pPr marL="0" indent="0">
+              <a:buNone/>
+            </a:pPr>
+            <a:r>
+              <a:rPr lang="en-US" sz="1200" dirty="0" smtClean="0"/>
+              <a:t>                      "name": "</a:t>
+            </a:r>
+            <a:r>
+              <a:rPr lang="en-US" sz="1200" dirty="0" err="1" smtClean="0"/>
+              <a:t>NameList</a:t>
+            </a:r>
+            <a:r>
+              <a:rPr lang="en-US" sz="1200" dirty="0" smtClean="0"/>
+              <a:t>"</a:t>
+            </a:r>
+          </a:p>
+          <a:p>
+            <a:pPr marL="0" indent="0">
+              <a:buNone/>
+            </a:pPr>
+            <a:r>
+              <a:rPr lang="en-US" sz="1200" dirty="0" smtClean="0"/>
+              <a:t>                    }           }         }      }          }          }   }      }    }  }}]</a:t>
+            </a:r>
+            <a:endParaRPr lang="en-US" sz="1200" dirty="0"/>
           </a:p>
         </p:txBody>
       </p:sp>
     </p:spTree>
     <p:extLst>
       <p:ext uri="{BB962C8B-B14F-4D97-AF65-F5344CB8AC3E}">
-        <p14:creationId xmlns:p14="http://schemas.microsoft.com/office/powerpoint/2010/main" val="884015510"/>
+        <p14:creationId xmlns:p14="http://schemas.microsoft.com/office/powerpoint/2010/main" val="193232357"/>
       </p:ext>
     </p:extLst>
   </p:cSld>
   <p:clrMapOvr>
     <a:masterClrMapping/>
   </p:clrMapOvr>
+  <p:timing>
+    <p:tnLst>
+      <p:par>
+        <p:cTn id="1" dur="indefinite" restart="never" nodeType="tmRoot"/>
+      </p:par>
+    </p:tnLst>
+  </p:timing>
 </p:sld>
 </file>
 
@@ -4022,15 +5487,7 @@
           <a:p>
             <a:r>
               <a:rPr lang="en-US" dirty="0" smtClean="0"/>
-              <a:t>Result </a:t>
-            </a:r>
-            <a:r>
-              <a:rPr lang="en-US" dirty="0" err="1" smtClean="0"/>
-              <a:t>dataframe</a:t>
-            </a:r>
-            <a:r>
-              <a:rPr lang="en-US" dirty="0" smtClean="0"/>
-              <a:t> for doctor </a:t>
+              <a:t>Result producer data</a:t>
             </a:r>
             <a:endParaRPr lang="en-US" dirty="0"/>
           </a:p>
@@ -4048,23 +5505,238 @@
         </p:nvSpPr>
         <p:spPr/>
         <p:txBody>
-          <a:bodyPr/>
+          <a:bodyPr>
+            <a:normAutofit fontScale="70000" lnSpcReduction="20000"/>
+          </a:bodyPr>
           <a:lstStyle/>
           <a:p>
-            <a:endParaRPr lang="en-US"/>
+            <a:pPr marL="0" indent="0">
+              <a:buNone/>
+            </a:pPr>
+            <a:r>
+              <a:rPr lang="en-US" dirty="0" smtClean="0"/>
+              <a:t>{</a:t>
+            </a:r>
+          </a:p>
+          <a:p>
+            <a:pPr marL="0" indent="0">
+              <a:buNone/>
+            </a:pPr>
+            <a:r>
+              <a:rPr lang="en-US" dirty="0" smtClean="0"/>
+              <a:t>  "</a:t>
+            </a:r>
+            <a:r>
+              <a:rPr lang="en-US" dirty="0" err="1" smtClean="0"/>
+              <a:t>rxcui</a:t>
+            </a:r>
+            <a:r>
+              <a:rPr lang="en-US" dirty="0" smtClean="0"/>
+              <a:t>" : "88014",</a:t>
+            </a:r>
+          </a:p>
+          <a:p>
+            <a:pPr marL="0" indent="0">
+              <a:buNone/>
+            </a:pPr>
+            <a:r>
+              <a:rPr lang="en-US" dirty="0" smtClean="0"/>
+              <a:t>  "name" : "</a:t>
+            </a:r>
+            <a:r>
+              <a:rPr lang="en-US" dirty="0" err="1" smtClean="0"/>
+              <a:t>rizatriptan</a:t>
+            </a:r>
+            <a:r>
+              <a:rPr lang="en-US" dirty="0" smtClean="0"/>
+              <a:t>",</a:t>
+            </a:r>
+          </a:p>
+          <a:p>
+            <a:pPr marL="0" indent="0">
+              <a:buNone/>
+            </a:pPr>
+            <a:r>
+              <a:rPr lang="en-US" dirty="0" smtClean="0"/>
+              <a:t>  "severity" : [ "high", "high", "high", "high", "high" ],</a:t>
+            </a:r>
+          </a:p>
+          <a:p>
+            <a:pPr marL="0" indent="0">
+              <a:buNone/>
+            </a:pPr>
+            <a:r>
+              <a:rPr lang="en-US" dirty="0" smtClean="0"/>
+              <a:t>  "description" : [ "</a:t>
+            </a:r>
+            <a:r>
+              <a:rPr lang="en-US" dirty="0" err="1" smtClean="0"/>
+              <a:t>Triptans</a:t>
+            </a:r>
+            <a:r>
+              <a:rPr lang="en-US" dirty="0" smtClean="0"/>
+              <a:t> - monoamine oxidase (MAO) inhibitors", "</a:t>
+            </a:r>
+            <a:r>
+              <a:rPr lang="en-US" dirty="0" err="1" smtClean="0"/>
+              <a:t>Triptans</a:t>
+            </a:r>
+            <a:r>
+              <a:rPr lang="en-US" dirty="0" smtClean="0"/>
+              <a:t> - monoamine oxidase (MAO) inhibitors", "</a:t>
+            </a:r>
+            <a:r>
+              <a:rPr lang="en-US" dirty="0" err="1" smtClean="0"/>
+              <a:t>Triptans</a:t>
+            </a:r>
+            <a:r>
+              <a:rPr lang="en-US" dirty="0" smtClean="0"/>
+              <a:t> - monoamine oxidase (MAO) inhibitors", "</a:t>
+            </a:r>
+            <a:r>
+              <a:rPr lang="en-US" dirty="0" err="1" smtClean="0"/>
+              <a:t>Triptans</a:t>
+            </a:r>
+            <a:r>
+              <a:rPr lang="en-US" dirty="0" smtClean="0"/>
+              <a:t> - monoamine oxidase (MAO) inhibitors", "</a:t>
+            </a:r>
+            <a:r>
+              <a:rPr lang="en-US" dirty="0" err="1" smtClean="0"/>
+              <a:t>Triptans</a:t>
+            </a:r>
+            <a:r>
+              <a:rPr lang="en-US" dirty="0" smtClean="0"/>
+              <a:t> - monoamine oxidase (MAO) inhibitors" ],</a:t>
+            </a:r>
+          </a:p>
+          <a:p>
+            <a:pPr marL="0" indent="0">
+              <a:buNone/>
+            </a:pPr>
+            <a:r>
+              <a:rPr lang="en-US" dirty="0" smtClean="0"/>
+              <a:t>  "</a:t>
+            </a:r>
+            <a:r>
+              <a:rPr lang="en-US" dirty="0" err="1" smtClean="0"/>
+              <a:t>IdList</a:t>
+            </a:r>
+            <a:r>
+              <a:rPr lang="en-US" dirty="0" smtClean="0"/>
+              <a:t>" : [ "88014", "10734", "88014", "30121", "88014", "6011", "88014", "6878", "88014", "8123" ],</a:t>
+            </a:r>
+          </a:p>
+          <a:p>
+            <a:pPr marL="0" indent="0">
+              <a:buNone/>
+            </a:pPr>
+            <a:r>
+              <a:rPr lang="en-US" dirty="0" smtClean="0"/>
+              <a:t>  "</a:t>
+            </a:r>
+            <a:r>
+              <a:rPr lang="en-US" dirty="0" err="1" smtClean="0"/>
+              <a:t>NameList</a:t>
+            </a:r>
+            <a:r>
+              <a:rPr lang="en-US" dirty="0" smtClean="0"/>
+              <a:t>" : [ "</a:t>
+            </a:r>
+            <a:r>
+              <a:rPr lang="en-US" dirty="0" err="1" smtClean="0"/>
+              <a:t>rizatriptan</a:t>
+            </a:r>
+            <a:r>
+              <a:rPr lang="en-US" dirty="0" smtClean="0"/>
+              <a:t>", "tranylcypromine", "</a:t>
+            </a:r>
+            <a:r>
+              <a:rPr lang="en-US" dirty="0" err="1" smtClean="0"/>
+              <a:t>rizatriptan</a:t>
+            </a:r>
+            <a:r>
+              <a:rPr lang="en-US" dirty="0" smtClean="0"/>
+              <a:t>", "</a:t>
+            </a:r>
+            <a:r>
+              <a:rPr lang="en-US" dirty="0" err="1" smtClean="0"/>
+              <a:t>moclobemide</a:t>
+            </a:r>
+            <a:r>
+              <a:rPr lang="en-US" dirty="0" smtClean="0"/>
+              <a:t>", "</a:t>
+            </a:r>
+            <a:r>
+              <a:rPr lang="en-US" dirty="0" err="1" smtClean="0"/>
+              <a:t>rizatriptan</a:t>
+            </a:r>
+            <a:r>
+              <a:rPr lang="en-US" dirty="0" smtClean="0"/>
+              <a:t>", "</a:t>
+            </a:r>
+            <a:r>
+              <a:rPr lang="en-US" dirty="0" err="1" smtClean="0"/>
+              <a:t>isocarboxazid</a:t>
+            </a:r>
+            <a:r>
+              <a:rPr lang="en-US" dirty="0" smtClean="0"/>
+              <a:t>", "</a:t>
+            </a:r>
+            <a:r>
+              <a:rPr lang="en-US" dirty="0" err="1" smtClean="0"/>
+              <a:t>rizatriptan</a:t>
+            </a:r>
+            <a:r>
+              <a:rPr lang="en-US" dirty="0" smtClean="0"/>
+              <a:t>", "methylene blue", "</a:t>
+            </a:r>
+            <a:r>
+              <a:rPr lang="en-US" dirty="0" err="1" smtClean="0"/>
+              <a:t>rizatriptan</a:t>
+            </a:r>
+            <a:r>
+              <a:rPr lang="en-US" dirty="0" smtClean="0"/>
+              <a:t>", "</a:t>
+            </a:r>
+            <a:r>
+              <a:rPr lang="en-US" dirty="0" err="1" smtClean="0"/>
+              <a:t>phenelzine</a:t>
+            </a:r>
+            <a:r>
+              <a:rPr lang="en-US" dirty="0" smtClean="0"/>
+              <a:t>" ]</a:t>
+            </a:r>
+          </a:p>
+          <a:p>
+            <a:pPr marL="0" indent="0">
+              <a:buNone/>
+            </a:pPr>
+            <a:r>
+              <a:rPr lang="en-US" dirty="0" smtClean="0"/>
+              <a:t>}</a:t>
+            </a:r>
+            <a:endParaRPr lang="en-US" dirty="0"/>
           </a:p>
         </p:txBody>
       </p:sp>
     </p:spTree>
     <p:extLst>
       <p:ext uri="{BB962C8B-B14F-4D97-AF65-F5344CB8AC3E}">
-        <p14:creationId xmlns:p14="http://schemas.microsoft.com/office/powerpoint/2010/main" val="2138807293"/>
+        <p14:creationId xmlns:p14="http://schemas.microsoft.com/office/powerpoint/2010/main" val="707677580"/>
       </p:ext>
     </p:extLst>
   </p:cSld>
   <p:clrMapOvr>
     <a:masterClrMapping/>
   </p:clrMapOvr>
+  <p:timing>
+    <p:tnLst>
+      <p:par>
+        <p:cTn id="1" dur="indefinite" restart="never" nodeType="tmRoot"/>
+      </p:par>
+    </p:tnLst>
+  </p:timing>
 </p:sld>
 </file>
 
@@ -4097,46 +5769,332 @@
         </p:nvSpPr>
         <p:spPr/>
         <p:txBody>
+          <a:bodyPr>
+            <a:normAutofit fontScale="90000"/>
+          </a:bodyPr>
+          <a:lstStyle/>
+          <a:p>
+            <a:r>
+              <a:rPr lang="en-US" dirty="0" smtClean="0"/>
+              <a:t>Lexical analysis and data transformation</a:t>
+            </a:r>
+            <a:endParaRPr lang="en-US" dirty="0"/>
+          </a:p>
+        </p:txBody>
+      </p:sp>
+      <p:sp>
+        <p:nvSpPr>
+          <p:cNvPr id="3" name="Content Placeholder 2"/>
+          <p:cNvSpPr>
+            <a:spLocks noGrp="1"/>
+          </p:cNvSpPr>
+          <p:nvPr>
+            <p:ph idx="1"/>
+          </p:nvPr>
+        </p:nvSpPr>
+        <p:spPr/>
+        <p:txBody>
           <a:bodyPr/>
           <a:lstStyle/>
           <a:p>
             <a:r>
               <a:rPr lang="en-US" dirty="0" smtClean="0"/>
-              <a:t>HDFS archive file structure</a:t>
-            </a:r>
+              <a:t>In this </a:t>
+            </a:r>
+            <a:r>
+              <a:rPr lang="en-US" dirty="0" err="1" smtClean="0"/>
+              <a:t>api</a:t>
+            </a:r>
+            <a:r>
+              <a:rPr lang="en-US" dirty="0" smtClean="0"/>
+              <a:t> we have not direct interaction &amp; severity definition and need implement lexical analysis to understand the result.</a:t>
+            </a:r>
+          </a:p>
+          <a:p>
+            <a:pPr marL="0" indent="0">
+              <a:buNone/>
+            </a:pPr>
             <a:endParaRPr lang="en-US" dirty="0"/>
           </a:p>
         </p:txBody>
       </p:sp>
-      <p:sp>
-        <p:nvSpPr>
-          <p:cNvPr id="3" name="Content Placeholder 2"/>
-          <p:cNvSpPr>
-            <a:spLocks noGrp="1"/>
-          </p:cNvSpPr>
-          <p:nvPr>
-            <p:ph idx="1"/>
-          </p:nvPr>
-        </p:nvSpPr>
-        <p:spPr/>
-        <p:txBody>
-          <a:bodyPr/>
-          <a:lstStyle/>
-          <a:p>
-            <a:endParaRPr lang="en-US" dirty="0"/>
-          </a:p>
-        </p:txBody>
-      </p:sp>
+      <p:graphicFrame>
+        <p:nvGraphicFramePr>
+          <p:cNvPr id="4" name="Table 3"/>
+          <p:cNvGraphicFramePr>
+            <a:graphicFrameLocks noGrp="1"/>
+          </p:cNvGraphicFramePr>
+          <p:nvPr>
+            <p:extLst>
+              <p:ext uri="{D42A27DB-BD31-4B8C-83A1-F6EECF244321}">
+                <p14:modId xmlns:p14="http://schemas.microsoft.com/office/powerpoint/2010/main" val="3987004518"/>
+              </p:ext>
+            </p:extLst>
+          </p:nvPr>
+        </p:nvGraphicFramePr>
+        <p:xfrm>
+          <a:off x="1371600" y="3352800"/>
+          <a:ext cx="6096000" cy="1849120"/>
+        </p:xfrm>
+        <a:graphic>
+          <a:graphicData uri="http://schemas.openxmlformats.org/drawingml/2006/table">
+            <a:tbl>
+              <a:tblPr firstRow="1" bandRow="1">
+                <a:tableStyleId>{5C22544A-7EE6-4342-B048-85BDC9FD1C3A}</a:tableStyleId>
+              </a:tblPr>
+              <a:tblGrid>
+                <a:gridCol w="1524000"/>
+                <a:gridCol w="1524000"/>
+                <a:gridCol w="1524000"/>
+                <a:gridCol w="1524000"/>
+              </a:tblGrid>
+              <a:tr h="0">
+                <a:tc>
+                  <a:txBody>
+                    <a:bodyPr/>
+                    <a:lstStyle/>
+                    <a:p>
+                      <a:r>
+                        <a:rPr lang="en-US" dirty="0" smtClean="0"/>
+                        <a:t>Word </a:t>
+                      </a:r>
+                      <a:endParaRPr lang="en-US" dirty="0"/>
+                    </a:p>
+                  </a:txBody>
+                  <a:tcPr/>
+                </a:tc>
+                <a:tc>
+                  <a:txBody>
+                    <a:bodyPr/>
+                    <a:lstStyle/>
+                    <a:p>
+                      <a:r>
+                        <a:rPr lang="en-US" dirty="0" smtClean="0"/>
+                        <a:t>interaction</a:t>
+                      </a:r>
+                      <a:endParaRPr lang="en-US" dirty="0"/>
+                    </a:p>
+                  </a:txBody>
+                  <a:tcPr/>
+                </a:tc>
+                <a:tc>
+                  <a:txBody>
+                    <a:bodyPr/>
+                    <a:lstStyle/>
+                    <a:p>
+                      <a:r>
+                        <a:rPr lang="en-US" dirty="0" smtClean="0"/>
+                        <a:t>severity</a:t>
+                      </a:r>
+                      <a:endParaRPr lang="en-US" dirty="0"/>
+                    </a:p>
+                  </a:txBody>
+                  <a:tcPr/>
+                </a:tc>
+                <a:tc>
+                  <a:txBody>
+                    <a:bodyPr/>
+                    <a:lstStyle/>
+                    <a:p>
+                      <a:r>
+                        <a:rPr lang="en-US" dirty="0" smtClean="0"/>
+                        <a:t>description</a:t>
+                      </a:r>
+                      <a:endParaRPr lang="en-US" dirty="0"/>
+                    </a:p>
+                  </a:txBody>
+                  <a:tcPr/>
+                </a:tc>
+              </a:tr>
+              <a:tr h="370840">
+                <a:tc>
+                  <a:txBody>
+                    <a:bodyPr/>
+                    <a:lstStyle/>
+                    <a:p>
+                      <a:endParaRPr lang="en-US"/>
+                    </a:p>
+                  </a:txBody>
+                  <a:tcPr/>
+                </a:tc>
+                <a:tc>
+                  <a:txBody>
+                    <a:bodyPr/>
+                    <a:lstStyle/>
+                    <a:p>
+                      <a:endParaRPr lang="en-US" dirty="0"/>
+                    </a:p>
+                  </a:txBody>
+                  <a:tcPr/>
+                </a:tc>
+                <a:tc>
+                  <a:txBody>
+                    <a:bodyPr/>
+                    <a:lstStyle/>
+                    <a:p>
+                      <a:endParaRPr lang="en-US"/>
+                    </a:p>
+                  </a:txBody>
+                  <a:tcPr/>
+                </a:tc>
+                <a:tc>
+                  <a:txBody>
+                    <a:bodyPr/>
+                    <a:lstStyle/>
+                    <a:p>
+                      <a:endParaRPr lang="en-US" dirty="0"/>
+                    </a:p>
+                  </a:txBody>
+                  <a:tcPr/>
+                </a:tc>
+              </a:tr>
+              <a:tr h="370840">
+                <a:tc>
+                  <a:txBody>
+                    <a:bodyPr/>
+                    <a:lstStyle/>
+                    <a:p>
+                      <a:endParaRPr lang="en-US"/>
+                    </a:p>
+                  </a:txBody>
+                  <a:tcPr/>
+                </a:tc>
+                <a:tc>
+                  <a:txBody>
+                    <a:bodyPr/>
+                    <a:lstStyle/>
+                    <a:p>
+                      <a:endParaRPr lang="en-US" dirty="0"/>
+                    </a:p>
+                  </a:txBody>
+                  <a:tcPr/>
+                </a:tc>
+                <a:tc>
+                  <a:txBody>
+                    <a:bodyPr/>
+                    <a:lstStyle/>
+                    <a:p>
+                      <a:endParaRPr lang="en-US"/>
+                    </a:p>
+                  </a:txBody>
+                  <a:tcPr/>
+                </a:tc>
+                <a:tc>
+                  <a:txBody>
+                    <a:bodyPr/>
+                    <a:lstStyle/>
+                    <a:p>
+                      <a:endParaRPr lang="en-US"/>
+                    </a:p>
+                  </a:txBody>
+                  <a:tcPr/>
+                </a:tc>
+              </a:tr>
+              <a:tr h="370840">
+                <a:tc>
+                  <a:txBody>
+                    <a:bodyPr/>
+                    <a:lstStyle/>
+                    <a:p>
+                      <a:endParaRPr lang="en-US"/>
+                    </a:p>
+                  </a:txBody>
+                  <a:tcPr/>
+                </a:tc>
+                <a:tc>
+                  <a:txBody>
+                    <a:bodyPr/>
+                    <a:lstStyle/>
+                    <a:p>
+                      <a:endParaRPr lang="en-US" dirty="0"/>
+                    </a:p>
+                  </a:txBody>
+                  <a:tcPr/>
+                </a:tc>
+                <a:tc>
+                  <a:txBody>
+                    <a:bodyPr/>
+                    <a:lstStyle/>
+                    <a:p>
+                      <a:endParaRPr lang="en-US"/>
+                    </a:p>
+                  </a:txBody>
+                  <a:tcPr/>
+                </a:tc>
+                <a:tc>
+                  <a:txBody>
+                    <a:bodyPr/>
+                    <a:lstStyle/>
+                    <a:p>
+                      <a:endParaRPr lang="en-US"/>
+                    </a:p>
+                  </a:txBody>
+                  <a:tcPr/>
+                </a:tc>
+              </a:tr>
+              <a:tr h="370840">
+                <a:tc>
+                  <a:txBody>
+                    <a:bodyPr/>
+                    <a:lstStyle/>
+                    <a:p>
+                      <a:endParaRPr lang="en-US"/>
+                    </a:p>
+                  </a:txBody>
+                  <a:tcPr/>
+                </a:tc>
+                <a:tc>
+                  <a:txBody>
+                    <a:bodyPr/>
+                    <a:lstStyle/>
+                    <a:p>
+                      <a:endParaRPr lang="en-US" dirty="0"/>
+                    </a:p>
+                  </a:txBody>
+                  <a:tcPr/>
+                </a:tc>
+                <a:tc>
+                  <a:txBody>
+                    <a:bodyPr/>
+                    <a:lstStyle/>
+                    <a:p>
+                      <a:endParaRPr lang="en-US"/>
+                    </a:p>
+                  </a:txBody>
+                  <a:tcPr/>
+                </a:tc>
+                <a:tc>
+                  <a:txBody>
+                    <a:bodyPr/>
+                    <a:lstStyle/>
+                    <a:p>
+                      <a:endParaRPr lang="en-US" dirty="0"/>
+                    </a:p>
+                  </a:txBody>
+                  <a:tcPr/>
+                </a:tc>
+              </a:tr>
+            </a:tbl>
+          </a:graphicData>
+        </a:graphic>
+      </p:graphicFrame>
     </p:spTree>
     <p:extLst>
       <p:ext uri="{BB962C8B-B14F-4D97-AF65-F5344CB8AC3E}">
-        <p14:creationId xmlns:p14="http://schemas.microsoft.com/office/powerpoint/2010/main" val="1868684070"/>
+        <p14:creationId xmlns:p14="http://schemas.microsoft.com/office/powerpoint/2010/main" val="884015510"/>
       </p:ext>
     </p:extLst>
   </p:cSld>
   <p:clrMapOvr>
     <a:masterClrMapping/>
   </p:clrMapOvr>
+  <p:timing>
+    <p:tnLst>
+      <p:par>
+        <p:cTn id="1" dur="indefinite" restart="never" nodeType="tmRoot"/>
+      </p:par>
+    </p:tnLst>
+  </p:timing>
 </p:sld>
 </file>
 
@@ -4169,42 +6127,48 @@
         </p:nvSpPr>
         <p:spPr/>
         <p:txBody>
-          <a:bodyPr>
-            <a:normAutofit fontScale="90000"/>
-          </a:bodyPr>
-          <a:lstStyle/>
-          <a:p>
-            <a:r>
-              <a:rPr lang="en-US" dirty="0" smtClean="0"/>
-              <a:t>Possible reports and analysis from archive</a:t>
-            </a:r>
-            <a:endParaRPr lang="en-US" dirty="0"/>
-          </a:p>
-        </p:txBody>
-      </p:sp>
-      <p:sp>
-        <p:nvSpPr>
-          <p:cNvPr id="3" name="Content Placeholder 2"/>
-          <p:cNvSpPr>
-            <a:spLocks noGrp="1"/>
-          </p:cNvSpPr>
-          <p:nvPr>
-            <p:ph idx="1"/>
-          </p:nvPr>
-        </p:nvSpPr>
-        <p:spPr/>
-        <p:txBody>
           <a:bodyPr/>
           <a:lstStyle/>
           <a:p>
+            <a:r>
+              <a:rPr lang="en-US" dirty="0" smtClean="0"/>
+              <a:t>Result </a:t>
+            </a:r>
+            <a:r>
+              <a:rPr lang="en-US" dirty="0" err="1" smtClean="0"/>
+              <a:t>dataframe</a:t>
+            </a:r>
+            <a:r>
+              <a:rPr lang="en-US" dirty="0" smtClean="0"/>
+              <a:t> for doctor </a:t>
+            </a:r>
             <a:endParaRPr lang="en-US" dirty="0"/>
+          </a:p>
+        </p:txBody>
+      </p:sp>
+      <p:sp>
+        <p:nvSpPr>
+          <p:cNvPr id="3" name="Content Placeholder 2"/>
+          <p:cNvSpPr>
+            <a:spLocks noGrp="1"/>
+          </p:cNvSpPr>
+          <p:nvPr>
+            <p:ph idx="1"/>
+          </p:nvPr>
+        </p:nvSpPr>
+        <p:spPr/>
+        <p:txBody>
+          <a:bodyPr/>
+          <a:lstStyle/>
+          <a:p>
+            <a:endParaRPr lang="en-US"/>
           </a:p>
         </p:txBody>
       </p:sp>
     </p:spTree>
     <p:extLst>
       <p:ext uri="{BB962C8B-B14F-4D97-AF65-F5344CB8AC3E}">
-        <p14:creationId xmlns:p14="http://schemas.microsoft.com/office/powerpoint/2010/main" val="3113213206"/>
+        <p14:creationId xmlns:p14="http://schemas.microsoft.com/office/powerpoint/2010/main" val="2138807293"/>
       </p:ext>
     </p:extLst>
   </p:cSld>
@@ -4248,7 +6212,7 @@
           <a:p>
             <a:r>
               <a:rPr lang="en-US" dirty="0" smtClean="0"/>
-              <a:t>ERD of Doctor DB</a:t>
+              <a:t>HDFS archive file structure</a:t>
             </a:r>
             <a:endParaRPr lang="en-US" dirty="0"/>
           </a:p>
@@ -4269,14 +6233,14 @@
           <a:bodyPr/>
           <a:lstStyle/>
           <a:p>
-            <a:endParaRPr lang="en-US"/>
+            <a:endParaRPr lang="en-US" dirty="0"/>
           </a:p>
         </p:txBody>
       </p:sp>
     </p:spTree>
     <p:extLst>
       <p:ext uri="{BB962C8B-B14F-4D97-AF65-F5344CB8AC3E}">
-        <p14:creationId xmlns:p14="http://schemas.microsoft.com/office/powerpoint/2010/main" val="561080951"/>
+        <p14:creationId xmlns:p14="http://schemas.microsoft.com/office/powerpoint/2010/main" val="1868684070"/>
       </p:ext>
     </p:extLst>
   </p:cSld>
@@ -4315,16 +6279,14 @@
         </p:nvSpPr>
         <p:spPr/>
         <p:txBody>
-          <a:bodyPr/>
+          <a:bodyPr>
+            <a:normAutofit fontScale="90000"/>
+          </a:bodyPr>
           <a:lstStyle/>
           <a:p>
             <a:r>
               <a:rPr lang="en-US" dirty="0" smtClean="0"/>
-              <a:t>Doctor Application </a:t>
-            </a:r>
-            <a:r>
-              <a:rPr lang="en-US" dirty="0" err="1" smtClean="0"/>
-              <a:t>functionallity</a:t>
+              <a:t>Possible reports and analysis from archive</a:t>
             </a:r>
             <a:endParaRPr lang="en-US" dirty="0"/>
           </a:p>
@@ -4352,13 +6314,20 @@
     </p:spTree>
     <p:extLst>
       <p:ext uri="{BB962C8B-B14F-4D97-AF65-F5344CB8AC3E}">
-        <p14:creationId xmlns:p14="http://schemas.microsoft.com/office/powerpoint/2010/main" val="2906570201"/>
+        <p14:creationId xmlns:p14="http://schemas.microsoft.com/office/powerpoint/2010/main" val="3113213206"/>
       </p:ext>
     </p:extLst>
   </p:cSld>
   <p:clrMapOvr>
     <a:masterClrMapping/>
   </p:clrMapOvr>
+  <p:timing>
+    <p:tnLst>
+      <p:par>
+        <p:cTn id="1" dur="indefinite" restart="never" nodeType="tmRoot"/>
+      </p:par>
+    </p:tnLst>
+  </p:timing>
 </p:sld>
 </file>
 
@@ -4509,6 +6478,986 @@
           <a:p>
             <a:r>
               <a:rPr lang="en-US" dirty="0" smtClean="0"/>
+              <a:t>ERD of Doctor DB</a:t>
+            </a:r>
+            <a:endParaRPr lang="en-US" dirty="0"/>
+          </a:p>
+        </p:txBody>
+      </p:sp>
+      <p:pic>
+        <p:nvPicPr>
+          <p:cNvPr id="1027" name="Picture 3"/>
+          <p:cNvPicPr>
+            <a:picLocks noChangeAspect="1" noChangeArrowheads="1"/>
+          </p:cNvPicPr>
+          <p:nvPr/>
+        </p:nvPicPr>
+        <p:blipFill>
+          <a:blip r:embed="rId2">
+            <a:extLst>
+              <a:ext uri="{28A0092B-C50C-407E-A947-70E740481C1C}">
+                <a14:useLocalDpi xmlns:a14="http://schemas.microsoft.com/office/drawing/2010/main" val="0"/>
+              </a:ext>
+            </a:extLst>
+          </a:blip>
+          <a:srcRect/>
+          <a:stretch>
+            <a:fillRect/>
+          </a:stretch>
+        </p:blipFill>
+        <p:spPr bwMode="auto">
+          <a:xfrm>
+            <a:off x="231056" y="1752600"/>
+            <a:ext cx="8896731" cy="4343400"/>
+          </a:xfrm>
+          <a:prstGeom prst="rect">
+            <a:avLst/>
+          </a:prstGeom>
+          <a:noFill/>
+          <a:ln>
+            <a:noFill/>
+          </a:ln>
+          <a:effectLst/>
+          <a:extLst>
+            <a:ext uri="{909E8E84-426E-40DD-AFC4-6F175D3DCCD1}">
+              <a14:hiddenFill xmlns:a14="http://schemas.microsoft.com/office/drawing/2010/main">
+                <a:solidFill>
+                  <a:schemeClr val="accent1"/>
+                </a:solidFill>
+              </a14:hiddenFill>
+            </a:ext>
+            <a:ext uri="{91240B29-F687-4F45-9708-019B960494DF}">
+              <a14:hiddenLine xmlns:a14="http://schemas.microsoft.com/office/drawing/2010/main" w="9525">
+                <a:solidFill>
+                  <a:schemeClr val="tx1"/>
+                </a:solidFill>
+                <a:miter lim="800000"/>
+                <a:headEnd/>
+                <a:tailEnd/>
+              </a14:hiddenLine>
+            </a:ext>
+            <a:ext uri="{AF507438-7753-43E0-B8FC-AC1667EBCBE1}">
+              <a14:hiddenEffects xmlns:a14="http://schemas.microsoft.com/office/drawing/2010/main">
+                <a:effectLst>
+                  <a:outerShdw dist="35921" dir="2700000" algn="ctr" rotWithShape="0">
+                    <a:schemeClr val="bg2"/>
+                  </a:outerShdw>
+                </a:effectLst>
+              </a14:hiddenEffects>
+            </a:ext>
+          </a:extLst>
+        </p:spPr>
+      </p:pic>
+    </p:spTree>
+    <p:extLst>
+      <p:ext uri="{BB962C8B-B14F-4D97-AF65-F5344CB8AC3E}">
+        <p14:creationId xmlns:p14="http://schemas.microsoft.com/office/powerpoint/2010/main" val="561080951"/>
+      </p:ext>
+    </p:extLst>
+  </p:cSld>
+  <p:clrMapOvr>
+    <a:masterClrMapping/>
+  </p:clrMapOvr>
+  <p:timing>
+    <p:tnLst>
+      <p:par>
+        <p:cTn id="1" dur="indefinite" restart="never" nodeType="tmRoot"/>
+      </p:par>
+    </p:tnLst>
+  </p:timing>
+</p:sld>
+</file>
+
+<file path=ppt/slides/slide21.xml><?xml version="1.0" encoding="utf-8"?>
+<p:sld xmlns:a="http://schemas.openxmlformats.org/drawingml/2006/main" xmlns:r="http://schemas.openxmlformats.org/officeDocument/2006/relationships" xmlns:p="http://schemas.openxmlformats.org/presentationml/2006/main">
+  <p:cSld>
+    <p:spTree>
+      <p:nvGrpSpPr>
+        <p:cNvPr id="1" name=""/>
+        <p:cNvGrpSpPr/>
+        <p:nvPr/>
+      </p:nvGrpSpPr>
+      <p:grpSpPr>
+        <a:xfrm>
+          <a:off x="0" y="0"/>
+          <a:ext cx="0" cy="0"/>
+          <a:chOff x="0" y="0"/>
+          <a:chExt cx="0" cy="0"/>
+        </a:xfrm>
+      </p:grpSpPr>
+      <p:sp>
+        <p:nvSpPr>
+          <p:cNvPr id="2" name="Title 1"/>
+          <p:cNvSpPr>
+            <a:spLocks noGrp="1"/>
+          </p:cNvSpPr>
+          <p:nvPr>
+            <p:ph type="title"/>
+          </p:nvPr>
+        </p:nvSpPr>
+        <p:spPr/>
+        <p:txBody>
+          <a:bodyPr/>
+          <a:lstStyle/>
+          <a:p>
+            <a:r>
+              <a:rPr lang="en-US" dirty="0" smtClean="0"/>
+              <a:t>Doctor Application functionality</a:t>
+            </a:r>
+            <a:endParaRPr lang="en-US" dirty="0"/>
+          </a:p>
+        </p:txBody>
+      </p:sp>
+      <p:graphicFrame>
+        <p:nvGraphicFramePr>
+          <p:cNvPr id="4" name="Content Placeholder 3"/>
+          <p:cNvGraphicFramePr>
+            <a:graphicFrameLocks noGrp="1"/>
+          </p:cNvGraphicFramePr>
+          <p:nvPr>
+            <p:ph idx="1"/>
+            <p:extLst>
+              <p:ext uri="{D42A27DB-BD31-4B8C-83A1-F6EECF244321}">
+                <p14:modId xmlns:p14="http://schemas.microsoft.com/office/powerpoint/2010/main" val="121795683"/>
+              </p:ext>
+            </p:extLst>
+          </p:nvPr>
+        </p:nvGraphicFramePr>
+        <p:xfrm>
+          <a:off x="0" y="1143000"/>
+          <a:ext cx="9144000" cy="6024880"/>
+        </p:xfrm>
+        <a:graphic>
+          <a:graphicData uri="http://schemas.openxmlformats.org/drawingml/2006/table">
+            <a:tbl>
+              <a:tblPr firstRow="1" bandRow="1">
+                <a:tableStyleId>{5C22544A-7EE6-4342-B048-85BDC9FD1C3A}</a:tableStyleId>
+              </a:tblPr>
+              <a:tblGrid>
+                <a:gridCol w="1524000"/>
+                <a:gridCol w="1524000"/>
+                <a:gridCol w="6096000"/>
+              </a:tblGrid>
+              <a:tr h="716280">
+                <a:tc>
+                  <a:txBody>
+                    <a:bodyPr/>
+                    <a:lstStyle/>
+                    <a:p>
+                      <a:r>
+                        <a:rPr lang="en-US" dirty="0" smtClean="0"/>
+                        <a:t>Button</a:t>
+                      </a:r>
+                      <a:endParaRPr lang="en-US" dirty="0"/>
+                    </a:p>
+                  </a:txBody>
+                  <a:tcPr/>
+                </a:tc>
+                <a:tc>
+                  <a:txBody>
+                    <a:bodyPr/>
+                    <a:lstStyle/>
+                    <a:p>
+                      <a:r>
+                        <a:rPr lang="en-US" dirty="0" smtClean="0"/>
+                        <a:t>Function /Method</a:t>
+                      </a:r>
+                      <a:endParaRPr lang="en-US" dirty="0"/>
+                    </a:p>
+                  </a:txBody>
+                  <a:tcPr/>
+                </a:tc>
+                <a:tc>
+                  <a:txBody>
+                    <a:bodyPr/>
+                    <a:lstStyle/>
+                    <a:p>
+                      <a:r>
+                        <a:rPr lang="en-US" dirty="0" smtClean="0"/>
+                        <a:t>Description</a:t>
+                      </a:r>
+                      <a:endParaRPr lang="en-US" dirty="0"/>
+                    </a:p>
+                  </a:txBody>
+                  <a:tcPr/>
+                </a:tc>
+              </a:tr>
+              <a:tr h="370840">
+                <a:tc>
+                  <a:txBody>
+                    <a:bodyPr/>
+                    <a:lstStyle/>
+                    <a:p>
+                      <a:r>
+                        <a:rPr lang="en-US" sz="1800" kern="1200" dirty="0" err="1" smtClean="0">
+                          <a:solidFill>
+                            <a:schemeClr val="dk1"/>
+                          </a:solidFill>
+                          <a:effectLst/>
+                          <a:latin typeface="+mn-lt"/>
+                          <a:ea typeface="+mn-ea"/>
+                          <a:cs typeface="+mn-cs"/>
+                        </a:rPr>
+                        <a:t>btnCrReceipt</a:t>
+                      </a:r>
+                      <a:endParaRPr lang="en-US" dirty="0"/>
+                    </a:p>
+                  </a:txBody>
+                  <a:tcPr/>
+                </a:tc>
+                <a:tc>
+                  <a:txBody>
+                    <a:bodyPr/>
+                    <a:lstStyle/>
+                    <a:p>
+                      <a:r>
+                        <a:rPr lang="en-US" sz="1800" kern="1200" dirty="0" err="1" smtClean="0">
+                          <a:solidFill>
+                            <a:schemeClr val="dk1"/>
+                          </a:solidFill>
+                          <a:effectLst/>
+                          <a:latin typeface="+mn-lt"/>
+                          <a:ea typeface="+mn-ea"/>
+                          <a:cs typeface="+mn-cs"/>
+                        </a:rPr>
+                        <a:t>CreateReceipt</a:t>
+                      </a:r>
+                      <a:endParaRPr lang="en-US" dirty="0"/>
+                    </a:p>
+                  </a:txBody>
+                  <a:tcPr/>
+                </a:tc>
+                <a:tc>
+                  <a:txBody>
+                    <a:bodyPr/>
+                    <a:lstStyle/>
+                    <a:p>
+                      <a:r>
+                        <a:rPr lang="en-US" sz="1800" kern="1200" dirty="0" smtClean="0">
+                          <a:solidFill>
+                            <a:schemeClr val="dk1"/>
+                          </a:solidFill>
+                          <a:effectLst/>
+                          <a:latin typeface="+mn-lt"/>
+                          <a:ea typeface="+mn-ea"/>
+                          <a:cs typeface="+mn-cs"/>
+                        </a:rPr>
+                        <a:t>1.Add drug to constant drug list and update Patient in </a:t>
+                      </a:r>
+                      <a:r>
+                        <a:rPr lang="en-US" sz="1800" kern="1200" dirty="0" err="1" smtClean="0">
+                          <a:solidFill>
+                            <a:schemeClr val="dk1"/>
+                          </a:solidFill>
+                          <a:effectLst/>
+                          <a:latin typeface="+mn-lt"/>
+                          <a:ea typeface="+mn-ea"/>
+                          <a:cs typeface="+mn-cs"/>
+                        </a:rPr>
+                        <a:t>mySql</a:t>
+                      </a:r>
+                      <a:endParaRPr lang="en-US" sz="1800" kern="1200" dirty="0" smtClean="0">
+                        <a:solidFill>
+                          <a:schemeClr val="dk1"/>
+                        </a:solidFill>
+                        <a:effectLst/>
+                        <a:latin typeface="+mn-lt"/>
+                        <a:ea typeface="+mn-ea"/>
+                        <a:cs typeface="+mn-cs"/>
+                      </a:endParaRPr>
+                    </a:p>
+                    <a:p>
+                      <a:r>
+                        <a:rPr lang="en-US" sz="1800" kern="1200" dirty="0" smtClean="0">
+                          <a:solidFill>
+                            <a:schemeClr val="dk1"/>
+                          </a:solidFill>
+                          <a:effectLst/>
+                          <a:latin typeface="+mn-lt"/>
+                          <a:ea typeface="+mn-ea"/>
+                          <a:cs typeface="+mn-cs"/>
+                        </a:rPr>
+                        <a:t>2. save all data in </a:t>
+                      </a:r>
+                      <a:r>
+                        <a:rPr lang="en-US" sz="1800" kern="1200" dirty="0" err="1" smtClean="0">
+                          <a:solidFill>
+                            <a:schemeClr val="dk1"/>
+                          </a:solidFill>
+                          <a:effectLst/>
+                          <a:latin typeface="+mn-lt"/>
+                          <a:ea typeface="+mn-ea"/>
+                          <a:cs typeface="+mn-cs"/>
+                        </a:rPr>
+                        <a:t>Hdfs</a:t>
+                      </a:r>
+                      <a:r>
+                        <a:rPr lang="en-US" sz="1800" kern="1200" dirty="0" smtClean="0">
+                          <a:solidFill>
+                            <a:schemeClr val="dk1"/>
+                          </a:solidFill>
+                          <a:effectLst/>
+                          <a:latin typeface="+mn-lt"/>
+                          <a:ea typeface="+mn-ea"/>
+                          <a:cs typeface="+mn-cs"/>
+                        </a:rPr>
+                        <a:t> with list of Patient diseases and list of constant drug</a:t>
+                      </a:r>
+                      <a:endParaRPr lang="en-US" dirty="0"/>
+                    </a:p>
+                  </a:txBody>
+                  <a:tcPr/>
+                </a:tc>
+              </a:tr>
+              <a:tr h="370840">
+                <a:tc>
+                  <a:txBody>
+                    <a:bodyPr/>
+                    <a:lstStyle/>
+                    <a:p>
+                      <a:r>
+                        <a:rPr lang="en-US" sz="1800" kern="1200" dirty="0" err="1" smtClean="0">
+                          <a:solidFill>
+                            <a:schemeClr val="dk1"/>
+                          </a:solidFill>
+                          <a:effectLst/>
+                          <a:latin typeface="+mn-lt"/>
+                          <a:ea typeface="+mn-ea"/>
+                          <a:cs typeface="+mn-cs"/>
+                        </a:rPr>
+                        <a:t>btnPatient</a:t>
+                      </a:r>
+                      <a:endParaRPr lang="en-US" dirty="0"/>
+                    </a:p>
+                  </a:txBody>
+                  <a:tcPr/>
+                </a:tc>
+                <a:tc>
+                  <a:txBody>
+                    <a:bodyPr/>
+                    <a:lstStyle/>
+                    <a:p>
+                      <a:r>
+                        <a:rPr lang="en-US" sz="1800" kern="1200" dirty="0" err="1" smtClean="0">
+                          <a:solidFill>
+                            <a:schemeClr val="dk1"/>
+                          </a:solidFill>
+                          <a:effectLst/>
+                          <a:latin typeface="+mn-lt"/>
+                          <a:ea typeface="+mn-ea"/>
+                          <a:cs typeface="+mn-cs"/>
+                        </a:rPr>
+                        <a:t>findPatient</a:t>
+                      </a:r>
+                      <a:endParaRPr lang="en-US" dirty="0"/>
+                    </a:p>
+                  </a:txBody>
+                  <a:tcPr/>
+                </a:tc>
+                <a:tc>
+                  <a:txBody>
+                    <a:bodyPr/>
+                    <a:lstStyle/>
+                    <a:p>
+                      <a:r>
+                        <a:rPr lang="en-US" sz="1800" kern="1200" dirty="0" smtClean="0">
+                          <a:solidFill>
+                            <a:schemeClr val="dk1"/>
+                          </a:solidFill>
+                          <a:effectLst/>
+                          <a:latin typeface="+mn-lt"/>
+                          <a:ea typeface="+mn-ea"/>
+                          <a:cs typeface="+mn-cs"/>
+                        </a:rPr>
+                        <a:t>Find the patient according </a:t>
+                      </a:r>
+                      <a:r>
+                        <a:rPr lang="en-US" sz="1800" kern="1200" dirty="0" err="1" smtClean="0">
+                          <a:solidFill>
+                            <a:schemeClr val="dk1"/>
+                          </a:solidFill>
+                          <a:effectLst/>
+                          <a:latin typeface="+mn-lt"/>
+                          <a:ea typeface="+mn-ea"/>
+                          <a:cs typeface="+mn-cs"/>
+                        </a:rPr>
+                        <a:t>tz</a:t>
+                      </a:r>
+                      <a:r>
+                        <a:rPr lang="en-US" sz="1800" kern="1200" dirty="0" smtClean="0">
+                          <a:solidFill>
+                            <a:schemeClr val="dk1"/>
+                          </a:solidFill>
+                          <a:effectLst/>
+                          <a:latin typeface="+mn-lt"/>
+                          <a:ea typeface="+mn-ea"/>
+                          <a:cs typeface="+mn-cs"/>
+                        </a:rPr>
+                        <a:t> in </a:t>
+                      </a:r>
+                      <a:r>
+                        <a:rPr lang="en-US" sz="1800" kern="1200" dirty="0" err="1" smtClean="0">
+                          <a:solidFill>
+                            <a:schemeClr val="dk1"/>
+                          </a:solidFill>
+                          <a:effectLst/>
+                          <a:latin typeface="+mn-lt"/>
+                          <a:ea typeface="+mn-ea"/>
+                          <a:cs typeface="+mn-cs"/>
+                        </a:rPr>
+                        <a:t>mySql</a:t>
+                      </a:r>
+                      <a:r>
+                        <a:rPr lang="en-US" sz="1800" kern="1200" dirty="0" smtClean="0">
+                          <a:solidFill>
+                            <a:schemeClr val="dk1"/>
+                          </a:solidFill>
+                          <a:effectLst/>
+                          <a:latin typeface="+mn-lt"/>
+                          <a:ea typeface="+mn-ea"/>
+                          <a:cs typeface="+mn-cs"/>
+                        </a:rPr>
+                        <a:t> </a:t>
+                      </a:r>
+                      <a:r>
+                        <a:rPr lang="en-US" sz="1800" kern="1200" dirty="0" err="1" smtClean="0">
+                          <a:solidFill>
+                            <a:schemeClr val="dk1"/>
+                          </a:solidFill>
+                          <a:effectLst/>
+                          <a:latin typeface="+mn-lt"/>
+                          <a:ea typeface="+mn-ea"/>
+                          <a:cs typeface="+mn-cs"/>
+                        </a:rPr>
+                        <a:t>db</a:t>
+                      </a:r>
+                      <a:r>
+                        <a:rPr lang="en-US" sz="1800" kern="1200" dirty="0" smtClean="0">
+                          <a:solidFill>
+                            <a:schemeClr val="dk1"/>
+                          </a:solidFill>
+                          <a:effectLst/>
+                          <a:latin typeface="+mn-lt"/>
+                          <a:ea typeface="+mn-ea"/>
+                          <a:cs typeface="+mn-cs"/>
+                        </a:rPr>
+                        <a:t>, get Patient data</a:t>
+                      </a:r>
+                    </a:p>
+                    <a:p>
+                      <a:r>
+                        <a:rPr lang="en-US" sz="1800" kern="1200" dirty="0" smtClean="0">
+                          <a:solidFill>
+                            <a:schemeClr val="dk1"/>
+                          </a:solidFill>
+                          <a:effectLst/>
+                          <a:latin typeface="+mn-lt"/>
+                          <a:ea typeface="+mn-ea"/>
+                          <a:cs typeface="+mn-cs"/>
+                        </a:rPr>
+                        <a:t>2. fill diseases </a:t>
+                      </a:r>
+                      <a:r>
+                        <a:rPr lang="en-US" sz="1800" kern="1200" dirty="0" err="1" smtClean="0">
+                          <a:solidFill>
+                            <a:schemeClr val="dk1"/>
+                          </a:solidFill>
+                          <a:effectLst/>
+                          <a:latin typeface="+mn-lt"/>
+                          <a:ea typeface="+mn-ea"/>
+                          <a:cs typeface="+mn-cs"/>
+                        </a:rPr>
+                        <a:t>df</a:t>
+                      </a:r>
+                      <a:r>
+                        <a:rPr lang="en-US" sz="1800" kern="1200" dirty="0" smtClean="0">
+                          <a:solidFill>
+                            <a:schemeClr val="dk1"/>
+                          </a:solidFill>
+                          <a:effectLst/>
+                          <a:latin typeface="+mn-lt"/>
+                          <a:ea typeface="+mn-ea"/>
+                          <a:cs typeface="+mn-cs"/>
+                        </a:rPr>
+                        <a:t> and  </a:t>
+                      </a:r>
+                      <a:r>
+                        <a:rPr lang="en-US" sz="1800" kern="1200" dirty="0" err="1" smtClean="0">
+                          <a:solidFill>
+                            <a:schemeClr val="dk1"/>
+                          </a:solidFill>
+                          <a:effectLst/>
+                          <a:latin typeface="+mn-lt"/>
+                          <a:ea typeface="+mn-ea"/>
+                          <a:cs typeface="+mn-cs"/>
+                        </a:rPr>
+                        <a:t>and</a:t>
+                      </a:r>
+                      <a:r>
+                        <a:rPr lang="en-US" sz="1800" kern="1200" dirty="0" smtClean="0">
+                          <a:solidFill>
+                            <a:schemeClr val="dk1"/>
+                          </a:solidFill>
+                          <a:effectLst/>
+                          <a:latin typeface="+mn-lt"/>
+                          <a:ea typeface="+mn-ea"/>
+                          <a:cs typeface="+mn-cs"/>
+                        </a:rPr>
+                        <a:t> constant drugs </a:t>
+                      </a:r>
+                      <a:r>
+                        <a:rPr lang="en-US" sz="1800" kern="1200" dirty="0" err="1" smtClean="0">
+                          <a:solidFill>
+                            <a:schemeClr val="dk1"/>
+                          </a:solidFill>
+                          <a:effectLst/>
+                          <a:latin typeface="+mn-lt"/>
+                          <a:ea typeface="+mn-ea"/>
+                          <a:cs typeface="+mn-cs"/>
+                        </a:rPr>
+                        <a:t>df</a:t>
+                      </a:r>
+                      <a:endParaRPr lang="en-US" dirty="0"/>
+                    </a:p>
+                  </a:txBody>
+                  <a:tcPr/>
+                </a:tc>
+              </a:tr>
+              <a:tr h="370840">
+                <a:tc>
+                  <a:txBody>
+                    <a:bodyPr/>
+                    <a:lstStyle/>
+                    <a:p>
+                      <a:r>
+                        <a:rPr lang="en-US" sz="1800" kern="1200" dirty="0" err="1" smtClean="0">
+                          <a:solidFill>
+                            <a:schemeClr val="dk1"/>
+                          </a:solidFill>
+                          <a:effectLst/>
+                          <a:latin typeface="+mn-lt"/>
+                          <a:ea typeface="+mn-ea"/>
+                          <a:cs typeface="+mn-cs"/>
+                        </a:rPr>
+                        <a:t>btnDiag</a:t>
+                      </a:r>
+                      <a:r>
+                        <a:rPr lang="en-US" sz="1800" kern="1200" dirty="0" smtClean="0">
+                          <a:solidFill>
+                            <a:schemeClr val="dk1"/>
+                          </a:solidFill>
+                          <a:effectLst/>
+                          <a:latin typeface="+mn-lt"/>
+                          <a:ea typeface="+mn-ea"/>
+                          <a:cs typeface="+mn-cs"/>
+                        </a:rPr>
+                        <a:t> </a:t>
+                      </a:r>
+                      <a:endParaRPr lang="en-US" dirty="0"/>
+                    </a:p>
+                  </a:txBody>
+                  <a:tcPr/>
+                </a:tc>
+                <a:tc>
+                  <a:txBody>
+                    <a:bodyPr/>
+                    <a:lstStyle/>
+                    <a:p>
+                      <a:r>
+                        <a:rPr lang="en-US" sz="1800" kern="1200" dirty="0" err="1" smtClean="0">
+                          <a:solidFill>
+                            <a:schemeClr val="dk1"/>
+                          </a:solidFill>
+                          <a:effectLst/>
+                          <a:latin typeface="+mn-lt"/>
+                          <a:ea typeface="+mn-ea"/>
+                          <a:cs typeface="+mn-cs"/>
+                        </a:rPr>
+                        <a:t>addDiagnose</a:t>
+                      </a:r>
+                      <a:endParaRPr lang="en-US" dirty="0"/>
+                    </a:p>
+                  </a:txBody>
+                  <a:tcPr/>
+                </a:tc>
+                <a:tc>
+                  <a:txBody>
+                    <a:bodyPr/>
+                    <a:lstStyle/>
+                    <a:p>
+                      <a:r>
+                        <a:rPr lang="en-US" sz="1800" kern="1200" dirty="0" smtClean="0">
+                          <a:solidFill>
+                            <a:schemeClr val="dk1"/>
+                          </a:solidFill>
+                          <a:effectLst/>
+                          <a:latin typeface="+mn-lt"/>
+                          <a:ea typeface="+mn-ea"/>
+                          <a:cs typeface="+mn-cs"/>
+                        </a:rPr>
+                        <a:t>Add diagnosis to existing list and update in </a:t>
+                      </a:r>
+                      <a:r>
+                        <a:rPr lang="en-US" sz="1800" kern="1200" dirty="0" err="1" smtClean="0">
+                          <a:solidFill>
+                            <a:schemeClr val="dk1"/>
+                          </a:solidFill>
+                          <a:effectLst/>
+                          <a:latin typeface="+mn-lt"/>
+                          <a:ea typeface="+mn-ea"/>
+                          <a:cs typeface="+mn-cs"/>
+                        </a:rPr>
+                        <a:t>Mysql</a:t>
+                      </a:r>
+                      <a:endParaRPr lang="en-US" dirty="0"/>
+                    </a:p>
+                  </a:txBody>
+                  <a:tcPr/>
+                </a:tc>
+              </a:tr>
+              <a:tr h="370840">
+                <a:tc>
+                  <a:txBody>
+                    <a:bodyPr/>
+                    <a:lstStyle/>
+                    <a:p>
+                      <a:r>
+                        <a:rPr lang="en-US" sz="1800" kern="1200" dirty="0" err="1" smtClean="0">
+                          <a:solidFill>
+                            <a:schemeClr val="dk1"/>
+                          </a:solidFill>
+                          <a:effectLst/>
+                          <a:latin typeface="+mn-lt"/>
+                          <a:ea typeface="+mn-ea"/>
+                          <a:cs typeface="+mn-cs"/>
+                        </a:rPr>
+                        <a:t>btnDrug</a:t>
+                      </a:r>
+                      <a:endParaRPr lang="en-US" dirty="0"/>
+                    </a:p>
+                  </a:txBody>
+                  <a:tcPr/>
+                </a:tc>
+                <a:tc>
+                  <a:txBody>
+                    <a:bodyPr/>
+                    <a:lstStyle/>
+                    <a:p>
+                      <a:r>
+                        <a:rPr lang="en-US" sz="1800" kern="1200" dirty="0" err="1" smtClean="0">
+                          <a:solidFill>
+                            <a:schemeClr val="dk1"/>
+                          </a:solidFill>
+                          <a:effectLst/>
+                          <a:latin typeface="+mn-lt"/>
+                          <a:ea typeface="+mn-ea"/>
+                          <a:cs typeface="+mn-cs"/>
+                        </a:rPr>
+                        <a:t>checkDrug</a:t>
+                      </a:r>
+                      <a:endParaRPr lang="en-US" dirty="0"/>
+                    </a:p>
+                  </a:txBody>
+                  <a:tcPr/>
+                </a:tc>
+                <a:tc>
+                  <a:txBody>
+                    <a:bodyPr/>
+                    <a:lstStyle/>
+                    <a:p>
+                      <a:r>
+                        <a:rPr lang="en-US" sz="1800" kern="1200" dirty="0" smtClean="0">
+                          <a:solidFill>
+                            <a:schemeClr val="dk1"/>
+                          </a:solidFill>
+                          <a:effectLst/>
+                          <a:latin typeface="+mn-lt"/>
+                          <a:ea typeface="+mn-ea"/>
+                          <a:cs typeface="+mn-cs"/>
+                        </a:rPr>
+                        <a:t>1.Run consumer  on </a:t>
+                      </a:r>
+                      <a:r>
+                        <a:rPr lang="en-US" sz="1800" kern="1200" dirty="0" err="1" smtClean="0">
+                          <a:solidFill>
+                            <a:schemeClr val="dk1"/>
+                          </a:solidFill>
+                          <a:effectLst/>
+                          <a:latin typeface="+mn-lt"/>
+                          <a:ea typeface="+mn-ea"/>
+                          <a:cs typeface="+mn-cs"/>
+                        </a:rPr>
+                        <a:t>prev</a:t>
+                      </a:r>
+                      <a:r>
+                        <a:rPr lang="en-US" sz="1800" kern="1200" dirty="0" smtClean="0">
+                          <a:solidFill>
+                            <a:schemeClr val="dk1"/>
+                          </a:solidFill>
+                          <a:effectLst/>
+                          <a:latin typeface="+mn-lt"/>
+                          <a:ea typeface="+mn-ea"/>
+                          <a:cs typeface="+mn-cs"/>
+                        </a:rPr>
+                        <a:t> (existing) data </a:t>
+                      </a:r>
+                      <a:r>
+                        <a:rPr lang="en-US" sz="1800" kern="1200" dirty="0" err="1" smtClean="0">
+                          <a:solidFill>
+                            <a:schemeClr val="dk1"/>
+                          </a:solidFill>
+                          <a:effectLst/>
+                          <a:latin typeface="+mn-lt"/>
+                          <a:ea typeface="+mn-ea"/>
+                          <a:cs typeface="+mn-cs"/>
+                        </a:rPr>
+                        <a:t>GetInteraction$DrugNume</a:t>
+                      </a:r>
+                      <a:endParaRPr lang="en-US" sz="1800" kern="1200" dirty="0" smtClean="0">
+                        <a:solidFill>
+                          <a:schemeClr val="dk1"/>
+                        </a:solidFill>
+                        <a:effectLst/>
+                        <a:latin typeface="+mn-lt"/>
+                        <a:ea typeface="+mn-ea"/>
+                        <a:cs typeface="+mn-cs"/>
+                      </a:endParaRPr>
+                    </a:p>
+                    <a:p>
+                      <a:r>
+                        <a:rPr lang="en-US" sz="1800" kern="1200" dirty="0" smtClean="0">
+                          <a:solidFill>
+                            <a:schemeClr val="dk1"/>
+                          </a:solidFill>
+                          <a:effectLst/>
+                          <a:latin typeface="+mn-lt"/>
+                          <a:ea typeface="+mn-ea"/>
+                          <a:cs typeface="+mn-cs"/>
+                        </a:rPr>
+                        <a:t>2. </a:t>
+                      </a:r>
+                      <a:r>
+                        <a:rPr lang="en-US" sz="1800" kern="1200" dirty="0" err="1" smtClean="0">
+                          <a:solidFill>
+                            <a:schemeClr val="dk1"/>
+                          </a:solidFill>
+                          <a:effectLst/>
+                          <a:latin typeface="+mn-lt"/>
+                          <a:ea typeface="+mn-ea"/>
+                          <a:cs typeface="+mn-cs"/>
+                        </a:rPr>
+                        <a:t>Async</a:t>
+                      </a:r>
+                      <a:r>
+                        <a:rPr lang="en-US" sz="1800" kern="1200" dirty="0" smtClean="0">
+                          <a:solidFill>
+                            <a:schemeClr val="dk1"/>
+                          </a:solidFill>
+                          <a:effectLst/>
+                          <a:latin typeface="+mn-lt"/>
+                          <a:ea typeface="+mn-ea"/>
+                          <a:cs typeface="+mn-cs"/>
+                        </a:rPr>
+                        <a:t> run Kafka producer on </a:t>
+                      </a:r>
+                      <a:r>
+                        <a:rPr lang="en-US" sz="1800" kern="1200" dirty="0" err="1" smtClean="0">
+                          <a:solidFill>
+                            <a:schemeClr val="dk1"/>
+                          </a:solidFill>
+                          <a:effectLst/>
+                          <a:latin typeface="+mn-lt"/>
+                          <a:ea typeface="+mn-ea"/>
+                          <a:cs typeface="+mn-cs"/>
+                        </a:rPr>
+                        <a:t>GetDrug</a:t>
+                      </a:r>
+                      <a:r>
+                        <a:rPr lang="en-US" sz="1800" kern="1200" dirty="0" smtClean="0">
+                          <a:solidFill>
+                            <a:schemeClr val="dk1"/>
+                          </a:solidFill>
+                          <a:effectLst/>
+                          <a:latin typeface="+mn-lt"/>
+                          <a:ea typeface="+mn-ea"/>
+                          <a:cs typeface="+mn-cs"/>
+                        </a:rPr>
+                        <a:t> topic</a:t>
+                      </a:r>
+                    </a:p>
+                    <a:p>
+                      <a:r>
+                        <a:rPr lang="en-US" sz="1800" kern="1200" dirty="0" smtClean="0">
+                          <a:solidFill>
+                            <a:schemeClr val="dk1"/>
+                          </a:solidFill>
+                          <a:effectLst/>
+                          <a:latin typeface="+mn-lt"/>
+                          <a:ea typeface="+mn-ea"/>
+                          <a:cs typeface="+mn-cs"/>
+                        </a:rPr>
+                        <a:t> </a:t>
+                      </a:r>
+                    </a:p>
+                    <a:p>
+                      <a:r>
+                        <a:rPr lang="en-US" sz="1800" kern="1200" dirty="0" smtClean="0">
+                          <a:solidFill>
+                            <a:schemeClr val="dk1"/>
+                          </a:solidFill>
+                          <a:effectLst/>
+                          <a:latin typeface="+mn-lt"/>
+                          <a:ea typeface="+mn-ea"/>
+                          <a:cs typeface="+mn-cs"/>
+                        </a:rPr>
+                        <a:t>3. once Receive consumer data </a:t>
+                      </a:r>
+                    </a:p>
+                    <a:p>
+                      <a:r>
+                        <a:rPr lang="en-US" sz="1800" kern="1200" dirty="0" smtClean="0">
+                          <a:solidFill>
+                            <a:schemeClr val="dk1"/>
+                          </a:solidFill>
+                          <a:effectLst/>
+                          <a:latin typeface="+mn-lt"/>
+                          <a:ea typeface="+mn-ea"/>
+                          <a:cs typeface="+mn-cs"/>
+                        </a:rPr>
+                        <a:t>3.1 Stop consumer   </a:t>
+                      </a:r>
+                    </a:p>
+                    <a:p>
+                      <a:r>
+                        <a:rPr lang="en-US" sz="1800" kern="1200" dirty="0" smtClean="0">
+                          <a:solidFill>
+                            <a:schemeClr val="dk1"/>
+                          </a:solidFill>
+                          <a:effectLst/>
+                          <a:latin typeface="+mn-lt"/>
+                          <a:ea typeface="+mn-ea"/>
+                          <a:cs typeface="+mn-cs"/>
+                        </a:rPr>
+                        <a:t>3.2. remove from drug list id and drug name list source drug values(exclude from list)</a:t>
+                      </a:r>
+                    </a:p>
+                    <a:p>
+                      <a:r>
+                        <a:rPr lang="en-US" sz="1800" kern="1200" dirty="0" smtClean="0">
+                          <a:solidFill>
+                            <a:schemeClr val="dk1"/>
+                          </a:solidFill>
+                          <a:effectLst/>
+                          <a:latin typeface="+mn-lt"/>
+                          <a:ea typeface="+mn-ea"/>
+                          <a:cs typeface="+mn-cs"/>
+                        </a:rPr>
+                        <a:t>3.3. Build synergy or contraindications according to lexica analysis and random severity to put</a:t>
+                      </a:r>
+                    </a:p>
+                    <a:p>
+                      <a:r>
+                        <a:rPr lang="en-US" sz="1800" kern="1200" dirty="0" smtClean="0">
+                          <a:solidFill>
+                            <a:schemeClr val="dk1"/>
+                          </a:solidFill>
+                          <a:effectLst/>
+                          <a:latin typeface="+mn-lt"/>
+                          <a:ea typeface="+mn-ea"/>
+                          <a:cs typeface="+mn-cs"/>
+                        </a:rPr>
+                        <a:t>3.4. Build result </a:t>
+                      </a:r>
+                      <a:r>
+                        <a:rPr lang="en-US" sz="1800" kern="1200" dirty="0" err="1" smtClean="0">
+                          <a:solidFill>
+                            <a:schemeClr val="dk1"/>
+                          </a:solidFill>
+                          <a:effectLst/>
+                          <a:latin typeface="+mn-lt"/>
+                          <a:ea typeface="+mn-ea"/>
+                          <a:cs typeface="+mn-cs"/>
+                        </a:rPr>
+                        <a:t>df</a:t>
+                      </a:r>
+                      <a:r>
+                        <a:rPr lang="en-US" sz="1800" kern="1200" dirty="0" smtClean="0">
+                          <a:solidFill>
+                            <a:schemeClr val="dk1"/>
+                          </a:solidFill>
+                          <a:effectLst/>
+                          <a:latin typeface="+mn-lt"/>
+                          <a:ea typeface="+mn-ea"/>
+                          <a:cs typeface="+mn-cs"/>
+                        </a:rPr>
+                        <a:t> and show it </a:t>
+                      </a:r>
+                    </a:p>
+                    <a:p>
+                      <a:endParaRPr lang="en-US" dirty="0"/>
+                    </a:p>
+                  </a:txBody>
+                  <a:tcPr/>
+                </a:tc>
+              </a:tr>
+            </a:tbl>
+          </a:graphicData>
+        </a:graphic>
+      </p:graphicFrame>
+    </p:spTree>
+    <p:extLst>
+      <p:ext uri="{BB962C8B-B14F-4D97-AF65-F5344CB8AC3E}">
+        <p14:creationId xmlns:p14="http://schemas.microsoft.com/office/powerpoint/2010/main" val="2906570201"/>
+      </p:ext>
+    </p:extLst>
+  </p:cSld>
+  <p:clrMapOvr>
+    <a:masterClrMapping/>
+  </p:clrMapOvr>
+  <p:timing>
+    <p:tnLst>
+      <p:par>
+        <p:cTn id="1" dur="indefinite" restart="never" nodeType="tmRoot"/>
+      </p:par>
+    </p:tnLst>
+  </p:timing>
+</p:sld>
+</file>
+
+<file path=ppt/slides/slide22.xml><?xml version="1.0" encoding="utf-8"?>
+<p:sld xmlns:a="http://schemas.openxmlformats.org/drawingml/2006/main" xmlns:r="http://schemas.openxmlformats.org/officeDocument/2006/relationships" xmlns:p="http://schemas.openxmlformats.org/presentationml/2006/main">
+  <p:cSld>
+    <p:spTree>
+      <p:nvGrpSpPr>
+        <p:cNvPr id="1" name=""/>
+        <p:cNvGrpSpPr/>
+        <p:nvPr/>
+      </p:nvGrpSpPr>
+      <p:grpSpPr>
+        <a:xfrm>
+          <a:off x="0" y="0"/>
+          <a:ext cx="0" cy="0"/>
+          <a:chOff x="0" y="0"/>
+          <a:chExt cx="0" cy="0"/>
+        </a:xfrm>
+      </p:grpSpPr>
+      <p:sp>
+        <p:nvSpPr>
+          <p:cNvPr id="2" name="Title 1"/>
+          <p:cNvSpPr>
+            <a:spLocks noGrp="1"/>
+          </p:cNvSpPr>
+          <p:nvPr>
+            <p:ph type="title"/>
+          </p:nvPr>
+        </p:nvSpPr>
+        <p:spPr/>
+        <p:txBody>
+          <a:bodyPr/>
+          <a:lstStyle/>
+          <a:p>
+            <a:r>
+              <a:rPr lang="en-US" dirty="0" smtClean="0"/>
               <a:t>Application Classes </a:t>
             </a:r>
             <a:endParaRPr lang="en-US" dirty="0"/>
@@ -4544,10 +7493,106 @@
   <p:clrMapOvr>
     <a:masterClrMapping/>
   </p:clrMapOvr>
+  <p:timing>
+    <p:tnLst>
+      <p:par>
+        <p:cTn id="1" dur="indefinite" restart="never" nodeType="tmRoot"/>
+      </p:par>
+    </p:tnLst>
+  </p:timing>
 </p:sld>
 </file>
 
-<file path=ppt/slides/slide21.xml><?xml version="1.0" encoding="utf-8"?>
+<file path=ppt/slides/slide23.xml><?xml version="1.0" encoding="utf-8"?>
+<p:sld xmlns:a="http://schemas.openxmlformats.org/drawingml/2006/main" xmlns:r="http://schemas.openxmlformats.org/officeDocument/2006/relationships" xmlns:p="http://schemas.openxmlformats.org/presentationml/2006/main">
+  <p:cSld>
+    <p:spTree>
+      <p:nvGrpSpPr>
+        <p:cNvPr id="1" name=""/>
+        <p:cNvGrpSpPr/>
+        <p:nvPr/>
+      </p:nvGrpSpPr>
+      <p:grpSpPr>
+        <a:xfrm>
+          <a:off x="0" y="0"/>
+          <a:ext cx="0" cy="0"/>
+          <a:chOff x="0" y="0"/>
+          <a:chExt cx="0" cy="0"/>
+        </a:xfrm>
+      </p:grpSpPr>
+      <p:sp>
+        <p:nvSpPr>
+          <p:cNvPr id="2" name="Title 1"/>
+          <p:cNvSpPr>
+            <a:spLocks noGrp="1"/>
+          </p:cNvSpPr>
+          <p:nvPr>
+            <p:ph type="title"/>
+          </p:nvPr>
+        </p:nvSpPr>
+        <p:spPr/>
+        <p:txBody>
+          <a:bodyPr/>
+          <a:lstStyle/>
+          <a:p>
+            <a:r>
+              <a:rPr lang="en-US" dirty="0" smtClean="0"/>
+              <a:t>Nice to have</a:t>
+            </a:r>
+            <a:endParaRPr lang="en-US" dirty="0"/>
+          </a:p>
+        </p:txBody>
+      </p:sp>
+      <p:sp>
+        <p:nvSpPr>
+          <p:cNvPr id="3" name="Content Placeholder 2"/>
+          <p:cNvSpPr>
+            <a:spLocks noGrp="1"/>
+          </p:cNvSpPr>
+          <p:nvPr>
+            <p:ph idx="1"/>
+          </p:nvPr>
+        </p:nvSpPr>
+        <p:spPr/>
+        <p:txBody>
+          <a:bodyPr/>
+          <a:lstStyle/>
+          <a:p>
+            <a:r>
+              <a:rPr lang="en-US" dirty="0" smtClean="0"/>
+              <a:t>This project theme is only drug-</a:t>
+            </a:r>
+            <a:r>
+              <a:rPr lang="en-US" dirty="0" err="1" smtClean="0"/>
+              <a:t>grug</a:t>
+            </a:r>
+            <a:r>
+              <a:rPr lang="en-US" dirty="0" smtClean="0"/>
+              <a:t> interaction check for adding new medicine for a specific patient (from patient’s health history).</a:t>
+            </a:r>
+          </a:p>
+          <a:p>
+            <a:r>
+              <a:rPr lang="en-US" dirty="0" smtClean="0"/>
+              <a:t>Expanding the process to new drug-patient diagnosis list interaction check, will allow to find the optimal drug and prevent medical malpractice.</a:t>
+            </a:r>
+          </a:p>
+        </p:txBody>
+      </p:sp>
+    </p:spTree>
+    <p:extLst>
+      <p:ext uri="{BB962C8B-B14F-4D97-AF65-F5344CB8AC3E}">
+        <p14:creationId xmlns:p14="http://schemas.microsoft.com/office/powerpoint/2010/main" val="3655472920"/>
+      </p:ext>
+    </p:extLst>
+  </p:cSld>
+  <p:clrMapOvr>
+    <a:masterClrMapping/>
+  </p:clrMapOvr>
+</p:sld>
+</file>
+
+<file path=ppt/slides/slide24.xml><?xml version="1.0" encoding="utf-8"?>
 <p:sld xmlns:a="http://schemas.openxmlformats.org/drawingml/2006/main" xmlns:r="http://schemas.openxmlformats.org/officeDocument/2006/relationships" xmlns:p="http://schemas.openxmlformats.org/presentationml/2006/main">
   <p:cSld>
     <p:spTree>
@@ -4622,6 +7667,13 @@
   <p:clrMapOvr>
     <a:masterClrMapping/>
   </p:clrMapOvr>
+  <p:timing>
+    <p:tnLst>
+      <p:par>
+        <p:cTn id="1" dur="indefinite" restart="never" nodeType="tmRoot"/>
+      </p:par>
+    </p:tnLst>
+  </p:timing>
 </p:sld>
 </file>
 
@@ -5407,10 +8459,16 @@
         </p:nvSpPr>
         <p:spPr/>
         <p:txBody>
-          <a:bodyPr/>
+          <a:bodyPr>
+            <a:normAutofit fontScale="90000"/>
+          </a:bodyPr>
           <a:lstStyle/>
           <a:p>
-            <a:endParaRPr lang="en-US"/>
+            <a:r>
+              <a:rPr lang="en-US" dirty="0" smtClean="0"/>
+              <a:t>NIH supplied some drug interaction APIs</a:t>
+            </a:r>
+            <a:endParaRPr lang="en-US" dirty="0"/>
           </a:p>
         </p:txBody>
       </p:sp>
@@ -5506,14 +8564,14 @@
             <p:ph idx="1"/>
             <p:extLst>
               <p:ext uri="{D42A27DB-BD31-4B8C-83A1-F6EECF244321}">
-                <p14:modId xmlns:p14="http://schemas.microsoft.com/office/powerpoint/2010/main" val="919010771"/>
+                <p14:modId xmlns:p14="http://schemas.microsoft.com/office/powerpoint/2010/main" val="984895753"/>
               </p:ext>
             </p:extLst>
           </p:nvPr>
         </p:nvGraphicFramePr>
         <p:xfrm>
           <a:off x="685800" y="1524000"/>
-          <a:ext cx="8229600" cy="11065679"/>
+          <a:ext cx="8229600" cy="4574870"/>
         </p:xfrm>
         <a:graphic>
           <a:graphicData uri="http://schemas.openxmlformats.org/drawingml/2006/table">
@@ -5842,383 +8900,6 @@
                       <a:r>
                         <a:rPr lang="en-US" baseline="0" dirty="0" err="1" smtClean="0"/>
                         <a:t>proccess</a:t>
-                      </a:r>
-                      <a:endParaRPr lang="en-US" dirty="0"/>
-                    </a:p>
-                  </a:txBody>
-                  <a:tcPr/>
-                </a:tc>
-              </a:tr>
-              <a:tr h="446561">
-                <a:tc>
-                  <a:txBody>
-                    <a:bodyPr/>
-                    <a:lstStyle/>
-                    <a:p>
-                      <a:r>
-                        <a:rPr lang="en-US" dirty="0" err="1" smtClean="0"/>
-                        <a:t>nifi</a:t>
-                      </a:r>
-                      <a:endParaRPr lang="en-US" dirty="0"/>
-                    </a:p>
-                  </a:txBody>
-                  <a:tcPr/>
-                </a:tc>
-                <a:tc>
-                  <a:txBody>
-                    <a:bodyPr/>
-                    <a:lstStyle/>
-                    <a:p>
-                      <a:r>
-                        <a:rPr lang="en-US" dirty="0" smtClean="0"/>
-                        <a:t>mechanism of work.</a:t>
-                      </a:r>
-                      <a:r>
-                        <a:rPr lang="en-US" baseline="0" dirty="0" smtClean="0"/>
-                        <a:t> R</a:t>
-                      </a:r>
-                      <a:r>
-                        <a:rPr lang="en-US" dirty="0" smtClean="0"/>
-                        <a:t>eceiving and processing data. The result is sent via </a:t>
-                      </a:r>
-                      <a:r>
-                        <a:rPr lang="en-US" dirty="0" err="1" smtClean="0"/>
-                        <a:t>kafka</a:t>
-                      </a:r>
-                      <a:r>
-                        <a:rPr lang="en-US" dirty="0" smtClean="0"/>
-                        <a:t> to the doctor's application</a:t>
-                      </a:r>
-                      <a:endParaRPr lang="en-US" dirty="0"/>
-                    </a:p>
-                  </a:txBody>
-                  <a:tcPr/>
-                </a:tc>
-                <a:tc>
-                  <a:txBody>
-                    <a:bodyPr/>
-                    <a:lstStyle/>
-                    <a:p>
-                      <a:r>
-                        <a:rPr lang="en-US" dirty="0" smtClean="0"/>
-                        <a:t>Consumer of topic 1 receive the request.</a:t>
-                      </a:r>
-                      <a:r>
-                        <a:rPr lang="en-US" baseline="0" dirty="0" smtClean="0"/>
-                        <a:t> Run 1</a:t>
-                      </a:r>
-                      <a:r>
-                        <a:rPr lang="en-US" baseline="30000" dirty="0" smtClean="0"/>
-                        <a:t>st</a:t>
-                      </a:r>
-                      <a:r>
-                        <a:rPr lang="en-US" baseline="0" dirty="0" smtClean="0"/>
-                        <a:t> </a:t>
-                      </a:r>
-                      <a:r>
-                        <a:rPr lang="en-US" baseline="0" dirty="0" err="1" smtClean="0"/>
-                        <a:t>api</a:t>
-                      </a:r>
-                      <a:r>
-                        <a:rPr lang="en-US" baseline="0" dirty="0" smtClean="0"/>
-                        <a:t> call to get </a:t>
-                      </a:r>
-                      <a:r>
-                        <a:rPr lang="en-US" baseline="0" dirty="0" err="1" smtClean="0"/>
-                        <a:t>drugId</a:t>
-                      </a:r>
-                      <a:r>
-                        <a:rPr lang="en-US" baseline="0" dirty="0" smtClean="0"/>
-                        <a:t> according to name.</a:t>
-                      </a:r>
-                    </a:p>
-                    <a:p>
-                      <a:r>
-                        <a:rPr lang="en-US" baseline="0" dirty="0" smtClean="0"/>
-                        <a:t>2. Run 2d </a:t>
-                      </a:r>
-                      <a:r>
-                        <a:rPr lang="en-US" baseline="0" dirty="0" err="1" smtClean="0"/>
-                        <a:t>api</a:t>
-                      </a:r>
-                      <a:r>
-                        <a:rPr lang="en-US" baseline="0" dirty="0" smtClean="0"/>
-                        <a:t> call to get interaction according Id</a:t>
-                      </a:r>
-                    </a:p>
-                    <a:p>
-                      <a:r>
-                        <a:rPr lang="en-US" baseline="0" dirty="0" smtClean="0"/>
-                        <a:t>3. Jolt data manipulation to simplify the data from </a:t>
-                      </a:r>
-                      <a:r>
-                        <a:rPr lang="en-US" baseline="0" dirty="0" err="1" smtClean="0"/>
-                        <a:t>api</a:t>
-                      </a:r>
-                      <a:endParaRPr lang="en-US" baseline="0" dirty="0" smtClean="0"/>
-                    </a:p>
-                    <a:p>
-                      <a:r>
-                        <a:rPr lang="en-US" baseline="0" dirty="0" smtClean="0"/>
-                        <a:t>4. Send result to </a:t>
-                      </a:r>
-                      <a:r>
-                        <a:rPr lang="en-US" baseline="0" dirty="0" err="1" smtClean="0"/>
-                        <a:t>kafka</a:t>
-                      </a:r>
-                      <a:r>
-                        <a:rPr lang="en-US" baseline="0" dirty="0" smtClean="0"/>
-                        <a:t> with topic 2 type</a:t>
-                      </a:r>
-                      <a:endParaRPr lang="en-US" dirty="0"/>
-                    </a:p>
-                  </a:txBody>
-                  <a:tcPr/>
-                </a:tc>
-              </a:tr>
-              <a:tr h="446561">
-                <a:tc>
-                  <a:txBody>
-                    <a:bodyPr/>
-                    <a:lstStyle/>
-                    <a:p>
-                      <a:r>
-                        <a:rPr lang="en-US" dirty="0" smtClean="0"/>
-                        <a:t>spark</a:t>
-                      </a:r>
-                      <a:endParaRPr lang="en-US" dirty="0"/>
-                    </a:p>
-                  </a:txBody>
-                  <a:tcPr/>
-                </a:tc>
-                <a:tc>
-                  <a:txBody>
-                    <a:bodyPr/>
-                    <a:lstStyle/>
-                    <a:p>
-                      <a:r>
-                        <a:rPr lang="en-US" dirty="0" smtClean="0"/>
-                        <a:t>Used</a:t>
-                      </a:r>
-                      <a:r>
-                        <a:rPr lang="en-US" baseline="0" dirty="0" smtClean="0"/>
-                        <a:t> with </a:t>
-                      </a:r>
-                      <a:r>
-                        <a:rPr lang="en-US" baseline="0" dirty="0" err="1" smtClean="0"/>
-                        <a:t>kafka</a:t>
-                      </a:r>
-                      <a:r>
-                        <a:rPr lang="en-US" baseline="0" dirty="0" smtClean="0"/>
-                        <a:t> result consumer , structured data stream, and with </a:t>
-                      </a:r>
-                      <a:r>
-                        <a:rPr lang="en-US" baseline="0" dirty="0" err="1" smtClean="0"/>
-                        <a:t>hdfs</a:t>
-                      </a:r>
-                      <a:r>
-                        <a:rPr lang="en-US" baseline="0" dirty="0" smtClean="0"/>
-                        <a:t> data reports</a:t>
-                      </a:r>
-                      <a:endParaRPr lang="en-US" dirty="0"/>
-                    </a:p>
-                  </a:txBody>
-                  <a:tcPr/>
-                </a:tc>
-                <a:tc>
-                  <a:txBody>
-                    <a:bodyPr/>
-                    <a:lstStyle/>
-                    <a:p>
-                      <a:endParaRPr lang="en-US"/>
-                    </a:p>
-                  </a:txBody>
-                  <a:tcPr/>
-                </a:tc>
-              </a:tr>
-              <a:tr h="446561">
-                <a:tc>
-                  <a:txBody>
-                    <a:bodyPr/>
-                    <a:lstStyle/>
-                    <a:p>
-                      <a:r>
-                        <a:rPr lang="en-US" dirty="0" err="1" smtClean="0"/>
-                        <a:t>hdfs</a:t>
-                      </a:r>
-                      <a:endParaRPr lang="en-US" dirty="0"/>
-                    </a:p>
-                  </a:txBody>
-                  <a:tcPr/>
-                </a:tc>
-                <a:tc>
-                  <a:txBody>
-                    <a:bodyPr/>
-                    <a:lstStyle/>
-                    <a:p>
-                      <a:r>
-                        <a:rPr lang="en-US" dirty="0" err="1" smtClean="0"/>
-                        <a:t>Recepts</a:t>
-                      </a:r>
-                      <a:r>
-                        <a:rPr lang="en-US" dirty="0" smtClean="0"/>
-                        <a:t> data archive</a:t>
-                      </a:r>
-                      <a:endParaRPr lang="en-US" dirty="0"/>
-                    </a:p>
-                  </a:txBody>
-                  <a:tcPr/>
-                </a:tc>
-                <a:tc>
-                  <a:txBody>
-                    <a:bodyPr/>
-                    <a:lstStyle/>
-                    <a:p>
-                      <a:r>
-                        <a:rPr lang="en-US" dirty="0" smtClean="0"/>
-                        <a:t>Source for reports and </a:t>
-                      </a:r>
-                      <a:r>
-                        <a:rPr lang="en-US" dirty="0" err="1" smtClean="0"/>
-                        <a:t>analitics</a:t>
-                      </a:r>
-                      <a:endParaRPr lang="en-US" dirty="0"/>
-                    </a:p>
-                  </a:txBody>
-                  <a:tcPr/>
-                </a:tc>
-              </a:tr>
-              <a:tr h="1284764">
-                <a:tc>
-                  <a:txBody>
-                    <a:bodyPr/>
-                    <a:lstStyle/>
-                    <a:p>
-                      <a:r>
-                        <a:rPr lang="en-US" dirty="0" smtClean="0"/>
-                        <a:t>python</a:t>
-                      </a:r>
-                      <a:endParaRPr lang="en-US" dirty="0"/>
-                    </a:p>
-                  </a:txBody>
-                  <a:tcPr/>
-                </a:tc>
-                <a:tc>
-                  <a:txBody>
-                    <a:bodyPr/>
-                    <a:lstStyle/>
-                    <a:p>
-                      <a:endParaRPr lang="en-US" dirty="0"/>
-                    </a:p>
-                  </a:txBody>
-                  <a:tcPr/>
-                </a:tc>
-                <a:tc>
-                  <a:txBody>
-                    <a:bodyPr/>
-                    <a:lstStyle/>
-                    <a:p>
-                      <a:r>
-                        <a:rPr lang="en-US" dirty="0" smtClean="0"/>
-                        <a:t>Use </a:t>
-                      </a:r>
-                      <a:r>
-                        <a:rPr lang="en-US" dirty="0" err="1" smtClean="0"/>
-                        <a:t>parrow</a:t>
-                      </a:r>
-                      <a:r>
-                        <a:rPr lang="en-US" dirty="0" smtClean="0"/>
-                        <a:t>, </a:t>
-                      </a:r>
-                      <a:r>
-                        <a:rPr lang="en-US" dirty="0" err="1" smtClean="0"/>
-                        <a:t>pyspark</a:t>
-                      </a:r>
-                      <a:r>
-                        <a:rPr lang="en-US" dirty="0" smtClean="0"/>
-                        <a:t> , lexical analysis</a:t>
-                      </a:r>
-                      <a:endParaRPr lang="en-US" dirty="0"/>
-                    </a:p>
-                  </a:txBody>
-                  <a:tcPr/>
-                </a:tc>
-              </a:tr>
-              <a:tr h="1284764">
-                <a:tc>
-                  <a:txBody>
-                    <a:bodyPr/>
-                    <a:lstStyle/>
-                    <a:p>
-                      <a:r>
-                        <a:rPr lang="en-US" dirty="0" smtClean="0"/>
-                        <a:t>NIH </a:t>
-                      </a:r>
-                      <a:r>
-                        <a:rPr lang="en-US" dirty="0" err="1" smtClean="0"/>
-                        <a:t>apis</a:t>
-                      </a:r>
-                      <a:r>
-                        <a:rPr lang="en-US" dirty="0" smtClean="0"/>
-                        <a:t> </a:t>
-                      </a:r>
-                      <a:endParaRPr lang="en-US" dirty="0"/>
-                    </a:p>
-                  </a:txBody>
-                  <a:tcPr/>
-                </a:tc>
-                <a:tc>
-                  <a:txBody>
-                    <a:bodyPr/>
-                    <a:lstStyle/>
-                    <a:p>
-                      <a:r>
-                        <a:rPr lang="en-US" dirty="0" smtClean="0"/>
-                        <a:t>\Source</a:t>
-                      </a:r>
-                      <a:r>
-                        <a:rPr lang="en-US" baseline="0" dirty="0" smtClean="0"/>
-                        <a:t> </a:t>
-                      </a:r>
-                      <a:r>
-                        <a:rPr lang="en-US" baseline="0" dirty="0" err="1" smtClean="0"/>
-                        <a:t>DrugBank</a:t>
-                      </a:r>
-                      <a:endParaRPr lang="en-US" dirty="0"/>
-                    </a:p>
-                  </a:txBody>
-                  <a:tcPr/>
-                </a:tc>
-                <a:tc>
-                  <a:txBody>
-                    <a:bodyPr/>
-                    <a:lstStyle/>
-                    <a:p>
-                      <a:r>
-                        <a:rPr lang="en-US" dirty="0" err="1" smtClean="0"/>
-                        <a:t>Api</a:t>
-                      </a:r>
-                      <a:r>
-                        <a:rPr lang="en-US" dirty="0" smtClean="0"/>
-                        <a:t> can works</a:t>
-                      </a:r>
-                      <a:r>
-                        <a:rPr lang="en-US" baseline="0" dirty="0" smtClean="0"/>
-                        <a:t> with different data source,</a:t>
-                      </a:r>
-                    </a:p>
-                    <a:p>
-                      <a:r>
-                        <a:rPr lang="en-US" baseline="0" dirty="0" smtClean="0"/>
-                        <a:t> in this project we use the </a:t>
-                      </a:r>
-                      <a:r>
-                        <a:rPr lang="en-US" baseline="0" dirty="0" err="1" smtClean="0"/>
-                        <a:t>DrugBank</a:t>
-                      </a:r>
-                      <a:r>
-                        <a:rPr lang="en-US" baseline="0" dirty="0" smtClean="0"/>
-                        <a:t> source</a:t>
                       </a:r>
                       <a:endParaRPr lang="en-US" dirty="0"/>
                     </a:p>
@@ -6270,57 +8951,327 @@
             <p:ph type="title"/>
           </p:nvPr>
         </p:nvSpPr>
-        <p:spPr>
-          <a:xfrm>
-            <a:off x="533588" y="418415"/>
-            <a:ext cx="8229600" cy="1143000"/>
-          </a:xfrm>
-        </p:spPr>
-        <p:txBody>
-          <a:bodyPr/>
+        <p:spPr/>
+        <p:txBody>
+          <a:bodyPr>
+            <a:normAutofit fontScale="90000"/>
+          </a:bodyPr>
           <a:lstStyle/>
           <a:p>
             <a:r>
-              <a:rPr lang="en-US" smtClean="0"/>
-              <a:t>Solution architecture</a:t>
+              <a:rPr lang="en-US" dirty="0" smtClean="0"/>
+              <a:t>Toolbox for technical realization -continued</a:t>
             </a:r>
             <a:endParaRPr lang="en-US" dirty="0"/>
           </a:p>
         </p:txBody>
       </p:sp>
-      <p:pic>
-        <p:nvPicPr>
+      <p:graphicFrame>
+        <p:nvGraphicFramePr>
           <p:cNvPr id="4" name="Content Placeholder 3"/>
-          <p:cNvPicPr>
-            <a:picLocks noGrp="1" noChangeAspect="1"/>
-          </p:cNvPicPr>
+          <p:cNvGraphicFramePr>
+            <a:graphicFrameLocks noGrp="1"/>
+          </p:cNvGraphicFramePr>
           <p:nvPr>
             <p:ph idx="1"/>
-          </p:nvPr>
-        </p:nvPicPr>
-        <p:blipFill>
-          <a:blip r:embed="rId2">
-            <a:extLst>
-              <a:ext uri="{28A0092B-C50C-407E-A947-70E740481C1C}">
-                <a14:useLocalDpi xmlns:a14="http://schemas.microsoft.com/office/drawing/2010/main" val="0"/>
-              </a:ext>
-            </a:extLst>
-          </a:blip>
-          <a:stretch>
-            <a:fillRect/>
-          </a:stretch>
-        </p:blipFill>
-        <p:spPr>
-          <a:xfrm>
-            <a:off x="990600" y="1905000"/>
-            <a:ext cx="7315576" cy="4203916"/>
-          </a:xfrm>
-        </p:spPr>
-      </p:pic>
+            <p:extLst>
+              <p:ext uri="{D42A27DB-BD31-4B8C-83A1-F6EECF244321}">
+                <p14:modId xmlns:p14="http://schemas.microsoft.com/office/powerpoint/2010/main" val="3504436136"/>
+              </p:ext>
+            </p:extLst>
+          </p:nvPr>
+        </p:nvGraphicFramePr>
+        <p:xfrm>
+          <a:off x="457200" y="1600200"/>
+          <a:ext cx="8229600" cy="5217160"/>
+        </p:xfrm>
+        <a:graphic>
+          <a:graphicData uri="http://schemas.openxmlformats.org/drawingml/2006/table">
+            <a:tbl>
+              <a:tblPr firstRow="1" bandRow="1">
+                <a:tableStyleId>{5C22544A-7EE6-4342-B048-85BDC9FD1C3A}</a:tableStyleId>
+              </a:tblPr>
+              <a:tblGrid>
+                <a:gridCol w="2743200"/>
+                <a:gridCol w="2743200"/>
+                <a:gridCol w="2743200"/>
+              </a:tblGrid>
+              <a:tr h="370840">
+                <a:tc>
+                  <a:txBody>
+                    <a:bodyPr/>
+                    <a:lstStyle/>
+                    <a:p>
+                      <a:r>
+                        <a:rPr lang="en-US" dirty="0" smtClean="0"/>
+                        <a:t>Tool </a:t>
+                      </a:r>
+                      <a:endParaRPr lang="en-US" dirty="0"/>
+                    </a:p>
+                  </a:txBody>
+                  <a:tcPr/>
+                </a:tc>
+                <a:tc>
+                  <a:txBody>
+                    <a:bodyPr/>
+                    <a:lstStyle/>
+                    <a:p>
+                      <a:r>
+                        <a:rPr lang="en-US" dirty="0" smtClean="0"/>
+                        <a:t>use</a:t>
+                      </a:r>
+                      <a:endParaRPr lang="en-US" dirty="0"/>
+                    </a:p>
+                  </a:txBody>
+                  <a:tcPr/>
+                </a:tc>
+                <a:tc>
+                  <a:txBody>
+                    <a:bodyPr/>
+                    <a:lstStyle/>
+                    <a:p>
+                      <a:r>
+                        <a:rPr lang="en-US" dirty="0" smtClean="0"/>
+                        <a:t>description</a:t>
+                      </a:r>
+                      <a:endParaRPr lang="en-US" dirty="0"/>
+                    </a:p>
+                  </a:txBody>
+                  <a:tcPr/>
+                </a:tc>
+              </a:tr>
+              <a:tr h="370840">
+                <a:tc>
+                  <a:txBody>
+                    <a:bodyPr/>
+                    <a:lstStyle/>
+                    <a:p>
+                      <a:r>
+                        <a:rPr lang="en-US" dirty="0" err="1" smtClean="0"/>
+                        <a:t>nifi</a:t>
+                      </a:r>
+                      <a:endParaRPr lang="en-US" dirty="0"/>
+                    </a:p>
+                  </a:txBody>
+                  <a:tcPr/>
+                </a:tc>
+                <a:tc>
+                  <a:txBody>
+                    <a:bodyPr/>
+                    <a:lstStyle/>
+                    <a:p>
+                      <a:pPr marL="0" marR="0" indent="0" algn="l" defTabSz="914400" rtl="0" eaLnBrk="1" fontAlgn="auto" latinLnBrk="0" hangingPunct="1">
+                        <a:lnSpc>
+                          <a:spcPct val="100000"/>
+                        </a:lnSpc>
+                        <a:spcBef>
+                          <a:spcPts val="0"/>
+                        </a:spcBef>
+                        <a:spcAft>
+                          <a:spcPts val="0"/>
+                        </a:spcAft>
+                        <a:buClrTx/>
+                        <a:buSzTx/>
+                        <a:buFontTx/>
+                        <a:buNone/>
+                        <a:tabLst/>
+                        <a:defRPr/>
+                      </a:pPr>
+                      <a:r>
+                        <a:rPr lang="en-US" dirty="0" smtClean="0"/>
+                        <a:t>mechanism of work.</a:t>
+                      </a:r>
+                      <a:r>
+                        <a:rPr lang="en-US" baseline="0" dirty="0" smtClean="0"/>
+                        <a:t> R</a:t>
+                      </a:r>
+                      <a:r>
+                        <a:rPr lang="en-US" dirty="0" smtClean="0"/>
+                        <a:t>eceiving and processing data. The result is sent via </a:t>
+                      </a:r>
+                      <a:r>
+                        <a:rPr lang="en-US" dirty="0" err="1" smtClean="0"/>
+                        <a:t>kafka</a:t>
+                      </a:r>
+                      <a:r>
+                        <a:rPr lang="en-US" dirty="0" smtClean="0"/>
+                        <a:t> to the doctor's application</a:t>
+                      </a:r>
+                    </a:p>
+                    <a:p>
+                      <a:endParaRPr lang="en-US" dirty="0"/>
+                    </a:p>
+                  </a:txBody>
+                  <a:tcPr/>
+                </a:tc>
+                <a:tc>
+                  <a:txBody>
+                    <a:bodyPr/>
+                    <a:lstStyle/>
+                    <a:p>
+                      <a:r>
+                        <a:rPr lang="en-US" dirty="0" smtClean="0"/>
+                        <a:t>Consumer of topic 1 receive the request.</a:t>
+                      </a:r>
+                      <a:r>
+                        <a:rPr lang="en-US" baseline="0" dirty="0" smtClean="0"/>
+                        <a:t> Run 1</a:t>
+                      </a:r>
+                      <a:r>
+                        <a:rPr lang="en-US" baseline="30000" dirty="0" smtClean="0"/>
+                        <a:t>st</a:t>
+                      </a:r>
+                      <a:r>
+                        <a:rPr lang="en-US" baseline="0" dirty="0" smtClean="0"/>
+                        <a:t> </a:t>
+                      </a:r>
+                      <a:r>
+                        <a:rPr lang="en-US" baseline="0" dirty="0" err="1" smtClean="0"/>
+                        <a:t>api</a:t>
+                      </a:r>
+                      <a:r>
+                        <a:rPr lang="en-US" baseline="0" dirty="0" smtClean="0"/>
+                        <a:t> call to get </a:t>
+                      </a:r>
+                      <a:r>
+                        <a:rPr lang="en-US" baseline="0" dirty="0" err="1" smtClean="0"/>
+                        <a:t>drugId</a:t>
+                      </a:r>
+                      <a:r>
+                        <a:rPr lang="en-US" baseline="0" dirty="0" smtClean="0"/>
+                        <a:t> according to name.</a:t>
+                      </a:r>
+                    </a:p>
+                    <a:p>
+                      <a:r>
+                        <a:rPr lang="en-US" baseline="0" dirty="0" smtClean="0"/>
+                        <a:t>2. Run 2d </a:t>
+                      </a:r>
+                      <a:r>
+                        <a:rPr lang="en-US" baseline="0" dirty="0" err="1" smtClean="0"/>
+                        <a:t>api</a:t>
+                      </a:r>
+                      <a:r>
+                        <a:rPr lang="en-US" baseline="0" dirty="0" smtClean="0"/>
+                        <a:t> call to get interaction according Id</a:t>
+                      </a:r>
+                    </a:p>
+                    <a:p>
+                      <a:r>
+                        <a:rPr lang="en-US" baseline="0" dirty="0" smtClean="0"/>
+                        <a:t>3. Jolt data manipulation to simplify the data from </a:t>
+                      </a:r>
+                      <a:r>
+                        <a:rPr lang="en-US" baseline="0" dirty="0" err="1" smtClean="0"/>
+                        <a:t>api</a:t>
+                      </a:r>
+                      <a:endParaRPr lang="en-US" baseline="0" dirty="0" smtClean="0"/>
+                    </a:p>
+                    <a:p>
+                      <a:r>
+                        <a:rPr lang="en-US" baseline="0" dirty="0" smtClean="0"/>
+                        <a:t>4. Send result to </a:t>
+                      </a:r>
+                      <a:r>
+                        <a:rPr lang="en-US" baseline="0" dirty="0" err="1" smtClean="0"/>
+                        <a:t>kafka</a:t>
+                      </a:r>
+                      <a:r>
+                        <a:rPr lang="en-US" baseline="0" dirty="0" smtClean="0"/>
+                        <a:t> with topic 2 type</a:t>
+                      </a:r>
+                      <a:endParaRPr lang="en-US" dirty="0" smtClean="0"/>
+                    </a:p>
+                    <a:p>
+                      <a:endParaRPr lang="en-US" dirty="0"/>
+                    </a:p>
+                  </a:txBody>
+                  <a:tcPr/>
+                </a:tc>
+              </a:tr>
+              <a:tr h="370840">
+                <a:tc>
+                  <a:txBody>
+                    <a:bodyPr/>
+                    <a:lstStyle/>
+                    <a:p>
+                      <a:r>
+                        <a:rPr lang="en-US" dirty="0" smtClean="0"/>
+                        <a:t>spark</a:t>
+                      </a:r>
+                      <a:endParaRPr lang="en-US" dirty="0"/>
+                    </a:p>
+                  </a:txBody>
+                  <a:tcPr/>
+                </a:tc>
+                <a:tc>
+                  <a:txBody>
+                    <a:bodyPr/>
+                    <a:lstStyle/>
+                    <a:p>
+                      <a:pPr marL="0" marR="0" indent="0" algn="l" defTabSz="914400" rtl="0" eaLnBrk="1" fontAlgn="auto" latinLnBrk="0" hangingPunct="1">
+                        <a:lnSpc>
+                          <a:spcPct val="100000"/>
+                        </a:lnSpc>
+                        <a:spcBef>
+                          <a:spcPts val="0"/>
+                        </a:spcBef>
+                        <a:spcAft>
+                          <a:spcPts val="0"/>
+                        </a:spcAft>
+                        <a:buClrTx/>
+                        <a:buSzTx/>
+                        <a:buFontTx/>
+                        <a:buNone/>
+                        <a:tabLst/>
+                        <a:defRPr/>
+                      </a:pPr>
+                      <a:r>
+                        <a:rPr lang="en-US" dirty="0" smtClean="0"/>
+                        <a:t>mechanism of work.</a:t>
+                      </a:r>
+                      <a:r>
+                        <a:rPr lang="en-US" baseline="0" dirty="0" smtClean="0"/>
+                        <a:t> R</a:t>
+                      </a:r>
+                      <a:r>
+                        <a:rPr lang="en-US" dirty="0" smtClean="0"/>
+                        <a:t>eceiving and processing data. The result is sent via </a:t>
+                      </a:r>
+                      <a:r>
+                        <a:rPr lang="en-US" dirty="0" err="1" smtClean="0"/>
+                        <a:t>kafka</a:t>
+                      </a:r>
+                      <a:r>
+                        <a:rPr lang="en-US" dirty="0" smtClean="0"/>
+                        <a:t> to the doctor's application</a:t>
+                      </a:r>
+                    </a:p>
+                    <a:p>
+                      <a:endParaRPr lang="en-US" dirty="0"/>
+                    </a:p>
+                  </a:txBody>
+                  <a:tcPr/>
+                </a:tc>
+                <a:tc>
+                  <a:txBody>
+                    <a:bodyPr/>
+                    <a:lstStyle/>
+                    <a:p>
+                      <a:endParaRPr lang="en-US" dirty="0"/>
+                    </a:p>
+                  </a:txBody>
+                  <a:tcPr/>
+                </a:tc>
+              </a:tr>
+            </a:tbl>
+          </a:graphicData>
+        </a:graphic>
+      </p:graphicFrame>
     </p:spTree>
     <p:extLst>
       <p:ext uri="{BB962C8B-B14F-4D97-AF65-F5344CB8AC3E}">
-        <p14:creationId xmlns:p14="http://schemas.microsoft.com/office/powerpoint/2010/main" val="2944557163"/>
+        <p14:creationId xmlns:p14="http://schemas.microsoft.com/office/powerpoint/2010/main" val="103437963"/>
       </p:ext>
     </p:extLst>
   </p:cSld>

--- a/FinalProject.pptx
+++ b/FinalProject.pptx
@@ -7619,11 +7619,42 @@
             <p:ph type="title"/>
           </p:nvPr>
         </p:nvSpPr>
-        <p:spPr/>
-        <p:txBody>
-          <a:bodyPr/>
+        <p:spPr>
+          <a:xfrm>
+            <a:off x="457200" y="533400"/>
+            <a:ext cx="8229600" cy="1676400"/>
+          </a:xfrm>
+        </p:spPr>
+        <p:txBody>
+          <a:bodyPr>
+            <a:normAutofit/>
+          </a:bodyPr>
           <a:lstStyle/>
           <a:p>
+            <a:r>
+              <a:rPr lang="en-US" i="1" dirty="0" smtClean="0"/>
+              <a:t>“</a:t>
+            </a:r>
+            <a:r>
+              <a:rPr lang="en-US" i="1" dirty="0" err="1" smtClean="0"/>
+              <a:t>Primum</a:t>
+            </a:r>
+            <a:r>
+              <a:rPr lang="en-US" i="1" dirty="0" smtClean="0"/>
+              <a:t> non </a:t>
+            </a:r>
+            <a:r>
+              <a:rPr lang="en-US" i="1" dirty="0" err="1" smtClean="0"/>
+              <a:t>nocere</a:t>
+            </a:r>
+            <a:r>
+              <a:rPr lang="ru-RU" i="1" dirty="0" smtClean="0"/>
+              <a:t>!</a:t>
+            </a:r>
+            <a:r>
+              <a:rPr lang="en-US" i="1" dirty="0" smtClean="0"/>
+              <a:t>”</a:t>
+            </a:r>
             <a:endParaRPr lang="en-US" dirty="0"/>
           </a:p>
         </p:txBody>
@@ -7652,11 +7683,82 @@
         </p:blipFill>
         <p:spPr>
           <a:xfrm>
-            <a:off x="1981200" y="1447800"/>
+            <a:off x="1981200" y="2590800"/>
             <a:ext cx="5629275" cy="4162644"/>
           </a:xfrm>
         </p:spPr>
       </p:pic>
+      <p:sp>
+        <p:nvSpPr>
+          <p:cNvPr id="5" name="TextBox 4"/>
+          <p:cNvSpPr txBox="1"/>
+          <p:nvPr/>
+        </p:nvSpPr>
+        <p:spPr>
+          <a:xfrm>
+            <a:off x="381000" y="1752600"/>
+            <a:ext cx="8229600" cy="1477328"/>
+          </a:xfrm>
+          <a:prstGeom prst="rect">
+            <a:avLst/>
+          </a:prstGeom>
+          <a:noFill/>
+        </p:spPr>
+        <p:txBody>
+          <a:bodyPr wrap="square" rtlCol="0">
+            <a:spAutoFit/>
+          </a:bodyPr>
+          <a:lstStyle/>
+          <a:p>
+            <a:r>
+              <a:rPr lang="ru-RU" i="1" dirty="0" smtClean="0"/>
+              <a:t/>
+            </a:r>
+            <a:br>
+              <a:rPr lang="ru-RU" i="1" dirty="0" smtClean="0"/>
+            </a:br>
+            <a:r>
+              <a:rPr lang="en-US" dirty="0" smtClean="0"/>
+              <a:t>This Latin phrase means "</a:t>
+            </a:r>
+            <a:r>
+              <a:rPr lang="en-US" b="1" dirty="0" smtClean="0"/>
+              <a:t>first, do no harm</a:t>
+            </a:r>
+            <a:r>
+              <a:rPr lang="en-US" dirty="0" smtClean="0"/>
+              <a:t>”.</a:t>
+            </a:r>
+            <a:br>
+              <a:rPr lang="en-US" dirty="0" smtClean="0"/>
+            </a:br>
+            <a:r>
+              <a:rPr lang="en-US" dirty="0" smtClean="0"/>
+              <a:t>It is one of the principal precepts of </a:t>
+            </a:r>
+            <a:r>
+              <a:rPr lang="en-US" dirty="0" smtClean="0"/>
+              <a:t>bioethics</a:t>
+            </a:r>
+            <a:r>
+              <a:rPr lang="en-US" dirty="0"/>
+              <a:t> that </a:t>
+            </a:r>
+            <a:r>
+              <a:rPr lang="en-US" dirty="0" smtClean="0"/>
+              <a:t>all students in healthcare are taught in school and is a fundamental principle throughout the world.</a:t>
+            </a:r>
+            <a:r>
+              <a:rPr lang="ru-RU" dirty="0" smtClean="0"/>
+              <a:t/>
+            </a:r>
+            <a:br>
+              <a:rPr lang="ru-RU" dirty="0" smtClean="0"/>
+            </a:br>
+            <a:endParaRPr lang="en-US" dirty="0"/>
+          </a:p>
+        </p:txBody>
+      </p:sp>
     </p:spTree>
     <p:extLst>
       <p:ext uri="{BB962C8B-B14F-4D97-AF65-F5344CB8AC3E}">

--- a/FinalProject.pptx
+++ b/FinalProject.pptx
@@ -5,7 +5,7 @@
     <p:sldMasterId id="2147483648" r:id="rId1"/>
   </p:sldMasterIdLst>
   <p:notesMasterIdLst>
-    <p:notesMasterId r:id="rId26"/>
+    <p:notesMasterId r:id="rId28"/>
   </p:notesMasterIdLst>
   <p:sldIdLst>
     <p:sldId id="256" r:id="rId2"/>
@@ -21,17 +21,19 @@
     <p:sldId id="264" r:id="rId12"/>
     <p:sldId id="265" r:id="rId13"/>
     <p:sldId id="266" r:id="rId14"/>
-    <p:sldId id="267" r:id="rId15"/>
-    <p:sldId id="268" r:id="rId16"/>
-    <p:sldId id="269" r:id="rId17"/>
-    <p:sldId id="270" r:id="rId18"/>
-    <p:sldId id="271" r:id="rId19"/>
-    <p:sldId id="272" r:id="rId20"/>
-    <p:sldId id="273" r:id="rId21"/>
-    <p:sldId id="274" r:id="rId22"/>
-    <p:sldId id="275" r:id="rId23"/>
-    <p:sldId id="279" r:id="rId24"/>
-    <p:sldId id="276" r:id="rId25"/>
+    <p:sldId id="280" r:id="rId15"/>
+    <p:sldId id="267" r:id="rId16"/>
+    <p:sldId id="268" r:id="rId17"/>
+    <p:sldId id="269" r:id="rId18"/>
+    <p:sldId id="281" r:id="rId19"/>
+    <p:sldId id="270" r:id="rId20"/>
+    <p:sldId id="271" r:id="rId21"/>
+    <p:sldId id="272" r:id="rId22"/>
+    <p:sldId id="273" r:id="rId23"/>
+    <p:sldId id="274" r:id="rId24"/>
+    <p:sldId id="275" r:id="rId25"/>
+    <p:sldId id="279" r:id="rId26"/>
+    <p:sldId id="276" r:id="rId27"/>
   </p:sldIdLst>
   <p:sldSz cx="9144000" cy="6858000" type="screen4x3"/>
   <p:notesSz cx="6858000" cy="9144000"/>
@@ -5126,7 +5128,7 @@
           <a:p>
             <a:r>
               <a:rPr lang="en-US" dirty="0" smtClean="0"/>
-              <a:t>JOLT Specification</a:t>
+              <a:t>Path to required data</a:t>
             </a:r>
             <a:endParaRPr lang="en-US" dirty="0"/>
           </a:p>
@@ -5142,314 +5144,74 @@
             <p:ph idx="1"/>
           </p:nvPr>
         </p:nvSpPr>
-        <p:spPr>
-          <a:xfrm>
-            <a:off x="533400" y="1371600"/>
-            <a:ext cx="8229600" cy="4525963"/>
-          </a:xfrm>
-        </p:spPr>
+        <p:spPr/>
         <p:txBody>
           <a:bodyPr>
-            <a:noAutofit/>
+            <a:normAutofit fontScale="77500" lnSpcReduction="20000"/>
           </a:bodyPr>
           <a:lstStyle/>
           <a:p>
-            <a:pPr marL="0" indent="0">
-              <a:buNone/>
-            </a:pPr>
-            <a:r>
-              <a:rPr lang="en-US" sz="1200" dirty="0" smtClean="0"/>
-              <a:t>[{</a:t>
-            </a:r>
-          </a:p>
-          <a:p>
-            <a:pPr marL="0" indent="0">
-              <a:buNone/>
-            </a:pPr>
-            <a:r>
-              <a:rPr lang="en-US" sz="1200" dirty="0" smtClean="0"/>
-              <a:t>  "operation": "shift",</a:t>
-            </a:r>
-          </a:p>
-          <a:p>
-            <a:pPr marL="0" indent="0">
-              <a:buNone/>
-            </a:pPr>
-            <a:r>
-              <a:rPr lang="en-US" sz="1200" dirty="0" smtClean="0"/>
-              <a:t>  "spec": {</a:t>
-            </a:r>
-          </a:p>
-          <a:p>
-            <a:pPr marL="0" indent="0">
-              <a:buNone/>
-            </a:pPr>
-            <a:r>
-              <a:rPr lang="en-US" sz="1200" dirty="0" smtClean="0"/>
-              <a:t>    "</a:t>
-            </a:r>
-            <a:r>
-              <a:rPr lang="en-US" sz="1200" dirty="0" err="1" smtClean="0"/>
-              <a:t>interactionTypeGroup</a:t>
-            </a:r>
-            <a:r>
-              <a:rPr lang="en-US" sz="1200" dirty="0" smtClean="0"/>
-              <a:t>": {</a:t>
-            </a:r>
-          </a:p>
-          <a:p>
-            <a:pPr marL="0" indent="0">
-              <a:buNone/>
-            </a:pPr>
-            <a:r>
-              <a:rPr lang="en-US" sz="1200" dirty="0" smtClean="0"/>
-              <a:t>      "*": {</a:t>
-            </a:r>
-          </a:p>
-          <a:p>
-            <a:pPr marL="0" indent="0">
-              <a:buNone/>
-            </a:pPr>
-            <a:r>
-              <a:rPr lang="en-US" sz="1200" dirty="0" smtClean="0"/>
-              <a:t>        "</a:t>
-            </a:r>
-            <a:r>
-              <a:rPr lang="en-US" sz="1200" dirty="0" err="1" smtClean="0"/>
-              <a:t>interactionType</a:t>
-            </a:r>
-            <a:r>
-              <a:rPr lang="en-US" sz="1200" dirty="0" smtClean="0"/>
-              <a:t>": {</a:t>
-            </a:r>
-          </a:p>
-          <a:p>
-            <a:pPr marL="0" indent="0">
-              <a:buNone/>
-            </a:pPr>
-            <a:r>
-              <a:rPr lang="en-US" sz="1200" dirty="0" smtClean="0"/>
-              <a:t>          "*": {</a:t>
-            </a:r>
-          </a:p>
-          <a:p>
-            <a:pPr marL="0" indent="0">
-              <a:buNone/>
-            </a:pPr>
-            <a:r>
-              <a:rPr lang="en-US" sz="1200" dirty="0" smtClean="0"/>
-              <a:t>            "</a:t>
-            </a:r>
-            <a:r>
-              <a:rPr lang="en-US" sz="1200" dirty="0" err="1" smtClean="0"/>
-              <a:t>minConceptItem</a:t>
-            </a:r>
-            <a:r>
-              <a:rPr lang="en-US" sz="1200" dirty="0" smtClean="0"/>
-              <a:t>": {</a:t>
-            </a:r>
-          </a:p>
-          <a:p>
-            <a:pPr marL="0" indent="0">
-              <a:buNone/>
-            </a:pPr>
-            <a:r>
-              <a:rPr lang="en-US" sz="1200" dirty="0" smtClean="0"/>
-              <a:t>              "</a:t>
-            </a:r>
-            <a:r>
-              <a:rPr lang="en-US" sz="1200" dirty="0" err="1" smtClean="0"/>
-              <a:t>rxcui</a:t>
-            </a:r>
-            <a:r>
-              <a:rPr lang="en-US" sz="1200" dirty="0" smtClean="0"/>
-              <a:t>": "</a:t>
-            </a:r>
-            <a:r>
-              <a:rPr lang="en-US" sz="1200" dirty="0" err="1" smtClean="0"/>
-              <a:t>rxcui</a:t>
-            </a:r>
-            <a:r>
-              <a:rPr lang="en-US" sz="1200" dirty="0" smtClean="0"/>
-              <a:t>",</a:t>
-            </a:r>
-          </a:p>
-          <a:p>
-            <a:pPr marL="0" indent="0">
-              <a:buNone/>
-            </a:pPr>
-            <a:r>
-              <a:rPr lang="en-US" sz="1200" dirty="0" smtClean="0"/>
-              <a:t>              "name": "name"</a:t>
-            </a:r>
-          </a:p>
-          <a:p>
-            <a:pPr marL="0" indent="0">
-              <a:buNone/>
-            </a:pPr>
-            <a:r>
-              <a:rPr lang="en-US" sz="1200" dirty="0" smtClean="0"/>
-              <a:t>            },</a:t>
-            </a:r>
-          </a:p>
-          <a:p>
-            <a:pPr marL="0" indent="0">
-              <a:buNone/>
-            </a:pPr>
-            <a:r>
-              <a:rPr lang="en-US" sz="1200" dirty="0" smtClean="0"/>
-              <a:t>            "</a:t>
-            </a:r>
-            <a:r>
-              <a:rPr lang="en-US" sz="1200" dirty="0" err="1" smtClean="0"/>
-              <a:t>interactionPair</a:t>
-            </a:r>
-            <a:r>
-              <a:rPr lang="en-US" sz="1200" dirty="0" smtClean="0"/>
-              <a:t>": {</a:t>
-            </a:r>
-          </a:p>
-          <a:p>
-            <a:pPr marL="0" indent="0">
-              <a:buNone/>
-            </a:pPr>
-            <a:r>
-              <a:rPr lang="en-US" sz="1200" dirty="0" smtClean="0"/>
-              <a:t>              "*": {</a:t>
-            </a:r>
-          </a:p>
-          <a:p>
-            <a:pPr marL="0" indent="0">
-              <a:buNone/>
-            </a:pPr>
-            <a:r>
-              <a:rPr lang="en-US" sz="1200" dirty="0" smtClean="0"/>
-              <a:t>                "severity": "severity",</a:t>
-            </a:r>
-          </a:p>
-          <a:p>
-            <a:pPr marL="0" indent="0">
-              <a:buNone/>
-            </a:pPr>
-            <a:r>
-              <a:rPr lang="en-US" sz="1200" dirty="0" smtClean="0"/>
-              <a:t>                "description": "description",</a:t>
-            </a:r>
-          </a:p>
-          <a:p>
-            <a:pPr marL="0" indent="0">
-              <a:buNone/>
-            </a:pPr>
-            <a:r>
-              <a:rPr lang="en-US" sz="1200" dirty="0" smtClean="0"/>
-              <a:t>                "</a:t>
-            </a:r>
-            <a:r>
-              <a:rPr lang="en-US" sz="1200" dirty="0" err="1" smtClean="0"/>
-              <a:t>interactionConcept</a:t>
-            </a:r>
-            <a:r>
-              <a:rPr lang="en-US" sz="1200" dirty="0" smtClean="0"/>
-              <a:t>": {</a:t>
-            </a:r>
-          </a:p>
-          <a:p>
-            <a:pPr marL="0" indent="0">
-              <a:buNone/>
-            </a:pPr>
-            <a:r>
-              <a:rPr lang="en-US" sz="1200" dirty="0" smtClean="0"/>
-              <a:t>                  "*": {</a:t>
-            </a:r>
-          </a:p>
-          <a:p>
-            <a:pPr marL="0" indent="0">
-              <a:buNone/>
-            </a:pPr>
-            <a:r>
-              <a:rPr lang="en-US" sz="1200" dirty="0" smtClean="0"/>
-              <a:t>                    "</a:t>
-            </a:r>
-            <a:r>
-              <a:rPr lang="en-US" sz="1200" dirty="0" err="1" smtClean="0"/>
-              <a:t>minConceptItem</a:t>
-            </a:r>
-            <a:r>
-              <a:rPr lang="en-US" sz="1200" dirty="0" smtClean="0"/>
-              <a:t>": {</a:t>
-            </a:r>
-          </a:p>
-          <a:p>
-            <a:pPr marL="0" indent="0">
-              <a:buNone/>
-            </a:pPr>
-            <a:r>
-              <a:rPr lang="en-US" sz="1200" dirty="0" smtClean="0"/>
-              <a:t>                      "</a:t>
-            </a:r>
-            <a:r>
-              <a:rPr lang="en-US" sz="1200" dirty="0" err="1" smtClean="0"/>
-              <a:t>rxcui</a:t>
-            </a:r>
-            <a:r>
-              <a:rPr lang="en-US" sz="1200" dirty="0" smtClean="0"/>
-              <a:t>": "</a:t>
-            </a:r>
-            <a:r>
-              <a:rPr lang="en-US" sz="1200" dirty="0" err="1" smtClean="0"/>
-              <a:t>IdList</a:t>
-            </a:r>
-            <a:r>
-              <a:rPr lang="en-US" sz="1200" dirty="0" smtClean="0"/>
-              <a:t>",</a:t>
-            </a:r>
-          </a:p>
-          <a:p>
-            <a:pPr marL="0" indent="0">
-              <a:buNone/>
-            </a:pPr>
-            <a:r>
-              <a:rPr lang="en-US" sz="1200" dirty="0" smtClean="0"/>
-              <a:t>                      "name": "</a:t>
-            </a:r>
-            <a:r>
-              <a:rPr lang="en-US" sz="1200" dirty="0" err="1" smtClean="0"/>
-              <a:t>NameList</a:t>
-            </a:r>
-            <a:r>
-              <a:rPr lang="en-US" sz="1200" dirty="0" smtClean="0"/>
-              <a:t>"</a:t>
-            </a:r>
-          </a:p>
-          <a:p>
-            <a:pPr marL="0" indent="0">
-              <a:buNone/>
-            </a:pPr>
-            <a:r>
-              <a:rPr lang="en-US" sz="1200" dirty="0" smtClean="0"/>
-              <a:t>                    }           }         }      }          }          }   }      }    }  }}]</a:t>
-            </a:r>
-            <a:endParaRPr lang="en-US" sz="1200" dirty="0"/>
+            <a:r>
+              <a:rPr lang="en-US" dirty="0" err="1" smtClean="0"/>
+              <a:t>interactionTypeGroup.interactionType.minConceptItem.rxcui</a:t>
+            </a:r>
+            <a:endParaRPr lang="en-US" dirty="0" smtClean="0"/>
+          </a:p>
+          <a:p>
+            <a:r>
+              <a:rPr lang="en-US" dirty="0" smtClean="0"/>
+              <a:t>interactionTypeGroup.interactionType.minConceptItem.name</a:t>
+            </a:r>
+          </a:p>
+          <a:p>
+            <a:r>
+              <a:rPr lang="en-US" dirty="0" smtClean="0"/>
+              <a:t>[</a:t>
+            </a:r>
+          </a:p>
+          <a:p>
+            <a:r>
+              <a:rPr lang="en-US" dirty="0" smtClean="0"/>
+              <a:t>interactionTypeGroup.interactionType.interactionPair.interactionConcept[1].</a:t>
+            </a:r>
+            <a:r>
+              <a:rPr lang="en-US" dirty="0" err="1" smtClean="0"/>
+              <a:t>minConceptItem.rxcui</a:t>
+            </a:r>
+            <a:endParaRPr lang="en-US" dirty="0" smtClean="0"/>
+          </a:p>
+          <a:p>
+            <a:r>
+              <a:rPr lang="en-US" dirty="0" smtClean="0"/>
+              <a:t>interactionTypeGroup.interactionType.interactionPair.interactionConcept[1].minConceptItem.name</a:t>
+            </a:r>
+          </a:p>
+          <a:p>
+            <a:r>
+              <a:rPr lang="en-US" dirty="0" err="1" smtClean="0"/>
+              <a:t>interactionTypeGroup.interactionType.interactionPair.severity</a:t>
+            </a:r>
+            <a:endParaRPr lang="en-US" dirty="0" smtClean="0"/>
+          </a:p>
+          <a:p>
+            <a:r>
+              <a:rPr lang="en-US" dirty="0" smtClean="0"/>
+              <a:t>interactionTypeGroup.interactionType.interactionPair.description]</a:t>
+            </a:r>
+            <a:endParaRPr lang="en-US" dirty="0"/>
           </a:p>
         </p:txBody>
       </p:sp>
     </p:spTree>
     <p:extLst>
       <p:ext uri="{BB962C8B-B14F-4D97-AF65-F5344CB8AC3E}">
-        <p14:creationId xmlns:p14="http://schemas.microsoft.com/office/powerpoint/2010/main" val="193232357"/>
+        <p14:creationId xmlns:p14="http://schemas.microsoft.com/office/powerpoint/2010/main" val="2487884405"/>
       </p:ext>
     </p:extLst>
   </p:cSld>
   <p:clrMapOvr>
     <a:masterClrMapping/>
   </p:clrMapOvr>
-  <p:timing>
-    <p:tnLst>
-      <p:par>
-        <p:cTn id="1" dur="indefinite" restart="never" nodeType="tmRoot"/>
-      </p:par>
-    </p:tnLst>
-  </p:timing>
 </p:sld>
 </file>
 
@@ -5487,7 +5249,7 @@
           <a:p>
             <a:r>
               <a:rPr lang="en-US" dirty="0" smtClean="0"/>
-              <a:t>Result producer data</a:t>
+              <a:t>JOLT Specification</a:t>
             </a:r>
             <a:endParaRPr lang="en-US" dirty="0"/>
           </a:p>
@@ -5503,10 +5265,15 @@
             <p:ph idx="1"/>
           </p:nvPr>
         </p:nvSpPr>
-        <p:spPr/>
+        <p:spPr>
+          <a:xfrm>
+            <a:off x="533400" y="1371600"/>
+            <a:ext cx="8229600" cy="4525963"/>
+          </a:xfrm>
+        </p:spPr>
         <p:txBody>
           <a:bodyPr>
-            <a:normAutofit fontScale="70000" lnSpcReduction="20000"/>
+            <a:noAutofit/>
           </a:bodyPr>
           <a:lstStyle/>
           <a:p>
@@ -5514,8 +5281,8 @@
               <a:buNone/>
             </a:pPr>
             <a:r>
-              <a:rPr lang="en-US" dirty="0" smtClean="0"/>
-              <a:t>{</a:t>
+              <a:rPr lang="en-US" sz="1200" dirty="0" smtClean="0"/>
+              <a:t>[{</a:t>
             </a:r>
           </a:p>
           <a:p>
@@ -5523,16 +5290,8 @@
               <a:buNone/>
             </a:pPr>
             <a:r>
-              <a:rPr lang="en-US" dirty="0" smtClean="0"/>
-              <a:t>  "</a:t>
-            </a:r>
-            <a:r>
-              <a:rPr lang="en-US" dirty="0" err="1" smtClean="0"/>
-              <a:t>rxcui</a:t>
-            </a:r>
-            <a:r>
-              <a:rPr lang="en-US" dirty="0" smtClean="0"/>
-              <a:t>" : "88014",</a:t>
+              <a:rPr lang="en-US" sz="1200" dirty="0" smtClean="0"/>
+              <a:t>  "operation": "shift",</a:t>
             </a:r>
           </a:p>
           <a:p>
@@ -5540,16 +5299,8 @@
               <a:buNone/>
             </a:pPr>
             <a:r>
-              <a:rPr lang="en-US" dirty="0" smtClean="0"/>
-              <a:t>  "name" : "</a:t>
-            </a:r>
-            <a:r>
-              <a:rPr lang="en-US" dirty="0" err="1" smtClean="0"/>
-              <a:t>rizatriptan</a:t>
-            </a:r>
-            <a:r>
-              <a:rPr lang="en-US" dirty="0" smtClean="0"/>
-              <a:t>",</a:t>
+              <a:rPr lang="en-US" sz="1200" dirty="0" smtClean="0"/>
+              <a:t>  "spec": {</a:t>
             </a:r>
           </a:p>
           <a:p>
@@ -5557,8 +5308,16 @@
               <a:buNone/>
             </a:pPr>
             <a:r>
-              <a:rPr lang="en-US" dirty="0" smtClean="0"/>
-              <a:t>  "severity" : [ "high", "high", "high", "high", "high" ],</a:t>
+              <a:rPr lang="en-US" sz="1200" dirty="0" smtClean="0"/>
+              <a:t>    "</a:t>
+            </a:r>
+            <a:r>
+              <a:rPr lang="en-US" sz="1200" dirty="0" err="1" smtClean="0"/>
+              <a:t>interactionTypeGroup</a:t>
+            </a:r>
+            <a:r>
+              <a:rPr lang="en-US" sz="1200" dirty="0" smtClean="0"/>
+              <a:t>": {</a:t>
             </a:r>
           </a:p>
           <a:p>
@@ -5566,48 +5325,8 @@
               <a:buNone/>
             </a:pPr>
             <a:r>
-              <a:rPr lang="en-US" dirty="0" smtClean="0"/>
-              <a:t>  "description" : [ "</a:t>
-            </a:r>
-            <a:r>
-              <a:rPr lang="en-US" dirty="0" err="1" smtClean="0"/>
-              <a:t>Triptans</a:t>
-            </a:r>
-            <a:r>
-              <a:rPr lang="en-US" dirty="0" smtClean="0"/>
-              <a:t> - monoamine oxidase (MAO) inhibitors", "</a:t>
-            </a:r>
-            <a:r>
-              <a:rPr lang="en-US" dirty="0" err="1" smtClean="0"/>
-              <a:t>Triptans</a:t>
-            </a:r>
-            <a:r>
-              <a:rPr lang="en-US" dirty="0" smtClean="0"/>
-              <a:t> - monoamine oxidase (MAO) inhibitors", "</a:t>
-            </a:r>
-            <a:r>
-              <a:rPr lang="en-US" dirty="0" err="1" smtClean="0"/>
-              <a:t>Triptans</a:t>
-            </a:r>
-            <a:r>
-              <a:rPr lang="en-US" dirty="0" smtClean="0"/>
-              <a:t> - monoamine oxidase (MAO) inhibitors", "</a:t>
-            </a:r>
-            <a:r>
-              <a:rPr lang="en-US" dirty="0" err="1" smtClean="0"/>
-              <a:t>Triptans</a:t>
-            </a:r>
-            <a:r>
-              <a:rPr lang="en-US" dirty="0" smtClean="0"/>
-              <a:t> - monoamine oxidase (MAO) inhibitors", "</a:t>
-            </a:r>
-            <a:r>
-              <a:rPr lang="en-US" dirty="0" err="1" smtClean="0"/>
-              <a:t>Triptans</a:t>
-            </a:r>
-            <a:r>
-              <a:rPr lang="en-US" dirty="0" smtClean="0"/>
-              <a:t> - monoamine oxidase (MAO) inhibitors" ],</a:t>
+              <a:rPr lang="en-US" sz="1200" dirty="0" smtClean="0"/>
+              <a:t>      "*": {</a:t>
             </a:r>
           </a:p>
           <a:p>
@@ -5615,16 +5334,16 @@
               <a:buNone/>
             </a:pPr>
             <a:r>
-              <a:rPr lang="en-US" dirty="0" smtClean="0"/>
-              <a:t>  "</a:t>
-            </a:r>
-            <a:r>
-              <a:rPr lang="en-US" dirty="0" err="1" smtClean="0"/>
-              <a:t>IdList</a:t>
-            </a:r>
-            <a:r>
-              <a:rPr lang="en-US" dirty="0" smtClean="0"/>
-              <a:t>" : [ "88014", "10734", "88014", "30121", "88014", "6011", "88014", "6878", "88014", "8123" ],</a:t>
+              <a:rPr lang="en-US" sz="1200" dirty="0" smtClean="0"/>
+              <a:t>        "</a:t>
+            </a:r>
+            <a:r>
+              <a:rPr lang="en-US" sz="1200" dirty="0" err="1" smtClean="0"/>
+              <a:t>interactionType</a:t>
+            </a:r>
+            <a:r>
+              <a:rPr lang="en-US" sz="1200" dirty="0" smtClean="0"/>
+              <a:t>": {</a:t>
             </a:r>
           </a:p>
           <a:p>
@@ -5632,80 +5351,8 @@
               <a:buNone/>
             </a:pPr>
             <a:r>
-              <a:rPr lang="en-US" dirty="0" smtClean="0"/>
-              <a:t>  "</a:t>
-            </a:r>
-            <a:r>
-              <a:rPr lang="en-US" dirty="0" err="1" smtClean="0"/>
-              <a:t>NameList</a:t>
-            </a:r>
-            <a:r>
-              <a:rPr lang="en-US" dirty="0" smtClean="0"/>
-              <a:t>" : [ "</a:t>
-            </a:r>
-            <a:r>
-              <a:rPr lang="en-US" dirty="0" err="1" smtClean="0"/>
-              <a:t>rizatriptan</a:t>
-            </a:r>
-            <a:r>
-              <a:rPr lang="en-US" dirty="0" smtClean="0"/>
-              <a:t>", "tranylcypromine", "</a:t>
-            </a:r>
-            <a:r>
-              <a:rPr lang="en-US" dirty="0" err="1" smtClean="0"/>
-              <a:t>rizatriptan</a:t>
-            </a:r>
-            <a:r>
-              <a:rPr lang="en-US" dirty="0" smtClean="0"/>
-              <a:t>", "</a:t>
-            </a:r>
-            <a:r>
-              <a:rPr lang="en-US" dirty="0" err="1" smtClean="0"/>
-              <a:t>moclobemide</a:t>
-            </a:r>
-            <a:r>
-              <a:rPr lang="en-US" dirty="0" smtClean="0"/>
-              <a:t>", "</a:t>
-            </a:r>
-            <a:r>
-              <a:rPr lang="en-US" dirty="0" err="1" smtClean="0"/>
-              <a:t>rizatriptan</a:t>
-            </a:r>
-            <a:r>
-              <a:rPr lang="en-US" dirty="0" smtClean="0"/>
-              <a:t>", "</a:t>
-            </a:r>
-            <a:r>
-              <a:rPr lang="en-US" dirty="0" err="1" smtClean="0"/>
-              <a:t>isocarboxazid</a:t>
-            </a:r>
-            <a:r>
-              <a:rPr lang="en-US" dirty="0" smtClean="0"/>
-              <a:t>", "</a:t>
-            </a:r>
-            <a:r>
-              <a:rPr lang="en-US" dirty="0" err="1" smtClean="0"/>
-              <a:t>rizatriptan</a:t>
-            </a:r>
-            <a:r>
-              <a:rPr lang="en-US" dirty="0" smtClean="0"/>
-              <a:t>", "methylene blue", "</a:t>
-            </a:r>
-            <a:r>
-              <a:rPr lang="en-US" dirty="0" err="1" smtClean="0"/>
-              <a:t>rizatriptan</a:t>
-            </a:r>
-            <a:r>
-              <a:rPr lang="en-US" dirty="0" smtClean="0"/>
-              <a:t>", "</a:t>
-            </a:r>
-            <a:r>
-              <a:rPr lang="en-US" dirty="0" err="1" smtClean="0"/>
-              <a:t>phenelzine</a:t>
-            </a:r>
-            <a:r>
-              <a:rPr lang="en-US" dirty="0" smtClean="0"/>
-              <a:t>" ]</a:t>
+              <a:rPr lang="en-US" sz="1200" dirty="0" smtClean="0"/>
+              <a:t>          "*": {</a:t>
             </a:r>
           </a:p>
           <a:p>
@@ -5713,17 +5360,206 @@
               <a:buNone/>
             </a:pPr>
             <a:r>
-              <a:rPr lang="en-US" dirty="0" smtClean="0"/>
-              <a:t>}</a:t>
-            </a:r>
-            <a:endParaRPr lang="en-US" dirty="0"/>
+              <a:rPr lang="en-US" sz="1200" dirty="0" smtClean="0"/>
+              <a:t>            "</a:t>
+            </a:r>
+            <a:r>
+              <a:rPr lang="en-US" sz="1200" dirty="0" err="1" smtClean="0"/>
+              <a:t>minConceptItem</a:t>
+            </a:r>
+            <a:r>
+              <a:rPr lang="en-US" sz="1200" dirty="0" smtClean="0"/>
+              <a:t>": {</a:t>
+            </a:r>
+          </a:p>
+          <a:p>
+            <a:pPr marL="0" indent="0">
+              <a:buNone/>
+            </a:pPr>
+            <a:r>
+              <a:rPr lang="en-US" sz="1200" dirty="0" smtClean="0"/>
+              <a:t>              "</a:t>
+            </a:r>
+            <a:r>
+              <a:rPr lang="en-US" sz="1200" dirty="0" err="1" smtClean="0"/>
+              <a:t>rxcui</a:t>
+            </a:r>
+            <a:r>
+              <a:rPr lang="en-US" sz="1200" dirty="0" smtClean="0"/>
+              <a:t>": "</a:t>
+            </a:r>
+            <a:r>
+              <a:rPr lang="en-US" sz="1200" dirty="0" err="1" smtClean="0"/>
+              <a:t>rxcui</a:t>
+            </a:r>
+            <a:r>
+              <a:rPr lang="en-US" sz="1200" dirty="0" smtClean="0"/>
+              <a:t>",</a:t>
+            </a:r>
+          </a:p>
+          <a:p>
+            <a:pPr marL="0" indent="0">
+              <a:buNone/>
+            </a:pPr>
+            <a:r>
+              <a:rPr lang="en-US" sz="1200" dirty="0" smtClean="0"/>
+              <a:t>              "name": "name"</a:t>
+            </a:r>
+          </a:p>
+          <a:p>
+            <a:pPr marL="0" indent="0">
+              <a:buNone/>
+            </a:pPr>
+            <a:r>
+              <a:rPr lang="en-US" sz="1200" dirty="0" smtClean="0"/>
+              <a:t>            },</a:t>
+            </a:r>
+          </a:p>
+          <a:p>
+            <a:pPr marL="0" indent="0">
+              <a:buNone/>
+            </a:pPr>
+            <a:r>
+              <a:rPr lang="en-US" sz="1200" dirty="0" smtClean="0"/>
+              <a:t>            "</a:t>
+            </a:r>
+            <a:r>
+              <a:rPr lang="en-US" sz="1200" dirty="0" err="1" smtClean="0"/>
+              <a:t>interactionPair</a:t>
+            </a:r>
+            <a:r>
+              <a:rPr lang="en-US" sz="1200" dirty="0" smtClean="0"/>
+              <a:t>": {</a:t>
+            </a:r>
+          </a:p>
+          <a:p>
+            <a:pPr marL="0" indent="0">
+              <a:buNone/>
+            </a:pPr>
+            <a:r>
+              <a:rPr lang="en-US" sz="1200" dirty="0" smtClean="0"/>
+              <a:t>              "*": {</a:t>
+            </a:r>
+          </a:p>
+          <a:p>
+            <a:pPr marL="0" indent="0">
+              <a:buNone/>
+            </a:pPr>
+            <a:r>
+              <a:rPr lang="en-US" sz="1200" dirty="0" smtClean="0"/>
+              <a:t>                "severity": "severity",</a:t>
+            </a:r>
+          </a:p>
+          <a:p>
+            <a:pPr marL="0" indent="0">
+              <a:buNone/>
+            </a:pPr>
+            <a:r>
+              <a:rPr lang="en-US" sz="1200" dirty="0" smtClean="0"/>
+              <a:t>                "description": "description",</a:t>
+            </a:r>
+          </a:p>
+          <a:p>
+            <a:pPr marL="0" indent="0">
+              <a:buNone/>
+            </a:pPr>
+            <a:r>
+              <a:rPr lang="en-US" sz="1200" dirty="0" smtClean="0"/>
+              <a:t>                "</a:t>
+            </a:r>
+            <a:r>
+              <a:rPr lang="en-US" sz="1200" dirty="0" err="1" smtClean="0"/>
+              <a:t>interactionConcept</a:t>
+            </a:r>
+            <a:r>
+              <a:rPr lang="en-US" sz="1200" dirty="0" smtClean="0"/>
+              <a:t>": {</a:t>
+            </a:r>
+          </a:p>
+          <a:p>
+            <a:pPr marL="0" indent="0">
+              <a:buNone/>
+            </a:pPr>
+            <a:r>
+              <a:rPr lang="en-US" sz="1200" dirty="0" smtClean="0"/>
+              <a:t>                  "*": {</a:t>
+            </a:r>
+          </a:p>
+          <a:p>
+            <a:pPr marL="0" indent="0">
+              <a:buNone/>
+            </a:pPr>
+            <a:r>
+              <a:rPr lang="en-US" sz="1200" dirty="0" smtClean="0"/>
+              <a:t>                    "</a:t>
+            </a:r>
+            <a:r>
+              <a:rPr lang="en-US" sz="1200" dirty="0" err="1" smtClean="0"/>
+              <a:t>minConceptItem</a:t>
+            </a:r>
+            <a:r>
+              <a:rPr lang="en-US" sz="1200" dirty="0" smtClean="0"/>
+              <a:t>": {</a:t>
+            </a:r>
+          </a:p>
+          <a:p>
+            <a:pPr marL="0" indent="0">
+              <a:buNone/>
+            </a:pPr>
+            <a:r>
+              <a:rPr lang="en-US" sz="1200" dirty="0" smtClean="0"/>
+              <a:t>                      "</a:t>
+            </a:r>
+            <a:r>
+              <a:rPr lang="en-US" sz="1200" dirty="0" err="1" smtClean="0"/>
+              <a:t>rxcui</a:t>
+            </a:r>
+            <a:r>
+              <a:rPr lang="en-US" sz="1200" dirty="0" smtClean="0"/>
+              <a:t>": "</a:t>
+            </a:r>
+            <a:r>
+              <a:rPr lang="en-US" sz="1200" dirty="0" err="1" smtClean="0"/>
+              <a:t>IdList</a:t>
+            </a:r>
+            <a:r>
+              <a:rPr lang="en-US" sz="1200" dirty="0" smtClean="0"/>
+              <a:t>",</a:t>
+            </a:r>
+          </a:p>
+          <a:p>
+            <a:pPr marL="0" indent="0">
+              <a:buNone/>
+            </a:pPr>
+            <a:r>
+              <a:rPr lang="en-US" sz="1200" dirty="0" smtClean="0"/>
+              <a:t>                      "name": "</a:t>
+            </a:r>
+            <a:r>
+              <a:rPr lang="en-US" sz="1200" dirty="0" err="1" smtClean="0"/>
+              <a:t>NameList</a:t>
+            </a:r>
+            <a:r>
+              <a:rPr lang="en-US" sz="1200" dirty="0" smtClean="0"/>
+              <a:t>"</a:t>
+            </a:r>
+          </a:p>
+          <a:p>
+            <a:pPr marL="0" indent="0">
+              <a:buNone/>
+            </a:pPr>
+            <a:r>
+              <a:rPr lang="en-US" sz="1200" dirty="0" smtClean="0"/>
+              <a:t>                    }           }         }      }          }          }   }      }    }  }}]</a:t>
+            </a:r>
+            <a:endParaRPr lang="en-US" sz="1200" dirty="0"/>
           </a:p>
         </p:txBody>
       </p:sp>
     </p:spTree>
     <p:extLst>
       <p:ext uri="{BB962C8B-B14F-4D97-AF65-F5344CB8AC3E}">
-        <p14:creationId xmlns:p14="http://schemas.microsoft.com/office/powerpoint/2010/main" val="707677580"/>
+        <p14:creationId xmlns:p14="http://schemas.microsoft.com/office/powerpoint/2010/main" val="193232357"/>
       </p:ext>
     </p:extLst>
   </p:cSld>
@@ -5769,319 +5605,248 @@
         </p:nvSpPr>
         <p:spPr/>
         <p:txBody>
+          <a:bodyPr/>
+          <a:lstStyle/>
+          <a:p>
+            <a:r>
+              <a:rPr lang="en-US" dirty="0" smtClean="0"/>
+              <a:t>Result producer data</a:t>
+            </a:r>
+            <a:endParaRPr lang="en-US" dirty="0"/>
+          </a:p>
+        </p:txBody>
+      </p:sp>
+      <p:sp>
+        <p:nvSpPr>
+          <p:cNvPr id="3" name="Content Placeholder 2"/>
+          <p:cNvSpPr>
+            <a:spLocks noGrp="1"/>
+          </p:cNvSpPr>
+          <p:nvPr>
+            <p:ph idx="1"/>
+          </p:nvPr>
+        </p:nvSpPr>
+        <p:spPr/>
+        <p:txBody>
           <a:bodyPr>
-            <a:normAutofit fontScale="90000"/>
+            <a:normAutofit fontScale="70000" lnSpcReduction="20000"/>
           </a:bodyPr>
           <a:lstStyle/>
-          <a:p>
-            <a:r>
-              <a:rPr lang="en-US" dirty="0" smtClean="0"/>
-              <a:t>Lexical analysis and data transformation</a:t>
-            </a:r>
-            <a:endParaRPr lang="en-US" dirty="0"/>
-          </a:p>
-        </p:txBody>
-      </p:sp>
-      <p:sp>
-        <p:nvSpPr>
-          <p:cNvPr id="3" name="Content Placeholder 2"/>
-          <p:cNvSpPr>
-            <a:spLocks noGrp="1"/>
-          </p:cNvSpPr>
-          <p:nvPr>
-            <p:ph idx="1"/>
-          </p:nvPr>
-        </p:nvSpPr>
-        <p:spPr/>
-        <p:txBody>
-          <a:bodyPr/>
-          <a:lstStyle/>
-          <a:p>
-            <a:r>
-              <a:rPr lang="en-US" dirty="0" smtClean="0"/>
-              <a:t>In this </a:t>
-            </a:r>
-            <a:r>
-              <a:rPr lang="en-US" dirty="0" err="1" smtClean="0"/>
-              <a:t>api</a:t>
-            </a:r>
-            <a:r>
-              <a:rPr lang="en-US" dirty="0" smtClean="0"/>
-              <a:t> we have not direct interaction &amp; severity definition and need implement lexical analysis to understand the result.</a:t>
-            </a:r>
-          </a:p>
           <a:p>
             <a:pPr marL="0" indent="0">
               <a:buNone/>
             </a:pPr>
+            <a:r>
+              <a:rPr lang="en-US" dirty="0" smtClean="0"/>
+              <a:t>{</a:t>
+            </a:r>
+          </a:p>
+          <a:p>
+            <a:pPr marL="0" indent="0">
+              <a:buNone/>
+            </a:pPr>
+            <a:r>
+              <a:rPr lang="en-US" dirty="0" smtClean="0"/>
+              <a:t>  "</a:t>
+            </a:r>
+            <a:r>
+              <a:rPr lang="en-US" dirty="0" err="1" smtClean="0"/>
+              <a:t>rxcui</a:t>
+            </a:r>
+            <a:r>
+              <a:rPr lang="en-US" dirty="0" smtClean="0"/>
+              <a:t>" : "88014",</a:t>
+            </a:r>
+          </a:p>
+          <a:p>
+            <a:pPr marL="0" indent="0">
+              <a:buNone/>
+            </a:pPr>
+            <a:r>
+              <a:rPr lang="en-US" dirty="0" smtClean="0"/>
+              <a:t>  "name" : "</a:t>
+            </a:r>
+            <a:r>
+              <a:rPr lang="en-US" dirty="0" err="1" smtClean="0"/>
+              <a:t>rizatriptan</a:t>
+            </a:r>
+            <a:r>
+              <a:rPr lang="en-US" dirty="0" smtClean="0"/>
+              <a:t>",</a:t>
+            </a:r>
+          </a:p>
+          <a:p>
+            <a:pPr marL="0" indent="0">
+              <a:buNone/>
+            </a:pPr>
+            <a:r>
+              <a:rPr lang="en-US" dirty="0" smtClean="0"/>
+              <a:t>  "severity" : [ "high", "high", "high", "high", "high" ],</a:t>
+            </a:r>
+          </a:p>
+          <a:p>
+            <a:pPr marL="0" indent="0">
+              <a:buNone/>
+            </a:pPr>
+            <a:r>
+              <a:rPr lang="en-US" dirty="0" smtClean="0"/>
+              <a:t>  "description" : [ "</a:t>
+            </a:r>
+            <a:r>
+              <a:rPr lang="en-US" dirty="0" err="1" smtClean="0"/>
+              <a:t>Triptans</a:t>
+            </a:r>
+            <a:r>
+              <a:rPr lang="en-US" dirty="0" smtClean="0"/>
+              <a:t> - monoamine oxidase (MAO) inhibitors", "</a:t>
+            </a:r>
+            <a:r>
+              <a:rPr lang="en-US" dirty="0" err="1" smtClean="0"/>
+              <a:t>Triptans</a:t>
+            </a:r>
+            <a:r>
+              <a:rPr lang="en-US" dirty="0" smtClean="0"/>
+              <a:t> - monoamine oxidase (MAO) inhibitors", "</a:t>
+            </a:r>
+            <a:r>
+              <a:rPr lang="en-US" dirty="0" err="1" smtClean="0"/>
+              <a:t>Triptans</a:t>
+            </a:r>
+            <a:r>
+              <a:rPr lang="en-US" dirty="0" smtClean="0"/>
+              <a:t> - monoamine oxidase (MAO) inhibitors", "</a:t>
+            </a:r>
+            <a:r>
+              <a:rPr lang="en-US" dirty="0" err="1" smtClean="0"/>
+              <a:t>Triptans</a:t>
+            </a:r>
+            <a:r>
+              <a:rPr lang="en-US" dirty="0" smtClean="0"/>
+              <a:t> - monoamine oxidase (MAO) inhibitors", "</a:t>
+            </a:r>
+            <a:r>
+              <a:rPr lang="en-US" dirty="0" err="1" smtClean="0"/>
+              <a:t>Triptans</a:t>
+            </a:r>
+            <a:r>
+              <a:rPr lang="en-US" dirty="0" smtClean="0"/>
+              <a:t> - monoamine oxidase (MAO) inhibitors" ],</a:t>
+            </a:r>
+          </a:p>
+          <a:p>
+            <a:pPr marL="0" indent="0">
+              <a:buNone/>
+            </a:pPr>
+            <a:r>
+              <a:rPr lang="en-US" dirty="0" smtClean="0"/>
+              <a:t>  "</a:t>
+            </a:r>
+            <a:r>
+              <a:rPr lang="en-US" dirty="0" err="1" smtClean="0"/>
+              <a:t>IdList</a:t>
+            </a:r>
+            <a:r>
+              <a:rPr lang="en-US" dirty="0" smtClean="0"/>
+              <a:t>" : [ "88014", "10734", "88014", "30121", "88014", "6011", "88014", "6878", "88014", "8123" ],</a:t>
+            </a:r>
+          </a:p>
+          <a:p>
+            <a:pPr marL="0" indent="0">
+              <a:buNone/>
+            </a:pPr>
+            <a:r>
+              <a:rPr lang="en-US" dirty="0" smtClean="0"/>
+              <a:t>  "</a:t>
+            </a:r>
+            <a:r>
+              <a:rPr lang="en-US" dirty="0" err="1" smtClean="0"/>
+              <a:t>NameList</a:t>
+            </a:r>
+            <a:r>
+              <a:rPr lang="en-US" dirty="0" smtClean="0"/>
+              <a:t>" : [ "</a:t>
+            </a:r>
+            <a:r>
+              <a:rPr lang="en-US" dirty="0" err="1" smtClean="0"/>
+              <a:t>rizatriptan</a:t>
+            </a:r>
+            <a:r>
+              <a:rPr lang="en-US" dirty="0" smtClean="0"/>
+              <a:t>", "tranylcypromine", "</a:t>
+            </a:r>
+            <a:r>
+              <a:rPr lang="en-US" dirty="0" err="1" smtClean="0"/>
+              <a:t>rizatriptan</a:t>
+            </a:r>
+            <a:r>
+              <a:rPr lang="en-US" dirty="0" smtClean="0"/>
+              <a:t>", "</a:t>
+            </a:r>
+            <a:r>
+              <a:rPr lang="en-US" dirty="0" err="1" smtClean="0"/>
+              <a:t>moclobemide</a:t>
+            </a:r>
+            <a:r>
+              <a:rPr lang="en-US" dirty="0" smtClean="0"/>
+              <a:t>", "</a:t>
+            </a:r>
+            <a:r>
+              <a:rPr lang="en-US" dirty="0" err="1" smtClean="0"/>
+              <a:t>rizatriptan</a:t>
+            </a:r>
+            <a:r>
+              <a:rPr lang="en-US" dirty="0" smtClean="0"/>
+              <a:t>", "</a:t>
+            </a:r>
+            <a:r>
+              <a:rPr lang="en-US" dirty="0" err="1" smtClean="0"/>
+              <a:t>isocarboxazid</a:t>
+            </a:r>
+            <a:r>
+              <a:rPr lang="en-US" dirty="0" smtClean="0"/>
+              <a:t>", "</a:t>
+            </a:r>
+            <a:r>
+              <a:rPr lang="en-US" dirty="0" err="1" smtClean="0"/>
+              <a:t>rizatriptan</a:t>
+            </a:r>
+            <a:r>
+              <a:rPr lang="en-US" dirty="0" smtClean="0"/>
+              <a:t>", "methylene blue", "</a:t>
+            </a:r>
+            <a:r>
+              <a:rPr lang="en-US" dirty="0" err="1" smtClean="0"/>
+              <a:t>rizatriptan</a:t>
+            </a:r>
+            <a:r>
+              <a:rPr lang="en-US" dirty="0" smtClean="0"/>
+              <a:t>", "</a:t>
+            </a:r>
+            <a:r>
+              <a:rPr lang="en-US" dirty="0" err="1" smtClean="0"/>
+              <a:t>phenelzine</a:t>
+            </a:r>
+            <a:r>
+              <a:rPr lang="en-US" dirty="0" smtClean="0"/>
+              <a:t>" ]</a:t>
+            </a:r>
+          </a:p>
+          <a:p>
+            <a:pPr marL="0" indent="0">
+              <a:buNone/>
+            </a:pPr>
+            <a:r>
+              <a:rPr lang="en-US" dirty="0" smtClean="0"/>
+              <a:t>}</a:t>
+            </a:r>
             <a:endParaRPr lang="en-US" dirty="0"/>
           </a:p>
         </p:txBody>
       </p:sp>
-      <p:graphicFrame>
-        <p:nvGraphicFramePr>
-          <p:cNvPr id="4" name="Table 3"/>
-          <p:cNvGraphicFramePr>
-            <a:graphicFrameLocks noGrp="1"/>
-          </p:cNvGraphicFramePr>
-          <p:nvPr>
-            <p:extLst>
-              <p:ext uri="{D42A27DB-BD31-4B8C-83A1-F6EECF244321}">
-                <p14:modId xmlns:p14="http://schemas.microsoft.com/office/powerpoint/2010/main" val="3987004518"/>
-              </p:ext>
-            </p:extLst>
-          </p:nvPr>
-        </p:nvGraphicFramePr>
-        <p:xfrm>
-          <a:off x="1371600" y="3352800"/>
-          <a:ext cx="6096000" cy="1849120"/>
-        </p:xfrm>
-        <a:graphic>
-          <a:graphicData uri="http://schemas.openxmlformats.org/drawingml/2006/table">
-            <a:tbl>
-              <a:tblPr firstRow="1" bandRow="1">
-                <a:tableStyleId>{5C22544A-7EE6-4342-B048-85BDC9FD1C3A}</a:tableStyleId>
-              </a:tblPr>
-              <a:tblGrid>
-                <a:gridCol w="1524000"/>
-                <a:gridCol w="1524000"/>
-                <a:gridCol w="1524000"/>
-                <a:gridCol w="1524000"/>
-              </a:tblGrid>
-              <a:tr h="0">
-                <a:tc>
-                  <a:txBody>
-                    <a:bodyPr/>
-                    <a:lstStyle/>
-                    <a:p>
-                      <a:r>
-                        <a:rPr lang="en-US" dirty="0" smtClean="0"/>
-                        <a:t>Word </a:t>
-                      </a:r>
-                      <a:endParaRPr lang="en-US" dirty="0"/>
-                    </a:p>
-                  </a:txBody>
-                  <a:tcPr/>
-                </a:tc>
-                <a:tc>
-                  <a:txBody>
-                    <a:bodyPr/>
-                    <a:lstStyle/>
-                    <a:p>
-                      <a:r>
-                        <a:rPr lang="en-US" dirty="0" smtClean="0"/>
-                        <a:t>interaction</a:t>
-                      </a:r>
-                      <a:endParaRPr lang="en-US" dirty="0"/>
-                    </a:p>
-                  </a:txBody>
-                  <a:tcPr/>
-                </a:tc>
-                <a:tc>
-                  <a:txBody>
-                    <a:bodyPr/>
-                    <a:lstStyle/>
-                    <a:p>
-                      <a:r>
-                        <a:rPr lang="en-US" dirty="0" smtClean="0"/>
-                        <a:t>severity</a:t>
-                      </a:r>
-                      <a:endParaRPr lang="en-US" dirty="0"/>
-                    </a:p>
-                  </a:txBody>
-                  <a:tcPr/>
-                </a:tc>
-                <a:tc>
-                  <a:txBody>
-                    <a:bodyPr/>
-                    <a:lstStyle/>
-                    <a:p>
-                      <a:r>
-                        <a:rPr lang="en-US" dirty="0" smtClean="0"/>
-                        <a:t>description</a:t>
-                      </a:r>
-                      <a:endParaRPr lang="en-US" dirty="0"/>
-                    </a:p>
-                  </a:txBody>
-                  <a:tcPr/>
-                </a:tc>
-              </a:tr>
-              <a:tr h="370840">
-                <a:tc>
-                  <a:txBody>
-                    <a:bodyPr/>
-                    <a:lstStyle/>
-                    <a:p>
-                      <a:endParaRPr lang="en-US"/>
-                    </a:p>
-                  </a:txBody>
-                  <a:tcPr/>
-                </a:tc>
-                <a:tc>
-                  <a:txBody>
-                    <a:bodyPr/>
-                    <a:lstStyle/>
-                    <a:p>
-                      <a:endParaRPr lang="en-US" dirty="0"/>
-                    </a:p>
-                  </a:txBody>
-                  <a:tcPr/>
-                </a:tc>
-                <a:tc>
-                  <a:txBody>
-                    <a:bodyPr/>
-                    <a:lstStyle/>
-                    <a:p>
-                      <a:endParaRPr lang="en-US"/>
-                    </a:p>
-                  </a:txBody>
-                  <a:tcPr/>
-                </a:tc>
-                <a:tc>
-                  <a:txBody>
-                    <a:bodyPr/>
-                    <a:lstStyle/>
-                    <a:p>
-                      <a:endParaRPr lang="en-US" dirty="0"/>
-                    </a:p>
-                  </a:txBody>
-                  <a:tcPr/>
-                </a:tc>
-              </a:tr>
-              <a:tr h="370840">
-                <a:tc>
-                  <a:txBody>
-                    <a:bodyPr/>
-                    <a:lstStyle/>
-                    <a:p>
-                      <a:endParaRPr lang="en-US"/>
-                    </a:p>
-                  </a:txBody>
-                  <a:tcPr/>
-                </a:tc>
-                <a:tc>
-                  <a:txBody>
-                    <a:bodyPr/>
-                    <a:lstStyle/>
-                    <a:p>
-                      <a:endParaRPr lang="en-US" dirty="0"/>
-                    </a:p>
-                  </a:txBody>
-                  <a:tcPr/>
-                </a:tc>
-                <a:tc>
-                  <a:txBody>
-                    <a:bodyPr/>
-                    <a:lstStyle/>
-                    <a:p>
-                      <a:endParaRPr lang="en-US"/>
-                    </a:p>
-                  </a:txBody>
-                  <a:tcPr/>
-                </a:tc>
-                <a:tc>
-                  <a:txBody>
-                    <a:bodyPr/>
-                    <a:lstStyle/>
-                    <a:p>
-                      <a:endParaRPr lang="en-US"/>
-                    </a:p>
-                  </a:txBody>
-                  <a:tcPr/>
-                </a:tc>
-              </a:tr>
-              <a:tr h="370840">
-                <a:tc>
-                  <a:txBody>
-                    <a:bodyPr/>
-                    <a:lstStyle/>
-                    <a:p>
-                      <a:endParaRPr lang="en-US"/>
-                    </a:p>
-                  </a:txBody>
-                  <a:tcPr/>
-                </a:tc>
-                <a:tc>
-                  <a:txBody>
-                    <a:bodyPr/>
-                    <a:lstStyle/>
-                    <a:p>
-                      <a:endParaRPr lang="en-US" dirty="0"/>
-                    </a:p>
-                  </a:txBody>
-                  <a:tcPr/>
-                </a:tc>
-                <a:tc>
-                  <a:txBody>
-                    <a:bodyPr/>
-                    <a:lstStyle/>
-                    <a:p>
-                      <a:endParaRPr lang="en-US"/>
-                    </a:p>
-                  </a:txBody>
-                  <a:tcPr/>
-                </a:tc>
-                <a:tc>
-                  <a:txBody>
-                    <a:bodyPr/>
-                    <a:lstStyle/>
-                    <a:p>
-                      <a:endParaRPr lang="en-US"/>
-                    </a:p>
-                  </a:txBody>
-                  <a:tcPr/>
-                </a:tc>
-              </a:tr>
-              <a:tr h="370840">
-                <a:tc>
-                  <a:txBody>
-                    <a:bodyPr/>
-                    <a:lstStyle/>
-                    <a:p>
-                      <a:endParaRPr lang="en-US"/>
-                    </a:p>
-                  </a:txBody>
-                  <a:tcPr/>
-                </a:tc>
-                <a:tc>
-                  <a:txBody>
-                    <a:bodyPr/>
-                    <a:lstStyle/>
-                    <a:p>
-                      <a:endParaRPr lang="en-US" dirty="0"/>
-                    </a:p>
-                  </a:txBody>
-                  <a:tcPr/>
-                </a:tc>
-                <a:tc>
-                  <a:txBody>
-                    <a:bodyPr/>
-                    <a:lstStyle/>
-                    <a:p>
-                      <a:endParaRPr lang="en-US"/>
-                    </a:p>
-                  </a:txBody>
-                  <a:tcPr/>
-                </a:tc>
-                <a:tc>
-                  <a:txBody>
-                    <a:bodyPr/>
-                    <a:lstStyle/>
-                    <a:p>
-                      <a:endParaRPr lang="en-US" dirty="0"/>
-                    </a:p>
-                  </a:txBody>
-                  <a:tcPr/>
-                </a:tc>
-              </a:tr>
-            </a:tbl>
-          </a:graphicData>
-        </a:graphic>
-      </p:graphicFrame>
     </p:spTree>
     <p:extLst>
       <p:ext uri="{BB962C8B-B14F-4D97-AF65-F5344CB8AC3E}">
-        <p14:creationId xmlns:p14="http://schemas.microsoft.com/office/powerpoint/2010/main" val="884015510"/>
+        <p14:creationId xmlns:p14="http://schemas.microsoft.com/office/powerpoint/2010/main" val="707677580"/>
       </p:ext>
     </p:extLst>
   </p:cSld>
@@ -6127,54 +5892,516 @@
         </p:nvSpPr>
         <p:spPr/>
         <p:txBody>
+          <a:bodyPr>
+            <a:normAutofit fontScale="90000"/>
+          </a:bodyPr>
+          <a:lstStyle/>
+          <a:p>
+            <a:r>
+              <a:rPr lang="en-US" dirty="0" smtClean="0"/>
+              <a:t>Lexical analysis and data transformation</a:t>
+            </a:r>
+            <a:endParaRPr lang="en-US" dirty="0"/>
+          </a:p>
+        </p:txBody>
+      </p:sp>
+      <p:sp>
+        <p:nvSpPr>
+          <p:cNvPr id="3" name="Content Placeholder 2"/>
+          <p:cNvSpPr>
+            <a:spLocks noGrp="1"/>
+          </p:cNvSpPr>
+          <p:nvPr>
+            <p:ph idx="1"/>
+          </p:nvPr>
+        </p:nvSpPr>
+        <p:spPr>
+          <a:xfrm>
+            <a:off x="533400" y="1371600"/>
+            <a:ext cx="8229600" cy="4525963"/>
+          </a:xfrm>
+        </p:spPr>
+        <p:txBody>
           <a:bodyPr/>
           <a:lstStyle/>
           <a:p>
             <a:r>
               <a:rPr lang="en-US" dirty="0" smtClean="0"/>
-              <a:t>Result </a:t>
-            </a:r>
-            <a:r>
-              <a:rPr lang="en-US" dirty="0" err="1" smtClean="0"/>
-              <a:t>dataframe</a:t>
-            </a:r>
-            <a:r>
-              <a:rPr lang="en-US" dirty="0" smtClean="0"/>
-              <a:t> for doctor </a:t>
-            </a:r>
+              <a:t>In this </a:t>
+            </a:r>
+            <a:r>
+              <a:rPr lang="en-US" dirty="0" err="1" smtClean="0"/>
+              <a:t>api</a:t>
+            </a:r>
+            <a:r>
+              <a:rPr lang="en-US" dirty="0" smtClean="0"/>
+              <a:t> we have not direct interaction &amp; severity definition and need implement lexical analysis to understand the result.</a:t>
+            </a:r>
+          </a:p>
+          <a:p>
+            <a:pPr marL="0" indent="0">
+              <a:buNone/>
+            </a:pPr>
             <a:endParaRPr lang="en-US" dirty="0"/>
           </a:p>
         </p:txBody>
       </p:sp>
-      <p:sp>
-        <p:nvSpPr>
-          <p:cNvPr id="3" name="Content Placeholder 2"/>
-          <p:cNvSpPr>
-            <a:spLocks noGrp="1"/>
-          </p:cNvSpPr>
-          <p:nvPr>
-            <p:ph idx="1"/>
-          </p:nvPr>
-        </p:nvSpPr>
-        <p:spPr/>
-        <p:txBody>
-          <a:bodyPr/>
-          <a:lstStyle/>
-          <a:p>
-            <a:endParaRPr lang="en-US"/>
-          </a:p>
-        </p:txBody>
-      </p:sp>
+      <p:graphicFrame>
+        <p:nvGraphicFramePr>
+          <p:cNvPr id="4" name="Table 3"/>
+          <p:cNvGraphicFramePr>
+            <a:graphicFrameLocks noGrp="1"/>
+          </p:cNvGraphicFramePr>
+          <p:nvPr>
+            <p:extLst>
+              <p:ext uri="{D42A27DB-BD31-4B8C-83A1-F6EECF244321}">
+                <p14:modId xmlns:p14="http://schemas.microsoft.com/office/powerpoint/2010/main" val="881277984"/>
+              </p:ext>
+            </p:extLst>
+          </p:nvPr>
+        </p:nvGraphicFramePr>
+        <p:xfrm>
+          <a:off x="533400" y="3048000"/>
+          <a:ext cx="7924800" cy="3672840"/>
+        </p:xfrm>
+        <a:graphic>
+          <a:graphicData uri="http://schemas.openxmlformats.org/drawingml/2006/table">
+            <a:tbl>
+              <a:tblPr firstRow="1" bandRow="1">
+                <a:tableStyleId>{5C22544A-7EE6-4342-B048-85BDC9FD1C3A}</a:tableStyleId>
+              </a:tblPr>
+              <a:tblGrid>
+                <a:gridCol w="1447800"/>
+                <a:gridCol w="3211830"/>
+                <a:gridCol w="1131570"/>
+                <a:gridCol w="2133600"/>
+              </a:tblGrid>
+              <a:tr h="289561">
+                <a:tc>
+                  <a:txBody>
+                    <a:bodyPr/>
+                    <a:lstStyle/>
+                    <a:p>
+                      <a:r>
+                        <a:rPr lang="en-US" dirty="0" smtClean="0"/>
+                        <a:t>Word </a:t>
+                      </a:r>
+                      <a:endParaRPr lang="en-US" dirty="0"/>
+                    </a:p>
+                  </a:txBody>
+                  <a:tcPr/>
+                </a:tc>
+                <a:tc>
+                  <a:txBody>
+                    <a:bodyPr/>
+                    <a:lstStyle/>
+                    <a:p>
+                      <a:r>
+                        <a:rPr lang="en-US" dirty="0" smtClean="0"/>
+                        <a:t>interaction</a:t>
+                      </a:r>
+                      <a:endParaRPr lang="en-US" dirty="0"/>
+                    </a:p>
+                  </a:txBody>
+                  <a:tcPr/>
+                </a:tc>
+                <a:tc>
+                  <a:txBody>
+                    <a:bodyPr/>
+                    <a:lstStyle/>
+                    <a:p>
+                      <a:r>
+                        <a:rPr lang="en-US" dirty="0" smtClean="0"/>
+                        <a:t>severity</a:t>
+                      </a:r>
+                      <a:endParaRPr lang="en-US" dirty="0"/>
+                    </a:p>
+                  </a:txBody>
+                  <a:tcPr/>
+                </a:tc>
+                <a:tc>
+                  <a:txBody>
+                    <a:bodyPr/>
+                    <a:lstStyle/>
+                    <a:p>
+                      <a:r>
+                        <a:rPr lang="en-US" dirty="0" smtClean="0"/>
+                        <a:t>description</a:t>
+                      </a:r>
+                      <a:endParaRPr lang="en-US" dirty="0"/>
+                    </a:p>
+                  </a:txBody>
+                  <a:tcPr/>
+                </a:tc>
+              </a:tr>
+              <a:tr h="370840">
+                <a:tc>
+                  <a:txBody>
+                    <a:bodyPr/>
+                    <a:lstStyle/>
+                    <a:p>
+                      <a:r>
+                        <a:rPr lang="en-US" dirty="0" smtClean="0"/>
+                        <a:t>risk</a:t>
+                      </a:r>
+                      <a:endParaRPr lang="en-US" dirty="0"/>
+                    </a:p>
+                  </a:txBody>
+                  <a:tcPr/>
+                </a:tc>
+                <a:tc>
+                  <a:txBody>
+                    <a:bodyPr/>
+                    <a:lstStyle/>
+                    <a:p>
+                      <a:r>
+                        <a:rPr lang="en-US" dirty="0" smtClean="0"/>
+                        <a:t>The risk or severity of …increased </a:t>
+                      </a:r>
+                      <a:endParaRPr lang="en-US" dirty="0"/>
+                    </a:p>
+                  </a:txBody>
+                  <a:tcPr/>
+                </a:tc>
+                <a:tc>
+                  <a:txBody>
+                    <a:bodyPr/>
+                    <a:lstStyle/>
+                    <a:p>
+                      <a:r>
+                        <a:rPr lang="en-US" dirty="0" smtClean="0"/>
+                        <a:t>-3</a:t>
+                      </a:r>
+                      <a:endParaRPr lang="en-US" dirty="0"/>
+                    </a:p>
+                  </a:txBody>
+                  <a:tcPr/>
+                </a:tc>
+                <a:tc>
+                  <a:txBody>
+                    <a:bodyPr/>
+                    <a:lstStyle/>
+                    <a:p>
+                      <a:endParaRPr lang="en-US" dirty="0"/>
+                    </a:p>
+                  </a:txBody>
+                  <a:tcPr/>
+                </a:tc>
+              </a:tr>
+              <a:tr h="370840">
+                <a:tc>
+                  <a:txBody>
+                    <a:bodyPr/>
+                    <a:lstStyle/>
+                    <a:p>
+                      <a:r>
+                        <a:rPr lang="en-US" dirty="0" smtClean="0"/>
+                        <a:t> excretion rate</a:t>
+                      </a:r>
+                      <a:endParaRPr lang="en-US" dirty="0"/>
+                    </a:p>
+                  </a:txBody>
+                  <a:tcPr/>
+                </a:tc>
+                <a:tc>
+                  <a:txBody>
+                    <a:bodyPr/>
+                    <a:lstStyle/>
+                    <a:p>
+                      <a:pPr marL="0" marR="0" indent="0" algn="l" defTabSz="914400" rtl="0" eaLnBrk="1" fontAlgn="auto" latinLnBrk="0" hangingPunct="1">
+                        <a:lnSpc>
+                          <a:spcPct val="100000"/>
+                        </a:lnSpc>
+                        <a:spcBef>
+                          <a:spcPts val="0"/>
+                        </a:spcBef>
+                        <a:spcAft>
+                          <a:spcPts val="0"/>
+                        </a:spcAft>
+                        <a:buClrTx/>
+                        <a:buSzTx/>
+                        <a:buFontTx/>
+                        <a:buNone/>
+                        <a:tabLst/>
+                        <a:defRPr/>
+                      </a:pPr>
+                      <a:r>
+                        <a:rPr lang="en-US" dirty="0" smtClean="0"/>
+                        <a:t>decrease the excretion rate   … </a:t>
+                      </a:r>
+                      <a:r>
+                        <a:rPr lang="en-US" dirty="0" smtClean="0"/>
+                        <a:t>higher …level</a:t>
+                      </a:r>
+                    </a:p>
+                    <a:p>
+                      <a:endParaRPr lang="en-US" dirty="0"/>
+                    </a:p>
+                  </a:txBody>
+                  <a:tcPr/>
+                </a:tc>
+                <a:tc>
+                  <a:txBody>
+                    <a:bodyPr/>
+                    <a:lstStyle/>
+                    <a:p>
+                      <a:r>
+                        <a:rPr lang="en-US" dirty="0" smtClean="0"/>
+                        <a:t>-1</a:t>
+                      </a:r>
+                      <a:endParaRPr lang="en-US" dirty="0"/>
+                    </a:p>
+                  </a:txBody>
+                  <a:tcPr/>
+                </a:tc>
+                <a:tc>
+                  <a:txBody>
+                    <a:bodyPr/>
+                    <a:lstStyle/>
+                    <a:p>
+                      <a:endParaRPr lang="en-US"/>
+                    </a:p>
+                  </a:txBody>
+                  <a:tcPr/>
+                </a:tc>
+              </a:tr>
+              <a:tr h="370840">
+                <a:tc>
+                  <a:txBody>
+                    <a:bodyPr/>
+                    <a:lstStyle/>
+                    <a:p>
+                      <a:r>
+                        <a:rPr lang="en-US" dirty="0" smtClean="0"/>
+                        <a:t>metabolism</a:t>
+                      </a:r>
+                      <a:endParaRPr lang="en-US" dirty="0"/>
+                    </a:p>
+                  </a:txBody>
+                  <a:tcPr/>
+                </a:tc>
+                <a:tc>
+                  <a:txBody>
+                    <a:bodyPr/>
+                    <a:lstStyle/>
+                    <a:p>
+                      <a:r>
+                        <a:rPr lang="en-US" dirty="0" smtClean="0"/>
+                        <a:t>The metabolism … decreased </a:t>
+                      </a:r>
+                      <a:endParaRPr lang="en-US" dirty="0"/>
+                    </a:p>
+                  </a:txBody>
+                  <a:tcPr/>
+                </a:tc>
+                <a:tc>
+                  <a:txBody>
+                    <a:bodyPr/>
+                    <a:lstStyle/>
+                    <a:p>
+                      <a:r>
+                        <a:rPr lang="en-US" dirty="0" smtClean="0"/>
+                        <a:t>-1</a:t>
+                      </a:r>
+                      <a:endParaRPr lang="en-US" dirty="0"/>
+                    </a:p>
+                  </a:txBody>
+                  <a:tcPr/>
+                </a:tc>
+                <a:tc>
+                  <a:txBody>
+                    <a:bodyPr/>
+                    <a:lstStyle/>
+                    <a:p>
+                      <a:endParaRPr lang="en-US" dirty="0"/>
+                    </a:p>
+                  </a:txBody>
+                  <a:tcPr/>
+                </a:tc>
+              </a:tr>
+              <a:tr h="370840">
+                <a:tc>
+                  <a:txBody>
+                    <a:bodyPr/>
+                    <a:lstStyle/>
+                    <a:p>
+                      <a:r>
+                        <a:rPr lang="en-US" dirty="0" smtClean="0"/>
+                        <a:t>therapeutic efficacy</a:t>
+                      </a:r>
+                      <a:endParaRPr lang="en-US" dirty="0"/>
+                    </a:p>
+                  </a:txBody>
+                  <a:tcPr/>
+                </a:tc>
+                <a:tc>
+                  <a:txBody>
+                    <a:bodyPr/>
+                    <a:lstStyle/>
+                    <a:p>
+                      <a:r>
+                        <a:rPr lang="en-US" dirty="0" smtClean="0"/>
+                        <a:t>therapeutic efficacy … decreased </a:t>
+                      </a:r>
+                      <a:endParaRPr lang="en-US" dirty="0"/>
+                    </a:p>
+                  </a:txBody>
+                  <a:tcPr/>
+                </a:tc>
+                <a:tc>
+                  <a:txBody>
+                    <a:bodyPr/>
+                    <a:lstStyle/>
+                    <a:p>
+                      <a:r>
+                        <a:rPr lang="en-US" dirty="0" smtClean="0"/>
+                        <a:t>-1</a:t>
+                      </a:r>
+                      <a:endParaRPr lang="en-US" dirty="0"/>
+                    </a:p>
+                  </a:txBody>
+                  <a:tcPr/>
+                </a:tc>
+                <a:tc>
+                  <a:txBody>
+                    <a:bodyPr/>
+                    <a:lstStyle/>
+                    <a:p>
+                      <a:endParaRPr lang="en-US"/>
+                    </a:p>
+                  </a:txBody>
+                  <a:tcPr/>
+                </a:tc>
+              </a:tr>
+              <a:tr h="370840">
+                <a:tc>
+                  <a:txBody>
+                    <a:bodyPr/>
+                    <a:lstStyle/>
+                    <a:p>
+                      <a:r>
+                        <a:rPr lang="en-US" dirty="0" smtClean="0"/>
+                        <a:t>activities</a:t>
+                      </a:r>
+                      <a:endParaRPr lang="en-US" dirty="0"/>
+                    </a:p>
+                  </a:txBody>
+                  <a:tcPr/>
+                </a:tc>
+                <a:tc>
+                  <a:txBody>
+                    <a:bodyPr/>
+                    <a:lstStyle/>
+                    <a:p>
+                      <a:r>
+                        <a:rPr lang="en-US" dirty="0" smtClean="0"/>
+                        <a:t>decrease</a:t>
+                      </a:r>
+                      <a:endParaRPr lang="en-US" dirty="0"/>
+                    </a:p>
+                  </a:txBody>
+                  <a:tcPr/>
+                </a:tc>
+                <a:tc>
+                  <a:txBody>
+                    <a:bodyPr/>
+                    <a:lstStyle/>
+                    <a:p>
+                      <a:r>
+                        <a:rPr lang="en-US" dirty="0" smtClean="0"/>
+                        <a:t>-1</a:t>
+                      </a:r>
+                      <a:endParaRPr lang="en-US" dirty="0"/>
+                    </a:p>
+                  </a:txBody>
+                  <a:tcPr/>
+                </a:tc>
+                <a:tc>
+                  <a:txBody>
+                    <a:bodyPr/>
+                    <a:lstStyle/>
+                    <a:p>
+                      <a:endParaRPr lang="en-US" dirty="0"/>
+                    </a:p>
+                  </a:txBody>
+                  <a:tcPr/>
+                </a:tc>
+              </a:tr>
+              <a:tr h="370840">
+                <a:tc>
+                  <a:txBody>
+                    <a:bodyPr/>
+                    <a:lstStyle/>
+                    <a:p>
+                      <a:r>
+                        <a:rPr lang="en-US" dirty="0" smtClean="0"/>
+                        <a:t>increase</a:t>
+                      </a:r>
+                      <a:endParaRPr lang="en-US" dirty="0"/>
+                    </a:p>
+                  </a:txBody>
+                  <a:tcPr/>
+                </a:tc>
+                <a:tc>
+                  <a:txBody>
+                    <a:bodyPr/>
+                    <a:lstStyle/>
+                    <a:p>
+                      <a:r>
+                        <a:rPr lang="en-US" dirty="0" smtClean="0"/>
+                        <a:t>increase …activities</a:t>
+                      </a:r>
+                      <a:endParaRPr lang="en-US" dirty="0"/>
+                    </a:p>
+                  </a:txBody>
+                  <a:tcPr/>
+                </a:tc>
+                <a:tc>
+                  <a:txBody>
+                    <a:bodyPr/>
+                    <a:lstStyle/>
+                    <a:p>
+                      <a:r>
+                        <a:rPr lang="en-US" dirty="0" smtClean="0"/>
+                        <a:t>2</a:t>
+                      </a:r>
+                      <a:endParaRPr lang="en-US" dirty="0"/>
+                    </a:p>
+                  </a:txBody>
+                  <a:tcPr/>
+                </a:tc>
+                <a:tc>
+                  <a:txBody>
+                    <a:bodyPr/>
+                    <a:lstStyle/>
+                    <a:p>
+                      <a:endParaRPr lang="en-US" dirty="0"/>
+                    </a:p>
+                  </a:txBody>
+                  <a:tcPr/>
+                </a:tc>
+              </a:tr>
+            </a:tbl>
+          </a:graphicData>
+        </a:graphic>
+      </p:graphicFrame>
     </p:spTree>
     <p:extLst>
       <p:ext uri="{BB962C8B-B14F-4D97-AF65-F5344CB8AC3E}">
-        <p14:creationId xmlns:p14="http://schemas.microsoft.com/office/powerpoint/2010/main" val="2138807293"/>
+        <p14:creationId xmlns:p14="http://schemas.microsoft.com/office/powerpoint/2010/main" val="884015510"/>
       </p:ext>
     </p:extLst>
   </p:cSld>
   <p:clrMapOvr>
     <a:masterClrMapping/>
   </p:clrMapOvr>
+  <p:timing>
+    <p:tnLst>
+      <p:par>
+        <p:cTn id="1" dur="indefinite" restart="never" nodeType="tmRoot"/>
+      </p:par>
+    </p:tnLst>
+  </p:timing>
 </p:sld>
 </file>
 
@@ -6207,46 +6434,515 @@
         </p:nvSpPr>
         <p:spPr/>
         <p:txBody>
+          <a:bodyPr>
+            <a:normAutofit fontScale="90000"/>
+          </a:bodyPr>
+          <a:lstStyle/>
+          <a:p>
+            <a:r>
+              <a:rPr lang="en-US" dirty="0" smtClean="0"/>
+              <a:t>Lexical analysis and data transformation-continued</a:t>
+            </a:r>
+            <a:endParaRPr lang="en-US" dirty="0"/>
+          </a:p>
+        </p:txBody>
+      </p:sp>
+      <p:sp>
+        <p:nvSpPr>
+          <p:cNvPr id="3" name="Content Placeholder 2"/>
+          <p:cNvSpPr>
+            <a:spLocks noGrp="1"/>
+          </p:cNvSpPr>
+          <p:nvPr>
+            <p:ph idx="1"/>
+          </p:nvPr>
+        </p:nvSpPr>
+        <p:spPr>
+          <a:xfrm>
+            <a:off x="533400" y="1371600"/>
+            <a:ext cx="8229600" cy="4525963"/>
+          </a:xfrm>
+        </p:spPr>
+        <p:txBody>
           <a:bodyPr/>
           <a:lstStyle/>
           <a:p>
-            <a:r>
-              <a:rPr lang="en-US" dirty="0" smtClean="0"/>
-              <a:t>HDFS archive file structure</a:t>
-            </a:r>
+            <a:pPr marL="0" indent="0">
+              <a:buNone/>
+            </a:pPr>
             <a:endParaRPr lang="en-US" dirty="0"/>
           </a:p>
         </p:txBody>
       </p:sp>
-      <p:sp>
-        <p:nvSpPr>
-          <p:cNvPr id="3" name="Content Placeholder 2"/>
-          <p:cNvSpPr>
-            <a:spLocks noGrp="1"/>
-          </p:cNvSpPr>
-          <p:nvPr>
-            <p:ph idx="1"/>
-          </p:nvPr>
-        </p:nvSpPr>
-        <p:spPr/>
-        <p:txBody>
-          <a:bodyPr/>
-          <a:lstStyle/>
-          <a:p>
-            <a:endParaRPr lang="en-US" dirty="0"/>
-          </a:p>
-        </p:txBody>
-      </p:sp>
+      <p:graphicFrame>
+        <p:nvGraphicFramePr>
+          <p:cNvPr id="4" name="Table 3"/>
+          <p:cNvGraphicFramePr>
+            <a:graphicFrameLocks noGrp="1"/>
+          </p:cNvGraphicFramePr>
+          <p:nvPr>
+            <p:extLst>
+              <p:ext uri="{D42A27DB-BD31-4B8C-83A1-F6EECF244321}">
+                <p14:modId xmlns:p14="http://schemas.microsoft.com/office/powerpoint/2010/main" val="475971215"/>
+              </p:ext>
+            </p:extLst>
+          </p:nvPr>
+        </p:nvGraphicFramePr>
+        <p:xfrm>
+          <a:off x="457200" y="1524000"/>
+          <a:ext cx="7924800" cy="4145280"/>
+        </p:xfrm>
+        <a:graphic>
+          <a:graphicData uri="http://schemas.openxmlformats.org/drawingml/2006/table">
+            <a:tbl>
+              <a:tblPr firstRow="1" bandRow="1">
+                <a:tableStyleId>{5C22544A-7EE6-4342-B048-85BDC9FD1C3A}</a:tableStyleId>
+              </a:tblPr>
+              <a:tblGrid>
+                <a:gridCol w="1447800"/>
+                <a:gridCol w="3211830"/>
+                <a:gridCol w="1131570"/>
+                <a:gridCol w="2133600"/>
+              </a:tblGrid>
+              <a:tr h="518160">
+                <a:tc>
+                  <a:txBody>
+                    <a:bodyPr/>
+                    <a:lstStyle/>
+                    <a:p>
+                      <a:r>
+                        <a:rPr lang="en-US" dirty="0" smtClean="0"/>
+                        <a:t>Word </a:t>
+                      </a:r>
+                      <a:endParaRPr lang="en-US" dirty="0"/>
+                    </a:p>
+                  </a:txBody>
+                  <a:tcPr/>
+                </a:tc>
+                <a:tc>
+                  <a:txBody>
+                    <a:bodyPr/>
+                    <a:lstStyle/>
+                    <a:p>
+                      <a:endParaRPr lang="en-US" dirty="0"/>
+                    </a:p>
+                  </a:txBody>
+                  <a:tcPr/>
+                </a:tc>
+                <a:tc>
+                  <a:txBody>
+                    <a:bodyPr/>
+                    <a:lstStyle/>
+                    <a:p>
+                      <a:endParaRPr lang="en-US" dirty="0"/>
+                    </a:p>
+                  </a:txBody>
+                  <a:tcPr/>
+                </a:tc>
+                <a:tc>
+                  <a:txBody>
+                    <a:bodyPr/>
+                    <a:lstStyle/>
+                    <a:p>
+                      <a:r>
+                        <a:rPr lang="en-US" dirty="0" smtClean="0"/>
+                        <a:t>description</a:t>
+                      </a:r>
+                      <a:endParaRPr lang="en-US" dirty="0"/>
+                    </a:p>
+                  </a:txBody>
+                  <a:tcPr/>
+                </a:tc>
+              </a:tr>
+              <a:tr h="370840">
+                <a:tc>
+                  <a:txBody>
+                    <a:bodyPr/>
+                    <a:lstStyle/>
+                    <a:p>
+                      <a:r>
+                        <a:rPr lang="en-US" dirty="0" smtClean="0"/>
+                        <a:t>adverse effects</a:t>
+                      </a:r>
+                      <a:endParaRPr lang="en-US" dirty="0"/>
+                    </a:p>
+                  </a:txBody>
+                  <a:tcPr/>
+                </a:tc>
+                <a:tc>
+                  <a:txBody>
+                    <a:bodyPr/>
+                    <a:lstStyle/>
+                    <a:p>
+                      <a:r>
+                        <a:rPr lang="en-US" dirty="0" smtClean="0"/>
+                        <a:t>risk or severity of adverse effects can be increased </a:t>
+                      </a:r>
+                      <a:endParaRPr lang="en-US" dirty="0"/>
+                    </a:p>
+                  </a:txBody>
+                  <a:tcPr/>
+                </a:tc>
+                <a:tc>
+                  <a:txBody>
+                    <a:bodyPr/>
+                    <a:lstStyle/>
+                    <a:p>
+                      <a:r>
+                        <a:rPr lang="en-US" dirty="0" smtClean="0"/>
+                        <a:t>-5</a:t>
+                      </a:r>
+                      <a:endParaRPr lang="en-US" dirty="0"/>
+                    </a:p>
+                  </a:txBody>
+                  <a:tcPr/>
+                </a:tc>
+                <a:tc>
+                  <a:txBody>
+                    <a:bodyPr/>
+                    <a:lstStyle/>
+                    <a:p>
+                      <a:endParaRPr lang="en-US" dirty="0"/>
+                    </a:p>
+                  </a:txBody>
+                  <a:tcPr/>
+                </a:tc>
+              </a:tr>
+              <a:tr h="370840">
+                <a:tc>
+                  <a:txBody>
+                    <a:bodyPr/>
+                    <a:lstStyle/>
+                    <a:p>
+                      <a:pPr marL="0" marR="0" indent="0" algn="l" defTabSz="914400" rtl="0" eaLnBrk="1" fontAlgn="auto" latinLnBrk="0" hangingPunct="1">
+                        <a:lnSpc>
+                          <a:spcPct val="100000"/>
+                        </a:lnSpc>
+                        <a:spcBef>
+                          <a:spcPts val="0"/>
+                        </a:spcBef>
+                        <a:spcAft>
+                          <a:spcPts val="0"/>
+                        </a:spcAft>
+                        <a:buClrTx/>
+                        <a:buSzTx/>
+                        <a:buFontTx/>
+                        <a:buNone/>
+                        <a:tabLst/>
+                        <a:defRPr/>
+                      </a:pPr>
+                      <a:r>
+                        <a:rPr lang="en-US" dirty="0" smtClean="0"/>
+                        <a:t>metabolism</a:t>
+                      </a:r>
+                    </a:p>
+                    <a:p>
+                      <a:endParaRPr lang="en-US" dirty="0"/>
+                    </a:p>
+                  </a:txBody>
+                  <a:tcPr/>
+                </a:tc>
+                <a:tc>
+                  <a:txBody>
+                    <a:bodyPr/>
+                    <a:lstStyle/>
+                    <a:p>
+                      <a:pPr marL="0" marR="0" indent="0" algn="l" defTabSz="914400" rtl="0" eaLnBrk="1" fontAlgn="auto" latinLnBrk="0" hangingPunct="1">
+                        <a:lnSpc>
+                          <a:spcPct val="100000"/>
+                        </a:lnSpc>
+                        <a:spcBef>
+                          <a:spcPts val="0"/>
+                        </a:spcBef>
+                        <a:spcAft>
+                          <a:spcPts val="0"/>
+                        </a:spcAft>
+                        <a:buClrTx/>
+                        <a:buSzTx/>
+                        <a:buFontTx/>
+                        <a:buNone/>
+                        <a:tabLst/>
+                        <a:defRPr/>
+                      </a:pPr>
+                      <a:r>
+                        <a:rPr lang="en-US" dirty="0" smtClean="0"/>
+                        <a:t>metabolism …increased </a:t>
+                      </a:r>
+                    </a:p>
+                    <a:p>
+                      <a:endParaRPr lang="en-US" dirty="0"/>
+                    </a:p>
+                  </a:txBody>
+                  <a:tcPr/>
+                </a:tc>
+                <a:tc>
+                  <a:txBody>
+                    <a:bodyPr/>
+                    <a:lstStyle/>
+                    <a:p>
+                      <a:r>
+                        <a:rPr lang="en-US" dirty="0" smtClean="0"/>
+                        <a:t>1</a:t>
+                      </a:r>
+                      <a:endParaRPr lang="en-US" dirty="0"/>
+                    </a:p>
+                  </a:txBody>
+                  <a:tcPr/>
+                </a:tc>
+                <a:tc>
+                  <a:txBody>
+                    <a:bodyPr/>
+                    <a:lstStyle/>
+                    <a:p>
+                      <a:endParaRPr lang="en-US"/>
+                    </a:p>
+                  </a:txBody>
+                  <a:tcPr/>
+                </a:tc>
+              </a:tr>
+              <a:tr h="370840">
+                <a:tc>
+                  <a:txBody>
+                    <a:bodyPr/>
+                    <a:lstStyle/>
+                    <a:p>
+                      <a:r>
+                        <a:rPr lang="en-US" smtClean="0"/>
+                        <a:t>therapeutic efficacy</a:t>
+                      </a:r>
+                      <a:endParaRPr lang="en-US" dirty="0"/>
+                    </a:p>
+                  </a:txBody>
+                  <a:tcPr/>
+                </a:tc>
+                <a:tc>
+                  <a:txBody>
+                    <a:bodyPr/>
+                    <a:lstStyle/>
+                    <a:p>
+                      <a:r>
+                        <a:rPr lang="en-US" dirty="0" smtClean="0"/>
+                        <a:t>therapeutic efficacy …increased</a:t>
+                      </a:r>
+                      <a:endParaRPr lang="en-US" dirty="0"/>
+                    </a:p>
+                  </a:txBody>
+                  <a:tcPr/>
+                </a:tc>
+                <a:tc>
+                  <a:txBody>
+                    <a:bodyPr/>
+                    <a:lstStyle/>
+                    <a:p>
+                      <a:r>
+                        <a:rPr lang="en-US" dirty="0" smtClean="0"/>
+                        <a:t>3</a:t>
+                      </a:r>
+                      <a:endParaRPr lang="en-US" dirty="0"/>
+                    </a:p>
+                  </a:txBody>
+                  <a:tcPr/>
+                </a:tc>
+                <a:tc>
+                  <a:txBody>
+                    <a:bodyPr/>
+                    <a:lstStyle/>
+                    <a:p>
+                      <a:endParaRPr lang="en-US" dirty="0"/>
+                    </a:p>
+                  </a:txBody>
+                  <a:tcPr/>
+                </a:tc>
+              </a:tr>
+              <a:tr h="370840">
+                <a:tc>
+                  <a:txBody>
+                    <a:bodyPr/>
+                    <a:lstStyle/>
+                    <a:p>
+                      <a:endParaRPr lang="en-US" dirty="0"/>
+                    </a:p>
+                  </a:txBody>
+                  <a:tcPr/>
+                </a:tc>
+                <a:tc>
+                  <a:txBody>
+                    <a:bodyPr/>
+                    <a:lstStyle/>
+                    <a:p>
+                      <a:endParaRPr lang="en-US" dirty="0"/>
+                    </a:p>
+                  </a:txBody>
+                  <a:tcPr/>
+                </a:tc>
+                <a:tc>
+                  <a:txBody>
+                    <a:bodyPr/>
+                    <a:lstStyle/>
+                    <a:p>
+                      <a:endParaRPr lang="en-US" dirty="0"/>
+                    </a:p>
+                  </a:txBody>
+                  <a:tcPr/>
+                </a:tc>
+                <a:tc>
+                  <a:txBody>
+                    <a:bodyPr/>
+                    <a:lstStyle/>
+                    <a:p>
+                      <a:endParaRPr lang="en-US"/>
+                    </a:p>
+                  </a:txBody>
+                  <a:tcPr/>
+                </a:tc>
+              </a:tr>
+              <a:tr h="370840">
+                <a:tc>
+                  <a:txBody>
+                    <a:bodyPr/>
+                    <a:lstStyle/>
+                    <a:p>
+                      <a:endParaRPr lang="en-US" dirty="0"/>
+                    </a:p>
+                  </a:txBody>
+                  <a:tcPr/>
+                </a:tc>
+                <a:tc>
+                  <a:txBody>
+                    <a:bodyPr/>
+                    <a:lstStyle/>
+                    <a:p>
+                      <a:endParaRPr lang="en-US" dirty="0"/>
+                    </a:p>
+                  </a:txBody>
+                  <a:tcPr/>
+                </a:tc>
+                <a:tc>
+                  <a:txBody>
+                    <a:bodyPr/>
+                    <a:lstStyle/>
+                    <a:p>
+                      <a:endParaRPr lang="en-US" dirty="0"/>
+                    </a:p>
+                  </a:txBody>
+                  <a:tcPr/>
+                </a:tc>
+                <a:tc>
+                  <a:txBody>
+                    <a:bodyPr/>
+                    <a:lstStyle/>
+                    <a:p>
+                      <a:endParaRPr lang="en-US" dirty="0"/>
+                    </a:p>
+                  </a:txBody>
+                  <a:tcPr/>
+                </a:tc>
+              </a:tr>
+              <a:tr h="431800">
+                <a:tc>
+                  <a:txBody>
+                    <a:bodyPr/>
+                    <a:lstStyle/>
+                    <a:p>
+                      <a:endParaRPr lang="en-US"/>
+                    </a:p>
+                  </a:txBody>
+                  <a:tcPr/>
+                </a:tc>
+                <a:tc>
+                  <a:txBody>
+                    <a:bodyPr/>
+                    <a:lstStyle/>
+                    <a:p>
+                      <a:endParaRPr lang="en-US"/>
+                    </a:p>
+                  </a:txBody>
+                  <a:tcPr/>
+                </a:tc>
+                <a:tc>
+                  <a:txBody>
+                    <a:bodyPr/>
+                    <a:lstStyle/>
+                    <a:p>
+                      <a:endParaRPr lang="en-US" dirty="0"/>
+                    </a:p>
+                  </a:txBody>
+                  <a:tcPr/>
+                </a:tc>
+                <a:tc>
+                  <a:txBody>
+                    <a:bodyPr/>
+                    <a:lstStyle/>
+                    <a:p>
+                      <a:endParaRPr lang="en-US" dirty="0"/>
+                    </a:p>
+                  </a:txBody>
+                  <a:tcPr/>
+                </a:tc>
+              </a:tr>
+              <a:tr h="533400">
+                <a:tc>
+                  <a:txBody>
+                    <a:bodyPr/>
+                    <a:lstStyle/>
+                    <a:p>
+                      <a:endParaRPr lang="en-US"/>
+                    </a:p>
+                  </a:txBody>
+                  <a:tcPr/>
+                </a:tc>
+                <a:tc>
+                  <a:txBody>
+                    <a:bodyPr/>
+                    <a:lstStyle/>
+                    <a:p>
+                      <a:endParaRPr lang="en-US"/>
+                    </a:p>
+                  </a:txBody>
+                  <a:tcPr/>
+                </a:tc>
+                <a:tc>
+                  <a:txBody>
+                    <a:bodyPr/>
+                    <a:lstStyle/>
+                    <a:p>
+                      <a:endParaRPr lang="en-US" dirty="0"/>
+                    </a:p>
+                  </a:txBody>
+                  <a:tcPr/>
+                </a:tc>
+                <a:tc>
+                  <a:txBody>
+                    <a:bodyPr/>
+                    <a:lstStyle/>
+                    <a:p>
+                      <a:endParaRPr lang="en-US" dirty="0"/>
+                    </a:p>
+                  </a:txBody>
+                  <a:tcPr/>
+                </a:tc>
+              </a:tr>
+            </a:tbl>
+          </a:graphicData>
+        </a:graphic>
+      </p:graphicFrame>
     </p:spTree>
     <p:extLst>
       <p:ext uri="{BB962C8B-B14F-4D97-AF65-F5344CB8AC3E}">
-        <p14:creationId xmlns:p14="http://schemas.microsoft.com/office/powerpoint/2010/main" val="1868684070"/>
+        <p14:creationId xmlns:p14="http://schemas.microsoft.com/office/powerpoint/2010/main" val="1364604840"/>
       </p:ext>
     </p:extLst>
   </p:cSld>
   <p:clrMapOvr>
     <a:masterClrMapping/>
   </p:clrMapOvr>
+  <p:timing>
+    <p:tnLst>
+      <p:par>
+        <p:cTn id="1" dur="indefinite" restart="never" nodeType="tmRoot"/>
+      </p:par>
+    </p:tnLst>
+  </p:timing>
 </p:sld>
 </file>
 
@@ -6279,55 +6975,54 @@
         </p:nvSpPr>
         <p:spPr/>
         <p:txBody>
-          <a:bodyPr>
-            <a:normAutofit fontScale="90000"/>
-          </a:bodyPr>
-          <a:lstStyle/>
-          <a:p>
-            <a:r>
-              <a:rPr lang="en-US" dirty="0" smtClean="0"/>
-              <a:t>Possible reports and analysis from archive</a:t>
-            </a:r>
-            <a:endParaRPr lang="en-US" dirty="0"/>
-          </a:p>
-        </p:txBody>
-      </p:sp>
-      <p:sp>
-        <p:nvSpPr>
-          <p:cNvPr id="3" name="Content Placeholder 2"/>
-          <p:cNvSpPr>
-            <a:spLocks noGrp="1"/>
-          </p:cNvSpPr>
-          <p:nvPr>
-            <p:ph idx="1"/>
-          </p:nvPr>
-        </p:nvSpPr>
-        <p:spPr/>
-        <p:txBody>
           <a:bodyPr/>
           <a:lstStyle/>
           <a:p>
+            <a:r>
+              <a:rPr lang="en-US" dirty="0" smtClean="0"/>
+              <a:t>Result </a:t>
+            </a:r>
+            <a:r>
+              <a:rPr lang="en-US" dirty="0" err="1" smtClean="0"/>
+              <a:t>dataframe</a:t>
+            </a:r>
+            <a:r>
+              <a:rPr lang="en-US" dirty="0" smtClean="0"/>
+              <a:t> for doctor </a:t>
+            </a:r>
             <a:endParaRPr lang="en-US" dirty="0"/>
+          </a:p>
+        </p:txBody>
+      </p:sp>
+      <p:sp>
+        <p:nvSpPr>
+          <p:cNvPr id="3" name="Content Placeholder 2"/>
+          <p:cNvSpPr>
+            <a:spLocks noGrp="1"/>
+          </p:cNvSpPr>
+          <p:nvPr>
+            <p:ph idx="1"/>
+          </p:nvPr>
+        </p:nvSpPr>
+        <p:spPr/>
+        <p:txBody>
+          <a:bodyPr/>
+          <a:lstStyle/>
+          <a:p>
+            <a:endParaRPr lang="en-US"/>
           </a:p>
         </p:txBody>
       </p:sp>
     </p:spTree>
     <p:extLst>
       <p:ext uri="{BB962C8B-B14F-4D97-AF65-F5344CB8AC3E}">
-        <p14:creationId xmlns:p14="http://schemas.microsoft.com/office/powerpoint/2010/main" val="3113213206"/>
+        <p14:creationId xmlns:p14="http://schemas.microsoft.com/office/powerpoint/2010/main" val="2138807293"/>
       </p:ext>
     </p:extLst>
   </p:cSld>
   <p:clrMapOvr>
     <a:masterClrMapping/>
   </p:clrMapOvr>
-  <p:timing>
-    <p:tnLst>
-      <p:par>
-        <p:cTn id="1" dur="indefinite" restart="never" nodeType="tmRoot"/>
-      </p:par>
-    </p:tnLst>
-  </p:timing>
 </p:sld>
 </file>
 
@@ -6445,6 +7140,159 @@
 </file>
 
 <file path=ppt/slides/slide20.xml><?xml version="1.0" encoding="utf-8"?>
+<p:sld xmlns:a="http://schemas.openxmlformats.org/drawingml/2006/main" xmlns:r="http://schemas.openxmlformats.org/officeDocument/2006/relationships" xmlns:p="http://schemas.openxmlformats.org/presentationml/2006/main">
+  <p:cSld>
+    <p:spTree>
+      <p:nvGrpSpPr>
+        <p:cNvPr id="1" name=""/>
+        <p:cNvGrpSpPr/>
+        <p:nvPr/>
+      </p:nvGrpSpPr>
+      <p:grpSpPr>
+        <a:xfrm>
+          <a:off x="0" y="0"/>
+          <a:ext cx="0" cy="0"/>
+          <a:chOff x="0" y="0"/>
+          <a:chExt cx="0" cy="0"/>
+        </a:xfrm>
+      </p:grpSpPr>
+      <p:sp>
+        <p:nvSpPr>
+          <p:cNvPr id="2" name="Title 1"/>
+          <p:cNvSpPr>
+            <a:spLocks noGrp="1"/>
+          </p:cNvSpPr>
+          <p:nvPr>
+            <p:ph type="title"/>
+          </p:nvPr>
+        </p:nvSpPr>
+        <p:spPr/>
+        <p:txBody>
+          <a:bodyPr/>
+          <a:lstStyle/>
+          <a:p>
+            <a:r>
+              <a:rPr lang="en-US" dirty="0" smtClean="0"/>
+              <a:t>HDFS archive file structure</a:t>
+            </a:r>
+            <a:endParaRPr lang="en-US" dirty="0"/>
+          </a:p>
+        </p:txBody>
+      </p:sp>
+      <p:sp>
+        <p:nvSpPr>
+          <p:cNvPr id="3" name="Content Placeholder 2"/>
+          <p:cNvSpPr>
+            <a:spLocks noGrp="1"/>
+          </p:cNvSpPr>
+          <p:nvPr>
+            <p:ph idx="1"/>
+          </p:nvPr>
+        </p:nvSpPr>
+        <p:spPr/>
+        <p:txBody>
+          <a:bodyPr/>
+          <a:lstStyle/>
+          <a:p>
+            <a:endParaRPr lang="en-US" dirty="0"/>
+          </a:p>
+        </p:txBody>
+      </p:sp>
+    </p:spTree>
+    <p:extLst>
+      <p:ext uri="{BB962C8B-B14F-4D97-AF65-F5344CB8AC3E}">
+        <p14:creationId xmlns:p14="http://schemas.microsoft.com/office/powerpoint/2010/main" val="1868684070"/>
+      </p:ext>
+    </p:extLst>
+  </p:cSld>
+  <p:clrMapOvr>
+    <a:masterClrMapping/>
+  </p:clrMapOvr>
+</p:sld>
+</file>
+
+<file path=ppt/slides/slide21.xml><?xml version="1.0" encoding="utf-8"?>
+<p:sld xmlns:a="http://schemas.openxmlformats.org/drawingml/2006/main" xmlns:r="http://schemas.openxmlformats.org/officeDocument/2006/relationships" xmlns:p="http://schemas.openxmlformats.org/presentationml/2006/main">
+  <p:cSld>
+    <p:spTree>
+      <p:nvGrpSpPr>
+        <p:cNvPr id="1" name=""/>
+        <p:cNvGrpSpPr/>
+        <p:nvPr/>
+      </p:nvGrpSpPr>
+      <p:grpSpPr>
+        <a:xfrm>
+          <a:off x="0" y="0"/>
+          <a:ext cx="0" cy="0"/>
+          <a:chOff x="0" y="0"/>
+          <a:chExt cx="0" cy="0"/>
+        </a:xfrm>
+      </p:grpSpPr>
+      <p:sp>
+        <p:nvSpPr>
+          <p:cNvPr id="2" name="Title 1"/>
+          <p:cNvSpPr>
+            <a:spLocks noGrp="1"/>
+          </p:cNvSpPr>
+          <p:nvPr>
+            <p:ph type="title"/>
+          </p:nvPr>
+        </p:nvSpPr>
+        <p:spPr/>
+        <p:txBody>
+          <a:bodyPr>
+            <a:normAutofit fontScale="90000"/>
+          </a:bodyPr>
+          <a:lstStyle/>
+          <a:p>
+            <a:r>
+              <a:rPr lang="en-US" dirty="0" smtClean="0"/>
+              <a:t>Possible reports and analysis from archive</a:t>
+            </a:r>
+            <a:endParaRPr lang="en-US" dirty="0"/>
+          </a:p>
+        </p:txBody>
+      </p:sp>
+      <p:sp>
+        <p:nvSpPr>
+          <p:cNvPr id="3" name="Content Placeholder 2"/>
+          <p:cNvSpPr>
+            <a:spLocks noGrp="1"/>
+          </p:cNvSpPr>
+          <p:nvPr>
+            <p:ph idx="1"/>
+          </p:nvPr>
+        </p:nvSpPr>
+        <p:spPr/>
+        <p:txBody>
+          <a:bodyPr/>
+          <a:lstStyle/>
+          <a:p>
+            <a:endParaRPr lang="en-US" dirty="0"/>
+          </a:p>
+        </p:txBody>
+      </p:sp>
+    </p:spTree>
+    <p:extLst>
+      <p:ext uri="{BB962C8B-B14F-4D97-AF65-F5344CB8AC3E}">
+        <p14:creationId xmlns:p14="http://schemas.microsoft.com/office/powerpoint/2010/main" val="3113213206"/>
+      </p:ext>
+    </p:extLst>
+  </p:cSld>
+  <p:clrMapOvr>
+    <a:masterClrMapping/>
+  </p:clrMapOvr>
+  <p:timing>
+    <p:tnLst>
+      <p:par>
+        <p:cTn id="1" dur="indefinite" restart="never" nodeType="tmRoot"/>
+      </p:par>
+    </p:tnLst>
+  </p:timing>
+</p:sld>
+</file>
+
+<file path=ppt/slides/slide22.xml><?xml version="1.0" encoding="utf-8"?>
 <p:sld xmlns:a="http://schemas.openxmlformats.org/drawingml/2006/main" xmlns:r="http://schemas.openxmlformats.org/officeDocument/2006/relationships" xmlns:p="http://schemas.openxmlformats.org/presentationml/2006/main">
   <p:cSld>
     <p:spTree>
@@ -6568,7 +7416,7 @@
 </p:sld>
 </file>
 
-<file path=ppt/slides/slide21.xml><?xml version="1.0" encoding="utf-8"?>
+<file path=ppt/slides/slide23.xml><?xml version="1.0" encoding="utf-8"?>
 <p:sld xmlns:a="http://schemas.openxmlformats.org/drawingml/2006/main" xmlns:r="http://schemas.openxmlformats.org/officeDocument/2006/relationships" xmlns:p="http://schemas.openxmlformats.org/presentationml/2006/main">
   <p:cSld>
     <p:spTree>
@@ -7424,7 +8272,7 @@
 </p:sld>
 </file>
 
-<file path=ppt/slides/slide22.xml><?xml version="1.0" encoding="utf-8"?>
+<file path=ppt/slides/slide24.xml><?xml version="1.0" encoding="utf-8"?>
 <p:sld xmlns:a="http://schemas.openxmlformats.org/drawingml/2006/main" xmlns:r="http://schemas.openxmlformats.org/officeDocument/2006/relationships" xmlns:p="http://schemas.openxmlformats.org/presentationml/2006/main">
   <p:cSld>
     <p:spTree>
@@ -7503,7 +8351,7 @@
 </p:sld>
 </file>
 
-<file path=ppt/slides/slide23.xml><?xml version="1.0" encoding="utf-8"?>
+<file path=ppt/slides/slide25.xml><?xml version="1.0" encoding="utf-8"?>
 <p:sld xmlns:a="http://schemas.openxmlformats.org/drawingml/2006/main" xmlns:r="http://schemas.openxmlformats.org/officeDocument/2006/relationships" xmlns:p="http://schemas.openxmlformats.org/presentationml/2006/main">
   <p:cSld>
     <p:spTree>
@@ -7574,7 +8422,7 @@
           <a:p>
             <a:r>
               <a:rPr lang="en-US" dirty="0" smtClean="0"/>
-              <a:t>Expanding the process to new drug-patient diagnosis list interaction check, will allow to find the optimal drug and prevent medical malpractice.</a:t>
+              <a:t>Expanding the process to new drug check for patient diagnosis list interaction, will allow to find the optimal drug and prevent medical malpractice.</a:t>
             </a:r>
           </a:p>
         </p:txBody>
@@ -7592,7 +8440,7 @@
 </p:sld>
 </file>
 
-<file path=ppt/slides/slide24.xml><?xml version="1.0" encoding="utf-8"?>
+<file path=ppt/slides/slide26.xml><?xml version="1.0" encoding="utf-8"?>
 <p:sld xmlns:a="http://schemas.openxmlformats.org/drawingml/2006/main" xmlns:r="http://schemas.openxmlformats.org/officeDocument/2006/relationships" xmlns:p="http://schemas.openxmlformats.org/presentationml/2006/main">
   <p:cSld>
     <p:spTree>

--- a/FinalProject.pptx
+++ b/FinalProject.pptx
@@ -5,7 +5,7 @@
     <p:sldMasterId id="2147483648" r:id="rId1"/>
   </p:sldMasterIdLst>
   <p:notesMasterIdLst>
-    <p:notesMasterId r:id="rId28"/>
+    <p:notesMasterId r:id="rId31"/>
   </p:notesMasterIdLst>
   <p:sldIdLst>
     <p:sldId id="256" r:id="rId2"/>
@@ -20,20 +20,23 @@
     <p:sldId id="277" r:id="rId11"/>
     <p:sldId id="264" r:id="rId12"/>
     <p:sldId id="265" r:id="rId13"/>
-    <p:sldId id="266" r:id="rId14"/>
-    <p:sldId id="280" r:id="rId15"/>
-    <p:sldId id="267" r:id="rId16"/>
-    <p:sldId id="268" r:id="rId17"/>
-    <p:sldId id="269" r:id="rId18"/>
-    <p:sldId id="281" r:id="rId19"/>
-    <p:sldId id="270" r:id="rId20"/>
-    <p:sldId id="271" r:id="rId21"/>
-    <p:sldId id="272" r:id="rId22"/>
-    <p:sldId id="273" r:id="rId23"/>
-    <p:sldId id="274" r:id="rId24"/>
-    <p:sldId id="275" r:id="rId25"/>
-    <p:sldId id="279" r:id="rId26"/>
-    <p:sldId id="276" r:id="rId27"/>
+    <p:sldId id="282" r:id="rId14"/>
+    <p:sldId id="283" r:id="rId15"/>
+    <p:sldId id="284" r:id="rId16"/>
+    <p:sldId id="266" r:id="rId17"/>
+    <p:sldId id="280" r:id="rId18"/>
+    <p:sldId id="267" r:id="rId19"/>
+    <p:sldId id="268" r:id="rId20"/>
+    <p:sldId id="269" r:id="rId21"/>
+    <p:sldId id="281" r:id="rId22"/>
+    <p:sldId id="270" r:id="rId23"/>
+    <p:sldId id="271" r:id="rId24"/>
+    <p:sldId id="272" r:id="rId25"/>
+    <p:sldId id="273" r:id="rId26"/>
+    <p:sldId id="274" r:id="rId27"/>
+    <p:sldId id="275" r:id="rId28"/>
+    <p:sldId id="279" r:id="rId29"/>
+    <p:sldId id="276" r:id="rId30"/>
   </p:sldIdLst>
   <p:sldSz cx="9144000" cy="6858000" type="screen4x3"/>
   <p:notesSz cx="6858000" cy="9144000"/>
@@ -4138,25 +4141,35 @@
           </a:p>
         </p:txBody>
       </p:sp>
-      <p:sp>
-        <p:nvSpPr>
-          <p:cNvPr id="5" name="Content Placeholder 4"/>
-          <p:cNvSpPr>
-            <a:spLocks noGrp="1"/>
-          </p:cNvSpPr>
+      <p:pic>
+        <p:nvPicPr>
+          <p:cNvPr id="6" name="Content Placeholder 5"/>
+          <p:cNvPicPr>
+            <a:picLocks noGrp="1" noChangeAspect="1"/>
+          </p:cNvPicPr>
           <p:nvPr>
             <p:ph idx="1"/>
           </p:nvPr>
-        </p:nvSpPr>
-        <p:spPr/>
-        <p:txBody>
-          <a:bodyPr/>
-          <a:lstStyle/>
-          <a:p>
-            <a:endParaRPr lang="en-US"/>
-          </a:p>
-        </p:txBody>
-      </p:sp>
+        </p:nvPicPr>
+        <p:blipFill>
+          <a:blip r:embed="rId2">
+            <a:extLst>
+              <a:ext uri="{28A0092B-C50C-407E-A947-70E740481C1C}">
+                <a14:useLocalDpi xmlns:a14="http://schemas.microsoft.com/office/drawing/2010/main" val="0"/>
+              </a:ext>
+            </a:extLst>
+          </a:blip>
+          <a:stretch>
+            <a:fillRect/>
+          </a:stretch>
+        </p:blipFill>
+        <p:spPr>
+          <a:xfrm>
+            <a:off x="2866937" y="1812026"/>
+            <a:ext cx="4219663" cy="4102311"/>
+          </a:xfrm>
+        </p:spPr>
+      </p:pic>
     </p:spTree>
     <p:extLst>
       <p:ext uri="{BB962C8B-B14F-4D97-AF65-F5344CB8AC3E}">
@@ -4211,886 +4224,59 @@
           <a:p>
             <a:r>
               <a:rPr lang="en-US" dirty="0" smtClean="0"/>
-              <a:t>API Result</a:t>
+              <a:t>Start </a:t>
+            </a:r>
+            <a:r>
+              <a:rPr lang="en-US" dirty="0" err="1" smtClean="0"/>
+              <a:t>nifi</a:t>
+            </a:r>
+            <a:r>
+              <a:rPr lang="en-US" dirty="0" smtClean="0"/>
+              <a:t> pipeline from consumer</a:t>
             </a:r>
             <a:endParaRPr lang="en-US" dirty="0"/>
           </a:p>
         </p:txBody>
       </p:sp>
-      <p:sp>
-        <p:nvSpPr>
-          <p:cNvPr id="3" name="Content Placeholder 2"/>
-          <p:cNvSpPr>
-            <a:spLocks noGrp="1"/>
-          </p:cNvSpPr>
+      <p:pic>
+        <p:nvPicPr>
+          <p:cNvPr id="4" name="Content Placeholder 3"/>
+          <p:cNvPicPr>
+            <a:picLocks noGrp="1" noChangeAspect="1"/>
+          </p:cNvPicPr>
           <p:nvPr>
             <p:ph idx="1"/>
           </p:nvPr>
-        </p:nvSpPr>
-        <p:spPr/>
-        <p:txBody>
-          <a:bodyPr>
-            <a:normAutofit fontScale="25000" lnSpcReduction="20000"/>
-          </a:bodyPr>
-          <a:lstStyle/>
-          <a:p>
-            <a:r>
-              <a:rPr lang="en-US" sz="5600" b="1" dirty="0" smtClean="0"/>
-              <a:t>Large and not useful file format. The example saved in </a:t>
-            </a:r>
-            <a:r>
-              <a:rPr lang="en-US" sz="5600" b="1" dirty="0" err="1" smtClean="0"/>
-              <a:t>github</a:t>
-            </a:r>
-            <a:endParaRPr lang="en-US" sz="5600" b="1" dirty="0" smtClean="0"/>
-          </a:p>
-          <a:p>
-            <a:r>
-              <a:rPr lang="en-US" sz="5600" b="1" dirty="0" smtClean="0">
-                <a:hlinkClick r:id="rId2"/>
-              </a:rPr>
-              <a:t>https://github.com/katkovOlga/nayaProject/blob/main/Dr_dr_Out.txt</a:t>
-            </a:r>
-            <a:endParaRPr lang="en-US" sz="5600" b="1" dirty="0" smtClean="0"/>
-          </a:p>
-          <a:p>
-            <a:r>
-              <a:rPr lang="en-US" sz="5600" b="1" dirty="0" smtClean="0"/>
-              <a:t>It seems so, followed part of </a:t>
-            </a:r>
-            <a:r>
-              <a:rPr lang="en-US" sz="5600" b="1" dirty="0" err="1" smtClean="0"/>
-              <a:t>api</a:t>
-            </a:r>
-            <a:r>
-              <a:rPr lang="en-US" sz="5600" b="1" dirty="0" smtClean="0"/>
-              <a:t> result:</a:t>
-            </a:r>
-          </a:p>
-          <a:p>
-            <a:endParaRPr lang="en-US" dirty="0"/>
-          </a:p>
-          <a:p>
-            <a:r>
-              <a:rPr lang="en-US" dirty="0" smtClean="0"/>
-              <a:t>{"</a:t>
-            </a:r>
-            <a:r>
-              <a:rPr lang="en-US" dirty="0" err="1" smtClean="0"/>
-              <a:t>nlmDisclaimer</a:t>
-            </a:r>
-            <a:r>
-              <a:rPr lang="en-US" dirty="0" smtClean="0"/>
-              <a:t>":"It is not the intention of NLM to provide specific medical advice, but rather to provide users with information to better understand their health and their medications. NLM urges you to consult with a qualified physician for advice about medications.","</a:t>
-            </a:r>
-            <a:r>
-              <a:rPr lang="en-US" dirty="0" err="1" smtClean="0"/>
-              <a:t>interactionTypeGroup</a:t>
-            </a:r>
-            <a:r>
-              <a:rPr lang="en-US" dirty="0" smtClean="0"/>
-              <a:t>":[{"</a:t>
-            </a:r>
-            <a:r>
-              <a:rPr lang="en-US" dirty="0" err="1" smtClean="0"/>
-              <a:t>sourceDisclaimer</a:t>
-            </a:r>
-            <a:r>
-              <a:rPr lang="en-US" dirty="0" smtClean="0"/>
-              <a:t>":"</a:t>
-            </a:r>
-            <a:r>
-              <a:rPr lang="en-US" dirty="0" err="1" smtClean="0"/>
-              <a:t>DrugBank</a:t>
-            </a:r>
-            <a:r>
-              <a:rPr lang="en-US" dirty="0" smtClean="0"/>
-              <a:t> is intended for educational and scientific research purposes only and you expressly acknowledge and agree that use of </a:t>
-            </a:r>
-            <a:r>
-              <a:rPr lang="en-US" dirty="0" err="1" smtClean="0"/>
-              <a:t>DrugBank</a:t>
-            </a:r>
-            <a:r>
-              <a:rPr lang="en-US" dirty="0" smtClean="0"/>
-              <a:t> is at your sole risk. The accuracy of </a:t>
-            </a:r>
-            <a:r>
-              <a:rPr lang="en-US" dirty="0" err="1" smtClean="0"/>
-              <a:t>DrugBank</a:t>
-            </a:r>
-            <a:r>
-              <a:rPr lang="en-US" dirty="0" smtClean="0"/>
-              <a:t> information is not guaranteed and reliance on </a:t>
-            </a:r>
-            <a:r>
-              <a:rPr lang="en-US" dirty="0" err="1" smtClean="0"/>
-              <a:t>DrugBank</a:t>
-            </a:r>
-            <a:r>
-              <a:rPr lang="en-US" dirty="0" smtClean="0"/>
-              <a:t> shall be at your sole risk. </a:t>
-            </a:r>
-            <a:r>
-              <a:rPr lang="en-US" dirty="0" err="1" smtClean="0"/>
-              <a:t>DrugBank</a:t>
-            </a:r>
-            <a:r>
-              <a:rPr lang="en-US" dirty="0" smtClean="0"/>
-              <a:t> is not intended as a substitute for professional medical advice, diagnosis or treatment..[www.drugbank.ca]","sourceName":"DrugBank","interactionType":[{"comment":"aspirin (1191) is resolved to aspirin (1191)","</a:t>
-            </a:r>
-            <a:r>
-              <a:rPr lang="en-US" dirty="0" err="1" smtClean="0"/>
-              <a:t>minConceptItem</a:t>
-            </a:r>
-            <a:r>
-              <a:rPr lang="en-US" dirty="0" smtClean="0"/>
-              <a:t>":{"rxcui":"1191","name":"aspirin","tty":"IN"},"</a:t>
-            </a:r>
-            <a:r>
-              <a:rPr lang="en-US" dirty="0" err="1" smtClean="0"/>
-              <a:t>interactionPair</a:t>
-            </a:r>
-            <a:r>
-              <a:rPr lang="en-US" dirty="0" smtClean="0"/>
-              <a:t>":[{"</a:t>
-            </a:r>
-            <a:r>
-              <a:rPr lang="en-US" dirty="0" err="1" smtClean="0"/>
-              <a:t>interactionConcept</a:t>
-            </a:r>
-            <a:r>
-              <a:rPr lang="en-US" dirty="0" smtClean="0"/>
-              <a:t>":[{"</a:t>
-            </a:r>
-            <a:r>
-              <a:rPr lang="en-US" dirty="0" err="1" smtClean="0"/>
-              <a:t>minConceptItem</a:t>
-            </a:r>
-            <a:r>
-              <a:rPr lang="en-US" dirty="0" smtClean="0"/>
-              <a:t>":{"rxcui":"1191","name":"aspirin","tty":"IN"},"</a:t>
-            </a:r>
-            <a:r>
-              <a:rPr lang="en-US" dirty="0" err="1" smtClean="0"/>
-              <a:t>sourceConceptItem</a:t>
-            </a:r>
-            <a:r>
-              <a:rPr lang="en-US" dirty="0" smtClean="0"/>
-              <a:t>":{"id":"DB00945","name":"Acetylsalicylic acid","</a:t>
-            </a:r>
-            <a:r>
-              <a:rPr lang="en-US" dirty="0" err="1" smtClean="0"/>
-              <a:t>url</a:t>
-            </a:r>
-            <a:r>
-              <a:rPr lang="en-US" dirty="0" smtClean="0"/>
-              <a:t>":"https://go.drugbank.com/drugs/DB00945#interactions"}},{"</a:t>
-            </a:r>
-            <a:r>
-              <a:rPr lang="en-US" dirty="0" err="1" smtClean="0"/>
-              <a:t>minConceptItem</a:t>
-            </a:r>
-            <a:r>
-              <a:rPr lang="en-US" dirty="0" smtClean="0"/>
-              <a:t>":{"rxcui":"1000492","name":"resveratrol","tty":"IN"},"</a:t>
-            </a:r>
-            <a:r>
-              <a:rPr lang="en-US" dirty="0" err="1" smtClean="0"/>
-              <a:t>sourceConceptItem</a:t>
-            </a:r>
-            <a:r>
-              <a:rPr lang="en-US" dirty="0" smtClean="0"/>
-              <a:t>":{"id":"DB02709","name":"Resveratrol","url":"https://go.drugbank.com/drugs/DB02709#interactions"}}],"</a:t>
-            </a:r>
-            <a:r>
-              <a:rPr lang="en-US" dirty="0" err="1" smtClean="0"/>
-              <a:t>severity":"N</a:t>
-            </a:r>
-            <a:r>
-              <a:rPr lang="en-US" dirty="0" smtClean="0"/>
-              <a:t>/</a:t>
-            </a:r>
-            <a:r>
-              <a:rPr lang="en-US" dirty="0" err="1" smtClean="0"/>
-              <a:t>A","description":"Acetylsalicylic</a:t>
-            </a:r>
-            <a:r>
-              <a:rPr lang="en-US" dirty="0" smtClean="0"/>
-              <a:t> acid may increase the antiplatelet activities of Resveratrol."},{"</a:t>
-            </a:r>
-            <a:r>
-              <a:rPr lang="en-US" dirty="0" err="1" smtClean="0"/>
-              <a:t>interactionConcept</a:t>
-            </a:r>
-            <a:r>
-              <a:rPr lang="en-US" dirty="0" smtClean="0"/>
-              <a:t>":[{"</a:t>
-            </a:r>
-            <a:r>
-              <a:rPr lang="en-US" dirty="0" err="1" smtClean="0"/>
-              <a:t>minConceptItem</a:t>
-            </a:r>
-            <a:r>
-              <a:rPr lang="en-US" dirty="0" smtClean="0"/>
-              <a:t>":{"rxcui":"1191","name":"aspirin","tty":"IN"},"</a:t>
-            </a:r>
-            <a:r>
-              <a:rPr lang="en-US" dirty="0" err="1" smtClean="0"/>
-              <a:t>sourceConceptItem</a:t>
-            </a:r>
-            <a:r>
-              <a:rPr lang="en-US" dirty="0" smtClean="0"/>
-              <a:t>":{"id":"DB00945","name":"Acetylsalicylic acid","</a:t>
-            </a:r>
-            <a:r>
-              <a:rPr lang="en-US" dirty="0" err="1" smtClean="0"/>
-              <a:t>url</a:t>
-            </a:r>
-            <a:r>
-              <a:rPr lang="en-US" dirty="0" smtClean="0"/>
-              <a:t>":"https://go.drugbank.com/drugs/DB00945#interactions"}},{"</a:t>
-            </a:r>
-            <a:r>
-              <a:rPr lang="en-US" dirty="0" err="1" smtClean="0"/>
-              <a:t>minConceptItem</a:t>
-            </a:r>
-            <a:r>
-              <a:rPr lang="en-US" dirty="0" smtClean="0"/>
-              <a:t>":{"rxcui":"1001","name":"antipyrine","tty":"IN"},"</a:t>
-            </a:r>
-            <a:r>
-              <a:rPr lang="en-US" dirty="0" err="1" smtClean="0"/>
-              <a:t>sourceConceptItem</a:t>
-            </a:r>
-            <a:r>
-              <a:rPr lang="en-US" dirty="0" smtClean="0"/>
-              <a:t>":{"id":"DB01435","name":"Antipyrine","url":"https://go.drugbank.com/drugs/DB01435#interactions"}}],"</a:t>
-            </a:r>
-            <a:r>
-              <a:rPr lang="en-US" dirty="0" err="1" smtClean="0"/>
-              <a:t>severity":"N</a:t>
-            </a:r>
-            <a:r>
-              <a:rPr lang="en-US" dirty="0" smtClean="0"/>
-              <a:t>/</a:t>
-            </a:r>
-            <a:r>
-              <a:rPr lang="en-US" dirty="0" err="1" smtClean="0"/>
-              <a:t>A","description":"The</a:t>
-            </a:r>
-            <a:r>
-              <a:rPr lang="en-US" dirty="0" smtClean="0"/>
-              <a:t> therapeutic efficacy of Acetylsalicylic acid can be decreased when used in combination with </a:t>
-            </a:r>
-            <a:r>
-              <a:rPr lang="en-US" dirty="0" err="1" smtClean="0"/>
-              <a:t>Antipyrine</a:t>
-            </a:r>
-            <a:r>
-              <a:rPr lang="en-US" dirty="0" smtClean="0"/>
-              <a:t>."},{"</a:t>
-            </a:r>
-            <a:r>
-              <a:rPr lang="en-US" dirty="0" err="1" smtClean="0"/>
-              <a:t>interactionConcept</a:t>
-            </a:r>
-            <a:r>
-              <a:rPr lang="en-US" dirty="0" smtClean="0"/>
-              <a:t>":[{"</a:t>
-            </a:r>
-            <a:r>
-              <a:rPr lang="en-US" dirty="0" err="1" smtClean="0"/>
-              <a:t>minConceptItem</a:t>
-            </a:r>
-            <a:r>
-              <a:rPr lang="en-US" dirty="0" smtClean="0"/>
-              <a:t>":{"rxcui":"1191","name":"aspirin","tty":"IN"},"</a:t>
-            </a:r>
-            <a:r>
-              <a:rPr lang="en-US" dirty="0" err="1" smtClean="0"/>
-              <a:t>sourceConceptItem</a:t>
-            </a:r>
-            <a:r>
-              <a:rPr lang="en-US" dirty="0" smtClean="0"/>
-              <a:t>":{"id":"DB00945","name":"Acetylsalicylic acid","</a:t>
-            </a:r>
-            <a:r>
-              <a:rPr lang="en-US" dirty="0" err="1" smtClean="0"/>
-              <a:t>url</a:t>
-            </a:r>
-            <a:r>
-              <a:rPr lang="en-US" dirty="0" smtClean="0"/>
-              <a:t>":"https://go.drugbank.com/drugs/DB00945#interactions"}},{"</a:t>
-            </a:r>
-            <a:r>
-              <a:rPr lang="en-US" dirty="0" err="1" smtClean="0"/>
-              <a:t>minConceptItem</a:t>
-            </a:r>
-            <a:r>
-              <a:rPr lang="en-US" dirty="0" smtClean="0"/>
-              <a:t>":{"rxcui":"1005911","name":"influenza virus vaccine, live attenuated, A-Perth-16-2009 (H3N2) strain","</a:t>
-            </a:r>
-            <a:r>
-              <a:rPr lang="en-US" dirty="0" err="1" smtClean="0"/>
-              <a:t>tty</a:t>
-            </a:r>
-            <a:r>
-              <a:rPr lang="en-US" dirty="0" smtClean="0"/>
-              <a:t>":"IN"},"</a:t>
-            </a:r>
-            <a:r>
-              <a:rPr lang="en-US" dirty="0" err="1" smtClean="0"/>
-              <a:t>sourceConceptItem</a:t>
-            </a:r>
-            <a:r>
-              <a:rPr lang="en-US" dirty="0" smtClean="0"/>
-              <a:t>":{"id":"DB14449","name":"Influenza A virus A/Perth/16/2009 (H3N2) live (attenuated) antigen","</a:t>
-            </a:r>
-            <a:r>
-              <a:rPr lang="en-US" dirty="0" err="1" smtClean="0"/>
-              <a:t>url</a:t>
-            </a:r>
-            <a:r>
-              <a:rPr lang="en-US" dirty="0" smtClean="0"/>
-              <a:t>":"https://go.drugbank.com/drugs/DB14449#interactions"}}],"</a:t>
-            </a:r>
-            <a:r>
-              <a:rPr lang="en-US" dirty="0" err="1" smtClean="0"/>
-              <a:t>severity":"N</a:t>
-            </a:r>
-            <a:r>
-              <a:rPr lang="en-US" dirty="0" smtClean="0"/>
-              <a:t>/</a:t>
-            </a:r>
-            <a:r>
-              <a:rPr lang="en-US" dirty="0" err="1" smtClean="0"/>
-              <a:t>A","description":"The</a:t>
-            </a:r>
-            <a:r>
-              <a:rPr lang="en-US" dirty="0" smtClean="0"/>
-              <a:t> risk or severity of adverse effects can be increased when Influenza A virus A/Perth/16/2009 (H3N2) live (attenuated) antigen is combined with Acetylsalicylic acid."},{"</a:t>
-            </a:r>
-            <a:r>
-              <a:rPr lang="en-US" dirty="0" err="1" smtClean="0"/>
-              <a:t>interactionConcept</a:t>
-            </a:r>
-            <a:r>
-              <a:rPr lang="en-US" dirty="0" smtClean="0"/>
-              <a:t>":[{"</a:t>
-            </a:r>
-            <a:r>
-              <a:rPr lang="en-US" dirty="0" err="1" smtClean="0"/>
-              <a:t>minConceptItem</a:t>
-            </a:r>
-            <a:r>
-              <a:rPr lang="en-US" dirty="0" smtClean="0"/>
-              <a:t>":{"rxcui":"1191","name":"aspirin","tty":"IN"},"</a:t>
-            </a:r>
-            <a:r>
-              <a:rPr lang="en-US" dirty="0" err="1" smtClean="0"/>
-              <a:t>sourceConceptItem</a:t>
-            </a:r>
-            <a:r>
-              <a:rPr lang="en-US" dirty="0" smtClean="0"/>
-              <a:t>":{"id":"DB00945","name":"Acetylsalicylic acid","</a:t>
-            </a:r>
-            <a:r>
-              <a:rPr lang="en-US" dirty="0" err="1" smtClean="0"/>
-              <a:t>url</a:t>
-            </a:r>
-            <a:r>
-              <a:rPr lang="en-US" dirty="0" smtClean="0"/>
-              <a:t>":"https://go.drugbank.com/drugs/DB00945#interactions"}},{"</a:t>
-            </a:r>
-            <a:r>
-              <a:rPr lang="en-US" dirty="0" err="1" smtClean="0"/>
-              <a:t>minConceptItem</a:t>
-            </a:r>
-            <a:r>
-              <a:rPr lang="en-US" dirty="0" smtClean="0"/>
-              <a:t>":{"rxcui":"1006469","name":"doconexent","tty":"IN"},"</a:t>
-            </a:r>
-            <a:r>
-              <a:rPr lang="en-US" dirty="0" err="1" smtClean="0"/>
-              <a:t>sourceConceptItem</a:t>
-            </a:r>
-            <a:r>
-              <a:rPr lang="en-US" dirty="0" smtClean="0"/>
-              <a:t>":{"id":"DB03756","name":"Doconexent","url":"https://go.drugbank.com/drugs/DB03756#interactions"}}],"</a:t>
-            </a:r>
-            <a:r>
-              <a:rPr lang="en-US" dirty="0" err="1" smtClean="0"/>
-              <a:t>severity":"N</a:t>
-            </a:r>
-            <a:r>
-              <a:rPr lang="en-US" dirty="0" smtClean="0"/>
-              <a:t>/</a:t>
-            </a:r>
-            <a:r>
-              <a:rPr lang="en-US" dirty="0" err="1" smtClean="0"/>
-              <a:t>A","description":"The</a:t>
-            </a:r>
-            <a:r>
-              <a:rPr lang="en-US" dirty="0" smtClean="0"/>
-              <a:t> metabolism of Acetylsalicylic acid can be decreased when combined with </a:t>
-            </a:r>
-            <a:r>
-              <a:rPr lang="en-US" dirty="0" err="1" smtClean="0"/>
-              <a:t>Doconexent</a:t>
-            </a:r>
-            <a:r>
-              <a:rPr lang="en-US" dirty="0" smtClean="0"/>
-              <a:t>."},{"</a:t>
-            </a:r>
-            <a:r>
-              <a:rPr lang="en-US" dirty="0" err="1" smtClean="0"/>
-              <a:t>interactionConcept</a:t>
-            </a:r>
-            <a:r>
-              <a:rPr lang="en-US" dirty="0" smtClean="0"/>
-              <a:t>":[{"</a:t>
-            </a:r>
-            <a:r>
-              <a:rPr lang="en-US" dirty="0" err="1" smtClean="0"/>
-              <a:t>minConceptItem</a:t>
-            </a:r>
-            <a:r>
-              <a:rPr lang="en-US" dirty="0" smtClean="0"/>
-              <a:t>":{"rxcui":"1191","name":"aspirin","tty":"IN"},"</a:t>
-            </a:r>
-            <a:r>
-              <a:rPr lang="en-US" dirty="0" err="1" smtClean="0"/>
-              <a:t>sourceConceptItem</a:t>
-            </a:r>
-            <a:r>
-              <a:rPr lang="en-US" dirty="0" smtClean="0"/>
-              <a:t>":{"id":"DB00945","name":"Acetylsalicylic acid","</a:t>
-            </a:r>
-            <a:r>
-              <a:rPr lang="en-US" dirty="0" err="1" smtClean="0"/>
-              <a:t>url</a:t>
-            </a:r>
-            <a:r>
-              <a:rPr lang="en-US" dirty="0" smtClean="0"/>
-              <a:t>":"https://go.drugbank.com/drugs/DB00945#interactions"}},{"</a:t>
-            </a:r>
-            <a:r>
-              <a:rPr lang="en-US" dirty="0" err="1" smtClean="0"/>
-              <a:t>minConceptItem</a:t>
-            </a:r>
-            <a:r>
-              <a:rPr lang="en-US" dirty="0" smtClean="0"/>
-              <a:t>":{"rxcui":"1009","name":"antithrombin III","</a:t>
-            </a:r>
-            <a:r>
-              <a:rPr lang="en-US" dirty="0" err="1" smtClean="0"/>
-              <a:t>tty</a:t>
-            </a:r>
-            <a:r>
-              <a:rPr lang="en-US" dirty="0" smtClean="0"/>
-              <a:t>":"IN"},"</a:t>
-            </a:r>
-            <a:r>
-              <a:rPr lang="en-US" dirty="0" err="1" smtClean="0"/>
-              <a:t>sourceConceptItem</a:t>
-            </a:r>
-            <a:r>
-              <a:rPr lang="en-US" dirty="0" smtClean="0"/>
-              <a:t>":{"id":"DB11598","name":"Antithrombin III human","</a:t>
-            </a:r>
-            <a:r>
-              <a:rPr lang="en-US" dirty="0" err="1" smtClean="0"/>
-              <a:t>url</a:t>
-            </a:r>
-            <a:r>
-              <a:rPr lang="en-US" dirty="0" smtClean="0"/>
-              <a:t>":"https://go.drugbank.com/drugs/DB11598#interactions"}}],"</a:t>
-            </a:r>
-            <a:r>
-              <a:rPr lang="en-US" dirty="0" err="1" smtClean="0"/>
-              <a:t>severity":"N</a:t>
-            </a:r>
-            <a:r>
-              <a:rPr lang="en-US" dirty="0" smtClean="0"/>
-              <a:t>/</a:t>
-            </a:r>
-            <a:r>
-              <a:rPr lang="en-US" dirty="0" err="1" smtClean="0"/>
-              <a:t>A","description":"Acetylsalicylic</a:t>
-            </a:r>
-            <a:r>
-              <a:rPr lang="en-US" dirty="0" smtClean="0"/>
-              <a:t> acid may increase the anticoagulant activities of </a:t>
-            </a:r>
-            <a:r>
-              <a:rPr lang="en-US" dirty="0" err="1" smtClean="0"/>
-              <a:t>Antithrombin</a:t>
-            </a:r>
-            <a:r>
-              <a:rPr lang="en-US" dirty="0" smtClean="0"/>
-              <a:t> III human."},{"</a:t>
-            </a:r>
-            <a:r>
-              <a:rPr lang="en-US" dirty="0" err="1" smtClean="0"/>
-              <a:t>interactionConcept</a:t>
-            </a:r>
-            <a:r>
-              <a:rPr lang="en-US" dirty="0" smtClean="0"/>
-              <a:t>":[{"</a:t>
-            </a:r>
-            <a:r>
-              <a:rPr lang="en-US" dirty="0" err="1" smtClean="0"/>
-              <a:t>minConceptItem</a:t>
-            </a:r>
-            <a:r>
-              <a:rPr lang="en-US" dirty="0" smtClean="0"/>
-              <a:t>":{"rxcui":"1191","name":"aspirin","tty":"IN"},"</a:t>
-            </a:r>
-            <a:r>
-              <a:rPr lang="en-US" dirty="0" err="1" smtClean="0"/>
-              <a:t>sourceConceptItem</a:t>
-            </a:r>
-            <a:r>
-              <a:rPr lang="en-US" dirty="0" smtClean="0"/>
-              <a:t>":{"id":"DB00945","name":"Acetylsalicylic acid","</a:t>
-            </a:r>
-            <a:r>
-              <a:rPr lang="en-US" dirty="0" err="1" smtClean="0"/>
-              <a:t>url</a:t>
-            </a:r>
-            <a:r>
-              <a:rPr lang="en-US" dirty="0" smtClean="0"/>
-              <a:t>":"https://go.drugbank.com/drugs/DB00945#interactions"}},{"</a:t>
-            </a:r>
-            <a:r>
-              <a:rPr lang="en-US" dirty="0" err="1" smtClean="0"/>
-              <a:t>minConceptItem</a:t>
-            </a:r>
-            <a:r>
-              <a:rPr lang="en-US" dirty="0" smtClean="0"/>
-              <a:t>":{"rxcui":"10106","name":"streptokinase","tty":"IN"},"</a:t>
-            </a:r>
-            <a:r>
-              <a:rPr lang="en-US" dirty="0" err="1" smtClean="0"/>
-              <a:t>sourceConceptItem</a:t>
-            </a:r>
-            <a:r>
-              <a:rPr lang="en-US" dirty="0" smtClean="0"/>
-              <a:t>":{"id":"DB00086","name":"Streptokinase","url":"https://go.drugbank.com/drugs/DB00086#interactions"}}],"</a:t>
-            </a:r>
-            <a:r>
-              <a:rPr lang="en-US" dirty="0" err="1" smtClean="0"/>
-              <a:t>severity":"N</a:t>
-            </a:r>
-            <a:r>
-              <a:rPr lang="en-US" dirty="0" smtClean="0"/>
-              <a:t>/</a:t>
-            </a:r>
-            <a:r>
-              <a:rPr lang="en-US" dirty="0" err="1" smtClean="0"/>
-              <a:t>A","description":"Acetylsalicylic</a:t>
-            </a:r>
-            <a:r>
-              <a:rPr lang="en-US" dirty="0" smtClean="0"/>
-              <a:t> acid may increase the anticoagulant activities of Streptokinase."},{"</a:t>
-            </a:r>
-            <a:r>
-              <a:rPr lang="en-US" dirty="0" err="1" smtClean="0"/>
-              <a:t>interactionConcept</a:t>
-            </a:r>
-            <a:r>
-              <a:rPr lang="en-US" dirty="0" smtClean="0"/>
-              <a:t>":[{"</a:t>
-            </a:r>
-            <a:r>
-              <a:rPr lang="en-US" dirty="0" err="1" smtClean="0"/>
-              <a:t>minConceptItem</a:t>
-            </a:r>
-            <a:r>
-              <a:rPr lang="en-US" dirty="0" smtClean="0"/>
-              <a:t>":{"rxcui":"1191","name":"aspirin","tty":"IN"},"</a:t>
-            </a:r>
-            <a:r>
-              <a:rPr lang="en-US" dirty="0" err="1" smtClean="0"/>
-              <a:t>sourceConceptItem</a:t>
-            </a:r>
-            <a:r>
-              <a:rPr lang="en-US" dirty="0" smtClean="0"/>
-              <a:t>":{"id":"DB00945","name":"Acetylsalicylic acid","</a:t>
-            </a:r>
-            <a:r>
-              <a:rPr lang="en-US" dirty="0" err="1" smtClean="0"/>
-              <a:t>url</a:t>
-            </a:r>
-            <a:r>
-              <a:rPr lang="en-US" dirty="0" smtClean="0"/>
-              <a:t>":"https://go.drugbank.com/drugs/DB00945#interactions"}},{"</a:t>
-            </a:r>
-            <a:r>
-              <a:rPr lang="en-US" dirty="0" err="1" smtClean="0"/>
-              <a:t>minConceptItem</a:t>
-            </a:r>
-            <a:r>
-              <a:rPr lang="en-US" dirty="0" smtClean="0"/>
-              <a:t>":{"rxcui":"10109","name":"streptomycin","tty":"IN"},"</a:t>
-            </a:r>
-            <a:r>
-              <a:rPr lang="en-US" dirty="0" err="1" smtClean="0"/>
-              <a:t>sourceConceptItem</a:t>
-            </a:r>
-            <a:r>
-              <a:rPr lang="en-US" dirty="0" smtClean="0"/>
-              <a:t>":{"id":"DB01082","name":"Streptomycin","url":"https://go.drugbank.com/drugs/DB01082#interactions"}}],"</a:t>
-            </a:r>
-            <a:r>
-              <a:rPr lang="en-US" dirty="0" err="1" smtClean="0"/>
-              <a:t>severity":"N</a:t>
-            </a:r>
-            <a:r>
-              <a:rPr lang="en-US" dirty="0" smtClean="0"/>
-              <a:t>/</a:t>
-            </a:r>
-            <a:r>
-              <a:rPr lang="en-US" dirty="0" err="1" smtClean="0"/>
-              <a:t>A","description":"Acetylsalicylic</a:t>
-            </a:r>
-            <a:r>
-              <a:rPr lang="en-US" dirty="0" smtClean="0"/>
-              <a:t> acid may decrease the excretion rate of Streptomycin which could result in a higher serum level."},{"</a:t>
-            </a:r>
-            <a:r>
-              <a:rPr lang="en-US" dirty="0" err="1" smtClean="0"/>
-              <a:t>interactionConcept</a:t>
-            </a:r>
-            <a:r>
-              <a:rPr lang="en-US" dirty="0" smtClean="0"/>
-              <a:t>":[{"</a:t>
-            </a:r>
-            <a:r>
-              <a:rPr lang="en-US" dirty="0" err="1" smtClean="0"/>
-              <a:t>minConceptItem</a:t>
-            </a:r>
-            <a:r>
-              <a:rPr lang="en-US" dirty="0" smtClean="0"/>
-              <a:t>":{"rxcui":"1191","name":"aspirin","tty":"IN"},"</a:t>
-            </a:r>
-            <a:r>
-              <a:rPr lang="en-US" dirty="0" err="1" smtClean="0"/>
-              <a:t>sourceConceptItem</a:t>
-            </a:r>
-            <a:r>
-              <a:rPr lang="en-US" dirty="0" smtClean="0"/>
-              <a:t>":{"id":"DB00945","name":"Acetylsalicylic acid","</a:t>
-            </a:r>
-            <a:r>
-              <a:rPr lang="en-US" dirty="0" err="1" smtClean="0"/>
-              <a:t>url</a:t>
-            </a:r>
-            <a:r>
-              <a:rPr lang="en-US" dirty="0" smtClean="0"/>
-              <a:t>":"https://go.drugbank.com/drugs/DB00945#interactions"}},{"</a:t>
-            </a:r>
-            <a:r>
-              <a:rPr lang="en-US" dirty="0" err="1" smtClean="0"/>
-              <a:t>minConceptItem</a:t>
-            </a:r>
-            <a:r>
-              <a:rPr lang="en-US" dirty="0" smtClean="0"/>
-              <a:t>":{"rxcui":"10114","name":"streptozocin","tty":"IN"},"</a:t>
-            </a:r>
-            <a:r>
-              <a:rPr lang="en-US" dirty="0" err="1" smtClean="0"/>
-              <a:t>sourceConceptItem</a:t>
-            </a:r>
-            <a:r>
-              <a:rPr lang="en-US" dirty="0" smtClean="0"/>
-              <a:t>":{"id":"DB00428","name":"Streptozocin","url":"https://go.drugbank.com/drugs/DB00428#interactions"}}],"</a:t>
-            </a:r>
-            <a:r>
-              <a:rPr lang="en-US" dirty="0" err="1" smtClean="0"/>
-              <a:t>severity":"N</a:t>
-            </a:r>
-            <a:r>
-              <a:rPr lang="en-US" dirty="0" smtClean="0"/>
-              <a:t>/</a:t>
-            </a:r>
-            <a:r>
-              <a:rPr lang="en-US" dirty="0" err="1" smtClean="0"/>
-              <a:t>A","description":"The</a:t>
-            </a:r>
-            <a:r>
-              <a:rPr lang="en-US" dirty="0" smtClean="0"/>
-              <a:t> risk or severity of bleeding can be increased when Acetylsalicylic acid is combined with </a:t>
-            </a:r>
-            <a:r>
-              <a:rPr lang="en-US" dirty="0" err="1" smtClean="0"/>
-              <a:t>Streptozocin</a:t>
-            </a:r>
-            <a:r>
-              <a:rPr lang="en-US" dirty="0" smtClean="0"/>
-              <a:t>."},{"</a:t>
-            </a:r>
-            <a:r>
-              <a:rPr lang="en-US" dirty="0" err="1" smtClean="0"/>
-              <a:t>interactionConcept</a:t>
-            </a:r>
-            <a:r>
-              <a:rPr lang="en-US" dirty="0" smtClean="0"/>
-              <a:t>":[{"</a:t>
-            </a:r>
-            <a:r>
-              <a:rPr lang="en-US" dirty="0" err="1" smtClean="0"/>
-              <a:t>minConceptItem</a:t>
-            </a:r>
-            <a:r>
-              <a:rPr lang="en-US" dirty="0" smtClean="0"/>
-              <a:t>":{"rxcui":"1191","name":"aspirin","tty":"IN"},"</a:t>
-            </a:r>
-            <a:r>
-              <a:rPr lang="en-US" dirty="0" err="1" smtClean="0"/>
-              <a:t>sourceConceptItem</a:t>
-            </a:r>
-            <a:r>
-              <a:rPr lang="en-US" dirty="0" smtClean="0"/>
-              <a:t>":{"id":"DB00945","name":"Acetylsalicylic acid","</a:t>
-            </a:r>
-            <a:r>
-              <a:rPr lang="en-US" dirty="0" err="1" smtClean="0"/>
-              <a:t>url</a:t>
-            </a:r>
-            <a:r>
-              <a:rPr lang="en-US" dirty="0" smtClean="0"/>
-              <a:t>":"https://go.drugbank.com/drugs/DB00945#interactions"}},{"</a:t>
-            </a:r>
-            <a:r>
-              <a:rPr lang="en-US" dirty="0" err="1" smtClean="0"/>
-              <a:t>minConceptItem</a:t>
-            </a:r>
-            <a:r>
-              <a:rPr lang="en-US" dirty="0" smtClean="0"/>
-              <a:t>":{"rxcui":"10154","name":"succinylcholine","tty":"IN"},"</a:t>
-            </a:r>
-            <a:r>
-              <a:rPr lang="en-US" dirty="0" err="1" smtClean="0"/>
-              <a:t>sourceConceptItem</a:t>
-            </a:r>
-            <a:r>
-              <a:rPr lang="en-US" dirty="0" smtClean="0"/>
-              <a:t>":{"id":"DB00202","name":"Succinylcholine","url":"https://go.drugbank.com/drugs/DB00202#interactions"}}],"</a:t>
-            </a:r>
-            <a:r>
-              <a:rPr lang="en-US" dirty="0" err="1" smtClean="0"/>
-              <a:t>severity":"N</a:t>
-            </a:r>
-            <a:r>
-              <a:rPr lang="en-US" dirty="0" smtClean="0"/>
-              <a:t>/</a:t>
-            </a:r>
-            <a:r>
-              <a:rPr lang="en-US" dirty="0" err="1" smtClean="0"/>
-              <a:t>A","description":"The</a:t>
-            </a:r>
-            <a:r>
-              <a:rPr lang="en-US" dirty="0" smtClean="0"/>
-              <a:t> risk or severity of hyperkalemia can be increased when Succinylcholine is combined with Acetylsalicylic acid."},{"</a:t>
-            </a:r>
-            <a:r>
-              <a:rPr lang="en-US" dirty="0" err="1" smtClean="0"/>
-              <a:t>interactionConcept</a:t>
-            </a:r>
-            <a:r>
-              <a:rPr lang="en-US" dirty="0" smtClean="0"/>
-              <a:t>":[{"</a:t>
-            </a:r>
-            <a:r>
-              <a:rPr lang="en-US" dirty="0" err="1" smtClean="0"/>
-              <a:t>minConceptItem</a:t>
-            </a:r>
-            <a:r>
-              <a:rPr lang="en-US" dirty="0" smtClean="0"/>
-              <a:t>":{"rxcui":"1191","name":"aspirin","tty":"IN"},"</a:t>
-            </a:r>
-            <a:r>
-              <a:rPr lang="en-US" dirty="0" err="1" smtClean="0"/>
-              <a:t>sourceConceptItem</a:t>
-            </a:r>
-            <a:r>
-              <a:rPr lang="en-US" dirty="0" smtClean="0"/>
-              <a:t>":{"id":"DB00945","name":"Acetylsalicylic acid","</a:t>
-            </a:r>
-            <a:r>
-              <a:rPr lang="en-US" dirty="0" err="1" smtClean="0"/>
-              <a:t>url</a:t>
-            </a:r>
-            <a:r>
-              <a:rPr lang="en-US" dirty="0" smtClean="0"/>
-              <a:t>":"https://go.drugbank.com/drugs/DB00945#interactions"}},{"</a:t>
-            </a:r>
-            <a:r>
-              <a:rPr lang="en-US" dirty="0" err="1" smtClean="0"/>
-              <a:t>minConceptItem</a:t>
-            </a:r>
-            <a:r>
-              <a:rPr lang="en-US" dirty="0" smtClean="0"/>
-              <a:t>":{"rxcui":"10167","name":"sulbactam","tty":"IN"},"</a:t>
-            </a:r>
-            <a:r>
-              <a:rPr lang="en-US" dirty="0" err="1" smtClean="0"/>
-              <a:t>sourceConceptItem</a:t>
-            </a:r>
-            <a:r>
-              <a:rPr lang="en-US" dirty="0" smtClean="0"/>
-              <a:t>":{"id":"DB09324","name":"Sulbactam","url":"https://go.drugbank.com/drugs/DB09324#interactions"}}],"</a:t>
-            </a:r>
-            <a:r>
-              <a:rPr lang="en-US" dirty="0" err="1" smtClean="0"/>
-              <a:t>severity":"N</a:t>
-            </a:r>
-            <a:r>
-              <a:rPr lang="en-US" dirty="0" smtClean="0"/>
-              <a:t>/</a:t>
-            </a:r>
-            <a:r>
-              <a:rPr lang="en-US" dirty="0" err="1" smtClean="0"/>
-              <a:t>A","description":"Acetylsalicylic</a:t>
-            </a:r>
-            <a:r>
-              <a:rPr lang="en-US" dirty="0" smtClean="0"/>
-              <a:t> acid may decrease the excretion rate of </a:t>
-            </a:r>
-            <a:r>
-              <a:rPr lang="en-US" dirty="0" err="1" smtClean="0"/>
-              <a:t>Sulbactam</a:t>
-            </a:r>
-            <a:r>
-              <a:rPr lang="en-US" dirty="0" smtClean="0"/>
-              <a:t> which could result in a higher serum level."}</a:t>
-            </a:r>
-            <a:endParaRPr lang="en-US" dirty="0"/>
-          </a:p>
-          <a:p>
-            <a:endParaRPr lang="en-US" dirty="0"/>
-          </a:p>
-        </p:txBody>
-      </p:sp>
+        </p:nvPicPr>
+        <p:blipFill>
+          <a:blip r:embed="rId2">
+            <a:extLst>
+              <a:ext uri="{28A0092B-C50C-407E-A947-70E740481C1C}">
+                <a14:useLocalDpi xmlns:a14="http://schemas.microsoft.com/office/drawing/2010/main" val="0"/>
+              </a:ext>
+            </a:extLst>
+          </a:blip>
+          <a:stretch>
+            <a:fillRect/>
+          </a:stretch>
+        </p:blipFill>
+        <p:spPr>
+          <a:xfrm>
+            <a:off x="593520" y="1846953"/>
+            <a:ext cx="7956959" cy="4032457"/>
+          </a:xfrm>
+        </p:spPr>
+      </p:pic>
     </p:spTree>
     <p:extLst>
       <p:ext uri="{BB962C8B-B14F-4D97-AF65-F5344CB8AC3E}">
-        <p14:creationId xmlns:p14="http://schemas.microsoft.com/office/powerpoint/2010/main" val="1964454756"/>
+        <p14:creationId xmlns:p14="http://schemas.microsoft.com/office/powerpoint/2010/main" val="843480156"/>
       </p:ext>
     </p:extLst>
   </p:cSld>
   <p:clrMapOvr>
     <a:masterClrMapping/>
   </p:clrMapOvr>
-  <p:timing>
-    <p:tnLst>
-      <p:par>
-        <p:cTn id="1" dur="indefinite" restart="never" nodeType="tmRoot"/>
-      </p:par>
-    </p:tnLst>
-  </p:timing>
 </p:sld>
 </file>
 
@@ -5121,91 +4307,87 @@
             <p:ph type="title"/>
           </p:nvPr>
         </p:nvSpPr>
-        <p:spPr/>
-        <p:txBody>
-          <a:bodyPr/>
-          <a:lstStyle/>
-          <a:p>
-            <a:r>
-              <a:rPr lang="en-US" dirty="0" smtClean="0"/>
-              <a:t>Path to required data</a:t>
-            </a:r>
-            <a:endParaRPr lang="en-US" dirty="0"/>
-          </a:p>
-        </p:txBody>
-      </p:sp>
-      <p:sp>
-        <p:nvSpPr>
-          <p:cNvPr id="3" name="Content Placeholder 2"/>
-          <p:cNvSpPr>
-            <a:spLocks noGrp="1"/>
-          </p:cNvSpPr>
-          <p:nvPr>
-            <p:ph idx="1"/>
-          </p:nvPr>
-        </p:nvSpPr>
-        <p:spPr/>
+        <p:spPr>
+          <a:xfrm>
+            <a:off x="457200" y="274638"/>
+            <a:ext cx="8153400" cy="1630362"/>
+          </a:xfrm>
+        </p:spPr>
         <p:txBody>
           <a:bodyPr>
-            <a:normAutofit fontScale="77500" lnSpcReduction="20000"/>
+            <a:normAutofit fontScale="90000"/>
           </a:bodyPr>
           <a:lstStyle/>
           <a:p>
             <a:r>
-              <a:rPr lang="en-US" dirty="0" err="1" smtClean="0"/>
-              <a:t>interactionTypeGroup.interactionType.minConceptItem.rxcui</a:t>
-            </a:r>
-            <a:endParaRPr lang="en-US" dirty="0" smtClean="0"/>
-          </a:p>
-          <a:p>
-            <a:r>
-              <a:rPr lang="en-US" dirty="0" smtClean="0"/>
-              <a:t>interactionTypeGroup.interactionType.minConceptItem.name</a:t>
-            </a:r>
-          </a:p>
-          <a:p>
-            <a:r>
-              <a:rPr lang="en-US" dirty="0" smtClean="0"/>
-              <a:t>[</a:t>
-            </a:r>
-          </a:p>
-          <a:p>
-            <a:r>
-              <a:rPr lang="en-US" dirty="0" smtClean="0"/>
-              <a:t>interactionTypeGroup.interactionType.interactionPair.interactionConcept[1].</a:t>
-            </a:r>
-            <a:r>
-              <a:rPr lang="en-US" dirty="0" err="1" smtClean="0"/>
-              <a:t>minConceptItem.rxcui</a:t>
-            </a:r>
-            <a:endParaRPr lang="en-US" dirty="0" smtClean="0"/>
-          </a:p>
-          <a:p>
-            <a:r>
-              <a:rPr lang="en-US" dirty="0" smtClean="0"/>
-              <a:t>interactionTypeGroup.interactionType.interactionPair.interactionConcept[1].minConceptItem.name</a:t>
-            </a:r>
-          </a:p>
-          <a:p>
-            <a:r>
-              <a:rPr lang="en-US" dirty="0" err="1" smtClean="0"/>
-              <a:t>interactionTypeGroup.interactionType.interactionPair.severity</a:t>
-            </a:r>
-            <a:endParaRPr lang="en-US" dirty="0" smtClean="0"/>
-          </a:p>
-          <a:p>
-            <a:r>
-              <a:rPr lang="en-US" dirty="0" smtClean="0"/>
-              <a:t>interactionTypeGroup.interactionType.interactionPair.description]</a:t>
+              <a:rPr lang="en-US" dirty="0" smtClean="0"/>
+              <a:t>Build 1</a:t>
+            </a:r>
+            <a:r>
+              <a:rPr lang="en-US" baseline="30000" dirty="0" smtClean="0"/>
+              <a:t>st</a:t>
+            </a:r>
+            <a:r>
+              <a:rPr lang="en-US" dirty="0" smtClean="0"/>
+              <a:t> API request and get </a:t>
+            </a:r>
+            <a:r>
+              <a:rPr lang="en-US" dirty="0" err="1" smtClean="0"/>
+              <a:t>drugId</a:t>
+            </a:r>
+            <a:r>
+              <a:rPr lang="en-US" dirty="0" smtClean="0"/>
+              <a:t> from drug name, build 2d </a:t>
+            </a:r>
+            <a:r>
+              <a:rPr lang="en-US" dirty="0" err="1" smtClean="0"/>
+              <a:t>Api</a:t>
+            </a:r>
+            <a:r>
+              <a:rPr lang="en-US" dirty="0" smtClean="0"/>
+              <a:t> request from id </a:t>
+            </a:r>
+            <a:r>
+              <a:rPr lang="en-US" dirty="0" err="1" smtClean="0"/>
+              <a:t>recieved</a:t>
             </a:r>
             <a:endParaRPr lang="en-US" dirty="0"/>
           </a:p>
         </p:txBody>
       </p:sp>
+      <p:pic>
+        <p:nvPicPr>
+          <p:cNvPr id="4" name="Content Placeholder 3"/>
+          <p:cNvPicPr>
+            <a:picLocks noGrp="1" noChangeAspect="1"/>
+          </p:cNvPicPr>
+          <p:nvPr>
+            <p:ph idx="1"/>
+          </p:nvPr>
+        </p:nvPicPr>
+        <p:blipFill>
+          <a:blip r:embed="rId2">
+            <a:extLst>
+              <a:ext uri="{28A0092B-C50C-407E-A947-70E740481C1C}">
+                <a14:useLocalDpi xmlns:a14="http://schemas.microsoft.com/office/drawing/2010/main" val="0"/>
+              </a:ext>
+            </a:extLst>
+          </a:blip>
+          <a:stretch>
+            <a:fillRect/>
+          </a:stretch>
+        </p:blipFill>
+        <p:spPr>
+          <a:xfrm>
+            <a:off x="457200" y="2057493"/>
+            <a:ext cx="8229600" cy="3611377"/>
+          </a:xfrm>
+        </p:spPr>
+      </p:pic>
     </p:spTree>
     <p:extLst>
       <p:ext uri="{BB962C8B-B14F-4D97-AF65-F5344CB8AC3E}">
-        <p14:creationId xmlns:p14="http://schemas.microsoft.com/office/powerpoint/2010/main" val="2487884405"/>
+        <p14:creationId xmlns:p14="http://schemas.microsoft.com/office/powerpoint/2010/main" val="4176127726"/>
       </p:ext>
     </p:extLst>
   </p:cSld>
@@ -5242,337 +4424,81 @@
             <p:ph type="title"/>
           </p:nvPr>
         </p:nvSpPr>
-        <p:spPr/>
-        <p:txBody>
-          <a:bodyPr/>
-          <a:lstStyle/>
-          <a:p>
-            <a:r>
-              <a:rPr lang="en-US" dirty="0" smtClean="0"/>
-              <a:t>JOLT Specification</a:t>
-            </a:r>
-            <a:endParaRPr lang="en-US" dirty="0"/>
-          </a:p>
-        </p:txBody>
-      </p:sp>
-      <p:sp>
-        <p:nvSpPr>
-          <p:cNvPr id="3" name="Content Placeholder 2"/>
-          <p:cNvSpPr>
-            <a:spLocks noGrp="1"/>
-          </p:cNvSpPr>
-          <p:nvPr>
-            <p:ph idx="1"/>
-          </p:nvPr>
-        </p:nvSpPr>
         <p:spPr>
           <a:xfrm>
-            <a:off x="533400" y="1371600"/>
-            <a:ext cx="8229600" cy="4525963"/>
+            <a:off x="457200" y="274638"/>
+            <a:ext cx="8382000" cy="1401762"/>
           </a:xfrm>
         </p:spPr>
         <p:txBody>
           <a:bodyPr>
-            <a:noAutofit/>
+            <a:normAutofit fontScale="90000"/>
           </a:bodyPr>
           <a:lstStyle/>
           <a:p>
-            <a:pPr marL="0" indent="0">
-              <a:buNone/>
-            </a:pPr>
-            <a:r>
-              <a:rPr lang="en-US" sz="1200" dirty="0" smtClean="0"/>
-              <a:t>[{</a:t>
-            </a:r>
-          </a:p>
-          <a:p>
-            <a:pPr marL="0" indent="0">
-              <a:buNone/>
-            </a:pPr>
-            <a:r>
-              <a:rPr lang="en-US" sz="1200" dirty="0" smtClean="0"/>
-              <a:t>  "operation": "shift",</a:t>
-            </a:r>
-          </a:p>
-          <a:p>
-            <a:pPr marL="0" indent="0">
-              <a:buNone/>
-            </a:pPr>
-            <a:r>
-              <a:rPr lang="en-US" sz="1200" dirty="0" smtClean="0"/>
-              <a:t>  "spec": {</a:t>
-            </a:r>
-          </a:p>
-          <a:p>
-            <a:pPr marL="0" indent="0">
-              <a:buNone/>
-            </a:pPr>
-            <a:r>
-              <a:rPr lang="en-US" sz="1200" dirty="0" smtClean="0"/>
-              <a:t>    "</a:t>
-            </a:r>
-            <a:r>
-              <a:rPr lang="en-US" sz="1200" dirty="0" err="1" smtClean="0"/>
-              <a:t>interactionTypeGroup</a:t>
-            </a:r>
-            <a:r>
-              <a:rPr lang="en-US" sz="1200" dirty="0" smtClean="0"/>
-              <a:t>": {</a:t>
-            </a:r>
-          </a:p>
-          <a:p>
-            <a:pPr marL="0" indent="0">
-              <a:buNone/>
-            </a:pPr>
-            <a:r>
-              <a:rPr lang="en-US" sz="1200" dirty="0" smtClean="0"/>
-              <a:t>      "*": {</a:t>
-            </a:r>
-          </a:p>
-          <a:p>
-            <a:pPr marL="0" indent="0">
-              <a:buNone/>
-            </a:pPr>
-            <a:r>
-              <a:rPr lang="en-US" sz="1200" dirty="0" smtClean="0"/>
-              <a:t>        "</a:t>
-            </a:r>
-            <a:r>
-              <a:rPr lang="en-US" sz="1200" dirty="0" err="1" smtClean="0"/>
-              <a:t>interactionType</a:t>
-            </a:r>
-            <a:r>
-              <a:rPr lang="en-US" sz="1200" dirty="0" smtClean="0"/>
-              <a:t>": {</a:t>
-            </a:r>
-          </a:p>
-          <a:p>
-            <a:pPr marL="0" indent="0">
-              <a:buNone/>
-            </a:pPr>
-            <a:r>
-              <a:rPr lang="en-US" sz="1200" dirty="0" smtClean="0"/>
-              <a:t>          "*": {</a:t>
-            </a:r>
-          </a:p>
-          <a:p>
-            <a:pPr marL="0" indent="0">
-              <a:buNone/>
-            </a:pPr>
-            <a:r>
-              <a:rPr lang="en-US" sz="1200" dirty="0" smtClean="0"/>
-              <a:t>            "</a:t>
-            </a:r>
-            <a:r>
-              <a:rPr lang="en-US" sz="1200" dirty="0" err="1" smtClean="0"/>
-              <a:t>minConceptItem</a:t>
-            </a:r>
-            <a:r>
-              <a:rPr lang="en-US" sz="1200" dirty="0" smtClean="0"/>
-              <a:t>": {</a:t>
-            </a:r>
-          </a:p>
-          <a:p>
-            <a:pPr marL="0" indent="0">
-              <a:buNone/>
-            </a:pPr>
-            <a:r>
-              <a:rPr lang="en-US" sz="1200" dirty="0" smtClean="0"/>
-              <a:t>              "</a:t>
-            </a:r>
-            <a:r>
-              <a:rPr lang="en-US" sz="1200" dirty="0" err="1" smtClean="0"/>
-              <a:t>rxcui</a:t>
-            </a:r>
-            <a:r>
-              <a:rPr lang="en-US" sz="1200" dirty="0" smtClean="0"/>
-              <a:t>": "</a:t>
-            </a:r>
-            <a:r>
-              <a:rPr lang="en-US" sz="1200" dirty="0" err="1" smtClean="0"/>
-              <a:t>rxcui</a:t>
-            </a:r>
-            <a:r>
-              <a:rPr lang="en-US" sz="1200" dirty="0" smtClean="0"/>
-              <a:t>",</a:t>
-            </a:r>
-          </a:p>
-          <a:p>
-            <a:pPr marL="0" indent="0">
-              <a:buNone/>
-            </a:pPr>
-            <a:r>
-              <a:rPr lang="en-US" sz="1200" dirty="0" smtClean="0"/>
-              <a:t>              "name": "name"</a:t>
-            </a:r>
-          </a:p>
-          <a:p>
-            <a:pPr marL="0" indent="0">
-              <a:buNone/>
-            </a:pPr>
-            <a:r>
-              <a:rPr lang="en-US" sz="1200" dirty="0" smtClean="0"/>
-              <a:t>            },</a:t>
-            </a:r>
-          </a:p>
-          <a:p>
-            <a:pPr marL="0" indent="0">
-              <a:buNone/>
-            </a:pPr>
-            <a:r>
-              <a:rPr lang="en-US" sz="1200" dirty="0" smtClean="0"/>
-              <a:t>            "</a:t>
-            </a:r>
-            <a:r>
-              <a:rPr lang="en-US" sz="1200" dirty="0" err="1" smtClean="0"/>
-              <a:t>interactionPair</a:t>
-            </a:r>
-            <a:r>
-              <a:rPr lang="en-US" sz="1200" dirty="0" smtClean="0"/>
-              <a:t>": {</a:t>
-            </a:r>
-          </a:p>
-          <a:p>
-            <a:pPr marL="0" indent="0">
-              <a:buNone/>
-            </a:pPr>
-            <a:r>
-              <a:rPr lang="en-US" sz="1200" dirty="0" smtClean="0"/>
-              <a:t>              "*": {</a:t>
-            </a:r>
-          </a:p>
-          <a:p>
-            <a:pPr marL="0" indent="0">
-              <a:buNone/>
-            </a:pPr>
-            <a:r>
-              <a:rPr lang="en-US" sz="1200" dirty="0" smtClean="0"/>
-              <a:t>                "severity": "severity",</a:t>
-            </a:r>
-          </a:p>
-          <a:p>
-            <a:pPr marL="0" indent="0">
-              <a:buNone/>
-            </a:pPr>
-            <a:r>
-              <a:rPr lang="en-US" sz="1200" dirty="0" smtClean="0"/>
-              <a:t>                "description": "description",</a:t>
-            </a:r>
-          </a:p>
-          <a:p>
-            <a:pPr marL="0" indent="0">
-              <a:buNone/>
-            </a:pPr>
-            <a:r>
-              <a:rPr lang="en-US" sz="1200" dirty="0" smtClean="0"/>
-              <a:t>                "</a:t>
-            </a:r>
-            <a:r>
-              <a:rPr lang="en-US" sz="1200" dirty="0" err="1" smtClean="0"/>
-              <a:t>interactionConcept</a:t>
-            </a:r>
-            <a:r>
-              <a:rPr lang="en-US" sz="1200" dirty="0" smtClean="0"/>
-              <a:t>": {</a:t>
-            </a:r>
-          </a:p>
-          <a:p>
-            <a:pPr marL="0" indent="0">
-              <a:buNone/>
-            </a:pPr>
-            <a:r>
-              <a:rPr lang="en-US" sz="1200" dirty="0" smtClean="0"/>
-              <a:t>                  "*": {</a:t>
-            </a:r>
-          </a:p>
-          <a:p>
-            <a:pPr marL="0" indent="0">
-              <a:buNone/>
-            </a:pPr>
-            <a:r>
-              <a:rPr lang="en-US" sz="1200" dirty="0" smtClean="0"/>
-              <a:t>                    "</a:t>
-            </a:r>
-            <a:r>
-              <a:rPr lang="en-US" sz="1200" dirty="0" err="1" smtClean="0"/>
-              <a:t>minConceptItem</a:t>
-            </a:r>
-            <a:r>
-              <a:rPr lang="en-US" sz="1200" dirty="0" smtClean="0"/>
-              <a:t>": {</a:t>
-            </a:r>
-          </a:p>
-          <a:p>
-            <a:pPr marL="0" indent="0">
-              <a:buNone/>
-            </a:pPr>
-            <a:r>
-              <a:rPr lang="en-US" sz="1200" dirty="0" smtClean="0"/>
-              <a:t>                      "</a:t>
-            </a:r>
-            <a:r>
-              <a:rPr lang="en-US" sz="1200" dirty="0" err="1" smtClean="0"/>
-              <a:t>rxcui</a:t>
-            </a:r>
-            <a:r>
-              <a:rPr lang="en-US" sz="1200" dirty="0" smtClean="0"/>
-              <a:t>": "</a:t>
-            </a:r>
-            <a:r>
-              <a:rPr lang="en-US" sz="1200" dirty="0" err="1" smtClean="0"/>
-              <a:t>IdList</a:t>
-            </a:r>
-            <a:r>
-              <a:rPr lang="en-US" sz="1200" dirty="0" smtClean="0"/>
-              <a:t>",</a:t>
-            </a:r>
-          </a:p>
-          <a:p>
-            <a:pPr marL="0" indent="0">
-              <a:buNone/>
-            </a:pPr>
-            <a:r>
-              <a:rPr lang="en-US" sz="1200" dirty="0" smtClean="0"/>
-              <a:t>                      "name": "</a:t>
-            </a:r>
-            <a:r>
-              <a:rPr lang="en-US" sz="1200" dirty="0" err="1" smtClean="0"/>
-              <a:t>NameList</a:t>
-            </a:r>
-            <a:r>
-              <a:rPr lang="en-US" sz="1200" dirty="0" smtClean="0"/>
-              <a:t>"</a:t>
-            </a:r>
-          </a:p>
-          <a:p>
-            <a:pPr marL="0" indent="0">
-              <a:buNone/>
-            </a:pPr>
-            <a:r>
-              <a:rPr lang="en-US" sz="1200" dirty="0" smtClean="0"/>
-              <a:t>                    }           }         }      }          }          }   }      }    }  }}]</a:t>
-            </a:r>
-            <a:endParaRPr lang="en-US" sz="1200" dirty="0"/>
-          </a:p>
-        </p:txBody>
-      </p:sp>
+            <a:r>
+              <a:rPr lang="en-US" dirty="0" smtClean="0"/>
+              <a:t>2d </a:t>
+            </a:r>
+            <a:r>
+              <a:rPr lang="en-US" dirty="0" err="1" smtClean="0"/>
+              <a:t>api</a:t>
+            </a:r>
+            <a:r>
+              <a:rPr lang="en-US" dirty="0" smtClean="0"/>
+              <a:t> call for get drug interaction, Re4sult data transformation, </a:t>
+            </a:r>
+            <a:r>
+              <a:rPr lang="en-US" dirty="0" err="1" smtClean="0"/>
+              <a:t>kafka</a:t>
+            </a:r>
+            <a:r>
+              <a:rPr lang="en-US" dirty="0" smtClean="0"/>
+              <a:t> producer send result </a:t>
+            </a:r>
+            <a:endParaRPr lang="en-US" dirty="0"/>
+          </a:p>
+        </p:txBody>
+      </p:sp>
+      <p:pic>
+        <p:nvPicPr>
+          <p:cNvPr id="4" name="Content Placeholder 3"/>
+          <p:cNvPicPr>
+            <a:picLocks noGrp="1" noChangeAspect="1"/>
+          </p:cNvPicPr>
+          <p:nvPr>
+            <p:ph idx="1"/>
+          </p:nvPr>
+        </p:nvPicPr>
+        <p:blipFill>
+          <a:blip r:embed="rId2">
+            <a:extLst>
+              <a:ext uri="{28A0092B-C50C-407E-A947-70E740481C1C}">
+                <a14:useLocalDpi xmlns:a14="http://schemas.microsoft.com/office/drawing/2010/main" val="0"/>
+              </a:ext>
+            </a:extLst>
+          </a:blip>
+          <a:stretch>
+            <a:fillRect/>
+          </a:stretch>
+        </p:blipFill>
+        <p:spPr>
+          <a:xfrm>
+            <a:off x="533400" y="1981200"/>
+            <a:ext cx="8134823" cy="4525963"/>
+          </a:xfrm>
+        </p:spPr>
+      </p:pic>
     </p:spTree>
     <p:extLst>
       <p:ext uri="{BB962C8B-B14F-4D97-AF65-F5344CB8AC3E}">
-        <p14:creationId xmlns:p14="http://schemas.microsoft.com/office/powerpoint/2010/main" val="193232357"/>
+        <p14:creationId xmlns:p14="http://schemas.microsoft.com/office/powerpoint/2010/main" val="1305806393"/>
       </p:ext>
     </p:extLst>
   </p:cSld>
   <p:clrMapOvr>
     <a:masterClrMapping/>
   </p:clrMapOvr>
-  <p:timing>
-    <p:tnLst>
-      <p:par>
-        <p:cTn id="1" dur="indefinite" restart="never" nodeType="tmRoot"/>
-      </p:par>
-    </p:tnLst>
-  </p:timing>
 </p:sld>
 </file>
 
@@ -5610,7 +4536,7 @@
           <a:p>
             <a:r>
               <a:rPr lang="en-US" dirty="0" smtClean="0"/>
-              <a:t>Result producer data</a:t>
+              <a:t>API Result</a:t>
             </a:r>
             <a:endParaRPr lang="en-US" dirty="0"/>
           </a:p>
@@ -5629,216 +4555,846 @@
         <p:spPr/>
         <p:txBody>
           <a:bodyPr>
-            <a:normAutofit fontScale="70000" lnSpcReduction="20000"/>
+            <a:normAutofit fontScale="25000" lnSpcReduction="20000"/>
           </a:bodyPr>
           <a:lstStyle/>
           <a:p>
-            <a:pPr marL="0" indent="0">
-              <a:buNone/>
-            </a:pPr>
-            <a:r>
-              <a:rPr lang="en-US" dirty="0" smtClean="0"/>
-              <a:t>{</a:t>
-            </a:r>
-          </a:p>
-          <a:p>
-            <a:pPr marL="0" indent="0">
-              <a:buNone/>
-            </a:pPr>
-            <a:r>
-              <a:rPr lang="en-US" dirty="0" smtClean="0"/>
-              <a:t>  "</a:t>
-            </a:r>
-            <a:r>
-              <a:rPr lang="en-US" dirty="0" err="1" smtClean="0"/>
-              <a:t>rxcui</a:t>
-            </a:r>
-            <a:r>
-              <a:rPr lang="en-US" dirty="0" smtClean="0"/>
-              <a:t>" : "88014",</a:t>
-            </a:r>
-          </a:p>
-          <a:p>
-            <a:pPr marL="0" indent="0">
-              <a:buNone/>
-            </a:pPr>
-            <a:r>
-              <a:rPr lang="en-US" dirty="0" smtClean="0"/>
-              <a:t>  "name" : "</a:t>
-            </a:r>
-            <a:r>
-              <a:rPr lang="en-US" dirty="0" err="1" smtClean="0"/>
-              <a:t>rizatriptan</a:t>
-            </a:r>
-            <a:r>
-              <a:rPr lang="en-US" dirty="0" smtClean="0"/>
-              <a:t>",</a:t>
-            </a:r>
-          </a:p>
-          <a:p>
-            <a:pPr marL="0" indent="0">
-              <a:buNone/>
-            </a:pPr>
-            <a:r>
-              <a:rPr lang="en-US" dirty="0" smtClean="0"/>
-              <a:t>  "severity" : [ "high", "high", "high", "high", "high" ],</a:t>
-            </a:r>
-          </a:p>
-          <a:p>
-            <a:pPr marL="0" indent="0">
-              <a:buNone/>
-            </a:pPr>
-            <a:r>
-              <a:rPr lang="en-US" dirty="0" smtClean="0"/>
-              <a:t>  "description" : [ "</a:t>
-            </a:r>
-            <a:r>
-              <a:rPr lang="en-US" dirty="0" err="1" smtClean="0"/>
-              <a:t>Triptans</a:t>
-            </a:r>
-            <a:r>
-              <a:rPr lang="en-US" dirty="0" smtClean="0"/>
-              <a:t> - monoamine oxidase (MAO) inhibitors", "</a:t>
-            </a:r>
-            <a:r>
-              <a:rPr lang="en-US" dirty="0" err="1" smtClean="0"/>
-              <a:t>Triptans</a:t>
-            </a:r>
-            <a:r>
-              <a:rPr lang="en-US" dirty="0" smtClean="0"/>
-              <a:t> - monoamine oxidase (MAO) inhibitors", "</a:t>
-            </a:r>
-            <a:r>
-              <a:rPr lang="en-US" dirty="0" err="1" smtClean="0"/>
-              <a:t>Triptans</a:t>
-            </a:r>
-            <a:r>
-              <a:rPr lang="en-US" dirty="0" smtClean="0"/>
-              <a:t> - monoamine oxidase (MAO) inhibitors", "</a:t>
-            </a:r>
-            <a:r>
-              <a:rPr lang="en-US" dirty="0" err="1" smtClean="0"/>
-              <a:t>Triptans</a:t>
-            </a:r>
-            <a:r>
-              <a:rPr lang="en-US" dirty="0" smtClean="0"/>
-              <a:t> - monoamine oxidase (MAO) inhibitors", "</a:t>
-            </a:r>
-            <a:r>
-              <a:rPr lang="en-US" dirty="0" err="1" smtClean="0"/>
-              <a:t>Triptans</a:t>
-            </a:r>
-            <a:r>
-              <a:rPr lang="en-US" dirty="0" smtClean="0"/>
-              <a:t> - monoamine oxidase (MAO) inhibitors" ],</a:t>
-            </a:r>
-          </a:p>
-          <a:p>
-            <a:pPr marL="0" indent="0">
-              <a:buNone/>
-            </a:pPr>
-            <a:r>
-              <a:rPr lang="en-US" dirty="0" smtClean="0"/>
-              <a:t>  "</a:t>
-            </a:r>
-            <a:r>
-              <a:rPr lang="en-US" dirty="0" err="1" smtClean="0"/>
-              <a:t>IdList</a:t>
-            </a:r>
-            <a:r>
-              <a:rPr lang="en-US" dirty="0" smtClean="0"/>
-              <a:t>" : [ "88014", "10734", "88014", "30121", "88014", "6011", "88014", "6878", "88014", "8123" ],</a:t>
-            </a:r>
-          </a:p>
-          <a:p>
-            <a:pPr marL="0" indent="0">
-              <a:buNone/>
-            </a:pPr>
-            <a:r>
-              <a:rPr lang="en-US" dirty="0" smtClean="0"/>
-              <a:t>  "</a:t>
-            </a:r>
-            <a:r>
-              <a:rPr lang="en-US" dirty="0" err="1" smtClean="0"/>
-              <a:t>NameList</a:t>
-            </a:r>
-            <a:r>
-              <a:rPr lang="en-US" dirty="0" smtClean="0"/>
-              <a:t>" : [ "</a:t>
-            </a:r>
-            <a:r>
-              <a:rPr lang="en-US" dirty="0" err="1" smtClean="0"/>
-              <a:t>rizatriptan</a:t>
-            </a:r>
-            <a:r>
-              <a:rPr lang="en-US" dirty="0" smtClean="0"/>
-              <a:t>", "tranylcypromine", "</a:t>
-            </a:r>
-            <a:r>
-              <a:rPr lang="en-US" dirty="0" err="1" smtClean="0"/>
-              <a:t>rizatriptan</a:t>
-            </a:r>
-            <a:r>
-              <a:rPr lang="en-US" dirty="0" smtClean="0"/>
-              <a:t>", "</a:t>
-            </a:r>
-            <a:r>
-              <a:rPr lang="en-US" dirty="0" err="1" smtClean="0"/>
-              <a:t>moclobemide</a:t>
-            </a:r>
-            <a:r>
-              <a:rPr lang="en-US" dirty="0" smtClean="0"/>
-              <a:t>", "</a:t>
-            </a:r>
-            <a:r>
-              <a:rPr lang="en-US" dirty="0" err="1" smtClean="0"/>
-              <a:t>rizatriptan</a:t>
-            </a:r>
-            <a:r>
-              <a:rPr lang="en-US" dirty="0" smtClean="0"/>
-              <a:t>", "</a:t>
-            </a:r>
-            <a:r>
-              <a:rPr lang="en-US" dirty="0" err="1" smtClean="0"/>
-              <a:t>isocarboxazid</a:t>
-            </a:r>
-            <a:r>
-              <a:rPr lang="en-US" dirty="0" smtClean="0"/>
-              <a:t>", "</a:t>
-            </a:r>
-            <a:r>
-              <a:rPr lang="en-US" dirty="0" err="1" smtClean="0"/>
-              <a:t>rizatriptan</a:t>
-            </a:r>
-            <a:r>
-              <a:rPr lang="en-US" dirty="0" smtClean="0"/>
-              <a:t>", "methylene blue", "</a:t>
-            </a:r>
-            <a:r>
-              <a:rPr lang="en-US" dirty="0" err="1" smtClean="0"/>
-              <a:t>rizatriptan</a:t>
-            </a:r>
-            <a:r>
-              <a:rPr lang="en-US" dirty="0" smtClean="0"/>
-              <a:t>", "</a:t>
-            </a:r>
-            <a:r>
-              <a:rPr lang="en-US" dirty="0" err="1" smtClean="0"/>
-              <a:t>phenelzine</a:t>
-            </a:r>
-            <a:r>
-              <a:rPr lang="en-US" dirty="0" smtClean="0"/>
-              <a:t>" ]</a:t>
-            </a:r>
-          </a:p>
-          <a:p>
-            <a:pPr marL="0" indent="0">
-              <a:buNone/>
-            </a:pPr>
-            <a:r>
-              <a:rPr lang="en-US" dirty="0" smtClean="0"/>
-              <a:t>}</a:t>
-            </a:r>
+            <a:r>
+              <a:rPr lang="en-US" sz="5600" b="1" dirty="0" smtClean="0"/>
+              <a:t>Large and not useful file format. The example saved in </a:t>
+            </a:r>
+            <a:r>
+              <a:rPr lang="en-US" sz="5600" b="1" dirty="0" err="1" smtClean="0"/>
+              <a:t>github</a:t>
+            </a:r>
+            <a:endParaRPr lang="en-US" sz="5600" b="1" dirty="0" smtClean="0"/>
+          </a:p>
+          <a:p>
+            <a:r>
+              <a:rPr lang="en-US" sz="5600" b="1" dirty="0" smtClean="0">
+                <a:hlinkClick r:id="rId2"/>
+              </a:rPr>
+              <a:t>https://github.com/katkovOlga/nayaProject/blob/main/Dr_dr_Out.txt</a:t>
+            </a:r>
+            <a:endParaRPr lang="en-US" sz="5600" b="1" dirty="0" smtClean="0"/>
+          </a:p>
+          <a:p>
+            <a:r>
+              <a:rPr lang="en-US" sz="5600" b="1" dirty="0" smtClean="0"/>
+              <a:t>It seems so, followed part of </a:t>
+            </a:r>
+            <a:r>
+              <a:rPr lang="en-US" sz="5600" b="1" dirty="0" err="1" smtClean="0"/>
+              <a:t>api</a:t>
+            </a:r>
+            <a:r>
+              <a:rPr lang="en-US" sz="5600" b="1" dirty="0" smtClean="0"/>
+              <a:t> result:</a:t>
+            </a:r>
+          </a:p>
+          <a:p>
+            <a:endParaRPr lang="en-US" dirty="0"/>
+          </a:p>
+          <a:p>
+            <a:r>
+              <a:rPr lang="en-US" dirty="0" smtClean="0"/>
+              <a:t>{"</a:t>
+            </a:r>
+            <a:r>
+              <a:rPr lang="en-US" dirty="0" err="1" smtClean="0"/>
+              <a:t>nlmDisclaimer</a:t>
+            </a:r>
+            <a:r>
+              <a:rPr lang="en-US" dirty="0" smtClean="0"/>
+              <a:t>":"It is not the intention of NLM to provide specific medical advice, but rather to provide users with information to better understand their health and their medications. NLM urges you to consult with a qualified physician for advice about medications.","</a:t>
+            </a:r>
+            <a:r>
+              <a:rPr lang="en-US" dirty="0" err="1" smtClean="0"/>
+              <a:t>interactionTypeGroup</a:t>
+            </a:r>
+            <a:r>
+              <a:rPr lang="en-US" dirty="0" smtClean="0"/>
+              <a:t>":[{"</a:t>
+            </a:r>
+            <a:r>
+              <a:rPr lang="en-US" dirty="0" err="1" smtClean="0"/>
+              <a:t>sourceDisclaimer</a:t>
+            </a:r>
+            <a:r>
+              <a:rPr lang="en-US" dirty="0" smtClean="0"/>
+              <a:t>":"</a:t>
+            </a:r>
+            <a:r>
+              <a:rPr lang="en-US" dirty="0" err="1" smtClean="0"/>
+              <a:t>DrugBank</a:t>
+            </a:r>
+            <a:r>
+              <a:rPr lang="en-US" dirty="0" smtClean="0"/>
+              <a:t> is intended for educational and scientific research purposes only and you expressly acknowledge and agree that use of </a:t>
+            </a:r>
+            <a:r>
+              <a:rPr lang="en-US" dirty="0" err="1" smtClean="0"/>
+              <a:t>DrugBank</a:t>
+            </a:r>
+            <a:r>
+              <a:rPr lang="en-US" dirty="0" smtClean="0"/>
+              <a:t> is at your sole risk. The accuracy of </a:t>
+            </a:r>
+            <a:r>
+              <a:rPr lang="en-US" dirty="0" err="1" smtClean="0"/>
+              <a:t>DrugBank</a:t>
+            </a:r>
+            <a:r>
+              <a:rPr lang="en-US" dirty="0" smtClean="0"/>
+              <a:t> information is not guaranteed and reliance on </a:t>
+            </a:r>
+            <a:r>
+              <a:rPr lang="en-US" dirty="0" err="1" smtClean="0"/>
+              <a:t>DrugBank</a:t>
+            </a:r>
+            <a:r>
+              <a:rPr lang="en-US" dirty="0" smtClean="0"/>
+              <a:t> shall be at your sole risk. </a:t>
+            </a:r>
+            <a:r>
+              <a:rPr lang="en-US" dirty="0" err="1" smtClean="0"/>
+              <a:t>DrugBank</a:t>
+            </a:r>
+            <a:r>
+              <a:rPr lang="en-US" dirty="0" smtClean="0"/>
+              <a:t> is not intended as a substitute for professional medical advice, diagnosis or treatment..[www.drugbank.ca]","sourceName":"DrugBank","interactionType":[{"comment":"aspirin (1191) is resolved to aspirin (1191)","</a:t>
+            </a:r>
+            <a:r>
+              <a:rPr lang="en-US" dirty="0" err="1" smtClean="0"/>
+              <a:t>minConceptItem</a:t>
+            </a:r>
+            <a:r>
+              <a:rPr lang="en-US" dirty="0" smtClean="0"/>
+              <a:t>":{"rxcui":"1191","name":"aspirin","tty":"IN"},"</a:t>
+            </a:r>
+            <a:r>
+              <a:rPr lang="en-US" dirty="0" err="1" smtClean="0"/>
+              <a:t>interactionPair</a:t>
+            </a:r>
+            <a:r>
+              <a:rPr lang="en-US" dirty="0" smtClean="0"/>
+              <a:t>":[{"</a:t>
+            </a:r>
+            <a:r>
+              <a:rPr lang="en-US" dirty="0" err="1" smtClean="0"/>
+              <a:t>interactionConcept</a:t>
+            </a:r>
+            <a:r>
+              <a:rPr lang="en-US" dirty="0" smtClean="0"/>
+              <a:t>":[{"</a:t>
+            </a:r>
+            <a:r>
+              <a:rPr lang="en-US" dirty="0" err="1" smtClean="0"/>
+              <a:t>minConceptItem</a:t>
+            </a:r>
+            <a:r>
+              <a:rPr lang="en-US" dirty="0" smtClean="0"/>
+              <a:t>":{"rxcui":"1191","name":"aspirin","tty":"IN"},"</a:t>
+            </a:r>
+            <a:r>
+              <a:rPr lang="en-US" dirty="0" err="1" smtClean="0"/>
+              <a:t>sourceConceptItem</a:t>
+            </a:r>
+            <a:r>
+              <a:rPr lang="en-US" dirty="0" smtClean="0"/>
+              <a:t>":{"id":"DB00945","name":"Acetylsalicylic acid","</a:t>
+            </a:r>
+            <a:r>
+              <a:rPr lang="en-US" dirty="0" err="1" smtClean="0"/>
+              <a:t>url</a:t>
+            </a:r>
+            <a:r>
+              <a:rPr lang="en-US" dirty="0" smtClean="0"/>
+              <a:t>":"https://go.drugbank.com/drugs/DB00945#interactions"}},{"</a:t>
+            </a:r>
+            <a:r>
+              <a:rPr lang="en-US" dirty="0" err="1" smtClean="0"/>
+              <a:t>minConceptItem</a:t>
+            </a:r>
+            <a:r>
+              <a:rPr lang="en-US" dirty="0" smtClean="0"/>
+              <a:t>":{"rxcui":"1000492","name":"resveratrol","tty":"IN"},"</a:t>
+            </a:r>
+            <a:r>
+              <a:rPr lang="en-US" dirty="0" err="1" smtClean="0"/>
+              <a:t>sourceConceptItem</a:t>
+            </a:r>
+            <a:r>
+              <a:rPr lang="en-US" dirty="0" smtClean="0"/>
+              <a:t>":{"id":"DB02709","name":"Resveratrol","url":"https://go.drugbank.com/drugs/DB02709#interactions"}}],"</a:t>
+            </a:r>
+            <a:r>
+              <a:rPr lang="en-US" dirty="0" err="1" smtClean="0"/>
+              <a:t>severity":"N</a:t>
+            </a:r>
+            <a:r>
+              <a:rPr lang="en-US" dirty="0" smtClean="0"/>
+              <a:t>/</a:t>
+            </a:r>
+            <a:r>
+              <a:rPr lang="en-US" dirty="0" err="1" smtClean="0"/>
+              <a:t>A","description":"Acetylsalicylic</a:t>
+            </a:r>
+            <a:r>
+              <a:rPr lang="en-US" dirty="0" smtClean="0"/>
+              <a:t> acid may increase the antiplatelet activities of Resveratrol."},{"</a:t>
+            </a:r>
+            <a:r>
+              <a:rPr lang="en-US" dirty="0" err="1" smtClean="0"/>
+              <a:t>interactionConcept</a:t>
+            </a:r>
+            <a:r>
+              <a:rPr lang="en-US" dirty="0" smtClean="0"/>
+              <a:t>":[{"</a:t>
+            </a:r>
+            <a:r>
+              <a:rPr lang="en-US" dirty="0" err="1" smtClean="0"/>
+              <a:t>minConceptItem</a:t>
+            </a:r>
+            <a:r>
+              <a:rPr lang="en-US" dirty="0" smtClean="0"/>
+              <a:t>":{"rxcui":"1191","name":"aspirin","tty":"IN"},"</a:t>
+            </a:r>
+            <a:r>
+              <a:rPr lang="en-US" dirty="0" err="1" smtClean="0"/>
+              <a:t>sourceConceptItem</a:t>
+            </a:r>
+            <a:r>
+              <a:rPr lang="en-US" dirty="0" smtClean="0"/>
+              <a:t>":{"id":"DB00945","name":"Acetylsalicylic acid","</a:t>
+            </a:r>
+            <a:r>
+              <a:rPr lang="en-US" dirty="0" err="1" smtClean="0"/>
+              <a:t>url</a:t>
+            </a:r>
+            <a:r>
+              <a:rPr lang="en-US" dirty="0" smtClean="0"/>
+              <a:t>":"https://go.drugbank.com/drugs/DB00945#interactions"}},{"</a:t>
+            </a:r>
+            <a:r>
+              <a:rPr lang="en-US" dirty="0" err="1" smtClean="0"/>
+              <a:t>minConceptItem</a:t>
+            </a:r>
+            <a:r>
+              <a:rPr lang="en-US" dirty="0" smtClean="0"/>
+              <a:t>":{"rxcui":"1001","name":"antipyrine","tty":"IN"},"</a:t>
+            </a:r>
+            <a:r>
+              <a:rPr lang="en-US" dirty="0" err="1" smtClean="0"/>
+              <a:t>sourceConceptItem</a:t>
+            </a:r>
+            <a:r>
+              <a:rPr lang="en-US" dirty="0" smtClean="0"/>
+              <a:t>":{"id":"DB01435","name":"Antipyrine","url":"https://go.drugbank.com/drugs/DB01435#interactions"}}],"</a:t>
+            </a:r>
+            <a:r>
+              <a:rPr lang="en-US" dirty="0" err="1" smtClean="0"/>
+              <a:t>severity":"N</a:t>
+            </a:r>
+            <a:r>
+              <a:rPr lang="en-US" dirty="0" smtClean="0"/>
+              <a:t>/</a:t>
+            </a:r>
+            <a:r>
+              <a:rPr lang="en-US" dirty="0" err="1" smtClean="0"/>
+              <a:t>A","description":"The</a:t>
+            </a:r>
+            <a:r>
+              <a:rPr lang="en-US" dirty="0" smtClean="0"/>
+              <a:t> therapeutic efficacy of Acetylsalicylic acid can be decreased when used in combination with </a:t>
+            </a:r>
+            <a:r>
+              <a:rPr lang="en-US" dirty="0" err="1" smtClean="0"/>
+              <a:t>Antipyrine</a:t>
+            </a:r>
+            <a:r>
+              <a:rPr lang="en-US" dirty="0" smtClean="0"/>
+              <a:t>."},{"</a:t>
+            </a:r>
+            <a:r>
+              <a:rPr lang="en-US" dirty="0" err="1" smtClean="0"/>
+              <a:t>interactionConcept</a:t>
+            </a:r>
+            <a:r>
+              <a:rPr lang="en-US" dirty="0" smtClean="0"/>
+              <a:t>":[{"</a:t>
+            </a:r>
+            <a:r>
+              <a:rPr lang="en-US" dirty="0" err="1" smtClean="0"/>
+              <a:t>minConceptItem</a:t>
+            </a:r>
+            <a:r>
+              <a:rPr lang="en-US" dirty="0" smtClean="0"/>
+              <a:t>":{"rxcui":"1191","name":"aspirin","tty":"IN"},"</a:t>
+            </a:r>
+            <a:r>
+              <a:rPr lang="en-US" dirty="0" err="1" smtClean="0"/>
+              <a:t>sourceConceptItem</a:t>
+            </a:r>
+            <a:r>
+              <a:rPr lang="en-US" dirty="0" smtClean="0"/>
+              <a:t>":{"id":"DB00945","name":"Acetylsalicylic acid","</a:t>
+            </a:r>
+            <a:r>
+              <a:rPr lang="en-US" dirty="0" err="1" smtClean="0"/>
+              <a:t>url</a:t>
+            </a:r>
+            <a:r>
+              <a:rPr lang="en-US" dirty="0" smtClean="0"/>
+              <a:t>":"https://go.drugbank.com/drugs/DB00945#interactions"}},{"</a:t>
+            </a:r>
+            <a:r>
+              <a:rPr lang="en-US" dirty="0" err="1" smtClean="0"/>
+              <a:t>minConceptItem</a:t>
+            </a:r>
+            <a:r>
+              <a:rPr lang="en-US" dirty="0" smtClean="0"/>
+              <a:t>":{"rxcui":"1005911","name":"influenza virus vaccine, live attenuated, A-Perth-16-2009 (H3N2) strain","</a:t>
+            </a:r>
+            <a:r>
+              <a:rPr lang="en-US" dirty="0" err="1" smtClean="0"/>
+              <a:t>tty</a:t>
+            </a:r>
+            <a:r>
+              <a:rPr lang="en-US" dirty="0" smtClean="0"/>
+              <a:t>":"IN"},"</a:t>
+            </a:r>
+            <a:r>
+              <a:rPr lang="en-US" dirty="0" err="1" smtClean="0"/>
+              <a:t>sourceConceptItem</a:t>
+            </a:r>
+            <a:r>
+              <a:rPr lang="en-US" dirty="0" smtClean="0"/>
+              <a:t>":{"id":"DB14449","name":"Influenza A virus A/Perth/16/2009 (H3N2) live (attenuated) antigen","</a:t>
+            </a:r>
+            <a:r>
+              <a:rPr lang="en-US" dirty="0" err="1" smtClean="0"/>
+              <a:t>url</a:t>
+            </a:r>
+            <a:r>
+              <a:rPr lang="en-US" dirty="0" smtClean="0"/>
+              <a:t>":"https://go.drugbank.com/drugs/DB14449#interactions"}}],"</a:t>
+            </a:r>
+            <a:r>
+              <a:rPr lang="en-US" dirty="0" err="1" smtClean="0"/>
+              <a:t>severity":"N</a:t>
+            </a:r>
+            <a:r>
+              <a:rPr lang="en-US" dirty="0" smtClean="0"/>
+              <a:t>/</a:t>
+            </a:r>
+            <a:r>
+              <a:rPr lang="en-US" dirty="0" err="1" smtClean="0"/>
+              <a:t>A","description":"The</a:t>
+            </a:r>
+            <a:r>
+              <a:rPr lang="en-US" dirty="0" smtClean="0"/>
+              <a:t> risk or severity of adverse effects can be increased when Influenza A virus A/Perth/16/2009 (H3N2) live (attenuated) antigen is combined with Acetylsalicylic acid."},{"</a:t>
+            </a:r>
+            <a:r>
+              <a:rPr lang="en-US" dirty="0" err="1" smtClean="0"/>
+              <a:t>interactionConcept</a:t>
+            </a:r>
+            <a:r>
+              <a:rPr lang="en-US" dirty="0" smtClean="0"/>
+              <a:t>":[{"</a:t>
+            </a:r>
+            <a:r>
+              <a:rPr lang="en-US" dirty="0" err="1" smtClean="0"/>
+              <a:t>minConceptItem</a:t>
+            </a:r>
+            <a:r>
+              <a:rPr lang="en-US" dirty="0" smtClean="0"/>
+              <a:t>":{"rxcui":"1191","name":"aspirin","tty":"IN"},"</a:t>
+            </a:r>
+            <a:r>
+              <a:rPr lang="en-US" dirty="0" err="1" smtClean="0"/>
+              <a:t>sourceConceptItem</a:t>
+            </a:r>
+            <a:r>
+              <a:rPr lang="en-US" dirty="0" smtClean="0"/>
+              <a:t>":{"id":"DB00945","name":"Acetylsalicylic acid","</a:t>
+            </a:r>
+            <a:r>
+              <a:rPr lang="en-US" dirty="0" err="1" smtClean="0"/>
+              <a:t>url</a:t>
+            </a:r>
+            <a:r>
+              <a:rPr lang="en-US" dirty="0" smtClean="0"/>
+              <a:t>":"https://go.drugbank.com/drugs/DB00945#interactions"}},{"</a:t>
+            </a:r>
+            <a:r>
+              <a:rPr lang="en-US" dirty="0" err="1" smtClean="0"/>
+              <a:t>minConceptItem</a:t>
+            </a:r>
+            <a:r>
+              <a:rPr lang="en-US" dirty="0" smtClean="0"/>
+              <a:t>":{"rxcui":"1006469","name":"doconexent","tty":"IN"},"</a:t>
+            </a:r>
+            <a:r>
+              <a:rPr lang="en-US" dirty="0" err="1" smtClean="0"/>
+              <a:t>sourceConceptItem</a:t>
+            </a:r>
+            <a:r>
+              <a:rPr lang="en-US" dirty="0" smtClean="0"/>
+              <a:t>":{"id":"DB03756","name":"Doconexent","url":"https://go.drugbank.com/drugs/DB03756#interactions"}}],"</a:t>
+            </a:r>
+            <a:r>
+              <a:rPr lang="en-US" dirty="0" err="1" smtClean="0"/>
+              <a:t>severity":"N</a:t>
+            </a:r>
+            <a:r>
+              <a:rPr lang="en-US" dirty="0" smtClean="0"/>
+              <a:t>/</a:t>
+            </a:r>
+            <a:r>
+              <a:rPr lang="en-US" dirty="0" err="1" smtClean="0"/>
+              <a:t>A","description":"The</a:t>
+            </a:r>
+            <a:r>
+              <a:rPr lang="en-US" dirty="0" smtClean="0"/>
+              <a:t> metabolism of Acetylsalicylic acid can be decreased when combined with </a:t>
+            </a:r>
+            <a:r>
+              <a:rPr lang="en-US" dirty="0" err="1" smtClean="0"/>
+              <a:t>Doconexent</a:t>
+            </a:r>
+            <a:r>
+              <a:rPr lang="en-US" dirty="0" smtClean="0"/>
+              <a:t>."},{"</a:t>
+            </a:r>
+            <a:r>
+              <a:rPr lang="en-US" dirty="0" err="1" smtClean="0"/>
+              <a:t>interactionConcept</a:t>
+            </a:r>
+            <a:r>
+              <a:rPr lang="en-US" dirty="0" smtClean="0"/>
+              <a:t>":[{"</a:t>
+            </a:r>
+            <a:r>
+              <a:rPr lang="en-US" dirty="0" err="1" smtClean="0"/>
+              <a:t>minConceptItem</a:t>
+            </a:r>
+            <a:r>
+              <a:rPr lang="en-US" dirty="0" smtClean="0"/>
+              <a:t>":{"rxcui":"1191","name":"aspirin","tty":"IN"},"</a:t>
+            </a:r>
+            <a:r>
+              <a:rPr lang="en-US" dirty="0" err="1" smtClean="0"/>
+              <a:t>sourceConceptItem</a:t>
+            </a:r>
+            <a:r>
+              <a:rPr lang="en-US" dirty="0" smtClean="0"/>
+              <a:t>":{"id":"DB00945","name":"Acetylsalicylic acid","</a:t>
+            </a:r>
+            <a:r>
+              <a:rPr lang="en-US" dirty="0" err="1" smtClean="0"/>
+              <a:t>url</a:t>
+            </a:r>
+            <a:r>
+              <a:rPr lang="en-US" dirty="0" smtClean="0"/>
+              <a:t>":"https://go.drugbank.com/drugs/DB00945#interactions"}},{"</a:t>
+            </a:r>
+            <a:r>
+              <a:rPr lang="en-US" dirty="0" err="1" smtClean="0"/>
+              <a:t>minConceptItem</a:t>
+            </a:r>
+            <a:r>
+              <a:rPr lang="en-US" dirty="0" smtClean="0"/>
+              <a:t>":{"rxcui":"1009","name":"antithrombin III","</a:t>
+            </a:r>
+            <a:r>
+              <a:rPr lang="en-US" dirty="0" err="1" smtClean="0"/>
+              <a:t>tty</a:t>
+            </a:r>
+            <a:r>
+              <a:rPr lang="en-US" dirty="0" smtClean="0"/>
+              <a:t>":"IN"},"</a:t>
+            </a:r>
+            <a:r>
+              <a:rPr lang="en-US" dirty="0" err="1" smtClean="0"/>
+              <a:t>sourceConceptItem</a:t>
+            </a:r>
+            <a:r>
+              <a:rPr lang="en-US" dirty="0" smtClean="0"/>
+              <a:t>":{"id":"DB11598","name":"Antithrombin III human","</a:t>
+            </a:r>
+            <a:r>
+              <a:rPr lang="en-US" dirty="0" err="1" smtClean="0"/>
+              <a:t>url</a:t>
+            </a:r>
+            <a:r>
+              <a:rPr lang="en-US" dirty="0" smtClean="0"/>
+              <a:t>":"https://go.drugbank.com/drugs/DB11598#interactions"}}],"</a:t>
+            </a:r>
+            <a:r>
+              <a:rPr lang="en-US" dirty="0" err="1" smtClean="0"/>
+              <a:t>severity":"N</a:t>
+            </a:r>
+            <a:r>
+              <a:rPr lang="en-US" dirty="0" smtClean="0"/>
+              <a:t>/</a:t>
+            </a:r>
+            <a:r>
+              <a:rPr lang="en-US" dirty="0" err="1" smtClean="0"/>
+              <a:t>A","description":"Acetylsalicylic</a:t>
+            </a:r>
+            <a:r>
+              <a:rPr lang="en-US" dirty="0" smtClean="0"/>
+              <a:t> acid may increase the anticoagulant activities of </a:t>
+            </a:r>
+            <a:r>
+              <a:rPr lang="en-US" dirty="0" err="1" smtClean="0"/>
+              <a:t>Antithrombin</a:t>
+            </a:r>
+            <a:r>
+              <a:rPr lang="en-US" dirty="0" smtClean="0"/>
+              <a:t> III human."},{"</a:t>
+            </a:r>
+            <a:r>
+              <a:rPr lang="en-US" dirty="0" err="1" smtClean="0"/>
+              <a:t>interactionConcept</a:t>
+            </a:r>
+            <a:r>
+              <a:rPr lang="en-US" dirty="0" smtClean="0"/>
+              <a:t>":[{"</a:t>
+            </a:r>
+            <a:r>
+              <a:rPr lang="en-US" dirty="0" err="1" smtClean="0"/>
+              <a:t>minConceptItem</a:t>
+            </a:r>
+            <a:r>
+              <a:rPr lang="en-US" dirty="0" smtClean="0"/>
+              <a:t>":{"rxcui":"1191","name":"aspirin","tty":"IN"},"</a:t>
+            </a:r>
+            <a:r>
+              <a:rPr lang="en-US" dirty="0" err="1" smtClean="0"/>
+              <a:t>sourceConceptItem</a:t>
+            </a:r>
+            <a:r>
+              <a:rPr lang="en-US" dirty="0" smtClean="0"/>
+              <a:t>":{"id":"DB00945","name":"Acetylsalicylic acid","</a:t>
+            </a:r>
+            <a:r>
+              <a:rPr lang="en-US" dirty="0" err="1" smtClean="0"/>
+              <a:t>url</a:t>
+            </a:r>
+            <a:r>
+              <a:rPr lang="en-US" dirty="0" smtClean="0"/>
+              <a:t>":"https://go.drugbank.com/drugs/DB00945#interactions"}},{"</a:t>
+            </a:r>
+            <a:r>
+              <a:rPr lang="en-US" dirty="0" err="1" smtClean="0"/>
+              <a:t>minConceptItem</a:t>
+            </a:r>
+            <a:r>
+              <a:rPr lang="en-US" dirty="0" smtClean="0"/>
+              <a:t>":{"rxcui":"10106","name":"streptokinase","tty":"IN"},"</a:t>
+            </a:r>
+            <a:r>
+              <a:rPr lang="en-US" dirty="0" err="1" smtClean="0"/>
+              <a:t>sourceConceptItem</a:t>
+            </a:r>
+            <a:r>
+              <a:rPr lang="en-US" dirty="0" smtClean="0"/>
+              <a:t>":{"id":"DB00086","name":"Streptokinase","url":"https://go.drugbank.com/drugs/DB00086#interactions"}}],"</a:t>
+            </a:r>
+            <a:r>
+              <a:rPr lang="en-US" dirty="0" err="1" smtClean="0"/>
+              <a:t>severity":"N</a:t>
+            </a:r>
+            <a:r>
+              <a:rPr lang="en-US" dirty="0" smtClean="0"/>
+              <a:t>/</a:t>
+            </a:r>
+            <a:r>
+              <a:rPr lang="en-US" dirty="0" err="1" smtClean="0"/>
+              <a:t>A","description":"Acetylsalicylic</a:t>
+            </a:r>
+            <a:r>
+              <a:rPr lang="en-US" dirty="0" smtClean="0"/>
+              <a:t> acid may increase the anticoagulant activities of Streptokinase."},{"</a:t>
+            </a:r>
+            <a:r>
+              <a:rPr lang="en-US" dirty="0" err="1" smtClean="0"/>
+              <a:t>interactionConcept</a:t>
+            </a:r>
+            <a:r>
+              <a:rPr lang="en-US" dirty="0" smtClean="0"/>
+              <a:t>":[{"</a:t>
+            </a:r>
+            <a:r>
+              <a:rPr lang="en-US" dirty="0" err="1" smtClean="0"/>
+              <a:t>minConceptItem</a:t>
+            </a:r>
+            <a:r>
+              <a:rPr lang="en-US" dirty="0" smtClean="0"/>
+              <a:t>":{"rxcui":"1191","name":"aspirin","tty":"IN"},"</a:t>
+            </a:r>
+            <a:r>
+              <a:rPr lang="en-US" dirty="0" err="1" smtClean="0"/>
+              <a:t>sourceConceptItem</a:t>
+            </a:r>
+            <a:r>
+              <a:rPr lang="en-US" dirty="0" smtClean="0"/>
+              <a:t>":{"id":"DB00945","name":"Acetylsalicylic acid","</a:t>
+            </a:r>
+            <a:r>
+              <a:rPr lang="en-US" dirty="0" err="1" smtClean="0"/>
+              <a:t>url</a:t>
+            </a:r>
+            <a:r>
+              <a:rPr lang="en-US" dirty="0" smtClean="0"/>
+              <a:t>":"https://go.drugbank.com/drugs/DB00945#interactions"}},{"</a:t>
+            </a:r>
+            <a:r>
+              <a:rPr lang="en-US" dirty="0" err="1" smtClean="0"/>
+              <a:t>minConceptItem</a:t>
+            </a:r>
+            <a:r>
+              <a:rPr lang="en-US" dirty="0" smtClean="0"/>
+              <a:t>":{"rxcui":"10109","name":"streptomycin","tty":"IN"},"</a:t>
+            </a:r>
+            <a:r>
+              <a:rPr lang="en-US" dirty="0" err="1" smtClean="0"/>
+              <a:t>sourceConceptItem</a:t>
+            </a:r>
+            <a:r>
+              <a:rPr lang="en-US" dirty="0" smtClean="0"/>
+              <a:t>":{"id":"DB01082","name":"Streptomycin","url":"https://go.drugbank.com/drugs/DB01082#interactions"}}],"</a:t>
+            </a:r>
+            <a:r>
+              <a:rPr lang="en-US" dirty="0" err="1" smtClean="0"/>
+              <a:t>severity":"N</a:t>
+            </a:r>
+            <a:r>
+              <a:rPr lang="en-US" dirty="0" smtClean="0"/>
+              <a:t>/</a:t>
+            </a:r>
+            <a:r>
+              <a:rPr lang="en-US" dirty="0" err="1" smtClean="0"/>
+              <a:t>A","description":"Acetylsalicylic</a:t>
+            </a:r>
+            <a:r>
+              <a:rPr lang="en-US" dirty="0" smtClean="0"/>
+              <a:t> acid may decrease the excretion rate of Streptomycin which could result in a higher serum level."},{"</a:t>
+            </a:r>
+            <a:r>
+              <a:rPr lang="en-US" dirty="0" err="1" smtClean="0"/>
+              <a:t>interactionConcept</a:t>
+            </a:r>
+            <a:r>
+              <a:rPr lang="en-US" dirty="0" smtClean="0"/>
+              <a:t>":[{"</a:t>
+            </a:r>
+            <a:r>
+              <a:rPr lang="en-US" dirty="0" err="1" smtClean="0"/>
+              <a:t>minConceptItem</a:t>
+            </a:r>
+            <a:r>
+              <a:rPr lang="en-US" dirty="0" smtClean="0"/>
+              <a:t>":{"rxcui":"1191","name":"aspirin","tty":"IN"},"</a:t>
+            </a:r>
+            <a:r>
+              <a:rPr lang="en-US" dirty="0" err="1" smtClean="0"/>
+              <a:t>sourceConceptItem</a:t>
+            </a:r>
+            <a:r>
+              <a:rPr lang="en-US" dirty="0" smtClean="0"/>
+              <a:t>":{"id":"DB00945","name":"Acetylsalicylic acid","</a:t>
+            </a:r>
+            <a:r>
+              <a:rPr lang="en-US" dirty="0" err="1" smtClean="0"/>
+              <a:t>url</a:t>
+            </a:r>
+            <a:r>
+              <a:rPr lang="en-US" dirty="0" smtClean="0"/>
+              <a:t>":"https://go.drugbank.com/drugs/DB00945#interactions"}},{"</a:t>
+            </a:r>
+            <a:r>
+              <a:rPr lang="en-US" dirty="0" err="1" smtClean="0"/>
+              <a:t>minConceptItem</a:t>
+            </a:r>
+            <a:r>
+              <a:rPr lang="en-US" dirty="0" smtClean="0"/>
+              <a:t>":{"rxcui":"10114","name":"streptozocin","tty":"IN"},"</a:t>
+            </a:r>
+            <a:r>
+              <a:rPr lang="en-US" dirty="0" err="1" smtClean="0"/>
+              <a:t>sourceConceptItem</a:t>
+            </a:r>
+            <a:r>
+              <a:rPr lang="en-US" dirty="0" smtClean="0"/>
+              <a:t>":{"id":"DB00428","name":"Streptozocin","url":"https://go.drugbank.com/drugs/DB00428#interactions"}}],"</a:t>
+            </a:r>
+            <a:r>
+              <a:rPr lang="en-US" dirty="0" err="1" smtClean="0"/>
+              <a:t>severity":"N</a:t>
+            </a:r>
+            <a:r>
+              <a:rPr lang="en-US" dirty="0" smtClean="0"/>
+              <a:t>/</a:t>
+            </a:r>
+            <a:r>
+              <a:rPr lang="en-US" dirty="0" err="1" smtClean="0"/>
+              <a:t>A","description":"The</a:t>
+            </a:r>
+            <a:r>
+              <a:rPr lang="en-US" dirty="0" smtClean="0"/>
+              <a:t> risk or severity of bleeding can be increased when Acetylsalicylic acid is combined with </a:t>
+            </a:r>
+            <a:r>
+              <a:rPr lang="en-US" dirty="0" err="1" smtClean="0"/>
+              <a:t>Streptozocin</a:t>
+            </a:r>
+            <a:r>
+              <a:rPr lang="en-US" dirty="0" smtClean="0"/>
+              <a:t>."},{"</a:t>
+            </a:r>
+            <a:r>
+              <a:rPr lang="en-US" dirty="0" err="1" smtClean="0"/>
+              <a:t>interactionConcept</a:t>
+            </a:r>
+            <a:r>
+              <a:rPr lang="en-US" dirty="0" smtClean="0"/>
+              <a:t>":[{"</a:t>
+            </a:r>
+            <a:r>
+              <a:rPr lang="en-US" dirty="0" err="1" smtClean="0"/>
+              <a:t>minConceptItem</a:t>
+            </a:r>
+            <a:r>
+              <a:rPr lang="en-US" dirty="0" smtClean="0"/>
+              <a:t>":{"rxcui":"1191","name":"aspirin","tty":"IN"},"</a:t>
+            </a:r>
+            <a:r>
+              <a:rPr lang="en-US" dirty="0" err="1" smtClean="0"/>
+              <a:t>sourceConceptItem</a:t>
+            </a:r>
+            <a:r>
+              <a:rPr lang="en-US" dirty="0" smtClean="0"/>
+              <a:t>":{"id":"DB00945","name":"Acetylsalicylic acid","</a:t>
+            </a:r>
+            <a:r>
+              <a:rPr lang="en-US" dirty="0" err="1" smtClean="0"/>
+              <a:t>url</a:t>
+            </a:r>
+            <a:r>
+              <a:rPr lang="en-US" dirty="0" smtClean="0"/>
+              <a:t>":"https://go.drugbank.com/drugs/DB00945#interactions"}},{"</a:t>
+            </a:r>
+            <a:r>
+              <a:rPr lang="en-US" dirty="0" err="1" smtClean="0"/>
+              <a:t>minConceptItem</a:t>
+            </a:r>
+            <a:r>
+              <a:rPr lang="en-US" dirty="0" smtClean="0"/>
+              <a:t>":{"rxcui":"10154","name":"succinylcholine","tty":"IN"},"</a:t>
+            </a:r>
+            <a:r>
+              <a:rPr lang="en-US" dirty="0" err="1" smtClean="0"/>
+              <a:t>sourceConceptItem</a:t>
+            </a:r>
+            <a:r>
+              <a:rPr lang="en-US" dirty="0" smtClean="0"/>
+              <a:t>":{"id":"DB00202","name":"Succinylcholine","url":"https://go.drugbank.com/drugs/DB00202#interactions"}}],"</a:t>
+            </a:r>
+            <a:r>
+              <a:rPr lang="en-US" dirty="0" err="1" smtClean="0"/>
+              <a:t>severity":"N</a:t>
+            </a:r>
+            <a:r>
+              <a:rPr lang="en-US" dirty="0" smtClean="0"/>
+              <a:t>/</a:t>
+            </a:r>
+            <a:r>
+              <a:rPr lang="en-US" dirty="0" err="1" smtClean="0"/>
+              <a:t>A","description":"The</a:t>
+            </a:r>
+            <a:r>
+              <a:rPr lang="en-US" dirty="0" smtClean="0"/>
+              <a:t> risk or severity of hyperkalemia can be increased when Succinylcholine is combined with Acetylsalicylic acid."},{"</a:t>
+            </a:r>
+            <a:r>
+              <a:rPr lang="en-US" dirty="0" err="1" smtClean="0"/>
+              <a:t>interactionConcept</a:t>
+            </a:r>
+            <a:r>
+              <a:rPr lang="en-US" dirty="0" smtClean="0"/>
+              <a:t>":[{"</a:t>
+            </a:r>
+            <a:r>
+              <a:rPr lang="en-US" dirty="0" err="1" smtClean="0"/>
+              <a:t>minConceptItem</a:t>
+            </a:r>
+            <a:r>
+              <a:rPr lang="en-US" dirty="0" smtClean="0"/>
+              <a:t>":{"rxcui":"1191","name":"aspirin","tty":"IN"},"</a:t>
+            </a:r>
+            <a:r>
+              <a:rPr lang="en-US" dirty="0" err="1" smtClean="0"/>
+              <a:t>sourceConceptItem</a:t>
+            </a:r>
+            <a:r>
+              <a:rPr lang="en-US" dirty="0" smtClean="0"/>
+              <a:t>":{"id":"DB00945","name":"Acetylsalicylic acid","</a:t>
+            </a:r>
+            <a:r>
+              <a:rPr lang="en-US" dirty="0" err="1" smtClean="0"/>
+              <a:t>url</a:t>
+            </a:r>
+            <a:r>
+              <a:rPr lang="en-US" dirty="0" smtClean="0"/>
+              <a:t>":"https://go.drugbank.com/drugs/DB00945#interactions"}},{"</a:t>
+            </a:r>
+            <a:r>
+              <a:rPr lang="en-US" dirty="0" err="1" smtClean="0"/>
+              <a:t>minConceptItem</a:t>
+            </a:r>
+            <a:r>
+              <a:rPr lang="en-US" dirty="0" smtClean="0"/>
+              <a:t>":{"rxcui":"10167","name":"sulbactam","tty":"IN"},"</a:t>
+            </a:r>
+            <a:r>
+              <a:rPr lang="en-US" dirty="0" err="1" smtClean="0"/>
+              <a:t>sourceConceptItem</a:t>
+            </a:r>
+            <a:r>
+              <a:rPr lang="en-US" dirty="0" smtClean="0"/>
+              <a:t>":{"id":"DB09324","name":"Sulbactam","url":"https://go.drugbank.com/drugs/DB09324#interactions"}}],"</a:t>
+            </a:r>
+            <a:r>
+              <a:rPr lang="en-US" dirty="0" err="1" smtClean="0"/>
+              <a:t>severity":"N</a:t>
+            </a:r>
+            <a:r>
+              <a:rPr lang="en-US" dirty="0" smtClean="0"/>
+              <a:t>/</a:t>
+            </a:r>
+            <a:r>
+              <a:rPr lang="en-US" dirty="0" err="1" smtClean="0"/>
+              <a:t>A","description":"Acetylsalicylic</a:t>
+            </a:r>
+            <a:r>
+              <a:rPr lang="en-US" dirty="0" smtClean="0"/>
+              <a:t> acid may decrease the excretion rate of </a:t>
+            </a:r>
+            <a:r>
+              <a:rPr lang="en-US" dirty="0" err="1" smtClean="0"/>
+              <a:t>Sulbactam</a:t>
+            </a:r>
+            <a:r>
+              <a:rPr lang="en-US" dirty="0" smtClean="0"/>
+              <a:t> which could result in a higher serum level."}</a:t>
+            </a:r>
+            <a:endParaRPr lang="en-US" dirty="0"/>
+          </a:p>
+          <a:p>
             <a:endParaRPr lang="en-US" dirty="0"/>
           </a:p>
         </p:txBody>
@@ -5846,7 +5402,7 @@
     </p:spTree>
     <p:extLst>
       <p:ext uri="{BB962C8B-B14F-4D97-AF65-F5344CB8AC3E}">
-        <p14:creationId xmlns:p14="http://schemas.microsoft.com/office/powerpoint/2010/main" val="707677580"/>
+        <p14:creationId xmlns:p14="http://schemas.microsoft.com/office/powerpoint/2010/main" val="1964454756"/>
       </p:ext>
     </p:extLst>
   </p:cSld>
@@ -5892,516 +5448,95 @@
         </p:nvSpPr>
         <p:spPr/>
         <p:txBody>
+          <a:bodyPr/>
+          <a:lstStyle/>
+          <a:p>
+            <a:r>
+              <a:rPr lang="en-US" dirty="0" smtClean="0"/>
+              <a:t>Path to required data</a:t>
+            </a:r>
+            <a:endParaRPr lang="en-US" dirty="0"/>
+          </a:p>
+        </p:txBody>
+      </p:sp>
+      <p:sp>
+        <p:nvSpPr>
+          <p:cNvPr id="3" name="Content Placeholder 2"/>
+          <p:cNvSpPr>
+            <a:spLocks noGrp="1"/>
+          </p:cNvSpPr>
+          <p:nvPr>
+            <p:ph idx="1"/>
+          </p:nvPr>
+        </p:nvSpPr>
+        <p:spPr/>
+        <p:txBody>
           <a:bodyPr>
-            <a:normAutofit fontScale="90000"/>
+            <a:normAutofit fontScale="77500" lnSpcReduction="20000"/>
           </a:bodyPr>
           <a:lstStyle/>
           <a:p>
             <a:r>
-              <a:rPr lang="en-US" dirty="0" smtClean="0"/>
-              <a:t>Lexical analysis and data transformation</a:t>
+              <a:rPr lang="en-US" dirty="0" err="1" smtClean="0"/>
+              <a:t>interactionTypeGroup.interactionType.minConceptItem.rxcui</a:t>
+            </a:r>
+            <a:endParaRPr lang="en-US" dirty="0" smtClean="0"/>
+          </a:p>
+          <a:p>
+            <a:r>
+              <a:rPr lang="en-US" dirty="0" smtClean="0"/>
+              <a:t>interactionTypeGroup.interactionType.minConceptItem.name</a:t>
+            </a:r>
+          </a:p>
+          <a:p>
+            <a:r>
+              <a:rPr lang="en-US" dirty="0" smtClean="0"/>
+              <a:t>[</a:t>
+            </a:r>
+          </a:p>
+          <a:p>
+            <a:r>
+              <a:rPr lang="en-US" dirty="0" smtClean="0"/>
+              <a:t>interactionTypeGroup.interactionType.interactionPair.interactionConcept[1].</a:t>
+            </a:r>
+            <a:r>
+              <a:rPr lang="en-US" dirty="0" err="1" smtClean="0"/>
+              <a:t>minConceptItem.rxcui</a:t>
+            </a:r>
+            <a:endParaRPr lang="en-US" dirty="0" smtClean="0"/>
+          </a:p>
+          <a:p>
+            <a:r>
+              <a:rPr lang="en-US" dirty="0" smtClean="0"/>
+              <a:t>interactionTypeGroup.interactionType.interactionPair.interactionConcept[1].minConceptItem.name</a:t>
+            </a:r>
+          </a:p>
+          <a:p>
+            <a:r>
+              <a:rPr lang="en-US" dirty="0" err="1" smtClean="0"/>
+              <a:t>interactionTypeGroup.interactionType.interactionPair.severity</a:t>
+            </a:r>
+            <a:endParaRPr lang="en-US" dirty="0" smtClean="0"/>
+          </a:p>
+          <a:p>
+            <a:r>
+              <a:rPr lang="en-US" dirty="0" smtClean="0"/>
+              <a:t>interactionTypeGroup.interactionType.interactionPair.description]</a:t>
             </a:r>
             <a:endParaRPr lang="en-US" dirty="0"/>
           </a:p>
         </p:txBody>
       </p:sp>
-      <p:sp>
-        <p:nvSpPr>
-          <p:cNvPr id="3" name="Content Placeholder 2"/>
-          <p:cNvSpPr>
-            <a:spLocks noGrp="1"/>
-          </p:cNvSpPr>
-          <p:nvPr>
-            <p:ph idx="1"/>
-          </p:nvPr>
-        </p:nvSpPr>
-        <p:spPr>
-          <a:xfrm>
-            <a:off x="533400" y="1371600"/>
-            <a:ext cx="8229600" cy="4525963"/>
-          </a:xfrm>
-        </p:spPr>
-        <p:txBody>
-          <a:bodyPr/>
-          <a:lstStyle/>
-          <a:p>
-            <a:r>
-              <a:rPr lang="en-US" dirty="0" smtClean="0"/>
-              <a:t>In this </a:t>
-            </a:r>
-            <a:r>
-              <a:rPr lang="en-US" dirty="0" err="1" smtClean="0"/>
-              <a:t>api</a:t>
-            </a:r>
-            <a:r>
-              <a:rPr lang="en-US" dirty="0" smtClean="0"/>
-              <a:t> we have not direct interaction &amp; severity definition and need implement lexical analysis to understand the result.</a:t>
-            </a:r>
-          </a:p>
-          <a:p>
-            <a:pPr marL="0" indent="0">
-              <a:buNone/>
-            </a:pPr>
-            <a:endParaRPr lang="en-US" dirty="0"/>
-          </a:p>
-        </p:txBody>
-      </p:sp>
-      <p:graphicFrame>
-        <p:nvGraphicFramePr>
-          <p:cNvPr id="4" name="Table 3"/>
-          <p:cNvGraphicFramePr>
-            <a:graphicFrameLocks noGrp="1"/>
-          </p:cNvGraphicFramePr>
-          <p:nvPr>
-            <p:extLst>
-              <p:ext uri="{D42A27DB-BD31-4B8C-83A1-F6EECF244321}">
-                <p14:modId xmlns:p14="http://schemas.microsoft.com/office/powerpoint/2010/main" val="881277984"/>
-              </p:ext>
-            </p:extLst>
-          </p:nvPr>
-        </p:nvGraphicFramePr>
-        <p:xfrm>
-          <a:off x="533400" y="3048000"/>
-          <a:ext cx="7924800" cy="3672840"/>
-        </p:xfrm>
-        <a:graphic>
-          <a:graphicData uri="http://schemas.openxmlformats.org/drawingml/2006/table">
-            <a:tbl>
-              <a:tblPr firstRow="1" bandRow="1">
-                <a:tableStyleId>{5C22544A-7EE6-4342-B048-85BDC9FD1C3A}</a:tableStyleId>
-              </a:tblPr>
-              <a:tblGrid>
-                <a:gridCol w="1447800"/>
-                <a:gridCol w="3211830"/>
-                <a:gridCol w="1131570"/>
-                <a:gridCol w="2133600"/>
-              </a:tblGrid>
-              <a:tr h="289561">
-                <a:tc>
-                  <a:txBody>
-                    <a:bodyPr/>
-                    <a:lstStyle/>
-                    <a:p>
-                      <a:r>
-                        <a:rPr lang="en-US" dirty="0" smtClean="0"/>
-                        <a:t>Word </a:t>
-                      </a:r>
-                      <a:endParaRPr lang="en-US" dirty="0"/>
-                    </a:p>
-                  </a:txBody>
-                  <a:tcPr/>
-                </a:tc>
-                <a:tc>
-                  <a:txBody>
-                    <a:bodyPr/>
-                    <a:lstStyle/>
-                    <a:p>
-                      <a:r>
-                        <a:rPr lang="en-US" dirty="0" smtClean="0"/>
-                        <a:t>interaction</a:t>
-                      </a:r>
-                      <a:endParaRPr lang="en-US" dirty="0"/>
-                    </a:p>
-                  </a:txBody>
-                  <a:tcPr/>
-                </a:tc>
-                <a:tc>
-                  <a:txBody>
-                    <a:bodyPr/>
-                    <a:lstStyle/>
-                    <a:p>
-                      <a:r>
-                        <a:rPr lang="en-US" dirty="0" smtClean="0"/>
-                        <a:t>severity</a:t>
-                      </a:r>
-                      <a:endParaRPr lang="en-US" dirty="0"/>
-                    </a:p>
-                  </a:txBody>
-                  <a:tcPr/>
-                </a:tc>
-                <a:tc>
-                  <a:txBody>
-                    <a:bodyPr/>
-                    <a:lstStyle/>
-                    <a:p>
-                      <a:r>
-                        <a:rPr lang="en-US" dirty="0" smtClean="0"/>
-                        <a:t>description</a:t>
-                      </a:r>
-                      <a:endParaRPr lang="en-US" dirty="0"/>
-                    </a:p>
-                  </a:txBody>
-                  <a:tcPr/>
-                </a:tc>
-              </a:tr>
-              <a:tr h="370840">
-                <a:tc>
-                  <a:txBody>
-                    <a:bodyPr/>
-                    <a:lstStyle/>
-                    <a:p>
-                      <a:r>
-                        <a:rPr lang="en-US" dirty="0" smtClean="0"/>
-                        <a:t>risk</a:t>
-                      </a:r>
-                      <a:endParaRPr lang="en-US" dirty="0"/>
-                    </a:p>
-                  </a:txBody>
-                  <a:tcPr/>
-                </a:tc>
-                <a:tc>
-                  <a:txBody>
-                    <a:bodyPr/>
-                    <a:lstStyle/>
-                    <a:p>
-                      <a:r>
-                        <a:rPr lang="en-US" dirty="0" smtClean="0"/>
-                        <a:t>The risk or severity of …increased </a:t>
-                      </a:r>
-                      <a:endParaRPr lang="en-US" dirty="0"/>
-                    </a:p>
-                  </a:txBody>
-                  <a:tcPr/>
-                </a:tc>
-                <a:tc>
-                  <a:txBody>
-                    <a:bodyPr/>
-                    <a:lstStyle/>
-                    <a:p>
-                      <a:r>
-                        <a:rPr lang="en-US" dirty="0" smtClean="0"/>
-                        <a:t>-3</a:t>
-                      </a:r>
-                      <a:endParaRPr lang="en-US" dirty="0"/>
-                    </a:p>
-                  </a:txBody>
-                  <a:tcPr/>
-                </a:tc>
-                <a:tc>
-                  <a:txBody>
-                    <a:bodyPr/>
-                    <a:lstStyle/>
-                    <a:p>
-                      <a:endParaRPr lang="en-US" dirty="0"/>
-                    </a:p>
-                  </a:txBody>
-                  <a:tcPr/>
-                </a:tc>
-              </a:tr>
-              <a:tr h="370840">
-                <a:tc>
-                  <a:txBody>
-                    <a:bodyPr/>
-                    <a:lstStyle/>
-                    <a:p>
-                      <a:r>
-                        <a:rPr lang="en-US" dirty="0" smtClean="0"/>
-                        <a:t> excretion rate</a:t>
-                      </a:r>
-                      <a:endParaRPr lang="en-US" dirty="0"/>
-                    </a:p>
-                  </a:txBody>
-                  <a:tcPr/>
-                </a:tc>
-                <a:tc>
-                  <a:txBody>
-                    <a:bodyPr/>
-                    <a:lstStyle/>
-                    <a:p>
-                      <a:pPr marL="0" marR="0" indent="0" algn="l" defTabSz="914400" rtl="0" eaLnBrk="1" fontAlgn="auto" latinLnBrk="0" hangingPunct="1">
-                        <a:lnSpc>
-                          <a:spcPct val="100000"/>
-                        </a:lnSpc>
-                        <a:spcBef>
-                          <a:spcPts val="0"/>
-                        </a:spcBef>
-                        <a:spcAft>
-                          <a:spcPts val="0"/>
-                        </a:spcAft>
-                        <a:buClrTx/>
-                        <a:buSzTx/>
-                        <a:buFontTx/>
-                        <a:buNone/>
-                        <a:tabLst/>
-                        <a:defRPr/>
-                      </a:pPr>
-                      <a:r>
-                        <a:rPr lang="en-US" dirty="0" smtClean="0"/>
-                        <a:t>decrease the excretion rate   … </a:t>
-                      </a:r>
-                      <a:r>
-                        <a:rPr lang="en-US" dirty="0" smtClean="0"/>
-                        <a:t>higher …level</a:t>
-                      </a:r>
-                    </a:p>
-                    <a:p>
-                      <a:endParaRPr lang="en-US" dirty="0"/>
-                    </a:p>
-                  </a:txBody>
-                  <a:tcPr/>
-                </a:tc>
-                <a:tc>
-                  <a:txBody>
-                    <a:bodyPr/>
-                    <a:lstStyle/>
-                    <a:p>
-                      <a:r>
-                        <a:rPr lang="en-US" dirty="0" smtClean="0"/>
-                        <a:t>-1</a:t>
-                      </a:r>
-                      <a:endParaRPr lang="en-US" dirty="0"/>
-                    </a:p>
-                  </a:txBody>
-                  <a:tcPr/>
-                </a:tc>
-                <a:tc>
-                  <a:txBody>
-                    <a:bodyPr/>
-                    <a:lstStyle/>
-                    <a:p>
-                      <a:endParaRPr lang="en-US"/>
-                    </a:p>
-                  </a:txBody>
-                  <a:tcPr/>
-                </a:tc>
-              </a:tr>
-              <a:tr h="370840">
-                <a:tc>
-                  <a:txBody>
-                    <a:bodyPr/>
-                    <a:lstStyle/>
-                    <a:p>
-                      <a:r>
-                        <a:rPr lang="en-US" dirty="0" smtClean="0"/>
-                        <a:t>metabolism</a:t>
-                      </a:r>
-                      <a:endParaRPr lang="en-US" dirty="0"/>
-                    </a:p>
-                  </a:txBody>
-                  <a:tcPr/>
-                </a:tc>
-                <a:tc>
-                  <a:txBody>
-                    <a:bodyPr/>
-                    <a:lstStyle/>
-                    <a:p>
-                      <a:r>
-                        <a:rPr lang="en-US" dirty="0" smtClean="0"/>
-                        <a:t>The metabolism … decreased </a:t>
-                      </a:r>
-                      <a:endParaRPr lang="en-US" dirty="0"/>
-                    </a:p>
-                  </a:txBody>
-                  <a:tcPr/>
-                </a:tc>
-                <a:tc>
-                  <a:txBody>
-                    <a:bodyPr/>
-                    <a:lstStyle/>
-                    <a:p>
-                      <a:r>
-                        <a:rPr lang="en-US" dirty="0" smtClean="0"/>
-                        <a:t>-1</a:t>
-                      </a:r>
-                      <a:endParaRPr lang="en-US" dirty="0"/>
-                    </a:p>
-                  </a:txBody>
-                  <a:tcPr/>
-                </a:tc>
-                <a:tc>
-                  <a:txBody>
-                    <a:bodyPr/>
-                    <a:lstStyle/>
-                    <a:p>
-                      <a:endParaRPr lang="en-US" dirty="0"/>
-                    </a:p>
-                  </a:txBody>
-                  <a:tcPr/>
-                </a:tc>
-              </a:tr>
-              <a:tr h="370840">
-                <a:tc>
-                  <a:txBody>
-                    <a:bodyPr/>
-                    <a:lstStyle/>
-                    <a:p>
-                      <a:r>
-                        <a:rPr lang="en-US" dirty="0" smtClean="0"/>
-                        <a:t>therapeutic efficacy</a:t>
-                      </a:r>
-                      <a:endParaRPr lang="en-US" dirty="0"/>
-                    </a:p>
-                  </a:txBody>
-                  <a:tcPr/>
-                </a:tc>
-                <a:tc>
-                  <a:txBody>
-                    <a:bodyPr/>
-                    <a:lstStyle/>
-                    <a:p>
-                      <a:r>
-                        <a:rPr lang="en-US" dirty="0" smtClean="0"/>
-                        <a:t>therapeutic efficacy … decreased </a:t>
-                      </a:r>
-                      <a:endParaRPr lang="en-US" dirty="0"/>
-                    </a:p>
-                  </a:txBody>
-                  <a:tcPr/>
-                </a:tc>
-                <a:tc>
-                  <a:txBody>
-                    <a:bodyPr/>
-                    <a:lstStyle/>
-                    <a:p>
-                      <a:r>
-                        <a:rPr lang="en-US" dirty="0" smtClean="0"/>
-                        <a:t>-1</a:t>
-                      </a:r>
-                      <a:endParaRPr lang="en-US" dirty="0"/>
-                    </a:p>
-                  </a:txBody>
-                  <a:tcPr/>
-                </a:tc>
-                <a:tc>
-                  <a:txBody>
-                    <a:bodyPr/>
-                    <a:lstStyle/>
-                    <a:p>
-                      <a:endParaRPr lang="en-US"/>
-                    </a:p>
-                  </a:txBody>
-                  <a:tcPr/>
-                </a:tc>
-              </a:tr>
-              <a:tr h="370840">
-                <a:tc>
-                  <a:txBody>
-                    <a:bodyPr/>
-                    <a:lstStyle/>
-                    <a:p>
-                      <a:r>
-                        <a:rPr lang="en-US" dirty="0" smtClean="0"/>
-                        <a:t>activities</a:t>
-                      </a:r>
-                      <a:endParaRPr lang="en-US" dirty="0"/>
-                    </a:p>
-                  </a:txBody>
-                  <a:tcPr/>
-                </a:tc>
-                <a:tc>
-                  <a:txBody>
-                    <a:bodyPr/>
-                    <a:lstStyle/>
-                    <a:p>
-                      <a:r>
-                        <a:rPr lang="en-US" dirty="0" smtClean="0"/>
-                        <a:t>decrease</a:t>
-                      </a:r>
-                      <a:endParaRPr lang="en-US" dirty="0"/>
-                    </a:p>
-                  </a:txBody>
-                  <a:tcPr/>
-                </a:tc>
-                <a:tc>
-                  <a:txBody>
-                    <a:bodyPr/>
-                    <a:lstStyle/>
-                    <a:p>
-                      <a:r>
-                        <a:rPr lang="en-US" dirty="0" smtClean="0"/>
-                        <a:t>-1</a:t>
-                      </a:r>
-                      <a:endParaRPr lang="en-US" dirty="0"/>
-                    </a:p>
-                  </a:txBody>
-                  <a:tcPr/>
-                </a:tc>
-                <a:tc>
-                  <a:txBody>
-                    <a:bodyPr/>
-                    <a:lstStyle/>
-                    <a:p>
-                      <a:endParaRPr lang="en-US" dirty="0"/>
-                    </a:p>
-                  </a:txBody>
-                  <a:tcPr/>
-                </a:tc>
-              </a:tr>
-              <a:tr h="370840">
-                <a:tc>
-                  <a:txBody>
-                    <a:bodyPr/>
-                    <a:lstStyle/>
-                    <a:p>
-                      <a:r>
-                        <a:rPr lang="en-US" dirty="0" smtClean="0"/>
-                        <a:t>increase</a:t>
-                      </a:r>
-                      <a:endParaRPr lang="en-US" dirty="0"/>
-                    </a:p>
-                  </a:txBody>
-                  <a:tcPr/>
-                </a:tc>
-                <a:tc>
-                  <a:txBody>
-                    <a:bodyPr/>
-                    <a:lstStyle/>
-                    <a:p>
-                      <a:r>
-                        <a:rPr lang="en-US" dirty="0" smtClean="0"/>
-                        <a:t>increase …activities</a:t>
-                      </a:r>
-                      <a:endParaRPr lang="en-US" dirty="0"/>
-                    </a:p>
-                  </a:txBody>
-                  <a:tcPr/>
-                </a:tc>
-                <a:tc>
-                  <a:txBody>
-                    <a:bodyPr/>
-                    <a:lstStyle/>
-                    <a:p>
-                      <a:r>
-                        <a:rPr lang="en-US" dirty="0" smtClean="0"/>
-                        <a:t>2</a:t>
-                      </a:r>
-                      <a:endParaRPr lang="en-US" dirty="0"/>
-                    </a:p>
-                  </a:txBody>
-                  <a:tcPr/>
-                </a:tc>
-                <a:tc>
-                  <a:txBody>
-                    <a:bodyPr/>
-                    <a:lstStyle/>
-                    <a:p>
-                      <a:endParaRPr lang="en-US" dirty="0"/>
-                    </a:p>
-                  </a:txBody>
-                  <a:tcPr/>
-                </a:tc>
-              </a:tr>
-            </a:tbl>
-          </a:graphicData>
-        </a:graphic>
-      </p:graphicFrame>
     </p:spTree>
     <p:extLst>
       <p:ext uri="{BB962C8B-B14F-4D97-AF65-F5344CB8AC3E}">
-        <p14:creationId xmlns:p14="http://schemas.microsoft.com/office/powerpoint/2010/main" val="884015510"/>
+        <p14:creationId xmlns:p14="http://schemas.microsoft.com/office/powerpoint/2010/main" val="2487884405"/>
       </p:ext>
     </p:extLst>
   </p:cSld>
   <p:clrMapOvr>
     <a:masterClrMapping/>
   </p:clrMapOvr>
-  <p:timing>
-    <p:tnLst>
-      <p:par>
-        <p:cTn id="1" dur="indefinite" restart="never" nodeType="tmRoot"/>
-      </p:par>
-    </p:tnLst>
-  </p:timing>
 </p:sld>
 </file>
 
@@ -6434,14 +5569,12 @@
         </p:nvSpPr>
         <p:spPr/>
         <p:txBody>
-          <a:bodyPr>
-            <a:normAutofit fontScale="90000"/>
-          </a:bodyPr>
+          <a:bodyPr/>
           <a:lstStyle/>
           <a:p>
             <a:r>
               <a:rPr lang="en-US" dirty="0" smtClean="0"/>
-              <a:t>Lexical analysis and data transformation-continued</a:t>
+              <a:t>JOLT Specification</a:t>
             </a:r>
             <a:endParaRPr lang="en-US" dirty="0"/>
           </a:p>
@@ -6464,472 +5597,294 @@
           </a:xfrm>
         </p:spPr>
         <p:txBody>
-          <a:bodyPr/>
+          <a:bodyPr>
+            <a:noAutofit/>
+          </a:bodyPr>
           <a:lstStyle/>
           <a:p>
             <a:pPr marL="0" indent="0">
               <a:buNone/>
             </a:pPr>
-            <a:endParaRPr lang="en-US" dirty="0"/>
-          </a:p>
-        </p:txBody>
-      </p:sp>
-      <p:graphicFrame>
-        <p:nvGraphicFramePr>
-          <p:cNvPr id="4" name="Table 3"/>
-          <p:cNvGraphicFramePr>
-            <a:graphicFrameLocks noGrp="1"/>
-          </p:cNvGraphicFramePr>
-          <p:nvPr>
-            <p:extLst>
-              <p:ext uri="{D42A27DB-BD31-4B8C-83A1-F6EECF244321}">
-                <p14:modId xmlns:p14="http://schemas.microsoft.com/office/powerpoint/2010/main" val="475971215"/>
-              </p:ext>
-            </p:extLst>
-          </p:nvPr>
-        </p:nvGraphicFramePr>
-        <p:xfrm>
-          <a:off x="457200" y="1524000"/>
-          <a:ext cx="7924800" cy="4145280"/>
-        </p:xfrm>
-        <a:graphic>
-          <a:graphicData uri="http://schemas.openxmlformats.org/drawingml/2006/table">
-            <a:tbl>
-              <a:tblPr firstRow="1" bandRow="1">
-                <a:tableStyleId>{5C22544A-7EE6-4342-B048-85BDC9FD1C3A}</a:tableStyleId>
-              </a:tblPr>
-              <a:tblGrid>
-                <a:gridCol w="1447800"/>
-                <a:gridCol w="3211830"/>
-                <a:gridCol w="1131570"/>
-                <a:gridCol w="2133600"/>
-              </a:tblGrid>
-              <a:tr h="518160">
-                <a:tc>
-                  <a:txBody>
-                    <a:bodyPr/>
-                    <a:lstStyle/>
-                    <a:p>
-                      <a:r>
-                        <a:rPr lang="en-US" dirty="0" smtClean="0"/>
-                        <a:t>Word </a:t>
-                      </a:r>
-                      <a:endParaRPr lang="en-US" dirty="0"/>
-                    </a:p>
-                  </a:txBody>
-                  <a:tcPr/>
-                </a:tc>
-                <a:tc>
-                  <a:txBody>
-                    <a:bodyPr/>
-                    <a:lstStyle/>
-                    <a:p>
-                      <a:endParaRPr lang="en-US" dirty="0"/>
-                    </a:p>
-                  </a:txBody>
-                  <a:tcPr/>
-                </a:tc>
-                <a:tc>
-                  <a:txBody>
-                    <a:bodyPr/>
-                    <a:lstStyle/>
-                    <a:p>
-                      <a:endParaRPr lang="en-US" dirty="0"/>
-                    </a:p>
-                  </a:txBody>
-                  <a:tcPr/>
-                </a:tc>
-                <a:tc>
-                  <a:txBody>
-                    <a:bodyPr/>
-                    <a:lstStyle/>
-                    <a:p>
-                      <a:r>
-                        <a:rPr lang="en-US" dirty="0" smtClean="0"/>
-                        <a:t>description</a:t>
-                      </a:r>
-                      <a:endParaRPr lang="en-US" dirty="0"/>
-                    </a:p>
-                  </a:txBody>
-                  <a:tcPr/>
-                </a:tc>
-              </a:tr>
-              <a:tr h="370840">
-                <a:tc>
-                  <a:txBody>
-                    <a:bodyPr/>
-                    <a:lstStyle/>
-                    <a:p>
-                      <a:r>
-                        <a:rPr lang="en-US" dirty="0" smtClean="0"/>
-                        <a:t>adverse effects</a:t>
-                      </a:r>
-                      <a:endParaRPr lang="en-US" dirty="0"/>
-                    </a:p>
-                  </a:txBody>
-                  <a:tcPr/>
-                </a:tc>
-                <a:tc>
-                  <a:txBody>
-                    <a:bodyPr/>
-                    <a:lstStyle/>
-                    <a:p>
-                      <a:r>
-                        <a:rPr lang="en-US" dirty="0" smtClean="0"/>
-                        <a:t>risk or severity of adverse effects can be increased </a:t>
-                      </a:r>
-                      <a:endParaRPr lang="en-US" dirty="0"/>
-                    </a:p>
-                  </a:txBody>
-                  <a:tcPr/>
-                </a:tc>
-                <a:tc>
-                  <a:txBody>
-                    <a:bodyPr/>
-                    <a:lstStyle/>
-                    <a:p>
-                      <a:r>
-                        <a:rPr lang="en-US" dirty="0" smtClean="0"/>
-                        <a:t>-5</a:t>
-                      </a:r>
-                      <a:endParaRPr lang="en-US" dirty="0"/>
-                    </a:p>
-                  </a:txBody>
-                  <a:tcPr/>
-                </a:tc>
-                <a:tc>
-                  <a:txBody>
-                    <a:bodyPr/>
-                    <a:lstStyle/>
-                    <a:p>
-                      <a:endParaRPr lang="en-US" dirty="0"/>
-                    </a:p>
-                  </a:txBody>
-                  <a:tcPr/>
-                </a:tc>
-              </a:tr>
-              <a:tr h="370840">
-                <a:tc>
-                  <a:txBody>
-                    <a:bodyPr/>
-                    <a:lstStyle/>
-                    <a:p>
-                      <a:pPr marL="0" marR="0" indent="0" algn="l" defTabSz="914400" rtl="0" eaLnBrk="1" fontAlgn="auto" latinLnBrk="0" hangingPunct="1">
-                        <a:lnSpc>
-                          <a:spcPct val="100000"/>
-                        </a:lnSpc>
-                        <a:spcBef>
-                          <a:spcPts val="0"/>
-                        </a:spcBef>
-                        <a:spcAft>
-                          <a:spcPts val="0"/>
-                        </a:spcAft>
-                        <a:buClrTx/>
-                        <a:buSzTx/>
-                        <a:buFontTx/>
-                        <a:buNone/>
-                        <a:tabLst/>
-                        <a:defRPr/>
-                      </a:pPr>
-                      <a:r>
-                        <a:rPr lang="en-US" dirty="0" smtClean="0"/>
-                        <a:t>metabolism</a:t>
-                      </a:r>
-                    </a:p>
-                    <a:p>
-                      <a:endParaRPr lang="en-US" dirty="0"/>
-                    </a:p>
-                  </a:txBody>
-                  <a:tcPr/>
-                </a:tc>
-                <a:tc>
-                  <a:txBody>
-                    <a:bodyPr/>
-                    <a:lstStyle/>
-                    <a:p>
-                      <a:pPr marL="0" marR="0" indent="0" algn="l" defTabSz="914400" rtl="0" eaLnBrk="1" fontAlgn="auto" latinLnBrk="0" hangingPunct="1">
-                        <a:lnSpc>
-                          <a:spcPct val="100000"/>
-                        </a:lnSpc>
-                        <a:spcBef>
-                          <a:spcPts val="0"/>
-                        </a:spcBef>
-                        <a:spcAft>
-                          <a:spcPts val="0"/>
-                        </a:spcAft>
-                        <a:buClrTx/>
-                        <a:buSzTx/>
-                        <a:buFontTx/>
-                        <a:buNone/>
-                        <a:tabLst/>
-                        <a:defRPr/>
-                      </a:pPr>
-                      <a:r>
-                        <a:rPr lang="en-US" dirty="0" smtClean="0"/>
-                        <a:t>metabolism …increased </a:t>
-                      </a:r>
-                    </a:p>
-                    <a:p>
-                      <a:endParaRPr lang="en-US" dirty="0"/>
-                    </a:p>
-                  </a:txBody>
-                  <a:tcPr/>
-                </a:tc>
-                <a:tc>
-                  <a:txBody>
-                    <a:bodyPr/>
-                    <a:lstStyle/>
-                    <a:p>
-                      <a:r>
-                        <a:rPr lang="en-US" dirty="0" smtClean="0"/>
-                        <a:t>1</a:t>
-                      </a:r>
-                      <a:endParaRPr lang="en-US" dirty="0"/>
-                    </a:p>
-                  </a:txBody>
-                  <a:tcPr/>
-                </a:tc>
-                <a:tc>
-                  <a:txBody>
-                    <a:bodyPr/>
-                    <a:lstStyle/>
-                    <a:p>
-                      <a:endParaRPr lang="en-US"/>
-                    </a:p>
-                  </a:txBody>
-                  <a:tcPr/>
-                </a:tc>
-              </a:tr>
-              <a:tr h="370840">
-                <a:tc>
-                  <a:txBody>
-                    <a:bodyPr/>
-                    <a:lstStyle/>
-                    <a:p>
-                      <a:r>
-                        <a:rPr lang="en-US" smtClean="0"/>
-                        <a:t>therapeutic efficacy</a:t>
-                      </a:r>
-                      <a:endParaRPr lang="en-US" dirty="0"/>
-                    </a:p>
-                  </a:txBody>
-                  <a:tcPr/>
-                </a:tc>
-                <a:tc>
-                  <a:txBody>
-                    <a:bodyPr/>
-                    <a:lstStyle/>
-                    <a:p>
-                      <a:r>
-                        <a:rPr lang="en-US" dirty="0" smtClean="0"/>
-                        <a:t>therapeutic efficacy …increased</a:t>
-                      </a:r>
-                      <a:endParaRPr lang="en-US" dirty="0"/>
-                    </a:p>
-                  </a:txBody>
-                  <a:tcPr/>
-                </a:tc>
-                <a:tc>
-                  <a:txBody>
-                    <a:bodyPr/>
-                    <a:lstStyle/>
-                    <a:p>
-                      <a:r>
-                        <a:rPr lang="en-US" dirty="0" smtClean="0"/>
-                        <a:t>3</a:t>
-                      </a:r>
-                      <a:endParaRPr lang="en-US" dirty="0"/>
-                    </a:p>
-                  </a:txBody>
-                  <a:tcPr/>
-                </a:tc>
-                <a:tc>
-                  <a:txBody>
-                    <a:bodyPr/>
-                    <a:lstStyle/>
-                    <a:p>
-                      <a:endParaRPr lang="en-US" dirty="0"/>
-                    </a:p>
-                  </a:txBody>
-                  <a:tcPr/>
-                </a:tc>
-              </a:tr>
-              <a:tr h="370840">
-                <a:tc>
-                  <a:txBody>
-                    <a:bodyPr/>
-                    <a:lstStyle/>
-                    <a:p>
-                      <a:endParaRPr lang="en-US" dirty="0"/>
-                    </a:p>
-                  </a:txBody>
-                  <a:tcPr/>
-                </a:tc>
-                <a:tc>
-                  <a:txBody>
-                    <a:bodyPr/>
-                    <a:lstStyle/>
-                    <a:p>
-                      <a:endParaRPr lang="en-US" dirty="0"/>
-                    </a:p>
-                  </a:txBody>
-                  <a:tcPr/>
-                </a:tc>
-                <a:tc>
-                  <a:txBody>
-                    <a:bodyPr/>
-                    <a:lstStyle/>
-                    <a:p>
-                      <a:endParaRPr lang="en-US" dirty="0"/>
-                    </a:p>
-                  </a:txBody>
-                  <a:tcPr/>
-                </a:tc>
-                <a:tc>
-                  <a:txBody>
-                    <a:bodyPr/>
-                    <a:lstStyle/>
-                    <a:p>
-                      <a:endParaRPr lang="en-US"/>
-                    </a:p>
-                  </a:txBody>
-                  <a:tcPr/>
-                </a:tc>
-              </a:tr>
-              <a:tr h="370840">
-                <a:tc>
-                  <a:txBody>
-                    <a:bodyPr/>
-                    <a:lstStyle/>
-                    <a:p>
-                      <a:endParaRPr lang="en-US" dirty="0"/>
-                    </a:p>
-                  </a:txBody>
-                  <a:tcPr/>
-                </a:tc>
-                <a:tc>
-                  <a:txBody>
-                    <a:bodyPr/>
-                    <a:lstStyle/>
-                    <a:p>
-                      <a:endParaRPr lang="en-US" dirty="0"/>
-                    </a:p>
-                  </a:txBody>
-                  <a:tcPr/>
-                </a:tc>
-                <a:tc>
-                  <a:txBody>
-                    <a:bodyPr/>
-                    <a:lstStyle/>
-                    <a:p>
-                      <a:endParaRPr lang="en-US" dirty="0"/>
-                    </a:p>
-                  </a:txBody>
-                  <a:tcPr/>
-                </a:tc>
-                <a:tc>
-                  <a:txBody>
-                    <a:bodyPr/>
-                    <a:lstStyle/>
-                    <a:p>
-                      <a:endParaRPr lang="en-US" dirty="0"/>
-                    </a:p>
-                  </a:txBody>
-                  <a:tcPr/>
-                </a:tc>
-              </a:tr>
-              <a:tr h="431800">
-                <a:tc>
-                  <a:txBody>
-                    <a:bodyPr/>
-                    <a:lstStyle/>
-                    <a:p>
-                      <a:endParaRPr lang="en-US"/>
-                    </a:p>
-                  </a:txBody>
-                  <a:tcPr/>
-                </a:tc>
-                <a:tc>
-                  <a:txBody>
-                    <a:bodyPr/>
-                    <a:lstStyle/>
-                    <a:p>
-                      <a:endParaRPr lang="en-US"/>
-                    </a:p>
-                  </a:txBody>
-                  <a:tcPr/>
-                </a:tc>
-                <a:tc>
-                  <a:txBody>
-                    <a:bodyPr/>
-                    <a:lstStyle/>
-                    <a:p>
-                      <a:endParaRPr lang="en-US" dirty="0"/>
-                    </a:p>
-                  </a:txBody>
-                  <a:tcPr/>
-                </a:tc>
-                <a:tc>
-                  <a:txBody>
-                    <a:bodyPr/>
-                    <a:lstStyle/>
-                    <a:p>
-                      <a:endParaRPr lang="en-US" dirty="0"/>
-                    </a:p>
-                  </a:txBody>
-                  <a:tcPr/>
-                </a:tc>
-              </a:tr>
-              <a:tr h="533400">
-                <a:tc>
-                  <a:txBody>
-                    <a:bodyPr/>
-                    <a:lstStyle/>
-                    <a:p>
-                      <a:endParaRPr lang="en-US"/>
-                    </a:p>
-                  </a:txBody>
-                  <a:tcPr/>
-                </a:tc>
-                <a:tc>
-                  <a:txBody>
-                    <a:bodyPr/>
-                    <a:lstStyle/>
-                    <a:p>
-                      <a:endParaRPr lang="en-US"/>
-                    </a:p>
-                  </a:txBody>
-                  <a:tcPr/>
-                </a:tc>
-                <a:tc>
-                  <a:txBody>
-                    <a:bodyPr/>
-                    <a:lstStyle/>
-                    <a:p>
-                      <a:endParaRPr lang="en-US" dirty="0"/>
-                    </a:p>
-                  </a:txBody>
-                  <a:tcPr/>
-                </a:tc>
-                <a:tc>
-                  <a:txBody>
-                    <a:bodyPr/>
-                    <a:lstStyle/>
-                    <a:p>
-                      <a:endParaRPr lang="en-US" dirty="0"/>
-                    </a:p>
-                  </a:txBody>
-                  <a:tcPr/>
-                </a:tc>
-              </a:tr>
-            </a:tbl>
-          </a:graphicData>
-        </a:graphic>
-      </p:graphicFrame>
+            <a:r>
+              <a:rPr lang="en-US" sz="1200" dirty="0" smtClean="0"/>
+              <a:t>[{</a:t>
+            </a:r>
+          </a:p>
+          <a:p>
+            <a:pPr marL="0" indent="0">
+              <a:buNone/>
+            </a:pPr>
+            <a:r>
+              <a:rPr lang="en-US" sz="1200" dirty="0" smtClean="0"/>
+              <a:t>  "operation": "shift",</a:t>
+            </a:r>
+          </a:p>
+          <a:p>
+            <a:pPr marL="0" indent="0">
+              <a:buNone/>
+            </a:pPr>
+            <a:r>
+              <a:rPr lang="en-US" sz="1200" dirty="0" smtClean="0"/>
+              <a:t>  "spec": {</a:t>
+            </a:r>
+          </a:p>
+          <a:p>
+            <a:pPr marL="0" indent="0">
+              <a:buNone/>
+            </a:pPr>
+            <a:r>
+              <a:rPr lang="en-US" sz="1200" dirty="0" smtClean="0"/>
+              <a:t>    "</a:t>
+            </a:r>
+            <a:r>
+              <a:rPr lang="en-US" sz="1200" dirty="0" err="1" smtClean="0"/>
+              <a:t>interactionTypeGroup</a:t>
+            </a:r>
+            <a:r>
+              <a:rPr lang="en-US" sz="1200" dirty="0" smtClean="0"/>
+              <a:t>": {</a:t>
+            </a:r>
+          </a:p>
+          <a:p>
+            <a:pPr marL="0" indent="0">
+              <a:buNone/>
+            </a:pPr>
+            <a:r>
+              <a:rPr lang="en-US" sz="1200" dirty="0" smtClean="0"/>
+              <a:t>      "*": {</a:t>
+            </a:r>
+          </a:p>
+          <a:p>
+            <a:pPr marL="0" indent="0">
+              <a:buNone/>
+            </a:pPr>
+            <a:r>
+              <a:rPr lang="en-US" sz="1200" dirty="0" smtClean="0"/>
+              <a:t>        "</a:t>
+            </a:r>
+            <a:r>
+              <a:rPr lang="en-US" sz="1200" dirty="0" err="1" smtClean="0"/>
+              <a:t>interactionType</a:t>
+            </a:r>
+            <a:r>
+              <a:rPr lang="en-US" sz="1200" dirty="0" smtClean="0"/>
+              <a:t>": {</a:t>
+            </a:r>
+          </a:p>
+          <a:p>
+            <a:pPr marL="0" indent="0">
+              <a:buNone/>
+            </a:pPr>
+            <a:r>
+              <a:rPr lang="en-US" sz="1200" dirty="0" smtClean="0"/>
+              <a:t>          "*": {</a:t>
+            </a:r>
+          </a:p>
+          <a:p>
+            <a:pPr marL="0" indent="0">
+              <a:buNone/>
+            </a:pPr>
+            <a:r>
+              <a:rPr lang="en-US" sz="1200" dirty="0" smtClean="0"/>
+              <a:t>            "</a:t>
+            </a:r>
+            <a:r>
+              <a:rPr lang="en-US" sz="1200" dirty="0" err="1" smtClean="0"/>
+              <a:t>minConceptItem</a:t>
+            </a:r>
+            <a:r>
+              <a:rPr lang="en-US" sz="1200" dirty="0" smtClean="0"/>
+              <a:t>": {</a:t>
+            </a:r>
+          </a:p>
+          <a:p>
+            <a:pPr marL="0" indent="0">
+              <a:buNone/>
+            </a:pPr>
+            <a:r>
+              <a:rPr lang="en-US" sz="1200" dirty="0" smtClean="0"/>
+              <a:t>              "</a:t>
+            </a:r>
+            <a:r>
+              <a:rPr lang="en-US" sz="1200" dirty="0" err="1" smtClean="0"/>
+              <a:t>rxcui</a:t>
+            </a:r>
+            <a:r>
+              <a:rPr lang="en-US" sz="1200" dirty="0" smtClean="0"/>
+              <a:t>": "</a:t>
+            </a:r>
+            <a:r>
+              <a:rPr lang="en-US" sz="1200" dirty="0" err="1" smtClean="0"/>
+              <a:t>rxcui</a:t>
+            </a:r>
+            <a:r>
+              <a:rPr lang="en-US" sz="1200" dirty="0" smtClean="0"/>
+              <a:t>",</a:t>
+            </a:r>
+          </a:p>
+          <a:p>
+            <a:pPr marL="0" indent="0">
+              <a:buNone/>
+            </a:pPr>
+            <a:r>
+              <a:rPr lang="en-US" sz="1200" dirty="0" smtClean="0"/>
+              <a:t>              "name": "name"</a:t>
+            </a:r>
+          </a:p>
+          <a:p>
+            <a:pPr marL="0" indent="0">
+              <a:buNone/>
+            </a:pPr>
+            <a:r>
+              <a:rPr lang="en-US" sz="1200" dirty="0" smtClean="0"/>
+              <a:t>            },</a:t>
+            </a:r>
+          </a:p>
+          <a:p>
+            <a:pPr marL="0" indent="0">
+              <a:buNone/>
+            </a:pPr>
+            <a:r>
+              <a:rPr lang="en-US" sz="1200" dirty="0" smtClean="0"/>
+              <a:t>            "</a:t>
+            </a:r>
+            <a:r>
+              <a:rPr lang="en-US" sz="1200" dirty="0" err="1" smtClean="0"/>
+              <a:t>interactionPair</a:t>
+            </a:r>
+            <a:r>
+              <a:rPr lang="en-US" sz="1200" dirty="0" smtClean="0"/>
+              <a:t>": {</a:t>
+            </a:r>
+          </a:p>
+          <a:p>
+            <a:pPr marL="0" indent="0">
+              <a:buNone/>
+            </a:pPr>
+            <a:r>
+              <a:rPr lang="en-US" sz="1200" dirty="0" smtClean="0"/>
+              <a:t>              "*": {</a:t>
+            </a:r>
+          </a:p>
+          <a:p>
+            <a:pPr marL="0" indent="0">
+              <a:buNone/>
+            </a:pPr>
+            <a:r>
+              <a:rPr lang="en-US" sz="1200" dirty="0" smtClean="0"/>
+              <a:t>                "severity": "severity",</a:t>
+            </a:r>
+          </a:p>
+          <a:p>
+            <a:pPr marL="0" indent="0">
+              <a:buNone/>
+            </a:pPr>
+            <a:r>
+              <a:rPr lang="en-US" sz="1200" dirty="0" smtClean="0"/>
+              <a:t>                "description": "description",</a:t>
+            </a:r>
+          </a:p>
+          <a:p>
+            <a:pPr marL="0" indent="0">
+              <a:buNone/>
+            </a:pPr>
+            <a:r>
+              <a:rPr lang="en-US" sz="1200" dirty="0" smtClean="0"/>
+              <a:t>                "</a:t>
+            </a:r>
+            <a:r>
+              <a:rPr lang="en-US" sz="1200" dirty="0" err="1" smtClean="0"/>
+              <a:t>interactionConcept</a:t>
+            </a:r>
+            <a:r>
+              <a:rPr lang="en-US" sz="1200" dirty="0" smtClean="0"/>
+              <a:t>": {</a:t>
+            </a:r>
+          </a:p>
+          <a:p>
+            <a:pPr marL="0" indent="0">
+              <a:buNone/>
+            </a:pPr>
+            <a:r>
+              <a:rPr lang="en-US" sz="1200" dirty="0" smtClean="0"/>
+              <a:t>                  "*": {</a:t>
+            </a:r>
+          </a:p>
+          <a:p>
+            <a:pPr marL="0" indent="0">
+              <a:buNone/>
+            </a:pPr>
+            <a:r>
+              <a:rPr lang="en-US" sz="1200" dirty="0" smtClean="0"/>
+              <a:t>                    "</a:t>
+            </a:r>
+            <a:r>
+              <a:rPr lang="en-US" sz="1200" dirty="0" err="1" smtClean="0"/>
+              <a:t>minConceptItem</a:t>
+            </a:r>
+            <a:r>
+              <a:rPr lang="en-US" sz="1200" dirty="0" smtClean="0"/>
+              <a:t>": {</a:t>
+            </a:r>
+          </a:p>
+          <a:p>
+            <a:pPr marL="0" indent="0">
+              <a:buNone/>
+            </a:pPr>
+            <a:r>
+              <a:rPr lang="en-US" sz="1200" dirty="0" smtClean="0"/>
+              <a:t>                      "</a:t>
+            </a:r>
+            <a:r>
+              <a:rPr lang="en-US" sz="1200" dirty="0" err="1" smtClean="0"/>
+              <a:t>rxcui</a:t>
+            </a:r>
+            <a:r>
+              <a:rPr lang="en-US" sz="1200" dirty="0" smtClean="0"/>
+              <a:t>": "</a:t>
+            </a:r>
+            <a:r>
+              <a:rPr lang="en-US" sz="1200" dirty="0" err="1" smtClean="0"/>
+              <a:t>IdList</a:t>
+            </a:r>
+            <a:r>
+              <a:rPr lang="en-US" sz="1200" dirty="0" smtClean="0"/>
+              <a:t>",</a:t>
+            </a:r>
+          </a:p>
+          <a:p>
+            <a:pPr marL="0" indent="0">
+              <a:buNone/>
+            </a:pPr>
+            <a:r>
+              <a:rPr lang="en-US" sz="1200" dirty="0" smtClean="0"/>
+              <a:t>                      "name": "</a:t>
+            </a:r>
+            <a:r>
+              <a:rPr lang="en-US" sz="1200" dirty="0" err="1" smtClean="0"/>
+              <a:t>NameList</a:t>
+            </a:r>
+            <a:r>
+              <a:rPr lang="en-US" sz="1200" dirty="0" smtClean="0"/>
+              <a:t>"</a:t>
+            </a:r>
+          </a:p>
+          <a:p>
+            <a:pPr marL="0" indent="0">
+              <a:buNone/>
+            </a:pPr>
+            <a:r>
+              <a:rPr lang="en-US" sz="1200" dirty="0" smtClean="0"/>
+              <a:t>                    }           }         }      }          }          }   }      }    }  }}]</a:t>
+            </a:r>
+            <a:endParaRPr lang="en-US" sz="1200" dirty="0"/>
+          </a:p>
+        </p:txBody>
+      </p:sp>
     </p:spTree>
     <p:extLst>
       <p:ext uri="{BB962C8B-B14F-4D97-AF65-F5344CB8AC3E}">
-        <p14:creationId xmlns:p14="http://schemas.microsoft.com/office/powerpoint/2010/main" val="1364604840"/>
+        <p14:creationId xmlns:p14="http://schemas.microsoft.com/office/powerpoint/2010/main" val="193232357"/>
       </p:ext>
     </p:extLst>
   </p:cSld>
@@ -6980,15 +5935,7 @@
           <a:p>
             <a:r>
               <a:rPr lang="en-US" dirty="0" smtClean="0"/>
-              <a:t>Result </a:t>
-            </a:r>
-            <a:r>
-              <a:rPr lang="en-US" dirty="0" err="1" smtClean="0"/>
-              <a:t>dataframe</a:t>
-            </a:r>
-            <a:r>
-              <a:rPr lang="en-US" dirty="0" smtClean="0"/>
-              <a:t> for doctor </a:t>
+              <a:t>Result producer data</a:t>
             </a:r>
             <a:endParaRPr lang="en-US" dirty="0"/>
           </a:p>
@@ -7006,23 +5953,238 @@
         </p:nvSpPr>
         <p:spPr/>
         <p:txBody>
-          <a:bodyPr/>
+          <a:bodyPr>
+            <a:normAutofit fontScale="70000" lnSpcReduction="20000"/>
+          </a:bodyPr>
           <a:lstStyle/>
           <a:p>
-            <a:endParaRPr lang="en-US"/>
+            <a:pPr marL="0" indent="0">
+              <a:buNone/>
+            </a:pPr>
+            <a:r>
+              <a:rPr lang="en-US" dirty="0" smtClean="0"/>
+              <a:t>{</a:t>
+            </a:r>
+          </a:p>
+          <a:p>
+            <a:pPr marL="0" indent="0">
+              <a:buNone/>
+            </a:pPr>
+            <a:r>
+              <a:rPr lang="en-US" dirty="0" smtClean="0"/>
+              <a:t>  "</a:t>
+            </a:r>
+            <a:r>
+              <a:rPr lang="en-US" dirty="0" err="1" smtClean="0"/>
+              <a:t>rxcui</a:t>
+            </a:r>
+            <a:r>
+              <a:rPr lang="en-US" dirty="0" smtClean="0"/>
+              <a:t>" : "88014",</a:t>
+            </a:r>
+          </a:p>
+          <a:p>
+            <a:pPr marL="0" indent="0">
+              <a:buNone/>
+            </a:pPr>
+            <a:r>
+              <a:rPr lang="en-US" dirty="0" smtClean="0"/>
+              <a:t>  "name" : "</a:t>
+            </a:r>
+            <a:r>
+              <a:rPr lang="en-US" dirty="0" err="1" smtClean="0"/>
+              <a:t>rizatriptan</a:t>
+            </a:r>
+            <a:r>
+              <a:rPr lang="en-US" dirty="0" smtClean="0"/>
+              <a:t>",</a:t>
+            </a:r>
+          </a:p>
+          <a:p>
+            <a:pPr marL="0" indent="0">
+              <a:buNone/>
+            </a:pPr>
+            <a:r>
+              <a:rPr lang="en-US" dirty="0" smtClean="0"/>
+              <a:t>  "severity" : [ "high", "high", "high", "high", "high" ],</a:t>
+            </a:r>
+          </a:p>
+          <a:p>
+            <a:pPr marL="0" indent="0">
+              <a:buNone/>
+            </a:pPr>
+            <a:r>
+              <a:rPr lang="en-US" dirty="0" smtClean="0"/>
+              <a:t>  "description" : [ "</a:t>
+            </a:r>
+            <a:r>
+              <a:rPr lang="en-US" dirty="0" err="1" smtClean="0"/>
+              <a:t>Triptans</a:t>
+            </a:r>
+            <a:r>
+              <a:rPr lang="en-US" dirty="0" smtClean="0"/>
+              <a:t> - monoamine oxidase (MAO) inhibitors", "</a:t>
+            </a:r>
+            <a:r>
+              <a:rPr lang="en-US" dirty="0" err="1" smtClean="0"/>
+              <a:t>Triptans</a:t>
+            </a:r>
+            <a:r>
+              <a:rPr lang="en-US" dirty="0" smtClean="0"/>
+              <a:t> - monoamine oxidase (MAO) inhibitors", "</a:t>
+            </a:r>
+            <a:r>
+              <a:rPr lang="en-US" dirty="0" err="1" smtClean="0"/>
+              <a:t>Triptans</a:t>
+            </a:r>
+            <a:r>
+              <a:rPr lang="en-US" dirty="0" smtClean="0"/>
+              <a:t> - monoamine oxidase (MAO) inhibitors", "</a:t>
+            </a:r>
+            <a:r>
+              <a:rPr lang="en-US" dirty="0" err="1" smtClean="0"/>
+              <a:t>Triptans</a:t>
+            </a:r>
+            <a:r>
+              <a:rPr lang="en-US" dirty="0" smtClean="0"/>
+              <a:t> - monoamine oxidase (MAO) inhibitors", "</a:t>
+            </a:r>
+            <a:r>
+              <a:rPr lang="en-US" dirty="0" err="1" smtClean="0"/>
+              <a:t>Triptans</a:t>
+            </a:r>
+            <a:r>
+              <a:rPr lang="en-US" dirty="0" smtClean="0"/>
+              <a:t> - monoamine oxidase (MAO) inhibitors" ],</a:t>
+            </a:r>
+          </a:p>
+          <a:p>
+            <a:pPr marL="0" indent="0">
+              <a:buNone/>
+            </a:pPr>
+            <a:r>
+              <a:rPr lang="en-US" dirty="0" smtClean="0"/>
+              <a:t>  "</a:t>
+            </a:r>
+            <a:r>
+              <a:rPr lang="en-US" dirty="0" err="1" smtClean="0"/>
+              <a:t>IdList</a:t>
+            </a:r>
+            <a:r>
+              <a:rPr lang="en-US" dirty="0" smtClean="0"/>
+              <a:t>" : [ "88014", "10734", "88014", "30121", "88014", "6011", "88014", "6878", "88014", "8123" ],</a:t>
+            </a:r>
+          </a:p>
+          <a:p>
+            <a:pPr marL="0" indent="0">
+              <a:buNone/>
+            </a:pPr>
+            <a:r>
+              <a:rPr lang="en-US" dirty="0" smtClean="0"/>
+              <a:t>  "</a:t>
+            </a:r>
+            <a:r>
+              <a:rPr lang="en-US" dirty="0" err="1" smtClean="0"/>
+              <a:t>NameList</a:t>
+            </a:r>
+            <a:r>
+              <a:rPr lang="en-US" dirty="0" smtClean="0"/>
+              <a:t>" : [ "</a:t>
+            </a:r>
+            <a:r>
+              <a:rPr lang="en-US" dirty="0" err="1" smtClean="0"/>
+              <a:t>rizatriptan</a:t>
+            </a:r>
+            <a:r>
+              <a:rPr lang="en-US" dirty="0" smtClean="0"/>
+              <a:t>", "tranylcypromine", "</a:t>
+            </a:r>
+            <a:r>
+              <a:rPr lang="en-US" dirty="0" err="1" smtClean="0"/>
+              <a:t>rizatriptan</a:t>
+            </a:r>
+            <a:r>
+              <a:rPr lang="en-US" dirty="0" smtClean="0"/>
+              <a:t>", "</a:t>
+            </a:r>
+            <a:r>
+              <a:rPr lang="en-US" dirty="0" err="1" smtClean="0"/>
+              <a:t>moclobemide</a:t>
+            </a:r>
+            <a:r>
+              <a:rPr lang="en-US" dirty="0" smtClean="0"/>
+              <a:t>", "</a:t>
+            </a:r>
+            <a:r>
+              <a:rPr lang="en-US" dirty="0" err="1" smtClean="0"/>
+              <a:t>rizatriptan</a:t>
+            </a:r>
+            <a:r>
+              <a:rPr lang="en-US" dirty="0" smtClean="0"/>
+              <a:t>", "</a:t>
+            </a:r>
+            <a:r>
+              <a:rPr lang="en-US" dirty="0" err="1" smtClean="0"/>
+              <a:t>isocarboxazid</a:t>
+            </a:r>
+            <a:r>
+              <a:rPr lang="en-US" dirty="0" smtClean="0"/>
+              <a:t>", "</a:t>
+            </a:r>
+            <a:r>
+              <a:rPr lang="en-US" dirty="0" err="1" smtClean="0"/>
+              <a:t>rizatriptan</a:t>
+            </a:r>
+            <a:r>
+              <a:rPr lang="en-US" dirty="0" smtClean="0"/>
+              <a:t>", "methylene blue", "</a:t>
+            </a:r>
+            <a:r>
+              <a:rPr lang="en-US" dirty="0" err="1" smtClean="0"/>
+              <a:t>rizatriptan</a:t>
+            </a:r>
+            <a:r>
+              <a:rPr lang="en-US" dirty="0" smtClean="0"/>
+              <a:t>", "</a:t>
+            </a:r>
+            <a:r>
+              <a:rPr lang="en-US" dirty="0" err="1" smtClean="0"/>
+              <a:t>phenelzine</a:t>
+            </a:r>
+            <a:r>
+              <a:rPr lang="en-US" dirty="0" smtClean="0"/>
+              <a:t>" ]</a:t>
+            </a:r>
+          </a:p>
+          <a:p>
+            <a:pPr marL="0" indent="0">
+              <a:buNone/>
+            </a:pPr>
+            <a:r>
+              <a:rPr lang="en-US" dirty="0" smtClean="0"/>
+              <a:t>}</a:t>
+            </a:r>
+            <a:endParaRPr lang="en-US" dirty="0"/>
           </a:p>
         </p:txBody>
       </p:sp>
     </p:spTree>
     <p:extLst>
       <p:ext uri="{BB962C8B-B14F-4D97-AF65-F5344CB8AC3E}">
-        <p14:creationId xmlns:p14="http://schemas.microsoft.com/office/powerpoint/2010/main" val="2138807293"/>
+        <p14:creationId xmlns:p14="http://schemas.microsoft.com/office/powerpoint/2010/main" val="707677580"/>
       </p:ext>
     </p:extLst>
   </p:cSld>
   <p:clrMapOvr>
     <a:masterClrMapping/>
   </p:clrMapOvr>
+  <p:timing>
+    <p:tnLst>
+      <p:par>
+        <p:cTn id="1" dur="indefinite" restart="never" nodeType="tmRoot"/>
+      </p:par>
+    </p:tnLst>
+  </p:timing>
 </p:sld>
 </file>
 
@@ -7168,46 +6330,516 @@
         </p:nvSpPr>
         <p:spPr/>
         <p:txBody>
+          <a:bodyPr>
+            <a:normAutofit fontScale="90000"/>
+          </a:bodyPr>
+          <a:lstStyle/>
+          <a:p>
+            <a:r>
+              <a:rPr lang="en-US" dirty="0" smtClean="0"/>
+              <a:t>Lexical analysis and data transformation</a:t>
+            </a:r>
+            <a:endParaRPr lang="en-US" dirty="0"/>
+          </a:p>
+        </p:txBody>
+      </p:sp>
+      <p:sp>
+        <p:nvSpPr>
+          <p:cNvPr id="3" name="Content Placeholder 2"/>
+          <p:cNvSpPr>
+            <a:spLocks noGrp="1"/>
+          </p:cNvSpPr>
+          <p:nvPr>
+            <p:ph idx="1"/>
+          </p:nvPr>
+        </p:nvSpPr>
+        <p:spPr>
+          <a:xfrm>
+            <a:off x="533400" y="1371600"/>
+            <a:ext cx="8229600" cy="4525963"/>
+          </a:xfrm>
+        </p:spPr>
+        <p:txBody>
           <a:bodyPr/>
           <a:lstStyle/>
           <a:p>
             <a:r>
               <a:rPr lang="en-US" dirty="0" smtClean="0"/>
-              <a:t>HDFS archive file structure</a:t>
-            </a:r>
+              <a:t>In this </a:t>
+            </a:r>
+            <a:r>
+              <a:rPr lang="en-US" dirty="0" err="1" smtClean="0"/>
+              <a:t>api</a:t>
+            </a:r>
+            <a:r>
+              <a:rPr lang="en-US" dirty="0" smtClean="0"/>
+              <a:t> we have not direct interaction &amp; severity definition and need implement lexical analysis to understand the result.</a:t>
+            </a:r>
+          </a:p>
+          <a:p>
+            <a:pPr marL="0" indent="0">
+              <a:buNone/>
+            </a:pPr>
             <a:endParaRPr lang="en-US" dirty="0"/>
           </a:p>
         </p:txBody>
       </p:sp>
-      <p:sp>
-        <p:nvSpPr>
-          <p:cNvPr id="3" name="Content Placeholder 2"/>
-          <p:cNvSpPr>
-            <a:spLocks noGrp="1"/>
-          </p:cNvSpPr>
-          <p:nvPr>
-            <p:ph idx="1"/>
-          </p:nvPr>
-        </p:nvSpPr>
-        <p:spPr/>
-        <p:txBody>
-          <a:bodyPr/>
-          <a:lstStyle/>
-          <a:p>
-            <a:endParaRPr lang="en-US" dirty="0"/>
-          </a:p>
-        </p:txBody>
-      </p:sp>
+      <p:graphicFrame>
+        <p:nvGraphicFramePr>
+          <p:cNvPr id="4" name="Table 3"/>
+          <p:cNvGraphicFramePr>
+            <a:graphicFrameLocks noGrp="1"/>
+          </p:cNvGraphicFramePr>
+          <p:nvPr>
+            <p:extLst>
+              <p:ext uri="{D42A27DB-BD31-4B8C-83A1-F6EECF244321}">
+                <p14:modId xmlns:p14="http://schemas.microsoft.com/office/powerpoint/2010/main" val="881277984"/>
+              </p:ext>
+            </p:extLst>
+          </p:nvPr>
+        </p:nvGraphicFramePr>
+        <p:xfrm>
+          <a:off x="533400" y="3048000"/>
+          <a:ext cx="7924800" cy="3672840"/>
+        </p:xfrm>
+        <a:graphic>
+          <a:graphicData uri="http://schemas.openxmlformats.org/drawingml/2006/table">
+            <a:tbl>
+              <a:tblPr firstRow="1" bandRow="1">
+                <a:tableStyleId>{5C22544A-7EE6-4342-B048-85BDC9FD1C3A}</a:tableStyleId>
+              </a:tblPr>
+              <a:tblGrid>
+                <a:gridCol w="1447800"/>
+                <a:gridCol w="3211830"/>
+                <a:gridCol w="1131570"/>
+                <a:gridCol w="2133600"/>
+              </a:tblGrid>
+              <a:tr h="289561">
+                <a:tc>
+                  <a:txBody>
+                    <a:bodyPr/>
+                    <a:lstStyle/>
+                    <a:p>
+                      <a:r>
+                        <a:rPr lang="en-US" dirty="0" smtClean="0"/>
+                        <a:t>Word </a:t>
+                      </a:r>
+                      <a:endParaRPr lang="en-US" dirty="0"/>
+                    </a:p>
+                  </a:txBody>
+                  <a:tcPr/>
+                </a:tc>
+                <a:tc>
+                  <a:txBody>
+                    <a:bodyPr/>
+                    <a:lstStyle/>
+                    <a:p>
+                      <a:r>
+                        <a:rPr lang="en-US" dirty="0" smtClean="0"/>
+                        <a:t>interaction</a:t>
+                      </a:r>
+                      <a:endParaRPr lang="en-US" dirty="0"/>
+                    </a:p>
+                  </a:txBody>
+                  <a:tcPr/>
+                </a:tc>
+                <a:tc>
+                  <a:txBody>
+                    <a:bodyPr/>
+                    <a:lstStyle/>
+                    <a:p>
+                      <a:r>
+                        <a:rPr lang="en-US" dirty="0" smtClean="0"/>
+                        <a:t>severity</a:t>
+                      </a:r>
+                      <a:endParaRPr lang="en-US" dirty="0"/>
+                    </a:p>
+                  </a:txBody>
+                  <a:tcPr/>
+                </a:tc>
+                <a:tc>
+                  <a:txBody>
+                    <a:bodyPr/>
+                    <a:lstStyle/>
+                    <a:p>
+                      <a:r>
+                        <a:rPr lang="en-US" dirty="0" smtClean="0"/>
+                        <a:t>description</a:t>
+                      </a:r>
+                      <a:endParaRPr lang="en-US" dirty="0"/>
+                    </a:p>
+                  </a:txBody>
+                  <a:tcPr/>
+                </a:tc>
+              </a:tr>
+              <a:tr h="370840">
+                <a:tc>
+                  <a:txBody>
+                    <a:bodyPr/>
+                    <a:lstStyle/>
+                    <a:p>
+                      <a:r>
+                        <a:rPr lang="en-US" dirty="0" smtClean="0"/>
+                        <a:t>risk</a:t>
+                      </a:r>
+                      <a:endParaRPr lang="en-US" dirty="0"/>
+                    </a:p>
+                  </a:txBody>
+                  <a:tcPr/>
+                </a:tc>
+                <a:tc>
+                  <a:txBody>
+                    <a:bodyPr/>
+                    <a:lstStyle/>
+                    <a:p>
+                      <a:r>
+                        <a:rPr lang="en-US" dirty="0" smtClean="0"/>
+                        <a:t>The risk or severity of …increased </a:t>
+                      </a:r>
+                      <a:endParaRPr lang="en-US" dirty="0"/>
+                    </a:p>
+                  </a:txBody>
+                  <a:tcPr/>
+                </a:tc>
+                <a:tc>
+                  <a:txBody>
+                    <a:bodyPr/>
+                    <a:lstStyle/>
+                    <a:p>
+                      <a:r>
+                        <a:rPr lang="en-US" dirty="0" smtClean="0"/>
+                        <a:t>-3</a:t>
+                      </a:r>
+                      <a:endParaRPr lang="en-US" dirty="0"/>
+                    </a:p>
+                  </a:txBody>
+                  <a:tcPr/>
+                </a:tc>
+                <a:tc>
+                  <a:txBody>
+                    <a:bodyPr/>
+                    <a:lstStyle/>
+                    <a:p>
+                      <a:endParaRPr lang="en-US" dirty="0"/>
+                    </a:p>
+                  </a:txBody>
+                  <a:tcPr/>
+                </a:tc>
+              </a:tr>
+              <a:tr h="370840">
+                <a:tc>
+                  <a:txBody>
+                    <a:bodyPr/>
+                    <a:lstStyle/>
+                    <a:p>
+                      <a:r>
+                        <a:rPr lang="en-US" dirty="0" smtClean="0"/>
+                        <a:t> excretion rate</a:t>
+                      </a:r>
+                      <a:endParaRPr lang="en-US" dirty="0"/>
+                    </a:p>
+                  </a:txBody>
+                  <a:tcPr/>
+                </a:tc>
+                <a:tc>
+                  <a:txBody>
+                    <a:bodyPr/>
+                    <a:lstStyle/>
+                    <a:p>
+                      <a:pPr marL="0" marR="0" indent="0" algn="l" defTabSz="914400" rtl="0" eaLnBrk="1" fontAlgn="auto" latinLnBrk="0" hangingPunct="1">
+                        <a:lnSpc>
+                          <a:spcPct val="100000"/>
+                        </a:lnSpc>
+                        <a:spcBef>
+                          <a:spcPts val="0"/>
+                        </a:spcBef>
+                        <a:spcAft>
+                          <a:spcPts val="0"/>
+                        </a:spcAft>
+                        <a:buClrTx/>
+                        <a:buSzTx/>
+                        <a:buFontTx/>
+                        <a:buNone/>
+                        <a:tabLst/>
+                        <a:defRPr/>
+                      </a:pPr>
+                      <a:r>
+                        <a:rPr lang="en-US" dirty="0" smtClean="0"/>
+                        <a:t>decrease the excretion rate   … </a:t>
+                      </a:r>
+                      <a:r>
+                        <a:rPr lang="en-US" dirty="0" smtClean="0"/>
+                        <a:t>higher …level</a:t>
+                      </a:r>
+                    </a:p>
+                    <a:p>
+                      <a:endParaRPr lang="en-US" dirty="0"/>
+                    </a:p>
+                  </a:txBody>
+                  <a:tcPr/>
+                </a:tc>
+                <a:tc>
+                  <a:txBody>
+                    <a:bodyPr/>
+                    <a:lstStyle/>
+                    <a:p>
+                      <a:r>
+                        <a:rPr lang="en-US" dirty="0" smtClean="0"/>
+                        <a:t>-1</a:t>
+                      </a:r>
+                      <a:endParaRPr lang="en-US" dirty="0"/>
+                    </a:p>
+                  </a:txBody>
+                  <a:tcPr/>
+                </a:tc>
+                <a:tc>
+                  <a:txBody>
+                    <a:bodyPr/>
+                    <a:lstStyle/>
+                    <a:p>
+                      <a:endParaRPr lang="en-US"/>
+                    </a:p>
+                  </a:txBody>
+                  <a:tcPr/>
+                </a:tc>
+              </a:tr>
+              <a:tr h="370840">
+                <a:tc>
+                  <a:txBody>
+                    <a:bodyPr/>
+                    <a:lstStyle/>
+                    <a:p>
+                      <a:r>
+                        <a:rPr lang="en-US" dirty="0" smtClean="0"/>
+                        <a:t>metabolism</a:t>
+                      </a:r>
+                      <a:endParaRPr lang="en-US" dirty="0"/>
+                    </a:p>
+                  </a:txBody>
+                  <a:tcPr/>
+                </a:tc>
+                <a:tc>
+                  <a:txBody>
+                    <a:bodyPr/>
+                    <a:lstStyle/>
+                    <a:p>
+                      <a:r>
+                        <a:rPr lang="en-US" dirty="0" smtClean="0"/>
+                        <a:t>The metabolism … decreased </a:t>
+                      </a:r>
+                      <a:endParaRPr lang="en-US" dirty="0"/>
+                    </a:p>
+                  </a:txBody>
+                  <a:tcPr/>
+                </a:tc>
+                <a:tc>
+                  <a:txBody>
+                    <a:bodyPr/>
+                    <a:lstStyle/>
+                    <a:p>
+                      <a:r>
+                        <a:rPr lang="en-US" dirty="0" smtClean="0"/>
+                        <a:t>-1</a:t>
+                      </a:r>
+                      <a:endParaRPr lang="en-US" dirty="0"/>
+                    </a:p>
+                  </a:txBody>
+                  <a:tcPr/>
+                </a:tc>
+                <a:tc>
+                  <a:txBody>
+                    <a:bodyPr/>
+                    <a:lstStyle/>
+                    <a:p>
+                      <a:endParaRPr lang="en-US" dirty="0"/>
+                    </a:p>
+                  </a:txBody>
+                  <a:tcPr/>
+                </a:tc>
+              </a:tr>
+              <a:tr h="370840">
+                <a:tc>
+                  <a:txBody>
+                    <a:bodyPr/>
+                    <a:lstStyle/>
+                    <a:p>
+                      <a:r>
+                        <a:rPr lang="en-US" dirty="0" smtClean="0"/>
+                        <a:t>therapeutic efficacy</a:t>
+                      </a:r>
+                      <a:endParaRPr lang="en-US" dirty="0"/>
+                    </a:p>
+                  </a:txBody>
+                  <a:tcPr/>
+                </a:tc>
+                <a:tc>
+                  <a:txBody>
+                    <a:bodyPr/>
+                    <a:lstStyle/>
+                    <a:p>
+                      <a:r>
+                        <a:rPr lang="en-US" dirty="0" smtClean="0"/>
+                        <a:t>therapeutic efficacy … decreased </a:t>
+                      </a:r>
+                      <a:endParaRPr lang="en-US" dirty="0"/>
+                    </a:p>
+                  </a:txBody>
+                  <a:tcPr/>
+                </a:tc>
+                <a:tc>
+                  <a:txBody>
+                    <a:bodyPr/>
+                    <a:lstStyle/>
+                    <a:p>
+                      <a:r>
+                        <a:rPr lang="en-US" dirty="0" smtClean="0"/>
+                        <a:t>-1</a:t>
+                      </a:r>
+                      <a:endParaRPr lang="en-US" dirty="0"/>
+                    </a:p>
+                  </a:txBody>
+                  <a:tcPr/>
+                </a:tc>
+                <a:tc>
+                  <a:txBody>
+                    <a:bodyPr/>
+                    <a:lstStyle/>
+                    <a:p>
+                      <a:endParaRPr lang="en-US"/>
+                    </a:p>
+                  </a:txBody>
+                  <a:tcPr/>
+                </a:tc>
+              </a:tr>
+              <a:tr h="370840">
+                <a:tc>
+                  <a:txBody>
+                    <a:bodyPr/>
+                    <a:lstStyle/>
+                    <a:p>
+                      <a:r>
+                        <a:rPr lang="en-US" dirty="0" smtClean="0"/>
+                        <a:t>activities</a:t>
+                      </a:r>
+                      <a:endParaRPr lang="en-US" dirty="0"/>
+                    </a:p>
+                  </a:txBody>
+                  <a:tcPr/>
+                </a:tc>
+                <a:tc>
+                  <a:txBody>
+                    <a:bodyPr/>
+                    <a:lstStyle/>
+                    <a:p>
+                      <a:r>
+                        <a:rPr lang="en-US" dirty="0" smtClean="0"/>
+                        <a:t>decrease</a:t>
+                      </a:r>
+                      <a:endParaRPr lang="en-US" dirty="0"/>
+                    </a:p>
+                  </a:txBody>
+                  <a:tcPr/>
+                </a:tc>
+                <a:tc>
+                  <a:txBody>
+                    <a:bodyPr/>
+                    <a:lstStyle/>
+                    <a:p>
+                      <a:r>
+                        <a:rPr lang="en-US" dirty="0" smtClean="0"/>
+                        <a:t>-1</a:t>
+                      </a:r>
+                      <a:endParaRPr lang="en-US" dirty="0"/>
+                    </a:p>
+                  </a:txBody>
+                  <a:tcPr/>
+                </a:tc>
+                <a:tc>
+                  <a:txBody>
+                    <a:bodyPr/>
+                    <a:lstStyle/>
+                    <a:p>
+                      <a:endParaRPr lang="en-US" dirty="0"/>
+                    </a:p>
+                  </a:txBody>
+                  <a:tcPr/>
+                </a:tc>
+              </a:tr>
+              <a:tr h="370840">
+                <a:tc>
+                  <a:txBody>
+                    <a:bodyPr/>
+                    <a:lstStyle/>
+                    <a:p>
+                      <a:r>
+                        <a:rPr lang="en-US" dirty="0" smtClean="0"/>
+                        <a:t>increase</a:t>
+                      </a:r>
+                      <a:endParaRPr lang="en-US" dirty="0"/>
+                    </a:p>
+                  </a:txBody>
+                  <a:tcPr/>
+                </a:tc>
+                <a:tc>
+                  <a:txBody>
+                    <a:bodyPr/>
+                    <a:lstStyle/>
+                    <a:p>
+                      <a:r>
+                        <a:rPr lang="en-US" dirty="0" smtClean="0"/>
+                        <a:t>increase …activities</a:t>
+                      </a:r>
+                      <a:endParaRPr lang="en-US" dirty="0"/>
+                    </a:p>
+                  </a:txBody>
+                  <a:tcPr/>
+                </a:tc>
+                <a:tc>
+                  <a:txBody>
+                    <a:bodyPr/>
+                    <a:lstStyle/>
+                    <a:p>
+                      <a:r>
+                        <a:rPr lang="en-US" dirty="0" smtClean="0"/>
+                        <a:t>2</a:t>
+                      </a:r>
+                      <a:endParaRPr lang="en-US" dirty="0"/>
+                    </a:p>
+                  </a:txBody>
+                  <a:tcPr/>
+                </a:tc>
+                <a:tc>
+                  <a:txBody>
+                    <a:bodyPr/>
+                    <a:lstStyle/>
+                    <a:p>
+                      <a:endParaRPr lang="en-US" dirty="0"/>
+                    </a:p>
+                  </a:txBody>
+                  <a:tcPr/>
+                </a:tc>
+              </a:tr>
+            </a:tbl>
+          </a:graphicData>
+        </a:graphic>
+      </p:graphicFrame>
     </p:spTree>
     <p:extLst>
       <p:ext uri="{BB962C8B-B14F-4D97-AF65-F5344CB8AC3E}">
-        <p14:creationId xmlns:p14="http://schemas.microsoft.com/office/powerpoint/2010/main" val="1868684070"/>
+        <p14:creationId xmlns:p14="http://schemas.microsoft.com/office/powerpoint/2010/main" val="884015510"/>
       </p:ext>
     </p:extLst>
   </p:cSld>
   <p:clrMapOvr>
     <a:masterClrMapping/>
   </p:clrMapOvr>
+  <p:timing>
+    <p:tnLst>
+      <p:par>
+        <p:cTn id="1" dur="indefinite" restart="never" nodeType="tmRoot"/>
+      </p:par>
+    </p:tnLst>
+  </p:timing>
 </p:sld>
 </file>
 
@@ -7247,7 +6879,7 @@
           <a:p>
             <a:r>
               <a:rPr lang="en-US" dirty="0" smtClean="0"/>
-              <a:t>Possible reports and analysis from archive</a:t>
+              <a:t>Lexical analysis and data transformation-continued</a:t>
             </a:r>
             <a:endParaRPr lang="en-US" dirty="0"/>
           </a:p>
@@ -7263,10 +6895,741 @@
             <p:ph idx="1"/>
           </p:nvPr>
         </p:nvSpPr>
-        <p:spPr/>
+        <p:spPr>
+          <a:xfrm>
+            <a:off x="533400" y="1371600"/>
+            <a:ext cx="8229600" cy="4525963"/>
+          </a:xfrm>
+        </p:spPr>
         <p:txBody>
           <a:bodyPr/>
           <a:lstStyle/>
+          <a:p>
+            <a:pPr marL="0" indent="0">
+              <a:buNone/>
+            </a:pPr>
+            <a:endParaRPr lang="en-US" dirty="0"/>
+          </a:p>
+        </p:txBody>
+      </p:sp>
+      <p:graphicFrame>
+        <p:nvGraphicFramePr>
+          <p:cNvPr id="4" name="Table 3"/>
+          <p:cNvGraphicFramePr>
+            <a:graphicFrameLocks noGrp="1"/>
+          </p:cNvGraphicFramePr>
+          <p:nvPr>
+            <p:extLst>
+              <p:ext uri="{D42A27DB-BD31-4B8C-83A1-F6EECF244321}">
+                <p14:modId xmlns:p14="http://schemas.microsoft.com/office/powerpoint/2010/main" val="475971215"/>
+              </p:ext>
+            </p:extLst>
+          </p:nvPr>
+        </p:nvGraphicFramePr>
+        <p:xfrm>
+          <a:off x="457200" y="1524000"/>
+          <a:ext cx="7924800" cy="4145280"/>
+        </p:xfrm>
+        <a:graphic>
+          <a:graphicData uri="http://schemas.openxmlformats.org/drawingml/2006/table">
+            <a:tbl>
+              <a:tblPr firstRow="1" bandRow="1">
+                <a:tableStyleId>{5C22544A-7EE6-4342-B048-85BDC9FD1C3A}</a:tableStyleId>
+              </a:tblPr>
+              <a:tblGrid>
+                <a:gridCol w="1447800"/>
+                <a:gridCol w="3211830"/>
+                <a:gridCol w="1131570"/>
+                <a:gridCol w="2133600"/>
+              </a:tblGrid>
+              <a:tr h="518160">
+                <a:tc>
+                  <a:txBody>
+                    <a:bodyPr/>
+                    <a:lstStyle/>
+                    <a:p>
+                      <a:r>
+                        <a:rPr lang="en-US" dirty="0" smtClean="0"/>
+                        <a:t>Word </a:t>
+                      </a:r>
+                      <a:endParaRPr lang="en-US" dirty="0"/>
+                    </a:p>
+                  </a:txBody>
+                  <a:tcPr/>
+                </a:tc>
+                <a:tc>
+                  <a:txBody>
+                    <a:bodyPr/>
+                    <a:lstStyle/>
+                    <a:p>
+                      <a:endParaRPr lang="en-US" dirty="0"/>
+                    </a:p>
+                  </a:txBody>
+                  <a:tcPr/>
+                </a:tc>
+                <a:tc>
+                  <a:txBody>
+                    <a:bodyPr/>
+                    <a:lstStyle/>
+                    <a:p>
+                      <a:endParaRPr lang="en-US" dirty="0"/>
+                    </a:p>
+                  </a:txBody>
+                  <a:tcPr/>
+                </a:tc>
+                <a:tc>
+                  <a:txBody>
+                    <a:bodyPr/>
+                    <a:lstStyle/>
+                    <a:p>
+                      <a:r>
+                        <a:rPr lang="en-US" dirty="0" smtClean="0"/>
+                        <a:t>description</a:t>
+                      </a:r>
+                      <a:endParaRPr lang="en-US" dirty="0"/>
+                    </a:p>
+                  </a:txBody>
+                  <a:tcPr/>
+                </a:tc>
+              </a:tr>
+              <a:tr h="370840">
+                <a:tc>
+                  <a:txBody>
+                    <a:bodyPr/>
+                    <a:lstStyle/>
+                    <a:p>
+                      <a:r>
+                        <a:rPr lang="en-US" dirty="0" smtClean="0"/>
+                        <a:t>adverse effects</a:t>
+                      </a:r>
+                      <a:endParaRPr lang="en-US" dirty="0"/>
+                    </a:p>
+                  </a:txBody>
+                  <a:tcPr/>
+                </a:tc>
+                <a:tc>
+                  <a:txBody>
+                    <a:bodyPr/>
+                    <a:lstStyle/>
+                    <a:p>
+                      <a:r>
+                        <a:rPr lang="en-US" dirty="0" smtClean="0"/>
+                        <a:t>risk or severity of adverse effects can be increased </a:t>
+                      </a:r>
+                      <a:endParaRPr lang="en-US" dirty="0"/>
+                    </a:p>
+                  </a:txBody>
+                  <a:tcPr/>
+                </a:tc>
+                <a:tc>
+                  <a:txBody>
+                    <a:bodyPr/>
+                    <a:lstStyle/>
+                    <a:p>
+                      <a:r>
+                        <a:rPr lang="en-US" dirty="0" smtClean="0"/>
+                        <a:t>-5</a:t>
+                      </a:r>
+                      <a:endParaRPr lang="en-US" dirty="0"/>
+                    </a:p>
+                  </a:txBody>
+                  <a:tcPr/>
+                </a:tc>
+                <a:tc>
+                  <a:txBody>
+                    <a:bodyPr/>
+                    <a:lstStyle/>
+                    <a:p>
+                      <a:endParaRPr lang="en-US" dirty="0"/>
+                    </a:p>
+                  </a:txBody>
+                  <a:tcPr/>
+                </a:tc>
+              </a:tr>
+              <a:tr h="370840">
+                <a:tc>
+                  <a:txBody>
+                    <a:bodyPr/>
+                    <a:lstStyle/>
+                    <a:p>
+                      <a:pPr marL="0" marR="0" indent="0" algn="l" defTabSz="914400" rtl="0" eaLnBrk="1" fontAlgn="auto" latinLnBrk="0" hangingPunct="1">
+                        <a:lnSpc>
+                          <a:spcPct val="100000"/>
+                        </a:lnSpc>
+                        <a:spcBef>
+                          <a:spcPts val="0"/>
+                        </a:spcBef>
+                        <a:spcAft>
+                          <a:spcPts val="0"/>
+                        </a:spcAft>
+                        <a:buClrTx/>
+                        <a:buSzTx/>
+                        <a:buFontTx/>
+                        <a:buNone/>
+                        <a:tabLst/>
+                        <a:defRPr/>
+                      </a:pPr>
+                      <a:r>
+                        <a:rPr lang="en-US" dirty="0" smtClean="0"/>
+                        <a:t>metabolism</a:t>
+                      </a:r>
+                    </a:p>
+                    <a:p>
+                      <a:endParaRPr lang="en-US" dirty="0"/>
+                    </a:p>
+                  </a:txBody>
+                  <a:tcPr/>
+                </a:tc>
+                <a:tc>
+                  <a:txBody>
+                    <a:bodyPr/>
+                    <a:lstStyle/>
+                    <a:p>
+                      <a:pPr marL="0" marR="0" indent="0" algn="l" defTabSz="914400" rtl="0" eaLnBrk="1" fontAlgn="auto" latinLnBrk="0" hangingPunct="1">
+                        <a:lnSpc>
+                          <a:spcPct val="100000"/>
+                        </a:lnSpc>
+                        <a:spcBef>
+                          <a:spcPts val="0"/>
+                        </a:spcBef>
+                        <a:spcAft>
+                          <a:spcPts val="0"/>
+                        </a:spcAft>
+                        <a:buClrTx/>
+                        <a:buSzTx/>
+                        <a:buFontTx/>
+                        <a:buNone/>
+                        <a:tabLst/>
+                        <a:defRPr/>
+                      </a:pPr>
+                      <a:r>
+                        <a:rPr lang="en-US" dirty="0" smtClean="0"/>
+                        <a:t>metabolism …increased </a:t>
+                      </a:r>
+                    </a:p>
+                    <a:p>
+                      <a:endParaRPr lang="en-US" dirty="0"/>
+                    </a:p>
+                  </a:txBody>
+                  <a:tcPr/>
+                </a:tc>
+                <a:tc>
+                  <a:txBody>
+                    <a:bodyPr/>
+                    <a:lstStyle/>
+                    <a:p>
+                      <a:r>
+                        <a:rPr lang="en-US" dirty="0" smtClean="0"/>
+                        <a:t>1</a:t>
+                      </a:r>
+                      <a:endParaRPr lang="en-US" dirty="0"/>
+                    </a:p>
+                  </a:txBody>
+                  <a:tcPr/>
+                </a:tc>
+                <a:tc>
+                  <a:txBody>
+                    <a:bodyPr/>
+                    <a:lstStyle/>
+                    <a:p>
+                      <a:endParaRPr lang="en-US"/>
+                    </a:p>
+                  </a:txBody>
+                  <a:tcPr/>
+                </a:tc>
+              </a:tr>
+              <a:tr h="370840">
+                <a:tc>
+                  <a:txBody>
+                    <a:bodyPr/>
+                    <a:lstStyle/>
+                    <a:p>
+                      <a:r>
+                        <a:rPr lang="en-US" dirty="0" smtClean="0"/>
+                        <a:t>therapeutic efficacy</a:t>
+                      </a:r>
+                      <a:endParaRPr lang="en-US" dirty="0"/>
+                    </a:p>
+                  </a:txBody>
+                  <a:tcPr/>
+                </a:tc>
+                <a:tc>
+                  <a:txBody>
+                    <a:bodyPr/>
+                    <a:lstStyle/>
+                    <a:p>
+                      <a:r>
+                        <a:rPr lang="en-US" dirty="0" smtClean="0"/>
+                        <a:t>therapeutic efficacy …increased</a:t>
+                      </a:r>
+                      <a:endParaRPr lang="en-US" dirty="0"/>
+                    </a:p>
+                  </a:txBody>
+                  <a:tcPr/>
+                </a:tc>
+                <a:tc>
+                  <a:txBody>
+                    <a:bodyPr/>
+                    <a:lstStyle/>
+                    <a:p>
+                      <a:r>
+                        <a:rPr lang="en-US" dirty="0" smtClean="0"/>
+                        <a:t>3</a:t>
+                      </a:r>
+                      <a:endParaRPr lang="en-US" dirty="0"/>
+                    </a:p>
+                  </a:txBody>
+                  <a:tcPr/>
+                </a:tc>
+                <a:tc>
+                  <a:txBody>
+                    <a:bodyPr/>
+                    <a:lstStyle/>
+                    <a:p>
+                      <a:endParaRPr lang="en-US" dirty="0"/>
+                    </a:p>
+                  </a:txBody>
+                  <a:tcPr/>
+                </a:tc>
+              </a:tr>
+              <a:tr h="370840">
+                <a:tc>
+                  <a:txBody>
+                    <a:bodyPr/>
+                    <a:lstStyle/>
+                    <a:p>
+                      <a:endParaRPr lang="en-US" dirty="0"/>
+                    </a:p>
+                  </a:txBody>
+                  <a:tcPr/>
+                </a:tc>
+                <a:tc>
+                  <a:txBody>
+                    <a:bodyPr/>
+                    <a:lstStyle/>
+                    <a:p>
+                      <a:endParaRPr lang="en-US" dirty="0"/>
+                    </a:p>
+                  </a:txBody>
+                  <a:tcPr/>
+                </a:tc>
+                <a:tc>
+                  <a:txBody>
+                    <a:bodyPr/>
+                    <a:lstStyle/>
+                    <a:p>
+                      <a:endParaRPr lang="en-US" dirty="0"/>
+                    </a:p>
+                  </a:txBody>
+                  <a:tcPr/>
+                </a:tc>
+                <a:tc>
+                  <a:txBody>
+                    <a:bodyPr/>
+                    <a:lstStyle/>
+                    <a:p>
+                      <a:endParaRPr lang="en-US"/>
+                    </a:p>
+                  </a:txBody>
+                  <a:tcPr/>
+                </a:tc>
+              </a:tr>
+              <a:tr h="370840">
+                <a:tc>
+                  <a:txBody>
+                    <a:bodyPr/>
+                    <a:lstStyle/>
+                    <a:p>
+                      <a:endParaRPr lang="en-US" dirty="0"/>
+                    </a:p>
+                  </a:txBody>
+                  <a:tcPr/>
+                </a:tc>
+                <a:tc>
+                  <a:txBody>
+                    <a:bodyPr/>
+                    <a:lstStyle/>
+                    <a:p>
+                      <a:endParaRPr lang="en-US" dirty="0"/>
+                    </a:p>
+                  </a:txBody>
+                  <a:tcPr/>
+                </a:tc>
+                <a:tc>
+                  <a:txBody>
+                    <a:bodyPr/>
+                    <a:lstStyle/>
+                    <a:p>
+                      <a:endParaRPr lang="en-US" dirty="0"/>
+                    </a:p>
+                  </a:txBody>
+                  <a:tcPr/>
+                </a:tc>
+                <a:tc>
+                  <a:txBody>
+                    <a:bodyPr/>
+                    <a:lstStyle/>
+                    <a:p>
+                      <a:endParaRPr lang="en-US" dirty="0"/>
+                    </a:p>
+                  </a:txBody>
+                  <a:tcPr/>
+                </a:tc>
+              </a:tr>
+              <a:tr h="431800">
+                <a:tc>
+                  <a:txBody>
+                    <a:bodyPr/>
+                    <a:lstStyle/>
+                    <a:p>
+                      <a:endParaRPr lang="en-US"/>
+                    </a:p>
+                  </a:txBody>
+                  <a:tcPr/>
+                </a:tc>
+                <a:tc>
+                  <a:txBody>
+                    <a:bodyPr/>
+                    <a:lstStyle/>
+                    <a:p>
+                      <a:endParaRPr lang="en-US"/>
+                    </a:p>
+                  </a:txBody>
+                  <a:tcPr/>
+                </a:tc>
+                <a:tc>
+                  <a:txBody>
+                    <a:bodyPr/>
+                    <a:lstStyle/>
+                    <a:p>
+                      <a:endParaRPr lang="en-US" dirty="0"/>
+                    </a:p>
+                  </a:txBody>
+                  <a:tcPr/>
+                </a:tc>
+                <a:tc>
+                  <a:txBody>
+                    <a:bodyPr/>
+                    <a:lstStyle/>
+                    <a:p>
+                      <a:endParaRPr lang="en-US" dirty="0"/>
+                    </a:p>
+                  </a:txBody>
+                  <a:tcPr/>
+                </a:tc>
+              </a:tr>
+              <a:tr h="533400">
+                <a:tc>
+                  <a:txBody>
+                    <a:bodyPr/>
+                    <a:lstStyle/>
+                    <a:p>
+                      <a:endParaRPr lang="en-US"/>
+                    </a:p>
+                  </a:txBody>
+                  <a:tcPr/>
+                </a:tc>
+                <a:tc>
+                  <a:txBody>
+                    <a:bodyPr/>
+                    <a:lstStyle/>
+                    <a:p>
+                      <a:endParaRPr lang="en-US"/>
+                    </a:p>
+                  </a:txBody>
+                  <a:tcPr/>
+                </a:tc>
+                <a:tc>
+                  <a:txBody>
+                    <a:bodyPr/>
+                    <a:lstStyle/>
+                    <a:p>
+                      <a:endParaRPr lang="en-US" dirty="0"/>
+                    </a:p>
+                  </a:txBody>
+                  <a:tcPr/>
+                </a:tc>
+                <a:tc>
+                  <a:txBody>
+                    <a:bodyPr/>
+                    <a:lstStyle/>
+                    <a:p>
+                      <a:endParaRPr lang="en-US" dirty="0"/>
+                    </a:p>
+                  </a:txBody>
+                  <a:tcPr/>
+                </a:tc>
+              </a:tr>
+            </a:tbl>
+          </a:graphicData>
+        </a:graphic>
+      </p:graphicFrame>
+    </p:spTree>
+    <p:extLst>
+      <p:ext uri="{BB962C8B-B14F-4D97-AF65-F5344CB8AC3E}">
+        <p14:creationId xmlns:p14="http://schemas.microsoft.com/office/powerpoint/2010/main" val="1364604840"/>
+      </p:ext>
+    </p:extLst>
+  </p:cSld>
+  <p:clrMapOvr>
+    <a:masterClrMapping/>
+  </p:clrMapOvr>
+  <p:timing>
+    <p:tnLst>
+      <p:par>
+        <p:cTn id="1" dur="indefinite" restart="never" nodeType="tmRoot"/>
+      </p:par>
+    </p:tnLst>
+  </p:timing>
+</p:sld>
+</file>
+
+<file path=ppt/slides/slide22.xml><?xml version="1.0" encoding="utf-8"?>
+<p:sld xmlns:a="http://schemas.openxmlformats.org/drawingml/2006/main" xmlns:r="http://schemas.openxmlformats.org/officeDocument/2006/relationships" xmlns:p="http://schemas.openxmlformats.org/presentationml/2006/main">
+  <p:cSld>
+    <p:spTree>
+      <p:nvGrpSpPr>
+        <p:cNvPr id="1" name=""/>
+        <p:cNvGrpSpPr/>
+        <p:nvPr/>
+      </p:nvGrpSpPr>
+      <p:grpSpPr>
+        <a:xfrm>
+          <a:off x="0" y="0"/>
+          <a:ext cx="0" cy="0"/>
+          <a:chOff x="0" y="0"/>
+          <a:chExt cx="0" cy="0"/>
+        </a:xfrm>
+      </p:grpSpPr>
+      <p:sp>
+        <p:nvSpPr>
+          <p:cNvPr id="2" name="Title 1"/>
+          <p:cNvSpPr>
+            <a:spLocks noGrp="1"/>
+          </p:cNvSpPr>
+          <p:nvPr>
+            <p:ph type="title"/>
+          </p:nvPr>
+        </p:nvSpPr>
+        <p:spPr/>
+        <p:txBody>
+          <a:bodyPr/>
+          <a:lstStyle/>
+          <a:p>
+            <a:r>
+              <a:rPr lang="en-US" dirty="0" smtClean="0"/>
+              <a:t>Result </a:t>
+            </a:r>
+            <a:r>
+              <a:rPr lang="en-US" dirty="0" err="1" smtClean="0"/>
+              <a:t>dataframe</a:t>
+            </a:r>
+            <a:r>
+              <a:rPr lang="en-US" dirty="0" smtClean="0"/>
+              <a:t> for doctor </a:t>
+            </a:r>
+            <a:endParaRPr lang="en-US" dirty="0"/>
+          </a:p>
+        </p:txBody>
+      </p:sp>
+      <p:sp>
+        <p:nvSpPr>
+          <p:cNvPr id="3" name="Content Placeholder 2"/>
+          <p:cNvSpPr>
+            <a:spLocks noGrp="1"/>
+          </p:cNvSpPr>
+          <p:nvPr>
+            <p:ph idx="1"/>
+          </p:nvPr>
+        </p:nvSpPr>
+        <p:spPr/>
+        <p:txBody>
+          <a:bodyPr/>
+          <a:lstStyle/>
+          <a:p>
+            <a:endParaRPr lang="en-US"/>
+          </a:p>
+        </p:txBody>
+      </p:sp>
+    </p:spTree>
+    <p:extLst>
+      <p:ext uri="{BB962C8B-B14F-4D97-AF65-F5344CB8AC3E}">
+        <p14:creationId xmlns:p14="http://schemas.microsoft.com/office/powerpoint/2010/main" val="2138807293"/>
+      </p:ext>
+    </p:extLst>
+  </p:cSld>
+  <p:clrMapOvr>
+    <a:masterClrMapping/>
+  </p:clrMapOvr>
+</p:sld>
+</file>
+
+<file path=ppt/slides/slide23.xml><?xml version="1.0" encoding="utf-8"?>
+<p:sld xmlns:a="http://schemas.openxmlformats.org/drawingml/2006/main" xmlns:r="http://schemas.openxmlformats.org/officeDocument/2006/relationships" xmlns:p="http://schemas.openxmlformats.org/presentationml/2006/main">
+  <p:cSld>
+    <p:spTree>
+      <p:nvGrpSpPr>
+        <p:cNvPr id="1" name=""/>
+        <p:cNvGrpSpPr/>
+        <p:nvPr/>
+      </p:nvGrpSpPr>
+      <p:grpSpPr>
+        <a:xfrm>
+          <a:off x="0" y="0"/>
+          <a:ext cx="0" cy="0"/>
+          <a:chOff x="0" y="0"/>
+          <a:chExt cx="0" cy="0"/>
+        </a:xfrm>
+      </p:grpSpPr>
+      <p:sp>
+        <p:nvSpPr>
+          <p:cNvPr id="2" name="Title 1"/>
+          <p:cNvSpPr>
+            <a:spLocks noGrp="1"/>
+          </p:cNvSpPr>
+          <p:nvPr>
+            <p:ph type="title"/>
+          </p:nvPr>
+        </p:nvSpPr>
+        <p:spPr/>
+        <p:txBody>
+          <a:bodyPr/>
+          <a:lstStyle/>
+          <a:p>
+            <a:r>
+              <a:rPr lang="en-US" dirty="0" smtClean="0"/>
+              <a:t>HDFS archive file structure</a:t>
+            </a:r>
+            <a:endParaRPr lang="en-US" dirty="0"/>
+          </a:p>
+        </p:txBody>
+      </p:sp>
+      <p:sp>
+        <p:nvSpPr>
+          <p:cNvPr id="3" name="Content Placeholder 2"/>
+          <p:cNvSpPr>
+            <a:spLocks noGrp="1"/>
+          </p:cNvSpPr>
+          <p:nvPr>
+            <p:ph idx="1"/>
+          </p:nvPr>
+        </p:nvSpPr>
+        <p:spPr/>
+        <p:txBody>
+          <a:bodyPr/>
+          <a:lstStyle/>
+          <a:p>
+            <a:r>
+              <a:rPr lang="en-US" dirty="0" smtClean="0"/>
+              <a:t>Parquet format </a:t>
+            </a:r>
+            <a:r>
+              <a:rPr lang="en-US" dirty="0" err="1" smtClean="0"/>
+              <a:t>Json</a:t>
+            </a:r>
+            <a:r>
+              <a:rPr lang="en-US" dirty="0" smtClean="0"/>
+              <a:t> file</a:t>
+            </a:r>
+          </a:p>
+          <a:p>
+            <a:pPr marL="0" indent="0">
+              <a:buNone/>
+            </a:pPr>
+            <a:endParaRPr lang="en-US" dirty="0"/>
+          </a:p>
+        </p:txBody>
+      </p:sp>
+    </p:spTree>
+    <p:extLst>
+      <p:ext uri="{BB962C8B-B14F-4D97-AF65-F5344CB8AC3E}">
+        <p14:creationId xmlns:p14="http://schemas.microsoft.com/office/powerpoint/2010/main" val="1868684070"/>
+      </p:ext>
+    </p:extLst>
+  </p:cSld>
+  <p:clrMapOvr>
+    <a:masterClrMapping/>
+  </p:clrMapOvr>
+</p:sld>
+</file>
+
+<file path=ppt/slides/slide24.xml><?xml version="1.0" encoding="utf-8"?>
+<p:sld xmlns:a="http://schemas.openxmlformats.org/drawingml/2006/main" xmlns:r="http://schemas.openxmlformats.org/officeDocument/2006/relationships" xmlns:p="http://schemas.openxmlformats.org/presentationml/2006/main">
+  <p:cSld>
+    <p:spTree>
+      <p:nvGrpSpPr>
+        <p:cNvPr id="1" name=""/>
+        <p:cNvGrpSpPr/>
+        <p:nvPr/>
+      </p:nvGrpSpPr>
+      <p:grpSpPr>
+        <a:xfrm>
+          <a:off x="0" y="0"/>
+          <a:ext cx="0" cy="0"/>
+          <a:chOff x="0" y="0"/>
+          <a:chExt cx="0" cy="0"/>
+        </a:xfrm>
+      </p:grpSpPr>
+      <p:sp>
+        <p:nvSpPr>
+          <p:cNvPr id="2" name="Title 1"/>
+          <p:cNvSpPr>
+            <a:spLocks noGrp="1"/>
+          </p:cNvSpPr>
+          <p:nvPr>
+            <p:ph type="title"/>
+          </p:nvPr>
+        </p:nvSpPr>
+        <p:spPr/>
+        <p:txBody>
+          <a:bodyPr>
+            <a:normAutofit fontScale="90000"/>
+          </a:bodyPr>
+          <a:lstStyle/>
+          <a:p>
+            <a:r>
+              <a:rPr lang="en-US" dirty="0" smtClean="0"/>
+              <a:t>Possible reports and analysis from archive</a:t>
+            </a:r>
+            <a:endParaRPr lang="en-US" dirty="0"/>
+          </a:p>
+        </p:txBody>
+      </p:sp>
+      <p:sp>
+        <p:nvSpPr>
+          <p:cNvPr id="3" name="Content Placeholder 2"/>
+          <p:cNvSpPr>
+            <a:spLocks noGrp="1"/>
+          </p:cNvSpPr>
+          <p:nvPr>
+            <p:ph idx="1"/>
+          </p:nvPr>
+        </p:nvSpPr>
+        <p:spPr/>
+        <p:txBody>
+          <a:bodyPr/>
+          <a:lstStyle/>
+          <a:p>
+            <a:r>
+              <a:rPr lang="en-US" dirty="0" smtClean="0"/>
+              <a:t>Report –amount of receipts with side effects and risks</a:t>
+            </a:r>
+          </a:p>
+          <a:p>
+            <a:r>
+              <a:rPr lang="en-US" dirty="0" smtClean="0"/>
+              <a:t>Which doctor more get drugs with side effects And risks</a:t>
+            </a:r>
+          </a:p>
+          <a:p>
+            <a:r>
+              <a:rPr lang="en-US" dirty="0" smtClean="0"/>
+              <a:t>Which diseases more  </a:t>
+            </a:r>
+          </a:p>
+          <a:p>
+            <a:endParaRPr lang="en-US" dirty="0"/>
+          </a:p>
           <a:p>
             <a:endParaRPr lang="en-US" dirty="0"/>
           </a:p>
@@ -7292,7 +7655,7 @@
 </p:sld>
 </file>
 
-<file path=ppt/slides/slide22.xml><?xml version="1.0" encoding="utf-8"?>
+<file path=ppt/slides/slide25.xml><?xml version="1.0" encoding="utf-8"?>
 <p:sld xmlns:a="http://schemas.openxmlformats.org/drawingml/2006/main" xmlns:r="http://schemas.openxmlformats.org/officeDocument/2006/relationships" xmlns:p="http://schemas.openxmlformats.org/presentationml/2006/main">
   <p:cSld>
     <p:spTree>
@@ -7416,7 +7779,7 @@
 </p:sld>
 </file>
 
-<file path=ppt/slides/slide23.xml><?xml version="1.0" encoding="utf-8"?>
+<file path=ppt/slides/slide26.xml><?xml version="1.0" encoding="utf-8"?>
 <p:sld xmlns:a="http://schemas.openxmlformats.org/drawingml/2006/main" xmlns:r="http://schemas.openxmlformats.org/officeDocument/2006/relationships" xmlns:p="http://schemas.openxmlformats.org/presentationml/2006/main">
   <p:cSld>
     <p:spTree>
@@ -8272,7 +8635,7 @@
 </p:sld>
 </file>
 
-<file path=ppt/slides/slide24.xml><?xml version="1.0" encoding="utf-8"?>
+<file path=ppt/slides/slide27.xml><?xml version="1.0" encoding="utf-8"?>
 <p:sld xmlns:a="http://schemas.openxmlformats.org/drawingml/2006/main" xmlns:r="http://schemas.openxmlformats.org/officeDocument/2006/relationships" xmlns:p="http://schemas.openxmlformats.org/presentationml/2006/main">
   <p:cSld>
     <p:spTree>
@@ -8351,7 +8714,7 @@
 </p:sld>
 </file>
 
-<file path=ppt/slides/slide25.xml><?xml version="1.0" encoding="utf-8"?>
+<file path=ppt/slides/slide28.xml><?xml version="1.0" encoding="utf-8"?>
 <p:sld xmlns:a="http://schemas.openxmlformats.org/drawingml/2006/main" xmlns:r="http://schemas.openxmlformats.org/officeDocument/2006/relationships" xmlns:p="http://schemas.openxmlformats.org/presentationml/2006/main">
   <p:cSld>
     <p:spTree>
@@ -8440,7 +8803,7 @@
 </p:sld>
 </file>
 
-<file path=ppt/slides/slide26.xml><?xml version="1.0" encoding="utf-8"?>
+<file path=ppt/slides/slide29.xml><?xml version="1.0" encoding="utf-8"?>
 <p:sld xmlns:a="http://schemas.openxmlformats.org/drawingml/2006/main" xmlns:r="http://schemas.openxmlformats.org/officeDocument/2006/relationships" xmlns:p="http://schemas.openxmlformats.org/presentationml/2006/main">
   <p:cSld>
     <p:spTree>

--- a/FinalProject.pptx
+++ b/FinalProject.pptx
@@ -4446,7 +4446,7 @@
             </a:r>
             <a:r>
               <a:rPr lang="en-US" dirty="0" smtClean="0"/>
-              <a:t> call for get drug interaction, Re4sult data transformation, </a:t>
+              <a:t> call for get drug interaction, Result data transformation, </a:t>
             </a:r>
             <a:r>
               <a:rPr lang="en-US" dirty="0" err="1" smtClean="0"/>
@@ -6393,14 +6393,14 @@
           <p:nvPr>
             <p:extLst>
               <p:ext uri="{D42A27DB-BD31-4B8C-83A1-F6EECF244321}">
-                <p14:modId xmlns:p14="http://schemas.microsoft.com/office/powerpoint/2010/main" val="881277984"/>
+                <p14:modId xmlns:p14="http://schemas.microsoft.com/office/powerpoint/2010/main" val="641352007"/>
               </p:ext>
             </p:extLst>
           </p:nvPr>
         </p:nvGraphicFramePr>
         <p:xfrm>
           <a:off x="533400" y="3048000"/>
-          <a:ext cx="7924800" cy="3672840"/>
+          <a:ext cx="7924800" cy="3571240"/>
         </p:xfrm>
         <a:graphic>
           <a:graphicData uri="http://schemas.openxmlformats.org/drawingml/2006/table">
@@ -6711,7 +6711,7 @@
                   <a:tcPr/>
                 </a:tc>
               </a:tr>
-              <a:tr h="370840">
+              <a:tr h="421640">
                 <a:tc>
                   <a:txBody>
                     <a:bodyPr/>
@@ -6731,10 +6731,33 @@
                     <a:bodyPr/>
                     <a:lstStyle/>
                     <a:p>
+                      <a:pPr marL="0" marR="0" indent="0" algn="l" defTabSz="914400" rtl="0" eaLnBrk="1" fontAlgn="auto" latinLnBrk="0" hangingPunct="1">
+                        <a:lnSpc>
+                          <a:spcPct val="100000"/>
+                        </a:lnSpc>
+                        <a:spcBef>
+                          <a:spcPts val="0"/>
+                        </a:spcBef>
+                        <a:spcAft>
+                          <a:spcPts val="0"/>
+                        </a:spcAft>
+                        <a:buClrTx/>
+                        <a:buSzTx/>
+                        <a:buFontTx/>
+                        <a:buNone/>
+                        <a:tabLst/>
+                        <a:defRPr/>
+                      </a:pPr>
                       <a:r>
                         <a:rPr lang="en-US" dirty="0" smtClean="0"/>
-                        <a:t>decrease</a:t>
-                      </a:r>
+                        <a:t>decrease…</a:t>
+                      </a:r>
+                      <a:r>
+                        <a:rPr lang="en-US" dirty="0" smtClean="0"/>
+                        <a:t>activities</a:t>
+                      </a:r>
+                    </a:p>
+                    <a:p>
                       <a:endParaRPr lang="en-US" dirty="0"/>
                     </a:p>
                   </a:txBody>
@@ -6747,61 +6770,7 @@
                     <a:p>
                       <a:r>
                         <a:rPr lang="en-US" dirty="0" smtClean="0"/>
-                        <a:t>-1</a:t>
-                      </a:r>
-                      <a:endParaRPr lang="en-US" dirty="0"/>
-                    </a:p>
-                  </a:txBody>
-                  <a:tcPr/>
-                </a:tc>
-                <a:tc>
-                  <a:txBody>
-                    <a:bodyPr/>
-                    <a:lstStyle/>
-                    <a:p>
-                      <a:endParaRPr lang="en-US" dirty="0"/>
-                    </a:p>
-                  </a:txBody>
-                  <a:tcPr/>
-                </a:tc>
-              </a:tr>
-              <a:tr h="370840">
-                <a:tc>
-                  <a:txBody>
-                    <a:bodyPr/>
-                    <a:lstStyle/>
-                    <a:p>
-                      <a:r>
-                        <a:rPr lang="en-US" dirty="0" smtClean="0"/>
-                        <a:t>increase</a:t>
-                      </a:r>
-                      <a:endParaRPr lang="en-US" dirty="0"/>
-                    </a:p>
-                  </a:txBody>
-                  <a:tcPr/>
-                </a:tc>
-                <a:tc>
-                  <a:txBody>
-                    <a:bodyPr/>
-                    <a:lstStyle/>
-                    <a:p>
-                      <a:r>
-                        <a:rPr lang="en-US" dirty="0" smtClean="0"/>
-                        <a:t>increase …activities</a:t>
-                      </a:r>
-                      <a:endParaRPr lang="en-US" dirty="0"/>
-                    </a:p>
-                  </a:txBody>
-                  <a:tcPr/>
-                </a:tc>
-                <a:tc>
-                  <a:txBody>
-                    <a:bodyPr/>
-                    <a:lstStyle/>
-                    <a:p>
-                      <a:r>
-                        <a:rPr lang="en-US" dirty="0" smtClean="0"/>
-                        <a:t>2</a:t>
+                        <a:t>-2</a:t>
                       </a:r>
                       <a:endParaRPr lang="en-US" dirty="0"/>
                     </a:p>
@@ -6921,7 +6890,7 @@
           <p:nvPr>
             <p:extLst>
               <p:ext uri="{D42A27DB-BD31-4B8C-83A1-F6EECF244321}">
-                <p14:modId xmlns:p14="http://schemas.microsoft.com/office/powerpoint/2010/main" val="475971215"/>
+                <p14:modId xmlns:p14="http://schemas.microsoft.com/office/powerpoint/2010/main" val="4283300081"/>
               </p:ext>
             </p:extLst>
           </p:nvPr>
@@ -7040,6 +7009,10 @@
                     <a:bodyPr/>
                     <a:lstStyle/>
                     <a:p>
+                      <a:r>
+                        <a:rPr lang="en-US" dirty="0" smtClean="0"/>
+                        <a:t>negative</a:t>
+                      </a:r>
                       <a:endParaRPr lang="en-US" dirty="0"/>
                     </a:p>
                   </a:txBody>
@@ -7198,6 +7171,10 @@
                     <a:bodyPr/>
                     <a:lstStyle/>
                     <a:p>
+                      <a:r>
+                        <a:rPr lang="en-US" dirty="0" smtClean="0"/>
+                        <a:t>increase</a:t>
+                      </a:r>
                       <a:endParaRPr lang="en-US" dirty="0"/>
                     </a:p>
                   </a:txBody>
@@ -7208,6 +7185,10 @@
                     <a:bodyPr/>
                     <a:lstStyle/>
                     <a:p>
+                      <a:r>
+                        <a:rPr lang="en-US" dirty="0" smtClean="0"/>
+                        <a:t>increase …activities</a:t>
+                      </a:r>
                       <a:endParaRPr lang="en-US" dirty="0"/>
                     </a:p>
                   </a:txBody>
@@ -7218,6 +7199,10 @@
                     <a:bodyPr/>
                     <a:lstStyle/>
                     <a:p>
+                      <a:r>
+                        <a:rPr lang="en-US" dirty="0" smtClean="0"/>
+                        <a:t>2</a:t>
+                      </a:r>
                       <a:endParaRPr lang="en-US" dirty="0"/>
                     </a:p>
                   </a:txBody>
@@ -8785,7 +8770,7 @@
           <a:p>
             <a:r>
               <a:rPr lang="en-US" dirty="0" smtClean="0"/>
-              <a:t>Expanding the process to new drug check for patient diagnosis list interaction, will allow to find the optimal drug and prevent medical malpractice.</a:t>
+              <a:t>Expanding the process to new drug check for patient diagnosis list interaction(drug-diseases interaction), will allow to find the optimal drug and prevent medical malpractice.</a:t>
             </a:r>
           </a:p>
         </p:txBody>

--- a/FinalProject.pptx
+++ b/FinalProject.pptx
@@ -220,7 +220,7 @@
           <a:p>
             <a:fld id="{66B3E63A-349F-4EF5-8817-4511AE5949EA}" type="datetimeFigureOut">
               <a:rPr lang="en-US" smtClean="0"/>
-              <a:t>9/4/2022</a:t>
+              <a:t>9/18/2022</a:t>
             </a:fld>
             <a:endParaRPr lang="en-US"/>
           </a:p>
@@ -756,7 +756,7 @@
           <a:p>
             <a:fld id="{899A9E16-455D-4113-90E9-7731404D6F0B}" type="datetimeFigureOut">
               <a:rPr lang="en-US" smtClean="0"/>
-              <a:t>9/4/2022</a:t>
+              <a:t>9/18/2022</a:t>
             </a:fld>
             <a:endParaRPr lang="en-US"/>
           </a:p>
@@ -926,7 +926,7 @@
           <a:p>
             <a:fld id="{899A9E16-455D-4113-90E9-7731404D6F0B}" type="datetimeFigureOut">
               <a:rPr lang="en-US" smtClean="0"/>
-              <a:t>9/4/2022</a:t>
+              <a:t>9/18/2022</a:t>
             </a:fld>
             <a:endParaRPr lang="en-US"/>
           </a:p>
@@ -1106,7 +1106,7 @@
           <a:p>
             <a:fld id="{899A9E16-455D-4113-90E9-7731404D6F0B}" type="datetimeFigureOut">
               <a:rPr lang="en-US" smtClean="0"/>
-              <a:t>9/4/2022</a:t>
+              <a:t>9/18/2022</a:t>
             </a:fld>
             <a:endParaRPr lang="en-US"/>
           </a:p>
@@ -1276,7 +1276,7 @@
           <a:p>
             <a:fld id="{899A9E16-455D-4113-90E9-7731404D6F0B}" type="datetimeFigureOut">
               <a:rPr lang="en-US" smtClean="0"/>
-              <a:t>9/4/2022</a:t>
+              <a:t>9/18/2022</a:t>
             </a:fld>
             <a:endParaRPr lang="en-US"/>
           </a:p>
@@ -1522,7 +1522,7 @@
           <a:p>
             <a:fld id="{899A9E16-455D-4113-90E9-7731404D6F0B}" type="datetimeFigureOut">
               <a:rPr lang="en-US" smtClean="0"/>
-              <a:t>9/4/2022</a:t>
+              <a:t>9/18/2022</a:t>
             </a:fld>
             <a:endParaRPr lang="en-US"/>
           </a:p>
@@ -1810,7 +1810,7 @@
           <a:p>
             <a:fld id="{899A9E16-455D-4113-90E9-7731404D6F0B}" type="datetimeFigureOut">
               <a:rPr lang="en-US" smtClean="0"/>
-              <a:t>9/4/2022</a:t>
+              <a:t>9/18/2022</a:t>
             </a:fld>
             <a:endParaRPr lang="en-US"/>
           </a:p>
@@ -2232,7 +2232,7 @@
           <a:p>
             <a:fld id="{899A9E16-455D-4113-90E9-7731404D6F0B}" type="datetimeFigureOut">
               <a:rPr lang="en-US" smtClean="0"/>
-              <a:t>9/4/2022</a:t>
+              <a:t>9/18/2022</a:t>
             </a:fld>
             <a:endParaRPr lang="en-US"/>
           </a:p>
@@ -2350,7 +2350,7 @@
           <a:p>
             <a:fld id="{899A9E16-455D-4113-90E9-7731404D6F0B}" type="datetimeFigureOut">
               <a:rPr lang="en-US" smtClean="0"/>
-              <a:t>9/4/2022</a:t>
+              <a:t>9/18/2022</a:t>
             </a:fld>
             <a:endParaRPr lang="en-US"/>
           </a:p>
@@ -2445,7 +2445,7 @@
           <a:p>
             <a:fld id="{899A9E16-455D-4113-90E9-7731404D6F0B}" type="datetimeFigureOut">
               <a:rPr lang="en-US" smtClean="0"/>
-              <a:t>9/4/2022</a:t>
+              <a:t>9/18/2022</a:t>
             </a:fld>
             <a:endParaRPr lang="en-US"/>
           </a:p>
@@ -2722,7 +2722,7 @@
           <a:p>
             <a:fld id="{899A9E16-455D-4113-90E9-7731404D6F0B}" type="datetimeFigureOut">
               <a:rPr lang="en-US" smtClean="0"/>
-              <a:t>9/4/2022</a:t>
+              <a:t>9/18/2022</a:t>
             </a:fld>
             <a:endParaRPr lang="en-US"/>
           </a:p>
@@ -2975,7 +2975,7 @@
           <a:p>
             <a:fld id="{899A9E16-455D-4113-90E9-7731404D6F0B}" type="datetimeFigureOut">
               <a:rPr lang="en-US" smtClean="0"/>
-              <a:t>9/4/2022</a:t>
+              <a:t>9/18/2022</a:t>
             </a:fld>
             <a:endParaRPr lang="en-US"/>
           </a:p>
@@ -3188,7 +3188,7 @@
           <a:p>
             <a:fld id="{899A9E16-455D-4113-90E9-7731404D6F0B}" type="datetimeFigureOut">
               <a:rPr lang="en-US" smtClean="0"/>
-              <a:t>9/4/2022</a:t>
+              <a:t>9/18/2022</a:t>
             </a:fld>
             <a:endParaRPr lang="en-US"/>
           </a:p>
@@ -3672,6 +3672,13 @@
   <p:clrMapOvr>
     <a:masterClrMapping/>
   </p:clrMapOvr>
+  <p:timing>
+    <p:tnLst>
+      <p:par>
+        <p:cTn id="1" dur="indefinite" restart="never" nodeType="tmRoot"/>
+      </p:par>
+    </p:tnLst>
+  </p:timing>
 </p:sld>
 </file>
 
@@ -3727,14 +3734,14 @@
             <p:ph idx="1"/>
             <p:extLst>
               <p:ext uri="{D42A27DB-BD31-4B8C-83A1-F6EECF244321}">
-                <p14:modId xmlns:p14="http://schemas.microsoft.com/office/powerpoint/2010/main" val="4003196913"/>
+                <p14:modId xmlns:p14="http://schemas.microsoft.com/office/powerpoint/2010/main" val="671577916"/>
               </p:ext>
             </p:extLst>
           </p:nvPr>
         </p:nvGraphicFramePr>
         <p:xfrm>
-          <a:off x="457200" y="1600200"/>
-          <a:ext cx="8229600" cy="2839720"/>
+          <a:off x="381000" y="1371600"/>
+          <a:ext cx="8153400" cy="4765040"/>
         </p:xfrm>
         <a:graphic>
           <a:graphicData uri="http://schemas.openxmlformats.org/drawingml/2006/table">
@@ -3743,11 +3750,11 @@
                 <a:tableStyleId>{5C22544A-7EE6-4342-B048-85BDC9FD1C3A}</a:tableStyleId>
               </a:tblPr>
               <a:tblGrid>
-                <a:gridCol w="2743200"/>
-                <a:gridCol w="2743200"/>
-                <a:gridCol w="2743200"/>
+                <a:gridCol w="2133600"/>
+                <a:gridCol w="2362200"/>
+                <a:gridCol w="3657600"/>
               </a:tblGrid>
-              <a:tr h="370840">
+              <a:tr h="457200">
                 <a:tc>
                   <a:txBody>
                     <a:bodyPr/>
@@ -3813,11 +3820,7 @@
                     <a:p>
                       <a:r>
                         <a:rPr lang="en-US" dirty="0" smtClean="0"/>
-                        <a:t>Receipts </a:t>
-                      </a:r>
-                      <a:r>
-                        <a:rPr lang="en-US" dirty="0" smtClean="0"/>
-                        <a:t>data archive</a:t>
+                        <a:t>Receipts data archive</a:t>
                       </a:r>
                       <a:endParaRPr lang="en-US" dirty="0"/>
                     </a:p>
@@ -3970,6 +3973,118 @@
                       <a:r>
                         <a:rPr lang="en-US" dirty="0" smtClean="0"/>
                         <a:t> , lexical analysis</a:t>
+                      </a:r>
+                      <a:endParaRPr lang="en-US" dirty="0"/>
+                    </a:p>
+                  </a:txBody>
+                  <a:tcPr/>
+                </a:tc>
+              </a:tr>
+              <a:tr h="370840">
+                <a:tc>
+                  <a:txBody>
+                    <a:bodyPr/>
+                    <a:lstStyle/>
+                    <a:p>
+                      <a:r>
+                        <a:rPr lang="en-US" dirty="0" smtClean="0"/>
+                        <a:t>HIVE</a:t>
+                      </a:r>
+                      <a:endParaRPr lang="en-US" dirty="0"/>
+                    </a:p>
+                  </a:txBody>
+                  <a:tcPr/>
+                </a:tc>
+                <a:tc>
+                  <a:txBody>
+                    <a:bodyPr/>
+                    <a:lstStyle/>
+                    <a:p>
+                      <a:r>
+                        <a:rPr lang="en-US" dirty="0" err="1" smtClean="0"/>
+                        <a:t>Sql</a:t>
+                      </a:r>
+                      <a:r>
+                        <a:rPr lang="en-US" dirty="0" smtClean="0"/>
+                        <a:t> tools for reports from</a:t>
+                      </a:r>
+                      <a:r>
+                        <a:rPr lang="en-US" baseline="0" dirty="0" smtClean="0"/>
+                        <a:t> </a:t>
+                      </a:r>
+                      <a:r>
+                        <a:rPr lang="en-US" baseline="0" dirty="0" err="1" smtClean="0"/>
+                        <a:t>hdfs</a:t>
+                      </a:r>
+                      <a:r>
+                        <a:rPr lang="en-US" baseline="0" dirty="0" smtClean="0"/>
+                        <a:t> archive</a:t>
+                      </a:r>
+                      <a:endParaRPr lang="en-US" dirty="0"/>
+                    </a:p>
+                  </a:txBody>
+                  <a:tcPr/>
+                </a:tc>
+                <a:tc>
+                  <a:txBody>
+                    <a:bodyPr/>
+                    <a:lstStyle/>
+                    <a:p>
+                      <a:r>
+                        <a:rPr lang="en-US" dirty="0" smtClean="0"/>
+                        <a:t>Used to get reports from archive</a:t>
+                      </a:r>
+                      <a:endParaRPr lang="en-US" dirty="0"/>
+                    </a:p>
+                  </a:txBody>
+                  <a:tcPr/>
+                </a:tc>
+              </a:tr>
+              <a:tr h="370840">
+                <a:tc>
+                  <a:txBody>
+                    <a:bodyPr/>
+                    <a:lstStyle/>
+                    <a:p>
+                      <a:r>
+                        <a:rPr lang="en-US" dirty="0" smtClean="0"/>
+                        <a:t>mongo</a:t>
+                      </a:r>
+                      <a:endParaRPr lang="en-US" dirty="0"/>
+                    </a:p>
+                  </a:txBody>
+                  <a:tcPr/>
+                </a:tc>
+                <a:tc>
+                  <a:txBody>
+                    <a:bodyPr/>
+                    <a:lstStyle/>
+                    <a:p>
+                      <a:r>
+                        <a:rPr lang="en-US" dirty="0" smtClean="0"/>
+                        <a:t>New database to save the</a:t>
+                      </a:r>
+                      <a:r>
+                        <a:rPr lang="en-US" baseline="0" dirty="0" smtClean="0"/>
+                        <a:t> result of data manipulation </a:t>
+                      </a:r>
+                      <a:endParaRPr lang="en-US" dirty="0"/>
+                    </a:p>
+                  </a:txBody>
+                  <a:tcPr/>
+                </a:tc>
+                <a:tc>
+                  <a:txBody>
+                    <a:bodyPr/>
+                    <a:lstStyle/>
+                    <a:p>
+                      <a:r>
+                        <a:rPr lang="en-US" dirty="0" smtClean="0"/>
+                        <a:t>For future use, after first</a:t>
+                      </a:r>
+                      <a:r>
+                        <a:rPr lang="en-US" baseline="0" dirty="0" smtClean="0"/>
+                        <a:t> period of application use possible to use ready data sets for interaction instead of run the whole process each time, process will be run in future only when drug don’t exist in mongo </a:t>
                       </a:r>
                       <a:endParaRPr lang="en-US" dirty="0"/>
                     </a:p>
@@ -4277,6 +4392,13 @@
   <p:clrMapOvr>
     <a:masterClrMapping/>
   </p:clrMapOvr>
+  <p:timing>
+    <p:tnLst>
+      <p:par>
+        <p:cTn id="1" dur="indefinite" restart="never" nodeType="tmRoot"/>
+      </p:par>
+    </p:tnLst>
+  </p:timing>
 </p:sld>
 </file>
 
@@ -4394,6 +4516,13 @@
   <p:clrMapOvr>
     <a:masterClrMapping/>
   </p:clrMapOvr>
+  <p:timing>
+    <p:tnLst>
+      <p:par>
+        <p:cTn id="1" dur="indefinite" restart="never" nodeType="tmRoot"/>
+      </p:par>
+    </p:tnLst>
+  </p:timing>
 </p:sld>
 </file>
 
@@ -4499,6 +4628,13 @@
   <p:clrMapOvr>
     <a:masterClrMapping/>
   </p:clrMapOvr>
+  <p:timing>
+    <p:tnLst>
+      <p:par>
+        <p:cTn id="1" dur="indefinite" restart="never" nodeType="tmRoot"/>
+      </p:par>
+    </p:tnLst>
+  </p:timing>
 </p:sld>
 </file>
 
@@ -5537,6 +5673,13 @@
   <p:clrMapOvr>
     <a:masterClrMapping/>
   </p:clrMapOvr>
+  <p:timing>
+    <p:tnLst>
+      <p:par>
+        <p:cTn id="1" dur="indefinite" restart="never" nodeType="tmRoot"/>
+      </p:par>
+    </p:tnLst>
+  </p:timing>
 </p:sld>
 </file>
 
@@ -6298,6 +6441,13 @@
   <p:clrMapOvr>
     <a:masterClrMapping/>
   </p:clrMapOvr>
+  <p:timing>
+    <p:tnLst>
+      <p:par>
+        <p:cTn id="1" dur="indefinite" restart="never" nodeType="tmRoot"/>
+      </p:par>
+    </p:tnLst>
+  </p:timing>
 </p:sld>
 </file>
 
@@ -6565,11 +6715,7 @@
                       </a:pPr>
                       <a:r>
                         <a:rPr lang="en-US" dirty="0" smtClean="0"/>
-                        <a:t>decrease the excretion rate   … </a:t>
-                      </a:r>
-                      <a:r>
-                        <a:rPr lang="en-US" dirty="0" smtClean="0"/>
-                        <a:t>higher …level</a:t>
+                        <a:t>decrease the excretion rate   … higher …level</a:t>
                       </a:r>
                     </a:p>
                     <a:p>
@@ -6750,11 +6896,7 @@
                       </a:pPr>
                       <a:r>
                         <a:rPr lang="en-US" dirty="0" smtClean="0"/>
-                        <a:t>decrease…</a:t>
-                      </a:r>
-                      <a:r>
-                        <a:rPr lang="en-US" dirty="0" smtClean="0"/>
-                        <a:t>activities</a:t>
+                        <a:t>decrease…activities</a:t>
                       </a:r>
                     </a:p>
                     <a:p>
@@ -7417,25 +7559,72 @@
           </a:p>
         </p:txBody>
       </p:sp>
-      <p:sp>
-        <p:nvSpPr>
-          <p:cNvPr id="3" name="Content Placeholder 2"/>
-          <p:cNvSpPr>
-            <a:spLocks noGrp="1"/>
-          </p:cNvSpPr>
+      <p:pic>
+        <p:nvPicPr>
+          <p:cNvPr id="1026" name="Picture 2"/>
+          <p:cNvPicPr>
+            <a:picLocks noGrp="1" noChangeAspect="1" noChangeArrowheads="1"/>
+          </p:cNvPicPr>
           <p:nvPr>
             <p:ph idx="1"/>
           </p:nvPr>
-        </p:nvSpPr>
-        <p:spPr/>
-        <p:txBody>
-          <a:bodyPr/>
-          <a:lstStyle/>
-          <a:p>
-            <a:endParaRPr lang="en-US"/>
-          </a:p>
-        </p:txBody>
-      </p:sp>
+        </p:nvPicPr>
+        <p:blipFill>
+          <a:blip r:embed="rId2">
+            <a:extLst>
+              <a:ext uri="{28A0092B-C50C-407E-A947-70E740481C1C}">
+                <a14:useLocalDpi xmlns:a14="http://schemas.microsoft.com/office/drawing/2010/main" val="0"/>
+              </a:ext>
+            </a:extLst>
+          </a:blip>
+          <a:srcRect/>
+          <a:stretch>
+            <a:fillRect/>
+          </a:stretch>
+        </p:blipFill>
+        <p:spPr bwMode="auto">
+          <a:xfrm>
+            <a:off x="533400" y="1752600"/>
+            <a:ext cx="8229600" cy="1195169"/>
+          </a:xfrm>
+          <a:prstGeom prst="rect">
+            <a:avLst/>
+          </a:prstGeom>
+          <a:noFill/>
+          <a:ln>
+            <a:noFill/>
+          </a:ln>
+          <a:effectLst/>
+          <a:extLst>
+            <a:ext uri="{909E8E84-426E-40DD-AFC4-6F175D3DCCD1}">
+              <a14:hiddenFill xmlns:a14="http://schemas.microsoft.com/office/drawing/2010/main">
+                <a:solidFill>
+                  <a:schemeClr val="accent1"/>
+                </a:solidFill>
+              </a14:hiddenFill>
+            </a:ext>
+            <a:ext uri="{91240B29-F687-4F45-9708-019B960494DF}">
+              <a14:hiddenLine xmlns:a14="http://schemas.microsoft.com/office/drawing/2010/main" w="9525">
+                <a:solidFill>
+                  <a:schemeClr val="tx1"/>
+                </a:solidFill>
+                <a:miter lim="800000"/>
+                <a:headEnd/>
+                <a:tailEnd/>
+              </a14:hiddenLine>
+            </a:ext>
+            <a:ext uri="{AF507438-7753-43E0-B8FC-AC1667EBCBE1}">
+              <a14:hiddenEffects xmlns:a14="http://schemas.microsoft.com/office/drawing/2010/main">
+                <a:effectLst>
+                  <a:outerShdw dist="35921" dir="2700000" algn="ctr" rotWithShape="0">
+                    <a:schemeClr val="bg2"/>
+                  </a:outerShdw>
+                </a:effectLst>
+              </a14:hiddenEffects>
+            </a:ext>
+          </a:extLst>
+        </p:spPr>
+      </p:pic>
     </p:spTree>
     <p:extLst>
       <p:ext uri="{BB962C8B-B14F-4D97-AF65-F5344CB8AC3E}">
@@ -7446,6 +7635,13 @@
   <p:clrMapOvr>
     <a:masterClrMapping/>
   </p:clrMapOvr>
+  <p:timing>
+    <p:tnLst>
+      <p:par>
+        <p:cTn id="1" dur="indefinite" restart="never" nodeType="tmRoot"/>
+      </p:par>
+    </p:tnLst>
+  </p:timing>
 </p:sld>
 </file>
 
@@ -7501,7 +7697,9 @@
         </p:nvSpPr>
         <p:spPr/>
         <p:txBody>
-          <a:bodyPr/>
+          <a:bodyPr>
+            <a:normAutofit fontScale="77500" lnSpcReduction="20000"/>
+          </a:bodyPr>
           <a:lstStyle/>
           <a:p>
             <a:r>
@@ -7514,8 +7712,164 @@
             </a:r>
             <a:r>
               <a:rPr lang="en-US" dirty="0" smtClean="0"/>
-              <a:t> file</a:t>
-            </a:r>
+              <a:t> </a:t>
+            </a:r>
+            <a:r>
+              <a:rPr lang="en-US" dirty="0" smtClean="0"/>
+              <a:t>file</a:t>
+            </a:r>
+          </a:p>
+          <a:p>
+            <a:endParaRPr lang="en-US" dirty="0"/>
+          </a:p>
+          <a:p>
+            <a:r>
+              <a:rPr lang="en-US" dirty="0"/>
+              <a:t>CREATE EXTERNAL  TABLE IF NOT EXISTS </a:t>
+            </a:r>
+            <a:r>
+              <a:rPr lang="en-US" dirty="0" err="1"/>
+              <a:t>receiptarchive.ReceiptHistory</a:t>
+            </a:r>
+            <a:r>
+              <a:rPr lang="en-US" dirty="0"/>
+              <a:t>(</a:t>
+            </a:r>
+            <a:r>
+              <a:rPr lang="en-US" dirty="0" err="1"/>
+              <a:t>DoctorLicense</a:t>
+            </a:r>
+            <a:r>
+              <a:rPr lang="en-US" dirty="0"/>
+              <a:t> String, </a:t>
+            </a:r>
+            <a:r>
+              <a:rPr lang="en-US" dirty="0" err="1"/>
+              <a:t>PatientTZ</a:t>
+            </a:r>
+            <a:r>
+              <a:rPr lang="en-US" dirty="0"/>
+              <a:t> String, </a:t>
+            </a:r>
+            <a:r>
+              <a:rPr lang="en-US" dirty="0" err="1"/>
+              <a:t>PatientFirstName</a:t>
+            </a:r>
+            <a:r>
+              <a:rPr lang="en-US" dirty="0"/>
+              <a:t> </a:t>
+            </a:r>
+            <a:r>
+              <a:rPr lang="en-US" dirty="0" err="1"/>
+              <a:t>String,ConflictSExists</a:t>
+            </a:r>
+            <a:r>
+              <a:rPr lang="en-US" dirty="0"/>
+              <a:t> Boolean, </a:t>
+            </a:r>
+            <a:r>
+              <a:rPr lang="en-US" dirty="0" err="1"/>
+              <a:t>PatientLastName</a:t>
+            </a:r>
+            <a:r>
+              <a:rPr lang="en-US" dirty="0"/>
+              <a:t> String, </a:t>
+            </a:r>
+            <a:r>
+              <a:rPr lang="en-US" dirty="0" err="1"/>
+              <a:t>KupatHolim</a:t>
+            </a:r>
+            <a:r>
+              <a:rPr lang="en-US" dirty="0"/>
+              <a:t> String, </a:t>
+            </a:r>
+            <a:r>
+              <a:rPr lang="en-US" dirty="0" err="1"/>
+              <a:t>PtienBirthdate</a:t>
+            </a:r>
+            <a:r>
+              <a:rPr lang="en-US" dirty="0"/>
+              <a:t> String, </a:t>
+            </a:r>
+            <a:r>
+              <a:rPr lang="en-US" dirty="0" err="1"/>
+              <a:t>DrugName</a:t>
+            </a:r>
+            <a:r>
+              <a:rPr lang="en-US" dirty="0"/>
+              <a:t> String, </a:t>
+            </a:r>
+            <a:r>
+              <a:rPr lang="en-US" dirty="0" err="1"/>
+              <a:t>DrugId</a:t>
+            </a:r>
+            <a:r>
+              <a:rPr lang="en-US" dirty="0"/>
+              <a:t>  String, </a:t>
+            </a:r>
+            <a:r>
+              <a:rPr lang="en-US" dirty="0" err="1"/>
+              <a:t>DrugDose</a:t>
+            </a:r>
+            <a:r>
+              <a:rPr lang="en-US" dirty="0"/>
+              <a:t> String, </a:t>
+            </a:r>
+            <a:r>
+              <a:rPr lang="en-US" dirty="0" err="1"/>
+              <a:t>dateCreated</a:t>
+            </a:r>
+            <a:r>
+              <a:rPr lang="en-US" dirty="0"/>
+              <a:t> String, </a:t>
+            </a:r>
+            <a:r>
+              <a:rPr lang="en-US" dirty="0" err="1"/>
+              <a:t>PatientDiseasesLqist</a:t>
+            </a:r>
+            <a:r>
+              <a:rPr lang="en-US" dirty="0"/>
+              <a:t> String, </a:t>
+            </a:r>
+            <a:r>
+              <a:rPr lang="en-US" dirty="0" err="1"/>
+              <a:t>PatientTreatmentsList</a:t>
+            </a:r>
+            <a:r>
+              <a:rPr lang="en-US" dirty="0"/>
+              <a:t> String,</a:t>
+            </a:r>
+          </a:p>
+          <a:p>
+            <a:r>
+              <a:rPr lang="en-US" dirty="0" err="1"/>
+              <a:t>drugDrugInteractionJson</a:t>
+            </a:r>
+            <a:r>
+              <a:rPr lang="en-US" dirty="0"/>
+              <a:t> String)</a:t>
+            </a:r>
+          </a:p>
+          <a:p>
+            <a:r>
+              <a:rPr lang="en-US" dirty="0"/>
+              <a:t>stored as Parquet</a:t>
+            </a:r>
+          </a:p>
+          <a:p>
+            <a:r>
+              <a:rPr lang="en-US" dirty="0"/>
+              <a:t>Location  '/user/hive/warehouse/</a:t>
+            </a:r>
+            <a:r>
+              <a:rPr lang="en-US" dirty="0" err="1"/>
+              <a:t>receiptarchive.db</a:t>
+            </a:r>
+            <a:r>
+              <a:rPr lang="en-US" dirty="0"/>
+              <a:t>';</a:t>
+            </a:r>
+            <a:endParaRPr lang="en-US" dirty="0" smtClean="0"/>
           </a:p>
           <a:p>
             <a:pPr marL="0" indent="0">
@@ -7535,6 +7889,13 @@
   <p:clrMapOvr>
     <a:masterClrMapping/>
   </p:clrMapOvr>
+  <p:timing>
+    <p:tnLst>
+      <p:par>
+        <p:cTn id="1" dur="indefinite" restart="never" nodeType="tmRoot"/>
+      </p:par>
+    </p:tnLst>
+  </p:timing>
 </p:sld>
 </file>
 
@@ -7608,11 +7969,32 @@
           </a:p>
           <a:p>
             <a:r>
-              <a:rPr lang="en-US" dirty="0" smtClean="0"/>
-              <a:t>Which diseases more  </a:t>
-            </a:r>
-          </a:p>
-          <a:p>
+              <a:rPr lang="en-US" dirty="0"/>
+              <a:t>what diseases are more likely to conflict with the drugs taken for other diseases and require increased doctor's </a:t>
+            </a:r>
+            <a:r>
+              <a:rPr lang="en-US" dirty="0" smtClean="0"/>
+              <a:t>caution</a:t>
+            </a:r>
+            <a:endParaRPr lang="ru-RU" dirty="0" smtClean="0"/>
+          </a:p>
+          <a:p>
+            <a:r>
+              <a:rPr lang="en-US" dirty="0" err="1" smtClean="0"/>
+              <a:t>Etc</a:t>
+            </a:r>
+            <a:r>
+              <a:rPr lang="en-US" dirty="0"/>
+              <a:t> and </a:t>
+            </a:r>
+            <a:r>
+              <a:rPr lang="en-US" dirty="0" err="1"/>
+              <a:t>and</a:t>
+            </a:r>
+            <a:r>
+              <a:rPr lang="en-US" dirty="0"/>
+              <a:t> much more</a:t>
+            </a:r>
             <a:endParaRPr lang="en-US" dirty="0"/>
           </a:p>
           <a:p>
@@ -7814,14 +8196,14 @@
             <p:ph idx="1"/>
             <p:extLst>
               <p:ext uri="{D42A27DB-BD31-4B8C-83A1-F6EECF244321}">
-                <p14:modId xmlns:p14="http://schemas.microsoft.com/office/powerpoint/2010/main" val="121795683"/>
+                <p14:modId xmlns:p14="http://schemas.microsoft.com/office/powerpoint/2010/main" val="2228886230"/>
               </p:ext>
             </p:extLst>
           </p:nvPr>
         </p:nvGraphicFramePr>
         <p:xfrm>
           <a:off x="0" y="1143000"/>
-          <a:ext cx="9144000" cy="6024880"/>
+          <a:ext cx="9144000" cy="6299200"/>
         </p:xfrm>
         <a:graphic>
           <a:graphicData uri="http://schemas.openxmlformats.org/drawingml/2006/table">
@@ -7997,7 +8379,33 @@
                           <a:ea typeface="+mn-ea"/>
                           <a:cs typeface="+mn-cs"/>
                         </a:rPr>
-                        <a:t> with list of Patient diseases and list of constant drug</a:t>
+                        <a:t> with list of Patient diseases and list of constant </a:t>
+                      </a:r>
+                      <a:r>
+                        <a:rPr lang="en-US" sz="1800" kern="1200" dirty="0" smtClean="0">
+                          <a:solidFill>
+                            <a:schemeClr val="dk1"/>
+                          </a:solidFill>
+                          <a:effectLst/>
+                          <a:latin typeface="+mn-lt"/>
+                          <a:ea typeface="+mn-ea"/>
+                          <a:cs typeface="+mn-cs"/>
+                        </a:rPr>
+                        <a:t>drug</a:t>
+                      </a:r>
+                    </a:p>
+                    <a:p>
+                      <a:r>
+                        <a:rPr lang="en-US" sz="1800" kern="1200" dirty="0" smtClean="0">
+                          <a:solidFill>
+                            <a:schemeClr val="dk1"/>
+                          </a:solidFill>
+                          <a:effectLst/>
+                          <a:latin typeface="+mn-lt"/>
+                          <a:ea typeface="+mn-ea"/>
+                          <a:cs typeface="+mn-cs"/>
+                        </a:rPr>
+                        <a:t>3. Implement LOAD INPATH to hive for new file</a:t>
                       </a:r>
                       <a:endParaRPr lang="en-US" dirty="0"/>
                     </a:p>
@@ -8433,6 +8841,102 @@
                         <a:t>2. </a:t>
                       </a:r>
                       <a:r>
+                        <a:rPr lang="en-US" sz="1800" kern="1200" dirty="0" smtClean="0">
+                          <a:solidFill>
+                            <a:schemeClr val="dk1"/>
+                          </a:solidFill>
+                          <a:effectLst/>
+                          <a:latin typeface="+mn-lt"/>
+                          <a:ea typeface="+mn-ea"/>
+                          <a:cs typeface="+mn-cs"/>
+                        </a:rPr>
+                        <a:t>run </a:t>
+                      </a:r>
+                      <a:r>
+                        <a:rPr lang="en-US" sz="1800" kern="1200" dirty="0" smtClean="0">
+                          <a:solidFill>
+                            <a:schemeClr val="dk1"/>
+                          </a:solidFill>
+                          <a:effectLst/>
+                          <a:latin typeface="+mn-lt"/>
+                          <a:ea typeface="+mn-ea"/>
+                          <a:cs typeface="+mn-cs"/>
+                        </a:rPr>
+                        <a:t>Kafka producer on </a:t>
+                      </a:r>
+                      <a:r>
+                        <a:rPr lang="en-US" sz="1800" kern="1200" dirty="0" err="1" smtClean="0">
+                          <a:solidFill>
+                            <a:schemeClr val="dk1"/>
+                          </a:solidFill>
+                          <a:effectLst/>
+                          <a:latin typeface="+mn-lt"/>
+                          <a:ea typeface="+mn-ea"/>
+                          <a:cs typeface="+mn-cs"/>
+                        </a:rPr>
+                        <a:t>GetDrug</a:t>
+                      </a:r>
+                      <a:r>
+                        <a:rPr lang="en-US" sz="1800" kern="1200" dirty="0" smtClean="0">
+                          <a:solidFill>
+                            <a:schemeClr val="dk1"/>
+                          </a:solidFill>
+                          <a:effectLst/>
+                          <a:latin typeface="+mn-lt"/>
+                          <a:ea typeface="+mn-ea"/>
+                          <a:cs typeface="+mn-cs"/>
+                        </a:rPr>
+                        <a:t> </a:t>
+                      </a:r>
+                      <a:r>
+                        <a:rPr lang="en-US" sz="1800" kern="1200" dirty="0" smtClean="0">
+                          <a:solidFill>
+                            <a:schemeClr val="dk1"/>
+                          </a:solidFill>
+                          <a:effectLst/>
+                          <a:latin typeface="+mn-lt"/>
+                          <a:ea typeface="+mn-ea"/>
+                          <a:cs typeface="+mn-cs"/>
+                        </a:rPr>
+                        <a:t>topic(</a:t>
+                      </a:r>
+                      <a:r>
+                        <a:rPr lang="en-US" sz="1800" kern="1200" dirty="0" smtClean="0">
+                          <a:solidFill>
+                            <a:schemeClr val="dk1"/>
+                          </a:solidFill>
+                          <a:effectLst/>
+                          <a:latin typeface="+mn-lt"/>
+                          <a:ea typeface="+mn-ea"/>
+                          <a:cs typeface="+mn-cs"/>
+                        </a:rPr>
+                        <a:t> </a:t>
+                      </a:r>
+                      <a:r>
+                        <a:rPr lang="en-US" sz="1800" kern="1200" dirty="0" smtClean="0">
+                          <a:solidFill>
+                            <a:schemeClr val="dk1"/>
+                          </a:solidFill>
+                          <a:effectLst/>
+                          <a:latin typeface="+mn-lt"/>
+                          <a:ea typeface="+mn-ea"/>
+                          <a:cs typeface="+mn-cs"/>
+                        </a:rPr>
+                        <a:t>may be run</a:t>
+                      </a:r>
+                      <a:r>
+                        <a:rPr lang="en-US" sz="1800" kern="1200" baseline="0" dirty="0" smtClean="0">
+                          <a:solidFill>
+                            <a:schemeClr val="dk1"/>
+                          </a:solidFill>
+                          <a:effectLst/>
+                          <a:latin typeface="+mn-lt"/>
+                          <a:ea typeface="+mn-ea"/>
+                          <a:cs typeface="+mn-cs"/>
+                        </a:rPr>
+                        <a:t> </a:t>
+                      </a:r>
+                      <a:r>
                         <a:rPr lang="en-US" sz="1800" kern="1200" dirty="0" err="1" smtClean="0">
                           <a:solidFill>
                             <a:schemeClr val="dk1"/>
@@ -8454,46 +8958,17 @@
                           <a:ea typeface="+mn-ea"/>
                           <a:cs typeface="+mn-cs"/>
                         </a:rPr>
-                        <a:t> run Kafka producer on </a:t>
-                      </a:r>
-                      <a:r>
-                        <a:rPr lang="en-US" sz="1800" kern="1200" dirty="0" err="1" smtClean="0">
-                          <a:solidFill>
-                            <a:schemeClr val="dk1"/>
-                          </a:solidFill>
-                          <a:effectLst/>
-                          <a:latin typeface="+mn-lt"/>
-                          <a:ea typeface="+mn-ea"/>
-                          <a:cs typeface="+mn-cs"/>
-                        </a:rPr>
-                        <a:t>GetDrug</a:t>
-                      </a:r>
-                      <a:r>
-                        <a:rPr lang="en-US" sz="1800" kern="1200" dirty="0" smtClean="0">
-                          <a:solidFill>
-                            <a:schemeClr val="dk1"/>
-                          </a:solidFill>
-                          <a:effectLst/>
-                          <a:latin typeface="+mn-lt"/>
-                          <a:ea typeface="+mn-ea"/>
-                          <a:cs typeface="+mn-cs"/>
-                        </a:rPr>
-                        <a:t> topic</a:t>
-                      </a:r>
-                    </a:p>
-                    <a:p>
-                      <a:r>
-                        <a:rPr lang="en-US" sz="1800" kern="1200" dirty="0" smtClean="0">
-                          <a:solidFill>
-                            <a:schemeClr val="dk1"/>
-                          </a:solidFill>
-                          <a:effectLst/>
-                          <a:latin typeface="+mn-lt"/>
-                          <a:ea typeface="+mn-ea"/>
-                          <a:cs typeface="+mn-cs"/>
-                        </a:rPr>
-                        <a:t> </a:t>
-                      </a:r>
+                        <a:t> )</a:t>
+                      </a:r>
+                      <a:endParaRPr lang="en-US" sz="1800" kern="1200" dirty="0" smtClean="0">
+                        <a:solidFill>
+                          <a:schemeClr val="dk1"/>
+                        </a:solidFill>
+                        <a:effectLst/>
+                        <a:latin typeface="+mn-lt"/>
+                        <a:ea typeface="+mn-ea"/>
+                        <a:cs typeface="+mn-cs"/>
+                      </a:endParaRPr>
                     </a:p>
                     <a:p>
                       <a:r>
@@ -8588,6 +9063,62 @@
                         </a:rPr>
                         <a:t> and show it </a:t>
                       </a:r>
+                      <a:endParaRPr lang="en-US" sz="1800" kern="1200" dirty="0" smtClean="0">
+                        <a:solidFill>
+                          <a:schemeClr val="dk1"/>
+                        </a:solidFill>
+                        <a:effectLst/>
+                        <a:latin typeface="+mn-lt"/>
+                        <a:ea typeface="+mn-ea"/>
+                        <a:cs typeface="+mn-cs"/>
+                      </a:endParaRPr>
+                    </a:p>
+                    <a:p>
+                      <a:r>
+                        <a:rPr lang="en-US" sz="1800" kern="1200" dirty="0" smtClean="0">
+                          <a:solidFill>
+                            <a:schemeClr val="dk1"/>
+                          </a:solidFill>
+                          <a:effectLst/>
+                          <a:latin typeface="+mn-lt"/>
+                          <a:ea typeface="+mn-ea"/>
+                          <a:cs typeface="+mn-cs"/>
+                        </a:rPr>
+                        <a:t>3.5 save the full</a:t>
+                      </a:r>
+                      <a:r>
+                        <a:rPr lang="en-US" sz="1800" kern="1200" baseline="0" dirty="0" smtClean="0">
+                          <a:solidFill>
+                            <a:schemeClr val="dk1"/>
+                          </a:solidFill>
+                          <a:effectLst/>
+                          <a:latin typeface="+mn-lt"/>
+                          <a:ea typeface="+mn-ea"/>
+                          <a:cs typeface="+mn-cs"/>
+                        </a:rPr>
+                        <a:t> interaction 7drug result to mongo </a:t>
+                      </a:r>
+                      <a:r>
+                        <a:rPr lang="en-US" sz="1800" kern="1200" baseline="0" dirty="0" err="1" smtClean="0">
+                          <a:solidFill>
+                            <a:schemeClr val="dk1"/>
+                          </a:solidFill>
+                          <a:effectLst/>
+                          <a:latin typeface="+mn-lt"/>
+                          <a:ea typeface="+mn-ea"/>
+                          <a:cs typeface="+mn-cs"/>
+                        </a:rPr>
+                        <a:t>db</a:t>
+                      </a:r>
+                      <a:endParaRPr lang="en-US" sz="1800" kern="1200" dirty="0" smtClean="0">
+                        <a:solidFill>
+                          <a:schemeClr val="dk1"/>
+                        </a:solidFill>
+                        <a:effectLst/>
+                        <a:latin typeface="+mn-lt"/>
+                        <a:ea typeface="+mn-ea"/>
+                        <a:cs typeface="+mn-cs"/>
+                      </a:endParaRPr>
                     </a:p>
                     <a:p>
                       <a:endParaRPr lang="en-US" dirty="0"/>
@@ -8660,25 +9191,264 @@
           </a:p>
         </p:txBody>
       </p:sp>
-      <p:sp>
-        <p:nvSpPr>
-          <p:cNvPr id="3" name="Content Placeholder 2"/>
-          <p:cNvSpPr>
-            <a:spLocks noGrp="1"/>
-          </p:cNvSpPr>
+      <p:graphicFrame>
+        <p:nvGraphicFramePr>
+          <p:cNvPr id="4" name="Content Placeholder 3"/>
+          <p:cNvGraphicFramePr>
+            <a:graphicFrameLocks noGrp="1"/>
+          </p:cNvGraphicFramePr>
           <p:nvPr>
             <p:ph idx="1"/>
-          </p:nvPr>
-        </p:nvSpPr>
-        <p:spPr/>
-        <p:txBody>
-          <a:bodyPr/>
-          <a:lstStyle/>
-          <a:p>
-            <a:endParaRPr lang="en-US"/>
-          </a:p>
-        </p:txBody>
-      </p:sp>
+            <p:extLst>
+              <p:ext uri="{D42A27DB-BD31-4B8C-83A1-F6EECF244321}">
+                <p14:modId xmlns:p14="http://schemas.microsoft.com/office/powerpoint/2010/main" val="3195944506"/>
+              </p:ext>
+            </p:extLst>
+          </p:nvPr>
+        </p:nvGraphicFramePr>
+        <p:xfrm>
+          <a:off x="457200" y="1600200"/>
+          <a:ext cx="8229600" cy="2494280"/>
+        </p:xfrm>
+        <a:graphic>
+          <a:graphicData uri="http://schemas.openxmlformats.org/drawingml/2006/table">
+            <a:tbl>
+              <a:tblPr firstRow="1" bandRow="1">
+                <a:tableStyleId>{5C22544A-7EE6-4342-B048-85BDC9FD1C3A}</a:tableStyleId>
+              </a:tblPr>
+              <a:tblGrid>
+                <a:gridCol w="1600200"/>
+                <a:gridCol w="2057400"/>
+                <a:gridCol w="4572000"/>
+              </a:tblGrid>
+              <a:tr h="370840">
+                <a:tc>
+                  <a:txBody>
+                    <a:bodyPr/>
+                    <a:lstStyle/>
+                    <a:p>
+                      <a:r>
+                        <a:rPr lang="en-US" dirty="0" smtClean="0"/>
+                        <a:t>Files Or Classes</a:t>
+                      </a:r>
+                      <a:endParaRPr lang="en-US" dirty="0"/>
+                    </a:p>
+                  </a:txBody>
+                  <a:tcPr/>
+                </a:tc>
+                <a:tc>
+                  <a:txBody>
+                    <a:bodyPr/>
+                    <a:lstStyle/>
+                    <a:p>
+                      <a:r>
+                        <a:rPr lang="en-US" dirty="0" smtClean="0"/>
+                        <a:t>methods</a:t>
+                      </a:r>
+                      <a:endParaRPr lang="en-US" dirty="0"/>
+                    </a:p>
+                  </a:txBody>
+                  <a:tcPr/>
+                </a:tc>
+                <a:tc>
+                  <a:txBody>
+                    <a:bodyPr/>
+                    <a:lstStyle/>
+                    <a:p>
+                      <a:r>
+                        <a:rPr lang="en-US" smtClean="0"/>
+                        <a:t>Description</a:t>
+                      </a:r>
+                      <a:endParaRPr lang="en-US"/>
+                    </a:p>
+                  </a:txBody>
+                  <a:tcPr/>
+                </a:tc>
+              </a:tr>
+              <a:tr h="370840">
+                <a:tc>
+                  <a:txBody>
+                    <a:bodyPr/>
+                    <a:lstStyle/>
+                    <a:p>
+                      <a:r>
+                        <a:rPr lang="en-US" dirty="0" err="1" smtClean="0"/>
+                        <a:t>ClassReciept</a:t>
+                      </a:r>
+                      <a:endParaRPr lang="en-US" dirty="0"/>
+                    </a:p>
+                  </a:txBody>
+                  <a:tcPr/>
+                </a:tc>
+                <a:tc>
+                  <a:txBody>
+                    <a:bodyPr/>
+                    <a:lstStyle/>
+                    <a:p>
+                      <a:endParaRPr lang="en-US"/>
+                    </a:p>
+                  </a:txBody>
+                  <a:tcPr/>
+                </a:tc>
+                <a:tc>
+                  <a:txBody>
+                    <a:bodyPr/>
+                    <a:lstStyle/>
+                    <a:p>
+                      <a:endParaRPr lang="en-US"/>
+                    </a:p>
+                  </a:txBody>
+                  <a:tcPr/>
+                </a:tc>
+              </a:tr>
+              <a:tr h="370840">
+                <a:tc>
+                  <a:txBody>
+                    <a:bodyPr/>
+                    <a:lstStyle/>
+                    <a:p>
+                      <a:r>
+                        <a:rPr lang="en-US" dirty="0" err="1" smtClean="0"/>
+                        <a:t>PatientClass</a:t>
+                      </a:r>
+                      <a:endParaRPr lang="en-US" dirty="0"/>
+                    </a:p>
+                  </a:txBody>
+                  <a:tcPr/>
+                </a:tc>
+                <a:tc>
+                  <a:txBody>
+                    <a:bodyPr/>
+                    <a:lstStyle/>
+                    <a:p>
+                      <a:endParaRPr lang="en-US"/>
+                    </a:p>
+                  </a:txBody>
+                  <a:tcPr/>
+                </a:tc>
+                <a:tc>
+                  <a:txBody>
+                    <a:bodyPr/>
+                    <a:lstStyle/>
+                    <a:p>
+                      <a:endParaRPr lang="en-US"/>
+                    </a:p>
+                  </a:txBody>
+                  <a:tcPr/>
+                </a:tc>
+              </a:tr>
+              <a:tr h="370840">
+                <a:tc>
+                  <a:txBody>
+                    <a:bodyPr/>
+                    <a:lstStyle/>
+                    <a:p>
+                      <a:r>
+                        <a:rPr lang="en-US" dirty="0" err="1" smtClean="0"/>
+                        <a:t>ProducerReq</a:t>
+                      </a:r>
+                      <a:endParaRPr lang="en-US" dirty="0"/>
+                    </a:p>
+                  </a:txBody>
+                  <a:tcPr/>
+                </a:tc>
+                <a:tc>
+                  <a:txBody>
+                    <a:bodyPr/>
+                    <a:lstStyle/>
+                    <a:p>
+                      <a:endParaRPr lang="en-US" dirty="0"/>
+                    </a:p>
+                  </a:txBody>
+                  <a:tcPr/>
+                </a:tc>
+                <a:tc>
+                  <a:txBody>
+                    <a:bodyPr/>
+                    <a:lstStyle/>
+                    <a:p>
+                      <a:endParaRPr lang="en-US"/>
+                    </a:p>
+                  </a:txBody>
+                  <a:tcPr/>
+                </a:tc>
+              </a:tr>
+              <a:tr h="370840">
+                <a:tc>
+                  <a:txBody>
+                    <a:bodyPr/>
+                    <a:lstStyle/>
+                    <a:p>
+                      <a:r>
+                        <a:rPr lang="en-US" dirty="0" smtClean="0"/>
+                        <a:t>configuration</a:t>
+                      </a:r>
+                      <a:endParaRPr lang="en-US" dirty="0"/>
+                    </a:p>
+                  </a:txBody>
+                  <a:tcPr/>
+                </a:tc>
+                <a:tc>
+                  <a:txBody>
+                    <a:bodyPr/>
+                    <a:lstStyle/>
+                    <a:p>
+                      <a:endParaRPr lang="en-US" dirty="0"/>
+                    </a:p>
+                  </a:txBody>
+                  <a:tcPr/>
+                </a:tc>
+                <a:tc>
+                  <a:txBody>
+                    <a:bodyPr/>
+                    <a:lstStyle/>
+                    <a:p>
+                      <a:endParaRPr lang="en-US" dirty="0"/>
+                    </a:p>
+                  </a:txBody>
+                  <a:tcPr/>
+                </a:tc>
+              </a:tr>
+              <a:tr h="370840">
+                <a:tc>
+                  <a:txBody>
+                    <a:bodyPr/>
+                    <a:lstStyle/>
+                    <a:p>
+                      <a:r>
+                        <a:rPr lang="en-US" dirty="0" err="1" smtClean="0"/>
+                        <a:t>Ui_methods</a:t>
+                      </a:r>
+                      <a:endParaRPr lang="en-US" dirty="0"/>
+                    </a:p>
+                  </a:txBody>
+                  <a:tcPr/>
+                </a:tc>
+                <a:tc>
+                  <a:txBody>
+                    <a:bodyPr/>
+                    <a:lstStyle/>
+                    <a:p>
+                      <a:endParaRPr lang="en-US"/>
+                    </a:p>
+                  </a:txBody>
+                  <a:tcPr/>
+                </a:tc>
+                <a:tc>
+                  <a:txBody>
+                    <a:bodyPr/>
+                    <a:lstStyle/>
+                    <a:p>
+                      <a:endParaRPr lang="en-US"/>
+                    </a:p>
+                  </a:txBody>
+                  <a:tcPr/>
+                </a:tc>
+              </a:tr>
+            </a:tbl>
+          </a:graphicData>
+        </a:graphic>
+      </p:graphicFrame>
     </p:spTree>
     <p:extLst>
       <p:ext uri="{BB962C8B-B14F-4D97-AF65-F5344CB8AC3E}">
@@ -8785,6 +9555,13 @@
   <p:clrMapOvr>
     <a:masterClrMapping/>
   </p:clrMapOvr>
+  <p:timing>
+    <p:tnLst>
+      <p:par>
+        <p:cTn id="1" dur="indefinite" restart="never" nodeType="tmRoot"/>
+      </p:par>
+    </p:tnLst>
+  </p:timing>
 </p:sld>
 </file>
 
@@ -8930,11 +9707,7 @@
             </a:br>
             <a:r>
               <a:rPr lang="en-US" dirty="0" smtClean="0"/>
-              <a:t>It is one of the principal precepts of </a:t>
-            </a:r>
-            <a:r>
-              <a:rPr lang="en-US" dirty="0" smtClean="0"/>
-              <a:t>bioethics</a:t>
+              <a:t>It is one of the principal precepts of bioethics</a:t>
             </a:r>
             <a:r>
               <a:rPr lang="en-US" dirty="0"/>
@@ -9054,6 +9827,13 @@
   <p:clrMapOvr>
     <a:masterClrMapping/>
   </p:clrMapOvr>
+  <p:timing>
+    <p:tnLst>
+      <p:par>
+        <p:cTn id="1" dur="indefinite" restart="never" nodeType="tmRoot"/>
+      </p:par>
+    </p:tnLst>
+  </p:timing>
 </p:sld>
 </file>
 
@@ -9172,6 +9952,13 @@
   <p:clrMapOvr>
     <a:masterClrMapping/>
   </p:clrMapOvr>
+  <p:timing>
+    <p:tnLst>
+      <p:par>
+        <p:cTn id="1" dur="indefinite" restart="never" nodeType="tmRoot"/>
+      </p:par>
+    </p:tnLst>
+  </p:timing>
 </p:sld>
 </file>
 
@@ -9298,6 +10085,13 @@
   <p:clrMapOvr>
     <a:masterClrMapping/>
   </p:clrMapOvr>
+  <p:timing>
+    <p:tnLst>
+      <p:par>
+        <p:cTn id="1" dur="indefinite" restart="never" nodeType="tmRoot"/>
+      </p:par>
+    </p:tnLst>
+  </p:timing>
 </p:sld>
 </file>
 
@@ -9725,6 +10519,13 @@
   <p:clrMapOvr>
     <a:masterClrMapping/>
   </p:clrMapOvr>
+  <p:timing>
+    <p:tnLst>
+      <p:par>
+        <p:cTn id="1" dur="indefinite" restart="never" nodeType="tmRoot"/>
+      </p:par>
+    </p:tnLst>
+  </p:timing>
 </p:sld>
 </file>
 
@@ -10219,6 +11020,13 @@
   <p:clrMapOvr>
     <a:masterClrMapping/>
   </p:clrMapOvr>
+  <p:timing>
+    <p:tnLst>
+      <p:par>
+        <p:cTn id="1" dur="indefinite" restart="never" nodeType="tmRoot"/>
+      </p:par>
+    </p:tnLst>
+  </p:timing>
 </p:sld>
 </file>
 
@@ -10576,6 +11384,13 @@
   <p:clrMapOvr>
     <a:masterClrMapping/>
   </p:clrMapOvr>
+  <p:timing>
+    <p:tnLst>
+      <p:par>
+        <p:cTn id="1" dur="indefinite" restart="never" nodeType="tmRoot"/>
+      </p:par>
+    </p:tnLst>
+  </p:timing>
 </p:sld>
 </file>
 

--- a/FinalProject.pptx
+++ b/FinalProject.pptx
@@ -10,25 +10,25 @@
   <p:sldIdLst>
     <p:sldId id="256" r:id="rId2"/>
     <p:sldId id="257" r:id="rId3"/>
-    <p:sldId id="258" r:id="rId4"/>
-    <p:sldId id="260" r:id="rId5"/>
-    <p:sldId id="259" r:id="rId6"/>
-    <p:sldId id="261" r:id="rId7"/>
-    <p:sldId id="262" r:id="rId8"/>
-    <p:sldId id="263" r:id="rId9"/>
-    <p:sldId id="278" r:id="rId10"/>
-    <p:sldId id="277" r:id="rId11"/>
-    <p:sldId id="264" r:id="rId12"/>
-    <p:sldId id="265" r:id="rId13"/>
-    <p:sldId id="282" r:id="rId14"/>
-    <p:sldId id="283" r:id="rId15"/>
-    <p:sldId id="284" r:id="rId16"/>
-    <p:sldId id="266" r:id="rId17"/>
-    <p:sldId id="280" r:id="rId18"/>
-    <p:sldId id="267" r:id="rId19"/>
-    <p:sldId id="268" r:id="rId20"/>
-    <p:sldId id="269" r:id="rId21"/>
-    <p:sldId id="281" r:id="rId22"/>
+    <p:sldId id="260" r:id="rId4"/>
+    <p:sldId id="259" r:id="rId5"/>
+    <p:sldId id="262" r:id="rId6"/>
+    <p:sldId id="264" r:id="rId7"/>
+    <p:sldId id="263" r:id="rId8"/>
+    <p:sldId id="278" r:id="rId9"/>
+    <p:sldId id="277" r:id="rId10"/>
+    <p:sldId id="261" r:id="rId11"/>
+    <p:sldId id="265" r:id="rId12"/>
+    <p:sldId id="282" r:id="rId13"/>
+    <p:sldId id="283" r:id="rId14"/>
+    <p:sldId id="284" r:id="rId15"/>
+    <p:sldId id="266" r:id="rId16"/>
+    <p:sldId id="280" r:id="rId17"/>
+    <p:sldId id="267" r:id="rId18"/>
+    <p:sldId id="268" r:id="rId19"/>
+    <p:sldId id="269" r:id="rId20"/>
+    <p:sldId id="281" r:id="rId21"/>
+    <p:sldId id="285" r:id="rId22"/>
     <p:sldId id="270" r:id="rId23"/>
     <p:sldId id="271" r:id="rId24"/>
     <p:sldId id="272" r:id="rId25"/>
@@ -220,7 +220,7 @@
           <a:p>
             <a:fld id="{66B3E63A-349F-4EF5-8817-4511AE5949EA}" type="datetimeFigureOut">
               <a:rPr lang="en-US" smtClean="0"/>
-              <a:t>9/18/2022</a:t>
+              <a:t>9/19/2022</a:t>
             </a:fld>
             <a:endParaRPr lang="en-US"/>
           </a:p>
@@ -756,7 +756,7 @@
           <a:p>
             <a:fld id="{899A9E16-455D-4113-90E9-7731404D6F0B}" type="datetimeFigureOut">
               <a:rPr lang="en-US" smtClean="0"/>
-              <a:t>9/18/2022</a:t>
+              <a:t>9/19/2022</a:t>
             </a:fld>
             <a:endParaRPr lang="en-US"/>
           </a:p>
@@ -926,7 +926,7 @@
           <a:p>
             <a:fld id="{899A9E16-455D-4113-90E9-7731404D6F0B}" type="datetimeFigureOut">
               <a:rPr lang="en-US" smtClean="0"/>
-              <a:t>9/18/2022</a:t>
+              <a:t>9/19/2022</a:t>
             </a:fld>
             <a:endParaRPr lang="en-US"/>
           </a:p>
@@ -1106,7 +1106,7 @@
           <a:p>
             <a:fld id="{899A9E16-455D-4113-90E9-7731404D6F0B}" type="datetimeFigureOut">
               <a:rPr lang="en-US" smtClean="0"/>
-              <a:t>9/18/2022</a:t>
+              <a:t>9/19/2022</a:t>
             </a:fld>
             <a:endParaRPr lang="en-US"/>
           </a:p>
@@ -1276,7 +1276,7 @@
           <a:p>
             <a:fld id="{899A9E16-455D-4113-90E9-7731404D6F0B}" type="datetimeFigureOut">
               <a:rPr lang="en-US" smtClean="0"/>
-              <a:t>9/18/2022</a:t>
+              <a:t>9/19/2022</a:t>
             </a:fld>
             <a:endParaRPr lang="en-US"/>
           </a:p>
@@ -1522,7 +1522,7 @@
           <a:p>
             <a:fld id="{899A9E16-455D-4113-90E9-7731404D6F0B}" type="datetimeFigureOut">
               <a:rPr lang="en-US" smtClean="0"/>
-              <a:t>9/18/2022</a:t>
+              <a:t>9/19/2022</a:t>
             </a:fld>
             <a:endParaRPr lang="en-US"/>
           </a:p>
@@ -1810,7 +1810,7 @@
           <a:p>
             <a:fld id="{899A9E16-455D-4113-90E9-7731404D6F0B}" type="datetimeFigureOut">
               <a:rPr lang="en-US" smtClean="0"/>
-              <a:t>9/18/2022</a:t>
+              <a:t>9/19/2022</a:t>
             </a:fld>
             <a:endParaRPr lang="en-US"/>
           </a:p>
@@ -2232,7 +2232,7 @@
           <a:p>
             <a:fld id="{899A9E16-455D-4113-90E9-7731404D6F0B}" type="datetimeFigureOut">
               <a:rPr lang="en-US" smtClean="0"/>
-              <a:t>9/18/2022</a:t>
+              <a:t>9/19/2022</a:t>
             </a:fld>
             <a:endParaRPr lang="en-US"/>
           </a:p>
@@ -2350,7 +2350,7 @@
           <a:p>
             <a:fld id="{899A9E16-455D-4113-90E9-7731404D6F0B}" type="datetimeFigureOut">
               <a:rPr lang="en-US" smtClean="0"/>
-              <a:t>9/18/2022</a:t>
+              <a:t>9/19/2022</a:t>
             </a:fld>
             <a:endParaRPr lang="en-US"/>
           </a:p>
@@ -2445,7 +2445,7 @@
           <a:p>
             <a:fld id="{899A9E16-455D-4113-90E9-7731404D6F0B}" type="datetimeFigureOut">
               <a:rPr lang="en-US" smtClean="0"/>
-              <a:t>9/18/2022</a:t>
+              <a:t>9/19/2022</a:t>
             </a:fld>
             <a:endParaRPr lang="en-US"/>
           </a:p>
@@ -2722,7 +2722,7 @@
           <a:p>
             <a:fld id="{899A9E16-455D-4113-90E9-7731404D6F0B}" type="datetimeFigureOut">
               <a:rPr lang="en-US" smtClean="0"/>
-              <a:t>9/18/2022</a:t>
+              <a:t>9/19/2022</a:t>
             </a:fld>
             <a:endParaRPr lang="en-US"/>
           </a:p>
@@ -2975,7 +2975,7 @@
           <a:p>
             <a:fld id="{899A9E16-455D-4113-90E9-7731404D6F0B}" type="datetimeFigureOut">
               <a:rPr lang="en-US" smtClean="0"/>
-              <a:t>9/18/2022</a:t>
+              <a:t>9/19/2022</a:t>
             </a:fld>
             <a:endParaRPr lang="en-US"/>
           </a:p>
@@ -3188,7 +3188,7 @@
           <a:p>
             <a:fld id="{899A9E16-455D-4113-90E9-7731404D6F0B}" type="datetimeFigureOut">
               <a:rPr lang="en-US" smtClean="0"/>
-              <a:t>9/18/2022</a:t>
+              <a:t>9/19/2022</a:t>
             </a:fld>
             <a:endParaRPr lang="en-US"/>
           </a:p>
@@ -3711,14 +3711,12 @@
         </p:nvSpPr>
         <p:spPr/>
         <p:txBody>
-          <a:bodyPr>
-            <a:normAutofit fontScale="90000"/>
-          </a:bodyPr>
+          <a:bodyPr/>
           <a:lstStyle/>
           <a:p>
             <a:r>
               <a:rPr lang="en-US" dirty="0" smtClean="0"/>
-              <a:t>Toolbox for technical realization -continued</a:t>
+              <a:t>Data Sources</a:t>
             </a:r>
             <a:endParaRPr lang="en-US" dirty="0"/>
           </a:p>
@@ -3734,14 +3732,14 @@
             <p:ph idx="1"/>
             <p:extLst>
               <p:ext uri="{D42A27DB-BD31-4B8C-83A1-F6EECF244321}">
-                <p14:modId xmlns:p14="http://schemas.microsoft.com/office/powerpoint/2010/main" val="671577916"/>
+                <p14:modId xmlns:p14="http://schemas.microsoft.com/office/powerpoint/2010/main" val="1398463598"/>
               </p:ext>
             </p:extLst>
           </p:nvPr>
         </p:nvGraphicFramePr>
         <p:xfrm>
-          <a:off x="381000" y="1371600"/>
-          <a:ext cx="8153400" cy="4765040"/>
+          <a:off x="457200" y="1600200"/>
+          <a:ext cx="8229600" cy="4399280"/>
         </p:xfrm>
         <a:graphic>
           <a:graphicData uri="http://schemas.openxmlformats.org/drawingml/2006/table">
@@ -3750,11 +3748,11 @@
                 <a:tableStyleId>{5C22544A-7EE6-4342-B048-85BDC9FD1C3A}</a:tableStyleId>
               </a:tblPr>
               <a:tblGrid>
-                <a:gridCol w="2133600"/>
-                <a:gridCol w="2362200"/>
-                <a:gridCol w="3657600"/>
+                <a:gridCol w="2743200"/>
+                <a:gridCol w="2743200"/>
+                <a:gridCol w="2743200"/>
               </a:tblGrid>
-              <a:tr h="457200">
+              <a:tr h="370840">
                 <a:tc>
                   <a:txBody>
                     <a:bodyPr/>
@@ -3762,7 +3760,7 @@
                     <a:p>
                       <a:r>
                         <a:rPr lang="en-US" dirty="0" smtClean="0"/>
-                        <a:t>tool</a:t>
+                        <a:t>Source</a:t>
                       </a:r>
                       <a:endParaRPr lang="en-US" dirty="0"/>
                     </a:p>
@@ -3776,7 +3774,7 @@
                     <a:p>
                       <a:r>
                         <a:rPr lang="en-US" dirty="0" smtClean="0"/>
-                        <a:t>use</a:t>
+                        <a:t>Type</a:t>
                       </a:r>
                       <a:endParaRPr lang="en-US" dirty="0"/>
                     </a:p>
@@ -3790,7 +3788,7 @@
                     <a:p>
                       <a:r>
                         <a:rPr lang="en-US" dirty="0" smtClean="0"/>
-                        <a:t>description</a:t>
+                        <a:t>Description</a:t>
                       </a:r>
                       <a:endParaRPr lang="en-US" dirty="0"/>
                     </a:p>
@@ -3805,36 +3803,68 @@
                     <a:lstStyle/>
                     <a:p>
                       <a:r>
+                        <a:rPr lang="en-US" dirty="0" smtClean="0"/>
+                        <a:t>Doctor DB</a:t>
+                      </a:r>
+                      <a:r>
+                        <a:rPr lang="en-US" baseline="0" dirty="0" smtClean="0"/>
+                        <a:t> </a:t>
+                      </a:r>
+                      <a:endParaRPr lang="en-US" dirty="0"/>
+                    </a:p>
+                  </a:txBody>
+                  <a:tcPr/>
+                </a:tc>
+                <a:tc>
+                  <a:txBody>
+                    <a:bodyPr/>
+                    <a:lstStyle/>
+                    <a:p>
+                      <a:r>
                         <a:rPr lang="en-US" dirty="0" err="1" smtClean="0"/>
-                        <a:t>hdfs</a:t>
-                      </a:r>
-                      <a:endParaRPr lang="en-US" dirty="0"/>
-                    </a:p>
-                  </a:txBody>
-                  <a:tcPr/>
-                </a:tc>
-                <a:tc>
-                  <a:txBody>
-                    <a:bodyPr/>
-                    <a:lstStyle/>
-                    <a:p>
+                        <a:t>MySql</a:t>
+                      </a:r>
                       <a:r>
                         <a:rPr lang="en-US" dirty="0" smtClean="0"/>
-                        <a:t>Receipts data archive</a:t>
-                      </a:r>
-                      <a:endParaRPr lang="en-US" dirty="0"/>
-                    </a:p>
-                  </a:txBody>
-                  <a:tcPr/>
-                </a:tc>
-                <a:tc>
-                  <a:txBody>
-                    <a:bodyPr/>
-                    <a:lstStyle/>
-                    <a:p>
+                        <a:t> ,</a:t>
+                      </a:r>
+                      <a:r>
+                        <a:rPr lang="en-US" baseline="0" dirty="0" smtClean="0"/>
+                        <a:t> Relation DB</a:t>
+                      </a:r>
+                      <a:endParaRPr lang="en-US" dirty="0"/>
+                    </a:p>
+                  </a:txBody>
+                  <a:tcPr/>
+                </a:tc>
+                <a:tc>
+                  <a:txBody>
+                    <a:bodyPr/>
+                    <a:lstStyle/>
+                    <a:p>
+                      <a:r>
+                        <a:rPr lang="en-US" dirty="0" err="1" smtClean="0"/>
+                        <a:t>Rt</a:t>
+                      </a:r>
                       <a:r>
                         <a:rPr lang="en-US" dirty="0" smtClean="0"/>
-                        <a:t>Source for reports and analytics</a:t>
+                        <a:t> doctor </a:t>
+                      </a:r>
+                      <a:r>
+                        <a:rPr lang="en-US" dirty="0" err="1" smtClean="0"/>
+                        <a:t>db</a:t>
+                      </a:r>
+                      <a:r>
+                        <a:rPr lang="en-US" dirty="0" smtClean="0"/>
+                        <a:t> ,that saved patient history,</a:t>
+                      </a:r>
+                      <a:r>
+                        <a:rPr lang="en-US" baseline="0" dirty="0" smtClean="0"/>
+                        <a:t> doctors information.</a:t>
+                      </a:r>
+                      <a:r>
+                        <a:rPr lang="en-US" dirty="0" smtClean="0"/>
+                        <a:t> </a:t>
                       </a:r>
                       <a:endParaRPr lang="en-US" dirty="0"/>
                     </a:p>
@@ -3850,7 +3880,77 @@
                     <a:p>
                       <a:r>
                         <a:rPr lang="en-US" dirty="0" smtClean="0"/>
-                        <a:t>NIH </a:t>
+                        <a:t>Diseases DB </a:t>
+                      </a:r>
+                      <a:endParaRPr lang="en-US" dirty="0"/>
+                    </a:p>
+                  </a:txBody>
+                  <a:tcPr/>
+                </a:tc>
+                <a:tc>
+                  <a:txBody>
+                    <a:bodyPr/>
+                    <a:lstStyle/>
+                    <a:p>
+                      <a:r>
+                        <a:rPr lang="en-US" dirty="0" smtClean="0"/>
+                        <a:t> constantly taken drugs</a:t>
+                      </a:r>
+                      <a:endParaRPr lang="en-US" dirty="0"/>
+                    </a:p>
+                  </a:txBody>
+                  <a:tcPr/>
+                </a:tc>
+                <a:tc>
+                  <a:txBody>
+                    <a:bodyPr/>
+                    <a:lstStyle/>
+                    <a:p>
+                      <a:r>
+                        <a:rPr lang="en-US" dirty="0" smtClean="0"/>
+                        <a:t>Loaded data from external</a:t>
+                      </a:r>
+                      <a:r>
+                        <a:rPr lang="en-US" baseline="0" dirty="0" smtClean="0"/>
+                        <a:t> data source</a:t>
+                      </a:r>
+                      <a:endParaRPr lang="en-US" dirty="0"/>
+                    </a:p>
+                  </a:txBody>
+                  <a:tcPr/>
+                </a:tc>
+              </a:tr>
+              <a:tr h="370840">
+                <a:tc>
+                  <a:txBody>
+                    <a:bodyPr/>
+                    <a:lstStyle/>
+                    <a:p>
+                      <a:r>
+                        <a:rPr lang="en-US" dirty="0" smtClean="0"/>
+                        <a:t>External</a:t>
+                      </a:r>
+                      <a:r>
+                        <a:rPr lang="en-US" baseline="0" dirty="0" smtClean="0"/>
+                        <a:t> APIs –drugs </a:t>
+                      </a:r>
+                      <a:r>
+                        <a:rPr lang="en-US" baseline="0" dirty="0" err="1" smtClean="0"/>
+                        <a:t>api</a:t>
+                      </a:r>
+                      <a:endParaRPr lang="en-US" dirty="0"/>
+                    </a:p>
+                  </a:txBody>
+                  <a:tcPr/>
+                </a:tc>
+                <a:tc>
+                  <a:txBody>
+                    <a:bodyPr/>
+                    <a:lstStyle/>
+                    <a:p>
+                      <a:r>
+                        <a:rPr lang="en-US" dirty="0" smtClean="0"/>
+                        <a:t>4 official drug interaction </a:t>
                       </a:r>
                       <a:r>
                         <a:rPr lang="en-US" dirty="0" err="1" smtClean="0"/>
@@ -3858,7 +3958,7 @@
                       </a:r>
                       <a:r>
                         <a:rPr lang="en-US" dirty="0" smtClean="0"/>
-                        <a:t> </a:t>
+                        <a:t> of National Institute of Health, USA </a:t>
                       </a:r>
                       <a:endParaRPr lang="en-US" dirty="0"/>
                     </a:p>
@@ -3872,51 +3972,7 @@
                     <a:p>
                       <a:r>
                         <a:rPr lang="en-US" dirty="0" smtClean="0"/>
-                        <a:t>Source</a:t>
-                      </a:r>
-                      <a:r>
-                        <a:rPr lang="en-US" baseline="0" dirty="0" smtClean="0"/>
-                        <a:t> </a:t>
-                      </a:r>
-                      <a:r>
-                        <a:rPr lang="en-US" baseline="0" dirty="0" err="1" smtClean="0"/>
-                        <a:t>DrugBank</a:t>
-                      </a:r>
-                      <a:endParaRPr lang="en-US" dirty="0"/>
-                    </a:p>
-                  </a:txBody>
-                  <a:tcPr/>
-                </a:tc>
-                <a:tc>
-                  <a:txBody>
-                    <a:bodyPr/>
-                    <a:lstStyle/>
-                    <a:p>
-                      <a:r>
-                        <a:rPr lang="en-US" dirty="0" err="1" smtClean="0"/>
-                        <a:t>Api</a:t>
-                      </a:r>
-                      <a:r>
-                        <a:rPr lang="en-US" dirty="0" smtClean="0"/>
-                        <a:t> can works</a:t>
-                      </a:r>
-                      <a:r>
-                        <a:rPr lang="en-US" baseline="0" dirty="0" smtClean="0"/>
-                        <a:t> with different data source,</a:t>
-                      </a:r>
-                    </a:p>
-                    <a:p>
-                      <a:r>
-                        <a:rPr lang="en-US" baseline="0" dirty="0" smtClean="0"/>
-                        <a:t> in this project we use the </a:t>
-                      </a:r>
-                      <a:r>
-                        <a:rPr lang="en-US" baseline="0" dirty="0" err="1" smtClean="0"/>
-                        <a:t>DrugBank</a:t>
-                      </a:r>
-                      <a:r>
-                        <a:rPr lang="en-US" baseline="0" dirty="0" smtClean="0"/>
-                        <a:t> source</a:t>
+                        <a:t>https://lhncbc.nlm.nih.gov/RxNav/APIs/InteractionAPIs.html</a:t>
                       </a:r>
                       <a:endParaRPr lang="en-US" dirty="0"/>
                     </a:p>
@@ -3932,18 +3988,12 @@
                     <a:p>
                       <a:r>
                         <a:rPr lang="en-US" dirty="0" smtClean="0"/>
-                        <a:t>python</a:t>
-                      </a:r>
-                      <a:endParaRPr lang="en-US" dirty="0"/>
-                    </a:p>
-                  </a:txBody>
-                  <a:tcPr/>
-                </a:tc>
-                <a:tc>
-                  <a:txBody>
-                    <a:bodyPr/>
-                    <a:lstStyle/>
-                    <a:p>
+                        <a:t>All</a:t>
+                      </a:r>
+                      <a:r>
+                        <a:rPr lang="en-US" baseline="0" dirty="0" smtClean="0"/>
+                        <a:t> drug receipts archive</a:t>
+                      </a:r>
                       <a:endParaRPr lang="en-US" dirty="0"/>
                     </a:p>
                   </a:txBody>
@@ -3956,24 +4006,22 @@
                     <a:p>
                       <a:r>
                         <a:rPr lang="en-US" dirty="0" smtClean="0"/>
-                        <a:t>Use </a:t>
-                      </a:r>
-                      <a:r>
-                        <a:rPr lang="en-US" dirty="0" err="1" smtClean="0"/>
-                        <a:t>parrow</a:t>
-                      </a:r>
-                      <a:r>
-                        <a:rPr lang="en-US" dirty="0" smtClean="0"/>
-                        <a:t>, </a:t>
-                      </a:r>
-                      <a:r>
-                        <a:rPr lang="en-US" dirty="0" err="1" smtClean="0"/>
-                        <a:t>pyspark</a:t>
-                      </a:r>
-                      <a:r>
-                        <a:rPr lang="en-US" dirty="0" smtClean="0"/>
-                        <a:t> , lexical analysis</a:t>
-                      </a:r>
+                        <a:t>HDFS,</a:t>
+                      </a:r>
+                      <a:r>
+                        <a:rPr lang="en-US" baseline="0" dirty="0" smtClean="0"/>
+                        <a:t> cloud</a:t>
+                      </a:r>
+                      <a:endParaRPr lang="en-US" dirty="0"/>
+                    </a:p>
+                  </a:txBody>
+                  <a:tcPr/>
+                </a:tc>
+                <a:tc>
+                  <a:txBody>
+                    <a:bodyPr/>
+                    <a:lstStyle/>
+                    <a:p>
                       <a:endParaRPr lang="en-US" dirty="0"/>
                     </a:p>
                   </a:txBody>
@@ -3988,104 +4036,48 @@
                     <a:p>
                       <a:r>
                         <a:rPr lang="en-US" dirty="0" smtClean="0"/>
-                        <a:t>HIVE</a:t>
-                      </a:r>
-                      <a:endParaRPr lang="en-US" dirty="0"/>
-                    </a:p>
-                  </a:txBody>
-                  <a:tcPr/>
-                </a:tc>
-                <a:tc>
-                  <a:txBody>
-                    <a:bodyPr/>
-                    <a:lstStyle/>
-                    <a:p>
+                        <a:t>Mongo </a:t>
+                      </a:r>
                       <a:r>
                         <a:rPr lang="en-US" dirty="0" err="1" smtClean="0"/>
-                        <a:t>Sql</a:t>
-                      </a:r>
+                        <a:t>db</a:t>
+                      </a:r>
+                      <a:endParaRPr lang="en-US" dirty="0"/>
+                    </a:p>
+                  </a:txBody>
+                  <a:tcPr/>
+                </a:tc>
+                <a:tc>
+                  <a:txBody>
+                    <a:bodyPr/>
+                    <a:lstStyle/>
+                    <a:p>
                       <a:r>
                         <a:rPr lang="en-US" dirty="0" smtClean="0"/>
-                        <a:t> tools for reports from</a:t>
+                        <a:t>New </a:t>
+                      </a:r>
+                      <a:r>
+                        <a:rPr lang="en-US" dirty="0" err="1" smtClean="0"/>
+                        <a:t>db</a:t>
+                      </a:r>
+                      <a:r>
+                        <a:rPr lang="en-US" dirty="0" smtClean="0"/>
+                        <a:t> to save data in useful format</a:t>
                       </a:r>
                       <a:r>
                         <a:rPr lang="en-US" baseline="0" dirty="0" smtClean="0"/>
-                        <a:t> </a:t>
-                      </a:r>
-                      <a:r>
-                        <a:rPr lang="en-US" baseline="0" dirty="0" err="1" smtClean="0"/>
-                        <a:t>hdfs</a:t>
-                      </a:r>
-                      <a:r>
-                        <a:rPr lang="en-US" baseline="0" dirty="0" smtClean="0"/>
-                        <a:t> archive</a:t>
-                      </a:r>
-                      <a:endParaRPr lang="en-US" dirty="0"/>
-                    </a:p>
-                  </a:txBody>
-                  <a:tcPr/>
-                </a:tc>
-                <a:tc>
-                  <a:txBody>
-                    <a:bodyPr/>
-                    <a:lstStyle/>
-                    <a:p>
-                      <a:r>
-                        <a:rPr lang="en-US" dirty="0" smtClean="0"/>
-                        <a:t>Used to get reports from archive</a:t>
-                      </a:r>
-                      <a:endParaRPr lang="en-US" dirty="0"/>
-                    </a:p>
-                  </a:txBody>
-                  <a:tcPr/>
-                </a:tc>
-              </a:tr>
-              <a:tr h="370840">
-                <a:tc>
-                  <a:txBody>
-                    <a:bodyPr/>
-                    <a:lstStyle/>
-                    <a:p>
-                      <a:r>
-                        <a:rPr lang="en-US" dirty="0" smtClean="0"/>
-                        <a:t>mongo</a:t>
-                      </a:r>
-                      <a:endParaRPr lang="en-US" dirty="0"/>
-                    </a:p>
-                  </a:txBody>
-                  <a:tcPr/>
-                </a:tc>
-                <a:tc>
-                  <a:txBody>
-                    <a:bodyPr/>
-                    <a:lstStyle/>
-                    <a:p>
-                      <a:r>
-                        <a:rPr lang="en-US" dirty="0" smtClean="0"/>
-                        <a:t>New database to save the</a:t>
-                      </a:r>
-                      <a:r>
-                        <a:rPr lang="en-US" baseline="0" dirty="0" smtClean="0"/>
-                        <a:t> result of data manipulation </a:t>
-                      </a:r>
-                      <a:endParaRPr lang="en-US" dirty="0"/>
-                    </a:p>
-                  </a:txBody>
-                  <a:tcPr/>
-                </a:tc>
-                <a:tc>
-                  <a:txBody>
-                    <a:bodyPr/>
-                    <a:lstStyle/>
-                    <a:p>
-                      <a:r>
-                        <a:rPr lang="en-US" dirty="0" smtClean="0"/>
-                        <a:t>For future use, after first</a:t>
-                      </a:r>
-                      <a:r>
-                        <a:rPr lang="en-US" baseline="0" dirty="0" smtClean="0"/>
-                        <a:t> period of application use possible to use ready data sets for interaction instead of run the whole process each time, process will be run in future only when drug don’t exist in mongo </a:t>
-                      </a:r>
+                        <a:t> after  first checks for further uses without </a:t>
+                      </a:r>
+                      <a:endParaRPr lang="en-US" dirty="0"/>
+                    </a:p>
+                  </a:txBody>
+                  <a:tcPr/>
+                </a:tc>
+                <a:tc>
+                  <a:txBody>
+                    <a:bodyPr/>
+                    <a:lstStyle/>
+                    <a:p>
                       <a:endParaRPr lang="en-US" dirty="0"/>
                     </a:p>
                   </a:txBody>
@@ -4099,7 +4091,7 @@
     </p:spTree>
     <p:extLst>
       <p:ext uri="{BB962C8B-B14F-4D97-AF65-F5344CB8AC3E}">
-        <p14:creationId xmlns:p14="http://schemas.microsoft.com/office/powerpoint/2010/main" val="3559383738"/>
+        <p14:creationId xmlns:p14="http://schemas.microsoft.com/office/powerpoint/2010/main" val="3653606258"/>
       </p:ext>
     </p:extLst>
   </p:cSld>
@@ -4117,100 +4109,6 @@
 </file>
 
 <file path=ppt/slides/slide11.xml><?xml version="1.0" encoding="utf-8"?>
-<p:sld xmlns:a="http://schemas.openxmlformats.org/drawingml/2006/main" xmlns:r="http://schemas.openxmlformats.org/officeDocument/2006/relationships" xmlns:p="http://schemas.openxmlformats.org/presentationml/2006/main">
-  <p:cSld>
-    <p:spTree>
-      <p:nvGrpSpPr>
-        <p:cNvPr id="1" name=""/>
-        <p:cNvGrpSpPr/>
-        <p:nvPr/>
-      </p:nvGrpSpPr>
-      <p:grpSpPr>
-        <a:xfrm>
-          <a:off x="0" y="0"/>
-          <a:ext cx="0" cy="0"/>
-          <a:chOff x="0" y="0"/>
-          <a:chExt cx="0" cy="0"/>
-        </a:xfrm>
-      </p:grpSpPr>
-      <p:sp>
-        <p:nvSpPr>
-          <p:cNvPr id="2" name="Title 1"/>
-          <p:cNvSpPr>
-            <a:spLocks noGrp="1"/>
-          </p:cNvSpPr>
-          <p:nvPr>
-            <p:ph type="title"/>
-          </p:nvPr>
-        </p:nvSpPr>
-        <p:spPr>
-          <a:xfrm>
-            <a:off x="533588" y="418415"/>
-            <a:ext cx="8229600" cy="1143000"/>
-          </a:xfrm>
-        </p:spPr>
-        <p:txBody>
-          <a:bodyPr/>
-          <a:lstStyle/>
-          <a:p>
-            <a:r>
-              <a:rPr lang="en-US" smtClean="0"/>
-              <a:t>Solution architecture</a:t>
-            </a:r>
-            <a:endParaRPr lang="en-US" dirty="0"/>
-          </a:p>
-        </p:txBody>
-      </p:sp>
-      <p:pic>
-        <p:nvPicPr>
-          <p:cNvPr id="4" name="Content Placeholder 3"/>
-          <p:cNvPicPr>
-            <a:picLocks noGrp="1" noChangeAspect="1"/>
-          </p:cNvPicPr>
-          <p:nvPr>
-            <p:ph idx="1"/>
-          </p:nvPr>
-        </p:nvPicPr>
-        <p:blipFill>
-          <a:blip r:embed="rId2">
-            <a:extLst>
-              <a:ext uri="{28A0092B-C50C-407E-A947-70E740481C1C}">
-                <a14:useLocalDpi xmlns:a14="http://schemas.microsoft.com/office/drawing/2010/main" val="0"/>
-              </a:ext>
-            </a:extLst>
-          </a:blip>
-          <a:stretch>
-            <a:fillRect/>
-          </a:stretch>
-        </p:blipFill>
-        <p:spPr>
-          <a:xfrm>
-            <a:off x="127077" y="1447800"/>
-            <a:ext cx="9016923" cy="5181600"/>
-          </a:xfrm>
-        </p:spPr>
-      </p:pic>
-    </p:spTree>
-    <p:extLst>
-      <p:ext uri="{BB962C8B-B14F-4D97-AF65-F5344CB8AC3E}">
-        <p14:creationId xmlns:p14="http://schemas.microsoft.com/office/powerpoint/2010/main" val="2944557163"/>
-      </p:ext>
-    </p:extLst>
-  </p:cSld>
-  <p:clrMapOvr>
-    <a:masterClrMapping/>
-  </p:clrMapOvr>
-  <p:timing>
-    <p:tnLst>
-      <p:par>
-        <p:cTn id="1" dur="indefinite" restart="never" nodeType="tmRoot"/>
-      </p:par>
-    </p:tnLst>
-  </p:timing>
-</p:sld>
-</file>
-
-<file path=ppt/slides/slide12.xml><?xml version="1.0" encoding="utf-8"?>
 <p:sld xmlns:a="http://schemas.openxmlformats.org/drawingml/2006/main" xmlns:r="http://schemas.openxmlformats.org/officeDocument/2006/relationships" xmlns:p="http://schemas.openxmlformats.org/presentationml/2006/main">
   <p:cSld>
     <p:spTree>
@@ -4305,7 +4203,7 @@
 </p:sld>
 </file>
 
-<file path=ppt/slides/slide13.xml><?xml version="1.0" encoding="utf-8"?>
+<file path=ppt/slides/slide12.xml><?xml version="1.0" encoding="utf-8"?>
 <p:sld xmlns:a="http://schemas.openxmlformats.org/drawingml/2006/main" xmlns:r="http://schemas.openxmlformats.org/officeDocument/2006/relationships" xmlns:p="http://schemas.openxmlformats.org/presentationml/2006/main">
   <p:cSld>
     <p:spTree>
@@ -4402,7 +4300,7 @@
 </p:sld>
 </file>
 
-<file path=ppt/slides/slide14.xml><?xml version="1.0" encoding="utf-8"?>
+<file path=ppt/slides/slide13.xml><?xml version="1.0" encoding="utf-8"?>
 <p:sld xmlns:a="http://schemas.openxmlformats.org/drawingml/2006/main" xmlns:r="http://schemas.openxmlformats.org/officeDocument/2006/relationships" xmlns:p="http://schemas.openxmlformats.org/presentationml/2006/main">
   <p:cSld>
     <p:spTree>
@@ -4526,7 +4424,7 @@
 </p:sld>
 </file>
 
-<file path=ppt/slides/slide15.xml><?xml version="1.0" encoding="utf-8"?>
+<file path=ppt/slides/slide14.xml><?xml version="1.0" encoding="utf-8"?>
 <p:sld xmlns:a="http://schemas.openxmlformats.org/drawingml/2006/main" xmlns:r="http://schemas.openxmlformats.org/officeDocument/2006/relationships" xmlns:p="http://schemas.openxmlformats.org/presentationml/2006/main">
   <p:cSld>
     <p:spTree>
@@ -4638,6 +4536,923 @@
 </p:sld>
 </file>
 
+<file path=ppt/slides/slide15.xml><?xml version="1.0" encoding="utf-8"?>
+<p:sld xmlns:a="http://schemas.openxmlformats.org/drawingml/2006/main" xmlns:r="http://schemas.openxmlformats.org/officeDocument/2006/relationships" xmlns:p="http://schemas.openxmlformats.org/presentationml/2006/main">
+  <p:cSld>
+    <p:spTree>
+      <p:nvGrpSpPr>
+        <p:cNvPr id="1" name=""/>
+        <p:cNvGrpSpPr/>
+        <p:nvPr/>
+      </p:nvGrpSpPr>
+      <p:grpSpPr>
+        <a:xfrm>
+          <a:off x="0" y="0"/>
+          <a:ext cx="0" cy="0"/>
+          <a:chOff x="0" y="0"/>
+          <a:chExt cx="0" cy="0"/>
+        </a:xfrm>
+      </p:grpSpPr>
+      <p:sp>
+        <p:nvSpPr>
+          <p:cNvPr id="2" name="Title 1"/>
+          <p:cNvSpPr>
+            <a:spLocks noGrp="1"/>
+          </p:cNvSpPr>
+          <p:nvPr>
+            <p:ph type="title"/>
+          </p:nvPr>
+        </p:nvSpPr>
+        <p:spPr/>
+        <p:txBody>
+          <a:bodyPr/>
+          <a:lstStyle/>
+          <a:p>
+            <a:r>
+              <a:rPr lang="en-US" dirty="0" smtClean="0"/>
+              <a:t>API Result</a:t>
+            </a:r>
+            <a:endParaRPr lang="en-US" dirty="0"/>
+          </a:p>
+        </p:txBody>
+      </p:sp>
+      <p:sp>
+        <p:nvSpPr>
+          <p:cNvPr id="3" name="Content Placeholder 2"/>
+          <p:cNvSpPr>
+            <a:spLocks noGrp="1"/>
+          </p:cNvSpPr>
+          <p:nvPr>
+            <p:ph idx="1"/>
+          </p:nvPr>
+        </p:nvSpPr>
+        <p:spPr/>
+        <p:txBody>
+          <a:bodyPr>
+            <a:normAutofit fontScale="25000" lnSpcReduction="20000"/>
+          </a:bodyPr>
+          <a:lstStyle/>
+          <a:p>
+            <a:r>
+              <a:rPr lang="en-US" sz="5600" b="1" dirty="0" smtClean="0"/>
+              <a:t>Large and not useful file format. The example saved in </a:t>
+            </a:r>
+            <a:r>
+              <a:rPr lang="en-US" sz="5600" b="1" dirty="0" err="1" smtClean="0"/>
+              <a:t>github</a:t>
+            </a:r>
+            <a:endParaRPr lang="en-US" sz="5600" b="1" dirty="0" smtClean="0"/>
+          </a:p>
+          <a:p>
+            <a:r>
+              <a:rPr lang="en-US" sz="5600" b="1" dirty="0" smtClean="0">
+                <a:hlinkClick r:id="rId2"/>
+              </a:rPr>
+              <a:t>https://github.com/katkovOlga/nayaProject/blob/main/Dr_dr_Out.txt</a:t>
+            </a:r>
+            <a:endParaRPr lang="en-US" sz="5600" b="1" dirty="0" smtClean="0"/>
+          </a:p>
+          <a:p>
+            <a:r>
+              <a:rPr lang="en-US" sz="5600" b="1" dirty="0" smtClean="0"/>
+              <a:t>It seems so, followed part of </a:t>
+            </a:r>
+            <a:r>
+              <a:rPr lang="en-US" sz="5600" b="1" dirty="0" err="1" smtClean="0"/>
+              <a:t>api</a:t>
+            </a:r>
+            <a:r>
+              <a:rPr lang="en-US" sz="5600" b="1" dirty="0" smtClean="0"/>
+              <a:t> result:</a:t>
+            </a:r>
+          </a:p>
+          <a:p>
+            <a:endParaRPr lang="en-US" dirty="0"/>
+          </a:p>
+          <a:p>
+            <a:r>
+              <a:rPr lang="en-US" dirty="0" smtClean="0"/>
+              <a:t>{"</a:t>
+            </a:r>
+            <a:r>
+              <a:rPr lang="en-US" dirty="0" err="1" smtClean="0"/>
+              <a:t>nlmDisclaimer</a:t>
+            </a:r>
+            <a:r>
+              <a:rPr lang="en-US" dirty="0" smtClean="0"/>
+              <a:t>":"It is not the intention of NLM to provide specific medical advice, but rather to provide users with information to better understand their health and their medications. NLM urges you to consult with a qualified physician for advice about medications.","</a:t>
+            </a:r>
+            <a:r>
+              <a:rPr lang="en-US" dirty="0" err="1" smtClean="0"/>
+              <a:t>interactionTypeGroup</a:t>
+            </a:r>
+            <a:r>
+              <a:rPr lang="en-US" dirty="0" smtClean="0"/>
+              <a:t>":[{"</a:t>
+            </a:r>
+            <a:r>
+              <a:rPr lang="en-US" dirty="0" err="1" smtClean="0"/>
+              <a:t>sourceDisclaimer</a:t>
+            </a:r>
+            <a:r>
+              <a:rPr lang="en-US" dirty="0" smtClean="0"/>
+              <a:t>":"</a:t>
+            </a:r>
+            <a:r>
+              <a:rPr lang="en-US" dirty="0" err="1" smtClean="0"/>
+              <a:t>DrugBank</a:t>
+            </a:r>
+            <a:r>
+              <a:rPr lang="en-US" dirty="0" smtClean="0"/>
+              <a:t> is intended for educational and scientific research purposes only and you expressly acknowledge and agree that use of </a:t>
+            </a:r>
+            <a:r>
+              <a:rPr lang="en-US" dirty="0" err="1" smtClean="0"/>
+              <a:t>DrugBank</a:t>
+            </a:r>
+            <a:r>
+              <a:rPr lang="en-US" dirty="0" smtClean="0"/>
+              <a:t> is at your sole risk. The accuracy of </a:t>
+            </a:r>
+            <a:r>
+              <a:rPr lang="en-US" dirty="0" err="1" smtClean="0"/>
+              <a:t>DrugBank</a:t>
+            </a:r>
+            <a:r>
+              <a:rPr lang="en-US" dirty="0" smtClean="0"/>
+              <a:t> information is not guaranteed and reliance on </a:t>
+            </a:r>
+            <a:r>
+              <a:rPr lang="en-US" dirty="0" err="1" smtClean="0"/>
+              <a:t>DrugBank</a:t>
+            </a:r>
+            <a:r>
+              <a:rPr lang="en-US" dirty="0" smtClean="0"/>
+              <a:t> shall be at your sole risk. </a:t>
+            </a:r>
+            <a:r>
+              <a:rPr lang="en-US" dirty="0" err="1" smtClean="0"/>
+              <a:t>DrugBank</a:t>
+            </a:r>
+            <a:r>
+              <a:rPr lang="en-US" dirty="0" smtClean="0"/>
+              <a:t> is not intended as a substitute for professional medical advice, diagnosis or treatment..[www.drugbank.ca]","sourceName":"DrugBank","interactionType":[{"comment":"aspirin (1191) is resolved to aspirin (1191)","</a:t>
+            </a:r>
+            <a:r>
+              <a:rPr lang="en-US" dirty="0" err="1" smtClean="0"/>
+              <a:t>minConceptItem</a:t>
+            </a:r>
+            <a:r>
+              <a:rPr lang="en-US" dirty="0" smtClean="0"/>
+              <a:t>":{"rxcui":"1191","name":"aspirin","tty":"IN"},"</a:t>
+            </a:r>
+            <a:r>
+              <a:rPr lang="en-US" dirty="0" err="1" smtClean="0"/>
+              <a:t>interactionPair</a:t>
+            </a:r>
+            <a:r>
+              <a:rPr lang="en-US" dirty="0" smtClean="0"/>
+              <a:t>":[{"</a:t>
+            </a:r>
+            <a:r>
+              <a:rPr lang="en-US" dirty="0" err="1" smtClean="0"/>
+              <a:t>interactionConcept</a:t>
+            </a:r>
+            <a:r>
+              <a:rPr lang="en-US" dirty="0" smtClean="0"/>
+              <a:t>":[{"</a:t>
+            </a:r>
+            <a:r>
+              <a:rPr lang="en-US" dirty="0" err="1" smtClean="0"/>
+              <a:t>minConceptItem</a:t>
+            </a:r>
+            <a:r>
+              <a:rPr lang="en-US" dirty="0" smtClean="0"/>
+              <a:t>":{"rxcui":"1191","name":"aspirin","tty":"IN"},"</a:t>
+            </a:r>
+            <a:r>
+              <a:rPr lang="en-US" dirty="0" err="1" smtClean="0"/>
+              <a:t>sourceConceptItem</a:t>
+            </a:r>
+            <a:r>
+              <a:rPr lang="en-US" dirty="0" smtClean="0"/>
+              <a:t>":{"id":"DB00945","name":"Acetylsalicylic acid","</a:t>
+            </a:r>
+            <a:r>
+              <a:rPr lang="en-US" dirty="0" err="1" smtClean="0"/>
+              <a:t>url</a:t>
+            </a:r>
+            <a:r>
+              <a:rPr lang="en-US" dirty="0" smtClean="0"/>
+              <a:t>":"https://go.drugbank.com/drugs/DB00945#interactions"}},{"</a:t>
+            </a:r>
+            <a:r>
+              <a:rPr lang="en-US" dirty="0" err="1" smtClean="0"/>
+              <a:t>minConceptItem</a:t>
+            </a:r>
+            <a:r>
+              <a:rPr lang="en-US" dirty="0" smtClean="0"/>
+              <a:t>":{"rxcui":"1000492","name":"resveratrol","tty":"IN"},"</a:t>
+            </a:r>
+            <a:r>
+              <a:rPr lang="en-US" dirty="0" err="1" smtClean="0"/>
+              <a:t>sourceConceptItem</a:t>
+            </a:r>
+            <a:r>
+              <a:rPr lang="en-US" dirty="0" smtClean="0"/>
+              <a:t>":{"id":"DB02709","name":"Resveratrol","url":"https://go.drugbank.com/drugs/DB02709#interactions"}}],"</a:t>
+            </a:r>
+            <a:r>
+              <a:rPr lang="en-US" dirty="0" err="1" smtClean="0"/>
+              <a:t>severity":"N</a:t>
+            </a:r>
+            <a:r>
+              <a:rPr lang="en-US" dirty="0" smtClean="0"/>
+              <a:t>/</a:t>
+            </a:r>
+            <a:r>
+              <a:rPr lang="en-US" dirty="0" err="1" smtClean="0"/>
+              <a:t>A","description":"Acetylsalicylic</a:t>
+            </a:r>
+            <a:r>
+              <a:rPr lang="en-US" dirty="0" smtClean="0"/>
+              <a:t> acid may increase the antiplatelet activities of Resveratrol."},{"</a:t>
+            </a:r>
+            <a:r>
+              <a:rPr lang="en-US" dirty="0" err="1" smtClean="0"/>
+              <a:t>interactionConcept</a:t>
+            </a:r>
+            <a:r>
+              <a:rPr lang="en-US" dirty="0" smtClean="0"/>
+              <a:t>":[{"</a:t>
+            </a:r>
+            <a:r>
+              <a:rPr lang="en-US" dirty="0" err="1" smtClean="0"/>
+              <a:t>minConceptItem</a:t>
+            </a:r>
+            <a:r>
+              <a:rPr lang="en-US" dirty="0" smtClean="0"/>
+              <a:t>":{"rxcui":"1191","name":"aspirin","tty":"IN"},"</a:t>
+            </a:r>
+            <a:r>
+              <a:rPr lang="en-US" dirty="0" err="1" smtClean="0"/>
+              <a:t>sourceConceptItem</a:t>
+            </a:r>
+            <a:r>
+              <a:rPr lang="en-US" dirty="0" smtClean="0"/>
+              <a:t>":{"id":"DB00945","name":"Acetylsalicylic acid","</a:t>
+            </a:r>
+            <a:r>
+              <a:rPr lang="en-US" dirty="0" err="1" smtClean="0"/>
+              <a:t>url</a:t>
+            </a:r>
+            <a:r>
+              <a:rPr lang="en-US" dirty="0" smtClean="0"/>
+              <a:t>":"https://go.drugbank.com/drugs/DB00945#interactions"}},{"</a:t>
+            </a:r>
+            <a:r>
+              <a:rPr lang="en-US" dirty="0" err="1" smtClean="0"/>
+              <a:t>minConceptItem</a:t>
+            </a:r>
+            <a:r>
+              <a:rPr lang="en-US" dirty="0" smtClean="0"/>
+              <a:t>":{"rxcui":"1001","name":"antipyrine","tty":"IN"},"</a:t>
+            </a:r>
+            <a:r>
+              <a:rPr lang="en-US" dirty="0" err="1" smtClean="0"/>
+              <a:t>sourceConceptItem</a:t>
+            </a:r>
+            <a:r>
+              <a:rPr lang="en-US" dirty="0" smtClean="0"/>
+              <a:t>":{"id":"DB01435","name":"Antipyrine","url":"https://go.drugbank.com/drugs/DB01435#interactions"}}],"</a:t>
+            </a:r>
+            <a:r>
+              <a:rPr lang="en-US" dirty="0" err="1" smtClean="0"/>
+              <a:t>severity":"N</a:t>
+            </a:r>
+            <a:r>
+              <a:rPr lang="en-US" dirty="0" smtClean="0"/>
+              <a:t>/</a:t>
+            </a:r>
+            <a:r>
+              <a:rPr lang="en-US" dirty="0" err="1" smtClean="0"/>
+              <a:t>A","description":"The</a:t>
+            </a:r>
+            <a:r>
+              <a:rPr lang="en-US" dirty="0" smtClean="0"/>
+              <a:t> therapeutic efficacy of Acetylsalicylic acid can be decreased when used in combination with </a:t>
+            </a:r>
+            <a:r>
+              <a:rPr lang="en-US" dirty="0" err="1" smtClean="0"/>
+              <a:t>Antipyrine</a:t>
+            </a:r>
+            <a:r>
+              <a:rPr lang="en-US" dirty="0" smtClean="0"/>
+              <a:t>."},{"</a:t>
+            </a:r>
+            <a:r>
+              <a:rPr lang="en-US" dirty="0" err="1" smtClean="0"/>
+              <a:t>interactionConcept</a:t>
+            </a:r>
+            <a:r>
+              <a:rPr lang="en-US" dirty="0" smtClean="0"/>
+              <a:t>":[{"</a:t>
+            </a:r>
+            <a:r>
+              <a:rPr lang="en-US" dirty="0" err="1" smtClean="0"/>
+              <a:t>minConceptItem</a:t>
+            </a:r>
+            <a:r>
+              <a:rPr lang="en-US" dirty="0" smtClean="0"/>
+              <a:t>":{"rxcui":"1191","name":"aspirin","tty":"IN"},"</a:t>
+            </a:r>
+            <a:r>
+              <a:rPr lang="en-US" dirty="0" err="1" smtClean="0"/>
+              <a:t>sourceConceptItem</a:t>
+            </a:r>
+            <a:r>
+              <a:rPr lang="en-US" dirty="0" smtClean="0"/>
+              <a:t>":{"id":"DB00945","name":"Acetylsalicylic acid","</a:t>
+            </a:r>
+            <a:r>
+              <a:rPr lang="en-US" dirty="0" err="1" smtClean="0"/>
+              <a:t>url</a:t>
+            </a:r>
+            <a:r>
+              <a:rPr lang="en-US" dirty="0" smtClean="0"/>
+              <a:t>":"https://go.drugbank.com/drugs/DB00945#interactions"}},{"</a:t>
+            </a:r>
+            <a:r>
+              <a:rPr lang="en-US" dirty="0" err="1" smtClean="0"/>
+              <a:t>minConceptItem</a:t>
+            </a:r>
+            <a:r>
+              <a:rPr lang="en-US" dirty="0" smtClean="0"/>
+              <a:t>":{"rxcui":"1005911","name":"influenza virus vaccine, live attenuated, A-Perth-16-2009 (H3N2) strain","</a:t>
+            </a:r>
+            <a:r>
+              <a:rPr lang="en-US" dirty="0" err="1" smtClean="0"/>
+              <a:t>tty</a:t>
+            </a:r>
+            <a:r>
+              <a:rPr lang="en-US" dirty="0" smtClean="0"/>
+              <a:t>":"IN"},"</a:t>
+            </a:r>
+            <a:r>
+              <a:rPr lang="en-US" dirty="0" err="1" smtClean="0"/>
+              <a:t>sourceConceptItem</a:t>
+            </a:r>
+            <a:r>
+              <a:rPr lang="en-US" dirty="0" smtClean="0"/>
+              <a:t>":{"id":"DB14449","name":"Influenza A virus A/Perth/16/2009 (H3N2) live (attenuated) antigen","</a:t>
+            </a:r>
+            <a:r>
+              <a:rPr lang="en-US" dirty="0" err="1" smtClean="0"/>
+              <a:t>url</a:t>
+            </a:r>
+            <a:r>
+              <a:rPr lang="en-US" dirty="0" smtClean="0"/>
+              <a:t>":"https://go.drugbank.com/drugs/DB14449#interactions"}}],"</a:t>
+            </a:r>
+            <a:r>
+              <a:rPr lang="en-US" dirty="0" err="1" smtClean="0"/>
+              <a:t>severity":"N</a:t>
+            </a:r>
+            <a:r>
+              <a:rPr lang="en-US" dirty="0" smtClean="0"/>
+              <a:t>/</a:t>
+            </a:r>
+            <a:r>
+              <a:rPr lang="en-US" dirty="0" err="1" smtClean="0"/>
+              <a:t>A","description":"The</a:t>
+            </a:r>
+            <a:r>
+              <a:rPr lang="en-US" dirty="0" smtClean="0"/>
+              <a:t> risk or severity of adverse effects can be increased when Influenza A virus A/Perth/16/2009 (H3N2) live (attenuated) antigen is combined with Acetylsalicylic acid."},{"</a:t>
+            </a:r>
+            <a:r>
+              <a:rPr lang="en-US" dirty="0" err="1" smtClean="0"/>
+              <a:t>interactionConcept</a:t>
+            </a:r>
+            <a:r>
+              <a:rPr lang="en-US" dirty="0" smtClean="0"/>
+              <a:t>":[{"</a:t>
+            </a:r>
+            <a:r>
+              <a:rPr lang="en-US" dirty="0" err="1" smtClean="0"/>
+              <a:t>minConceptItem</a:t>
+            </a:r>
+            <a:r>
+              <a:rPr lang="en-US" dirty="0" smtClean="0"/>
+              <a:t>":{"rxcui":"1191","name":"aspirin","tty":"IN"},"</a:t>
+            </a:r>
+            <a:r>
+              <a:rPr lang="en-US" dirty="0" err="1" smtClean="0"/>
+              <a:t>sourceConceptItem</a:t>
+            </a:r>
+            <a:r>
+              <a:rPr lang="en-US" dirty="0" smtClean="0"/>
+              <a:t>":{"id":"DB00945","name":"Acetylsalicylic acid","</a:t>
+            </a:r>
+            <a:r>
+              <a:rPr lang="en-US" dirty="0" err="1" smtClean="0"/>
+              <a:t>url</a:t>
+            </a:r>
+            <a:r>
+              <a:rPr lang="en-US" dirty="0" smtClean="0"/>
+              <a:t>":"https://go.drugbank.com/drugs/DB00945#interactions"}},{"</a:t>
+            </a:r>
+            <a:r>
+              <a:rPr lang="en-US" dirty="0" err="1" smtClean="0"/>
+              <a:t>minConceptItem</a:t>
+            </a:r>
+            <a:r>
+              <a:rPr lang="en-US" dirty="0" smtClean="0"/>
+              <a:t>":{"rxcui":"1006469","name":"doconexent","tty":"IN"},"</a:t>
+            </a:r>
+            <a:r>
+              <a:rPr lang="en-US" dirty="0" err="1" smtClean="0"/>
+              <a:t>sourceConceptItem</a:t>
+            </a:r>
+            <a:r>
+              <a:rPr lang="en-US" dirty="0" smtClean="0"/>
+              <a:t>":{"id":"DB03756","name":"Doconexent","url":"https://go.drugbank.com/drugs/DB03756#interactions"}}],"</a:t>
+            </a:r>
+            <a:r>
+              <a:rPr lang="en-US" dirty="0" err="1" smtClean="0"/>
+              <a:t>severity":"N</a:t>
+            </a:r>
+            <a:r>
+              <a:rPr lang="en-US" dirty="0" smtClean="0"/>
+              <a:t>/</a:t>
+            </a:r>
+            <a:r>
+              <a:rPr lang="en-US" dirty="0" err="1" smtClean="0"/>
+              <a:t>A","description":"The</a:t>
+            </a:r>
+            <a:r>
+              <a:rPr lang="en-US" dirty="0" smtClean="0"/>
+              <a:t> metabolism of Acetylsalicylic acid can be decreased when combined with </a:t>
+            </a:r>
+            <a:r>
+              <a:rPr lang="en-US" dirty="0" err="1" smtClean="0"/>
+              <a:t>Doconexent</a:t>
+            </a:r>
+            <a:r>
+              <a:rPr lang="en-US" dirty="0" smtClean="0"/>
+              <a:t>."},{"</a:t>
+            </a:r>
+            <a:r>
+              <a:rPr lang="en-US" dirty="0" err="1" smtClean="0"/>
+              <a:t>interactionConcept</a:t>
+            </a:r>
+            <a:r>
+              <a:rPr lang="en-US" dirty="0" smtClean="0"/>
+              <a:t>":[{"</a:t>
+            </a:r>
+            <a:r>
+              <a:rPr lang="en-US" dirty="0" err="1" smtClean="0"/>
+              <a:t>minConceptItem</a:t>
+            </a:r>
+            <a:r>
+              <a:rPr lang="en-US" dirty="0" smtClean="0"/>
+              <a:t>":{"rxcui":"1191","name":"aspirin","tty":"IN"},"</a:t>
+            </a:r>
+            <a:r>
+              <a:rPr lang="en-US" dirty="0" err="1" smtClean="0"/>
+              <a:t>sourceConceptItem</a:t>
+            </a:r>
+            <a:r>
+              <a:rPr lang="en-US" dirty="0" smtClean="0"/>
+              <a:t>":{"id":"DB00945","name":"Acetylsalicylic acid","</a:t>
+            </a:r>
+            <a:r>
+              <a:rPr lang="en-US" dirty="0" err="1" smtClean="0"/>
+              <a:t>url</a:t>
+            </a:r>
+            <a:r>
+              <a:rPr lang="en-US" dirty="0" smtClean="0"/>
+              <a:t>":"https://go.drugbank.com/drugs/DB00945#interactions"}},{"</a:t>
+            </a:r>
+            <a:r>
+              <a:rPr lang="en-US" dirty="0" err="1" smtClean="0"/>
+              <a:t>minConceptItem</a:t>
+            </a:r>
+            <a:r>
+              <a:rPr lang="en-US" dirty="0" smtClean="0"/>
+              <a:t>":{"rxcui":"1009","name":"antithrombin III","</a:t>
+            </a:r>
+            <a:r>
+              <a:rPr lang="en-US" dirty="0" err="1" smtClean="0"/>
+              <a:t>tty</a:t>
+            </a:r>
+            <a:r>
+              <a:rPr lang="en-US" dirty="0" smtClean="0"/>
+              <a:t>":"IN"},"</a:t>
+            </a:r>
+            <a:r>
+              <a:rPr lang="en-US" dirty="0" err="1" smtClean="0"/>
+              <a:t>sourceConceptItem</a:t>
+            </a:r>
+            <a:r>
+              <a:rPr lang="en-US" dirty="0" smtClean="0"/>
+              <a:t>":{"id":"DB11598","name":"Antithrombin III human","</a:t>
+            </a:r>
+            <a:r>
+              <a:rPr lang="en-US" dirty="0" err="1" smtClean="0"/>
+              <a:t>url</a:t>
+            </a:r>
+            <a:r>
+              <a:rPr lang="en-US" dirty="0" smtClean="0"/>
+              <a:t>":"https://go.drugbank.com/drugs/DB11598#interactions"}}],"</a:t>
+            </a:r>
+            <a:r>
+              <a:rPr lang="en-US" dirty="0" err="1" smtClean="0"/>
+              <a:t>severity":"N</a:t>
+            </a:r>
+            <a:r>
+              <a:rPr lang="en-US" dirty="0" smtClean="0"/>
+              <a:t>/</a:t>
+            </a:r>
+            <a:r>
+              <a:rPr lang="en-US" dirty="0" err="1" smtClean="0"/>
+              <a:t>A","description":"Acetylsalicylic</a:t>
+            </a:r>
+            <a:r>
+              <a:rPr lang="en-US" dirty="0" smtClean="0"/>
+              <a:t> acid may increase the anticoagulant activities of </a:t>
+            </a:r>
+            <a:r>
+              <a:rPr lang="en-US" dirty="0" err="1" smtClean="0"/>
+              <a:t>Antithrombin</a:t>
+            </a:r>
+            <a:r>
+              <a:rPr lang="en-US" dirty="0" smtClean="0"/>
+              <a:t> III human."},{"</a:t>
+            </a:r>
+            <a:r>
+              <a:rPr lang="en-US" dirty="0" err="1" smtClean="0"/>
+              <a:t>interactionConcept</a:t>
+            </a:r>
+            <a:r>
+              <a:rPr lang="en-US" dirty="0" smtClean="0"/>
+              <a:t>":[{"</a:t>
+            </a:r>
+            <a:r>
+              <a:rPr lang="en-US" dirty="0" err="1" smtClean="0"/>
+              <a:t>minConceptItem</a:t>
+            </a:r>
+            <a:r>
+              <a:rPr lang="en-US" dirty="0" smtClean="0"/>
+              <a:t>":{"rxcui":"1191","name":"aspirin","tty":"IN"},"</a:t>
+            </a:r>
+            <a:r>
+              <a:rPr lang="en-US" dirty="0" err="1" smtClean="0"/>
+              <a:t>sourceConceptItem</a:t>
+            </a:r>
+            <a:r>
+              <a:rPr lang="en-US" dirty="0" smtClean="0"/>
+              <a:t>":{"id":"DB00945","name":"Acetylsalicylic acid","</a:t>
+            </a:r>
+            <a:r>
+              <a:rPr lang="en-US" dirty="0" err="1" smtClean="0"/>
+              <a:t>url</a:t>
+            </a:r>
+            <a:r>
+              <a:rPr lang="en-US" dirty="0" smtClean="0"/>
+              <a:t>":"https://go.drugbank.com/drugs/DB00945#interactions"}},{"</a:t>
+            </a:r>
+            <a:r>
+              <a:rPr lang="en-US" dirty="0" err="1" smtClean="0"/>
+              <a:t>minConceptItem</a:t>
+            </a:r>
+            <a:r>
+              <a:rPr lang="en-US" dirty="0" smtClean="0"/>
+              <a:t>":{"rxcui":"10106","name":"streptokinase","tty":"IN"},"</a:t>
+            </a:r>
+            <a:r>
+              <a:rPr lang="en-US" dirty="0" err="1" smtClean="0"/>
+              <a:t>sourceConceptItem</a:t>
+            </a:r>
+            <a:r>
+              <a:rPr lang="en-US" dirty="0" smtClean="0"/>
+              <a:t>":{"id":"DB00086","name":"Streptokinase","url":"https://go.drugbank.com/drugs/DB00086#interactions"}}],"</a:t>
+            </a:r>
+            <a:r>
+              <a:rPr lang="en-US" dirty="0" err="1" smtClean="0"/>
+              <a:t>severity":"N</a:t>
+            </a:r>
+            <a:r>
+              <a:rPr lang="en-US" dirty="0" smtClean="0"/>
+              <a:t>/</a:t>
+            </a:r>
+            <a:r>
+              <a:rPr lang="en-US" dirty="0" err="1" smtClean="0"/>
+              <a:t>A","description":"Acetylsalicylic</a:t>
+            </a:r>
+            <a:r>
+              <a:rPr lang="en-US" dirty="0" smtClean="0"/>
+              <a:t> acid may increase the anticoagulant activities of Streptokinase."},{"</a:t>
+            </a:r>
+            <a:r>
+              <a:rPr lang="en-US" dirty="0" err="1" smtClean="0"/>
+              <a:t>interactionConcept</a:t>
+            </a:r>
+            <a:r>
+              <a:rPr lang="en-US" dirty="0" smtClean="0"/>
+              <a:t>":[{"</a:t>
+            </a:r>
+            <a:r>
+              <a:rPr lang="en-US" dirty="0" err="1" smtClean="0"/>
+              <a:t>minConceptItem</a:t>
+            </a:r>
+            <a:r>
+              <a:rPr lang="en-US" dirty="0" smtClean="0"/>
+              <a:t>":{"rxcui":"1191","name":"aspirin","tty":"IN"},"</a:t>
+            </a:r>
+            <a:r>
+              <a:rPr lang="en-US" dirty="0" err="1" smtClean="0"/>
+              <a:t>sourceConceptItem</a:t>
+            </a:r>
+            <a:r>
+              <a:rPr lang="en-US" dirty="0" smtClean="0"/>
+              <a:t>":{"id":"DB00945","name":"Acetylsalicylic acid","</a:t>
+            </a:r>
+            <a:r>
+              <a:rPr lang="en-US" dirty="0" err="1" smtClean="0"/>
+              <a:t>url</a:t>
+            </a:r>
+            <a:r>
+              <a:rPr lang="en-US" dirty="0" smtClean="0"/>
+              <a:t>":"https://go.drugbank.com/drugs/DB00945#interactions"}},{"</a:t>
+            </a:r>
+            <a:r>
+              <a:rPr lang="en-US" dirty="0" err="1" smtClean="0"/>
+              <a:t>minConceptItem</a:t>
+            </a:r>
+            <a:r>
+              <a:rPr lang="en-US" dirty="0" smtClean="0"/>
+              <a:t>":{"rxcui":"10109","name":"streptomycin","tty":"IN"},"</a:t>
+            </a:r>
+            <a:r>
+              <a:rPr lang="en-US" dirty="0" err="1" smtClean="0"/>
+              <a:t>sourceConceptItem</a:t>
+            </a:r>
+            <a:r>
+              <a:rPr lang="en-US" dirty="0" smtClean="0"/>
+              <a:t>":{"id":"DB01082","name":"Streptomycin","url":"https://go.drugbank.com/drugs/DB01082#interactions"}}],"</a:t>
+            </a:r>
+            <a:r>
+              <a:rPr lang="en-US" dirty="0" err="1" smtClean="0"/>
+              <a:t>severity":"N</a:t>
+            </a:r>
+            <a:r>
+              <a:rPr lang="en-US" dirty="0" smtClean="0"/>
+              <a:t>/</a:t>
+            </a:r>
+            <a:r>
+              <a:rPr lang="en-US" dirty="0" err="1" smtClean="0"/>
+              <a:t>A","description":"Acetylsalicylic</a:t>
+            </a:r>
+            <a:r>
+              <a:rPr lang="en-US" dirty="0" smtClean="0"/>
+              <a:t> acid may decrease the excretion rate of Streptomycin which could result in a higher serum level."},{"</a:t>
+            </a:r>
+            <a:r>
+              <a:rPr lang="en-US" dirty="0" err="1" smtClean="0"/>
+              <a:t>interactionConcept</a:t>
+            </a:r>
+            <a:r>
+              <a:rPr lang="en-US" dirty="0" smtClean="0"/>
+              <a:t>":[{"</a:t>
+            </a:r>
+            <a:r>
+              <a:rPr lang="en-US" dirty="0" err="1" smtClean="0"/>
+              <a:t>minConceptItem</a:t>
+            </a:r>
+            <a:r>
+              <a:rPr lang="en-US" dirty="0" smtClean="0"/>
+              <a:t>":{"rxcui":"1191","name":"aspirin","tty":"IN"},"</a:t>
+            </a:r>
+            <a:r>
+              <a:rPr lang="en-US" dirty="0" err="1" smtClean="0"/>
+              <a:t>sourceConceptItem</a:t>
+            </a:r>
+            <a:r>
+              <a:rPr lang="en-US" dirty="0" smtClean="0"/>
+              <a:t>":{"id":"DB00945","name":"Acetylsalicylic acid","</a:t>
+            </a:r>
+            <a:r>
+              <a:rPr lang="en-US" dirty="0" err="1" smtClean="0"/>
+              <a:t>url</a:t>
+            </a:r>
+            <a:r>
+              <a:rPr lang="en-US" dirty="0" smtClean="0"/>
+              <a:t>":"https://go.drugbank.com/drugs/DB00945#interactions"}},{"</a:t>
+            </a:r>
+            <a:r>
+              <a:rPr lang="en-US" dirty="0" err="1" smtClean="0"/>
+              <a:t>minConceptItem</a:t>
+            </a:r>
+            <a:r>
+              <a:rPr lang="en-US" dirty="0" smtClean="0"/>
+              <a:t>":{"rxcui":"10114","name":"streptozocin","tty":"IN"},"</a:t>
+            </a:r>
+            <a:r>
+              <a:rPr lang="en-US" dirty="0" err="1" smtClean="0"/>
+              <a:t>sourceConceptItem</a:t>
+            </a:r>
+            <a:r>
+              <a:rPr lang="en-US" dirty="0" smtClean="0"/>
+              <a:t>":{"id":"DB00428","name":"Streptozocin","url":"https://go.drugbank.com/drugs/DB00428#interactions"}}],"</a:t>
+            </a:r>
+            <a:r>
+              <a:rPr lang="en-US" dirty="0" err="1" smtClean="0"/>
+              <a:t>severity":"N</a:t>
+            </a:r>
+            <a:r>
+              <a:rPr lang="en-US" dirty="0" smtClean="0"/>
+              <a:t>/</a:t>
+            </a:r>
+            <a:r>
+              <a:rPr lang="en-US" dirty="0" err="1" smtClean="0"/>
+              <a:t>A","description":"The</a:t>
+            </a:r>
+            <a:r>
+              <a:rPr lang="en-US" dirty="0" smtClean="0"/>
+              <a:t> risk or severity of bleeding can be increased when Acetylsalicylic acid is combined with </a:t>
+            </a:r>
+            <a:r>
+              <a:rPr lang="en-US" dirty="0" err="1" smtClean="0"/>
+              <a:t>Streptozocin</a:t>
+            </a:r>
+            <a:r>
+              <a:rPr lang="en-US" dirty="0" smtClean="0"/>
+              <a:t>."},{"</a:t>
+            </a:r>
+            <a:r>
+              <a:rPr lang="en-US" dirty="0" err="1" smtClean="0"/>
+              <a:t>interactionConcept</a:t>
+            </a:r>
+            <a:r>
+              <a:rPr lang="en-US" dirty="0" smtClean="0"/>
+              <a:t>":[{"</a:t>
+            </a:r>
+            <a:r>
+              <a:rPr lang="en-US" dirty="0" err="1" smtClean="0"/>
+              <a:t>minConceptItem</a:t>
+            </a:r>
+            <a:r>
+              <a:rPr lang="en-US" dirty="0" smtClean="0"/>
+              <a:t>":{"rxcui":"1191","name":"aspirin","tty":"IN"},"</a:t>
+            </a:r>
+            <a:r>
+              <a:rPr lang="en-US" dirty="0" err="1" smtClean="0"/>
+              <a:t>sourceConceptItem</a:t>
+            </a:r>
+            <a:r>
+              <a:rPr lang="en-US" dirty="0" smtClean="0"/>
+              <a:t>":{"id":"DB00945","name":"Acetylsalicylic acid","</a:t>
+            </a:r>
+            <a:r>
+              <a:rPr lang="en-US" dirty="0" err="1" smtClean="0"/>
+              <a:t>url</a:t>
+            </a:r>
+            <a:r>
+              <a:rPr lang="en-US" dirty="0" smtClean="0"/>
+              <a:t>":"https://go.drugbank.com/drugs/DB00945#interactions"}},{"</a:t>
+            </a:r>
+            <a:r>
+              <a:rPr lang="en-US" dirty="0" err="1" smtClean="0"/>
+              <a:t>minConceptItem</a:t>
+            </a:r>
+            <a:r>
+              <a:rPr lang="en-US" dirty="0" smtClean="0"/>
+              <a:t>":{"rxcui":"10154","name":"succinylcholine","tty":"IN"},"</a:t>
+            </a:r>
+            <a:r>
+              <a:rPr lang="en-US" dirty="0" err="1" smtClean="0"/>
+              <a:t>sourceConceptItem</a:t>
+            </a:r>
+            <a:r>
+              <a:rPr lang="en-US" dirty="0" smtClean="0"/>
+              <a:t>":{"id":"DB00202","name":"Succinylcholine","url":"https://go.drugbank.com/drugs/DB00202#interactions"}}],"</a:t>
+            </a:r>
+            <a:r>
+              <a:rPr lang="en-US" dirty="0" err="1" smtClean="0"/>
+              <a:t>severity":"N</a:t>
+            </a:r>
+            <a:r>
+              <a:rPr lang="en-US" dirty="0" smtClean="0"/>
+              <a:t>/</a:t>
+            </a:r>
+            <a:r>
+              <a:rPr lang="en-US" dirty="0" err="1" smtClean="0"/>
+              <a:t>A","description":"The</a:t>
+            </a:r>
+            <a:r>
+              <a:rPr lang="en-US" dirty="0" smtClean="0"/>
+              <a:t> risk or severity of hyperkalemia can be increased when Succinylcholine is combined with Acetylsalicylic acid."},{"</a:t>
+            </a:r>
+            <a:r>
+              <a:rPr lang="en-US" dirty="0" err="1" smtClean="0"/>
+              <a:t>interactionConcept</a:t>
+            </a:r>
+            <a:r>
+              <a:rPr lang="en-US" dirty="0" smtClean="0"/>
+              <a:t>":[{"</a:t>
+            </a:r>
+            <a:r>
+              <a:rPr lang="en-US" dirty="0" err="1" smtClean="0"/>
+              <a:t>minConceptItem</a:t>
+            </a:r>
+            <a:r>
+              <a:rPr lang="en-US" dirty="0" smtClean="0"/>
+              <a:t>":{"rxcui":"1191","name":"aspirin","tty":"IN"},"</a:t>
+            </a:r>
+            <a:r>
+              <a:rPr lang="en-US" dirty="0" err="1" smtClean="0"/>
+              <a:t>sourceConceptItem</a:t>
+            </a:r>
+            <a:r>
+              <a:rPr lang="en-US" dirty="0" smtClean="0"/>
+              <a:t>":{"id":"DB00945","name":"Acetylsalicylic acid","</a:t>
+            </a:r>
+            <a:r>
+              <a:rPr lang="en-US" dirty="0" err="1" smtClean="0"/>
+              <a:t>url</a:t>
+            </a:r>
+            <a:r>
+              <a:rPr lang="en-US" dirty="0" smtClean="0"/>
+              <a:t>":"https://go.drugbank.com/drugs/DB00945#interactions"}},{"</a:t>
+            </a:r>
+            <a:r>
+              <a:rPr lang="en-US" dirty="0" err="1" smtClean="0"/>
+              <a:t>minConceptItem</a:t>
+            </a:r>
+            <a:r>
+              <a:rPr lang="en-US" dirty="0" smtClean="0"/>
+              <a:t>":{"rxcui":"10167","name":"sulbactam","tty":"IN"},"</a:t>
+            </a:r>
+            <a:r>
+              <a:rPr lang="en-US" dirty="0" err="1" smtClean="0"/>
+              <a:t>sourceConceptItem</a:t>
+            </a:r>
+            <a:r>
+              <a:rPr lang="en-US" dirty="0" smtClean="0"/>
+              <a:t>":{"id":"DB09324","name":"Sulbactam","url":"https://go.drugbank.com/drugs/DB09324#interactions"}}],"</a:t>
+            </a:r>
+            <a:r>
+              <a:rPr lang="en-US" dirty="0" err="1" smtClean="0"/>
+              <a:t>severity":"N</a:t>
+            </a:r>
+            <a:r>
+              <a:rPr lang="en-US" dirty="0" smtClean="0"/>
+              <a:t>/</a:t>
+            </a:r>
+            <a:r>
+              <a:rPr lang="en-US" dirty="0" err="1" smtClean="0"/>
+              <a:t>A","description":"Acetylsalicylic</a:t>
+            </a:r>
+            <a:r>
+              <a:rPr lang="en-US" dirty="0" smtClean="0"/>
+              <a:t> acid may decrease the excretion rate of </a:t>
+            </a:r>
+            <a:r>
+              <a:rPr lang="en-US" dirty="0" err="1" smtClean="0"/>
+              <a:t>Sulbactam</a:t>
+            </a:r>
+            <a:r>
+              <a:rPr lang="en-US" dirty="0" smtClean="0"/>
+              <a:t> which could result in a higher serum level."}</a:t>
+            </a:r>
+            <a:endParaRPr lang="en-US" dirty="0"/>
+          </a:p>
+          <a:p>
+            <a:endParaRPr lang="en-US" dirty="0"/>
+          </a:p>
+        </p:txBody>
+      </p:sp>
+    </p:spTree>
+    <p:extLst>
+      <p:ext uri="{BB962C8B-B14F-4D97-AF65-F5344CB8AC3E}">
+        <p14:creationId xmlns:p14="http://schemas.microsoft.com/office/powerpoint/2010/main" val="1964454756"/>
+      </p:ext>
+    </p:extLst>
+  </p:cSld>
+  <p:clrMapOvr>
+    <a:masterClrMapping/>
+  </p:clrMapOvr>
+  <p:timing>
+    <p:tnLst>
+      <p:par>
+        <p:cTn id="1" dur="indefinite" restart="never" nodeType="tmRoot"/>
+      </p:par>
+    </p:tnLst>
+  </p:timing>
+</p:sld>
+</file>
+
 <file path=ppt/slides/slide16.xml><?xml version="1.0" encoding="utf-8"?>
 <p:sld xmlns:a="http://schemas.openxmlformats.org/drawingml/2006/main" xmlns:r="http://schemas.openxmlformats.org/officeDocument/2006/relationships" xmlns:p="http://schemas.openxmlformats.org/presentationml/2006/main">
   <p:cSld>
@@ -4672,7 +5487,7 @@
           <a:p>
             <a:r>
               <a:rPr lang="en-US" dirty="0" smtClean="0"/>
-              <a:t>API Result</a:t>
+              <a:t>Path to required data</a:t>
             </a:r>
             <a:endParaRPr lang="en-US" dirty="0"/>
           </a:p>
@@ -4691,846 +5506,57 @@
         <p:spPr/>
         <p:txBody>
           <a:bodyPr>
-            <a:normAutofit fontScale="25000" lnSpcReduction="20000"/>
+            <a:normAutofit fontScale="77500" lnSpcReduction="20000"/>
           </a:bodyPr>
           <a:lstStyle/>
           <a:p>
             <a:r>
-              <a:rPr lang="en-US" sz="5600" b="1" dirty="0" smtClean="0"/>
-              <a:t>Large and not useful file format. The example saved in </a:t>
-            </a:r>
-            <a:r>
-              <a:rPr lang="en-US" sz="5600" b="1" dirty="0" err="1" smtClean="0"/>
-              <a:t>github</a:t>
-            </a:r>
-            <a:endParaRPr lang="en-US" sz="5600" b="1" dirty="0" smtClean="0"/>
-          </a:p>
-          <a:p>
-            <a:r>
-              <a:rPr lang="en-US" sz="5600" b="1" dirty="0" smtClean="0">
-                <a:hlinkClick r:id="rId2"/>
-              </a:rPr>
-              <a:t>https://github.com/katkovOlga/nayaProject/blob/main/Dr_dr_Out.txt</a:t>
-            </a:r>
-            <a:endParaRPr lang="en-US" sz="5600" b="1" dirty="0" smtClean="0"/>
-          </a:p>
-          <a:p>
-            <a:r>
-              <a:rPr lang="en-US" sz="5600" b="1" dirty="0" smtClean="0"/>
-              <a:t>It seems so, followed part of </a:t>
-            </a:r>
-            <a:r>
-              <a:rPr lang="en-US" sz="5600" b="1" dirty="0" err="1" smtClean="0"/>
-              <a:t>api</a:t>
-            </a:r>
-            <a:r>
-              <a:rPr lang="en-US" sz="5600" b="1" dirty="0" smtClean="0"/>
-              <a:t> result:</a:t>
-            </a:r>
-          </a:p>
-          <a:p>
-            <a:endParaRPr lang="en-US" dirty="0"/>
-          </a:p>
-          <a:p>
-            <a:r>
-              <a:rPr lang="en-US" dirty="0" smtClean="0"/>
-              <a:t>{"</a:t>
-            </a:r>
-            <a:r>
-              <a:rPr lang="en-US" dirty="0" err="1" smtClean="0"/>
-              <a:t>nlmDisclaimer</a:t>
-            </a:r>
-            <a:r>
-              <a:rPr lang="en-US" dirty="0" smtClean="0"/>
-              <a:t>":"It is not the intention of NLM to provide specific medical advice, but rather to provide users with information to better understand their health and their medications. NLM urges you to consult with a qualified physician for advice about medications.","</a:t>
-            </a:r>
-            <a:r>
-              <a:rPr lang="en-US" dirty="0" err="1" smtClean="0"/>
-              <a:t>interactionTypeGroup</a:t>
-            </a:r>
-            <a:r>
-              <a:rPr lang="en-US" dirty="0" smtClean="0"/>
-              <a:t>":[{"</a:t>
-            </a:r>
-            <a:r>
-              <a:rPr lang="en-US" dirty="0" err="1" smtClean="0"/>
-              <a:t>sourceDisclaimer</a:t>
-            </a:r>
-            <a:r>
-              <a:rPr lang="en-US" dirty="0" smtClean="0"/>
-              <a:t>":"</a:t>
-            </a:r>
-            <a:r>
-              <a:rPr lang="en-US" dirty="0" err="1" smtClean="0"/>
-              <a:t>DrugBank</a:t>
-            </a:r>
-            <a:r>
-              <a:rPr lang="en-US" dirty="0" smtClean="0"/>
-              <a:t> is intended for educational and scientific research purposes only and you expressly acknowledge and agree that use of </a:t>
-            </a:r>
-            <a:r>
-              <a:rPr lang="en-US" dirty="0" err="1" smtClean="0"/>
-              <a:t>DrugBank</a:t>
-            </a:r>
-            <a:r>
-              <a:rPr lang="en-US" dirty="0" smtClean="0"/>
-              <a:t> is at your sole risk. The accuracy of </a:t>
-            </a:r>
-            <a:r>
-              <a:rPr lang="en-US" dirty="0" err="1" smtClean="0"/>
-              <a:t>DrugBank</a:t>
-            </a:r>
-            <a:r>
-              <a:rPr lang="en-US" dirty="0" smtClean="0"/>
-              <a:t> information is not guaranteed and reliance on </a:t>
-            </a:r>
-            <a:r>
-              <a:rPr lang="en-US" dirty="0" err="1" smtClean="0"/>
-              <a:t>DrugBank</a:t>
-            </a:r>
-            <a:r>
-              <a:rPr lang="en-US" dirty="0" smtClean="0"/>
-              <a:t> shall be at your sole risk. </a:t>
-            </a:r>
-            <a:r>
-              <a:rPr lang="en-US" dirty="0" err="1" smtClean="0"/>
-              <a:t>DrugBank</a:t>
-            </a:r>
-            <a:r>
-              <a:rPr lang="en-US" dirty="0" smtClean="0"/>
-              <a:t> is not intended as a substitute for professional medical advice, diagnosis or treatment..[www.drugbank.ca]","sourceName":"DrugBank","interactionType":[{"comment":"aspirin (1191) is resolved to aspirin (1191)","</a:t>
-            </a:r>
-            <a:r>
-              <a:rPr lang="en-US" dirty="0" err="1" smtClean="0"/>
-              <a:t>minConceptItem</a:t>
-            </a:r>
-            <a:r>
-              <a:rPr lang="en-US" dirty="0" smtClean="0"/>
-              <a:t>":{"rxcui":"1191","name":"aspirin","tty":"IN"},"</a:t>
-            </a:r>
-            <a:r>
-              <a:rPr lang="en-US" dirty="0" err="1" smtClean="0"/>
-              <a:t>interactionPair</a:t>
-            </a:r>
-            <a:r>
-              <a:rPr lang="en-US" dirty="0" smtClean="0"/>
-              <a:t>":[{"</a:t>
-            </a:r>
-            <a:r>
-              <a:rPr lang="en-US" dirty="0" err="1" smtClean="0"/>
-              <a:t>interactionConcept</a:t>
-            </a:r>
-            <a:r>
-              <a:rPr lang="en-US" dirty="0" smtClean="0"/>
-              <a:t>":[{"</a:t>
-            </a:r>
-            <a:r>
-              <a:rPr lang="en-US" dirty="0" err="1" smtClean="0"/>
-              <a:t>minConceptItem</a:t>
-            </a:r>
-            <a:r>
-              <a:rPr lang="en-US" dirty="0" smtClean="0"/>
-              <a:t>":{"rxcui":"1191","name":"aspirin","tty":"IN"},"</a:t>
-            </a:r>
-            <a:r>
-              <a:rPr lang="en-US" dirty="0" err="1" smtClean="0"/>
-              <a:t>sourceConceptItem</a:t>
-            </a:r>
-            <a:r>
-              <a:rPr lang="en-US" dirty="0" smtClean="0"/>
-              <a:t>":{"id":"DB00945","name":"Acetylsalicylic acid","</a:t>
-            </a:r>
-            <a:r>
-              <a:rPr lang="en-US" dirty="0" err="1" smtClean="0"/>
-              <a:t>url</a:t>
-            </a:r>
-            <a:r>
-              <a:rPr lang="en-US" dirty="0" smtClean="0"/>
-              <a:t>":"https://go.drugbank.com/drugs/DB00945#interactions"}},{"</a:t>
-            </a:r>
-            <a:r>
-              <a:rPr lang="en-US" dirty="0" err="1" smtClean="0"/>
-              <a:t>minConceptItem</a:t>
-            </a:r>
-            <a:r>
-              <a:rPr lang="en-US" dirty="0" smtClean="0"/>
-              <a:t>":{"rxcui":"1000492","name":"resveratrol","tty":"IN"},"</a:t>
-            </a:r>
-            <a:r>
-              <a:rPr lang="en-US" dirty="0" err="1" smtClean="0"/>
-              <a:t>sourceConceptItem</a:t>
-            </a:r>
-            <a:r>
-              <a:rPr lang="en-US" dirty="0" smtClean="0"/>
-              <a:t>":{"id":"DB02709","name":"Resveratrol","url":"https://go.drugbank.com/drugs/DB02709#interactions"}}],"</a:t>
-            </a:r>
-            <a:r>
-              <a:rPr lang="en-US" dirty="0" err="1" smtClean="0"/>
-              <a:t>severity":"N</a:t>
-            </a:r>
-            <a:r>
-              <a:rPr lang="en-US" dirty="0" smtClean="0"/>
-              <a:t>/</a:t>
-            </a:r>
-            <a:r>
-              <a:rPr lang="en-US" dirty="0" err="1" smtClean="0"/>
-              <a:t>A","description":"Acetylsalicylic</a:t>
-            </a:r>
-            <a:r>
-              <a:rPr lang="en-US" dirty="0" smtClean="0"/>
-              <a:t> acid may increase the antiplatelet activities of Resveratrol."},{"</a:t>
-            </a:r>
-            <a:r>
-              <a:rPr lang="en-US" dirty="0" err="1" smtClean="0"/>
-              <a:t>interactionConcept</a:t>
-            </a:r>
-            <a:r>
-              <a:rPr lang="en-US" dirty="0" smtClean="0"/>
-              <a:t>":[{"</a:t>
-            </a:r>
-            <a:r>
-              <a:rPr lang="en-US" dirty="0" err="1" smtClean="0"/>
-              <a:t>minConceptItem</a:t>
-            </a:r>
-            <a:r>
-              <a:rPr lang="en-US" dirty="0" smtClean="0"/>
-              <a:t>":{"rxcui":"1191","name":"aspirin","tty":"IN"},"</a:t>
-            </a:r>
-            <a:r>
-              <a:rPr lang="en-US" dirty="0" err="1" smtClean="0"/>
-              <a:t>sourceConceptItem</a:t>
-            </a:r>
-            <a:r>
-              <a:rPr lang="en-US" dirty="0" smtClean="0"/>
-              <a:t>":{"id":"DB00945","name":"Acetylsalicylic acid","</a:t>
-            </a:r>
-            <a:r>
-              <a:rPr lang="en-US" dirty="0" err="1" smtClean="0"/>
-              <a:t>url</a:t>
-            </a:r>
-            <a:r>
-              <a:rPr lang="en-US" dirty="0" smtClean="0"/>
-              <a:t>":"https://go.drugbank.com/drugs/DB00945#interactions"}},{"</a:t>
-            </a:r>
-            <a:r>
-              <a:rPr lang="en-US" dirty="0" err="1" smtClean="0"/>
-              <a:t>minConceptItem</a:t>
-            </a:r>
-            <a:r>
-              <a:rPr lang="en-US" dirty="0" smtClean="0"/>
-              <a:t>":{"rxcui":"1001","name":"antipyrine","tty":"IN"},"</a:t>
-            </a:r>
-            <a:r>
-              <a:rPr lang="en-US" dirty="0" err="1" smtClean="0"/>
-              <a:t>sourceConceptItem</a:t>
-            </a:r>
-            <a:r>
-              <a:rPr lang="en-US" dirty="0" smtClean="0"/>
-              <a:t>":{"id":"DB01435","name":"Antipyrine","url":"https://go.drugbank.com/drugs/DB01435#interactions"}}],"</a:t>
-            </a:r>
-            <a:r>
-              <a:rPr lang="en-US" dirty="0" err="1" smtClean="0"/>
-              <a:t>severity":"N</a:t>
-            </a:r>
-            <a:r>
-              <a:rPr lang="en-US" dirty="0" smtClean="0"/>
-              <a:t>/</a:t>
-            </a:r>
-            <a:r>
-              <a:rPr lang="en-US" dirty="0" err="1" smtClean="0"/>
-              <a:t>A","description":"The</a:t>
-            </a:r>
-            <a:r>
-              <a:rPr lang="en-US" dirty="0" smtClean="0"/>
-              <a:t> therapeutic efficacy of Acetylsalicylic acid can be decreased when used in combination with </a:t>
-            </a:r>
-            <a:r>
-              <a:rPr lang="en-US" dirty="0" err="1" smtClean="0"/>
-              <a:t>Antipyrine</a:t>
-            </a:r>
-            <a:r>
-              <a:rPr lang="en-US" dirty="0" smtClean="0"/>
-              <a:t>."},{"</a:t>
-            </a:r>
-            <a:r>
-              <a:rPr lang="en-US" dirty="0" err="1" smtClean="0"/>
-              <a:t>interactionConcept</a:t>
-            </a:r>
-            <a:r>
-              <a:rPr lang="en-US" dirty="0" smtClean="0"/>
-              <a:t>":[{"</a:t>
-            </a:r>
-            <a:r>
-              <a:rPr lang="en-US" dirty="0" err="1" smtClean="0"/>
-              <a:t>minConceptItem</a:t>
-            </a:r>
-            <a:r>
-              <a:rPr lang="en-US" dirty="0" smtClean="0"/>
-              <a:t>":{"rxcui":"1191","name":"aspirin","tty":"IN"},"</a:t>
-            </a:r>
-            <a:r>
-              <a:rPr lang="en-US" dirty="0" err="1" smtClean="0"/>
-              <a:t>sourceConceptItem</a:t>
-            </a:r>
-            <a:r>
-              <a:rPr lang="en-US" dirty="0" smtClean="0"/>
-              <a:t>":{"id":"DB00945","name":"Acetylsalicylic acid","</a:t>
-            </a:r>
-            <a:r>
-              <a:rPr lang="en-US" dirty="0" err="1" smtClean="0"/>
-              <a:t>url</a:t>
-            </a:r>
-            <a:r>
-              <a:rPr lang="en-US" dirty="0" smtClean="0"/>
-              <a:t>":"https://go.drugbank.com/drugs/DB00945#interactions"}},{"</a:t>
-            </a:r>
-            <a:r>
-              <a:rPr lang="en-US" dirty="0" err="1" smtClean="0"/>
-              <a:t>minConceptItem</a:t>
-            </a:r>
-            <a:r>
-              <a:rPr lang="en-US" dirty="0" smtClean="0"/>
-              <a:t>":{"rxcui":"1005911","name":"influenza virus vaccine, live attenuated, A-Perth-16-2009 (H3N2) strain","</a:t>
-            </a:r>
-            <a:r>
-              <a:rPr lang="en-US" dirty="0" err="1" smtClean="0"/>
-              <a:t>tty</a:t>
-            </a:r>
-            <a:r>
-              <a:rPr lang="en-US" dirty="0" smtClean="0"/>
-              <a:t>":"IN"},"</a:t>
-            </a:r>
-            <a:r>
-              <a:rPr lang="en-US" dirty="0" err="1" smtClean="0"/>
-              <a:t>sourceConceptItem</a:t>
-            </a:r>
-            <a:r>
-              <a:rPr lang="en-US" dirty="0" smtClean="0"/>
-              <a:t>":{"id":"DB14449","name":"Influenza A virus A/Perth/16/2009 (H3N2) live (attenuated) antigen","</a:t>
-            </a:r>
-            <a:r>
-              <a:rPr lang="en-US" dirty="0" err="1" smtClean="0"/>
-              <a:t>url</a:t>
-            </a:r>
-            <a:r>
-              <a:rPr lang="en-US" dirty="0" smtClean="0"/>
-              <a:t>":"https://go.drugbank.com/drugs/DB14449#interactions"}}],"</a:t>
-            </a:r>
-            <a:r>
-              <a:rPr lang="en-US" dirty="0" err="1" smtClean="0"/>
-              <a:t>severity":"N</a:t>
-            </a:r>
-            <a:r>
-              <a:rPr lang="en-US" dirty="0" smtClean="0"/>
-              <a:t>/</a:t>
-            </a:r>
-            <a:r>
-              <a:rPr lang="en-US" dirty="0" err="1" smtClean="0"/>
-              <a:t>A","description":"The</a:t>
-            </a:r>
-            <a:r>
-              <a:rPr lang="en-US" dirty="0" smtClean="0"/>
-              <a:t> risk or severity of adverse effects can be increased when Influenza A virus A/Perth/16/2009 (H3N2) live (attenuated) antigen is combined with Acetylsalicylic acid."},{"</a:t>
-            </a:r>
-            <a:r>
-              <a:rPr lang="en-US" dirty="0" err="1" smtClean="0"/>
-              <a:t>interactionConcept</a:t>
-            </a:r>
-            <a:r>
-              <a:rPr lang="en-US" dirty="0" smtClean="0"/>
-              <a:t>":[{"</a:t>
-            </a:r>
-            <a:r>
-              <a:rPr lang="en-US" dirty="0" err="1" smtClean="0"/>
-              <a:t>minConceptItem</a:t>
-            </a:r>
-            <a:r>
-              <a:rPr lang="en-US" dirty="0" smtClean="0"/>
-              <a:t>":{"rxcui":"1191","name":"aspirin","tty":"IN"},"</a:t>
-            </a:r>
-            <a:r>
-              <a:rPr lang="en-US" dirty="0" err="1" smtClean="0"/>
-              <a:t>sourceConceptItem</a:t>
-            </a:r>
-            <a:r>
-              <a:rPr lang="en-US" dirty="0" smtClean="0"/>
-              <a:t>":{"id":"DB00945","name":"Acetylsalicylic acid","</a:t>
-            </a:r>
-            <a:r>
-              <a:rPr lang="en-US" dirty="0" err="1" smtClean="0"/>
-              <a:t>url</a:t>
-            </a:r>
-            <a:r>
-              <a:rPr lang="en-US" dirty="0" smtClean="0"/>
-              <a:t>":"https://go.drugbank.com/drugs/DB00945#interactions"}},{"</a:t>
-            </a:r>
-            <a:r>
-              <a:rPr lang="en-US" dirty="0" err="1" smtClean="0"/>
-              <a:t>minConceptItem</a:t>
-            </a:r>
-            <a:r>
-              <a:rPr lang="en-US" dirty="0" smtClean="0"/>
-              <a:t>":{"rxcui":"1006469","name":"doconexent","tty":"IN"},"</a:t>
-            </a:r>
-            <a:r>
-              <a:rPr lang="en-US" dirty="0" err="1" smtClean="0"/>
-              <a:t>sourceConceptItem</a:t>
-            </a:r>
-            <a:r>
-              <a:rPr lang="en-US" dirty="0" smtClean="0"/>
-              <a:t>":{"id":"DB03756","name":"Doconexent","url":"https://go.drugbank.com/drugs/DB03756#interactions"}}],"</a:t>
-            </a:r>
-            <a:r>
-              <a:rPr lang="en-US" dirty="0" err="1" smtClean="0"/>
-              <a:t>severity":"N</a:t>
-            </a:r>
-            <a:r>
-              <a:rPr lang="en-US" dirty="0" smtClean="0"/>
-              <a:t>/</a:t>
-            </a:r>
-            <a:r>
-              <a:rPr lang="en-US" dirty="0" err="1" smtClean="0"/>
-              <a:t>A","description":"The</a:t>
-            </a:r>
-            <a:r>
-              <a:rPr lang="en-US" dirty="0" smtClean="0"/>
-              <a:t> metabolism of Acetylsalicylic acid can be decreased when combined with </a:t>
-            </a:r>
-            <a:r>
-              <a:rPr lang="en-US" dirty="0" err="1" smtClean="0"/>
-              <a:t>Doconexent</a:t>
-            </a:r>
-            <a:r>
-              <a:rPr lang="en-US" dirty="0" smtClean="0"/>
-              <a:t>."},{"</a:t>
-            </a:r>
-            <a:r>
-              <a:rPr lang="en-US" dirty="0" err="1" smtClean="0"/>
-              <a:t>interactionConcept</a:t>
-            </a:r>
-            <a:r>
-              <a:rPr lang="en-US" dirty="0" smtClean="0"/>
-              <a:t>":[{"</a:t>
-            </a:r>
-            <a:r>
-              <a:rPr lang="en-US" dirty="0" err="1" smtClean="0"/>
-              <a:t>minConceptItem</a:t>
-            </a:r>
-            <a:r>
-              <a:rPr lang="en-US" dirty="0" smtClean="0"/>
-              <a:t>":{"rxcui":"1191","name":"aspirin","tty":"IN"},"</a:t>
-            </a:r>
-            <a:r>
-              <a:rPr lang="en-US" dirty="0" err="1" smtClean="0"/>
-              <a:t>sourceConceptItem</a:t>
-            </a:r>
-            <a:r>
-              <a:rPr lang="en-US" dirty="0" smtClean="0"/>
-              <a:t>":{"id":"DB00945","name":"Acetylsalicylic acid","</a:t>
-            </a:r>
-            <a:r>
-              <a:rPr lang="en-US" dirty="0" err="1" smtClean="0"/>
-              <a:t>url</a:t>
-            </a:r>
-            <a:r>
-              <a:rPr lang="en-US" dirty="0" smtClean="0"/>
-              <a:t>":"https://go.drugbank.com/drugs/DB00945#interactions"}},{"</a:t>
-            </a:r>
-            <a:r>
-              <a:rPr lang="en-US" dirty="0" err="1" smtClean="0"/>
-              <a:t>minConceptItem</a:t>
-            </a:r>
-            <a:r>
-              <a:rPr lang="en-US" dirty="0" smtClean="0"/>
-              <a:t>":{"rxcui":"1009","name":"antithrombin III","</a:t>
-            </a:r>
-            <a:r>
-              <a:rPr lang="en-US" dirty="0" err="1" smtClean="0"/>
-              <a:t>tty</a:t>
-            </a:r>
-            <a:r>
-              <a:rPr lang="en-US" dirty="0" smtClean="0"/>
-              <a:t>":"IN"},"</a:t>
-            </a:r>
-            <a:r>
-              <a:rPr lang="en-US" dirty="0" err="1" smtClean="0"/>
-              <a:t>sourceConceptItem</a:t>
-            </a:r>
-            <a:r>
-              <a:rPr lang="en-US" dirty="0" smtClean="0"/>
-              <a:t>":{"id":"DB11598","name":"Antithrombin III human","</a:t>
-            </a:r>
-            <a:r>
-              <a:rPr lang="en-US" dirty="0" err="1" smtClean="0"/>
-              <a:t>url</a:t>
-            </a:r>
-            <a:r>
-              <a:rPr lang="en-US" dirty="0" smtClean="0"/>
-              <a:t>":"https://go.drugbank.com/drugs/DB11598#interactions"}}],"</a:t>
-            </a:r>
-            <a:r>
-              <a:rPr lang="en-US" dirty="0" err="1" smtClean="0"/>
-              <a:t>severity":"N</a:t>
-            </a:r>
-            <a:r>
-              <a:rPr lang="en-US" dirty="0" smtClean="0"/>
-              <a:t>/</a:t>
-            </a:r>
-            <a:r>
-              <a:rPr lang="en-US" dirty="0" err="1" smtClean="0"/>
-              <a:t>A","description":"Acetylsalicylic</a:t>
-            </a:r>
-            <a:r>
-              <a:rPr lang="en-US" dirty="0" smtClean="0"/>
-              <a:t> acid may increase the anticoagulant activities of </a:t>
-            </a:r>
-            <a:r>
-              <a:rPr lang="en-US" dirty="0" err="1" smtClean="0"/>
-              <a:t>Antithrombin</a:t>
-            </a:r>
-            <a:r>
-              <a:rPr lang="en-US" dirty="0" smtClean="0"/>
-              <a:t> III human."},{"</a:t>
-            </a:r>
-            <a:r>
-              <a:rPr lang="en-US" dirty="0" err="1" smtClean="0"/>
-              <a:t>interactionConcept</a:t>
-            </a:r>
-            <a:r>
-              <a:rPr lang="en-US" dirty="0" smtClean="0"/>
-              <a:t>":[{"</a:t>
-            </a:r>
-            <a:r>
-              <a:rPr lang="en-US" dirty="0" err="1" smtClean="0"/>
-              <a:t>minConceptItem</a:t>
-            </a:r>
-            <a:r>
-              <a:rPr lang="en-US" dirty="0" smtClean="0"/>
-              <a:t>":{"rxcui":"1191","name":"aspirin","tty":"IN"},"</a:t>
-            </a:r>
-            <a:r>
-              <a:rPr lang="en-US" dirty="0" err="1" smtClean="0"/>
-              <a:t>sourceConceptItem</a:t>
-            </a:r>
-            <a:r>
-              <a:rPr lang="en-US" dirty="0" smtClean="0"/>
-              <a:t>":{"id":"DB00945","name":"Acetylsalicylic acid","</a:t>
-            </a:r>
-            <a:r>
-              <a:rPr lang="en-US" dirty="0" err="1" smtClean="0"/>
-              <a:t>url</a:t>
-            </a:r>
-            <a:r>
-              <a:rPr lang="en-US" dirty="0" smtClean="0"/>
-              <a:t>":"https://go.drugbank.com/drugs/DB00945#interactions"}},{"</a:t>
-            </a:r>
-            <a:r>
-              <a:rPr lang="en-US" dirty="0" err="1" smtClean="0"/>
-              <a:t>minConceptItem</a:t>
-            </a:r>
-            <a:r>
-              <a:rPr lang="en-US" dirty="0" smtClean="0"/>
-              <a:t>":{"rxcui":"10106","name":"streptokinase","tty":"IN"},"</a:t>
-            </a:r>
-            <a:r>
-              <a:rPr lang="en-US" dirty="0" err="1" smtClean="0"/>
-              <a:t>sourceConceptItem</a:t>
-            </a:r>
-            <a:r>
-              <a:rPr lang="en-US" dirty="0" smtClean="0"/>
-              <a:t>":{"id":"DB00086","name":"Streptokinase","url":"https://go.drugbank.com/drugs/DB00086#interactions"}}],"</a:t>
-            </a:r>
-            <a:r>
-              <a:rPr lang="en-US" dirty="0" err="1" smtClean="0"/>
-              <a:t>severity":"N</a:t>
-            </a:r>
-            <a:r>
-              <a:rPr lang="en-US" dirty="0" smtClean="0"/>
-              <a:t>/</a:t>
-            </a:r>
-            <a:r>
-              <a:rPr lang="en-US" dirty="0" err="1" smtClean="0"/>
-              <a:t>A","description":"Acetylsalicylic</a:t>
-            </a:r>
-            <a:r>
-              <a:rPr lang="en-US" dirty="0" smtClean="0"/>
-              <a:t> acid may increase the anticoagulant activities of Streptokinase."},{"</a:t>
-            </a:r>
-            <a:r>
-              <a:rPr lang="en-US" dirty="0" err="1" smtClean="0"/>
-              <a:t>interactionConcept</a:t>
-            </a:r>
-            <a:r>
-              <a:rPr lang="en-US" dirty="0" smtClean="0"/>
-              <a:t>":[{"</a:t>
-            </a:r>
-            <a:r>
-              <a:rPr lang="en-US" dirty="0" err="1" smtClean="0"/>
-              <a:t>minConceptItem</a:t>
-            </a:r>
-            <a:r>
-              <a:rPr lang="en-US" dirty="0" smtClean="0"/>
-              <a:t>":{"rxcui":"1191","name":"aspirin","tty":"IN"},"</a:t>
-            </a:r>
-            <a:r>
-              <a:rPr lang="en-US" dirty="0" err="1" smtClean="0"/>
-              <a:t>sourceConceptItem</a:t>
-            </a:r>
-            <a:r>
-              <a:rPr lang="en-US" dirty="0" smtClean="0"/>
-              <a:t>":{"id":"DB00945","name":"Acetylsalicylic acid","</a:t>
-            </a:r>
-            <a:r>
-              <a:rPr lang="en-US" dirty="0" err="1" smtClean="0"/>
-              <a:t>url</a:t>
-            </a:r>
-            <a:r>
-              <a:rPr lang="en-US" dirty="0" smtClean="0"/>
-              <a:t>":"https://go.drugbank.com/drugs/DB00945#interactions"}},{"</a:t>
-            </a:r>
-            <a:r>
-              <a:rPr lang="en-US" dirty="0" err="1" smtClean="0"/>
-              <a:t>minConceptItem</a:t>
-            </a:r>
-            <a:r>
-              <a:rPr lang="en-US" dirty="0" smtClean="0"/>
-              <a:t>":{"rxcui":"10109","name":"streptomycin","tty":"IN"},"</a:t>
-            </a:r>
-            <a:r>
-              <a:rPr lang="en-US" dirty="0" err="1" smtClean="0"/>
-              <a:t>sourceConceptItem</a:t>
-            </a:r>
-            <a:r>
-              <a:rPr lang="en-US" dirty="0" smtClean="0"/>
-              <a:t>":{"id":"DB01082","name":"Streptomycin","url":"https://go.drugbank.com/drugs/DB01082#interactions"}}],"</a:t>
-            </a:r>
-            <a:r>
-              <a:rPr lang="en-US" dirty="0" err="1" smtClean="0"/>
-              <a:t>severity":"N</a:t>
-            </a:r>
-            <a:r>
-              <a:rPr lang="en-US" dirty="0" smtClean="0"/>
-              <a:t>/</a:t>
-            </a:r>
-            <a:r>
-              <a:rPr lang="en-US" dirty="0" err="1" smtClean="0"/>
-              <a:t>A","description":"Acetylsalicylic</a:t>
-            </a:r>
-            <a:r>
-              <a:rPr lang="en-US" dirty="0" smtClean="0"/>
-              <a:t> acid may decrease the excretion rate of Streptomycin which could result in a higher serum level."},{"</a:t>
-            </a:r>
-            <a:r>
-              <a:rPr lang="en-US" dirty="0" err="1" smtClean="0"/>
-              <a:t>interactionConcept</a:t>
-            </a:r>
-            <a:r>
-              <a:rPr lang="en-US" dirty="0" smtClean="0"/>
-              <a:t>":[{"</a:t>
-            </a:r>
-            <a:r>
-              <a:rPr lang="en-US" dirty="0" err="1" smtClean="0"/>
-              <a:t>minConceptItem</a:t>
-            </a:r>
-            <a:r>
-              <a:rPr lang="en-US" dirty="0" smtClean="0"/>
-              <a:t>":{"rxcui":"1191","name":"aspirin","tty":"IN"},"</a:t>
-            </a:r>
-            <a:r>
-              <a:rPr lang="en-US" dirty="0" err="1" smtClean="0"/>
-              <a:t>sourceConceptItem</a:t>
-            </a:r>
-            <a:r>
-              <a:rPr lang="en-US" dirty="0" smtClean="0"/>
-              <a:t>":{"id":"DB00945","name":"Acetylsalicylic acid","</a:t>
-            </a:r>
-            <a:r>
-              <a:rPr lang="en-US" dirty="0" err="1" smtClean="0"/>
-              <a:t>url</a:t>
-            </a:r>
-            <a:r>
-              <a:rPr lang="en-US" dirty="0" smtClean="0"/>
-              <a:t>":"https://go.drugbank.com/drugs/DB00945#interactions"}},{"</a:t>
-            </a:r>
-            <a:r>
-              <a:rPr lang="en-US" dirty="0" err="1" smtClean="0"/>
-              <a:t>minConceptItem</a:t>
-            </a:r>
-            <a:r>
-              <a:rPr lang="en-US" dirty="0" smtClean="0"/>
-              <a:t>":{"rxcui":"10114","name":"streptozocin","tty":"IN"},"</a:t>
-            </a:r>
-            <a:r>
-              <a:rPr lang="en-US" dirty="0" err="1" smtClean="0"/>
-              <a:t>sourceConceptItem</a:t>
-            </a:r>
-            <a:r>
-              <a:rPr lang="en-US" dirty="0" smtClean="0"/>
-              <a:t>":{"id":"DB00428","name":"Streptozocin","url":"https://go.drugbank.com/drugs/DB00428#interactions"}}],"</a:t>
-            </a:r>
-            <a:r>
-              <a:rPr lang="en-US" dirty="0" err="1" smtClean="0"/>
-              <a:t>severity":"N</a:t>
-            </a:r>
-            <a:r>
-              <a:rPr lang="en-US" dirty="0" smtClean="0"/>
-              <a:t>/</a:t>
-            </a:r>
-            <a:r>
-              <a:rPr lang="en-US" dirty="0" err="1" smtClean="0"/>
-              <a:t>A","description":"The</a:t>
-            </a:r>
-            <a:r>
-              <a:rPr lang="en-US" dirty="0" smtClean="0"/>
-              <a:t> risk or severity of bleeding can be increased when Acetylsalicylic acid is combined with </a:t>
-            </a:r>
-            <a:r>
-              <a:rPr lang="en-US" dirty="0" err="1" smtClean="0"/>
-              <a:t>Streptozocin</a:t>
-            </a:r>
-            <a:r>
-              <a:rPr lang="en-US" dirty="0" smtClean="0"/>
-              <a:t>."},{"</a:t>
-            </a:r>
-            <a:r>
-              <a:rPr lang="en-US" dirty="0" err="1" smtClean="0"/>
-              <a:t>interactionConcept</a:t>
-            </a:r>
-            <a:r>
-              <a:rPr lang="en-US" dirty="0" smtClean="0"/>
-              <a:t>":[{"</a:t>
-            </a:r>
-            <a:r>
-              <a:rPr lang="en-US" dirty="0" err="1" smtClean="0"/>
-              <a:t>minConceptItem</a:t>
-            </a:r>
-            <a:r>
-              <a:rPr lang="en-US" dirty="0" smtClean="0"/>
-              <a:t>":{"rxcui":"1191","name":"aspirin","tty":"IN"},"</a:t>
-            </a:r>
-            <a:r>
-              <a:rPr lang="en-US" dirty="0" err="1" smtClean="0"/>
-              <a:t>sourceConceptItem</a:t>
-            </a:r>
-            <a:r>
-              <a:rPr lang="en-US" dirty="0" smtClean="0"/>
-              <a:t>":{"id":"DB00945","name":"Acetylsalicylic acid","</a:t>
-            </a:r>
-            <a:r>
-              <a:rPr lang="en-US" dirty="0" err="1" smtClean="0"/>
-              <a:t>url</a:t>
-            </a:r>
-            <a:r>
-              <a:rPr lang="en-US" dirty="0" smtClean="0"/>
-              <a:t>":"https://go.drugbank.com/drugs/DB00945#interactions"}},{"</a:t>
-            </a:r>
-            <a:r>
-              <a:rPr lang="en-US" dirty="0" err="1" smtClean="0"/>
-              <a:t>minConceptItem</a:t>
-            </a:r>
-            <a:r>
-              <a:rPr lang="en-US" dirty="0" smtClean="0"/>
-              <a:t>":{"rxcui":"10154","name":"succinylcholine","tty":"IN"},"</a:t>
-            </a:r>
-            <a:r>
-              <a:rPr lang="en-US" dirty="0" err="1" smtClean="0"/>
-              <a:t>sourceConceptItem</a:t>
-            </a:r>
-            <a:r>
-              <a:rPr lang="en-US" dirty="0" smtClean="0"/>
-              <a:t>":{"id":"DB00202","name":"Succinylcholine","url":"https://go.drugbank.com/drugs/DB00202#interactions"}}],"</a:t>
-            </a:r>
-            <a:r>
-              <a:rPr lang="en-US" dirty="0" err="1" smtClean="0"/>
-              <a:t>severity":"N</a:t>
-            </a:r>
-            <a:r>
-              <a:rPr lang="en-US" dirty="0" smtClean="0"/>
-              <a:t>/</a:t>
-            </a:r>
-            <a:r>
-              <a:rPr lang="en-US" dirty="0" err="1" smtClean="0"/>
-              <a:t>A","description":"The</a:t>
-            </a:r>
-            <a:r>
-              <a:rPr lang="en-US" dirty="0" smtClean="0"/>
-              <a:t> risk or severity of hyperkalemia can be increased when Succinylcholine is combined with Acetylsalicylic acid."},{"</a:t>
-            </a:r>
-            <a:r>
-              <a:rPr lang="en-US" dirty="0" err="1" smtClean="0"/>
-              <a:t>interactionConcept</a:t>
-            </a:r>
-            <a:r>
-              <a:rPr lang="en-US" dirty="0" smtClean="0"/>
-              <a:t>":[{"</a:t>
-            </a:r>
-            <a:r>
-              <a:rPr lang="en-US" dirty="0" err="1" smtClean="0"/>
-              <a:t>minConceptItem</a:t>
-            </a:r>
-            <a:r>
-              <a:rPr lang="en-US" dirty="0" smtClean="0"/>
-              <a:t>":{"rxcui":"1191","name":"aspirin","tty":"IN"},"</a:t>
-            </a:r>
-            <a:r>
-              <a:rPr lang="en-US" dirty="0" err="1" smtClean="0"/>
-              <a:t>sourceConceptItem</a:t>
-            </a:r>
-            <a:r>
-              <a:rPr lang="en-US" dirty="0" smtClean="0"/>
-              <a:t>":{"id":"DB00945","name":"Acetylsalicylic acid","</a:t>
-            </a:r>
-            <a:r>
-              <a:rPr lang="en-US" dirty="0" err="1" smtClean="0"/>
-              <a:t>url</a:t>
-            </a:r>
-            <a:r>
-              <a:rPr lang="en-US" dirty="0" smtClean="0"/>
-              <a:t>":"https://go.drugbank.com/drugs/DB00945#interactions"}},{"</a:t>
-            </a:r>
-            <a:r>
-              <a:rPr lang="en-US" dirty="0" err="1" smtClean="0"/>
-              <a:t>minConceptItem</a:t>
-            </a:r>
-            <a:r>
-              <a:rPr lang="en-US" dirty="0" smtClean="0"/>
-              <a:t>":{"rxcui":"10167","name":"sulbactam","tty":"IN"},"</a:t>
-            </a:r>
-            <a:r>
-              <a:rPr lang="en-US" dirty="0" err="1" smtClean="0"/>
-              <a:t>sourceConceptItem</a:t>
-            </a:r>
-            <a:r>
-              <a:rPr lang="en-US" dirty="0" smtClean="0"/>
-              <a:t>":{"id":"DB09324","name":"Sulbactam","url":"https://go.drugbank.com/drugs/DB09324#interactions"}}],"</a:t>
-            </a:r>
-            <a:r>
-              <a:rPr lang="en-US" dirty="0" err="1" smtClean="0"/>
-              <a:t>severity":"N</a:t>
-            </a:r>
-            <a:r>
-              <a:rPr lang="en-US" dirty="0" smtClean="0"/>
-              <a:t>/</a:t>
-            </a:r>
-            <a:r>
-              <a:rPr lang="en-US" dirty="0" err="1" smtClean="0"/>
-              <a:t>A","description":"Acetylsalicylic</a:t>
-            </a:r>
-            <a:r>
-              <a:rPr lang="en-US" dirty="0" smtClean="0"/>
-              <a:t> acid may decrease the excretion rate of </a:t>
-            </a:r>
-            <a:r>
-              <a:rPr lang="en-US" dirty="0" err="1" smtClean="0"/>
-              <a:t>Sulbactam</a:t>
-            </a:r>
-            <a:r>
-              <a:rPr lang="en-US" dirty="0" smtClean="0"/>
-              <a:t> which could result in a higher serum level."}</a:t>
-            </a:r>
-            <a:endParaRPr lang="en-US" dirty="0"/>
-          </a:p>
-          <a:p>
+              <a:rPr lang="en-US" dirty="0" err="1" smtClean="0"/>
+              <a:t>interactionTypeGroup.interactionType.minConceptItem.rxcui</a:t>
+            </a:r>
+            <a:endParaRPr lang="en-US" dirty="0" smtClean="0"/>
+          </a:p>
+          <a:p>
+            <a:r>
+              <a:rPr lang="en-US" dirty="0" smtClean="0"/>
+              <a:t>interactionTypeGroup.interactionType.minConceptItem.name</a:t>
+            </a:r>
+          </a:p>
+          <a:p>
+            <a:r>
+              <a:rPr lang="en-US" dirty="0" smtClean="0"/>
+              <a:t>[</a:t>
+            </a:r>
+          </a:p>
+          <a:p>
+            <a:r>
+              <a:rPr lang="en-US" dirty="0" smtClean="0"/>
+              <a:t>interactionTypeGroup.interactionType.interactionPair.interactionConcept[1].</a:t>
+            </a:r>
+            <a:r>
+              <a:rPr lang="en-US" dirty="0" err="1" smtClean="0"/>
+              <a:t>minConceptItem.rxcui</a:t>
+            </a:r>
+            <a:endParaRPr lang="en-US" dirty="0" smtClean="0"/>
+          </a:p>
+          <a:p>
+            <a:r>
+              <a:rPr lang="en-US" dirty="0" smtClean="0"/>
+              <a:t>interactionTypeGroup.interactionType.interactionPair.interactionConcept[1].minConceptItem.name</a:t>
+            </a:r>
+          </a:p>
+          <a:p>
+            <a:r>
+              <a:rPr lang="en-US" dirty="0" err="1" smtClean="0"/>
+              <a:t>interactionTypeGroup.interactionType.interactionPair.severity</a:t>
+            </a:r>
+            <a:endParaRPr lang="en-US" dirty="0" smtClean="0"/>
+          </a:p>
+          <a:p>
+            <a:r>
+              <a:rPr lang="en-US" dirty="0" smtClean="0"/>
+              <a:t>interactionTypeGroup.interactionType.interactionPair.description]</a:t>
+            </a:r>
             <a:endParaRPr lang="en-US" dirty="0"/>
           </a:p>
         </p:txBody>
@@ -5538,7 +5564,7 @@
     </p:spTree>
     <p:extLst>
       <p:ext uri="{BB962C8B-B14F-4D97-AF65-F5344CB8AC3E}">
-        <p14:creationId xmlns:p14="http://schemas.microsoft.com/office/powerpoint/2010/main" val="1964454756"/>
+        <p14:creationId xmlns:p14="http://schemas.microsoft.com/office/powerpoint/2010/main" val="2487884405"/>
       </p:ext>
     </p:extLst>
   </p:cSld>
@@ -5589,7 +5615,7 @@
           <a:p>
             <a:r>
               <a:rPr lang="en-US" dirty="0" smtClean="0"/>
-              <a:t>Path to required data</a:t>
+              <a:t>JOLT Specification</a:t>
             </a:r>
             <a:endParaRPr lang="en-US" dirty="0"/>
           </a:p>
@@ -5605,68 +5631,301 @@
             <p:ph idx="1"/>
           </p:nvPr>
         </p:nvSpPr>
-        <p:spPr/>
+        <p:spPr>
+          <a:xfrm>
+            <a:off x="533400" y="1371600"/>
+            <a:ext cx="8229600" cy="4525963"/>
+          </a:xfrm>
+        </p:spPr>
         <p:txBody>
           <a:bodyPr>
-            <a:normAutofit fontScale="77500" lnSpcReduction="20000"/>
+            <a:noAutofit/>
           </a:bodyPr>
           <a:lstStyle/>
           <a:p>
-            <a:r>
-              <a:rPr lang="en-US" dirty="0" err="1" smtClean="0"/>
-              <a:t>interactionTypeGroup.interactionType.minConceptItem.rxcui</a:t>
-            </a:r>
-            <a:endParaRPr lang="en-US" dirty="0" smtClean="0"/>
-          </a:p>
-          <a:p>
-            <a:r>
-              <a:rPr lang="en-US" dirty="0" smtClean="0"/>
-              <a:t>interactionTypeGroup.interactionType.minConceptItem.name</a:t>
-            </a:r>
-          </a:p>
-          <a:p>
-            <a:r>
-              <a:rPr lang="en-US" dirty="0" smtClean="0"/>
-              <a:t>[</a:t>
-            </a:r>
-          </a:p>
-          <a:p>
-            <a:r>
-              <a:rPr lang="en-US" dirty="0" smtClean="0"/>
-              <a:t>interactionTypeGroup.interactionType.interactionPair.interactionConcept[1].</a:t>
-            </a:r>
-            <a:r>
-              <a:rPr lang="en-US" dirty="0" err="1" smtClean="0"/>
-              <a:t>minConceptItem.rxcui</a:t>
-            </a:r>
-            <a:endParaRPr lang="en-US" dirty="0" smtClean="0"/>
-          </a:p>
-          <a:p>
-            <a:r>
-              <a:rPr lang="en-US" dirty="0" smtClean="0"/>
-              <a:t>interactionTypeGroup.interactionType.interactionPair.interactionConcept[1].minConceptItem.name</a:t>
-            </a:r>
-          </a:p>
-          <a:p>
-            <a:r>
-              <a:rPr lang="en-US" dirty="0" err="1" smtClean="0"/>
-              <a:t>interactionTypeGroup.interactionType.interactionPair.severity</a:t>
-            </a:r>
-            <a:endParaRPr lang="en-US" dirty="0" smtClean="0"/>
-          </a:p>
-          <a:p>
-            <a:r>
-              <a:rPr lang="en-US" dirty="0" smtClean="0"/>
-              <a:t>interactionTypeGroup.interactionType.interactionPair.description]</a:t>
-            </a:r>
-            <a:endParaRPr lang="en-US" dirty="0"/>
+            <a:pPr marL="0" indent="0">
+              <a:buNone/>
+            </a:pPr>
+            <a:r>
+              <a:rPr lang="en-US" sz="1200" dirty="0" smtClean="0"/>
+              <a:t>[{</a:t>
+            </a:r>
+          </a:p>
+          <a:p>
+            <a:pPr marL="0" indent="0">
+              <a:buNone/>
+            </a:pPr>
+            <a:r>
+              <a:rPr lang="en-US" sz="1200" dirty="0" smtClean="0"/>
+              <a:t>  "operation": "shift",</a:t>
+            </a:r>
+          </a:p>
+          <a:p>
+            <a:pPr marL="0" indent="0">
+              <a:buNone/>
+            </a:pPr>
+            <a:r>
+              <a:rPr lang="en-US" sz="1200" dirty="0" smtClean="0"/>
+              <a:t>  "spec": {</a:t>
+            </a:r>
+          </a:p>
+          <a:p>
+            <a:pPr marL="0" indent="0">
+              <a:buNone/>
+            </a:pPr>
+            <a:r>
+              <a:rPr lang="en-US" sz="1200" dirty="0" smtClean="0"/>
+              <a:t>    "</a:t>
+            </a:r>
+            <a:r>
+              <a:rPr lang="en-US" sz="1200" dirty="0" err="1" smtClean="0"/>
+              <a:t>interactionTypeGroup</a:t>
+            </a:r>
+            <a:r>
+              <a:rPr lang="en-US" sz="1200" dirty="0" smtClean="0"/>
+              <a:t>": {</a:t>
+            </a:r>
+          </a:p>
+          <a:p>
+            <a:pPr marL="0" indent="0">
+              <a:buNone/>
+            </a:pPr>
+            <a:r>
+              <a:rPr lang="en-US" sz="1200" dirty="0" smtClean="0"/>
+              <a:t>      "*": {</a:t>
+            </a:r>
+          </a:p>
+          <a:p>
+            <a:pPr marL="0" indent="0">
+              <a:buNone/>
+            </a:pPr>
+            <a:r>
+              <a:rPr lang="en-US" sz="1200" dirty="0" smtClean="0"/>
+              <a:t>        "</a:t>
+            </a:r>
+            <a:r>
+              <a:rPr lang="en-US" sz="1200" dirty="0" err="1" smtClean="0"/>
+              <a:t>interactionType</a:t>
+            </a:r>
+            <a:r>
+              <a:rPr lang="en-US" sz="1200" dirty="0" smtClean="0"/>
+              <a:t>": {</a:t>
+            </a:r>
+          </a:p>
+          <a:p>
+            <a:pPr marL="0" indent="0">
+              <a:buNone/>
+            </a:pPr>
+            <a:r>
+              <a:rPr lang="en-US" sz="1200" dirty="0" smtClean="0"/>
+              <a:t>          "*": {</a:t>
+            </a:r>
+          </a:p>
+          <a:p>
+            <a:pPr marL="0" indent="0">
+              <a:buNone/>
+            </a:pPr>
+            <a:r>
+              <a:rPr lang="en-US" sz="1200" dirty="0" smtClean="0"/>
+              <a:t>            "</a:t>
+            </a:r>
+            <a:r>
+              <a:rPr lang="en-US" sz="1200" dirty="0" err="1" smtClean="0"/>
+              <a:t>minConceptItem</a:t>
+            </a:r>
+            <a:r>
+              <a:rPr lang="en-US" sz="1200" dirty="0" smtClean="0"/>
+              <a:t>": {</a:t>
+            </a:r>
+          </a:p>
+          <a:p>
+            <a:pPr marL="0" indent="0">
+              <a:buNone/>
+            </a:pPr>
+            <a:r>
+              <a:rPr lang="en-US" sz="1200" dirty="0" smtClean="0"/>
+              <a:t>              "</a:t>
+            </a:r>
+            <a:r>
+              <a:rPr lang="en-US" sz="1200" dirty="0" err="1" smtClean="0"/>
+              <a:t>rxcui</a:t>
+            </a:r>
+            <a:r>
+              <a:rPr lang="en-US" sz="1200" dirty="0" smtClean="0"/>
+              <a:t>": "</a:t>
+            </a:r>
+            <a:r>
+              <a:rPr lang="en-US" sz="1200" dirty="0" err="1" smtClean="0"/>
+              <a:t>rxcui</a:t>
+            </a:r>
+            <a:r>
+              <a:rPr lang="en-US" sz="1200" dirty="0" smtClean="0"/>
+              <a:t>",</a:t>
+            </a:r>
+          </a:p>
+          <a:p>
+            <a:pPr marL="0" indent="0">
+              <a:buNone/>
+            </a:pPr>
+            <a:r>
+              <a:rPr lang="en-US" sz="1200" dirty="0" smtClean="0"/>
+              <a:t>              "name": "name"</a:t>
+            </a:r>
+          </a:p>
+          <a:p>
+            <a:pPr marL="0" indent="0">
+              <a:buNone/>
+            </a:pPr>
+            <a:r>
+              <a:rPr lang="en-US" sz="1200" dirty="0" smtClean="0"/>
+              <a:t>            },</a:t>
+            </a:r>
+          </a:p>
+          <a:p>
+            <a:pPr marL="0" indent="0">
+              <a:buNone/>
+            </a:pPr>
+            <a:r>
+              <a:rPr lang="en-US" sz="1200" dirty="0" smtClean="0"/>
+              <a:t>            "</a:t>
+            </a:r>
+            <a:r>
+              <a:rPr lang="en-US" sz="1200" dirty="0" err="1" smtClean="0"/>
+              <a:t>interactionPair</a:t>
+            </a:r>
+            <a:r>
+              <a:rPr lang="en-US" sz="1200" dirty="0" smtClean="0"/>
+              <a:t>": {</a:t>
+            </a:r>
+          </a:p>
+          <a:p>
+            <a:pPr marL="0" indent="0">
+              <a:buNone/>
+            </a:pPr>
+            <a:r>
+              <a:rPr lang="en-US" sz="1200" dirty="0" smtClean="0"/>
+              <a:t>              "*": {</a:t>
+            </a:r>
+          </a:p>
+          <a:p>
+            <a:pPr marL="0" indent="0">
+              <a:buNone/>
+            </a:pPr>
+            <a:r>
+              <a:rPr lang="en-US" sz="1200" dirty="0" smtClean="0"/>
+              <a:t>                "severity": "severity",</a:t>
+            </a:r>
+          </a:p>
+          <a:p>
+            <a:pPr marL="0" indent="0">
+              <a:buNone/>
+            </a:pPr>
+            <a:r>
+              <a:rPr lang="en-US" sz="1200" dirty="0" smtClean="0"/>
+              <a:t>                "description": "description",</a:t>
+            </a:r>
+          </a:p>
+          <a:p>
+            <a:pPr marL="0" indent="0">
+              <a:buNone/>
+            </a:pPr>
+            <a:r>
+              <a:rPr lang="en-US" sz="1200" dirty="0" smtClean="0"/>
+              <a:t>                "</a:t>
+            </a:r>
+            <a:r>
+              <a:rPr lang="en-US" sz="1200" dirty="0" err="1" smtClean="0"/>
+              <a:t>interactionConcept</a:t>
+            </a:r>
+            <a:r>
+              <a:rPr lang="en-US" sz="1200" dirty="0" smtClean="0"/>
+              <a:t>": {</a:t>
+            </a:r>
+          </a:p>
+          <a:p>
+            <a:pPr marL="0" indent="0">
+              <a:buNone/>
+            </a:pPr>
+            <a:r>
+              <a:rPr lang="en-US" sz="1200" dirty="0" smtClean="0"/>
+              <a:t>                  "*": {</a:t>
+            </a:r>
+          </a:p>
+          <a:p>
+            <a:pPr marL="0" indent="0">
+              <a:buNone/>
+            </a:pPr>
+            <a:r>
+              <a:rPr lang="en-US" sz="1200" dirty="0" smtClean="0"/>
+              <a:t>                    "</a:t>
+            </a:r>
+            <a:r>
+              <a:rPr lang="en-US" sz="1200" dirty="0" err="1" smtClean="0"/>
+              <a:t>minConceptItem</a:t>
+            </a:r>
+            <a:r>
+              <a:rPr lang="en-US" sz="1200" dirty="0" smtClean="0"/>
+              <a:t>": {</a:t>
+            </a:r>
+          </a:p>
+          <a:p>
+            <a:pPr marL="0" indent="0">
+              <a:buNone/>
+            </a:pPr>
+            <a:r>
+              <a:rPr lang="en-US" sz="1200" dirty="0" smtClean="0"/>
+              <a:t>                      "</a:t>
+            </a:r>
+            <a:r>
+              <a:rPr lang="en-US" sz="1200" dirty="0" err="1" smtClean="0"/>
+              <a:t>rxcui</a:t>
+            </a:r>
+            <a:r>
+              <a:rPr lang="en-US" sz="1200" dirty="0" smtClean="0"/>
+              <a:t>": "</a:t>
+            </a:r>
+            <a:r>
+              <a:rPr lang="en-US" sz="1200" dirty="0" err="1" smtClean="0"/>
+              <a:t>IdList</a:t>
+            </a:r>
+            <a:r>
+              <a:rPr lang="en-US" sz="1200" dirty="0" smtClean="0"/>
+              <a:t>",</a:t>
+            </a:r>
+          </a:p>
+          <a:p>
+            <a:pPr marL="0" indent="0">
+              <a:buNone/>
+            </a:pPr>
+            <a:r>
+              <a:rPr lang="en-US" sz="1200" dirty="0" smtClean="0"/>
+              <a:t>                      "name": "</a:t>
+            </a:r>
+            <a:r>
+              <a:rPr lang="en-US" sz="1200" dirty="0" err="1" smtClean="0"/>
+              <a:t>NameList</a:t>
+            </a:r>
+            <a:r>
+              <a:rPr lang="en-US" sz="1200" dirty="0" smtClean="0"/>
+              <a:t>"</a:t>
+            </a:r>
+          </a:p>
+          <a:p>
+            <a:pPr marL="0" indent="0">
+              <a:buNone/>
+            </a:pPr>
+            <a:r>
+              <a:rPr lang="en-US" sz="1200" dirty="0" smtClean="0"/>
+              <a:t>                    }           }         }      }          }          }   }      }    }  }}]</a:t>
+            </a:r>
+            <a:endParaRPr lang="en-US" sz="1200" dirty="0"/>
           </a:p>
         </p:txBody>
       </p:sp>
     </p:spTree>
     <p:extLst>
       <p:ext uri="{BB962C8B-B14F-4D97-AF65-F5344CB8AC3E}">
-        <p14:creationId xmlns:p14="http://schemas.microsoft.com/office/powerpoint/2010/main" val="2487884405"/>
+        <p14:creationId xmlns:p14="http://schemas.microsoft.com/office/powerpoint/2010/main" val="193232357"/>
       </p:ext>
     </p:extLst>
   </p:cSld>
@@ -5717,7 +5976,7 @@
           <a:p>
             <a:r>
               <a:rPr lang="en-US" dirty="0" smtClean="0"/>
-              <a:t>JOLT Specification</a:t>
+              <a:t>Result producer data</a:t>
             </a:r>
             <a:endParaRPr lang="en-US" dirty="0"/>
           </a:p>
@@ -5734,14 +5993,11 @@
           </p:nvPr>
         </p:nvSpPr>
         <p:spPr>
-          <a:xfrm>
-            <a:off x="533400" y="1371600"/>
-            <a:ext cx="8229600" cy="4525963"/>
-          </a:xfrm>
+          <a:noFill/>
         </p:spPr>
         <p:txBody>
           <a:bodyPr>
-            <a:noAutofit/>
+            <a:normAutofit fontScale="70000" lnSpcReduction="20000"/>
           </a:bodyPr>
           <a:lstStyle/>
           <a:p>
@@ -5749,8 +6005,8 @@
               <a:buNone/>
             </a:pPr>
             <a:r>
-              <a:rPr lang="en-US" sz="1200" dirty="0" smtClean="0"/>
-              <a:t>[{</a:t>
+              <a:rPr lang="en-US" dirty="0" smtClean="0"/>
+              <a:t>{</a:t>
             </a:r>
           </a:p>
           <a:p>
@@ -5758,8 +6014,20 @@
               <a:buNone/>
             </a:pPr>
             <a:r>
-              <a:rPr lang="en-US" sz="1200" dirty="0" smtClean="0"/>
-              <a:t>  "operation": "shift",</a:t>
+              <a:rPr lang="en-US" dirty="0" smtClean="0"/>
+              <a:t>  "</a:t>
+            </a:r>
+            <a:r>
+              <a:rPr lang="en-US" dirty="0" err="1" smtClean="0">
+                <a:solidFill>
+                  <a:srgbClr val="00B050"/>
+                </a:solidFill>
+              </a:rPr>
+              <a:t>rxcui</a:t>
+            </a:r>
+            <a:r>
+              <a:rPr lang="en-US" dirty="0" smtClean="0"/>
+              <a:t>" : "88014",</a:t>
             </a:r>
           </a:p>
           <a:p>
@@ -5767,8 +6035,28 @@
               <a:buNone/>
             </a:pPr>
             <a:r>
-              <a:rPr lang="en-US" sz="1200" dirty="0" smtClean="0"/>
-              <a:t>  "spec": {</a:t>
+              <a:rPr lang="en-US" dirty="0" smtClean="0"/>
+              <a:t>  "</a:t>
+            </a:r>
+            <a:r>
+              <a:rPr lang="en-US" dirty="0" smtClean="0">
+                <a:solidFill>
+                  <a:srgbClr val="00B050"/>
+                </a:solidFill>
+              </a:rPr>
+              <a:t>name</a:t>
+            </a:r>
+            <a:r>
+              <a:rPr lang="en-US" dirty="0" smtClean="0"/>
+              <a:t>" : "</a:t>
+            </a:r>
+            <a:r>
+              <a:rPr lang="en-US" dirty="0" err="1" smtClean="0"/>
+              <a:t>rizatriptan</a:t>
+            </a:r>
+            <a:r>
+              <a:rPr lang="en-US" dirty="0" smtClean="0"/>
+              <a:t>",</a:t>
             </a:r>
           </a:p>
           <a:p>
@@ -5776,16 +6064,20 @@
               <a:buNone/>
             </a:pPr>
             <a:r>
-              <a:rPr lang="en-US" sz="1200" dirty="0" smtClean="0"/>
-              <a:t>    "</a:t>
-            </a:r>
-            <a:r>
-              <a:rPr lang="en-US" sz="1200" dirty="0" err="1" smtClean="0"/>
-              <a:t>interactionTypeGroup</a:t>
-            </a:r>
-            <a:r>
-              <a:rPr lang="en-US" sz="1200" dirty="0" smtClean="0"/>
-              <a:t>": {</a:t>
+              <a:rPr lang="en-US" dirty="0" smtClean="0"/>
+              <a:t>  "</a:t>
+            </a:r>
+            <a:r>
+              <a:rPr lang="en-US" dirty="0" smtClean="0">
+                <a:solidFill>
+                  <a:srgbClr val="00B050"/>
+                </a:solidFill>
+              </a:rPr>
+              <a:t>severity" </a:t>
+            </a:r>
+            <a:r>
+              <a:rPr lang="en-US" dirty="0" smtClean="0"/>
+              <a:t>: [ "high", "high", "high", "high", "high" ],</a:t>
             </a:r>
           </a:p>
           <a:p>
@@ -5793,8 +6085,60 @@
               <a:buNone/>
             </a:pPr>
             <a:r>
-              <a:rPr lang="en-US" sz="1200" dirty="0" smtClean="0"/>
-              <a:t>      "*": {</a:t>
+              <a:rPr lang="en-US" dirty="0" smtClean="0"/>
+              <a:t>  "</a:t>
+            </a:r>
+            <a:r>
+              <a:rPr lang="en-US" dirty="0" smtClean="0">
+                <a:solidFill>
+                  <a:srgbClr val="00B050"/>
+                </a:solidFill>
+              </a:rPr>
+              <a:t>description</a:t>
+            </a:r>
+            <a:r>
+              <a:rPr lang="en-US" dirty="0" smtClean="0"/>
+              <a:t>" : [ "</a:t>
+            </a:r>
+            <a:r>
+              <a:rPr lang="en-US" dirty="0" err="1" smtClean="0"/>
+              <a:t>Triptans</a:t>
+            </a:r>
+            <a:r>
+              <a:rPr lang="en-US" dirty="0" smtClean="0"/>
+              <a:t> - monoamine oxidase (MAO) inhibitors", "</a:t>
+            </a:r>
+            <a:r>
+              <a:rPr lang="en-US" dirty="0" err="1" smtClean="0"/>
+              <a:t>Triptans</a:t>
+            </a:r>
+            <a:r>
+              <a:rPr lang="en-US" dirty="0" smtClean="0"/>
+              <a:t> - monoamine oxidase (MAO) inhibitors", "</a:t>
+            </a:r>
+            <a:r>
+              <a:rPr lang="en-US" dirty="0" err="1" smtClean="0"/>
+              <a:t>Triptans</a:t>
+            </a:r>
+            <a:r>
+              <a:rPr lang="en-US" dirty="0" smtClean="0"/>
+              <a:t> - monoamine oxidase (MAO) inhibitors", "</a:t>
+            </a:r>
+            <a:r>
+              <a:rPr lang="en-US" dirty="0" err="1" smtClean="0"/>
+              <a:t>Triptans</a:t>
+            </a:r>
+            <a:r>
+              <a:rPr lang="en-US" dirty="0" smtClean="0"/>
+              <a:t> - monoamine oxidase (MAO) inhibitors", "</a:t>
+            </a:r>
+            <a:r>
+              <a:rPr lang="en-US" dirty="0" err="1" smtClean="0"/>
+              <a:t>Triptans</a:t>
+            </a:r>
+            <a:r>
+              <a:rPr lang="en-US" dirty="0" smtClean="0"/>
+              <a:t> - monoamine oxidase (MAO) inhibitors" ],</a:t>
             </a:r>
           </a:p>
           <a:p>
@@ -5802,16 +6146,20 @@
               <a:buNone/>
             </a:pPr>
             <a:r>
-              <a:rPr lang="en-US" sz="1200" dirty="0" smtClean="0"/>
-              <a:t>        "</a:t>
-            </a:r>
-            <a:r>
-              <a:rPr lang="en-US" sz="1200" dirty="0" err="1" smtClean="0"/>
-              <a:t>interactionType</a:t>
-            </a:r>
-            <a:r>
-              <a:rPr lang="en-US" sz="1200" dirty="0" smtClean="0"/>
-              <a:t>": {</a:t>
+              <a:rPr lang="en-US" dirty="0" smtClean="0"/>
+              <a:t>  "</a:t>
+            </a:r>
+            <a:r>
+              <a:rPr lang="en-US" dirty="0" err="1" smtClean="0">
+                <a:solidFill>
+                  <a:srgbClr val="00B050"/>
+                </a:solidFill>
+              </a:rPr>
+              <a:t>IdList</a:t>
+            </a:r>
+            <a:r>
+              <a:rPr lang="en-US" dirty="0" smtClean="0"/>
+              <a:t>" : [ "88014", "10734", "88014", "30121", "88014", "6011", "88014", "6878", "88014", "8123" ],</a:t>
             </a:r>
           </a:p>
           <a:p>
@@ -5819,8 +6167,84 @@
               <a:buNone/>
             </a:pPr>
             <a:r>
-              <a:rPr lang="en-US" sz="1200" dirty="0" smtClean="0"/>
-              <a:t>          "*": {</a:t>
+              <a:rPr lang="en-US" dirty="0" smtClean="0"/>
+              <a:t>  "</a:t>
+            </a:r>
+            <a:r>
+              <a:rPr lang="en-US" dirty="0" err="1" smtClean="0">
+                <a:solidFill>
+                  <a:srgbClr val="00B050"/>
+                </a:solidFill>
+              </a:rPr>
+              <a:t>NameList</a:t>
+            </a:r>
+            <a:r>
+              <a:rPr lang="en-US" dirty="0" smtClean="0"/>
+              <a:t>" : [ "</a:t>
+            </a:r>
+            <a:r>
+              <a:rPr lang="en-US" dirty="0" err="1" smtClean="0"/>
+              <a:t>rizatriptan</a:t>
+            </a:r>
+            <a:r>
+              <a:rPr lang="en-US" dirty="0" smtClean="0"/>
+              <a:t>", "tranylcypromine", "</a:t>
+            </a:r>
+            <a:r>
+              <a:rPr lang="en-US" dirty="0" err="1" smtClean="0"/>
+              <a:t>rizatriptan</a:t>
+            </a:r>
+            <a:r>
+              <a:rPr lang="en-US" dirty="0" smtClean="0"/>
+              <a:t>", "</a:t>
+            </a:r>
+            <a:r>
+              <a:rPr lang="en-US" dirty="0" err="1" smtClean="0"/>
+              <a:t>moclobemide</a:t>
+            </a:r>
+            <a:r>
+              <a:rPr lang="en-US" dirty="0" smtClean="0"/>
+              <a:t>", "</a:t>
+            </a:r>
+            <a:r>
+              <a:rPr lang="en-US" dirty="0" err="1" smtClean="0"/>
+              <a:t>rizatriptan</a:t>
+            </a:r>
+            <a:r>
+              <a:rPr lang="en-US" dirty="0" smtClean="0"/>
+              <a:t>", "</a:t>
+            </a:r>
+            <a:r>
+              <a:rPr lang="en-US" dirty="0" err="1" smtClean="0"/>
+              <a:t>isocarboxazid</a:t>
+            </a:r>
+            <a:r>
+              <a:rPr lang="en-US" dirty="0" smtClean="0"/>
+              <a:t>", "</a:t>
+            </a:r>
+            <a:r>
+              <a:rPr lang="en-US" dirty="0" err="1" smtClean="0"/>
+              <a:t>rizatriptan</a:t>
+            </a:r>
+            <a:r>
+              <a:rPr lang="en-US" dirty="0" smtClean="0"/>
+              <a:t>", "methylene blue", "</a:t>
+            </a:r>
+            <a:r>
+              <a:rPr lang="en-US" dirty="0" err="1" smtClean="0"/>
+              <a:t>rizatriptan</a:t>
+            </a:r>
+            <a:r>
+              <a:rPr lang="en-US" dirty="0" smtClean="0"/>
+              <a:t>", "</a:t>
+            </a:r>
+            <a:r>
+              <a:rPr lang="en-US" dirty="0" err="1" smtClean="0"/>
+              <a:t>phenelzine</a:t>
+            </a:r>
+            <a:r>
+              <a:rPr lang="en-US" dirty="0" smtClean="0"/>
+              <a:t>" ]</a:t>
             </a:r>
           </a:p>
           <a:p>
@@ -5828,206 +6252,17 @@
               <a:buNone/>
             </a:pPr>
             <a:r>
-              <a:rPr lang="en-US" sz="1200" dirty="0" smtClean="0"/>
-              <a:t>            "</a:t>
-            </a:r>
-            <a:r>
-              <a:rPr lang="en-US" sz="1200" dirty="0" err="1" smtClean="0"/>
-              <a:t>minConceptItem</a:t>
-            </a:r>
-            <a:r>
-              <a:rPr lang="en-US" sz="1200" dirty="0" smtClean="0"/>
-              <a:t>": {</a:t>
-            </a:r>
-          </a:p>
-          <a:p>
-            <a:pPr marL="0" indent="0">
-              <a:buNone/>
-            </a:pPr>
-            <a:r>
-              <a:rPr lang="en-US" sz="1200" dirty="0" smtClean="0"/>
-              <a:t>              "</a:t>
-            </a:r>
-            <a:r>
-              <a:rPr lang="en-US" sz="1200" dirty="0" err="1" smtClean="0"/>
-              <a:t>rxcui</a:t>
-            </a:r>
-            <a:r>
-              <a:rPr lang="en-US" sz="1200" dirty="0" smtClean="0"/>
-              <a:t>": "</a:t>
-            </a:r>
-            <a:r>
-              <a:rPr lang="en-US" sz="1200" dirty="0" err="1" smtClean="0"/>
-              <a:t>rxcui</a:t>
-            </a:r>
-            <a:r>
-              <a:rPr lang="en-US" sz="1200" dirty="0" smtClean="0"/>
-              <a:t>",</a:t>
-            </a:r>
-          </a:p>
-          <a:p>
-            <a:pPr marL="0" indent="0">
-              <a:buNone/>
-            </a:pPr>
-            <a:r>
-              <a:rPr lang="en-US" sz="1200" dirty="0" smtClean="0"/>
-              <a:t>              "name": "name"</a:t>
-            </a:r>
-          </a:p>
-          <a:p>
-            <a:pPr marL="0" indent="0">
-              <a:buNone/>
-            </a:pPr>
-            <a:r>
-              <a:rPr lang="en-US" sz="1200" dirty="0" smtClean="0"/>
-              <a:t>            },</a:t>
-            </a:r>
-          </a:p>
-          <a:p>
-            <a:pPr marL="0" indent="0">
-              <a:buNone/>
-            </a:pPr>
-            <a:r>
-              <a:rPr lang="en-US" sz="1200" dirty="0" smtClean="0"/>
-              <a:t>            "</a:t>
-            </a:r>
-            <a:r>
-              <a:rPr lang="en-US" sz="1200" dirty="0" err="1" smtClean="0"/>
-              <a:t>interactionPair</a:t>
-            </a:r>
-            <a:r>
-              <a:rPr lang="en-US" sz="1200" dirty="0" smtClean="0"/>
-              <a:t>": {</a:t>
-            </a:r>
-          </a:p>
-          <a:p>
-            <a:pPr marL="0" indent="0">
-              <a:buNone/>
-            </a:pPr>
-            <a:r>
-              <a:rPr lang="en-US" sz="1200" dirty="0" smtClean="0"/>
-              <a:t>              "*": {</a:t>
-            </a:r>
-          </a:p>
-          <a:p>
-            <a:pPr marL="0" indent="0">
-              <a:buNone/>
-            </a:pPr>
-            <a:r>
-              <a:rPr lang="en-US" sz="1200" dirty="0" smtClean="0"/>
-              <a:t>                "severity": "severity",</a:t>
-            </a:r>
-          </a:p>
-          <a:p>
-            <a:pPr marL="0" indent="0">
-              <a:buNone/>
-            </a:pPr>
-            <a:r>
-              <a:rPr lang="en-US" sz="1200" dirty="0" smtClean="0"/>
-              <a:t>                "description": "description",</a:t>
-            </a:r>
-          </a:p>
-          <a:p>
-            <a:pPr marL="0" indent="0">
-              <a:buNone/>
-            </a:pPr>
-            <a:r>
-              <a:rPr lang="en-US" sz="1200" dirty="0" smtClean="0"/>
-              <a:t>                "</a:t>
-            </a:r>
-            <a:r>
-              <a:rPr lang="en-US" sz="1200" dirty="0" err="1" smtClean="0"/>
-              <a:t>interactionConcept</a:t>
-            </a:r>
-            <a:r>
-              <a:rPr lang="en-US" sz="1200" dirty="0" smtClean="0"/>
-              <a:t>": {</a:t>
-            </a:r>
-          </a:p>
-          <a:p>
-            <a:pPr marL="0" indent="0">
-              <a:buNone/>
-            </a:pPr>
-            <a:r>
-              <a:rPr lang="en-US" sz="1200" dirty="0" smtClean="0"/>
-              <a:t>                  "*": {</a:t>
-            </a:r>
-          </a:p>
-          <a:p>
-            <a:pPr marL="0" indent="0">
-              <a:buNone/>
-            </a:pPr>
-            <a:r>
-              <a:rPr lang="en-US" sz="1200" dirty="0" smtClean="0"/>
-              <a:t>                    "</a:t>
-            </a:r>
-            <a:r>
-              <a:rPr lang="en-US" sz="1200" dirty="0" err="1" smtClean="0"/>
-              <a:t>minConceptItem</a:t>
-            </a:r>
-            <a:r>
-              <a:rPr lang="en-US" sz="1200" dirty="0" smtClean="0"/>
-              <a:t>": {</a:t>
-            </a:r>
-          </a:p>
-          <a:p>
-            <a:pPr marL="0" indent="0">
-              <a:buNone/>
-            </a:pPr>
-            <a:r>
-              <a:rPr lang="en-US" sz="1200" dirty="0" smtClean="0"/>
-              <a:t>                      "</a:t>
-            </a:r>
-            <a:r>
-              <a:rPr lang="en-US" sz="1200" dirty="0" err="1" smtClean="0"/>
-              <a:t>rxcui</a:t>
-            </a:r>
-            <a:r>
-              <a:rPr lang="en-US" sz="1200" dirty="0" smtClean="0"/>
-              <a:t>": "</a:t>
-            </a:r>
-            <a:r>
-              <a:rPr lang="en-US" sz="1200" dirty="0" err="1" smtClean="0"/>
-              <a:t>IdList</a:t>
-            </a:r>
-            <a:r>
-              <a:rPr lang="en-US" sz="1200" dirty="0" smtClean="0"/>
-              <a:t>",</a:t>
-            </a:r>
-          </a:p>
-          <a:p>
-            <a:pPr marL="0" indent="0">
-              <a:buNone/>
-            </a:pPr>
-            <a:r>
-              <a:rPr lang="en-US" sz="1200" dirty="0" smtClean="0"/>
-              <a:t>                      "name": "</a:t>
-            </a:r>
-            <a:r>
-              <a:rPr lang="en-US" sz="1200" dirty="0" err="1" smtClean="0"/>
-              <a:t>NameList</a:t>
-            </a:r>
-            <a:r>
-              <a:rPr lang="en-US" sz="1200" dirty="0" smtClean="0"/>
-              <a:t>"</a:t>
-            </a:r>
-          </a:p>
-          <a:p>
-            <a:pPr marL="0" indent="0">
-              <a:buNone/>
-            </a:pPr>
-            <a:r>
-              <a:rPr lang="en-US" sz="1200" dirty="0" smtClean="0"/>
-              <a:t>                    }           }         }      }          }          }   }      }    }  }}]</a:t>
-            </a:r>
-            <a:endParaRPr lang="en-US" sz="1200" dirty="0"/>
+              <a:rPr lang="en-US" dirty="0" smtClean="0"/>
+              <a:t>}</a:t>
+            </a:r>
+            <a:endParaRPr lang="en-US" dirty="0"/>
           </a:p>
         </p:txBody>
       </p:sp>
     </p:spTree>
     <p:extLst>
       <p:ext uri="{BB962C8B-B14F-4D97-AF65-F5344CB8AC3E}">
-        <p14:creationId xmlns:p14="http://schemas.microsoft.com/office/powerpoint/2010/main" val="193232357"/>
+        <p14:creationId xmlns:p14="http://schemas.microsoft.com/office/powerpoint/2010/main" val="707677580"/>
       </p:ext>
     </p:extLst>
   </p:cSld>
@@ -6073,12 +6308,14 @@
         </p:nvSpPr>
         <p:spPr/>
         <p:txBody>
-          <a:bodyPr/>
+          <a:bodyPr>
+            <a:normAutofit fontScale="90000"/>
+          </a:bodyPr>
           <a:lstStyle/>
           <a:p>
             <a:r>
               <a:rPr lang="en-US" dirty="0" smtClean="0"/>
-              <a:t>Result producer data</a:t>
+              <a:t>Lexical analysis and data transformation</a:t>
             </a:r>
             <a:endParaRPr lang="en-US" dirty="0"/>
           </a:p>
@@ -6094,227 +6331,441 @@
             <p:ph idx="1"/>
           </p:nvPr>
         </p:nvSpPr>
-        <p:spPr/>
+        <p:spPr>
+          <a:xfrm>
+            <a:off x="533400" y="1371600"/>
+            <a:ext cx="8229600" cy="4525963"/>
+          </a:xfrm>
+        </p:spPr>
         <p:txBody>
-          <a:bodyPr>
-            <a:normAutofit fontScale="70000" lnSpcReduction="20000"/>
-          </a:bodyPr>
+          <a:bodyPr/>
           <a:lstStyle/>
+          <a:p>
+            <a:r>
+              <a:rPr lang="en-US" dirty="0" smtClean="0"/>
+              <a:t>In this </a:t>
+            </a:r>
+            <a:r>
+              <a:rPr lang="en-US" dirty="0" err="1" smtClean="0"/>
+              <a:t>api</a:t>
+            </a:r>
+            <a:r>
+              <a:rPr lang="en-US" dirty="0" smtClean="0"/>
+              <a:t> we have not direct interaction &amp; severity definition and need implement lexical analysis to understand the result.</a:t>
+            </a:r>
+          </a:p>
           <a:p>
             <a:pPr marL="0" indent="0">
               <a:buNone/>
             </a:pPr>
-            <a:r>
-              <a:rPr lang="en-US" dirty="0" smtClean="0"/>
-              <a:t>{</a:t>
-            </a:r>
-          </a:p>
-          <a:p>
-            <a:pPr marL="0" indent="0">
-              <a:buNone/>
-            </a:pPr>
-            <a:r>
-              <a:rPr lang="en-US" dirty="0" smtClean="0"/>
-              <a:t>  "</a:t>
-            </a:r>
-            <a:r>
-              <a:rPr lang="en-US" dirty="0" err="1" smtClean="0"/>
-              <a:t>rxcui</a:t>
-            </a:r>
-            <a:r>
-              <a:rPr lang="en-US" dirty="0" smtClean="0"/>
-              <a:t>" : "88014",</a:t>
-            </a:r>
-          </a:p>
-          <a:p>
-            <a:pPr marL="0" indent="0">
-              <a:buNone/>
-            </a:pPr>
-            <a:r>
-              <a:rPr lang="en-US" dirty="0" smtClean="0"/>
-              <a:t>  "name" : "</a:t>
-            </a:r>
-            <a:r>
-              <a:rPr lang="en-US" dirty="0" err="1" smtClean="0"/>
-              <a:t>rizatriptan</a:t>
-            </a:r>
-            <a:r>
-              <a:rPr lang="en-US" dirty="0" smtClean="0"/>
-              <a:t>",</a:t>
-            </a:r>
-          </a:p>
-          <a:p>
-            <a:pPr marL="0" indent="0">
-              <a:buNone/>
-            </a:pPr>
-            <a:r>
-              <a:rPr lang="en-US" dirty="0" smtClean="0"/>
-              <a:t>  "severity" : [ "high", "high", "high", "high", "high" ],</a:t>
-            </a:r>
-          </a:p>
-          <a:p>
-            <a:pPr marL="0" indent="0">
-              <a:buNone/>
-            </a:pPr>
-            <a:r>
-              <a:rPr lang="en-US" dirty="0" smtClean="0"/>
-              <a:t>  "description" : [ "</a:t>
-            </a:r>
-            <a:r>
-              <a:rPr lang="en-US" dirty="0" err="1" smtClean="0"/>
-              <a:t>Triptans</a:t>
-            </a:r>
-            <a:r>
-              <a:rPr lang="en-US" dirty="0" smtClean="0"/>
-              <a:t> - monoamine oxidase (MAO) inhibitors", "</a:t>
-            </a:r>
-            <a:r>
-              <a:rPr lang="en-US" dirty="0" err="1" smtClean="0"/>
-              <a:t>Triptans</a:t>
-            </a:r>
-            <a:r>
-              <a:rPr lang="en-US" dirty="0" smtClean="0"/>
-              <a:t> - monoamine oxidase (MAO) inhibitors", "</a:t>
-            </a:r>
-            <a:r>
-              <a:rPr lang="en-US" dirty="0" err="1" smtClean="0"/>
-              <a:t>Triptans</a:t>
-            </a:r>
-            <a:r>
-              <a:rPr lang="en-US" dirty="0" smtClean="0"/>
-              <a:t> - monoamine oxidase (MAO) inhibitors", "</a:t>
-            </a:r>
-            <a:r>
-              <a:rPr lang="en-US" dirty="0" err="1" smtClean="0"/>
-              <a:t>Triptans</a:t>
-            </a:r>
-            <a:r>
-              <a:rPr lang="en-US" dirty="0" smtClean="0"/>
-              <a:t> - monoamine oxidase (MAO) inhibitors", "</a:t>
-            </a:r>
-            <a:r>
-              <a:rPr lang="en-US" dirty="0" err="1" smtClean="0"/>
-              <a:t>Triptans</a:t>
-            </a:r>
-            <a:r>
-              <a:rPr lang="en-US" dirty="0" smtClean="0"/>
-              <a:t> - monoamine oxidase (MAO) inhibitors" ],</a:t>
-            </a:r>
-          </a:p>
-          <a:p>
-            <a:pPr marL="0" indent="0">
-              <a:buNone/>
-            </a:pPr>
-            <a:r>
-              <a:rPr lang="en-US" dirty="0" smtClean="0"/>
-              <a:t>  "</a:t>
-            </a:r>
-            <a:r>
-              <a:rPr lang="en-US" dirty="0" err="1" smtClean="0"/>
-              <a:t>IdList</a:t>
-            </a:r>
-            <a:r>
-              <a:rPr lang="en-US" dirty="0" smtClean="0"/>
-              <a:t>" : [ "88014", "10734", "88014", "30121", "88014", "6011", "88014", "6878", "88014", "8123" ],</a:t>
-            </a:r>
-          </a:p>
-          <a:p>
-            <a:pPr marL="0" indent="0">
-              <a:buNone/>
-            </a:pPr>
-            <a:r>
-              <a:rPr lang="en-US" dirty="0" smtClean="0"/>
-              <a:t>  "</a:t>
-            </a:r>
-            <a:r>
-              <a:rPr lang="en-US" dirty="0" err="1" smtClean="0"/>
-              <a:t>NameList</a:t>
-            </a:r>
-            <a:r>
-              <a:rPr lang="en-US" dirty="0" smtClean="0"/>
-              <a:t>" : [ "</a:t>
-            </a:r>
-            <a:r>
-              <a:rPr lang="en-US" dirty="0" err="1" smtClean="0"/>
-              <a:t>rizatriptan</a:t>
-            </a:r>
-            <a:r>
-              <a:rPr lang="en-US" dirty="0" smtClean="0"/>
-              <a:t>", "tranylcypromine", "</a:t>
-            </a:r>
-            <a:r>
-              <a:rPr lang="en-US" dirty="0" err="1" smtClean="0"/>
-              <a:t>rizatriptan</a:t>
-            </a:r>
-            <a:r>
-              <a:rPr lang="en-US" dirty="0" smtClean="0"/>
-              <a:t>", "</a:t>
-            </a:r>
-            <a:r>
-              <a:rPr lang="en-US" dirty="0" err="1" smtClean="0"/>
-              <a:t>moclobemide</a:t>
-            </a:r>
-            <a:r>
-              <a:rPr lang="en-US" dirty="0" smtClean="0"/>
-              <a:t>", "</a:t>
-            </a:r>
-            <a:r>
-              <a:rPr lang="en-US" dirty="0" err="1" smtClean="0"/>
-              <a:t>rizatriptan</a:t>
-            </a:r>
-            <a:r>
-              <a:rPr lang="en-US" dirty="0" smtClean="0"/>
-              <a:t>", "</a:t>
-            </a:r>
-            <a:r>
-              <a:rPr lang="en-US" dirty="0" err="1" smtClean="0"/>
-              <a:t>isocarboxazid</a:t>
-            </a:r>
-            <a:r>
-              <a:rPr lang="en-US" dirty="0" smtClean="0"/>
-              <a:t>", "</a:t>
-            </a:r>
-            <a:r>
-              <a:rPr lang="en-US" dirty="0" err="1" smtClean="0"/>
-              <a:t>rizatriptan</a:t>
-            </a:r>
-            <a:r>
-              <a:rPr lang="en-US" dirty="0" smtClean="0"/>
-              <a:t>", "methylene blue", "</a:t>
-            </a:r>
-            <a:r>
-              <a:rPr lang="en-US" dirty="0" err="1" smtClean="0"/>
-              <a:t>rizatriptan</a:t>
-            </a:r>
-            <a:r>
-              <a:rPr lang="en-US" dirty="0" smtClean="0"/>
-              <a:t>", "</a:t>
-            </a:r>
-            <a:r>
-              <a:rPr lang="en-US" dirty="0" err="1" smtClean="0"/>
-              <a:t>phenelzine</a:t>
-            </a:r>
-            <a:r>
-              <a:rPr lang="en-US" dirty="0" smtClean="0"/>
-              <a:t>" ]</a:t>
-            </a:r>
-          </a:p>
-          <a:p>
-            <a:pPr marL="0" indent="0">
-              <a:buNone/>
-            </a:pPr>
-            <a:r>
-              <a:rPr lang="en-US" dirty="0" smtClean="0"/>
-              <a:t>}</a:t>
-            </a:r>
             <a:endParaRPr lang="en-US" dirty="0"/>
           </a:p>
         </p:txBody>
       </p:sp>
+      <p:graphicFrame>
+        <p:nvGraphicFramePr>
+          <p:cNvPr id="4" name="Table 3"/>
+          <p:cNvGraphicFramePr>
+            <a:graphicFrameLocks noGrp="1"/>
+          </p:cNvGraphicFramePr>
+          <p:nvPr>
+            <p:extLst>
+              <p:ext uri="{D42A27DB-BD31-4B8C-83A1-F6EECF244321}">
+                <p14:modId xmlns:p14="http://schemas.microsoft.com/office/powerpoint/2010/main" val="641352007"/>
+              </p:ext>
+            </p:extLst>
+          </p:nvPr>
+        </p:nvGraphicFramePr>
+        <p:xfrm>
+          <a:off x="533400" y="3048000"/>
+          <a:ext cx="7924800" cy="3571240"/>
+        </p:xfrm>
+        <a:graphic>
+          <a:graphicData uri="http://schemas.openxmlformats.org/drawingml/2006/table">
+            <a:tbl>
+              <a:tblPr firstRow="1" bandRow="1">
+                <a:tableStyleId>{5C22544A-7EE6-4342-B048-85BDC9FD1C3A}</a:tableStyleId>
+              </a:tblPr>
+              <a:tblGrid>
+                <a:gridCol w="1447800"/>
+                <a:gridCol w="3211830"/>
+                <a:gridCol w="1131570"/>
+                <a:gridCol w="2133600"/>
+              </a:tblGrid>
+              <a:tr h="289561">
+                <a:tc>
+                  <a:txBody>
+                    <a:bodyPr/>
+                    <a:lstStyle/>
+                    <a:p>
+                      <a:r>
+                        <a:rPr lang="en-US" dirty="0" smtClean="0"/>
+                        <a:t>Word </a:t>
+                      </a:r>
+                      <a:endParaRPr lang="en-US" dirty="0"/>
+                    </a:p>
+                  </a:txBody>
+                  <a:tcPr/>
+                </a:tc>
+                <a:tc>
+                  <a:txBody>
+                    <a:bodyPr/>
+                    <a:lstStyle/>
+                    <a:p>
+                      <a:r>
+                        <a:rPr lang="en-US" dirty="0" smtClean="0"/>
+                        <a:t>interaction</a:t>
+                      </a:r>
+                      <a:endParaRPr lang="en-US" dirty="0"/>
+                    </a:p>
+                  </a:txBody>
+                  <a:tcPr/>
+                </a:tc>
+                <a:tc>
+                  <a:txBody>
+                    <a:bodyPr/>
+                    <a:lstStyle/>
+                    <a:p>
+                      <a:r>
+                        <a:rPr lang="en-US" dirty="0" smtClean="0"/>
+                        <a:t>severity</a:t>
+                      </a:r>
+                      <a:endParaRPr lang="en-US" dirty="0"/>
+                    </a:p>
+                  </a:txBody>
+                  <a:tcPr/>
+                </a:tc>
+                <a:tc>
+                  <a:txBody>
+                    <a:bodyPr/>
+                    <a:lstStyle/>
+                    <a:p>
+                      <a:r>
+                        <a:rPr lang="en-US" dirty="0" smtClean="0"/>
+                        <a:t>description</a:t>
+                      </a:r>
+                      <a:endParaRPr lang="en-US" dirty="0"/>
+                    </a:p>
+                  </a:txBody>
+                  <a:tcPr/>
+                </a:tc>
+              </a:tr>
+              <a:tr h="370840">
+                <a:tc>
+                  <a:txBody>
+                    <a:bodyPr/>
+                    <a:lstStyle/>
+                    <a:p>
+                      <a:r>
+                        <a:rPr lang="en-US" dirty="0" smtClean="0"/>
+                        <a:t>risk</a:t>
+                      </a:r>
+                      <a:endParaRPr lang="en-US" dirty="0"/>
+                    </a:p>
+                  </a:txBody>
+                  <a:tcPr/>
+                </a:tc>
+                <a:tc>
+                  <a:txBody>
+                    <a:bodyPr/>
+                    <a:lstStyle/>
+                    <a:p>
+                      <a:r>
+                        <a:rPr lang="en-US" dirty="0" smtClean="0"/>
+                        <a:t>The risk or severity of …increased </a:t>
+                      </a:r>
+                      <a:endParaRPr lang="en-US" dirty="0"/>
+                    </a:p>
+                  </a:txBody>
+                  <a:tcPr/>
+                </a:tc>
+                <a:tc>
+                  <a:txBody>
+                    <a:bodyPr/>
+                    <a:lstStyle/>
+                    <a:p>
+                      <a:r>
+                        <a:rPr lang="en-US" dirty="0" smtClean="0"/>
+                        <a:t>-3</a:t>
+                      </a:r>
+                      <a:endParaRPr lang="en-US" dirty="0"/>
+                    </a:p>
+                  </a:txBody>
+                  <a:tcPr/>
+                </a:tc>
+                <a:tc>
+                  <a:txBody>
+                    <a:bodyPr/>
+                    <a:lstStyle/>
+                    <a:p>
+                      <a:endParaRPr lang="en-US" dirty="0"/>
+                    </a:p>
+                  </a:txBody>
+                  <a:tcPr/>
+                </a:tc>
+              </a:tr>
+              <a:tr h="370840">
+                <a:tc>
+                  <a:txBody>
+                    <a:bodyPr/>
+                    <a:lstStyle/>
+                    <a:p>
+                      <a:r>
+                        <a:rPr lang="en-US" dirty="0" smtClean="0"/>
+                        <a:t> excretion rate</a:t>
+                      </a:r>
+                      <a:endParaRPr lang="en-US" dirty="0"/>
+                    </a:p>
+                  </a:txBody>
+                  <a:tcPr/>
+                </a:tc>
+                <a:tc>
+                  <a:txBody>
+                    <a:bodyPr/>
+                    <a:lstStyle/>
+                    <a:p>
+                      <a:pPr marL="0" marR="0" indent="0" algn="l" defTabSz="914400" rtl="0" eaLnBrk="1" fontAlgn="auto" latinLnBrk="0" hangingPunct="1">
+                        <a:lnSpc>
+                          <a:spcPct val="100000"/>
+                        </a:lnSpc>
+                        <a:spcBef>
+                          <a:spcPts val="0"/>
+                        </a:spcBef>
+                        <a:spcAft>
+                          <a:spcPts val="0"/>
+                        </a:spcAft>
+                        <a:buClrTx/>
+                        <a:buSzTx/>
+                        <a:buFontTx/>
+                        <a:buNone/>
+                        <a:tabLst/>
+                        <a:defRPr/>
+                      </a:pPr>
+                      <a:r>
+                        <a:rPr lang="en-US" dirty="0" smtClean="0"/>
+                        <a:t>decrease the excretion rate   … higher …level</a:t>
+                      </a:r>
+                    </a:p>
+                    <a:p>
+                      <a:endParaRPr lang="en-US" dirty="0"/>
+                    </a:p>
+                  </a:txBody>
+                  <a:tcPr/>
+                </a:tc>
+                <a:tc>
+                  <a:txBody>
+                    <a:bodyPr/>
+                    <a:lstStyle/>
+                    <a:p>
+                      <a:r>
+                        <a:rPr lang="en-US" dirty="0" smtClean="0"/>
+                        <a:t>-1</a:t>
+                      </a:r>
+                      <a:endParaRPr lang="en-US" dirty="0"/>
+                    </a:p>
+                  </a:txBody>
+                  <a:tcPr/>
+                </a:tc>
+                <a:tc>
+                  <a:txBody>
+                    <a:bodyPr/>
+                    <a:lstStyle/>
+                    <a:p>
+                      <a:endParaRPr lang="en-US"/>
+                    </a:p>
+                  </a:txBody>
+                  <a:tcPr/>
+                </a:tc>
+              </a:tr>
+              <a:tr h="370840">
+                <a:tc>
+                  <a:txBody>
+                    <a:bodyPr/>
+                    <a:lstStyle/>
+                    <a:p>
+                      <a:r>
+                        <a:rPr lang="en-US" dirty="0" smtClean="0"/>
+                        <a:t>metabolism</a:t>
+                      </a:r>
+                      <a:endParaRPr lang="en-US" dirty="0"/>
+                    </a:p>
+                  </a:txBody>
+                  <a:tcPr/>
+                </a:tc>
+                <a:tc>
+                  <a:txBody>
+                    <a:bodyPr/>
+                    <a:lstStyle/>
+                    <a:p>
+                      <a:r>
+                        <a:rPr lang="en-US" dirty="0" smtClean="0"/>
+                        <a:t>The metabolism … decreased </a:t>
+                      </a:r>
+                      <a:endParaRPr lang="en-US" dirty="0"/>
+                    </a:p>
+                  </a:txBody>
+                  <a:tcPr/>
+                </a:tc>
+                <a:tc>
+                  <a:txBody>
+                    <a:bodyPr/>
+                    <a:lstStyle/>
+                    <a:p>
+                      <a:r>
+                        <a:rPr lang="en-US" dirty="0" smtClean="0"/>
+                        <a:t>-1</a:t>
+                      </a:r>
+                      <a:endParaRPr lang="en-US" dirty="0"/>
+                    </a:p>
+                  </a:txBody>
+                  <a:tcPr/>
+                </a:tc>
+                <a:tc>
+                  <a:txBody>
+                    <a:bodyPr/>
+                    <a:lstStyle/>
+                    <a:p>
+                      <a:endParaRPr lang="en-US" dirty="0"/>
+                    </a:p>
+                  </a:txBody>
+                  <a:tcPr/>
+                </a:tc>
+              </a:tr>
+              <a:tr h="370840">
+                <a:tc>
+                  <a:txBody>
+                    <a:bodyPr/>
+                    <a:lstStyle/>
+                    <a:p>
+                      <a:r>
+                        <a:rPr lang="en-US" dirty="0" smtClean="0"/>
+                        <a:t>therapeutic efficacy</a:t>
+                      </a:r>
+                      <a:endParaRPr lang="en-US" dirty="0"/>
+                    </a:p>
+                  </a:txBody>
+                  <a:tcPr/>
+                </a:tc>
+                <a:tc>
+                  <a:txBody>
+                    <a:bodyPr/>
+                    <a:lstStyle/>
+                    <a:p>
+                      <a:r>
+                        <a:rPr lang="en-US" dirty="0" smtClean="0"/>
+                        <a:t>therapeutic efficacy … decreased </a:t>
+                      </a:r>
+                      <a:endParaRPr lang="en-US" dirty="0"/>
+                    </a:p>
+                  </a:txBody>
+                  <a:tcPr/>
+                </a:tc>
+                <a:tc>
+                  <a:txBody>
+                    <a:bodyPr/>
+                    <a:lstStyle/>
+                    <a:p>
+                      <a:r>
+                        <a:rPr lang="en-US" dirty="0" smtClean="0"/>
+                        <a:t>-1</a:t>
+                      </a:r>
+                      <a:endParaRPr lang="en-US" dirty="0"/>
+                    </a:p>
+                  </a:txBody>
+                  <a:tcPr/>
+                </a:tc>
+                <a:tc>
+                  <a:txBody>
+                    <a:bodyPr/>
+                    <a:lstStyle/>
+                    <a:p>
+                      <a:endParaRPr lang="en-US"/>
+                    </a:p>
+                  </a:txBody>
+                  <a:tcPr/>
+                </a:tc>
+              </a:tr>
+              <a:tr h="421640">
+                <a:tc>
+                  <a:txBody>
+                    <a:bodyPr/>
+                    <a:lstStyle/>
+                    <a:p>
+                      <a:r>
+                        <a:rPr lang="en-US" dirty="0" smtClean="0"/>
+                        <a:t>activities</a:t>
+                      </a:r>
+                      <a:endParaRPr lang="en-US" dirty="0"/>
+                    </a:p>
+                  </a:txBody>
+                  <a:tcPr/>
+                </a:tc>
+                <a:tc>
+                  <a:txBody>
+                    <a:bodyPr/>
+                    <a:lstStyle/>
+                    <a:p>
+                      <a:pPr marL="0" marR="0" indent="0" algn="l" defTabSz="914400" rtl="0" eaLnBrk="1" fontAlgn="auto" latinLnBrk="0" hangingPunct="1">
+                        <a:lnSpc>
+                          <a:spcPct val="100000"/>
+                        </a:lnSpc>
+                        <a:spcBef>
+                          <a:spcPts val="0"/>
+                        </a:spcBef>
+                        <a:spcAft>
+                          <a:spcPts val="0"/>
+                        </a:spcAft>
+                        <a:buClrTx/>
+                        <a:buSzTx/>
+                        <a:buFontTx/>
+                        <a:buNone/>
+                        <a:tabLst/>
+                        <a:defRPr/>
+                      </a:pPr>
+                      <a:r>
+                        <a:rPr lang="en-US" dirty="0" smtClean="0"/>
+                        <a:t>decrease…activities</a:t>
+                      </a:r>
+                    </a:p>
+                    <a:p>
+                      <a:endParaRPr lang="en-US" dirty="0"/>
+                    </a:p>
+                  </a:txBody>
+                  <a:tcPr/>
+                </a:tc>
+                <a:tc>
+                  <a:txBody>
+                    <a:bodyPr/>
+                    <a:lstStyle/>
+                    <a:p>
+                      <a:r>
+                        <a:rPr lang="en-US" dirty="0" smtClean="0"/>
+                        <a:t>-2</a:t>
+                      </a:r>
+                      <a:endParaRPr lang="en-US" dirty="0"/>
+                    </a:p>
+                  </a:txBody>
+                  <a:tcPr/>
+                </a:tc>
+                <a:tc>
+                  <a:txBody>
+                    <a:bodyPr/>
+                    <a:lstStyle/>
+                    <a:p>
+                      <a:endParaRPr lang="en-US" dirty="0"/>
+                    </a:p>
+                  </a:txBody>
+                  <a:tcPr/>
+                </a:tc>
+              </a:tr>
+            </a:tbl>
+          </a:graphicData>
+        </a:graphic>
+      </p:graphicFrame>
     </p:spTree>
     <p:extLst>
       <p:ext uri="{BB962C8B-B14F-4D97-AF65-F5344CB8AC3E}">
-        <p14:creationId xmlns:p14="http://schemas.microsoft.com/office/powerpoint/2010/main" val="707677580"/>
+        <p14:creationId xmlns:p14="http://schemas.microsoft.com/office/powerpoint/2010/main" val="884015510"/>
       </p:ext>
     </p:extLst>
   </p:cSld>
@@ -6487,7 +6938,7 @@
           <a:p>
             <a:r>
               <a:rPr lang="en-US" dirty="0" smtClean="0"/>
-              <a:t>Lexical analysis and data transformation</a:t>
+              <a:t>Lexical analysis and data transformation-continued</a:t>
             </a:r>
             <a:endParaRPr lang="en-US" dirty="0"/>
           </a:p>
@@ -6513,20 +6964,6 @@
           <a:bodyPr/>
           <a:lstStyle/>
           <a:p>
-            <a:r>
-              <a:rPr lang="en-US" dirty="0" smtClean="0"/>
-              <a:t>In this </a:t>
-            </a:r>
-            <a:r>
-              <a:rPr lang="en-US" dirty="0" err="1" smtClean="0"/>
-              <a:t>api</a:t>
-            </a:r>
-            <a:r>
-              <a:rPr lang="en-US" dirty="0" smtClean="0"/>
-              <a:t> we have not direct interaction &amp; severity definition and need implement lexical analysis to understand the result.</a:t>
-            </a:r>
-          </a:p>
-          <a:p>
             <a:pPr marL="0" indent="0">
               <a:buNone/>
             </a:pPr>
@@ -6543,14 +6980,14 @@
           <p:nvPr>
             <p:extLst>
               <p:ext uri="{D42A27DB-BD31-4B8C-83A1-F6EECF244321}">
-                <p14:modId xmlns:p14="http://schemas.microsoft.com/office/powerpoint/2010/main" val="641352007"/>
+                <p14:modId xmlns:p14="http://schemas.microsoft.com/office/powerpoint/2010/main" val="4283300081"/>
               </p:ext>
             </p:extLst>
           </p:nvPr>
         </p:nvGraphicFramePr>
         <p:xfrm>
-          <a:off x="533400" y="3048000"/>
-          <a:ext cx="7924800" cy="3571240"/>
+          <a:off x="457200" y="1524000"/>
+          <a:ext cx="7924800" cy="4145280"/>
         </p:xfrm>
         <a:graphic>
           <a:graphicData uri="http://schemas.openxmlformats.org/drawingml/2006/table">
@@ -6564,7 +7001,7 @@
                 <a:gridCol w="1131570"/>
                 <a:gridCol w="2133600"/>
               </a:tblGrid>
-              <a:tr h="289561">
+              <a:tr h="518160">
                 <a:tc>
                   <a:txBody>
                     <a:bodyPr/>
@@ -6584,24 +7021,16 @@
                     <a:bodyPr/>
                     <a:lstStyle/>
                     <a:p>
-                      <a:r>
-                        <a:rPr lang="en-US" dirty="0" smtClean="0"/>
-                        <a:t>interaction</a:t>
-                      </a:r>
-                      <a:endParaRPr lang="en-US" dirty="0"/>
-                    </a:p>
-                  </a:txBody>
-                  <a:tcPr/>
-                </a:tc>
-                <a:tc>
-                  <a:txBody>
-                    <a:bodyPr/>
-                    <a:lstStyle/>
-                    <a:p>
-                      <a:r>
-                        <a:rPr lang="en-US" dirty="0" smtClean="0"/>
-                        <a:t>severity</a:t>
-                      </a:r>
+                      <a:endParaRPr lang="en-US" dirty="0"/>
+                    </a:p>
+                  </a:txBody>
+                  <a:tcPr/>
+                </a:tc>
+                <a:tc>
+                  <a:txBody>
+                    <a:bodyPr/>
+                    <a:lstStyle/>
+                    <a:p>
                       <a:endParaRPr lang="en-US" dirty="0"/>
                     </a:p>
                   </a:txBody>
@@ -6630,7 +7059,7 @@
                     <a:p>
                       <a:r>
                         <a:rPr lang="en-US" dirty="0" smtClean="0"/>
-                        <a:t>risk</a:t>
+                        <a:t>adverse effects</a:t>
                       </a:r>
                       <a:endParaRPr lang="en-US" dirty="0"/>
                     </a:p>
@@ -6644,7 +7073,7 @@
                     <a:p>
                       <a:r>
                         <a:rPr lang="en-US" dirty="0" smtClean="0"/>
-                        <a:t>The risk or severity of …increased </a:t>
+                        <a:t>risk or severity of adverse effects can be increased </a:t>
                       </a:r>
                       <a:endParaRPr lang="en-US" dirty="0"/>
                     </a:p>
@@ -6658,18 +7087,22 @@
                     <a:p>
                       <a:r>
                         <a:rPr lang="en-US" dirty="0" smtClean="0"/>
-                        <a:t>-3</a:t>
-                      </a:r>
-                      <a:endParaRPr lang="en-US" dirty="0"/>
-                    </a:p>
-                  </a:txBody>
-                  <a:tcPr/>
-                </a:tc>
-                <a:tc>
-                  <a:txBody>
-                    <a:bodyPr/>
-                    <a:lstStyle/>
-                    <a:p>
+                        <a:t>-5</a:t>
+                      </a:r>
+                      <a:endParaRPr lang="en-US" dirty="0"/>
+                    </a:p>
+                  </a:txBody>
+                  <a:tcPr/>
+                </a:tc>
+                <a:tc>
+                  <a:txBody>
+                    <a:bodyPr/>
+                    <a:lstStyle/>
+                    <a:p>
+                      <a:r>
+                        <a:rPr lang="en-US" dirty="0" smtClean="0"/>
+                        <a:t>negative</a:t>
+                      </a:r>
                       <a:endParaRPr lang="en-US" dirty="0"/>
                     </a:p>
                   </a:txBody>
@@ -6677,20 +7110,6 @@
                 </a:tc>
               </a:tr>
               <a:tr h="370840">
-                <a:tc>
-                  <a:txBody>
-                    <a:bodyPr/>
-                    <a:lstStyle/>
-                    <a:p>
-                      <a:r>
-                        <a:rPr lang="en-US" dirty="0" smtClean="0"/>
-                        <a:t> excretion rate</a:t>
-                      </a:r>
-                      <a:endParaRPr lang="en-US" dirty="0"/>
-                    </a:p>
-                  </a:txBody>
-                  <a:tcPr/>
-                </a:tc>
                 <a:tc>
                   <a:txBody>
                     <a:bodyPr/>
@@ -6715,158 +7134,10 @@
                       </a:pPr>
                       <a:r>
                         <a:rPr lang="en-US" dirty="0" smtClean="0"/>
-                        <a:t>decrease the excretion rate   … higher …level</a:t>
-                      </a:r>
-                    </a:p>
-                    <a:p>
-                      <a:endParaRPr lang="en-US" dirty="0"/>
-                    </a:p>
-                  </a:txBody>
-                  <a:tcPr/>
-                </a:tc>
-                <a:tc>
-                  <a:txBody>
-                    <a:bodyPr/>
-                    <a:lstStyle/>
-                    <a:p>
-                      <a:r>
-                        <a:rPr lang="en-US" dirty="0" smtClean="0"/>
-                        <a:t>-1</a:t>
-                      </a:r>
-                      <a:endParaRPr lang="en-US" dirty="0"/>
-                    </a:p>
-                  </a:txBody>
-                  <a:tcPr/>
-                </a:tc>
-                <a:tc>
-                  <a:txBody>
-                    <a:bodyPr/>
-                    <a:lstStyle/>
-                    <a:p>
-                      <a:endParaRPr lang="en-US"/>
-                    </a:p>
-                  </a:txBody>
-                  <a:tcPr/>
-                </a:tc>
-              </a:tr>
-              <a:tr h="370840">
-                <a:tc>
-                  <a:txBody>
-                    <a:bodyPr/>
-                    <a:lstStyle/>
-                    <a:p>
-                      <a:r>
-                        <a:rPr lang="en-US" dirty="0" smtClean="0"/>
                         <a:t>metabolism</a:t>
                       </a:r>
-                      <a:endParaRPr lang="en-US" dirty="0"/>
-                    </a:p>
-                  </a:txBody>
-                  <a:tcPr/>
-                </a:tc>
-                <a:tc>
-                  <a:txBody>
-                    <a:bodyPr/>
-                    <a:lstStyle/>
-                    <a:p>
-                      <a:r>
-                        <a:rPr lang="en-US" dirty="0" smtClean="0"/>
-                        <a:t>The metabolism … decreased </a:t>
-                      </a:r>
-                      <a:endParaRPr lang="en-US" dirty="0"/>
-                    </a:p>
-                  </a:txBody>
-                  <a:tcPr/>
-                </a:tc>
-                <a:tc>
-                  <a:txBody>
-                    <a:bodyPr/>
-                    <a:lstStyle/>
-                    <a:p>
-                      <a:r>
-                        <a:rPr lang="en-US" dirty="0" smtClean="0"/>
-                        <a:t>-1</a:t>
-                      </a:r>
-                      <a:endParaRPr lang="en-US" dirty="0"/>
-                    </a:p>
-                  </a:txBody>
-                  <a:tcPr/>
-                </a:tc>
-                <a:tc>
-                  <a:txBody>
-                    <a:bodyPr/>
-                    <a:lstStyle/>
-                    <a:p>
-                      <a:endParaRPr lang="en-US" dirty="0"/>
-                    </a:p>
-                  </a:txBody>
-                  <a:tcPr/>
-                </a:tc>
-              </a:tr>
-              <a:tr h="370840">
-                <a:tc>
-                  <a:txBody>
-                    <a:bodyPr/>
-                    <a:lstStyle/>
-                    <a:p>
-                      <a:r>
-                        <a:rPr lang="en-US" dirty="0" smtClean="0"/>
-                        <a:t>therapeutic efficacy</a:t>
-                      </a:r>
-                      <a:endParaRPr lang="en-US" dirty="0"/>
-                    </a:p>
-                  </a:txBody>
-                  <a:tcPr/>
-                </a:tc>
-                <a:tc>
-                  <a:txBody>
-                    <a:bodyPr/>
-                    <a:lstStyle/>
-                    <a:p>
-                      <a:r>
-                        <a:rPr lang="en-US" dirty="0" smtClean="0"/>
-                        <a:t>therapeutic efficacy … decreased </a:t>
-                      </a:r>
-                      <a:endParaRPr lang="en-US" dirty="0"/>
-                    </a:p>
-                  </a:txBody>
-                  <a:tcPr/>
-                </a:tc>
-                <a:tc>
-                  <a:txBody>
-                    <a:bodyPr/>
-                    <a:lstStyle/>
-                    <a:p>
-                      <a:r>
-                        <a:rPr lang="en-US" dirty="0" smtClean="0"/>
-                        <a:t>-1</a:t>
-                      </a:r>
-                      <a:endParaRPr lang="en-US" dirty="0"/>
-                    </a:p>
-                  </a:txBody>
-                  <a:tcPr/>
-                </a:tc>
-                <a:tc>
-                  <a:txBody>
-                    <a:bodyPr/>
-                    <a:lstStyle/>
-                    <a:p>
-                      <a:endParaRPr lang="en-US"/>
-                    </a:p>
-                  </a:txBody>
-                  <a:tcPr/>
-                </a:tc>
-              </a:tr>
-              <a:tr h="421640">
-                <a:tc>
-                  <a:txBody>
-                    <a:bodyPr/>
-                    <a:lstStyle/>
-                    <a:p>
-                      <a:r>
-                        <a:rPr lang="en-US" dirty="0" smtClean="0"/>
-                        <a:t>activities</a:t>
-                      </a:r>
+                    </a:p>
+                    <a:p>
                       <a:endParaRPr lang="en-US" dirty="0"/>
                     </a:p>
                   </a:txBody>
@@ -6896,7 +7167,7 @@
                       </a:pPr>
                       <a:r>
                         <a:rPr lang="en-US" dirty="0" smtClean="0"/>
-                        <a:t>decrease…activities</a:t>
+                        <a:t>metabolism …increased </a:t>
                       </a:r>
                     </a:p>
                     <a:p>
@@ -6912,8 +7183,242 @@
                     <a:p>
                       <a:r>
                         <a:rPr lang="en-US" dirty="0" smtClean="0"/>
-                        <a:t>-2</a:t>
-                      </a:r>
+                        <a:t>1</a:t>
+                      </a:r>
+                      <a:endParaRPr lang="en-US" dirty="0"/>
+                    </a:p>
+                  </a:txBody>
+                  <a:tcPr/>
+                </a:tc>
+                <a:tc>
+                  <a:txBody>
+                    <a:bodyPr/>
+                    <a:lstStyle/>
+                    <a:p>
+                      <a:endParaRPr lang="en-US"/>
+                    </a:p>
+                  </a:txBody>
+                  <a:tcPr/>
+                </a:tc>
+              </a:tr>
+              <a:tr h="370840">
+                <a:tc>
+                  <a:txBody>
+                    <a:bodyPr/>
+                    <a:lstStyle/>
+                    <a:p>
+                      <a:r>
+                        <a:rPr lang="en-US" dirty="0" smtClean="0"/>
+                        <a:t>therapeutic efficacy</a:t>
+                      </a:r>
+                      <a:endParaRPr lang="en-US" dirty="0"/>
+                    </a:p>
+                  </a:txBody>
+                  <a:tcPr/>
+                </a:tc>
+                <a:tc>
+                  <a:txBody>
+                    <a:bodyPr/>
+                    <a:lstStyle/>
+                    <a:p>
+                      <a:r>
+                        <a:rPr lang="en-US" dirty="0" smtClean="0"/>
+                        <a:t>therapeutic efficacy …increased</a:t>
+                      </a:r>
+                      <a:endParaRPr lang="en-US" dirty="0"/>
+                    </a:p>
+                  </a:txBody>
+                  <a:tcPr/>
+                </a:tc>
+                <a:tc>
+                  <a:txBody>
+                    <a:bodyPr/>
+                    <a:lstStyle/>
+                    <a:p>
+                      <a:r>
+                        <a:rPr lang="en-US" dirty="0" smtClean="0"/>
+                        <a:t>3</a:t>
+                      </a:r>
+                      <a:endParaRPr lang="en-US" dirty="0"/>
+                    </a:p>
+                  </a:txBody>
+                  <a:tcPr/>
+                </a:tc>
+                <a:tc>
+                  <a:txBody>
+                    <a:bodyPr/>
+                    <a:lstStyle/>
+                    <a:p>
+                      <a:endParaRPr lang="en-US" dirty="0"/>
+                    </a:p>
+                  </a:txBody>
+                  <a:tcPr/>
+                </a:tc>
+              </a:tr>
+              <a:tr h="370840">
+                <a:tc>
+                  <a:txBody>
+                    <a:bodyPr/>
+                    <a:lstStyle/>
+                    <a:p>
+                      <a:r>
+                        <a:rPr lang="en-US" dirty="0" smtClean="0"/>
+                        <a:t>increase</a:t>
+                      </a:r>
+                      <a:endParaRPr lang="en-US" dirty="0"/>
+                    </a:p>
+                  </a:txBody>
+                  <a:tcPr/>
+                </a:tc>
+                <a:tc>
+                  <a:txBody>
+                    <a:bodyPr/>
+                    <a:lstStyle/>
+                    <a:p>
+                      <a:r>
+                        <a:rPr lang="en-US" dirty="0" smtClean="0"/>
+                        <a:t>increase …activities</a:t>
+                      </a:r>
+                      <a:endParaRPr lang="en-US" dirty="0"/>
+                    </a:p>
+                  </a:txBody>
+                  <a:tcPr/>
+                </a:tc>
+                <a:tc>
+                  <a:txBody>
+                    <a:bodyPr/>
+                    <a:lstStyle/>
+                    <a:p>
+                      <a:r>
+                        <a:rPr lang="en-US" dirty="0" smtClean="0"/>
+                        <a:t>2</a:t>
+                      </a:r>
+                      <a:endParaRPr lang="en-US" dirty="0"/>
+                    </a:p>
+                  </a:txBody>
+                  <a:tcPr/>
+                </a:tc>
+                <a:tc>
+                  <a:txBody>
+                    <a:bodyPr/>
+                    <a:lstStyle/>
+                    <a:p>
+                      <a:endParaRPr lang="en-US"/>
+                    </a:p>
+                  </a:txBody>
+                  <a:tcPr/>
+                </a:tc>
+              </a:tr>
+              <a:tr h="370840">
+                <a:tc>
+                  <a:txBody>
+                    <a:bodyPr/>
+                    <a:lstStyle/>
+                    <a:p>
+                      <a:endParaRPr lang="en-US" dirty="0"/>
+                    </a:p>
+                  </a:txBody>
+                  <a:tcPr/>
+                </a:tc>
+                <a:tc>
+                  <a:txBody>
+                    <a:bodyPr/>
+                    <a:lstStyle/>
+                    <a:p>
+                      <a:endParaRPr lang="en-US" dirty="0"/>
+                    </a:p>
+                  </a:txBody>
+                  <a:tcPr/>
+                </a:tc>
+                <a:tc>
+                  <a:txBody>
+                    <a:bodyPr/>
+                    <a:lstStyle/>
+                    <a:p>
+                      <a:endParaRPr lang="en-US" dirty="0"/>
+                    </a:p>
+                  </a:txBody>
+                  <a:tcPr/>
+                </a:tc>
+                <a:tc>
+                  <a:txBody>
+                    <a:bodyPr/>
+                    <a:lstStyle/>
+                    <a:p>
+                      <a:endParaRPr lang="en-US" dirty="0"/>
+                    </a:p>
+                  </a:txBody>
+                  <a:tcPr/>
+                </a:tc>
+              </a:tr>
+              <a:tr h="431800">
+                <a:tc>
+                  <a:txBody>
+                    <a:bodyPr/>
+                    <a:lstStyle/>
+                    <a:p>
+                      <a:endParaRPr lang="en-US"/>
+                    </a:p>
+                  </a:txBody>
+                  <a:tcPr/>
+                </a:tc>
+                <a:tc>
+                  <a:txBody>
+                    <a:bodyPr/>
+                    <a:lstStyle/>
+                    <a:p>
+                      <a:endParaRPr lang="en-US"/>
+                    </a:p>
+                  </a:txBody>
+                  <a:tcPr/>
+                </a:tc>
+                <a:tc>
+                  <a:txBody>
+                    <a:bodyPr/>
+                    <a:lstStyle/>
+                    <a:p>
+                      <a:endParaRPr lang="en-US" dirty="0"/>
+                    </a:p>
+                  </a:txBody>
+                  <a:tcPr/>
+                </a:tc>
+                <a:tc>
+                  <a:txBody>
+                    <a:bodyPr/>
+                    <a:lstStyle/>
+                    <a:p>
+                      <a:endParaRPr lang="en-US" dirty="0"/>
+                    </a:p>
+                  </a:txBody>
+                  <a:tcPr/>
+                </a:tc>
+              </a:tr>
+              <a:tr h="533400">
+                <a:tc>
+                  <a:txBody>
+                    <a:bodyPr/>
+                    <a:lstStyle/>
+                    <a:p>
+                      <a:endParaRPr lang="en-US"/>
+                    </a:p>
+                  </a:txBody>
+                  <a:tcPr/>
+                </a:tc>
+                <a:tc>
+                  <a:txBody>
+                    <a:bodyPr/>
+                    <a:lstStyle/>
+                    <a:p>
+                      <a:endParaRPr lang="en-US"/>
+                    </a:p>
+                  </a:txBody>
+                  <a:tcPr/>
+                </a:tc>
+                <a:tc>
+                  <a:txBody>
+                    <a:bodyPr/>
+                    <a:lstStyle/>
+                    <a:p>
                       <a:endParaRPr lang="en-US" dirty="0"/>
                     </a:p>
                   </a:txBody>
@@ -6937,7 +7442,7 @@
     </p:spTree>
     <p:extLst>
       <p:ext uri="{BB962C8B-B14F-4D97-AF65-F5344CB8AC3E}">
-        <p14:creationId xmlns:p14="http://schemas.microsoft.com/office/powerpoint/2010/main" val="884015510"/>
+        <p14:creationId xmlns:p14="http://schemas.microsoft.com/office/powerpoint/2010/main" val="1364604840"/>
       </p:ext>
     </p:extLst>
   </p:cSld>
@@ -6990,524 +7495,88 @@
           <a:p>
             <a:r>
               <a:rPr lang="en-US" dirty="0" smtClean="0"/>
-              <a:t>Lexical analysis and data transformation-continued</a:t>
+              <a:t>Sentimental analysis by regular expressions use</a:t>
             </a:r>
             <a:endParaRPr lang="en-US" dirty="0"/>
           </a:p>
         </p:txBody>
       </p:sp>
-      <p:sp>
-        <p:nvSpPr>
-          <p:cNvPr id="3" name="Content Placeholder 2"/>
-          <p:cNvSpPr>
-            <a:spLocks noGrp="1"/>
-          </p:cNvSpPr>
+      <p:pic>
+        <p:nvPicPr>
+          <p:cNvPr id="1026" name="Picture 2"/>
+          <p:cNvPicPr>
+            <a:picLocks noGrp="1" noChangeAspect="1" noChangeArrowheads="1"/>
+          </p:cNvPicPr>
           <p:nvPr>
             <p:ph idx="1"/>
           </p:nvPr>
-        </p:nvSpPr>
-        <p:spPr>
+        </p:nvPicPr>
+        <p:blipFill>
+          <a:blip r:embed="rId2">
+            <a:extLst>
+              <a:ext uri="{28A0092B-C50C-407E-A947-70E740481C1C}">
+                <a14:useLocalDpi xmlns:a14="http://schemas.microsoft.com/office/drawing/2010/main" val="0"/>
+              </a:ext>
+            </a:extLst>
+          </a:blip>
+          <a:srcRect/>
+          <a:stretch>
+            <a:fillRect/>
+          </a:stretch>
+        </p:blipFill>
+        <p:spPr bwMode="auto">
           <a:xfrm>
-            <a:off x="533400" y="1371600"/>
-            <a:ext cx="8229600" cy="4525963"/>
+            <a:off x="2159521" y="1600200"/>
+            <a:ext cx="4824958" cy="4525963"/>
           </a:xfrm>
+          <a:prstGeom prst="rect">
+            <a:avLst/>
+          </a:prstGeom>
+          <a:noFill/>
+          <a:ln>
+            <a:noFill/>
+          </a:ln>
+          <a:effectLst/>
+          <a:extLst>
+            <a:ext uri="{909E8E84-426E-40DD-AFC4-6F175D3DCCD1}">
+              <a14:hiddenFill xmlns:a14="http://schemas.microsoft.com/office/drawing/2010/main">
+                <a:solidFill>
+                  <a:schemeClr val="accent1"/>
+                </a:solidFill>
+              </a14:hiddenFill>
+            </a:ext>
+            <a:ext uri="{91240B29-F687-4F45-9708-019B960494DF}">
+              <a14:hiddenLine xmlns:a14="http://schemas.microsoft.com/office/drawing/2010/main" w="9525">
+                <a:solidFill>
+                  <a:schemeClr val="tx1"/>
+                </a:solidFill>
+                <a:miter lim="800000"/>
+                <a:headEnd/>
+                <a:tailEnd/>
+              </a14:hiddenLine>
+            </a:ext>
+            <a:ext uri="{AF507438-7753-43E0-B8FC-AC1667EBCBE1}">
+              <a14:hiddenEffects xmlns:a14="http://schemas.microsoft.com/office/drawing/2010/main">
+                <a:effectLst>
+                  <a:outerShdw dist="35921" dir="2700000" algn="ctr" rotWithShape="0">
+                    <a:schemeClr val="bg2"/>
+                  </a:outerShdw>
+                </a:effectLst>
+              </a14:hiddenEffects>
+            </a:ext>
+          </a:extLst>
         </p:spPr>
-        <p:txBody>
-          <a:bodyPr/>
-          <a:lstStyle/>
-          <a:p>
-            <a:pPr marL="0" indent="0">
-              <a:buNone/>
-            </a:pPr>
-            <a:endParaRPr lang="en-US" dirty="0"/>
-          </a:p>
-        </p:txBody>
-      </p:sp>
-      <p:graphicFrame>
-        <p:nvGraphicFramePr>
-          <p:cNvPr id="4" name="Table 3"/>
-          <p:cNvGraphicFramePr>
-            <a:graphicFrameLocks noGrp="1"/>
-          </p:cNvGraphicFramePr>
-          <p:nvPr>
-            <p:extLst>
-              <p:ext uri="{D42A27DB-BD31-4B8C-83A1-F6EECF244321}">
-                <p14:modId xmlns:p14="http://schemas.microsoft.com/office/powerpoint/2010/main" val="4283300081"/>
-              </p:ext>
-            </p:extLst>
-          </p:nvPr>
-        </p:nvGraphicFramePr>
-        <p:xfrm>
-          <a:off x="457200" y="1524000"/>
-          <a:ext cx="7924800" cy="4145280"/>
-        </p:xfrm>
-        <a:graphic>
-          <a:graphicData uri="http://schemas.openxmlformats.org/drawingml/2006/table">
-            <a:tbl>
-              <a:tblPr firstRow="1" bandRow="1">
-                <a:tableStyleId>{5C22544A-7EE6-4342-B048-85BDC9FD1C3A}</a:tableStyleId>
-              </a:tblPr>
-              <a:tblGrid>
-                <a:gridCol w="1447800"/>
-                <a:gridCol w="3211830"/>
-                <a:gridCol w="1131570"/>
-                <a:gridCol w="2133600"/>
-              </a:tblGrid>
-              <a:tr h="518160">
-                <a:tc>
-                  <a:txBody>
-                    <a:bodyPr/>
-                    <a:lstStyle/>
-                    <a:p>
-                      <a:r>
-                        <a:rPr lang="en-US" dirty="0" smtClean="0"/>
-                        <a:t>Word </a:t>
-                      </a:r>
-                      <a:endParaRPr lang="en-US" dirty="0"/>
-                    </a:p>
-                  </a:txBody>
-                  <a:tcPr/>
-                </a:tc>
-                <a:tc>
-                  <a:txBody>
-                    <a:bodyPr/>
-                    <a:lstStyle/>
-                    <a:p>
-                      <a:endParaRPr lang="en-US" dirty="0"/>
-                    </a:p>
-                  </a:txBody>
-                  <a:tcPr/>
-                </a:tc>
-                <a:tc>
-                  <a:txBody>
-                    <a:bodyPr/>
-                    <a:lstStyle/>
-                    <a:p>
-                      <a:endParaRPr lang="en-US" dirty="0"/>
-                    </a:p>
-                  </a:txBody>
-                  <a:tcPr/>
-                </a:tc>
-                <a:tc>
-                  <a:txBody>
-                    <a:bodyPr/>
-                    <a:lstStyle/>
-                    <a:p>
-                      <a:r>
-                        <a:rPr lang="en-US" dirty="0" smtClean="0"/>
-                        <a:t>description</a:t>
-                      </a:r>
-                      <a:endParaRPr lang="en-US" dirty="0"/>
-                    </a:p>
-                  </a:txBody>
-                  <a:tcPr/>
-                </a:tc>
-              </a:tr>
-              <a:tr h="370840">
-                <a:tc>
-                  <a:txBody>
-                    <a:bodyPr/>
-                    <a:lstStyle/>
-                    <a:p>
-                      <a:r>
-                        <a:rPr lang="en-US" dirty="0" smtClean="0"/>
-                        <a:t>adverse effects</a:t>
-                      </a:r>
-                      <a:endParaRPr lang="en-US" dirty="0"/>
-                    </a:p>
-                  </a:txBody>
-                  <a:tcPr/>
-                </a:tc>
-                <a:tc>
-                  <a:txBody>
-                    <a:bodyPr/>
-                    <a:lstStyle/>
-                    <a:p>
-                      <a:r>
-                        <a:rPr lang="en-US" dirty="0" smtClean="0"/>
-                        <a:t>risk or severity of adverse effects can be increased </a:t>
-                      </a:r>
-                      <a:endParaRPr lang="en-US" dirty="0"/>
-                    </a:p>
-                  </a:txBody>
-                  <a:tcPr/>
-                </a:tc>
-                <a:tc>
-                  <a:txBody>
-                    <a:bodyPr/>
-                    <a:lstStyle/>
-                    <a:p>
-                      <a:r>
-                        <a:rPr lang="en-US" dirty="0" smtClean="0"/>
-                        <a:t>-5</a:t>
-                      </a:r>
-                      <a:endParaRPr lang="en-US" dirty="0"/>
-                    </a:p>
-                  </a:txBody>
-                  <a:tcPr/>
-                </a:tc>
-                <a:tc>
-                  <a:txBody>
-                    <a:bodyPr/>
-                    <a:lstStyle/>
-                    <a:p>
-                      <a:r>
-                        <a:rPr lang="en-US" dirty="0" smtClean="0"/>
-                        <a:t>negative</a:t>
-                      </a:r>
-                      <a:endParaRPr lang="en-US" dirty="0"/>
-                    </a:p>
-                  </a:txBody>
-                  <a:tcPr/>
-                </a:tc>
-              </a:tr>
-              <a:tr h="370840">
-                <a:tc>
-                  <a:txBody>
-                    <a:bodyPr/>
-                    <a:lstStyle/>
-                    <a:p>
-                      <a:pPr marL="0" marR="0" indent="0" algn="l" defTabSz="914400" rtl="0" eaLnBrk="1" fontAlgn="auto" latinLnBrk="0" hangingPunct="1">
-                        <a:lnSpc>
-                          <a:spcPct val="100000"/>
-                        </a:lnSpc>
-                        <a:spcBef>
-                          <a:spcPts val="0"/>
-                        </a:spcBef>
-                        <a:spcAft>
-                          <a:spcPts val="0"/>
-                        </a:spcAft>
-                        <a:buClrTx/>
-                        <a:buSzTx/>
-                        <a:buFontTx/>
-                        <a:buNone/>
-                        <a:tabLst/>
-                        <a:defRPr/>
-                      </a:pPr>
-                      <a:r>
-                        <a:rPr lang="en-US" dirty="0" smtClean="0"/>
-                        <a:t>metabolism</a:t>
-                      </a:r>
-                    </a:p>
-                    <a:p>
-                      <a:endParaRPr lang="en-US" dirty="0"/>
-                    </a:p>
-                  </a:txBody>
-                  <a:tcPr/>
-                </a:tc>
-                <a:tc>
-                  <a:txBody>
-                    <a:bodyPr/>
-                    <a:lstStyle/>
-                    <a:p>
-                      <a:pPr marL="0" marR="0" indent="0" algn="l" defTabSz="914400" rtl="0" eaLnBrk="1" fontAlgn="auto" latinLnBrk="0" hangingPunct="1">
-                        <a:lnSpc>
-                          <a:spcPct val="100000"/>
-                        </a:lnSpc>
-                        <a:spcBef>
-                          <a:spcPts val="0"/>
-                        </a:spcBef>
-                        <a:spcAft>
-                          <a:spcPts val="0"/>
-                        </a:spcAft>
-                        <a:buClrTx/>
-                        <a:buSzTx/>
-                        <a:buFontTx/>
-                        <a:buNone/>
-                        <a:tabLst/>
-                        <a:defRPr/>
-                      </a:pPr>
-                      <a:r>
-                        <a:rPr lang="en-US" dirty="0" smtClean="0"/>
-                        <a:t>metabolism …increased </a:t>
-                      </a:r>
-                    </a:p>
-                    <a:p>
-                      <a:endParaRPr lang="en-US" dirty="0"/>
-                    </a:p>
-                  </a:txBody>
-                  <a:tcPr/>
-                </a:tc>
-                <a:tc>
-                  <a:txBody>
-                    <a:bodyPr/>
-                    <a:lstStyle/>
-                    <a:p>
-                      <a:r>
-                        <a:rPr lang="en-US" dirty="0" smtClean="0"/>
-                        <a:t>1</a:t>
-                      </a:r>
-                      <a:endParaRPr lang="en-US" dirty="0"/>
-                    </a:p>
-                  </a:txBody>
-                  <a:tcPr/>
-                </a:tc>
-                <a:tc>
-                  <a:txBody>
-                    <a:bodyPr/>
-                    <a:lstStyle/>
-                    <a:p>
-                      <a:endParaRPr lang="en-US"/>
-                    </a:p>
-                  </a:txBody>
-                  <a:tcPr/>
-                </a:tc>
-              </a:tr>
-              <a:tr h="370840">
-                <a:tc>
-                  <a:txBody>
-                    <a:bodyPr/>
-                    <a:lstStyle/>
-                    <a:p>
-                      <a:r>
-                        <a:rPr lang="en-US" dirty="0" smtClean="0"/>
-                        <a:t>therapeutic efficacy</a:t>
-                      </a:r>
-                      <a:endParaRPr lang="en-US" dirty="0"/>
-                    </a:p>
-                  </a:txBody>
-                  <a:tcPr/>
-                </a:tc>
-                <a:tc>
-                  <a:txBody>
-                    <a:bodyPr/>
-                    <a:lstStyle/>
-                    <a:p>
-                      <a:r>
-                        <a:rPr lang="en-US" dirty="0" smtClean="0"/>
-                        <a:t>therapeutic efficacy …increased</a:t>
-                      </a:r>
-                      <a:endParaRPr lang="en-US" dirty="0"/>
-                    </a:p>
-                  </a:txBody>
-                  <a:tcPr/>
-                </a:tc>
-                <a:tc>
-                  <a:txBody>
-                    <a:bodyPr/>
-                    <a:lstStyle/>
-                    <a:p>
-                      <a:r>
-                        <a:rPr lang="en-US" dirty="0" smtClean="0"/>
-                        <a:t>3</a:t>
-                      </a:r>
-                      <a:endParaRPr lang="en-US" dirty="0"/>
-                    </a:p>
-                  </a:txBody>
-                  <a:tcPr/>
-                </a:tc>
-                <a:tc>
-                  <a:txBody>
-                    <a:bodyPr/>
-                    <a:lstStyle/>
-                    <a:p>
-                      <a:endParaRPr lang="en-US" dirty="0"/>
-                    </a:p>
-                  </a:txBody>
-                  <a:tcPr/>
-                </a:tc>
-              </a:tr>
-              <a:tr h="370840">
-                <a:tc>
-                  <a:txBody>
-                    <a:bodyPr/>
-                    <a:lstStyle/>
-                    <a:p>
-                      <a:r>
-                        <a:rPr lang="en-US" dirty="0" smtClean="0"/>
-                        <a:t>increase</a:t>
-                      </a:r>
-                      <a:endParaRPr lang="en-US" dirty="0"/>
-                    </a:p>
-                  </a:txBody>
-                  <a:tcPr/>
-                </a:tc>
-                <a:tc>
-                  <a:txBody>
-                    <a:bodyPr/>
-                    <a:lstStyle/>
-                    <a:p>
-                      <a:r>
-                        <a:rPr lang="en-US" dirty="0" smtClean="0"/>
-                        <a:t>increase …activities</a:t>
-                      </a:r>
-                      <a:endParaRPr lang="en-US" dirty="0"/>
-                    </a:p>
-                  </a:txBody>
-                  <a:tcPr/>
-                </a:tc>
-                <a:tc>
-                  <a:txBody>
-                    <a:bodyPr/>
-                    <a:lstStyle/>
-                    <a:p>
-                      <a:r>
-                        <a:rPr lang="en-US" dirty="0" smtClean="0"/>
-                        <a:t>2</a:t>
-                      </a:r>
-                      <a:endParaRPr lang="en-US" dirty="0"/>
-                    </a:p>
-                  </a:txBody>
-                  <a:tcPr/>
-                </a:tc>
-                <a:tc>
-                  <a:txBody>
-                    <a:bodyPr/>
-                    <a:lstStyle/>
-                    <a:p>
-                      <a:endParaRPr lang="en-US"/>
-                    </a:p>
-                  </a:txBody>
-                  <a:tcPr/>
-                </a:tc>
-              </a:tr>
-              <a:tr h="370840">
-                <a:tc>
-                  <a:txBody>
-                    <a:bodyPr/>
-                    <a:lstStyle/>
-                    <a:p>
-                      <a:endParaRPr lang="en-US" dirty="0"/>
-                    </a:p>
-                  </a:txBody>
-                  <a:tcPr/>
-                </a:tc>
-                <a:tc>
-                  <a:txBody>
-                    <a:bodyPr/>
-                    <a:lstStyle/>
-                    <a:p>
-                      <a:endParaRPr lang="en-US" dirty="0"/>
-                    </a:p>
-                  </a:txBody>
-                  <a:tcPr/>
-                </a:tc>
-                <a:tc>
-                  <a:txBody>
-                    <a:bodyPr/>
-                    <a:lstStyle/>
-                    <a:p>
-                      <a:endParaRPr lang="en-US" dirty="0"/>
-                    </a:p>
-                  </a:txBody>
-                  <a:tcPr/>
-                </a:tc>
-                <a:tc>
-                  <a:txBody>
-                    <a:bodyPr/>
-                    <a:lstStyle/>
-                    <a:p>
-                      <a:endParaRPr lang="en-US" dirty="0"/>
-                    </a:p>
-                  </a:txBody>
-                  <a:tcPr/>
-                </a:tc>
-              </a:tr>
-              <a:tr h="431800">
-                <a:tc>
-                  <a:txBody>
-                    <a:bodyPr/>
-                    <a:lstStyle/>
-                    <a:p>
-                      <a:endParaRPr lang="en-US"/>
-                    </a:p>
-                  </a:txBody>
-                  <a:tcPr/>
-                </a:tc>
-                <a:tc>
-                  <a:txBody>
-                    <a:bodyPr/>
-                    <a:lstStyle/>
-                    <a:p>
-                      <a:endParaRPr lang="en-US"/>
-                    </a:p>
-                  </a:txBody>
-                  <a:tcPr/>
-                </a:tc>
-                <a:tc>
-                  <a:txBody>
-                    <a:bodyPr/>
-                    <a:lstStyle/>
-                    <a:p>
-                      <a:endParaRPr lang="en-US" dirty="0"/>
-                    </a:p>
-                  </a:txBody>
-                  <a:tcPr/>
-                </a:tc>
-                <a:tc>
-                  <a:txBody>
-                    <a:bodyPr/>
-                    <a:lstStyle/>
-                    <a:p>
-                      <a:endParaRPr lang="en-US" dirty="0"/>
-                    </a:p>
-                  </a:txBody>
-                  <a:tcPr/>
-                </a:tc>
-              </a:tr>
-              <a:tr h="533400">
-                <a:tc>
-                  <a:txBody>
-                    <a:bodyPr/>
-                    <a:lstStyle/>
-                    <a:p>
-                      <a:endParaRPr lang="en-US"/>
-                    </a:p>
-                  </a:txBody>
-                  <a:tcPr/>
-                </a:tc>
-                <a:tc>
-                  <a:txBody>
-                    <a:bodyPr/>
-                    <a:lstStyle/>
-                    <a:p>
-                      <a:endParaRPr lang="en-US"/>
-                    </a:p>
-                  </a:txBody>
-                  <a:tcPr/>
-                </a:tc>
-                <a:tc>
-                  <a:txBody>
-                    <a:bodyPr/>
-                    <a:lstStyle/>
-                    <a:p>
-                      <a:endParaRPr lang="en-US" dirty="0"/>
-                    </a:p>
-                  </a:txBody>
-                  <a:tcPr/>
-                </a:tc>
-                <a:tc>
-                  <a:txBody>
-                    <a:bodyPr/>
-                    <a:lstStyle/>
-                    <a:p>
-                      <a:endParaRPr lang="en-US" dirty="0"/>
-                    </a:p>
-                  </a:txBody>
-                  <a:tcPr/>
-                </a:tc>
-              </a:tr>
-            </a:tbl>
-          </a:graphicData>
-        </a:graphic>
-      </p:graphicFrame>
+      </p:pic>
     </p:spTree>
     <p:extLst>
       <p:ext uri="{BB962C8B-B14F-4D97-AF65-F5344CB8AC3E}">
-        <p14:creationId xmlns:p14="http://schemas.microsoft.com/office/powerpoint/2010/main" val="1364604840"/>
+        <p14:creationId xmlns:p14="http://schemas.microsoft.com/office/powerpoint/2010/main" val="1816086860"/>
       </p:ext>
     </p:extLst>
   </p:cSld>
   <p:clrMapOvr>
     <a:masterClrMapping/>
   </p:clrMapOvr>
-  <p:timing>
-    <p:tnLst>
-      <p:par>
-        <p:cTn id="1" dur="indefinite" restart="never" nodeType="tmRoot"/>
-      </p:par>
-    </p:tnLst>
-  </p:timing>
 </p:sld>
 </file>
 
@@ -7584,7 +7653,7 @@
         </p:blipFill>
         <p:spPr bwMode="auto">
           <a:xfrm>
-            <a:off x="533400" y="1752600"/>
+            <a:off x="533400" y="1600200"/>
             <a:ext cx="8229600" cy="1195169"/>
           </a:xfrm>
           <a:prstGeom prst="rect">
@@ -7625,6 +7694,45 @@
           </a:extLst>
         </p:spPr>
       </p:pic>
+      <p:sp>
+        <p:nvSpPr>
+          <p:cNvPr id="4" name="TextBox 3"/>
+          <p:cNvSpPr txBox="1"/>
+          <p:nvPr/>
+        </p:nvSpPr>
+        <p:spPr>
+          <a:xfrm>
+            <a:off x="990600" y="3733800"/>
+            <a:ext cx="6934200" cy="1754326"/>
+          </a:xfrm>
+          <a:prstGeom prst="rect">
+            <a:avLst/>
+          </a:prstGeom>
+          <a:noFill/>
+        </p:spPr>
+        <p:txBody>
+          <a:bodyPr wrap="square" rtlCol="0">
+            <a:spAutoFit/>
+          </a:bodyPr>
+          <a:lstStyle/>
+          <a:p>
+            <a:r>
+              <a:rPr lang="en-US" dirty="0" smtClean="0"/>
+              <a:t>Check patient constant treatment list against new drug interaction list in this case return us negative interaction with different severity. </a:t>
+            </a:r>
+          </a:p>
+          <a:p>
+            <a:endParaRPr lang="en-US" dirty="0"/>
+          </a:p>
+          <a:p>
+            <a:r>
+              <a:rPr lang="en-US" dirty="0" smtClean="0"/>
+              <a:t>It means, that new drug will cause to many different negative effects  to specific patient. All details the doctor can get from description field, and doctor can decide to give to patient another drug with similar effect.</a:t>
+            </a:r>
+            <a:endParaRPr lang="en-US" dirty="0"/>
+          </a:p>
+        </p:txBody>
+      </p:sp>
     </p:spTree>
     <p:extLst>
       <p:ext uri="{BB962C8B-B14F-4D97-AF65-F5344CB8AC3E}">
@@ -7712,11 +7820,7 @@
             </a:r>
             <a:r>
               <a:rPr lang="en-US" dirty="0" smtClean="0"/>
-              <a:t> </a:t>
-            </a:r>
-            <a:r>
-              <a:rPr lang="en-US" dirty="0" smtClean="0"/>
-              <a:t>file</a:t>
+              <a:t> file</a:t>
             </a:r>
           </a:p>
           <a:p>
@@ -7953,24 +8057,63 @@
         </p:nvSpPr>
         <p:spPr/>
         <p:txBody>
-          <a:bodyPr/>
+          <a:bodyPr>
+            <a:normAutofit lnSpcReduction="10000"/>
+          </a:bodyPr>
           <a:lstStyle/>
           <a:p>
             <a:r>
               <a:rPr lang="en-US" dirty="0" smtClean="0"/>
-              <a:t>Report –amount of receipts with side effects and risks</a:t>
-            </a:r>
-          </a:p>
-          <a:p>
-            <a:r>
-              <a:rPr lang="en-US" dirty="0" smtClean="0"/>
-              <a:t>Which doctor more get drugs with side effects And risks</a:t>
-            </a:r>
-          </a:p>
-          <a:p>
+              <a:t>Report –amount of receipts with side effects and </a:t>
+            </a:r>
+            <a:r>
+              <a:rPr lang="en-US" dirty="0" smtClean="0"/>
+              <a:t>risks, which part of receipts cause negative effects to patients</a:t>
+            </a:r>
+            <a:endParaRPr lang="en-US" dirty="0" smtClean="0"/>
+          </a:p>
+          <a:p>
+            <a:r>
+              <a:rPr lang="en-US" dirty="0" smtClean="0"/>
+              <a:t>Which doctor </a:t>
+            </a:r>
+            <a:r>
+              <a:rPr lang="en-US" dirty="0" smtClean="0"/>
+              <a:t>gives more drugs </a:t>
+            </a:r>
+            <a:r>
+              <a:rPr lang="en-US" dirty="0" smtClean="0"/>
+              <a:t>with </a:t>
+            </a:r>
+            <a:r>
+              <a:rPr lang="en-US" dirty="0" smtClean="0"/>
+              <a:t>serious side </a:t>
+            </a:r>
+            <a:r>
+              <a:rPr lang="en-US" dirty="0" smtClean="0"/>
+              <a:t>effects </a:t>
+            </a:r>
+            <a:r>
+              <a:rPr lang="en-US" dirty="0" smtClean="0"/>
+              <a:t>a</a:t>
+            </a:r>
+            <a:r>
+              <a:rPr lang="en-US" dirty="0" smtClean="0"/>
+              <a:t>nd/or </a:t>
+            </a:r>
+            <a:r>
+              <a:rPr lang="en-US" dirty="0" smtClean="0"/>
+              <a:t>risks</a:t>
+            </a:r>
+          </a:p>
+          <a:p>
+            <a:r>
+              <a:rPr lang="en-US" dirty="0" smtClean="0"/>
+              <a:t>Which </a:t>
+            </a:r>
             <a:r>
               <a:rPr lang="en-US" dirty="0"/>
-              <a:t>what diseases are more likely to conflict with the drugs taken for other diseases and require increased doctor's </a:t>
+              <a:t>diseases are more likely to conflict with the drugs taken for other diseases and require increased doctor's </a:t>
             </a:r>
             <a:r>
               <a:rPr lang="en-US" dirty="0" smtClean="0"/>
@@ -7988,14 +8131,13 @@
               <a:t> and </a:t>
             </a:r>
             <a:r>
-              <a:rPr lang="en-US" dirty="0" err="1"/>
-              <a:t>and</a:t>
+              <a:rPr lang="en-US" dirty="0" smtClean="0"/>
+              <a:t>much </a:t>
             </a:r>
             <a:r>
               <a:rPr lang="en-US" dirty="0"/>
-              <a:t> much more</a:t>
-            </a:r>
-            <a:endParaRPr lang="en-US" dirty="0"/>
+              <a:t>more</a:t>
+            </a:r>
           </a:p>
           <a:p>
             <a:endParaRPr lang="en-US" dirty="0"/>
@@ -8064,7 +8206,7 @@
       </p:sp>
       <p:pic>
         <p:nvPicPr>
-          <p:cNvPr id="1027" name="Picture 3"/>
+          <p:cNvPr id="2050" name="Picture 2"/>
           <p:cNvPicPr>
             <a:picLocks noChangeAspect="1" noChangeArrowheads="1"/>
           </p:cNvPicPr>
@@ -8085,8 +8227,8 @@
         </p:blipFill>
         <p:spPr bwMode="auto">
           <a:xfrm>
-            <a:off x="231056" y="1752600"/>
-            <a:ext cx="8896731" cy="4343400"/>
+            <a:off x="381000" y="1295400"/>
+            <a:ext cx="8545479" cy="4762500"/>
           </a:xfrm>
           <a:prstGeom prst="rect">
             <a:avLst/>
@@ -8379,19 +8521,7 @@
                           <a:ea typeface="+mn-ea"/>
                           <a:cs typeface="+mn-cs"/>
                         </a:rPr>
-                        <a:t> with list of Patient diseases and list of constant </a:t>
-                      </a:r>
-                      <a:r>
-                        <a:rPr lang="en-US" sz="1800" kern="1200" dirty="0" smtClean="0">
-                          <a:solidFill>
-                            <a:schemeClr val="dk1"/>
-                          </a:solidFill>
-                          <a:effectLst/>
-                          <a:latin typeface="+mn-lt"/>
-                          <a:ea typeface="+mn-ea"/>
-                          <a:cs typeface="+mn-cs"/>
-                        </a:rPr>
-                        <a:t>drug</a:t>
+                        <a:t> with list of Patient diseases and list of constant drug</a:t>
                       </a:r>
                     </a:p>
                     <a:p>
@@ -8838,31 +8968,7 @@
                           <a:ea typeface="+mn-ea"/>
                           <a:cs typeface="+mn-cs"/>
                         </a:rPr>
-                        <a:t>2. </a:t>
-                      </a:r>
-                      <a:r>
-                        <a:rPr lang="en-US" sz="1800" kern="1200" dirty="0" smtClean="0">
-                          <a:solidFill>
-                            <a:schemeClr val="dk1"/>
-                          </a:solidFill>
-                          <a:effectLst/>
-                          <a:latin typeface="+mn-lt"/>
-                          <a:ea typeface="+mn-ea"/>
-                          <a:cs typeface="+mn-cs"/>
-                        </a:rPr>
-                        <a:t>run </a:t>
-                      </a:r>
-                      <a:r>
-                        <a:rPr lang="en-US" sz="1800" kern="1200" dirty="0" smtClean="0">
-                          <a:solidFill>
-                            <a:schemeClr val="dk1"/>
-                          </a:solidFill>
-                          <a:effectLst/>
-                          <a:latin typeface="+mn-lt"/>
-                          <a:ea typeface="+mn-ea"/>
-                          <a:cs typeface="+mn-cs"/>
-                        </a:rPr>
-                        <a:t>Kafka producer on </a:t>
+                        <a:t>2. run Kafka producer on </a:t>
                       </a:r>
                       <a:r>
                         <a:rPr lang="en-US" sz="1800" kern="1200" dirty="0" err="1" smtClean="0">
@@ -8886,43 +8992,7 @@
                           <a:ea typeface="+mn-ea"/>
                           <a:cs typeface="+mn-cs"/>
                         </a:rPr>
-                        <a:t> </a:t>
-                      </a:r>
-                      <a:r>
-                        <a:rPr lang="en-US" sz="1800" kern="1200" dirty="0" smtClean="0">
-                          <a:solidFill>
-                            <a:schemeClr val="dk1"/>
-                          </a:solidFill>
-                          <a:effectLst/>
-                          <a:latin typeface="+mn-lt"/>
-                          <a:ea typeface="+mn-ea"/>
-                          <a:cs typeface="+mn-cs"/>
-                        </a:rPr>
-                        <a:t>topic(</a:t>
-                      </a:r>
-                      <a:r>
-                        <a:rPr lang="en-US" sz="1800" kern="1200" dirty="0" smtClean="0">
-                          <a:solidFill>
-                            <a:schemeClr val="dk1"/>
-                          </a:solidFill>
-                          <a:effectLst/>
-                          <a:latin typeface="+mn-lt"/>
-                          <a:ea typeface="+mn-ea"/>
-                          <a:cs typeface="+mn-cs"/>
-                        </a:rPr>
-                        <a:t> </a:t>
-                      </a:r>
-                      <a:r>
-                        <a:rPr lang="en-US" sz="1800" kern="1200" dirty="0" smtClean="0">
-                          <a:solidFill>
-                            <a:schemeClr val="dk1"/>
-                          </a:solidFill>
-                          <a:effectLst/>
-                          <a:latin typeface="+mn-lt"/>
-                          <a:ea typeface="+mn-ea"/>
-                          <a:cs typeface="+mn-cs"/>
-                        </a:rPr>
-                        <a:t>may be run</a:t>
+                        <a:t> topic( may be run</a:t>
                       </a:r>
                       <a:r>
                         <a:rPr lang="en-US" sz="1800" kern="1200" baseline="0" dirty="0" smtClean="0">
@@ -8960,15 +9030,6 @@
                         </a:rPr>
                         <a:t> )</a:t>
                       </a:r>
-                      <a:endParaRPr lang="en-US" sz="1800" kern="1200" dirty="0" smtClean="0">
-                        <a:solidFill>
-                          <a:schemeClr val="dk1"/>
-                        </a:solidFill>
-                        <a:effectLst/>
-                        <a:latin typeface="+mn-lt"/>
-                        <a:ea typeface="+mn-ea"/>
-                        <a:cs typeface="+mn-cs"/>
-                      </a:endParaRPr>
                     </a:p>
                     <a:p>
                       <a:r>
@@ -9063,15 +9124,6 @@
                         </a:rPr>
                         <a:t> and show it </a:t>
                       </a:r>
-                      <a:endParaRPr lang="en-US" sz="1800" kern="1200" dirty="0" smtClean="0">
-                        <a:solidFill>
-                          <a:schemeClr val="dk1"/>
-                        </a:solidFill>
-                        <a:effectLst/>
-                        <a:latin typeface="+mn-lt"/>
-                        <a:ea typeface="+mn-ea"/>
-                        <a:cs typeface="+mn-cs"/>
-                      </a:endParaRPr>
                     </a:p>
                     <a:p>
                       <a:r>
@@ -9256,10 +9308,10 @@
                     <a:lstStyle/>
                     <a:p>
                       <a:r>
-                        <a:rPr lang="en-US" smtClean="0"/>
+                        <a:rPr lang="en-US" dirty="0" smtClean="0"/>
                         <a:t>Description</a:t>
                       </a:r>
-                      <a:endParaRPr lang="en-US"/>
+                      <a:endParaRPr lang="en-US" dirty="0"/>
                     </a:p>
                   </a:txBody>
                   <a:tcPr/>
@@ -9775,95 +9827,6 @@
             <p:ph type="title"/>
           </p:nvPr>
         </p:nvSpPr>
-        <p:spPr/>
-        <p:txBody>
-          <a:bodyPr/>
-          <a:lstStyle/>
-          <a:p>
-            <a:r>
-              <a:rPr lang="en-US" dirty="0" smtClean="0"/>
-              <a:t>Drug Interaction Types</a:t>
-            </a:r>
-            <a:endParaRPr lang="en-US" dirty="0"/>
-          </a:p>
-        </p:txBody>
-      </p:sp>
-      <p:pic>
-        <p:nvPicPr>
-          <p:cNvPr id="4" name="Content Placeholder 3"/>
-          <p:cNvPicPr>
-            <a:picLocks noGrp="1" noChangeAspect="1"/>
-          </p:cNvPicPr>
-          <p:nvPr>
-            <p:ph idx="1"/>
-          </p:nvPr>
-        </p:nvPicPr>
-        <p:blipFill>
-          <a:blip r:embed="rId2">
-            <a:extLst>
-              <a:ext uri="{28A0092B-C50C-407E-A947-70E740481C1C}">
-                <a14:useLocalDpi xmlns:a14="http://schemas.microsoft.com/office/drawing/2010/main" val="0"/>
-              </a:ext>
-            </a:extLst>
-          </a:blip>
-          <a:stretch>
-            <a:fillRect/>
-          </a:stretch>
-        </p:blipFill>
-        <p:spPr>
-          <a:xfrm>
-            <a:off x="138558" y="1371601"/>
-            <a:ext cx="9005441" cy="5345402"/>
-          </a:xfrm>
-        </p:spPr>
-      </p:pic>
-    </p:spTree>
-    <p:extLst>
-      <p:ext uri="{BB962C8B-B14F-4D97-AF65-F5344CB8AC3E}">
-        <p14:creationId xmlns:p14="http://schemas.microsoft.com/office/powerpoint/2010/main" val="688518039"/>
-      </p:ext>
-    </p:extLst>
-  </p:cSld>
-  <p:clrMapOvr>
-    <a:masterClrMapping/>
-  </p:clrMapOvr>
-  <p:timing>
-    <p:tnLst>
-      <p:par>
-        <p:cTn id="1" dur="indefinite" restart="never" nodeType="tmRoot"/>
-      </p:par>
-    </p:tnLst>
-  </p:timing>
-</p:sld>
-</file>
-
-<file path=ppt/slides/slide4.xml><?xml version="1.0" encoding="utf-8"?>
-<p:sld xmlns:a="http://schemas.openxmlformats.org/drawingml/2006/main" xmlns:r="http://schemas.openxmlformats.org/officeDocument/2006/relationships" xmlns:p="http://schemas.openxmlformats.org/presentationml/2006/main">
-  <p:cSld>
-    <p:spTree>
-      <p:nvGrpSpPr>
-        <p:cNvPr id="1" name=""/>
-        <p:cNvGrpSpPr/>
-        <p:nvPr/>
-      </p:nvGrpSpPr>
-      <p:grpSpPr>
-        <a:xfrm>
-          <a:off x="0" y="0"/>
-          <a:ext cx="0" cy="0"/>
-          <a:chOff x="0" y="0"/>
-          <a:chExt cx="0" cy="0"/>
-        </a:xfrm>
-      </p:grpSpPr>
-      <p:sp>
-        <p:nvSpPr>
-          <p:cNvPr id="2" name="Title 1"/>
-          <p:cNvSpPr>
-            <a:spLocks noGrp="1"/>
-          </p:cNvSpPr>
-          <p:nvPr>
-            <p:ph type="title"/>
-          </p:nvPr>
-        </p:nvSpPr>
         <p:spPr>
           <a:xfrm>
             <a:off x="381000" y="228600"/>
@@ -9962,7 +9925,7 @@
 </p:sld>
 </file>
 
-<file path=ppt/slides/slide5.xml><?xml version="1.0" encoding="utf-8"?>
+<file path=ppt/slides/slide4.xml><?xml version="1.0" encoding="utf-8"?>
 <p:sld xmlns:a="http://schemas.openxmlformats.org/drawingml/2006/main" xmlns:r="http://schemas.openxmlformats.org/officeDocument/2006/relationships" xmlns:p="http://schemas.openxmlformats.org/presentationml/2006/main">
   <p:cSld>
     <p:spTree>
@@ -10095,6 +10058,97 @@
 </p:sld>
 </file>
 
+<file path=ppt/slides/slide5.xml><?xml version="1.0" encoding="utf-8"?>
+<p:sld xmlns:a="http://schemas.openxmlformats.org/drawingml/2006/main" xmlns:r="http://schemas.openxmlformats.org/officeDocument/2006/relationships" xmlns:p="http://schemas.openxmlformats.org/presentationml/2006/main">
+  <p:cSld>
+    <p:spTree>
+      <p:nvGrpSpPr>
+        <p:cNvPr id="1" name=""/>
+        <p:cNvGrpSpPr/>
+        <p:nvPr/>
+      </p:nvGrpSpPr>
+      <p:grpSpPr>
+        <a:xfrm>
+          <a:off x="0" y="0"/>
+          <a:ext cx="0" cy="0"/>
+          <a:chOff x="0" y="0"/>
+          <a:chExt cx="0" cy="0"/>
+        </a:xfrm>
+      </p:grpSpPr>
+      <p:sp>
+        <p:nvSpPr>
+          <p:cNvPr id="2" name="Title 1"/>
+          <p:cNvSpPr>
+            <a:spLocks noGrp="1"/>
+          </p:cNvSpPr>
+          <p:nvPr>
+            <p:ph type="title"/>
+          </p:nvPr>
+        </p:nvSpPr>
+        <p:spPr/>
+        <p:txBody>
+          <a:bodyPr>
+            <a:normAutofit fontScale="90000"/>
+          </a:bodyPr>
+          <a:lstStyle/>
+          <a:p>
+            <a:r>
+              <a:rPr lang="en-US" dirty="0" smtClean="0"/>
+              <a:t>NIH supplied some drug interaction APIs</a:t>
+            </a:r>
+            <a:endParaRPr lang="en-US" dirty="0"/>
+          </a:p>
+        </p:txBody>
+      </p:sp>
+      <p:pic>
+        <p:nvPicPr>
+          <p:cNvPr id="4" name="Content Placeholder 3"/>
+          <p:cNvPicPr>
+            <a:picLocks noGrp="1" noChangeAspect="1"/>
+          </p:cNvPicPr>
+          <p:nvPr>
+            <p:ph idx="1"/>
+          </p:nvPr>
+        </p:nvPicPr>
+        <p:blipFill>
+          <a:blip r:embed="rId2">
+            <a:extLst>
+              <a:ext uri="{28A0092B-C50C-407E-A947-70E740481C1C}">
+                <a14:useLocalDpi xmlns:a14="http://schemas.microsoft.com/office/drawing/2010/main" val="0"/>
+              </a:ext>
+            </a:extLst>
+          </a:blip>
+          <a:stretch>
+            <a:fillRect/>
+          </a:stretch>
+        </p:blipFill>
+        <p:spPr>
+          <a:xfrm>
+            <a:off x="548921" y="1600200"/>
+            <a:ext cx="8046157" cy="4525963"/>
+          </a:xfrm>
+        </p:spPr>
+      </p:pic>
+    </p:spTree>
+    <p:extLst>
+      <p:ext uri="{BB962C8B-B14F-4D97-AF65-F5344CB8AC3E}">
+        <p14:creationId xmlns:p14="http://schemas.microsoft.com/office/powerpoint/2010/main" val="3585525890"/>
+      </p:ext>
+    </p:extLst>
+  </p:cSld>
+  <p:clrMapOvr>
+    <a:masterClrMapping/>
+  </p:clrMapOvr>
+  <p:timing>
+    <p:tnLst>
+      <p:par>
+        <p:cTn id="1" dur="indefinite" restart="never" nodeType="tmRoot"/>
+      </p:par>
+    </p:tnLst>
+  </p:timing>
+</p:sld>
+</file>
+
 <file path=ppt/slides/slide6.xml><?xml version="1.0" encoding="utf-8"?>
 <p:sld xmlns:a="http://schemas.openxmlformats.org/drawingml/2006/main" xmlns:r="http://schemas.openxmlformats.org/officeDocument/2006/relationships" xmlns:p="http://schemas.openxmlformats.org/presentationml/2006/main">
   <p:cSld>
@@ -10122,397 +10176,92 @@
             <p:ph type="title"/>
           </p:nvPr>
         </p:nvSpPr>
-        <p:spPr/>
+        <p:spPr>
+          <a:xfrm>
+            <a:off x="533588" y="418415"/>
+            <a:ext cx="8229600" cy="1143000"/>
+          </a:xfrm>
+        </p:spPr>
         <p:txBody>
           <a:bodyPr/>
           <a:lstStyle/>
           <a:p>
             <a:r>
-              <a:rPr lang="en-US" dirty="0" smtClean="0"/>
-              <a:t>Data Sources</a:t>
+              <a:rPr lang="en-US" smtClean="0"/>
+              <a:t>Solution architecture</a:t>
             </a:r>
             <a:endParaRPr lang="en-US" dirty="0"/>
           </a:p>
         </p:txBody>
       </p:sp>
-      <p:graphicFrame>
-        <p:nvGraphicFramePr>
-          <p:cNvPr id="4" name="Content Placeholder 3"/>
-          <p:cNvGraphicFramePr>
-            <a:graphicFrameLocks noGrp="1"/>
-          </p:cNvGraphicFramePr>
-          <p:nvPr>
-            <p:ph idx="1"/>
-            <p:extLst>
-              <p:ext uri="{D42A27DB-BD31-4B8C-83A1-F6EECF244321}">
-                <p14:modId xmlns:p14="http://schemas.microsoft.com/office/powerpoint/2010/main" val="3265935352"/>
-              </p:ext>
-            </p:extLst>
-          </p:nvPr>
-        </p:nvGraphicFramePr>
-        <p:xfrm>
-          <a:off x="457200" y="1600200"/>
-          <a:ext cx="8229600" cy="3952240"/>
-        </p:xfrm>
-        <a:graphic>
-          <a:graphicData uri="http://schemas.openxmlformats.org/drawingml/2006/table">
-            <a:tbl>
-              <a:tblPr firstRow="1" bandRow="1">
-                <a:tableStyleId>{5C22544A-7EE6-4342-B048-85BDC9FD1C3A}</a:tableStyleId>
-              </a:tblPr>
-              <a:tblGrid>
-                <a:gridCol w="2743200"/>
-                <a:gridCol w="2743200"/>
-                <a:gridCol w="2743200"/>
-              </a:tblGrid>
-              <a:tr h="370840">
-                <a:tc>
-                  <a:txBody>
-                    <a:bodyPr/>
-                    <a:lstStyle/>
-                    <a:p>
-                      <a:r>
-                        <a:rPr lang="en-US" dirty="0" smtClean="0"/>
-                        <a:t>Source</a:t>
-                      </a:r>
-                      <a:endParaRPr lang="en-US" dirty="0"/>
-                    </a:p>
-                  </a:txBody>
-                  <a:tcPr/>
-                </a:tc>
-                <a:tc>
-                  <a:txBody>
-                    <a:bodyPr/>
-                    <a:lstStyle/>
-                    <a:p>
-                      <a:r>
-                        <a:rPr lang="en-US" dirty="0" smtClean="0"/>
-                        <a:t>Type</a:t>
-                      </a:r>
-                      <a:endParaRPr lang="en-US" dirty="0"/>
-                    </a:p>
-                  </a:txBody>
-                  <a:tcPr/>
-                </a:tc>
-                <a:tc>
-                  <a:txBody>
-                    <a:bodyPr/>
-                    <a:lstStyle/>
-                    <a:p>
-                      <a:r>
-                        <a:rPr lang="en-US" dirty="0" smtClean="0"/>
-                        <a:t>Description</a:t>
-                      </a:r>
-                      <a:endParaRPr lang="en-US" dirty="0"/>
-                    </a:p>
-                  </a:txBody>
-                  <a:tcPr/>
-                </a:tc>
-              </a:tr>
-              <a:tr h="370840">
-                <a:tc>
-                  <a:txBody>
-                    <a:bodyPr/>
-                    <a:lstStyle/>
-                    <a:p>
-                      <a:r>
-                        <a:rPr lang="en-US" dirty="0" smtClean="0"/>
-                        <a:t>Doctor DB</a:t>
-                      </a:r>
-                      <a:r>
-                        <a:rPr lang="en-US" baseline="0" dirty="0" smtClean="0"/>
-                        <a:t> </a:t>
-                      </a:r>
-                      <a:endParaRPr lang="en-US" dirty="0"/>
-                    </a:p>
-                  </a:txBody>
-                  <a:tcPr/>
-                </a:tc>
-                <a:tc>
-                  <a:txBody>
-                    <a:bodyPr/>
-                    <a:lstStyle/>
-                    <a:p>
-                      <a:r>
-                        <a:rPr lang="en-US" dirty="0" err="1" smtClean="0"/>
-                        <a:t>MySql</a:t>
-                      </a:r>
-                      <a:r>
-                        <a:rPr lang="en-US" dirty="0" smtClean="0"/>
-                        <a:t> ,</a:t>
-                      </a:r>
-                      <a:r>
-                        <a:rPr lang="en-US" baseline="0" dirty="0" smtClean="0"/>
-                        <a:t> Relation DB</a:t>
-                      </a:r>
-                      <a:endParaRPr lang="en-US" dirty="0"/>
-                    </a:p>
-                  </a:txBody>
-                  <a:tcPr/>
-                </a:tc>
-                <a:tc>
-                  <a:txBody>
-                    <a:bodyPr/>
-                    <a:lstStyle/>
-                    <a:p>
-                      <a:r>
-                        <a:rPr lang="en-US" dirty="0" err="1" smtClean="0"/>
-                        <a:t>Rt</a:t>
-                      </a:r>
-                      <a:r>
-                        <a:rPr lang="en-US" dirty="0" smtClean="0"/>
-                        <a:t> doctor </a:t>
-                      </a:r>
-                      <a:r>
-                        <a:rPr lang="en-US" dirty="0" err="1" smtClean="0"/>
-                        <a:t>db</a:t>
-                      </a:r>
-                      <a:r>
-                        <a:rPr lang="en-US" dirty="0" smtClean="0"/>
-                        <a:t> ,that saved patient history,</a:t>
-                      </a:r>
-                      <a:r>
-                        <a:rPr lang="en-US" baseline="0" dirty="0" smtClean="0"/>
-                        <a:t> doctors information.</a:t>
-                      </a:r>
-                      <a:r>
-                        <a:rPr lang="en-US" dirty="0" smtClean="0"/>
-                        <a:t> </a:t>
-                      </a:r>
-                      <a:endParaRPr lang="en-US" dirty="0"/>
-                    </a:p>
-                  </a:txBody>
-                  <a:tcPr/>
-                </a:tc>
-              </a:tr>
-              <a:tr h="370840">
-                <a:tc>
-                  <a:txBody>
-                    <a:bodyPr/>
-                    <a:lstStyle/>
-                    <a:p>
-                      <a:r>
-                        <a:rPr lang="en-US" dirty="0" smtClean="0"/>
-                        <a:t>Diseases DB </a:t>
-                      </a:r>
-                      <a:endParaRPr lang="en-US" dirty="0"/>
-                    </a:p>
-                  </a:txBody>
-                  <a:tcPr/>
-                </a:tc>
-                <a:tc>
-                  <a:txBody>
-                    <a:bodyPr/>
-                    <a:lstStyle/>
-                    <a:p>
-                      <a:r>
-                        <a:rPr lang="en-US" dirty="0" smtClean="0"/>
-                        <a:t> constantly taken drugs</a:t>
-                      </a:r>
-                      <a:endParaRPr lang="en-US" dirty="0"/>
-                    </a:p>
-                  </a:txBody>
-                  <a:tcPr/>
-                </a:tc>
-                <a:tc>
-                  <a:txBody>
-                    <a:bodyPr/>
-                    <a:lstStyle/>
-                    <a:p>
-                      <a:r>
-                        <a:rPr lang="en-US" dirty="0" smtClean="0"/>
-                        <a:t>Loaded data from external</a:t>
-                      </a:r>
-                      <a:r>
-                        <a:rPr lang="en-US" baseline="0" dirty="0" smtClean="0"/>
-                        <a:t> data source</a:t>
-                      </a:r>
-                      <a:endParaRPr lang="en-US" dirty="0"/>
-                    </a:p>
-                  </a:txBody>
-                  <a:tcPr/>
-                </a:tc>
-              </a:tr>
-              <a:tr h="370840">
-                <a:tc>
-                  <a:txBody>
-                    <a:bodyPr/>
-                    <a:lstStyle/>
-                    <a:p>
-                      <a:r>
-                        <a:rPr lang="en-US" dirty="0" smtClean="0"/>
-                        <a:t>External</a:t>
-                      </a:r>
-                      <a:r>
-                        <a:rPr lang="en-US" baseline="0" dirty="0" smtClean="0"/>
-                        <a:t> APIs –drugs </a:t>
-                      </a:r>
-                      <a:r>
-                        <a:rPr lang="en-US" baseline="0" dirty="0" err="1" smtClean="0"/>
-                        <a:t>api</a:t>
-                      </a:r>
-                      <a:endParaRPr lang="en-US" dirty="0"/>
-                    </a:p>
-                  </a:txBody>
-                  <a:tcPr/>
-                </a:tc>
-                <a:tc>
-                  <a:txBody>
-                    <a:bodyPr/>
-                    <a:lstStyle/>
-                    <a:p>
-                      <a:r>
-                        <a:rPr lang="en-US" dirty="0" smtClean="0"/>
-                        <a:t>4 official drug interaction </a:t>
-                      </a:r>
-                      <a:r>
-                        <a:rPr lang="en-US" dirty="0" err="1" smtClean="0"/>
-                        <a:t>apis</a:t>
-                      </a:r>
-                      <a:r>
-                        <a:rPr lang="en-US" dirty="0" smtClean="0"/>
-                        <a:t> of National Institute of Health, USA </a:t>
-                      </a:r>
-                      <a:endParaRPr lang="en-US" dirty="0"/>
-                    </a:p>
-                  </a:txBody>
-                  <a:tcPr/>
-                </a:tc>
-                <a:tc>
-                  <a:txBody>
-                    <a:bodyPr/>
-                    <a:lstStyle/>
-                    <a:p>
-                      <a:r>
-                        <a:rPr lang="en-US" dirty="0" smtClean="0"/>
-                        <a:t>https://lhncbc.nlm.nih.gov/RxNav/APIs/InteractionAPIs.html</a:t>
-                      </a:r>
-                      <a:endParaRPr lang="en-US" dirty="0"/>
-                    </a:p>
-                  </a:txBody>
-                  <a:tcPr/>
-                </a:tc>
-              </a:tr>
-              <a:tr h="370840">
-                <a:tc>
-                  <a:txBody>
-                    <a:bodyPr/>
-                    <a:lstStyle/>
-                    <a:p>
-                      <a:r>
-                        <a:rPr lang="en-US" dirty="0" smtClean="0"/>
-                        <a:t>All</a:t>
-                      </a:r>
-                      <a:r>
-                        <a:rPr lang="en-US" baseline="0" dirty="0" smtClean="0"/>
-                        <a:t> drug receipts archive</a:t>
-                      </a:r>
-                      <a:endParaRPr lang="en-US" dirty="0"/>
-                    </a:p>
-                  </a:txBody>
-                  <a:tcPr/>
-                </a:tc>
-                <a:tc>
-                  <a:txBody>
-                    <a:bodyPr/>
-                    <a:lstStyle/>
-                    <a:p>
-                      <a:r>
-                        <a:rPr lang="en-US" dirty="0" smtClean="0"/>
-                        <a:t>HDFS,</a:t>
-                      </a:r>
-                      <a:r>
-                        <a:rPr lang="en-US" baseline="0" dirty="0" smtClean="0"/>
-                        <a:t> cloud</a:t>
-                      </a:r>
-                      <a:endParaRPr lang="en-US" dirty="0"/>
-                    </a:p>
-                  </a:txBody>
-                  <a:tcPr/>
-                </a:tc>
-                <a:tc>
-                  <a:txBody>
-                    <a:bodyPr/>
-                    <a:lstStyle/>
-                    <a:p>
-                      <a:endParaRPr lang="en-US" dirty="0"/>
-                    </a:p>
-                  </a:txBody>
-                  <a:tcPr/>
-                </a:tc>
-              </a:tr>
-              <a:tr h="370840">
-                <a:tc>
-                  <a:txBody>
-                    <a:bodyPr/>
-                    <a:lstStyle/>
-                    <a:p>
-                      <a:endParaRPr lang="en-US" dirty="0"/>
-                    </a:p>
-                  </a:txBody>
-                  <a:tcPr/>
-                </a:tc>
-                <a:tc>
-                  <a:txBody>
-                    <a:bodyPr/>
-                    <a:lstStyle/>
-                    <a:p>
-                      <a:endParaRPr lang="en-US"/>
-                    </a:p>
-                  </a:txBody>
-                  <a:tcPr/>
-                </a:tc>
-                <a:tc>
-                  <a:txBody>
-                    <a:bodyPr/>
-                    <a:lstStyle/>
-                    <a:p>
-                      <a:endParaRPr lang="en-US"/>
-                    </a:p>
-                  </a:txBody>
-                  <a:tcPr/>
-                </a:tc>
-              </a:tr>
-              <a:tr h="370840">
-                <a:tc>
-                  <a:txBody>
-                    <a:bodyPr/>
-                    <a:lstStyle/>
-                    <a:p>
-                      <a:endParaRPr lang="en-US"/>
-                    </a:p>
-                  </a:txBody>
-                  <a:tcPr/>
-                </a:tc>
-                <a:tc>
-                  <a:txBody>
-                    <a:bodyPr/>
-                    <a:lstStyle/>
-                    <a:p>
-                      <a:endParaRPr lang="en-US"/>
-                    </a:p>
-                  </a:txBody>
-                  <a:tcPr/>
-                </a:tc>
-                <a:tc>
-                  <a:txBody>
-                    <a:bodyPr/>
-                    <a:lstStyle/>
-                    <a:p>
-                      <a:endParaRPr lang="en-US" dirty="0"/>
-                    </a:p>
-                  </a:txBody>
-                  <a:tcPr/>
-                </a:tc>
-              </a:tr>
-            </a:tbl>
-          </a:graphicData>
-        </a:graphic>
-      </p:graphicFrame>
+      <p:pic>
+        <p:nvPicPr>
+          <p:cNvPr id="3075" name="Picture 3"/>
+          <p:cNvPicPr>
+            <a:picLocks noChangeAspect="1" noChangeArrowheads="1"/>
+          </p:cNvPicPr>
+          <p:nvPr/>
+        </p:nvPicPr>
+        <p:blipFill>
+          <a:blip r:embed="rId2">
+            <a:extLst>
+              <a:ext uri="{28A0092B-C50C-407E-A947-70E740481C1C}">
+                <a14:useLocalDpi xmlns:a14="http://schemas.microsoft.com/office/drawing/2010/main" val="0"/>
+              </a:ext>
+            </a:extLst>
+          </a:blip>
+          <a:srcRect/>
+          <a:stretch>
+            <a:fillRect/>
+          </a:stretch>
+        </p:blipFill>
+        <p:spPr bwMode="auto">
+          <a:xfrm>
+            <a:off x="685800" y="1752600"/>
+            <a:ext cx="7488740" cy="4298950"/>
+          </a:xfrm>
+          <a:prstGeom prst="rect">
+            <a:avLst/>
+          </a:prstGeom>
+          <a:noFill/>
+          <a:ln>
+            <a:noFill/>
+          </a:ln>
+          <a:effectLst/>
+          <a:extLst>
+            <a:ext uri="{909E8E84-426E-40DD-AFC4-6F175D3DCCD1}">
+              <a14:hiddenFill xmlns:a14="http://schemas.microsoft.com/office/drawing/2010/main">
+                <a:solidFill>
+                  <a:schemeClr val="accent1"/>
+                </a:solidFill>
+              </a14:hiddenFill>
+            </a:ext>
+            <a:ext uri="{91240B29-F687-4F45-9708-019B960494DF}">
+              <a14:hiddenLine xmlns:a14="http://schemas.microsoft.com/office/drawing/2010/main" w="9525">
+                <a:solidFill>
+                  <a:schemeClr val="tx1"/>
+                </a:solidFill>
+                <a:miter lim="800000"/>
+                <a:headEnd/>
+                <a:tailEnd/>
+              </a14:hiddenLine>
+            </a:ext>
+            <a:ext uri="{AF507438-7753-43E0-B8FC-AC1667EBCBE1}">
+              <a14:hiddenEffects xmlns:a14="http://schemas.microsoft.com/office/drawing/2010/main">
+                <a:effectLst>
+                  <a:outerShdw dist="35921" dir="2700000" algn="ctr" rotWithShape="0">
+                    <a:schemeClr val="bg2"/>
+                  </a:outerShdw>
+                </a:effectLst>
+              </a14:hiddenEffects>
+            </a:ext>
+          </a:extLst>
+        </p:spPr>
+      </p:pic>
     </p:spTree>
     <p:extLst>
       <p:ext uri="{BB962C8B-B14F-4D97-AF65-F5344CB8AC3E}">
-        <p14:creationId xmlns:p14="http://schemas.microsoft.com/office/powerpoint/2010/main" val="3653606258"/>
+        <p14:creationId xmlns:p14="http://schemas.microsoft.com/office/powerpoint/2010/main" val="2944557163"/>
       </p:ext>
     </p:extLst>
   </p:cSld>
@@ -10558,58 +10307,391 @@
         </p:nvSpPr>
         <p:spPr/>
         <p:txBody>
-          <a:bodyPr>
-            <a:normAutofit fontScale="90000"/>
-          </a:bodyPr>
+          <a:bodyPr/>
           <a:lstStyle/>
           <a:p>
             <a:r>
               <a:rPr lang="en-US" dirty="0" smtClean="0"/>
-              <a:t>NIH supplied some drug interaction APIs</a:t>
+              <a:t>Toolbox for technical realization</a:t>
             </a:r>
             <a:endParaRPr lang="en-US" dirty="0"/>
           </a:p>
         </p:txBody>
       </p:sp>
-      <p:pic>
-        <p:nvPicPr>
+      <p:graphicFrame>
+        <p:nvGraphicFramePr>
           <p:cNvPr id="4" name="Content Placeholder 3"/>
-          <p:cNvPicPr>
-            <a:picLocks noGrp="1" noChangeAspect="1"/>
-          </p:cNvPicPr>
+          <p:cNvGraphicFramePr>
+            <a:graphicFrameLocks noGrp="1"/>
+          </p:cNvGraphicFramePr>
           <p:nvPr>
             <p:ph idx="1"/>
-          </p:nvPr>
-        </p:nvPicPr>
-        <p:blipFill>
-          <a:blip r:embed="rId2">
-            <a:extLst>
-              <a:ext uri="{28A0092B-C50C-407E-A947-70E740481C1C}">
-                <a14:useLocalDpi xmlns:a14="http://schemas.microsoft.com/office/drawing/2010/main" val="0"/>
-              </a:ext>
-            </a:extLst>
-          </a:blip>
-          <a:stretch>
-            <a:fillRect/>
-          </a:stretch>
-        </p:blipFill>
-        <p:spPr>
-          <a:xfrm>
-            <a:off x="548921" y="1600200"/>
-            <a:ext cx="8046157" cy="4525963"/>
-          </a:xfrm>
-        </p:spPr>
-      </p:pic>
+            <p:extLst>
+              <p:ext uri="{D42A27DB-BD31-4B8C-83A1-F6EECF244321}">
+                <p14:modId xmlns:p14="http://schemas.microsoft.com/office/powerpoint/2010/main" val="2733977910"/>
+              </p:ext>
+            </p:extLst>
+          </p:nvPr>
+        </p:nvGraphicFramePr>
+        <p:xfrm>
+          <a:off x="685800" y="1524000"/>
+          <a:ext cx="8229600" cy="4574870"/>
+        </p:xfrm>
+        <a:graphic>
+          <a:graphicData uri="http://schemas.openxmlformats.org/drawingml/2006/table">
+            <a:tbl>
+              <a:tblPr firstRow="1" bandRow="1">
+                <a:tableStyleId>{5C22544A-7EE6-4342-B048-85BDC9FD1C3A}</a:tableStyleId>
+              </a:tblPr>
+              <a:tblGrid>
+                <a:gridCol w="1295400"/>
+                <a:gridCol w="2895600"/>
+                <a:gridCol w="4038600"/>
+              </a:tblGrid>
+              <a:tr h="825830">
+                <a:tc>
+                  <a:txBody>
+                    <a:bodyPr/>
+                    <a:lstStyle/>
+                    <a:p>
+                      <a:r>
+                        <a:rPr lang="en-US" dirty="0" smtClean="0"/>
+                        <a:t>Tool</a:t>
+                      </a:r>
+                      <a:endParaRPr lang="en-US" dirty="0"/>
+                    </a:p>
+                  </a:txBody>
+                  <a:tcPr/>
+                </a:tc>
+                <a:tc>
+                  <a:txBody>
+                    <a:bodyPr/>
+                    <a:lstStyle/>
+                    <a:p>
+                      <a:r>
+                        <a:rPr lang="en-US" dirty="0" smtClean="0"/>
+                        <a:t>use</a:t>
+                      </a:r>
+                      <a:endParaRPr lang="en-US" dirty="0"/>
+                    </a:p>
+                  </a:txBody>
+                  <a:tcPr/>
+                </a:tc>
+                <a:tc>
+                  <a:txBody>
+                    <a:bodyPr/>
+                    <a:lstStyle/>
+                    <a:p>
+                      <a:r>
+                        <a:rPr lang="en-US" dirty="0" smtClean="0"/>
+                        <a:t>description</a:t>
+                      </a:r>
+                      <a:endParaRPr lang="en-US" dirty="0"/>
+                    </a:p>
+                  </a:txBody>
+                  <a:tcPr/>
+                </a:tc>
+              </a:tr>
+              <a:tr h="446561">
+                <a:tc>
+                  <a:txBody>
+                    <a:bodyPr/>
+                    <a:lstStyle/>
+                    <a:p>
+                      <a:r>
+                        <a:rPr lang="en-US" dirty="0" err="1" smtClean="0"/>
+                        <a:t>MySql</a:t>
+                      </a:r>
+                      <a:endParaRPr lang="en-US" dirty="0"/>
+                    </a:p>
+                  </a:txBody>
+                  <a:tcPr/>
+                </a:tc>
+                <a:tc>
+                  <a:txBody>
+                    <a:bodyPr/>
+                    <a:lstStyle/>
+                    <a:p>
+                      <a:r>
+                        <a:rPr lang="en-US" dirty="0" smtClean="0"/>
+                        <a:t>2 databases </a:t>
+                      </a:r>
+                      <a:endParaRPr lang="en-US" dirty="0"/>
+                    </a:p>
+                  </a:txBody>
+                  <a:tcPr/>
+                </a:tc>
+                <a:tc>
+                  <a:txBody>
+                    <a:bodyPr/>
+                    <a:lstStyle/>
+                    <a:p>
+                      <a:r>
+                        <a:rPr lang="en-US" dirty="0" smtClean="0"/>
+                        <a:t>1.Loaded from external source diseases database</a:t>
+                      </a:r>
+                    </a:p>
+                    <a:p>
+                      <a:r>
+                        <a:rPr lang="en-US" dirty="0" smtClean="0"/>
+                        <a:t>2. Doctor database(</a:t>
+                      </a:r>
+                      <a:r>
+                        <a:rPr lang="en-US" dirty="0" err="1" smtClean="0"/>
+                        <a:t>Kupat</a:t>
+                      </a:r>
+                      <a:r>
+                        <a:rPr lang="en-US" dirty="0" smtClean="0"/>
+                        <a:t> </a:t>
+                      </a:r>
+                      <a:r>
+                        <a:rPr lang="en-US" dirty="0" err="1" smtClean="0"/>
+                        <a:t>holim</a:t>
+                      </a:r>
+                      <a:r>
+                        <a:rPr lang="en-US" dirty="0" smtClean="0"/>
+                        <a:t> </a:t>
+                      </a:r>
+                      <a:r>
+                        <a:rPr lang="en-US" dirty="0" err="1" smtClean="0"/>
+                        <a:t>db</a:t>
+                      </a:r>
+                      <a:r>
+                        <a:rPr lang="en-US" dirty="0" smtClean="0"/>
+                        <a:t>) with his patient’s   history , doctor data, </a:t>
+                      </a:r>
+                      <a:r>
+                        <a:rPr lang="en-US" dirty="0" err="1" smtClean="0"/>
+                        <a:t>recepts</a:t>
+                      </a:r>
+                      <a:r>
+                        <a:rPr lang="en-US" dirty="0" smtClean="0"/>
+                        <a:t> </a:t>
+                      </a:r>
+                      <a:r>
+                        <a:rPr lang="en-US" dirty="0" err="1" smtClean="0"/>
+                        <a:t>etc</a:t>
+                      </a:r>
+                      <a:endParaRPr lang="en-US" dirty="0"/>
+                    </a:p>
+                  </a:txBody>
+                  <a:tcPr/>
+                </a:tc>
+              </a:tr>
+              <a:tr h="446561">
+                <a:tc>
+                  <a:txBody>
+                    <a:bodyPr/>
+                    <a:lstStyle/>
+                    <a:p>
+                      <a:r>
+                        <a:rPr lang="en-US" dirty="0" err="1" smtClean="0"/>
+                        <a:t>kafka</a:t>
+                      </a:r>
+                      <a:endParaRPr lang="en-US" dirty="0"/>
+                    </a:p>
+                  </a:txBody>
+                  <a:tcPr/>
+                </a:tc>
+                <a:tc>
+                  <a:txBody>
+                    <a:bodyPr/>
+                    <a:lstStyle/>
+                    <a:p>
+                      <a:r>
+                        <a:rPr lang="en-US" dirty="0" smtClean="0"/>
+                        <a:t>Data stream tool , work</a:t>
+                      </a:r>
+                      <a:r>
+                        <a:rPr lang="en-US" baseline="0" dirty="0" smtClean="0"/>
+                        <a:t> with 2 types of topics</a:t>
+                      </a:r>
+                    </a:p>
+                    <a:p>
+                      <a:r>
+                        <a:rPr lang="en-US" dirty="0" smtClean="0"/>
+                        <a:t>topic1 = </a:t>
+                      </a:r>
+                      <a:r>
+                        <a:rPr lang="en-US" sz="1800" kern="1200" dirty="0" smtClean="0">
+                          <a:solidFill>
+                            <a:schemeClr val="dk1"/>
+                          </a:solidFill>
+                          <a:effectLst/>
+                          <a:latin typeface="+mn-lt"/>
+                          <a:ea typeface="+mn-ea"/>
+                          <a:cs typeface="+mn-cs"/>
+                        </a:rPr>
+                        <a:t>'</a:t>
+                      </a:r>
+                      <a:r>
+                        <a:rPr lang="en-US" sz="1800" kern="1200" dirty="0" err="1" smtClean="0">
+                          <a:solidFill>
+                            <a:schemeClr val="dk1"/>
+                          </a:solidFill>
+                          <a:effectLst/>
+                          <a:latin typeface="+mn-lt"/>
+                          <a:ea typeface="+mn-ea"/>
+                          <a:cs typeface="+mn-cs"/>
+                        </a:rPr>
+                        <a:t>GetDrug</a:t>
+                      </a:r>
+                      <a:r>
+                        <a:rPr lang="en-US" sz="1800" kern="1200" dirty="0" smtClean="0">
+                          <a:solidFill>
+                            <a:schemeClr val="dk1"/>
+                          </a:solidFill>
+                          <a:effectLst/>
+                          <a:latin typeface="+mn-lt"/>
+                          <a:ea typeface="+mn-ea"/>
+                          <a:cs typeface="+mn-cs"/>
+                        </a:rPr>
+                        <a:t>'</a:t>
+                      </a:r>
+                      <a:br>
+                        <a:rPr lang="en-US" sz="1800" kern="1200" dirty="0" smtClean="0">
+                          <a:solidFill>
+                            <a:schemeClr val="dk1"/>
+                          </a:solidFill>
+                          <a:effectLst/>
+                          <a:latin typeface="+mn-lt"/>
+                          <a:ea typeface="+mn-ea"/>
+                          <a:cs typeface="+mn-cs"/>
+                        </a:rPr>
+                      </a:br>
+                      <a:r>
+                        <a:rPr lang="en-US" dirty="0" smtClean="0"/>
+                        <a:t>topic2 = </a:t>
+                      </a:r>
+                      <a:r>
+                        <a:rPr lang="en-US" sz="1800" kern="1200" dirty="0" smtClean="0">
+                          <a:solidFill>
+                            <a:schemeClr val="dk1"/>
+                          </a:solidFill>
+                          <a:effectLst/>
+                          <a:latin typeface="+mn-lt"/>
+                          <a:ea typeface="+mn-ea"/>
+                          <a:cs typeface="+mn-cs"/>
+                        </a:rPr>
+                        <a:t>'</a:t>
+                      </a:r>
+                      <a:r>
+                        <a:rPr lang="en-US" sz="1800" kern="1200" dirty="0" err="1" smtClean="0">
+                          <a:solidFill>
+                            <a:schemeClr val="dk1"/>
+                          </a:solidFill>
+                          <a:effectLst/>
+                          <a:latin typeface="+mn-lt"/>
+                          <a:ea typeface="+mn-ea"/>
+                          <a:cs typeface="+mn-cs"/>
+                        </a:rPr>
+                        <a:t>GetInteraction</a:t>
+                      </a:r>
+                      <a:r>
+                        <a:rPr lang="en-US" sz="1800" kern="1200" dirty="0" smtClean="0">
+                          <a:solidFill>
+                            <a:schemeClr val="dk1"/>
+                          </a:solidFill>
+                          <a:effectLst/>
+                          <a:latin typeface="+mn-lt"/>
+                          <a:ea typeface="+mn-ea"/>
+                          <a:cs typeface="+mn-cs"/>
+                        </a:rPr>
+                        <a:t>'</a:t>
+                      </a:r>
+                      <a:endParaRPr lang="en-US" dirty="0"/>
+                    </a:p>
+                  </a:txBody>
+                  <a:tcPr/>
+                </a:tc>
+                <a:tc>
+                  <a:txBody>
+                    <a:bodyPr/>
+                    <a:lstStyle/>
+                    <a:p>
+                      <a:pPr marL="342900" indent="-342900">
+                        <a:buAutoNum type="arabicPeriod"/>
+                      </a:pPr>
+                      <a:r>
+                        <a:rPr lang="en-US" dirty="0" smtClean="0"/>
+                        <a:t>Topic –trigger of start </a:t>
+                      </a:r>
+                      <a:r>
+                        <a:rPr lang="en-US" dirty="0" smtClean="0"/>
+                        <a:t>process </a:t>
+                      </a:r>
+                      <a:r>
+                        <a:rPr lang="en-US" baseline="0" dirty="0" smtClean="0"/>
+                        <a:t> </a:t>
+                      </a:r>
+                      <a:r>
+                        <a:rPr lang="en-US" baseline="0" dirty="0" smtClean="0"/>
+                        <a:t>by run </a:t>
+                      </a:r>
+                      <a:r>
+                        <a:rPr lang="en-US" baseline="0" dirty="0" err="1" smtClean="0"/>
+                        <a:t>kafka</a:t>
+                      </a:r>
+                      <a:r>
+                        <a:rPr lang="en-US" baseline="0" dirty="0" smtClean="0"/>
+                        <a:t> producer, consumer in </a:t>
+                      </a:r>
+                      <a:r>
+                        <a:rPr lang="en-US" baseline="0" dirty="0" err="1" smtClean="0"/>
+                        <a:t>nifi</a:t>
+                      </a:r>
+                      <a:r>
+                        <a:rPr lang="en-US" baseline="0" dirty="0" smtClean="0"/>
+                        <a:t> after receiving request start the check process</a:t>
+                      </a:r>
+                    </a:p>
+                    <a:p>
+                      <a:pPr marL="342900" indent="-342900">
+                        <a:buAutoNum type="arabicPeriod"/>
+                      </a:pPr>
+                      <a:r>
+                        <a:rPr lang="en-US" baseline="0" dirty="0" smtClean="0"/>
+                        <a:t>Topic from second type in doctor application run consumer to check result , the producer will be the last step on </a:t>
+                      </a:r>
+                      <a:r>
+                        <a:rPr lang="en-US" baseline="0" dirty="0" err="1" smtClean="0"/>
+                        <a:t>nifi</a:t>
+                      </a:r>
+                      <a:r>
+                        <a:rPr lang="en-US" baseline="0" dirty="0" smtClean="0"/>
+                        <a:t> </a:t>
+                      </a:r>
+                      <a:r>
+                        <a:rPr lang="en-US" baseline="0" dirty="0" smtClean="0"/>
+                        <a:t>process</a:t>
+                      </a:r>
+                      <a:endParaRPr lang="en-US" dirty="0"/>
+                    </a:p>
+                  </a:txBody>
+                  <a:tcPr/>
+                </a:tc>
+              </a:tr>
+            </a:tbl>
+          </a:graphicData>
+        </a:graphic>
+      </p:graphicFrame>
     </p:spTree>
     <p:extLst>
       <p:ext uri="{BB962C8B-B14F-4D97-AF65-F5344CB8AC3E}">
-        <p14:creationId xmlns:p14="http://schemas.microsoft.com/office/powerpoint/2010/main" val="3585525890"/>
+        <p14:creationId xmlns:p14="http://schemas.microsoft.com/office/powerpoint/2010/main" val="426323916"/>
       </p:ext>
     </p:extLst>
   </p:cSld>
   <p:clrMapOvr>
     <a:masterClrMapping/>
   </p:clrMapOvr>
+  <p:timing>
+    <p:tnLst>
+      <p:par>
+        <p:cTn id="1" dur="indefinite" restart="never" nodeType="tmRoot"/>
+      </p:par>
+    </p:tnLst>
+  </p:timing>
 </p:sld>
 </file>
 
@@ -10642,12 +10724,14 @@
         </p:nvSpPr>
         <p:spPr/>
         <p:txBody>
-          <a:bodyPr/>
+          <a:bodyPr>
+            <a:normAutofit fontScale="90000"/>
+          </a:bodyPr>
           <a:lstStyle/>
           <a:p>
             <a:r>
               <a:rPr lang="en-US" dirty="0" smtClean="0"/>
-              <a:t>Toolbox for technical realization</a:t>
+              <a:t>Toolbox for technical realization -continued</a:t>
             </a:r>
             <a:endParaRPr lang="en-US" dirty="0"/>
           </a:p>
@@ -10663,14 +10747,14 @@
             <p:ph idx="1"/>
             <p:extLst>
               <p:ext uri="{D42A27DB-BD31-4B8C-83A1-F6EECF244321}">
-                <p14:modId xmlns:p14="http://schemas.microsoft.com/office/powerpoint/2010/main" val="984895753"/>
+                <p14:modId xmlns:p14="http://schemas.microsoft.com/office/powerpoint/2010/main" val="1564545838"/>
               </p:ext>
             </p:extLst>
           </p:nvPr>
         </p:nvGraphicFramePr>
         <p:xfrm>
-          <a:off x="685800" y="1524000"/>
-          <a:ext cx="8229600" cy="4574870"/>
+          <a:off x="457200" y="1600200"/>
+          <a:ext cx="8229600" cy="5217160"/>
         </p:xfrm>
         <a:graphic>
           <a:graphicData uri="http://schemas.openxmlformats.org/drawingml/2006/table">
@@ -10679,11 +10763,11 @@
                 <a:tableStyleId>{5C22544A-7EE6-4342-B048-85BDC9FD1C3A}</a:tableStyleId>
               </a:tblPr>
               <a:tblGrid>
-                <a:gridCol w="1295400"/>
-                <a:gridCol w="2895600"/>
-                <a:gridCol w="4038600"/>
+                <a:gridCol w="2743200"/>
+                <a:gridCol w="2743200"/>
+                <a:gridCol w="2743200"/>
               </a:tblGrid>
-              <a:tr h="825830">
+              <a:tr h="370840">
                 <a:tc>
                   <a:txBody>
                     <a:bodyPr/>
@@ -10691,7 +10775,7 @@
                     <a:p>
                       <a:r>
                         <a:rPr lang="en-US" dirty="0" smtClean="0"/>
-                        <a:t>Tool</a:t>
+                        <a:t>Tool </a:t>
                       </a:r>
                       <a:endParaRPr lang="en-US" dirty="0"/>
                     </a:p>
@@ -10727,7 +10811,7 @@
                   <a:tcPr/>
                 </a:tc>
               </a:tr>
-              <a:tr h="446561">
+              <a:tr h="2981960">
                 <a:tc>
                   <a:txBody>
                     <a:bodyPr/>
@@ -10735,233 +10819,129 @@
                     <a:p>
                       <a:r>
                         <a:rPr lang="en-US" dirty="0" err="1" smtClean="0"/>
-                        <a:t>MySql</a:t>
-                      </a:r>
-                      <a:endParaRPr lang="en-US" dirty="0"/>
-                    </a:p>
-                  </a:txBody>
-                  <a:tcPr/>
-                </a:tc>
-                <a:tc>
-                  <a:txBody>
-                    <a:bodyPr/>
-                    <a:lstStyle/>
-                    <a:p>
+                        <a:t>nifi</a:t>
+                      </a:r>
+                      <a:endParaRPr lang="en-US" dirty="0"/>
+                    </a:p>
+                  </a:txBody>
+                  <a:tcPr/>
+                </a:tc>
+                <a:tc>
+                  <a:txBody>
+                    <a:bodyPr/>
+                    <a:lstStyle/>
+                    <a:p>
+                      <a:pPr marL="0" marR="0" indent="0" algn="l" defTabSz="914400" rtl="0" eaLnBrk="1" fontAlgn="auto" latinLnBrk="0" hangingPunct="1">
+                        <a:lnSpc>
+                          <a:spcPct val="100000"/>
+                        </a:lnSpc>
+                        <a:spcBef>
+                          <a:spcPts val="0"/>
+                        </a:spcBef>
+                        <a:spcAft>
+                          <a:spcPts val="0"/>
+                        </a:spcAft>
+                        <a:buClrTx/>
+                        <a:buSzTx/>
+                        <a:buFontTx/>
+                        <a:buNone/>
+                        <a:tabLst/>
+                        <a:defRPr/>
+                      </a:pPr>
                       <a:r>
                         <a:rPr lang="en-US" dirty="0" smtClean="0"/>
-                        <a:t>2 databases </a:t>
-                      </a:r>
-                      <a:endParaRPr lang="en-US" dirty="0"/>
-                    </a:p>
-                  </a:txBody>
-                  <a:tcPr/>
-                </a:tc>
-                <a:tc>
-                  <a:txBody>
-                    <a:bodyPr/>
-                    <a:lstStyle/>
-                    <a:p>
+                        <a:t>mechanism of work.</a:t>
+                      </a:r>
+                      <a:r>
+                        <a:rPr lang="en-US" baseline="0" dirty="0" smtClean="0"/>
+                        <a:t> R</a:t>
+                      </a:r>
                       <a:r>
                         <a:rPr lang="en-US" dirty="0" smtClean="0"/>
-                        <a:t>1.Loaded from external source diseases database</a:t>
-                      </a:r>
-                    </a:p>
-                    <a:p>
-                      <a:r>
-                        <a:rPr lang="en-US" dirty="0" smtClean="0"/>
-                        <a:t>2. Doctor database(</a:t>
-                      </a:r>
-                      <a:r>
-                        <a:rPr lang="en-US" dirty="0" err="1" smtClean="0"/>
-                        <a:t>Kupat</a:t>
-                      </a:r>
-                      <a:r>
-                        <a:rPr lang="en-US" dirty="0" smtClean="0"/>
-                        <a:t> </a:t>
-                      </a:r>
-                      <a:r>
-                        <a:rPr lang="en-US" dirty="0" err="1" smtClean="0"/>
-                        <a:t>holim</a:t>
-                      </a:r>
-                      <a:r>
-                        <a:rPr lang="en-US" dirty="0" smtClean="0"/>
-                        <a:t> </a:t>
-                      </a:r>
-                      <a:r>
-                        <a:rPr lang="en-US" dirty="0" err="1" smtClean="0"/>
-                        <a:t>db</a:t>
-                      </a:r>
-                      <a:r>
-                        <a:rPr lang="en-US" dirty="0" smtClean="0"/>
-                        <a:t>) with his patient’s   history , doctor data, </a:t>
-                      </a:r>
-                      <a:r>
-                        <a:rPr lang="en-US" dirty="0" err="1" smtClean="0"/>
-                        <a:t>recepts</a:t>
-                      </a:r>
-                      <a:r>
-                        <a:rPr lang="en-US" dirty="0" smtClean="0"/>
-                        <a:t> </a:t>
-                      </a:r>
-                      <a:r>
-                        <a:rPr lang="en-US" dirty="0" err="1" smtClean="0"/>
-                        <a:t>etc</a:t>
-                      </a:r>
-                      <a:endParaRPr lang="en-US" dirty="0"/>
-                    </a:p>
-                  </a:txBody>
-                  <a:tcPr/>
-                </a:tc>
-              </a:tr>
-              <a:tr h="446561">
-                <a:tc>
-                  <a:txBody>
-                    <a:bodyPr/>
-                    <a:lstStyle/>
-                    <a:p>
+                        <a:t>eceiving and processing data. The result is sent via </a:t>
+                      </a:r>
                       <a:r>
                         <a:rPr lang="en-US" dirty="0" err="1" smtClean="0"/>
                         <a:t>kafka</a:t>
                       </a:r>
-                      <a:endParaRPr lang="en-US" dirty="0"/>
-                    </a:p>
-                  </a:txBody>
-                  <a:tcPr/>
-                </a:tc>
-                <a:tc>
-                  <a:txBody>
-                    <a:bodyPr/>
-                    <a:lstStyle/>
-                    <a:p>
                       <a:r>
                         <a:rPr lang="en-US" dirty="0" smtClean="0"/>
-                        <a:t>Data stream tool , work</a:t>
+                        <a:t> to the doctor's application</a:t>
+                      </a:r>
+                    </a:p>
+                    <a:p>
+                      <a:endParaRPr lang="en-US" dirty="0"/>
+                    </a:p>
+                  </a:txBody>
+                  <a:tcPr/>
+                </a:tc>
+                <a:tc>
+                  <a:txBody>
+                    <a:bodyPr/>
+                    <a:lstStyle/>
+                    <a:p>
+                      <a:r>
+                        <a:rPr lang="en-US" dirty="0" smtClean="0"/>
+                        <a:t>Consumer of topic 1 receive the request.</a:t>
                       </a:r>
                       <a:r>
                         <a:rPr lang="en-US" baseline="0" dirty="0" smtClean="0"/>
-                        <a:t> with 2 types of topics</a:t>
-                      </a:r>
-                    </a:p>
-                    <a:p>
-                      <a:r>
-                        <a:rPr lang="en-US" dirty="0" smtClean="0"/>
-                        <a:t>topic1 = </a:t>
-                      </a:r>
-                      <a:r>
-                        <a:rPr lang="en-US" sz="1800" kern="1200" dirty="0" smtClean="0">
-                          <a:solidFill>
-                            <a:schemeClr val="dk1"/>
-                          </a:solidFill>
-                          <a:effectLst/>
-                          <a:latin typeface="+mn-lt"/>
-                          <a:ea typeface="+mn-ea"/>
-                          <a:cs typeface="+mn-cs"/>
-                        </a:rPr>
-                        <a:t>'</a:t>
-                      </a:r>
-                      <a:r>
-                        <a:rPr lang="en-US" sz="1800" kern="1200" dirty="0" err="1" smtClean="0">
-                          <a:solidFill>
-                            <a:schemeClr val="dk1"/>
-                          </a:solidFill>
-                          <a:effectLst/>
-                          <a:latin typeface="+mn-lt"/>
-                          <a:ea typeface="+mn-ea"/>
-                          <a:cs typeface="+mn-cs"/>
-                        </a:rPr>
-                        <a:t>GetDrug</a:t>
-                      </a:r>
-                      <a:r>
-                        <a:rPr lang="en-US" sz="1800" kern="1200" dirty="0" smtClean="0">
-                          <a:solidFill>
-                            <a:schemeClr val="dk1"/>
-                          </a:solidFill>
-                          <a:effectLst/>
-                          <a:latin typeface="+mn-lt"/>
-                          <a:ea typeface="+mn-ea"/>
-                          <a:cs typeface="+mn-cs"/>
-                        </a:rPr>
-                        <a:t>'</a:t>
-                      </a:r>
-                      <a:br>
-                        <a:rPr lang="en-US" sz="1800" kern="1200" dirty="0" smtClean="0">
-                          <a:solidFill>
-                            <a:schemeClr val="dk1"/>
-                          </a:solidFill>
-                          <a:effectLst/>
-                          <a:latin typeface="+mn-lt"/>
-                          <a:ea typeface="+mn-ea"/>
-                          <a:cs typeface="+mn-cs"/>
-                        </a:rPr>
-                      </a:br>
-                      <a:r>
-                        <a:rPr lang="en-US" dirty="0" smtClean="0"/>
-                        <a:t>topic2 = </a:t>
-                      </a:r>
-                      <a:r>
-                        <a:rPr lang="en-US" sz="1800" kern="1200" dirty="0" smtClean="0">
-                          <a:solidFill>
-                            <a:schemeClr val="dk1"/>
-                          </a:solidFill>
-                          <a:effectLst/>
-                          <a:latin typeface="+mn-lt"/>
-                          <a:ea typeface="+mn-ea"/>
-                          <a:cs typeface="+mn-cs"/>
-                        </a:rPr>
-                        <a:t>'</a:t>
-                      </a:r>
-                      <a:r>
-                        <a:rPr lang="en-US" sz="1800" kern="1200" dirty="0" err="1" smtClean="0">
-                          <a:solidFill>
-                            <a:schemeClr val="dk1"/>
-                          </a:solidFill>
-                          <a:effectLst/>
-                          <a:latin typeface="+mn-lt"/>
-                          <a:ea typeface="+mn-ea"/>
-                          <a:cs typeface="+mn-cs"/>
-                        </a:rPr>
-                        <a:t>GetInteraction</a:t>
-                      </a:r>
-                      <a:r>
-                        <a:rPr lang="en-US" sz="1800" kern="1200" dirty="0" smtClean="0">
-                          <a:solidFill>
-                            <a:schemeClr val="dk1"/>
-                          </a:solidFill>
-                          <a:effectLst/>
-                          <a:latin typeface="+mn-lt"/>
-                          <a:ea typeface="+mn-ea"/>
-                          <a:cs typeface="+mn-cs"/>
-                        </a:rPr>
-                        <a:t>'</a:t>
-                      </a:r>
-                      <a:endParaRPr lang="en-US" dirty="0"/>
-                    </a:p>
-                  </a:txBody>
-                  <a:tcPr/>
-                </a:tc>
-                <a:tc>
-                  <a:txBody>
-                    <a:bodyPr/>
-                    <a:lstStyle/>
-                    <a:p>
-                      <a:pPr marL="342900" indent="-342900">
-                        <a:buAutoNum type="arabicPeriod"/>
-                      </a:pPr>
-                      <a:r>
-                        <a:rPr lang="en-US" dirty="0" smtClean="0"/>
-                        <a:t>Topic –trigger of start </a:t>
-                      </a:r>
-                      <a:r>
-                        <a:rPr lang="en-US" dirty="0" err="1" smtClean="0"/>
-                        <a:t>proccess</a:t>
-                      </a:r>
-                      <a:r>
-                        <a:rPr lang="en-US" dirty="0" smtClean="0"/>
+                        <a:t> Run 1</a:t>
+                      </a:r>
+                      <a:r>
+                        <a:rPr lang="en-US" baseline="30000" dirty="0" smtClean="0"/>
+                        <a:t>st</a:t>
+                      </a:r>
+                      <a:r>
+                        <a:rPr lang="en-US" baseline="0" dirty="0" smtClean="0"/>
                         <a:t> </a:t>
                       </a:r>
                       <a:r>
+                        <a:rPr lang="en-US" baseline="0" dirty="0" err="1" smtClean="0"/>
+                        <a:t>api</a:t>
+                      </a:r>
+                      <a:r>
                         <a:rPr lang="en-US" baseline="0" dirty="0" smtClean="0"/>
-                        <a:t> by run </a:t>
+                        <a:t> call to get </a:t>
+                      </a:r>
+                      <a:r>
+                        <a:rPr lang="en-US" baseline="0" dirty="0" err="1" smtClean="0"/>
+                        <a:t>drugId</a:t>
+                      </a:r>
+                      <a:r>
+                        <a:rPr lang="en-US" baseline="0" dirty="0" smtClean="0"/>
+                        <a:t> according to name.</a:t>
+                      </a:r>
+                    </a:p>
+                    <a:p>
+                      <a:r>
+                        <a:rPr lang="en-US" baseline="0" dirty="0" smtClean="0"/>
+                        <a:t>2. Run 2d </a:t>
+                      </a:r>
+                      <a:r>
+                        <a:rPr lang="en-US" baseline="0" dirty="0" err="1" smtClean="0"/>
+                        <a:t>api</a:t>
+                      </a:r>
+                      <a:r>
+                        <a:rPr lang="en-US" baseline="0" dirty="0" smtClean="0"/>
+                        <a:t> call to get interaction according Id</a:t>
+                      </a:r>
+                    </a:p>
+                    <a:p>
+                      <a:r>
+                        <a:rPr lang="en-US" baseline="0" dirty="0" smtClean="0"/>
+                        <a:t>3. Jolt data manipulation to simplify the data from </a:t>
+                      </a:r>
+                      <a:r>
+                        <a:rPr lang="en-US" baseline="0" dirty="0" err="1" smtClean="0"/>
+                        <a:t>api</a:t>
+                      </a:r>
+                      <a:endParaRPr lang="en-US" baseline="0" dirty="0" smtClean="0"/>
+                    </a:p>
+                    <a:p>
+                      <a:r>
+                        <a:rPr lang="en-US" baseline="0" dirty="0" smtClean="0"/>
+                        <a:t>4. Send result to </a:t>
                       </a:r>
                       <a:r>
                         <a:rPr lang="en-US" baseline="0" dirty="0" err="1" smtClean="0"/>
@@ -10969,37 +10949,86 @@
                       </a:r>
                       <a:r>
                         <a:rPr lang="en-US" baseline="0" dirty="0" smtClean="0"/>
-                        <a:t> producer, consumer in </a:t>
-                      </a:r>
-                      <a:r>
-                        <a:rPr lang="en-US" baseline="0" dirty="0" err="1" smtClean="0"/>
-                        <a:t>nifi</a:t>
+                        <a:t> with topic 2 type</a:t>
+                      </a:r>
+                      <a:endParaRPr lang="en-US" dirty="0" smtClean="0"/>
+                    </a:p>
+                    <a:p>
+                      <a:endParaRPr lang="en-US" dirty="0"/>
+                    </a:p>
+                  </a:txBody>
+                  <a:tcPr/>
+                </a:tc>
+              </a:tr>
+              <a:tr h="370840">
+                <a:tc>
+                  <a:txBody>
+                    <a:bodyPr/>
+                    <a:lstStyle/>
+                    <a:p>
+                      <a:r>
+                        <a:rPr lang="en-US" dirty="0" smtClean="0"/>
+                        <a:t>spark</a:t>
+                      </a:r>
+                      <a:endParaRPr lang="en-US" dirty="0"/>
+                    </a:p>
+                  </a:txBody>
+                  <a:tcPr/>
+                </a:tc>
+                <a:tc>
+                  <a:txBody>
+                    <a:bodyPr/>
+                    <a:lstStyle/>
+                    <a:p>
+                      <a:pPr marL="0" marR="0" indent="0" algn="l" defTabSz="914400" rtl="0" eaLnBrk="1" fontAlgn="auto" latinLnBrk="0" hangingPunct="1">
+                        <a:lnSpc>
+                          <a:spcPct val="100000"/>
+                        </a:lnSpc>
+                        <a:spcBef>
+                          <a:spcPts val="0"/>
+                        </a:spcBef>
+                        <a:spcAft>
+                          <a:spcPts val="0"/>
+                        </a:spcAft>
+                        <a:buClrTx/>
+                        <a:buSzTx/>
+                        <a:buFontTx/>
+                        <a:buNone/>
+                        <a:tabLst/>
+                        <a:defRPr/>
+                      </a:pPr>
+                      <a:r>
+                        <a:rPr lang="en-US" dirty="0" smtClean="0"/>
+                        <a:t>mechanism of work.</a:t>
                       </a:r>
                       <a:r>
                         <a:rPr lang="en-US" baseline="0" dirty="0" smtClean="0"/>
-                        <a:t> after receiving request start the check process</a:t>
-                      </a:r>
-                    </a:p>
-                    <a:p>
-                      <a:pPr marL="342900" indent="-342900">
-                        <a:buAutoNum type="arabicPeriod"/>
-                      </a:pPr>
-                      <a:r>
-                        <a:rPr lang="en-US" baseline="0" dirty="0" smtClean="0"/>
-                        <a:t>Topic from second type in doctor application run consumer to check result , the producer will be the last step on </a:t>
-                      </a:r>
-                      <a:r>
-                        <a:rPr lang="en-US" baseline="0" dirty="0" err="1" smtClean="0"/>
-                        <a:t>nifi</a:t>
-                      </a:r>
-                      <a:r>
-                        <a:rPr lang="en-US" baseline="0" dirty="0" smtClean="0"/>
-                        <a:t> </a:t>
-                      </a:r>
-                      <a:r>
-                        <a:rPr lang="en-US" baseline="0" dirty="0" err="1" smtClean="0"/>
-                        <a:t>proccess</a:t>
-                      </a:r>
+                        <a:t> R</a:t>
+                      </a:r>
+                      <a:r>
+                        <a:rPr lang="en-US" dirty="0" smtClean="0"/>
+                        <a:t>eceiving and processing data. The result is sent via </a:t>
+                      </a:r>
+                      <a:r>
+                        <a:rPr lang="en-US" dirty="0" err="1" smtClean="0"/>
+                        <a:t>kafka</a:t>
+                      </a:r>
+                      <a:r>
+                        <a:rPr lang="en-US" dirty="0" smtClean="0"/>
+                        <a:t> to the doctor's application</a:t>
+                      </a:r>
+                    </a:p>
+                    <a:p>
+                      <a:endParaRPr lang="en-US" dirty="0"/>
+                    </a:p>
+                  </a:txBody>
+                  <a:tcPr/>
+                </a:tc>
+                <a:tc>
+                  <a:txBody>
+                    <a:bodyPr/>
+                    <a:lstStyle/>
+                    <a:p>
                       <a:endParaRPr lang="en-US" dirty="0"/>
                     </a:p>
                   </a:txBody>
@@ -11013,7 +11042,7 @@
     </p:spTree>
     <p:extLst>
       <p:ext uri="{BB962C8B-B14F-4D97-AF65-F5344CB8AC3E}">
-        <p14:creationId xmlns:p14="http://schemas.microsoft.com/office/powerpoint/2010/main" val="426323916"/>
+        <p14:creationId xmlns:p14="http://schemas.microsoft.com/office/powerpoint/2010/main" val="103437963"/>
       </p:ext>
     </p:extLst>
   </p:cSld>
@@ -11082,14 +11111,14 @@
             <p:ph idx="1"/>
             <p:extLst>
               <p:ext uri="{D42A27DB-BD31-4B8C-83A1-F6EECF244321}">
-                <p14:modId xmlns:p14="http://schemas.microsoft.com/office/powerpoint/2010/main" val="3504436136"/>
+                <p14:modId xmlns:p14="http://schemas.microsoft.com/office/powerpoint/2010/main" val="2631290385"/>
               </p:ext>
             </p:extLst>
           </p:nvPr>
         </p:nvGraphicFramePr>
         <p:xfrm>
-          <a:off x="457200" y="1600200"/>
-          <a:ext cx="8229600" cy="5217160"/>
+          <a:off x="381000" y="1371600"/>
+          <a:ext cx="8153400" cy="5039360"/>
         </p:xfrm>
         <a:graphic>
           <a:graphicData uri="http://schemas.openxmlformats.org/drawingml/2006/table">
@@ -11098,11 +11127,11 @@
                 <a:tableStyleId>{5C22544A-7EE6-4342-B048-85BDC9FD1C3A}</a:tableStyleId>
               </a:tblPr>
               <a:tblGrid>
-                <a:gridCol w="2743200"/>
-                <a:gridCol w="2743200"/>
-                <a:gridCol w="2743200"/>
+                <a:gridCol w="2133600"/>
+                <a:gridCol w="2362200"/>
+                <a:gridCol w="3657600"/>
               </a:tblGrid>
-              <a:tr h="370840">
+              <a:tr h="457200">
                 <a:tc>
                   <a:txBody>
                     <a:bodyPr/>
@@ -11110,7 +11139,7 @@
                     <a:p>
                       <a:r>
                         <a:rPr lang="en-US" dirty="0" smtClean="0"/>
-                        <a:t>Tool </a:t>
+                        <a:t>tool</a:t>
                       </a:r>
                       <a:endParaRPr lang="en-US" dirty="0"/>
                     </a:p>
@@ -11154,57 +11183,60 @@
                     <a:p>
                       <a:r>
                         <a:rPr lang="en-US" dirty="0" err="1" smtClean="0"/>
-                        <a:t>nifi</a:t>
-                      </a:r>
-                      <a:endParaRPr lang="en-US" dirty="0"/>
-                    </a:p>
-                  </a:txBody>
-                  <a:tcPr/>
-                </a:tc>
-                <a:tc>
-                  <a:txBody>
-                    <a:bodyPr/>
-                    <a:lstStyle/>
-                    <a:p>
-                      <a:pPr marL="0" marR="0" indent="0" algn="l" defTabSz="914400" rtl="0" eaLnBrk="1" fontAlgn="auto" latinLnBrk="0" hangingPunct="1">
-                        <a:lnSpc>
-                          <a:spcPct val="100000"/>
-                        </a:lnSpc>
-                        <a:spcBef>
-                          <a:spcPts val="0"/>
-                        </a:spcBef>
-                        <a:spcAft>
-                          <a:spcPts val="0"/>
-                        </a:spcAft>
-                        <a:buClrTx/>
-                        <a:buSzTx/>
-                        <a:buFontTx/>
-                        <a:buNone/>
-                        <a:tabLst/>
-                        <a:defRPr/>
-                      </a:pPr>
+                        <a:t>hdfs</a:t>
+                      </a:r>
+                      <a:endParaRPr lang="en-US" dirty="0"/>
+                    </a:p>
+                  </a:txBody>
+                  <a:tcPr/>
+                </a:tc>
+                <a:tc>
+                  <a:txBody>
+                    <a:bodyPr/>
+                    <a:lstStyle/>
+                    <a:p>
                       <a:r>
                         <a:rPr lang="en-US" dirty="0" smtClean="0"/>
-                        <a:t>mechanism of work.</a:t>
-                      </a:r>
-                      <a:r>
-                        <a:rPr lang="en-US" baseline="0" dirty="0" smtClean="0"/>
-                        <a:t> R</a:t>
-                      </a:r>
+                        <a:t>Receipts data archive</a:t>
+                      </a:r>
+                      <a:endParaRPr lang="en-US" dirty="0"/>
+                    </a:p>
+                  </a:txBody>
+                  <a:tcPr/>
+                </a:tc>
+                <a:tc>
+                  <a:txBody>
+                    <a:bodyPr/>
+                    <a:lstStyle/>
+                    <a:p>
                       <a:r>
                         <a:rPr lang="en-US" dirty="0" smtClean="0"/>
-                        <a:t>eceiving and processing data. The result is sent via </a:t>
+                        <a:t>Source for reports and analytics</a:t>
+                      </a:r>
+                      <a:endParaRPr lang="en-US" dirty="0"/>
+                    </a:p>
+                  </a:txBody>
+                  <a:tcPr/>
+                </a:tc>
+              </a:tr>
+              <a:tr h="370840">
+                <a:tc>
+                  <a:txBody>
+                    <a:bodyPr/>
+                    <a:lstStyle/>
+                    <a:p>
+                      <a:r>
+                        <a:rPr lang="en-US" dirty="0" smtClean="0"/>
+                        <a:t>NIH </a:t>
                       </a:r>
                       <a:r>
                         <a:rPr lang="en-US" dirty="0" err="1" smtClean="0"/>
-                        <a:t>kafka</a:t>
+                        <a:t>apis</a:t>
                       </a:r>
                       <a:r>
                         <a:rPr lang="en-US" dirty="0" smtClean="0"/>
-                        <a:t> to the doctor's application</a:t>
-                      </a:r>
-                    </a:p>
-                    <a:p>
+                        <a:t> </a:t>
+                      </a:r>
                       <a:endParaRPr lang="en-US" dirty="0"/>
                     </a:p>
                   </a:txBody>
@@ -11217,15 +11249,7 @@
                     <a:p>
                       <a:r>
                         <a:rPr lang="en-US" dirty="0" smtClean="0"/>
-                        <a:t>Consumer of topic 1 receive the request.</a:t>
-                      </a:r>
-                      <a:r>
-                        <a:rPr lang="en-US" baseline="0" dirty="0" smtClean="0"/>
-                        <a:t> Run 1</a:t>
-                      </a:r>
-                      <a:r>
-                        <a:rPr lang="en-US" baseline="30000" dirty="0" smtClean="0"/>
-                        <a:t>st</a:t>
+                        <a:t>Source</a:t>
                       </a:r>
                       <a:r>
                         <a:rPr lang="en-US" baseline="0" dirty="0" smtClean="0"/>
@@ -11233,62 +11257,44 @@
                       </a:r>
                       <a:r>
                         <a:rPr lang="en-US" baseline="0" dirty="0" err="1" smtClean="0"/>
-                        <a:t>api</a:t>
+                        <a:t>DrugBank</a:t>
+                      </a:r>
+                      <a:endParaRPr lang="en-US" dirty="0"/>
+                    </a:p>
+                  </a:txBody>
+                  <a:tcPr/>
+                </a:tc>
+                <a:tc>
+                  <a:txBody>
+                    <a:bodyPr/>
+                    <a:lstStyle/>
+                    <a:p>
+                      <a:r>
+                        <a:rPr lang="en-US" dirty="0" err="1" smtClean="0"/>
+                        <a:t>Api</a:t>
+                      </a:r>
+                      <a:r>
+                        <a:rPr lang="en-US" dirty="0" smtClean="0"/>
+                        <a:t> can works</a:t>
                       </a:r>
                       <a:r>
                         <a:rPr lang="en-US" baseline="0" dirty="0" smtClean="0"/>
-                        <a:t> call to get </a:t>
+                        <a:t> with different data source,</a:t>
+                      </a:r>
+                    </a:p>
+                    <a:p>
+                      <a:r>
+                        <a:rPr lang="en-US" baseline="0" dirty="0" smtClean="0"/>
+                        <a:t> in this project we use the </a:t>
                       </a:r>
                       <a:r>
                         <a:rPr lang="en-US" baseline="0" dirty="0" err="1" smtClean="0"/>
-                        <a:t>drugId</a:t>
+                        <a:t>DrugBank</a:t>
                       </a:r>
                       <a:r>
                         <a:rPr lang="en-US" baseline="0" dirty="0" smtClean="0"/>
-                        <a:t> according to name.</a:t>
-                      </a:r>
-                    </a:p>
-                    <a:p>
-                      <a:r>
-                        <a:rPr lang="en-US" baseline="0" dirty="0" smtClean="0"/>
-                        <a:t>2. Run 2d </a:t>
-                      </a:r>
-                      <a:r>
-                        <a:rPr lang="en-US" baseline="0" dirty="0" err="1" smtClean="0"/>
-                        <a:t>api</a:t>
-                      </a:r>
-                      <a:r>
-                        <a:rPr lang="en-US" baseline="0" dirty="0" smtClean="0"/>
-                        <a:t> call to get interaction according Id</a:t>
-                      </a:r>
-                    </a:p>
-                    <a:p>
-                      <a:r>
-                        <a:rPr lang="en-US" baseline="0" dirty="0" smtClean="0"/>
-                        <a:t>3. Jolt data manipulation to simplify the data from </a:t>
-                      </a:r>
-                      <a:r>
-                        <a:rPr lang="en-US" baseline="0" dirty="0" err="1" smtClean="0"/>
-                        <a:t>api</a:t>
-                      </a:r>
-                      <a:endParaRPr lang="en-US" baseline="0" dirty="0" smtClean="0"/>
-                    </a:p>
-                    <a:p>
-                      <a:r>
-                        <a:rPr lang="en-US" baseline="0" dirty="0" smtClean="0"/>
-                        <a:t>4. Send result to </a:t>
-                      </a:r>
-                      <a:r>
-                        <a:rPr lang="en-US" baseline="0" dirty="0" err="1" smtClean="0"/>
-                        <a:t>kafka</a:t>
-                      </a:r>
-                      <a:r>
-                        <a:rPr lang="en-US" baseline="0" dirty="0" smtClean="0"/>
-                        <a:t> with topic 2 type</a:t>
-                      </a:r>
-                      <a:endParaRPr lang="en-US" dirty="0" smtClean="0"/>
-                    </a:p>
-                    <a:p>
+                        <a:t> source</a:t>
+                      </a:r>
                       <a:endParaRPr lang="en-US" dirty="0"/>
                     </a:p>
                   </a:txBody>
@@ -11303,67 +11309,188 @@
                     <a:p>
                       <a:r>
                         <a:rPr lang="en-US" dirty="0" smtClean="0"/>
-                        <a:t>spark</a:t>
-                      </a:r>
-                      <a:endParaRPr lang="en-US" dirty="0"/>
-                    </a:p>
-                  </a:txBody>
-                  <a:tcPr/>
-                </a:tc>
-                <a:tc>
-                  <a:txBody>
-                    <a:bodyPr/>
-                    <a:lstStyle/>
-                    <a:p>
-                      <a:pPr marL="0" marR="0" indent="0" algn="l" defTabSz="914400" rtl="0" eaLnBrk="1" fontAlgn="auto" latinLnBrk="0" hangingPunct="1">
-                        <a:lnSpc>
-                          <a:spcPct val="100000"/>
-                        </a:lnSpc>
-                        <a:spcBef>
-                          <a:spcPts val="0"/>
-                        </a:spcBef>
-                        <a:spcAft>
-                          <a:spcPts val="0"/>
-                        </a:spcAft>
-                        <a:buClrTx/>
-                        <a:buSzTx/>
-                        <a:buFontTx/>
-                        <a:buNone/>
-                        <a:tabLst/>
-                        <a:defRPr/>
-                      </a:pPr>
+                        <a:t>python</a:t>
+                      </a:r>
+                      <a:endParaRPr lang="en-US" dirty="0"/>
+                    </a:p>
+                  </a:txBody>
+                  <a:tcPr/>
+                </a:tc>
+                <a:tc>
+                  <a:txBody>
+                    <a:bodyPr/>
+                    <a:lstStyle/>
+                    <a:p>
+                      <a:endParaRPr lang="en-US" dirty="0"/>
+                    </a:p>
+                  </a:txBody>
+                  <a:tcPr/>
+                </a:tc>
+                <a:tc>
+                  <a:txBody>
+                    <a:bodyPr/>
+                    <a:lstStyle/>
+                    <a:p>
                       <a:r>
                         <a:rPr lang="en-US" dirty="0" smtClean="0"/>
-                        <a:t>mechanism of work.</a:t>
+                        <a:t>Use </a:t>
+                      </a:r>
+                      <a:r>
+                        <a:rPr lang="en-US" dirty="0" err="1" smtClean="0"/>
+                        <a:t>parrow</a:t>
+                      </a:r>
+                      <a:r>
+                        <a:rPr lang="en-US" dirty="0" smtClean="0"/>
+                        <a:t>, </a:t>
+                      </a:r>
+                      <a:r>
+                        <a:rPr lang="en-US" dirty="0" err="1" smtClean="0"/>
+                        <a:t>pyspark</a:t>
+                      </a:r>
+                      <a:r>
+                        <a:rPr lang="en-US" dirty="0" smtClean="0"/>
+                        <a:t> , lexical analysis</a:t>
+                      </a:r>
+                      <a:endParaRPr lang="en-US" dirty="0"/>
+                    </a:p>
+                  </a:txBody>
+                  <a:tcPr/>
+                </a:tc>
+              </a:tr>
+              <a:tr h="370840">
+                <a:tc>
+                  <a:txBody>
+                    <a:bodyPr/>
+                    <a:lstStyle/>
+                    <a:p>
+                      <a:r>
+                        <a:rPr lang="en-US" dirty="0" smtClean="0"/>
+                        <a:t>HIVE</a:t>
+                      </a:r>
+                      <a:endParaRPr lang="en-US" dirty="0"/>
+                    </a:p>
+                  </a:txBody>
+                  <a:tcPr/>
+                </a:tc>
+                <a:tc>
+                  <a:txBody>
+                    <a:bodyPr/>
+                    <a:lstStyle/>
+                    <a:p>
+                      <a:r>
+                        <a:rPr lang="en-US" dirty="0" err="1" smtClean="0"/>
+                        <a:t>Sql</a:t>
+                      </a:r>
+                      <a:r>
+                        <a:rPr lang="en-US" dirty="0" smtClean="0"/>
+                        <a:t> tools for reports from</a:t>
                       </a:r>
                       <a:r>
                         <a:rPr lang="en-US" baseline="0" dirty="0" smtClean="0"/>
-                        <a:t> R</a:t>
-                      </a:r>
+                        <a:t> </a:t>
+                      </a:r>
+                      <a:r>
+                        <a:rPr lang="en-US" baseline="0" dirty="0" err="1" smtClean="0"/>
+                        <a:t>hdfs</a:t>
+                      </a:r>
+                      <a:r>
+                        <a:rPr lang="en-US" baseline="0" dirty="0" smtClean="0"/>
+                        <a:t> archive</a:t>
+                      </a:r>
+                      <a:endParaRPr lang="en-US" dirty="0"/>
+                    </a:p>
+                  </a:txBody>
+                  <a:tcPr/>
+                </a:tc>
+                <a:tc>
+                  <a:txBody>
+                    <a:bodyPr/>
+                    <a:lstStyle/>
+                    <a:p>
                       <a:r>
                         <a:rPr lang="en-US" dirty="0" smtClean="0"/>
-                        <a:t>eceiving and processing data. The result is sent via </a:t>
-                      </a:r>
-                      <a:r>
-                        <a:rPr lang="en-US" dirty="0" err="1" smtClean="0"/>
-                        <a:t>kafka</a:t>
-                      </a:r>
+                        <a:t>Used to get reports from archive</a:t>
+                      </a:r>
+                      <a:endParaRPr lang="en-US" dirty="0"/>
+                    </a:p>
+                  </a:txBody>
+                  <a:tcPr/>
+                </a:tc>
+              </a:tr>
+              <a:tr h="370840">
+                <a:tc>
+                  <a:txBody>
+                    <a:bodyPr/>
+                    <a:lstStyle/>
+                    <a:p>
                       <a:r>
                         <a:rPr lang="en-US" dirty="0" smtClean="0"/>
-                        <a:t> to the doctor's application</a:t>
-                      </a:r>
-                    </a:p>
-                    <a:p>
-                      <a:endParaRPr lang="en-US" dirty="0"/>
-                    </a:p>
-                  </a:txBody>
-                  <a:tcPr/>
-                </a:tc>
-                <a:tc>
-                  <a:txBody>
-                    <a:bodyPr/>
-                    <a:lstStyle/>
-                    <a:p>
+                        <a:t>mongo</a:t>
+                      </a:r>
+                      <a:endParaRPr lang="en-US" dirty="0"/>
+                    </a:p>
+                  </a:txBody>
+                  <a:tcPr/>
+                </a:tc>
+                <a:tc>
+                  <a:txBody>
+                    <a:bodyPr/>
+                    <a:lstStyle/>
+                    <a:p>
+                      <a:r>
+                        <a:rPr lang="en-US" dirty="0" smtClean="0"/>
+                        <a:t>New database to save the</a:t>
+                      </a:r>
+                      <a:r>
+                        <a:rPr lang="en-US" baseline="0" dirty="0" smtClean="0"/>
+                        <a:t> result of data manipulation </a:t>
+                      </a:r>
+                      <a:endParaRPr lang="en-US" dirty="0"/>
+                    </a:p>
+                  </a:txBody>
+                  <a:tcPr/>
+                </a:tc>
+                <a:tc>
+                  <a:txBody>
+                    <a:bodyPr/>
+                    <a:lstStyle/>
+                    <a:p>
+                      <a:r>
+                        <a:rPr lang="en-US" dirty="0" smtClean="0"/>
+                        <a:t>For future use, after first</a:t>
+                      </a:r>
+                      <a:r>
+                        <a:rPr lang="en-US" baseline="0" dirty="0" smtClean="0"/>
+                        <a:t> period of application use possible to use ready data sets for interaction instead of run the whole process each </a:t>
+                      </a:r>
+                      <a:r>
+                        <a:rPr lang="en-US" baseline="0" dirty="0" smtClean="0"/>
+                        <a:t>time. Full process </a:t>
+                      </a:r>
+                      <a:r>
+                        <a:rPr lang="en-US" baseline="0" dirty="0" smtClean="0"/>
+                        <a:t>will be </a:t>
+                      </a:r>
+                      <a:r>
+                        <a:rPr lang="en-US" baseline="0" dirty="0" smtClean="0"/>
+                        <a:t>needed in </a:t>
+                      </a:r>
+                      <a:r>
+                        <a:rPr lang="en-US" baseline="0" dirty="0" smtClean="0"/>
+                        <a:t>future only when </a:t>
+                      </a:r>
+                      <a:r>
+                        <a:rPr lang="en-US" baseline="0" dirty="0" smtClean="0"/>
+                        <a:t>the drug </a:t>
+                      </a:r>
+                      <a:r>
+                        <a:rPr lang="en-US" baseline="0" dirty="0" smtClean="0"/>
+                        <a:t>don’t exist in mongo </a:t>
+                      </a:r>
+                      <a:r>
+                        <a:rPr lang="en-US" baseline="0" dirty="0" smtClean="0"/>
+                        <a:t>db.</a:t>
+                      </a:r>
                       <a:endParaRPr lang="en-US" dirty="0"/>
                     </a:p>
                   </a:txBody>
@@ -11377,7 +11504,7 @@
     </p:spTree>
     <p:extLst>
       <p:ext uri="{BB962C8B-B14F-4D97-AF65-F5344CB8AC3E}">
-        <p14:creationId xmlns:p14="http://schemas.microsoft.com/office/powerpoint/2010/main" val="103437963"/>
+        <p14:creationId xmlns:p14="http://schemas.microsoft.com/office/powerpoint/2010/main" val="3559383738"/>
       </p:ext>
     </p:extLst>
   </p:cSld>

--- a/FinalProject.pptx
+++ b/FinalProject.pptx
@@ -24,21 +24,21 @@
     <p:sldId id="284" r:id="rId15"/>
     <p:sldId id="290" r:id="rId16"/>
     <p:sldId id="266" r:id="rId17"/>
-    <p:sldId id="280" r:id="rId18"/>
-    <p:sldId id="267" r:id="rId19"/>
-    <p:sldId id="268" r:id="rId20"/>
-    <p:sldId id="261" r:id="rId21"/>
-    <p:sldId id="273" r:id="rId22"/>
-    <p:sldId id="286" r:id="rId23"/>
-    <p:sldId id="287" r:id="rId24"/>
+    <p:sldId id="267" r:id="rId18"/>
+    <p:sldId id="268" r:id="rId19"/>
+    <p:sldId id="261" r:id="rId20"/>
+    <p:sldId id="273" r:id="rId21"/>
+    <p:sldId id="286" r:id="rId22"/>
+    <p:sldId id="287" r:id="rId23"/>
+    <p:sldId id="292" r:id="rId24"/>
     <p:sldId id="269" r:id="rId25"/>
     <p:sldId id="281" r:id="rId26"/>
     <p:sldId id="285" r:id="rId27"/>
     <p:sldId id="270" r:id="rId28"/>
     <p:sldId id="271" r:id="rId29"/>
     <p:sldId id="288" r:id="rId30"/>
-    <p:sldId id="272" r:id="rId31"/>
-    <p:sldId id="274" r:id="rId32"/>
+    <p:sldId id="291" r:id="rId31"/>
+    <p:sldId id="272" r:id="rId32"/>
     <p:sldId id="279" r:id="rId33"/>
     <p:sldId id="276" r:id="rId34"/>
   </p:sldIdLst>
@@ -4769,6 +4769,13 @@
   <p:clrMapOvr>
     <a:masterClrMapping/>
   </p:clrMapOvr>
+  <p:timing>
+    <p:tnLst>
+      <p:par>
+        <p:cTn id="1" dur="indefinite" restart="never" nodeType="tmRoot"/>
+      </p:par>
+    </p:tnLst>
+  </p:timing>
 </p:sld>
 </file>
 
@@ -5571,6 +5578,13 @@
   <p:clrMapOvr>
     <a:masterClrMapping/>
   </p:clrMapOvr>
+  <p:timing>
+    <p:tnLst>
+      <p:par>
+        <p:cTn id="1" dur="indefinite" restart="never" nodeType="tmRoot"/>
+      </p:par>
+    </p:tnLst>
+  </p:timing>
 </p:sld>
 </file>
 
@@ -6518,14 +6532,19 @@
             <p:ph type="title"/>
           </p:nvPr>
         </p:nvSpPr>
-        <p:spPr/>
+        <p:spPr>
+          <a:xfrm>
+            <a:off x="762000" y="228600"/>
+            <a:ext cx="8229600" cy="1143000"/>
+          </a:xfrm>
+        </p:spPr>
         <p:txBody>
           <a:bodyPr/>
           <a:lstStyle/>
           <a:p>
             <a:r>
               <a:rPr lang="en-US" dirty="0" smtClean="0"/>
-              <a:t>Path to required data</a:t>
+              <a:t>JOLT Specification</a:t>
             </a:r>
             <a:endParaRPr lang="en-US" dirty="0"/>
           </a:p>
@@ -6541,68 +6560,301 @@
             <p:ph idx="1"/>
           </p:nvPr>
         </p:nvSpPr>
-        <p:spPr/>
+        <p:spPr>
+          <a:xfrm>
+            <a:off x="457200" y="1371600"/>
+            <a:ext cx="8229600" cy="4525963"/>
+          </a:xfrm>
+        </p:spPr>
         <p:txBody>
           <a:bodyPr>
-            <a:normAutofit fontScale="77500" lnSpcReduction="20000"/>
+            <a:noAutofit/>
           </a:bodyPr>
           <a:lstStyle/>
           <a:p>
-            <a:r>
-              <a:rPr lang="en-US" dirty="0" err="1" smtClean="0"/>
-              <a:t>interactionTypeGroup.interactionType.minConceptItem.rxcui</a:t>
-            </a:r>
-            <a:endParaRPr lang="en-US" dirty="0" smtClean="0"/>
-          </a:p>
-          <a:p>
-            <a:r>
-              <a:rPr lang="en-US" dirty="0" smtClean="0"/>
-              <a:t>interactionTypeGroup.interactionType.minConceptItem.name</a:t>
-            </a:r>
-          </a:p>
-          <a:p>
-            <a:r>
-              <a:rPr lang="en-US" dirty="0" smtClean="0"/>
-              <a:t>[</a:t>
-            </a:r>
-          </a:p>
-          <a:p>
-            <a:r>
-              <a:rPr lang="en-US" dirty="0" smtClean="0"/>
-              <a:t>interactionTypeGroup.interactionType.interactionPair.interactionConcept[1].</a:t>
-            </a:r>
-            <a:r>
-              <a:rPr lang="en-US" dirty="0" err="1" smtClean="0"/>
-              <a:t>minConceptItem.rxcui</a:t>
-            </a:r>
-            <a:endParaRPr lang="en-US" dirty="0" smtClean="0"/>
-          </a:p>
-          <a:p>
-            <a:r>
-              <a:rPr lang="en-US" dirty="0" smtClean="0"/>
-              <a:t>interactionTypeGroup.interactionType.interactionPair.interactionConcept[1].minConceptItem.name</a:t>
-            </a:r>
-          </a:p>
-          <a:p>
-            <a:r>
-              <a:rPr lang="en-US" dirty="0" err="1" smtClean="0"/>
-              <a:t>interactionTypeGroup.interactionType.interactionPair.severity</a:t>
-            </a:r>
-            <a:endParaRPr lang="en-US" dirty="0" smtClean="0"/>
-          </a:p>
-          <a:p>
-            <a:r>
-              <a:rPr lang="en-US" dirty="0" smtClean="0"/>
-              <a:t>interactionTypeGroup.interactionType.interactionPair.description]</a:t>
-            </a:r>
-            <a:endParaRPr lang="en-US" dirty="0"/>
+            <a:pPr marL="0" indent="0">
+              <a:buNone/>
+            </a:pPr>
+            <a:r>
+              <a:rPr lang="en-US" sz="1200" dirty="0" smtClean="0"/>
+              <a:t>[{</a:t>
+            </a:r>
+          </a:p>
+          <a:p>
+            <a:pPr marL="0" indent="0">
+              <a:buNone/>
+            </a:pPr>
+            <a:r>
+              <a:rPr lang="en-US" sz="1200" dirty="0" smtClean="0"/>
+              <a:t>  "operation": "shift",</a:t>
+            </a:r>
+          </a:p>
+          <a:p>
+            <a:pPr marL="0" indent="0">
+              <a:buNone/>
+            </a:pPr>
+            <a:r>
+              <a:rPr lang="en-US" sz="1200" dirty="0" smtClean="0"/>
+              <a:t>  "spec": {</a:t>
+            </a:r>
+          </a:p>
+          <a:p>
+            <a:pPr marL="0" indent="0">
+              <a:buNone/>
+            </a:pPr>
+            <a:r>
+              <a:rPr lang="en-US" sz="1200" dirty="0" smtClean="0"/>
+              <a:t>    "</a:t>
+            </a:r>
+            <a:r>
+              <a:rPr lang="en-US" sz="1200" dirty="0" err="1" smtClean="0"/>
+              <a:t>interactionTypeGroup</a:t>
+            </a:r>
+            <a:r>
+              <a:rPr lang="en-US" sz="1200" dirty="0" smtClean="0"/>
+              <a:t>": {</a:t>
+            </a:r>
+          </a:p>
+          <a:p>
+            <a:pPr marL="0" indent="0">
+              <a:buNone/>
+            </a:pPr>
+            <a:r>
+              <a:rPr lang="en-US" sz="1200" dirty="0" smtClean="0"/>
+              <a:t>      "*": {</a:t>
+            </a:r>
+          </a:p>
+          <a:p>
+            <a:pPr marL="0" indent="0">
+              <a:buNone/>
+            </a:pPr>
+            <a:r>
+              <a:rPr lang="en-US" sz="1200" dirty="0" smtClean="0"/>
+              <a:t>        "</a:t>
+            </a:r>
+            <a:r>
+              <a:rPr lang="en-US" sz="1200" dirty="0" err="1" smtClean="0"/>
+              <a:t>interactionType</a:t>
+            </a:r>
+            <a:r>
+              <a:rPr lang="en-US" sz="1200" dirty="0" smtClean="0"/>
+              <a:t>": {</a:t>
+            </a:r>
+          </a:p>
+          <a:p>
+            <a:pPr marL="0" indent="0">
+              <a:buNone/>
+            </a:pPr>
+            <a:r>
+              <a:rPr lang="en-US" sz="1200" dirty="0" smtClean="0"/>
+              <a:t>          "*": {</a:t>
+            </a:r>
+          </a:p>
+          <a:p>
+            <a:pPr marL="0" indent="0">
+              <a:buNone/>
+            </a:pPr>
+            <a:r>
+              <a:rPr lang="en-US" sz="1200" dirty="0" smtClean="0"/>
+              <a:t>            "</a:t>
+            </a:r>
+            <a:r>
+              <a:rPr lang="en-US" sz="1200" dirty="0" err="1" smtClean="0"/>
+              <a:t>minConceptItem</a:t>
+            </a:r>
+            <a:r>
+              <a:rPr lang="en-US" sz="1200" dirty="0" smtClean="0"/>
+              <a:t>": {</a:t>
+            </a:r>
+          </a:p>
+          <a:p>
+            <a:pPr marL="0" indent="0">
+              <a:buNone/>
+            </a:pPr>
+            <a:r>
+              <a:rPr lang="en-US" sz="1200" dirty="0" smtClean="0"/>
+              <a:t>              "</a:t>
+            </a:r>
+            <a:r>
+              <a:rPr lang="en-US" sz="1200" dirty="0" err="1" smtClean="0"/>
+              <a:t>rxcui</a:t>
+            </a:r>
+            <a:r>
+              <a:rPr lang="en-US" sz="1200" dirty="0" smtClean="0"/>
+              <a:t>": "</a:t>
+            </a:r>
+            <a:r>
+              <a:rPr lang="en-US" sz="1200" dirty="0" err="1" smtClean="0"/>
+              <a:t>rxcui</a:t>
+            </a:r>
+            <a:r>
+              <a:rPr lang="en-US" sz="1200" dirty="0" smtClean="0"/>
+              <a:t>",</a:t>
+            </a:r>
+          </a:p>
+          <a:p>
+            <a:pPr marL="0" indent="0">
+              <a:buNone/>
+            </a:pPr>
+            <a:r>
+              <a:rPr lang="en-US" sz="1200" dirty="0" smtClean="0"/>
+              <a:t>              "name": "name"</a:t>
+            </a:r>
+          </a:p>
+          <a:p>
+            <a:pPr marL="0" indent="0">
+              <a:buNone/>
+            </a:pPr>
+            <a:r>
+              <a:rPr lang="en-US" sz="1200" dirty="0" smtClean="0"/>
+              <a:t>            },</a:t>
+            </a:r>
+          </a:p>
+          <a:p>
+            <a:pPr marL="0" indent="0">
+              <a:buNone/>
+            </a:pPr>
+            <a:r>
+              <a:rPr lang="en-US" sz="1200" dirty="0" smtClean="0"/>
+              <a:t>            "</a:t>
+            </a:r>
+            <a:r>
+              <a:rPr lang="en-US" sz="1200" dirty="0" err="1" smtClean="0"/>
+              <a:t>interactionPair</a:t>
+            </a:r>
+            <a:r>
+              <a:rPr lang="en-US" sz="1200" dirty="0" smtClean="0"/>
+              <a:t>": {</a:t>
+            </a:r>
+          </a:p>
+          <a:p>
+            <a:pPr marL="0" indent="0">
+              <a:buNone/>
+            </a:pPr>
+            <a:r>
+              <a:rPr lang="en-US" sz="1200" dirty="0" smtClean="0"/>
+              <a:t>              "*": {</a:t>
+            </a:r>
+          </a:p>
+          <a:p>
+            <a:pPr marL="0" indent="0">
+              <a:buNone/>
+            </a:pPr>
+            <a:r>
+              <a:rPr lang="en-US" sz="1200" dirty="0" smtClean="0"/>
+              <a:t>                "severity": "severity",</a:t>
+            </a:r>
+          </a:p>
+          <a:p>
+            <a:pPr marL="0" indent="0">
+              <a:buNone/>
+            </a:pPr>
+            <a:r>
+              <a:rPr lang="en-US" sz="1200" dirty="0" smtClean="0"/>
+              <a:t>                "description": "description",</a:t>
+            </a:r>
+          </a:p>
+          <a:p>
+            <a:pPr marL="0" indent="0">
+              <a:buNone/>
+            </a:pPr>
+            <a:r>
+              <a:rPr lang="en-US" sz="1200" dirty="0" smtClean="0"/>
+              <a:t>                "</a:t>
+            </a:r>
+            <a:r>
+              <a:rPr lang="en-US" sz="1200" dirty="0" err="1" smtClean="0"/>
+              <a:t>interactionConcept</a:t>
+            </a:r>
+            <a:r>
+              <a:rPr lang="en-US" sz="1200" dirty="0" smtClean="0"/>
+              <a:t>": {</a:t>
+            </a:r>
+          </a:p>
+          <a:p>
+            <a:pPr marL="0" indent="0">
+              <a:buNone/>
+            </a:pPr>
+            <a:r>
+              <a:rPr lang="en-US" sz="1200" dirty="0" smtClean="0"/>
+              <a:t>                  "*": {</a:t>
+            </a:r>
+          </a:p>
+          <a:p>
+            <a:pPr marL="0" indent="0">
+              <a:buNone/>
+            </a:pPr>
+            <a:r>
+              <a:rPr lang="en-US" sz="1200" dirty="0" smtClean="0"/>
+              <a:t>                    "</a:t>
+            </a:r>
+            <a:r>
+              <a:rPr lang="en-US" sz="1200" dirty="0" err="1" smtClean="0"/>
+              <a:t>minConceptItem</a:t>
+            </a:r>
+            <a:r>
+              <a:rPr lang="en-US" sz="1200" dirty="0" smtClean="0"/>
+              <a:t>": {</a:t>
+            </a:r>
+          </a:p>
+          <a:p>
+            <a:pPr marL="0" indent="0">
+              <a:buNone/>
+            </a:pPr>
+            <a:r>
+              <a:rPr lang="en-US" sz="1200" dirty="0" smtClean="0"/>
+              <a:t>                      "</a:t>
+            </a:r>
+            <a:r>
+              <a:rPr lang="en-US" sz="1200" dirty="0" err="1" smtClean="0"/>
+              <a:t>rxcui</a:t>
+            </a:r>
+            <a:r>
+              <a:rPr lang="en-US" sz="1200" dirty="0" smtClean="0"/>
+              <a:t>": "</a:t>
+            </a:r>
+            <a:r>
+              <a:rPr lang="en-US" sz="1200" dirty="0" err="1" smtClean="0"/>
+              <a:t>IdList</a:t>
+            </a:r>
+            <a:r>
+              <a:rPr lang="en-US" sz="1200" dirty="0" smtClean="0"/>
+              <a:t>",</a:t>
+            </a:r>
+          </a:p>
+          <a:p>
+            <a:pPr marL="0" indent="0">
+              <a:buNone/>
+            </a:pPr>
+            <a:r>
+              <a:rPr lang="en-US" sz="1200" dirty="0" smtClean="0"/>
+              <a:t>                      "name": "</a:t>
+            </a:r>
+            <a:r>
+              <a:rPr lang="en-US" sz="1200" dirty="0" err="1" smtClean="0"/>
+              <a:t>NameList</a:t>
+            </a:r>
+            <a:r>
+              <a:rPr lang="en-US" sz="1200" dirty="0" smtClean="0"/>
+              <a:t>"</a:t>
+            </a:r>
+          </a:p>
+          <a:p>
+            <a:pPr marL="0" indent="0">
+              <a:buNone/>
+            </a:pPr>
+            <a:r>
+              <a:rPr lang="en-US" sz="1200" dirty="0" smtClean="0"/>
+              <a:t>                    }           }         }      }          }          }   }      }    }  }}]</a:t>
+            </a:r>
+            <a:endParaRPr lang="en-US" sz="1200" dirty="0"/>
           </a:p>
         </p:txBody>
       </p:sp>
     </p:spTree>
     <p:extLst>
       <p:ext uri="{BB962C8B-B14F-4D97-AF65-F5344CB8AC3E}">
-        <p14:creationId xmlns:p14="http://schemas.microsoft.com/office/powerpoint/2010/main" val="2487884405"/>
+        <p14:creationId xmlns:p14="http://schemas.microsoft.com/office/powerpoint/2010/main" val="193232357"/>
       </p:ext>
     </p:extLst>
   </p:cSld>
@@ -6646,19 +6898,14 @@
             <p:ph type="title"/>
           </p:nvPr>
         </p:nvSpPr>
-        <p:spPr>
-          <a:xfrm>
-            <a:off x="762000" y="228600"/>
-            <a:ext cx="8229600" cy="1143000"/>
-          </a:xfrm>
-        </p:spPr>
+        <p:spPr/>
         <p:txBody>
           <a:bodyPr/>
           <a:lstStyle/>
           <a:p>
             <a:r>
               <a:rPr lang="en-US" dirty="0" smtClean="0"/>
-              <a:t>JOLT Specification</a:t>
+              <a:t>Result producer data</a:t>
             </a:r>
             <a:endParaRPr lang="en-US" dirty="0"/>
           </a:p>
@@ -6675,14 +6922,11 @@
           </p:nvPr>
         </p:nvSpPr>
         <p:spPr>
-          <a:xfrm>
-            <a:off x="457200" y="1371600"/>
-            <a:ext cx="8229600" cy="4525963"/>
-          </a:xfrm>
+          <a:noFill/>
         </p:spPr>
         <p:txBody>
           <a:bodyPr>
-            <a:noAutofit/>
+            <a:normAutofit fontScale="70000" lnSpcReduction="20000"/>
           </a:bodyPr>
           <a:lstStyle/>
           <a:p>
@@ -6690,8 +6934,8 @@
               <a:buNone/>
             </a:pPr>
             <a:r>
-              <a:rPr lang="en-US" sz="1200" dirty="0" smtClean="0"/>
-              <a:t>[{</a:t>
+              <a:rPr lang="en-US" dirty="0" smtClean="0"/>
+              <a:t>{</a:t>
             </a:r>
           </a:p>
           <a:p>
@@ -6699,8 +6943,20 @@
               <a:buNone/>
             </a:pPr>
             <a:r>
-              <a:rPr lang="en-US" sz="1200" dirty="0" smtClean="0"/>
-              <a:t>  "operation": "shift",</a:t>
+              <a:rPr lang="en-US" dirty="0" smtClean="0"/>
+              <a:t>  "</a:t>
+            </a:r>
+            <a:r>
+              <a:rPr lang="en-US" dirty="0" err="1" smtClean="0">
+                <a:solidFill>
+                  <a:srgbClr val="00B050"/>
+                </a:solidFill>
+              </a:rPr>
+              <a:t>rxcui</a:t>
+            </a:r>
+            <a:r>
+              <a:rPr lang="en-US" dirty="0" smtClean="0"/>
+              <a:t>" : "88014",</a:t>
             </a:r>
           </a:p>
           <a:p>
@@ -6708,8 +6964,28 @@
               <a:buNone/>
             </a:pPr>
             <a:r>
-              <a:rPr lang="en-US" sz="1200" dirty="0" smtClean="0"/>
-              <a:t>  "spec": {</a:t>
+              <a:rPr lang="en-US" dirty="0" smtClean="0"/>
+              <a:t>  "</a:t>
+            </a:r>
+            <a:r>
+              <a:rPr lang="en-US" dirty="0" smtClean="0">
+                <a:solidFill>
+                  <a:srgbClr val="00B050"/>
+                </a:solidFill>
+              </a:rPr>
+              <a:t>name</a:t>
+            </a:r>
+            <a:r>
+              <a:rPr lang="en-US" dirty="0" smtClean="0"/>
+              <a:t>" : "</a:t>
+            </a:r>
+            <a:r>
+              <a:rPr lang="en-US" dirty="0" err="1" smtClean="0"/>
+              <a:t>rizatriptan</a:t>
+            </a:r>
+            <a:r>
+              <a:rPr lang="en-US" dirty="0" smtClean="0"/>
+              <a:t>",</a:t>
             </a:r>
           </a:p>
           <a:p>
@@ -6717,16 +6993,20 @@
               <a:buNone/>
             </a:pPr>
             <a:r>
-              <a:rPr lang="en-US" sz="1200" dirty="0" smtClean="0"/>
-              <a:t>    "</a:t>
-            </a:r>
-            <a:r>
-              <a:rPr lang="en-US" sz="1200" dirty="0" err="1" smtClean="0"/>
-              <a:t>interactionTypeGroup</a:t>
-            </a:r>
-            <a:r>
-              <a:rPr lang="en-US" sz="1200" dirty="0" smtClean="0"/>
-              <a:t>": {</a:t>
+              <a:rPr lang="en-US" dirty="0" smtClean="0"/>
+              <a:t>  "</a:t>
+            </a:r>
+            <a:r>
+              <a:rPr lang="en-US" dirty="0" smtClean="0">
+                <a:solidFill>
+                  <a:srgbClr val="00B050"/>
+                </a:solidFill>
+              </a:rPr>
+              <a:t>severity" </a:t>
+            </a:r>
+            <a:r>
+              <a:rPr lang="en-US" dirty="0" smtClean="0"/>
+              <a:t>: [ "high", "high", "high", "high", "high" ],</a:t>
             </a:r>
           </a:p>
           <a:p>
@@ -6734,8 +7014,60 @@
               <a:buNone/>
             </a:pPr>
             <a:r>
-              <a:rPr lang="en-US" sz="1200" dirty="0" smtClean="0"/>
-              <a:t>      "*": {</a:t>
+              <a:rPr lang="en-US" dirty="0" smtClean="0"/>
+              <a:t>  "</a:t>
+            </a:r>
+            <a:r>
+              <a:rPr lang="en-US" dirty="0" smtClean="0">
+                <a:solidFill>
+                  <a:srgbClr val="00B050"/>
+                </a:solidFill>
+              </a:rPr>
+              <a:t>description</a:t>
+            </a:r>
+            <a:r>
+              <a:rPr lang="en-US" dirty="0" smtClean="0"/>
+              <a:t>" : [ "</a:t>
+            </a:r>
+            <a:r>
+              <a:rPr lang="en-US" dirty="0" err="1" smtClean="0"/>
+              <a:t>Triptans</a:t>
+            </a:r>
+            <a:r>
+              <a:rPr lang="en-US" dirty="0" smtClean="0"/>
+              <a:t> - monoamine oxidase (MAO) inhibitors", "</a:t>
+            </a:r>
+            <a:r>
+              <a:rPr lang="en-US" dirty="0" err="1" smtClean="0"/>
+              <a:t>Triptans</a:t>
+            </a:r>
+            <a:r>
+              <a:rPr lang="en-US" dirty="0" smtClean="0"/>
+              <a:t> - monoamine oxidase (MAO) inhibitors", "</a:t>
+            </a:r>
+            <a:r>
+              <a:rPr lang="en-US" dirty="0" err="1" smtClean="0"/>
+              <a:t>Triptans</a:t>
+            </a:r>
+            <a:r>
+              <a:rPr lang="en-US" dirty="0" smtClean="0"/>
+              <a:t> - monoamine oxidase (MAO) inhibitors", "</a:t>
+            </a:r>
+            <a:r>
+              <a:rPr lang="en-US" dirty="0" err="1" smtClean="0"/>
+              <a:t>Triptans</a:t>
+            </a:r>
+            <a:r>
+              <a:rPr lang="en-US" dirty="0" smtClean="0"/>
+              <a:t> - monoamine oxidase (MAO) inhibitors", "</a:t>
+            </a:r>
+            <a:r>
+              <a:rPr lang="en-US" dirty="0" err="1" smtClean="0"/>
+              <a:t>Triptans</a:t>
+            </a:r>
+            <a:r>
+              <a:rPr lang="en-US" dirty="0" smtClean="0"/>
+              <a:t> - monoamine oxidase (MAO) inhibitors" ],</a:t>
             </a:r>
           </a:p>
           <a:p>
@@ -6743,16 +7075,20 @@
               <a:buNone/>
             </a:pPr>
             <a:r>
-              <a:rPr lang="en-US" sz="1200" dirty="0" smtClean="0"/>
-              <a:t>        "</a:t>
-            </a:r>
-            <a:r>
-              <a:rPr lang="en-US" sz="1200" dirty="0" err="1" smtClean="0"/>
-              <a:t>interactionType</a:t>
-            </a:r>
-            <a:r>
-              <a:rPr lang="en-US" sz="1200" dirty="0" smtClean="0"/>
-              <a:t>": {</a:t>
+              <a:rPr lang="en-US" dirty="0" smtClean="0"/>
+              <a:t>  "</a:t>
+            </a:r>
+            <a:r>
+              <a:rPr lang="en-US" dirty="0" err="1" smtClean="0">
+                <a:solidFill>
+                  <a:srgbClr val="00B050"/>
+                </a:solidFill>
+              </a:rPr>
+              <a:t>IdList</a:t>
+            </a:r>
+            <a:r>
+              <a:rPr lang="en-US" dirty="0" smtClean="0"/>
+              <a:t>" : [ "88014", "10734", "88014", "30121", "88014", "6011", "88014", "6878", "88014", "8123" ],</a:t>
             </a:r>
           </a:p>
           <a:p>
@@ -6760,8 +7096,84 @@
               <a:buNone/>
             </a:pPr>
             <a:r>
-              <a:rPr lang="en-US" sz="1200" dirty="0" smtClean="0"/>
-              <a:t>          "*": {</a:t>
+              <a:rPr lang="en-US" dirty="0" smtClean="0"/>
+              <a:t>  "</a:t>
+            </a:r>
+            <a:r>
+              <a:rPr lang="en-US" dirty="0" err="1" smtClean="0">
+                <a:solidFill>
+                  <a:srgbClr val="00B050"/>
+                </a:solidFill>
+              </a:rPr>
+              <a:t>NameList</a:t>
+            </a:r>
+            <a:r>
+              <a:rPr lang="en-US" dirty="0" smtClean="0"/>
+              <a:t>" : [ "</a:t>
+            </a:r>
+            <a:r>
+              <a:rPr lang="en-US" dirty="0" err="1" smtClean="0"/>
+              <a:t>rizatriptan</a:t>
+            </a:r>
+            <a:r>
+              <a:rPr lang="en-US" dirty="0" smtClean="0"/>
+              <a:t>", "tranylcypromine", "</a:t>
+            </a:r>
+            <a:r>
+              <a:rPr lang="en-US" dirty="0" err="1" smtClean="0"/>
+              <a:t>rizatriptan</a:t>
+            </a:r>
+            <a:r>
+              <a:rPr lang="en-US" dirty="0" smtClean="0"/>
+              <a:t>", "</a:t>
+            </a:r>
+            <a:r>
+              <a:rPr lang="en-US" dirty="0" err="1" smtClean="0"/>
+              <a:t>moclobemide</a:t>
+            </a:r>
+            <a:r>
+              <a:rPr lang="en-US" dirty="0" smtClean="0"/>
+              <a:t>", "</a:t>
+            </a:r>
+            <a:r>
+              <a:rPr lang="en-US" dirty="0" err="1" smtClean="0"/>
+              <a:t>rizatriptan</a:t>
+            </a:r>
+            <a:r>
+              <a:rPr lang="en-US" dirty="0" smtClean="0"/>
+              <a:t>", "</a:t>
+            </a:r>
+            <a:r>
+              <a:rPr lang="en-US" dirty="0" err="1" smtClean="0"/>
+              <a:t>isocarboxazid</a:t>
+            </a:r>
+            <a:r>
+              <a:rPr lang="en-US" dirty="0" smtClean="0"/>
+              <a:t>", "</a:t>
+            </a:r>
+            <a:r>
+              <a:rPr lang="en-US" dirty="0" err="1" smtClean="0"/>
+              <a:t>rizatriptan</a:t>
+            </a:r>
+            <a:r>
+              <a:rPr lang="en-US" dirty="0" smtClean="0"/>
+              <a:t>", "methylene blue", "</a:t>
+            </a:r>
+            <a:r>
+              <a:rPr lang="en-US" dirty="0" err="1" smtClean="0"/>
+              <a:t>rizatriptan</a:t>
+            </a:r>
+            <a:r>
+              <a:rPr lang="en-US" dirty="0" smtClean="0"/>
+              <a:t>", "</a:t>
+            </a:r>
+            <a:r>
+              <a:rPr lang="en-US" dirty="0" err="1" smtClean="0"/>
+              <a:t>phenelzine</a:t>
+            </a:r>
+            <a:r>
+              <a:rPr lang="en-US" dirty="0" smtClean="0"/>
+              <a:t>" ]</a:t>
             </a:r>
           </a:p>
           <a:p>
@@ -6769,206 +7181,17 @@
               <a:buNone/>
             </a:pPr>
             <a:r>
-              <a:rPr lang="en-US" sz="1200" dirty="0" smtClean="0"/>
-              <a:t>            "</a:t>
-            </a:r>
-            <a:r>
-              <a:rPr lang="en-US" sz="1200" dirty="0" err="1" smtClean="0"/>
-              <a:t>minConceptItem</a:t>
-            </a:r>
-            <a:r>
-              <a:rPr lang="en-US" sz="1200" dirty="0" smtClean="0"/>
-              <a:t>": {</a:t>
-            </a:r>
-          </a:p>
-          <a:p>
-            <a:pPr marL="0" indent="0">
-              <a:buNone/>
-            </a:pPr>
-            <a:r>
-              <a:rPr lang="en-US" sz="1200" dirty="0" smtClean="0"/>
-              <a:t>              "</a:t>
-            </a:r>
-            <a:r>
-              <a:rPr lang="en-US" sz="1200" dirty="0" err="1" smtClean="0"/>
-              <a:t>rxcui</a:t>
-            </a:r>
-            <a:r>
-              <a:rPr lang="en-US" sz="1200" dirty="0" smtClean="0"/>
-              <a:t>": "</a:t>
-            </a:r>
-            <a:r>
-              <a:rPr lang="en-US" sz="1200" dirty="0" err="1" smtClean="0"/>
-              <a:t>rxcui</a:t>
-            </a:r>
-            <a:r>
-              <a:rPr lang="en-US" sz="1200" dirty="0" smtClean="0"/>
-              <a:t>",</a:t>
-            </a:r>
-          </a:p>
-          <a:p>
-            <a:pPr marL="0" indent="0">
-              <a:buNone/>
-            </a:pPr>
-            <a:r>
-              <a:rPr lang="en-US" sz="1200" dirty="0" smtClean="0"/>
-              <a:t>              "name": "name"</a:t>
-            </a:r>
-          </a:p>
-          <a:p>
-            <a:pPr marL="0" indent="0">
-              <a:buNone/>
-            </a:pPr>
-            <a:r>
-              <a:rPr lang="en-US" sz="1200" dirty="0" smtClean="0"/>
-              <a:t>            },</a:t>
-            </a:r>
-          </a:p>
-          <a:p>
-            <a:pPr marL="0" indent="0">
-              <a:buNone/>
-            </a:pPr>
-            <a:r>
-              <a:rPr lang="en-US" sz="1200" dirty="0" smtClean="0"/>
-              <a:t>            "</a:t>
-            </a:r>
-            <a:r>
-              <a:rPr lang="en-US" sz="1200" dirty="0" err="1" smtClean="0"/>
-              <a:t>interactionPair</a:t>
-            </a:r>
-            <a:r>
-              <a:rPr lang="en-US" sz="1200" dirty="0" smtClean="0"/>
-              <a:t>": {</a:t>
-            </a:r>
-          </a:p>
-          <a:p>
-            <a:pPr marL="0" indent="0">
-              <a:buNone/>
-            </a:pPr>
-            <a:r>
-              <a:rPr lang="en-US" sz="1200" dirty="0" smtClean="0"/>
-              <a:t>              "*": {</a:t>
-            </a:r>
-          </a:p>
-          <a:p>
-            <a:pPr marL="0" indent="0">
-              <a:buNone/>
-            </a:pPr>
-            <a:r>
-              <a:rPr lang="en-US" sz="1200" dirty="0" smtClean="0"/>
-              <a:t>                "severity": "severity",</a:t>
-            </a:r>
-          </a:p>
-          <a:p>
-            <a:pPr marL="0" indent="0">
-              <a:buNone/>
-            </a:pPr>
-            <a:r>
-              <a:rPr lang="en-US" sz="1200" dirty="0" smtClean="0"/>
-              <a:t>                "description": "description",</a:t>
-            </a:r>
-          </a:p>
-          <a:p>
-            <a:pPr marL="0" indent="0">
-              <a:buNone/>
-            </a:pPr>
-            <a:r>
-              <a:rPr lang="en-US" sz="1200" dirty="0" smtClean="0"/>
-              <a:t>                "</a:t>
-            </a:r>
-            <a:r>
-              <a:rPr lang="en-US" sz="1200" dirty="0" err="1" smtClean="0"/>
-              <a:t>interactionConcept</a:t>
-            </a:r>
-            <a:r>
-              <a:rPr lang="en-US" sz="1200" dirty="0" smtClean="0"/>
-              <a:t>": {</a:t>
-            </a:r>
-          </a:p>
-          <a:p>
-            <a:pPr marL="0" indent="0">
-              <a:buNone/>
-            </a:pPr>
-            <a:r>
-              <a:rPr lang="en-US" sz="1200" dirty="0" smtClean="0"/>
-              <a:t>                  "*": {</a:t>
-            </a:r>
-          </a:p>
-          <a:p>
-            <a:pPr marL="0" indent="0">
-              <a:buNone/>
-            </a:pPr>
-            <a:r>
-              <a:rPr lang="en-US" sz="1200" dirty="0" smtClean="0"/>
-              <a:t>                    "</a:t>
-            </a:r>
-            <a:r>
-              <a:rPr lang="en-US" sz="1200" dirty="0" err="1" smtClean="0"/>
-              <a:t>minConceptItem</a:t>
-            </a:r>
-            <a:r>
-              <a:rPr lang="en-US" sz="1200" dirty="0" smtClean="0"/>
-              <a:t>": {</a:t>
-            </a:r>
-          </a:p>
-          <a:p>
-            <a:pPr marL="0" indent="0">
-              <a:buNone/>
-            </a:pPr>
-            <a:r>
-              <a:rPr lang="en-US" sz="1200" dirty="0" smtClean="0"/>
-              <a:t>                      "</a:t>
-            </a:r>
-            <a:r>
-              <a:rPr lang="en-US" sz="1200" dirty="0" err="1" smtClean="0"/>
-              <a:t>rxcui</a:t>
-            </a:r>
-            <a:r>
-              <a:rPr lang="en-US" sz="1200" dirty="0" smtClean="0"/>
-              <a:t>": "</a:t>
-            </a:r>
-            <a:r>
-              <a:rPr lang="en-US" sz="1200" dirty="0" err="1" smtClean="0"/>
-              <a:t>IdList</a:t>
-            </a:r>
-            <a:r>
-              <a:rPr lang="en-US" sz="1200" dirty="0" smtClean="0"/>
-              <a:t>",</a:t>
-            </a:r>
-          </a:p>
-          <a:p>
-            <a:pPr marL="0" indent="0">
-              <a:buNone/>
-            </a:pPr>
-            <a:r>
-              <a:rPr lang="en-US" sz="1200" dirty="0" smtClean="0"/>
-              <a:t>                      "name": "</a:t>
-            </a:r>
-            <a:r>
-              <a:rPr lang="en-US" sz="1200" dirty="0" err="1" smtClean="0"/>
-              <a:t>NameList</a:t>
-            </a:r>
-            <a:r>
-              <a:rPr lang="en-US" sz="1200" dirty="0" smtClean="0"/>
-              <a:t>"</a:t>
-            </a:r>
-          </a:p>
-          <a:p>
-            <a:pPr marL="0" indent="0">
-              <a:buNone/>
-            </a:pPr>
-            <a:r>
-              <a:rPr lang="en-US" sz="1200" dirty="0" smtClean="0"/>
-              <a:t>                    }           }         }      }          }          }   }      }    }  }}]</a:t>
-            </a:r>
-            <a:endParaRPr lang="en-US" sz="1200" dirty="0"/>
+              <a:rPr lang="en-US" dirty="0" smtClean="0"/>
+              <a:t>}</a:t>
+            </a:r>
+            <a:endParaRPr lang="en-US" dirty="0"/>
           </a:p>
         </p:txBody>
       </p:sp>
     </p:spTree>
     <p:extLst>
       <p:ext uri="{BB962C8B-B14F-4D97-AF65-F5344CB8AC3E}">
-        <p14:creationId xmlns:p14="http://schemas.microsoft.com/office/powerpoint/2010/main" val="193232357"/>
+        <p14:creationId xmlns:p14="http://schemas.microsoft.com/office/powerpoint/2010/main" val="707677580"/>
       </p:ext>
     </p:extLst>
   </p:cSld>
@@ -7019,293 +7242,382 @@
           <a:p>
             <a:r>
               <a:rPr lang="en-US" dirty="0" smtClean="0"/>
-              <a:t>Result producer data</a:t>
+              <a:t>Data Sources</a:t>
             </a:r>
             <a:endParaRPr lang="en-US" dirty="0"/>
           </a:p>
         </p:txBody>
       </p:sp>
-      <p:sp>
-        <p:nvSpPr>
-          <p:cNvPr id="3" name="Content Placeholder 2"/>
-          <p:cNvSpPr>
-            <a:spLocks noGrp="1"/>
-          </p:cNvSpPr>
+      <p:graphicFrame>
+        <p:nvGraphicFramePr>
+          <p:cNvPr id="4" name="Content Placeholder 3"/>
+          <p:cNvGraphicFramePr>
+            <a:graphicFrameLocks noGrp="1"/>
+          </p:cNvGraphicFramePr>
           <p:nvPr>
             <p:ph idx="1"/>
-          </p:nvPr>
-        </p:nvSpPr>
-        <p:spPr>
-          <a:noFill/>
-        </p:spPr>
-        <p:txBody>
-          <a:bodyPr>
-            <a:normAutofit fontScale="70000" lnSpcReduction="20000"/>
-          </a:bodyPr>
-          <a:lstStyle/>
-          <a:p>
-            <a:pPr marL="0" indent="0">
-              <a:buNone/>
-            </a:pPr>
-            <a:r>
-              <a:rPr lang="en-US" dirty="0" smtClean="0"/>
-              <a:t>{</a:t>
-            </a:r>
-          </a:p>
-          <a:p>
-            <a:pPr marL="0" indent="0">
-              <a:buNone/>
-            </a:pPr>
-            <a:r>
-              <a:rPr lang="en-US" dirty="0" smtClean="0"/>
-              <a:t>  "</a:t>
-            </a:r>
-            <a:r>
-              <a:rPr lang="en-US" dirty="0" err="1" smtClean="0">
-                <a:solidFill>
-                  <a:srgbClr val="00B050"/>
-                </a:solidFill>
-              </a:rPr>
-              <a:t>rxcui</a:t>
-            </a:r>
-            <a:r>
-              <a:rPr lang="en-US" dirty="0" smtClean="0"/>
-              <a:t>" : "88014",</a:t>
-            </a:r>
-          </a:p>
-          <a:p>
-            <a:pPr marL="0" indent="0">
-              <a:buNone/>
-            </a:pPr>
-            <a:r>
-              <a:rPr lang="en-US" dirty="0" smtClean="0"/>
-              <a:t>  "</a:t>
-            </a:r>
-            <a:r>
-              <a:rPr lang="en-US" dirty="0" smtClean="0">
-                <a:solidFill>
-                  <a:srgbClr val="00B050"/>
-                </a:solidFill>
-              </a:rPr>
-              <a:t>name</a:t>
-            </a:r>
-            <a:r>
-              <a:rPr lang="en-US" dirty="0" smtClean="0"/>
-              <a:t>" : "</a:t>
-            </a:r>
-            <a:r>
-              <a:rPr lang="en-US" dirty="0" err="1" smtClean="0"/>
-              <a:t>rizatriptan</a:t>
-            </a:r>
-            <a:r>
-              <a:rPr lang="en-US" dirty="0" smtClean="0"/>
-              <a:t>",</a:t>
-            </a:r>
-          </a:p>
-          <a:p>
-            <a:pPr marL="0" indent="0">
-              <a:buNone/>
-            </a:pPr>
-            <a:r>
-              <a:rPr lang="en-US" dirty="0" smtClean="0"/>
-              <a:t>  "</a:t>
-            </a:r>
-            <a:r>
-              <a:rPr lang="en-US" dirty="0" smtClean="0">
-                <a:solidFill>
-                  <a:srgbClr val="00B050"/>
-                </a:solidFill>
-              </a:rPr>
-              <a:t>severity" </a:t>
-            </a:r>
-            <a:r>
-              <a:rPr lang="en-US" dirty="0" smtClean="0"/>
-              <a:t>: [ "high", "high", "high", "high", "high" ],</a:t>
-            </a:r>
-          </a:p>
-          <a:p>
-            <a:pPr marL="0" indent="0">
-              <a:buNone/>
-            </a:pPr>
-            <a:r>
-              <a:rPr lang="en-US" dirty="0" smtClean="0"/>
-              <a:t>  "</a:t>
-            </a:r>
-            <a:r>
-              <a:rPr lang="en-US" dirty="0" smtClean="0">
-                <a:solidFill>
-                  <a:srgbClr val="00B050"/>
-                </a:solidFill>
-              </a:rPr>
-              <a:t>description</a:t>
-            </a:r>
-            <a:r>
-              <a:rPr lang="en-US" dirty="0" smtClean="0"/>
-              <a:t>" : [ "</a:t>
-            </a:r>
-            <a:r>
-              <a:rPr lang="en-US" dirty="0" err="1" smtClean="0"/>
-              <a:t>Triptans</a:t>
-            </a:r>
-            <a:r>
-              <a:rPr lang="en-US" dirty="0" smtClean="0"/>
-              <a:t> - monoamine oxidase (MAO) inhibitors", "</a:t>
-            </a:r>
-            <a:r>
-              <a:rPr lang="en-US" dirty="0" err="1" smtClean="0"/>
-              <a:t>Triptans</a:t>
-            </a:r>
-            <a:r>
-              <a:rPr lang="en-US" dirty="0" smtClean="0"/>
-              <a:t> - monoamine oxidase (MAO) inhibitors", "</a:t>
-            </a:r>
-            <a:r>
-              <a:rPr lang="en-US" dirty="0" err="1" smtClean="0"/>
-              <a:t>Triptans</a:t>
-            </a:r>
-            <a:r>
-              <a:rPr lang="en-US" dirty="0" smtClean="0"/>
-              <a:t> - monoamine oxidase (MAO) inhibitors", "</a:t>
-            </a:r>
-            <a:r>
-              <a:rPr lang="en-US" dirty="0" err="1" smtClean="0"/>
-              <a:t>Triptans</a:t>
-            </a:r>
-            <a:r>
-              <a:rPr lang="en-US" dirty="0" smtClean="0"/>
-              <a:t> - monoamine oxidase (MAO) inhibitors", "</a:t>
-            </a:r>
-            <a:r>
-              <a:rPr lang="en-US" dirty="0" err="1" smtClean="0"/>
-              <a:t>Triptans</a:t>
-            </a:r>
-            <a:r>
-              <a:rPr lang="en-US" dirty="0" smtClean="0"/>
-              <a:t> - monoamine oxidase (MAO) inhibitors" ],</a:t>
-            </a:r>
-          </a:p>
-          <a:p>
-            <a:pPr marL="0" indent="0">
-              <a:buNone/>
-            </a:pPr>
-            <a:r>
-              <a:rPr lang="en-US" dirty="0" smtClean="0"/>
-              <a:t>  "</a:t>
-            </a:r>
-            <a:r>
-              <a:rPr lang="en-US" dirty="0" err="1" smtClean="0">
-                <a:solidFill>
-                  <a:srgbClr val="00B050"/>
-                </a:solidFill>
-              </a:rPr>
-              <a:t>IdList</a:t>
-            </a:r>
-            <a:r>
-              <a:rPr lang="en-US" dirty="0" smtClean="0"/>
-              <a:t>" : [ "88014", "10734", "88014", "30121", "88014", "6011", "88014", "6878", "88014", "8123" ],</a:t>
-            </a:r>
-          </a:p>
-          <a:p>
-            <a:pPr marL="0" indent="0">
-              <a:buNone/>
-            </a:pPr>
-            <a:r>
-              <a:rPr lang="en-US" dirty="0" smtClean="0"/>
-              <a:t>  "</a:t>
-            </a:r>
-            <a:r>
-              <a:rPr lang="en-US" dirty="0" err="1" smtClean="0">
-                <a:solidFill>
-                  <a:srgbClr val="00B050"/>
-                </a:solidFill>
-              </a:rPr>
-              <a:t>NameList</a:t>
-            </a:r>
-            <a:r>
-              <a:rPr lang="en-US" dirty="0" smtClean="0"/>
-              <a:t>" : [ "</a:t>
-            </a:r>
-            <a:r>
-              <a:rPr lang="en-US" dirty="0" err="1" smtClean="0"/>
-              <a:t>rizatriptan</a:t>
-            </a:r>
-            <a:r>
-              <a:rPr lang="en-US" dirty="0" smtClean="0"/>
-              <a:t>", "tranylcypromine", "</a:t>
-            </a:r>
-            <a:r>
-              <a:rPr lang="en-US" dirty="0" err="1" smtClean="0"/>
-              <a:t>rizatriptan</a:t>
-            </a:r>
-            <a:r>
-              <a:rPr lang="en-US" dirty="0" smtClean="0"/>
-              <a:t>", "</a:t>
-            </a:r>
-            <a:r>
-              <a:rPr lang="en-US" dirty="0" err="1" smtClean="0"/>
-              <a:t>moclobemide</a:t>
-            </a:r>
-            <a:r>
-              <a:rPr lang="en-US" dirty="0" smtClean="0"/>
-              <a:t>", "</a:t>
-            </a:r>
-            <a:r>
-              <a:rPr lang="en-US" dirty="0" err="1" smtClean="0"/>
-              <a:t>rizatriptan</a:t>
-            </a:r>
-            <a:r>
-              <a:rPr lang="en-US" dirty="0" smtClean="0"/>
-              <a:t>", "</a:t>
-            </a:r>
-            <a:r>
-              <a:rPr lang="en-US" dirty="0" err="1" smtClean="0"/>
-              <a:t>isocarboxazid</a:t>
-            </a:r>
-            <a:r>
-              <a:rPr lang="en-US" dirty="0" smtClean="0"/>
-              <a:t>", "</a:t>
-            </a:r>
-            <a:r>
-              <a:rPr lang="en-US" dirty="0" err="1" smtClean="0"/>
-              <a:t>rizatriptan</a:t>
-            </a:r>
-            <a:r>
-              <a:rPr lang="en-US" dirty="0" smtClean="0"/>
-              <a:t>", "methylene blue", "</a:t>
-            </a:r>
-            <a:r>
-              <a:rPr lang="en-US" dirty="0" err="1" smtClean="0"/>
-              <a:t>rizatriptan</a:t>
-            </a:r>
-            <a:r>
-              <a:rPr lang="en-US" dirty="0" smtClean="0"/>
-              <a:t>", "</a:t>
-            </a:r>
-            <a:r>
-              <a:rPr lang="en-US" dirty="0" err="1" smtClean="0"/>
-              <a:t>phenelzine</a:t>
-            </a:r>
-            <a:r>
-              <a:rPr lang="en-US" dirty="0" smtClean="0"/>
-              <a:t>" ]</a:t>
-            </a:r>
-          </a:p>
-          <a:p>
-            <a:pPr marL="0" indent="0">
-              <a:buNone/>
-            </a:pPr>
-            <a:r>
-              <a:rPr lang="en-US" dirty="0" smtClean="0"/>
-              <a:t>}</a:t>
-            </a:r>
-            <a:endParaRPr lang="en-US" dirty="0"/>
-          </a:p>
-        </p:txBody>
-      </p:sp>
+            <p:extLst>
+              <p:ext uri="{D42A27DB-BD31-4B8C-83A1-F6EECF244321}">
+                <p14:modId xmlns:p14="http://schemas.microsoft.com/office/powerpoint/2010/main" val="1398463598"/>
+              </p:ext>
+            </p:extLst>
+          </p:nvPr>
+        </p:nvGraphicFramePr>
+        <p:xfrm>
+          <a:off x="457200" y="1600200"/>
+          <a:ext cx="8229600" cy="4399280"/>
+        </p:xfrm>
+        <a:graphic>
+          <a:graphicData uri="http://schemas.openxmlformats.org/drawingml/2006/table">
+            <a:tbl>
+              <a:tblPr firstRow="1" bandRow="1">
+                <a:tableStyleId>{5C22544A-7EE6-4342-B048-85BDC9FD1C3A}</a:tableStyleId>
+              </a:tblPr>
+              <a:tblGrid>
+                <a:gridCol w="2743200"/>
+                <a:gridCol w="2743200"/>
+                <a:gridCol w="2743200"/>
+              </a:tblGrid>
+              <a:tr h="370840">
+                <a:tc>
+                  <a:txBody>
+                    <a:bodyPr/>
+                    <a:lstStyle/>
+                    <a:p>
+                      <a:r>
+                        <a:rPr lang="en-US" dirty="0" smtClean="0"/>
+                        <a:t>Source</a:t>
+                      </a:r>
+                      <a:endParaRPr lang="en-US" dirty="0"/>
+                    </a:p>
+                  </a:txBody>
+                  <a:tcPr/>
+                </a:tc>
+                <a:tc>
+                  <a:txBody>
+                    <a:bodyPr/>
+                    <a:lstStyle/>
+                    <a:p>
+                      <a:r>
+                        <a:rPr lang="en-US" dirty="0" smtClean="0"/>
+                        <a:t>Type</a:t>
+                      </a:r>
+                      <a:endParaRPr lang="en-US" dirty="0"/>
+                    </a:p>
+                  </a:txBody>
+                  <a:tcPr/>
+                </a:tc>
+                <a:tc>
+                  <a:txBody>
+                    <a:bodyPr/>
+                    <a:lstStyle/>
+                    <a:p>
+                      <a:r>
+                        <a:rPr lang="en-US" dirty="0" smtClean="0"/>
+                        <a:t>Description</a:t>
+                      </a:r>
+                      <a:endParaRPr lang="en-US" dirty="0"/>
+                    </a:p>
+                  </a:txBody>
+                  <a:tcPr/>
+                </a:tc>
+              </a:tr>
+              <a:tr h="370840">
+                <a:tc>
+                  <a:txBody>
+                    <a:bodyPr/>
+                    <a:lstStyle/>
+                    <a:p>
+                      <a:r>
+                        <a:rPr lang="en-US" dirty="0" smtClean="0"/>
+                        <a:t>Doctor DB</a:t>
+                      </a:r>
+                      <a:r>
+                        <a:rPr lang="en-US" baseline="0" dirty="0" smtClean="0"/>
+                        <a:t> </a:t>
+                      </a:r>
+                      <a:endParaRPr lang="en-US" dirty="0"/>
+                    </a:p>
+                  </a:txBody>
+                  <a:tcPr/>
+                </a:tc>
+                <a:tc>
+                  <a:txBody>
+                    <a:bodyPr/>
+                    <a:lstStyle/>
+                    <a:p>
+                      <a:r>
+                        <a:rPr lang="en-US" dirty="0" err="1" smtClean="0"/>
+                        <a:t>MySql</a:t>
+                      </a:r>
+                      <a:r>
+                        <a:rPr lang="en-US" dirty="0" smtClean="0"/>
+                        <a:t> ,</a:t>
+                      </a:r>
+                      <a:r>
+                        <a:rPr lang="en-US" baseline="0" dirty="0" smtClean="0"/>
+                        <a:t> Relation DB</a:t>
+                      </a:r>
+                      <a:endParaRPr lang="en-US" dirty="0"/>
+                    </a:p>
+                  </a:txBody>
+                  <a:tcPr/>
+                </a:tc>
+                <a:tc>
+                  <a:txBody>
+                    <a:bodyPr/>
+                    <a:lstStyle/>
+                    <a:p>
+                      <a:r>
+                        <a:rPr lang="en-US" dirty="0" err="1" smtClean="0"/>
+                        <a:t>Rt</a:t>
+                      </a:r>
+                      <a:r>
+                        <a:rPr lang="en-US" dirty="0" smtClean="0"/>
+                        <a:t> doctor </a:t>
+                      </a:r>
+                      <a:r>
+                        <a:rPr lang="en-US" dirty="0" err="1" smtClean="0"/>
+                        <a:t>db</a:t>
+                      </a:r>
+                      <a:r>
+                        <a:rPr lang="en-US" dirty="0" smtClean="0"/>
+                        <a:t> ,that saved patient history,</a:t>
+                      </a:r>
+                      <a:r>
+                        <a:rPr lang="en-US" baseline="0" dirty="0" smtClean="0"/>
+                        <a:t> doctors information.</a:t>
+                      </a:r>
+                      <a:r>
+                        <a:rPr lang="en-US" dirty="0" smtClean="0"/>
+                        <a:t> </a:t>
+                      </a:r>
+                      <a:endParaRPr lang="en-US" dirty="0"/>
+                    </a:p>
+                  </a:txBody>
+                  <a:tcPr/>
+                </a:tc>
+              </a:tr>
+              <a:tr h="370840">
+                <a:tc>
+                  <a:txBody>
+                    <a:bodyPr/>
+                    <a:lstStyle/>
+                    <a:p>
+                      <a:r>
+                        <a:rPr lang="en-US" dirty="0" smtClean="0"/>
+                        <a:t>Diseases DB </a:t>
+                      </a:r>
+                      <a:endParaRPr lang="en-US" dirty="0"/>
+                    </a:p>
+                  </a:txBody>
+                  <a:tcPr/>
+                </a:tc>
+                <a:tc>
+                  <a:txBody>
+                    <a:bodyPr/>
+                    <a:lstStyle/>
+                    <a:p>
+                      <a:r>
+                        <a:rPr lang="en-US" dirty="0" smtClean="0"/>
+                        <a:t> constantly taken drugs</a:t>
+                      </a:r>
+                      <a:endParaRPr lang="en-US" dirty="0"/>
+                    </a:p>
+                  </a:txBody>
+                  <a:tcPr/>
+                </a:tc>
+                <a:tc>
+                  <a:txBody>
+                    <a:bodyPr/>
+                    <a:lstStyle/>
+                    <a:p>
+                      <a:r>
+                        <a:rPr lang="en-US" dirty="0" smtClean="0"/>
+                        <a:t>Loaded data from external</a:t>
+                      </a:r>
+                      <a:r>
+                        <a:rPr lang="en-US" baseline="0" dirty="0" smtClean="0"/>
+                        <a:t> data source</a:t>
+                      </a:r>
+                      <a:endParaRPr lang="en-US" dirty="0"/>
+                    </a:p>
+                  </a:txBody>
+                  <a:tcPr/>
+                </a:tc>
+              </a:tr>
+              <a:tr h="370840">
+                <a:tc>
+                  <a:txBody>
+                    <a:bodyPr/>
+                    <a:lstStyle/>
+                    <a:p>
+                      <a:r>
+                        <a:rPr lang="en-US" dirty="0" smtClean="0"/>
+                        <a:t>External</a:t>
+                      </a:r>
+                      <a:r>
+                        <a:rPr lang="en-US" baseline="0" dirty="0" smtClean="0"/>
+                        <a:t> APIs –drugs </a:t>
+                      </a:r>
+                      <a:r>
+                        <a:rPr lang="en-US" baseline="0" dirty="0" err="1" smtClean="0"/>
+                        <a:t>api</a:t>
+                      </a:r>
+                      <a:endParaRPr lang="en-US" dirty="0"/>
+                    </a:p>
+                  </a:txBody>
+                  <a:tcPr/>
+                </a:tc>
+                <a:tc>
+                  <a:txBody>
+                    <a:bodyPr/>
+                    <a:lstStyle/>
+                    <a:p>
+                      <a:r>
+                        <a:rPr lang="en-US" dirty="0" smtClean="0"/>
+                        <a:t>4 official drug interaction </a:t>
+                      </a:r>
+                      <a:r>
+                        <a:rPr lang="en-US" dirty="0" err="1" smtClean="0"/>
+                        <a:t>apis</a:t>
+                      </a:r>
+                      <a:r>
+                        <a:rPr lang="en-US" dirty="0" smtClean="0"/>
+                        <a:t> of National Institute of Health, USA </a:t>
+                      </a:r>
+                      <a:endParaRPr lang="en-US" dirty="0"/>
+                    </a:p>
+                  </a:txBody>
+                  <a:tcPr/>
+                </a:tc>
+                <a:tc>
+                  <a:txBody>
+                    <a:bodyPr/>
+                    <a:lstStyle/>
+                    <a:p>
+                      <a:r>
+                        <a:rPr lang="en-US" dirty="0" smtClean="0"/>
+                        <a:t>https://lhncbc.nlm.nih.gov/RxNav/APIs/InteractionAPIs.html</a:t>
+                      </a:r>
+                      <a:endParaRPr lang="en-US" dirty="0"/>
+                    </a:p>
+                  </a:txBody>
+                  <a:tcPr/>
+                </a:tc>
+              </a:tr>
+              <a:tr h="370840">
+                <a:tc>
+                  <a:txBody>
+                    <a:bodyPr/>
+                    <a:lstStyle/>
+                    <a:p>
+                      <a:r>
+                        <a:rPr lang="en-US" dirty="0" smtClean="0"/>
+                        <a:t>All</a:t>
+                      </a:r>
+                      <a:r>
+                        <a:rPr lang="en-US" baseline="0" dirty="0" smtClean="0"/>
+                        <a:t> drug receipts archive</a:t>
+                      </a:r>
+                      <a:endParaRPr lang="en-US" dirty="0"/>
+                    </a:p>
+                  </a:txBody>
+                  <a:tcPr/>
+                </a:tc>
+                <a:tc>
+                  <a:txBody>
+                    <a:bodyPr/>
+                    <a:lstStyle/>
+                    <a:p>
+                      <a:r>
+                        <a:rPr lang="en-US" dirty="0" smtClean="0"/>
+                        <a:t>HDFS,</a:t>
+                      </a:r>
+                      <a:r>
+                        <a:rPr lang="en-US" baseline="0" dirty="0" smtClean="0"/>
+                        <a:t> cloud</a:t>
+                      </a:r>
+                      <a:endParaRPr lang="en-US" dirty="0"/>
+                    </a:p>
+                  </a:txBody>
+                  <a:tcPr/>
+                </a:tc>
+                <a:tc>
+                  <a:txBody>
+                    <a:bodyPr/>
+                    <a:lstStyle/>
+                    <a:p>
+                      <a:endParaRPr lang="en-US" dirty="0"/>
+                    </a:p>
+                  </a:txBody>
+                  <a:tcPr/>
+                </a:tc>
+              </a:tr>
+              <a:tr h="370840">
+                <a:tc>
+                  <a:txBody>
+                    <a:bodyPr/>
+                    <a:lstStyle/>
+                    <a:p>
+                      <a:r>
+                        <a:rPr lang="en-US" dirty="0" smtClean="0"/>
+                        <a:t>Mongo </a:t>
+                      </a:r>
+                      <a:r>
+                        <a:rPr lang="en-US" dirty="0" err="1" smtClean="0"/>
+                        <a:t>db</a:t>
+                      </a:r>
+                      <a:endParaRPr lang="en-US" dirty="0"/>
+                    </a:p>
+                  </a:txBody>
+                  <a:tcPr/>
+                </a:tc>
+                <a:tc>
+                  <a:txBody>
+                    <a:bodyPr/>
+                    <a:lstStyle/>
+                    <a:p>
+                      <a:r>
+                        <a:rPr lang="en-US" dirty="0" smtClean="0"/>
+                        <a:t>New </a:t>
+                      </a:r>
+                      <a:r>
+                        <a:rPr lang="en-US" dirty="0" err="1" smtClean="0"/>
+                        <a:t>db</a:t>
+                      </a:r>
+                      <a:r>
+                        <a:rPr lang="en-US" dirty="0" smtClean="0"/>
+                        <a:t> to save data in useful format</a:t>
+                      </a:r>
+                      <a:r>
+                        <a:rPr lang="en-US" baseline="0" dirty="0" smtClean="0"/>
+                        <a:t> after  first checks for further uses without </a:t>
+                      </a:r>
+                      <a:endParaRPr lang="en-US" dirty="0"/>
+                    </a:p>
+                  </a:txBody>
+                  <a:tcPr/>
+                </a:tc>
+                <a:tc>
+                  <a:txBody>
+                    <a:bodyPr/>
+                    <a:lstStyle/>
+                    <a:p>
+                      <a:endParaRPr lang="en-US" dirty="0"/>
+                    </a:p>
+                  </a:txBody>
+                  <a:tcPr/>
+                </a:tc>
+              </a:tr>
+            </a:tbl>
+          </a:graphicData>
+        </a:graphic>
+      </p:graphicFrame>
     </p:spTree>
     <p:extLst>
       <p:ext uri="{BB962C8B-B14F-4D97-AF65-F5344CB8AC3E}">
-        <p14:creationId xmlns:p14="http://schemas.microsoft.com/office/powerpoint/2010/main" val="707677580"/>
+        <p14:creationId xmlns:p14="http://schemas.microsoft.com/office/powerpoint/2010/main" val="3653606258"/>
       </p:ext>
     </p:extLst>
   </p:cSld>
@@ -7443,432 +7755,6 @@
 </file>
 
 <file path=ppt/slides/slide20.xml><?xml version="1.0" encoding="utf-8"?>
-<p:sld xmlns:a="http://schemas.openxmlformats.org/drawingml/2006/main" xmlns:r="http://schemas.openxmlformats.org/officeDocument/2006/relationships" xmlns:p="http://schemas.openxmlformats.org/presentationml/2006/main">
-  <p:cSld>
-    <p:spTree>
-      <p:nvGrpSpPr>
-        <p:cNvPr id="1" name=""/>
-        <p:cNvGrpSpPr/>
-        <p:nvPr/>
-      </p:nvGrpSpPr>
-      <p:grpSpPr>
-        <a:xfrm>
-          <a:off x="0" y="0"/>
-          <a:ext cx="0" cy="0"/>
-          <a:chOff x="0" y="0"/>
-          <a:chExt cx="0" cy="0"/>
-        </a:xfrm>
-      </p:grpSpPr>
-      <p:sp>
-        <p:nvSpPr>
-          <p:cNvPr id="2" name="Title 1"/>
-          <p:cNvSpPr>
-            <a:spLocks noGrp="1"/>
-          </p:cNvSpPr>
-          <p:nvPr>
-            <p:ph type="title"/>
-          </p:nvPr>
-        </p:nvSpPr>
-        <p:spPr/>
-        <p:txBody>
-          <a:bodyPr/>
-          <a:lstStyle/>
-          <a:p>
-            <a:r>
-              <a:rPr lang="en-US" dirty="0" smtClean="0"/>
-              <a:t>Data Sources</a:t>
-            </a:r>
-            <a:endParaRPr lang="en-US" dirty="0"/>
-          </a:p>
-        </p:txBody>
-      </p:sp>
-      <p:graphicFrame>
-        <p:nvGraphicFramePr>
-          <p:cNvPr id="4" name="Content Placeholder 3"/>
-          <p:cNvGraphicFramePr>
-            <a:graphicFrameLocks noGrp="1"/>
-          </p:cNvGraphicFramePr>
-          <p:nvPr>
-            <p:ph idx="1"/>
-            <p:extLst>
-              <p:ext uri="{D42A27DB-BD31-4B8C-83A1-F6EECF244321}">
-                <p14:modId xmlns:p14="http://schemas.microsoft.com/office/powerpoint/2010/main" val="1398463598"/>
-              </p:ext>
-            </p:extLst>
-          </p:nvPr>
-        </p:nvGraphicFramePr>
-        <p:xfrm>
-          <a:off x="457200" y="1600200"/>
-          <a:ext cx="8229600" cy="4399280"/>
-        </p:xfrm>
-        <a:graphic>
-          <a:graphicData uri="http://schemas.openxmlformats.org/drawingml/2006/table">
-            <a:tbl>
-              <a:tblPr firstRow="1" bandRow="1">
-                <a:tableStyleId>{5C22544A-7EE6-4342-B048-85BDC9FD1C3A}</a:tableStyleId>
-              </a:tblPr>
-              <a:tblGrid>
-                <a:gridCol w="2743200"/>
-                <a:gridCol w="2743200"/>
-                <a:gridCol w="2743200"/>
-              </a:tblGrid>
-              <a:tr h="370840">
-                <a:tc>
-                  <a:txBody>
-                    <a:bodyPr/>
-                    <a:lstStyle/>
-                    <a:p>
-                      <a:r>
-                        <a:rPr lang="en-US" dirty="0" smtClean="0"/>
-                        <a:t>Source</a:t>
-                      </a:r>
-                      <a:endParaRPr lang="en-US" dirty="0"/>
-                    </a:p>
-                  </a:txBody>
-                  <a:tcPr/>
-                </a:tc>
-                <a:tc>
-                  <a:txBody>
-                    <a:bodyPr/>
-                    <a:lstStyle/>
-                    <a:p>
-                      <a:r>
-                        <a:rPr lang="en-US" dirty="0" smtClean="0"/>
-                        <a:t>Type</a:t>
-                      </a:r>
-                      <a:endParaRPr lang="en-US" dirty="0"/>
-                    </a:p>
-                  </a:txBody>
-                  <a:tcPr/>
-                </a:tc>
-                <a:tc>
-                  <a:txBody>
-                    <a:bodyPr/>
-                    <a:lstStyle/>
-                    <a:p>
-                      <a:r>
-                        <a:rPr lang="en-US" dirty="0" smtClean="0"/>
-                        <a:t>Description</a:t>
-                      </a:r>
-                      <a:endParaRPr lang="en-US" dirty="0"/>
-                    </a:p>
-                  </a:txBody>
-                  <a:tcPr/>
-                </a:tc>
-              </a:tr>
-              <a:tr h="370840">
-                <a:tc>
-                  <a:txBody>
-                    <a:bodyPr/>
-                    <a:lstStyle/>
-                    <a:p>
-                      <a:r>
-                        <a:rPr lang="en-US" dirty="0" smtClean="0"/>
-                        <a:t>Doctor DB</a:t>
-                      </a:r>
-                      <a:r>
-                        <a:rPr lang="en-US" baseline="0" dirty="0" smtClean="0"/>
-                        <a:t> </a:t>
-                      </a:r>
-                      <a:endParaRPr lang="en-US" dirty="0"/>
-                    </a:p>
-                  </a:txBody>
-                  <a:tcPr/>
-                </a:tc>
-                <a:tc>
-                  <a:txBody>
-                    <a:bodyPr/>
-                    <a:lstStyle/>
-                    <a:p>
-                      <a:r>
-                        <a:rPr lang="en-US" dirty="0" err="1" smtClean="0"/>
-                        <a:t>MySql</a:t>
-                      </a:r>
-                      <a:r>
-                        <a:rPr lang="en-US" dirty="0" smtClean="0"/>
-                        <a:t> ,</a:t>
-                      </a:r>
-                      <a:r>
-                        <a:rPr lang="en-US" baseline="0" dirty="0" smtClean="0"/>
-                        <a:t> Relation DB</a:t>
-                      </a:r>
-                      <a:endParaRPr lang="en-US" dirty="0"/>
-                    </a:p>
-                  </a:txBody>
-                  <a:tcPr/>
-                </a:tc>
-                <a:tc>
-                  <a:txBody>
-                    <a:bodyPr/>
-                    <a:lstStyle/>
-                    <a:p>
-                      <a:r>
-                        <a:rPr lang="en-US" dirty="0" err="1" smtClean="0"/>
-                        <a:t>Rt</a:t>
-                      </a:r>
-                      <a:r>
-                        <a:rPr lang="en-US" dirty="0" smtClean="0"/>
-                        <a:t> doctor </a:t>
-                      </a:r>
-                      <a:r>
-                        <a:rPr lang="en-US" dirty="0" err="1" smtClean="0"/>
-                        <a:t>db</a:t>
-                      </a:r>
-                      <a:r>
-                        <a:rPr lang="en-US" dirty="0" smtClean="0"/>
-                        <a:t> ,that saved patient history,</a:t>
-                      </a:r>
-                      <a:r>
-                        <a:rPr lang="en-US" baseline="0" dirty="0" smtClean="0"/>
-                        <a:t> doctors information.</a:t>
-                      </a:r>
-                      <a:r>
-                        <a:rPr lang="en-US" dirty="0" smtClean="0"/>
-                        <a:t> </a:t>
-                      </a:r>
-                      <a:endParaRPr lang="en-US" dirty="0"/>
-                    </a:p>
-                  </a:txBody>
-                  <a:tcPr/>
-                </a:tc>
-              </a:tr>
-              <a:tr h="370840">
-                <a:tc>
-                  <a:txBody>
-                    <a:bodyPr/>
-                    <a:lstStyle/>
-                    <a:p>
-                      <a:r>
-                        <a:rPr lang="en-US" dirty="0" smtClean="0"/>
-                        <a:t>Diseases DB </a:t>
-                      </a:r>
-                      <a:endParaRPr lang="en-US" dirty="0"/>
-                    </a:p>
-                  </a:txBody>
-                  <a:tcPr/>
-                </a:tc>
-                <a:tc>
-                  <a:txBody>
-                    <a:bodyPr/>
-                    <a:lstStyle/>
-                    <a:p>
-                      <a:r>
-                        <a:rPr lang="en-US" dirty="0" smtClean="0"/>
-                        <a:t> constantly taken drugs</a:t>
-                      </a:r>
-                      <a:endParaRPr lang="en-US" dirty="0"/>
-                    </a:p>
-                  </a:txBody>
-                  <a:tcPr/>
-                </a:tc>
-                <a:tc>
-                  <a:txBody>
-                    <a:bodyPr/>
-                    <a:lstStyle/>
-                    <a:p>
-                      <a:r>
-                        <a:rPr lang="en-US" dirty="0" smtClean="0"/>
-                        <a:t>Loaded data from external</a:t>
-                      </a:r>
-                      <a:r>
-                        <a:rPr lang="en-US" baseline="0" dirty="0" smtClean="0"/>
-                        <a:t> data source</a:t>
-                      </a:r>
-                      <a:endParaRPr lang="en-US" dirty="0"/>
-                    </a:p>
-                  </a:txBody>
-                  <a:tcPr/>
-                </a:tc>
-              </a:tr>
-              <a:tr h="370840">
-                <a:tc>
-                  <a:txBody>
-                    <a:bodyPr/>
-                    <a:lstStyle/>
-                    <a:p>
-                      <a:r>
-                        <a:rPr lang="en-US" dirty="0" smtClean="0"/>
-                        <a:t>External</a:t>
-                      </a:r>
-                      <a:r>
-                        <a:rPr lang="en-US" baseline="0" dirty="0" smtClean="0"/>
-                        <a:t> APIs –drugs </a:t>
-                      </a:r>
-                      <a:r>
-                        <a:rPr lang="en-US" baseline="0" dirty="0" err="1" smtClean="0"/>
-                        <a:t>api</a:t>
-                      </a:r>
-                      <a:endParaRPr lang="en-US" dirty="0"/>
-                    </a:p>
-                  </a:txBody>
-                  <a:tcPr/>
-                </a:tc>
-                <a:tc>
-                  <a:txBody>
-                    <a:bodyPr/>
-                    <a:lstStyle/>
-                    <a:p>
-                      <a:r>
-                        <a:rPr lang="en-US" dirty="0" smtClean="0"/>
-                        <a:t>4 official drug interaction </a:t>
-                      </a:r>
-                      <a:r>
-                        <a:rPr lang="en-US" dirty="0" err="1" smtClean="0"/>
-                        <a:t>apis</a:t>
-                      </a:r>
-                      <a:r>
-                        <a:rPr lang="en-US" dirty="0" smtClean="0"/>
-                        <a:t> of National Institute of Health, USA </a:t>
-                      </a:r>
-                      <a:endParaRPr lang="en-US" dirty="0"/>
-                    </a:p>
-                  </a:txBody>
-                  <a:tcPr/>
-                </a:tc>
-                <a:tc>
-                  <a:txBody>
-                    <a:bodyPr/>
-                    <a:lstStyle/>
-                    <a:p>
-                      <a:r>
-                        <a:rPr lang="en-US" dirty="0" smtClean="0"/>
-                        <a:t>https://lhncbc.nlm.nih.gov/RxNav/APIs/InteractionAPIs.html</a:t>
-                      </a:r>
-                      <a:endParaRPr lang="en-US" dirty="0"/>
-                    </a:p>
-                  </a:txBody>
-                  <a:tcPr/>
-                </a:tc>
-              </a:tr>
-              <a:tr h="370840">
-                <a:tc>
-                  <a:txBody>
-                    <a:bodyPr/>
-                    <a:lstStyle/>
-                    <a:p>
-                      <a:r>
-                        <a:rPr lang="en-US" dirty="0" smtClean="0"/>
-                        <a:t>All</a:t>
-                      </a:r>
-                      <a:r>
-                        <a:rPr lang="en-US" baseline="0" dirty="0" smtClean="0"/>
-                        <a:t> drug receipts archive</a:t>
-                      </a:r>
-                      <a:endParaRPr lang="en-US" dirty="0"/>
-                    </a:p>
-                  </a:txBody>
-                  <a:tcPr/>
-                </a:tc>
-                <a:tc>
-                  <a:txBody>
-                    <a:bodyPr/>
-                    <a:lstStyle/>
-                    <a:p>
-                      <a:r>
-                        <a:rPr lang="en-US" dirty="0" smtClean="0"/>
-                        <a:t>HDFS,</a:t>
-                      </a:r>
-                      <a:r>
-                        <a:rPr lang="en-US" baseline="0" dirty="0" smtClean="0"/>
-                        <a:t> cloud</a:t>
-                      </a:r>
-                      <a:endParaRPr lang="en-US" dirty="0"/>
-                    </a:p>
-                  </a:txBody>
-                  <a:tcPr/>
-                </a:tc>
-                <a:tc>
-                  <a:txBody>
-                    <a:bodyPr/>
-                    <a:lstStyle/>
-                    <a:p>
-                      <a:endParaRPr lang="en-US" dirty="0"/>
-                    </a:p>
-                  </a:txBody>
-                  <a:tcPr/>
-                </a:tc>
-              </a:tr>
-              <a:tr h="370840">
-                <a:tc>
-                  <a:txBody>
-                    <a:bodyPr/>
-                    <a:lstStyle/>
-                    <a:p>
-                      <a:r>
-                        <a:rPr lang="en-US" dirty="0" smtClean="0"/>
-                        <a:t>Mongo </a:t>
-                      </a:r>
-                      <a:r>
-                        <a:rPr lang="en-US" dirty="0" err="1" smtClean="0"/>
-                        <a:t>db</a:t>
-                      </a:r>
-                      <a:endParaRPr lang="en-US" dirty="0"/>
-                    </a:p>
-                  </a:txBody>
-                  <a:tcPr/>
-                </a:tc>
-                <a:tc>
-                  <a:txBody>
-                    <a:bodyPr/>
-                    <a:lstStyle/>
-                    <a:p>
-                      <a:r>
-                        <a:rPr lang="en-US" dirty="0" smtClean="0"/>
-                        <a:t>New </a:t>
-                      </a:r>
-                      <a:r>
-                        <a:rPr lang="en-US" dirty="0" err="1" smtClean="0"/>
-                        <a:t>db</a:t>
-                      </a:r>
-                      <a:r>
-                        <a:rPr lang="en-US" dirty="0" smtClean="0"/>
-                        <a:t> to save data in useful format</a:t>
-                      </a:r>
-                      <a:r>
-                        <a:rPr lang="en-US" baseline="0" dirty="0" smtClean="0"/>
-                        <a:t> after  first checks for further uses without </a:t>
-                      </a:r>
-                      <a:endParaRPr lang="en-US" dirty="0"/>
-                    </a:p>
-                  </a:txBody>
-                  <a:tcPr/>
-                </a:tc>
-                <a:tc>
-                  <a:txBody>
-                    <a:bodyPr/>
-                    <a:lstStyle/>
-                    <a:p>
-                      <a:endParaRPr lang="en-US" dirty="0"/>
-                    </a:p>
-                  </a:txBody>
-                  <a:tcPr/>
-                </a:tc>
-              </a:tr>
-            </a:tbl>
-          </a:graphicData>
-        </a:graphic>
-      </p:graphicFrame>
-    </p:spTree>
-    <p:extLst>
-      <p:ext uri="{BB962C8B-B14F-4D97-AF65-F5344CB8AC3E}">
-        <p14:creationId xmlns:p14="http://schemas.microsoft.com/office/powerpoint/2010/main" val="3653606258"/>
-      </p:ext>
-    </p:extLst>
-  </p:cSld>
-  <p:clrMapOvr>
-    <a:masterClrMapping/>
-  </p:clrMapOvr>
-  <p:timing>
-    <p:tnLst>
-      <p:par>
-        <p:cTn id="1" dur="indefinite" restart="never" nodeType="tmRoot"/>
-      </p:par>
-    </p:tnLst>
-  </p:timing>
-</p:sld>
-</file>
-
-<file path=ppt/slides/slide21.xml><?xml version="1.0" encoding="utf-8"?>
 <p:sld xmlns:a="http://schemas.openxmlformats.org/drawingml/2006/main" xmlns:r="http://schemas.openxmlformats.org/officeDocument/2006/relationships" xmlns:p="http://schemas.openxmlformats.org/presentationml/2006/main">
   <p:cSld>
     <p:spTree>
@@ -7992,7 +7878,7 @@
 </p:sld>
 </file>
 
-<file path=ppt/slides/slide22.xml><?xml version="1.0" encoding="utf-8"?>
+<file path=ppt/slides/slide21.xml><?xml version="1.0" encoding="utf-8"?>
 <p:sld xmlns:a="http://schemas.openxmlformats.org/drawingml/2006/main" xmlns:r="http://schemas.openxmlformats.org/officeDocument/2006/relationships" xmlns:p="http://schemas.openxmlformats.org/presentationml/2006/main">
   <p:cSld>
     <p:spTree>
@@ -8171,10 +8057,17 @@
   <p:clrMapOvr>
     <a:masterClrMapping/>
   </p:clrMapOvr>
+  <p:timing>
+    <p:tnLst>
+      <p:par>
+        <p:cTn id="1" dur="indefinite" restart="never" nodeType="tmRoot"/>
+      </p:par>
+    </p:tnLst>
+  </p:timing>
 </p:sld>
 </file>
 
-<file path=ppt/slides/slide23.xml><?xml version="1.0" encoding="utf-8"?>
+<file path=ppt/slides/slide22.xml><?xml version="1.0" encoding="utf-8"?>
 <p:sld xmlns:a="http://schemas.openxmlformats.org/drawingml/2006/main" xmlns:r="http://schemas.openxmlformats.org/officeDocument/2006/relationships" xmlns:p="http://schemas.openxmlformats.org/presentationml/2006/main">
   <p:cSld>
     <p:spTree>
@@ -8260,7 +8153,7 @@
         </p:blipFill>
         <p:spPr bwMode="auto">
           <a:xfrm>
-            <a:off x="882460" y="2164469"/>
+            <a:off x="609600" y="1981200"/>
             <a:ext cx="7379079" cy="3397425"/>
           </a:xfrm>
           <a:prstGeom prst="rect">
@@ -8311,6 +8204,166 @@
   <p:clrMapOvr>
     <a:masterClrMapping/>
   </p:clrMapOvr>
+  <p:timing>
+    <p:tnLst>
+      <p:par>
+        <p:cTn id="1" dur="indefinite" restart="never" nodeType="tmRoot"/>
+      </p:par>
+    </p:tnLst>
+  </p:timing>
+</p:sld>
+</file>
+
+<file path=ppt/slides/slide23.xml><?xml version="1.0" encoding="utf-8"?>
+<p:sld xmlns:a="http://schemas.openxmlformats.org/drawingml/2006/main" xmlns:r="http://schemas.openxmlformats.org/officeDocument/2006/relationships" xmlns:p="http://schemas.openxmlformats.org/presentationml/2006/main">
+  <p:cSld>
+    <p:spTree>
+      <p:nvGrpSpPr>
+        <p:cNvPr id="1" name=""/>
+        <p:cNvGrpSpPr/>
+        <p:nvPr/>
+      </p:nvGrpSpPr>
+      <p:grpSpPr>
+        <a:xfrm>
+          <a:off x="0" y="0"/>
+          <a:ext cx="0" cy="0"/>
+          <a:chOff x="0" y="0"/>
+          <a:chExt cx="0" cy="0"/>
+        </a:xfrm>
+      </p:grpSpPr>
+      <p:sp>
+        <p:nvSpPr>
+          <p:cNvPr id="2" name="Title 1"/>
+          <p:cNvSpPr>
+            <a:spLocks noGrp="1"/>
+          </p:cNvSpPr>
+          <p:nvPr>
+            <p:ph type="title"/>
+          </p:nvPr>
+        </p:nvSpPr>
+        <p:spPr/>
+        <p:txBody>
+          <a:bodyPr>
+            <a:normAutofit fontScale="90000"/>
+          </a:bodyPr>
+          <a:lstStyle/>
+          <a:p>
+            <a:r>
+              <a:rPr lang="en-US" dirty="0" smtClean="0"/>
+              <a:t>Mango </a:t>
+            </a:r>
+            <a:r>
+              <a:rPr lang="en-US" dirty="0" err="1" smtClean="0"/>
+              <a:t>db</a:t>
+            </a:r>
+            <a:r>
+              <a:rPr lang="en-US" dirty="0" smtClean="0"/>
+              <a:t> –alternative further data source</a:t>
+            </a:r>
+            <a:endParaRPr lang="en-US" dirty="0"/>
+          </a:p>
+        </p:txBody>
+      </p:sp>
+      <p:sp>
+        <p:nvSpPr>
+          <p:cNvPr id="3" name="Content Placeholder 2"/>
+          <p:cNvSpPr>
+            <a:spLocks noGrp="1"/>
+          </p:cNvSpPr>
+          <p:nvPr>
+            <p:ph idx="1"/>
+          </p:nvPr>
+        </p:nvSpPr>
+        <p:spPr/>
+        <p:txBody>
+          <a:bodyPr/>
+          <a:lstStyle/>
+          <a:p>
+            <a:endParaRPr lang="en-US" dirty="0"/>
+          </a:p>
+        </p:txBody>
+      </p:sp>
+      <p:pic>
+        <p:nvPicPr>
+          <p:cNvPr id="8194" name="Picture 2"/>
+          <p:cNvPicPr>
+            <a:picLocks noChangeAspect="1" noChangeArrowheads="1"/>
+          </p:cNvPicPr>
+          <p:nvPr/>
+        </p:nvPicPr>
+        <p:blipFill>
+          <a:blip r:embed="rId2">
+            <a:extLst>
+              <a:ext uri="{28A0092B-C50C-407E-A947-70E740481C1C}">
+                <a14:useLocalDpi xmlns:a14="http://schemas.microsoft.com/office/drawing/2010/main" val="0"/>
+              </a:ext>
+            </a:extLst>
+          </a:blip>
+          <a:srcRect/>
+          <a:stretch>
+            <a:fillRect/>
+          </a:stretch>
+        </p:blipFill>
+        <p:spPr bwMode="auto">
+          <a:xfrm>
+            <a:off x="26647" y="1524000"/>
+            <a:ext cx="9151400" cy="5334000"/>
+          </a:xfrm>
+          <a:prstGeom prst="rect">
+            <a:avLst/>
+          </a:prstGeom>
+          <a:noFill/>
+          <a:ln>
+            <a:noFill/>
+          </a:ln>
+          <a:effectLst/>
+          <a:extLst>
+            <a:ext uri="{909E8E84-426E-40DD-AFC4-6F175D3DCCD1}">
+              <a14:hiddenFill xmlns:a14="http://schemas.microsoft.com/office/drawing/2010/main">
+                <a:solidFill>
+                  <a:schemeClr val="accent1"/>
+                </a:solidFill>
+              </a14:hiddenFill>
+            </a:ext>
+            <a:ext uri="{91240B29-F687-4F45-9708-019B960494DF}">
+              <a14:hiddenLine xmlns:a14="http://schemas.microsoft.com/office/drawing/2010/main" w="9525">
+                <a:solidFill>
+                  <a:schemeClr val="tx1"/>
+                </a:solidFill>
+                <a:miter lim="800000"/>
+                <a:headEnd/>
+                <a:tailEnd/>
+              </a14:hiddenLine>
+            </a:ext>
+            <a:ext uri="{AF507438-7753-43E0-B8FC-AC1667EBCBE1}">
+              <a14:hiddenEffects xmlns:a14="http://schemas.microsoft.com/office/drawing/2010/main">
+                <a:effectLst>
+                  <a:outerShdw dist="35921" dir="2700000" algn="ctr" rotWithShape="0">
+                    <a:schemeClr val="bg2"/>
+                  </a:outerShdw>
+                </a:effectLst>
+              </a14:hiddenEffects>
+            </a:ext>
+          </a:extLst>
+        </p:spPr>
+      </p:pic>
+    </p:spTree>
+    <p:extLst>
+      <p:ext uri="{BB962C8B-B14F-4D97-AF65-F5344CB8AC3E}">
+        <p14:creationId xmlns:p14="http://schemas.microsoft.com/office/powerpoint/2010/main" val="2960678345"/>
+      </p:ext>
+    </p:extLst>
+  </p:cSld>
+  <p:clrMapOvr>
+    <a:masterClrMapping/>
+  </p:clrMapOvr>
+  <p:timing>
+    <p:tnLst>
+      <p:par>
+        <p:cTn id="1" dur="indefinite" restart="never" nodeType="tmRoot"/>
+      </p:par>
+    </p:tnLst>
+  </p:timing>
 </p:sld>
 </file>
 
@@ -9492,6 +9545,13 @@
   <p:clrMapOvr>
     <a:masterClrMapping/>
   </p:clrMapOvr>
+  <p:timing>
+    <p:tnLst>
+      <p:par>
+        <p:cTn id="1" dur="indefinite" restart="never" nodeType="tmRoot"/>
+      </p:par>
+    </p:tnLst>
+  </p:timing>
 </p:sld>
 </file>
 
@@ -9952,7 +10012,7 @@
           <a:p>
             <a:r>
               <a:rPr lang="en-US" dirty="0" smtClean="0"/>
-              <a:t>Hive Table</a:t>
+              <a:t>Report by Doctor License </a:t>
             </a:r>
             <a:endParaRPr lang="en-US" dirty="0"/>
           </a:p>
@@ -9977,6 +10037,70 @@
           </a:p>
         </p:txBody>
       </p:sp>
+      <p:pic>
+        <p:nvPicPr>
+          <p:cNvPr id="5122" name="Picture 2"/>
+          <p:cNvPicPr>
+            <a:picLocks noChangeAspect="1" noChangeArrowheads="1"/>
+          </p:cNvPicPr>
+          <p:nvPr/>
+        </p:nvPicPr>
+        <p:blipFill>
+          <a:blip r:embed="rId2">
+            <a:extLst>
+              <a:ext uri="{28A0092B-C50C-407E-A947-70E740481C1C}">
+                <a14:useLocalDpi xmlns:a14="http://schemas.microsoft.com/office/drawing/2010/main" val="0"/>
+              </a:ext>
+            </a:extLst>
+          </a:blip>
+          <a:srcRect/>
+          <a:stretch>
+            <a:fillRect/>
+          </a:stretch>
+        </p:blipFill>
+        <p:spPr bwMode="auto">
+          <a:xfrm>
+            <a:off x="495300" y="1250593"/>
+            <a:ext cx="7658100" cy="4658081"/>
+          </a:xfrm>
+          <a:prstGeom prst="rect">
+            <a:avLst/>
+          </a:prstGeom>
+          <a:noFill/>
+          <a:ln>
+            <a:noFill/>
+          </a:ln>
+          <a:effectLst/>
+          <a:extLst>
+            <a:ext uri="{909E8E84-426E-40DD-AFC4-6F175D3DCCD1}">
+              <a14:hiddenFill xmlns:a14="http://schemas.microsoft.com/office/drawing/2010/main">
+                <a:solidFill>
+                  <a:schemeClr val="accent1"/>
+                </a:solidFill>
+              </a14:hiddenFill>
+            </a:ext>
+            <a:ext uri="{91240B29-F687-4F45-9708-019B960494DF}">
+              <a14:hiddenLine xmlns:a14="http://schemas.microsoft.com/office/drawing/2010/main" w="9525">
+                <a:solidFill>
+                  <a:schemeClr val="tx1"/>
+                </a:solidFill>
+                <a:miter lim="800000"/>
+                <a:headEnd/>
+                <a:tailEnd/>
+              </a14:hiddenLine>
+            </a:ext>
+            <a:ext uri="{AF507438-7753-43E0-B8FC-AC1667EBCBE1}">
+              <a14:hiddenEffects xmlns:a14="http://schemas.microsoft.com/office/drawing/2010/main">
+                <a:effectLst>
+                  <a:outerShdw dist="35921" dir="2700000" algn="ctr" rotWithShape="0">
+                    <a:schemeClr val="bg2"/>
+                  </a:outerShdw>
+                </a:effectLst>
+              </a14:hiddenEffects>
+            </a:ext>
+          </a:extLst>
+        </p:spPr>
+      </p:pic>
     </p:spTree>
     <p:extLst>
       <p:ext uri="{BB962C8B-B14F-4D97-AF65-F5344CB8AC3E}">
@@ -9987,6 +10111,13 @@
   <p:clrMapOvr>
     <a:masterClrMapping/>
   </p:clrMapOvr>
+  <p:timing>
+    <p:tnLst>
+      <p:par>
+        <p:cTn id="1" dur="indefinite" restart="never" nodeType="tmRoot"/>
+      </p:par>
+    </p:tnLst>
+  </p:timing>
 </p:sld>
 </file>
 
@@ -10144,14 +10275,24 @@
         </p:nvSpPr>
         <p:spPr/>
         <p:txBody>
-          <a:bodyPr>
-            <a:normAutofit fontScale="90000"/>
-          </a:bodyPr>
+          <a:bodyPr/>
           <a:lstStyle/>
           <a:p>
             <a:r>
               <a:rPr lang="en-US" dirty="0" smtClean="0"/>
-              <a:t>Possible reports and analysis from archive</a:t>
+              <a:t>Report by </a:t>
+            </a:r>
+            <a:r>
+              <a:rPr lang="en-US" dirty="0" err="1" smtClean="0"/>
+              <a:t>Kupat</a:t>
+            </a:r>
+            <a:r>
+              <a:rPr lang="en-US" dirty="0" smtClean="0"/>
+              <a:t> </a:t>
+            </a:r>
+            <a:r>
+              <a:rPr lang="en-US" dirty="0" err="1" smtClean="0"/>
+              <a:t>Holim</a:t>
             </a:r>
             <a:endParaRPr lang="en-US" dirty="0"/>
           </a:p>
@@ -10169,64 +10310,81 @@
         </p:nvSpPr>
         <p:spPr/>
         <p:txBody>
-          <a:bodyPr>
-            <a:normAutofit lnSpcReduction="10000"/>
-          </a:bodyPr>
+          <a:bodyPr/>
           <a:lstStyle/>
-          <a:p>
-            <a:r>
-              <a:rPr lang="en-US" dirty="0" smtClean="0"/>
-              <a:t>Report –amount of receipts with side effects and risks, which part of receipts cause negative effects to patients</a:t>
-            </a:r>
-          </a:p>
-          <a:p>
-            <a:r>
-              <a:rPr lang="en-US" dirty="0" smtClean="0"/>
-              <a:t>Which doctor gives more drugs with serious side effects and/or risks</a:t>
-            </a:r>
-          </a:p>
-          <a:p>
-            <a:r>
-              <a:rPr lang="en-US" dirty="0" smtClean="0"/>
-              <a:t>Which </a:t>
-            </a:r>
-            <a:r>
-              <a:rPr lang="en-US" dirty="0"/>
-              <a:t>diseases are more likely to conflict with the drugs taken for other diseases and require increased doctor's </a:t>
-            </a:r>
-            <a:r>
-              <a:rPr lang="en-US" dirty="0" smtClean="0"/>
-              <a:t>caution</a:t>
-            </a:r>
-            <a:endParaRPr lang="ru-RU" dirty="0" smtClean="0"/>
-          </a:p>
-          <a:p>
-            <a:r>
-              <a:rPr lang="en-US" dirty="0" err="1" smtClean="0"/>
-              <a:t>Etc</a:t>
-            </a:r>
-            <a:r>
-              <a:rPr lang="en-US" dirty="0"/>
-              <a:t> and </a:t>
-            </a:r>
-            <a:r>
-              <a:rPr lang="en-US" dirty="0" smtClean="0"/>
-              <a:t>much </a:t>
-            </a:r>
-            <a:r>
-              <a:rPr lang="en-US" dirty="0"/>
-              <a:t>more</a:t>
-            </a:r>
-          </a:p>
           <a:p>
             <a:endParaRPr lang="en-US" dirty="0"/>
           </a:p>
         </p:txBody>
       </p:sp>
+      <p:pic>
+        <p:nvPicPr>
+          <p:cNvPr id="6147" name="Picture 3"/>
+          <p:cNvPicPr>
+            <a:picLocks noChangeAspect="1" noChangeArrowheads="1"/>
+          </p:cNvPicPr>
+          <p:nvPr/>
+        </p:nvPicPr>
+        <p:blipFill>
+          <a:blip r:embed="rId2">
+            <a:extLst>
+              <a:ext uri="{28A0092B-C50C-407E-A947-70E740481C1C}">
+                <a14:useLocalDpi xmlns:a14="http://schemas.microsoft.com/office/drawing/2010/main" val="0"/>
+              </a:ext>
+            </a:extLst>
+          </a:blip>
+          <a:srcRect/>
+          <a:stretch>
+            <a:fillRect/>
+          </a:stretch>
+        </p:blipFill>
+        <p:spPr bwMode="auto">
+          <a:xfrm>
+            <a:off x="425450" y="1012825"/>
+            <a:ext cx="8293100" cy="4832350"/>
+          </a:xfrm>
+          <a:prstGeom prst="rect">
+            <a:avLst/>
+          </a:prstGeom>
+          <a:noFill/>
+          <a:ln>
+            <a:noFill/>
+          </a:ln>
+          <a:effectLst/>
+          <a:extLst>
+            <a:ext uri="{909E8E84-426E-40DD-AFC4-6F175D3DCCD1}">
+              <a14:hiddenFill xmlns:a14="http://schemas.microsoft.com/office/drawing/2010/main">
+                <a:solidFill>
+                  <a:schemeClr val="accent1"/>
+                </a:solidFill>
+              </a14:hiddenFill>
+            </a:ext>
+            <a:ext uri="{91240B29-F687-4F45-9708-019B960494DF}">
+              <a14:hiddenLine xmlns:a14="http://schemas.microsoft.com/office/drawing/2010/main" w="9525">
+                <a:solidFill>
+                  <a:schemeClr val="tx1"/>
+                </a:solidFill>
+                <a:miter lim="800000"/>
+                <a:headEnd/>
+                <a:tailEnd/>
+              </a14:hiddenLine>
+            </a:ext>
+            <a:ext uri="{AF507438-7753-43E0-B8FC-AC1667EBCBE1}">
+              <a14:hiddenEffects xmlns:a14="http://schemas.microsoft.com/office/drawing/2010/main">
+                <a:effectLst>
+                  <a:outerShdw dist="35921" dir="2700000" algn="ctr" rotWithShape="0">
+                    <a:schemeClr val="bg2"/>
+                  </a:outerShdw>
+                </a:effectLst>
+              </a14:hiddenEffects>
+            </a:ext>
+          </a:extLst>
+        </p:spPr>
+      </p:pic>
     </p:spTree>
     <p:extLst>
       <p:ext uri="{BB962C8B-B14F-4D97-AF65-F5344CB8AC3E}">
-        <p14:creationId xmlns:p14="http://schemas.microsoft.com/office/powerpoint/2010/main" val="3113213206"/>
+        <p14:creationId xmlns:p14="http://schemas.microsoft.com/office/powerpoint/2010/main" val="1793537845"/>
       </p:ext>
     </p:extLst>
   </p:cSld>
@@ -10272,876 +10430,89 @@
         </p:nvSpPr>
         <p:spPr/>
         <p:txBody>
-          <a:bodyPr/>
+          <a:bodyPr>
+            <a:normAutofit fontScale="90000"/>
+          </a:bodyPr>
           <a:lstStyle/>
           <a:p>
             <a:r>
               <a:rPr lang="en-US" dirty="0" smtClean="0"/>
-              <a:t>Doctor Application functionality</a:t>
+              <a:t>Possible reports and analysis from archive</a:t>
             </a:r>
             <a:endParaRPr lang="en-US" dirty="0"/>
           </a:p>
         </p:txBody>
       </p:sp>
-      <p:graphicFrame>
-        <p:nvGraphicFramePr>
-          <p:cNvPr id="4" name="Content Placeholder 3"/>
-          <p:cNvGraphicFramePr>
-            <a:graphicFrameLocks noGrp="1"/>
-          </p:cNvGraphicFramePr>
+      <p:sp>
+        <p:nvSpPr>
+          <p:cNvPr id="3" name="Content Placeholder 2"/>
+          <p:cNvSpPr>
+            <a:spLocks noGrp="1"/>
+          </p:cNvSpPr>
           <p:nvPr>
             <p:ph idx="1"/>
-            <p:extLst>
-              <p:ext uri="{D42A27DB-BD31-4B8C-83A1-F6EECF244321}">
-                <p14:modId xmlns:p14="http://schemas.microsoft.com/office/powerpoint/2010/main" val="2228886230"/>
-              </p:ext>
-            </p:extLst>
-          </p:nvPr>
-        </p:nvGraphicFramePr>
-        <p:xfrm>
-          <a:off x="0" y="1143000"/>
-          <a:ext cx="9144000" cy="6299200"/>
-        </p:xfrm>
-        <a:graphic>
-          <a:graphicData uri="http://schemas.openxmlformats.org/drawingml/2006/table">
-            <a:tbl>
-              <a:tblPr firstRow="1" bandRow="1">
-                <a:tableStyleId>{5C22544A-7EE6-4342-B048-85BDC9FD1C3A}</a:tableStyleId>
-              </a:tblPr>
-              <a:tblGrid>
-                <a:gridCol w="1524000"/>
-                <a:gridCol w="1524000"/>
-                <a:gridCol w="6096000"/>
-              </a:tblGrid>
-              <a:tr h="716280">
-                <a:tc>
-                  <a:txBody>
-                    <a:bodyPr/>
-                    <a:lstStyle/>
-                    <a:p>
-                      <a:r>
-                        <a:rPr lang="en-US" dirty="0" smtClean="0"/>
-                        <a:t>Button</a:t>
-                      </a:r>
-                      <a:endParaRPr lang="en-US" dirty="0"/>
-                    </a:p>
-                  </a:txBody>
-                  <a:tcPr/>
-                </a:tc>
-                <a:tc>
-                  <a:txBody>
-                    <a:bodyPr/>
-                    <a:lstStyle/>
-                    <a:p>
-                      <a:r>
-                        <a:rPr lang="en-US" dirty="0" smtClean="0"/>
-                        <a:t>Function /Method</a:t>
-                      </a:r>
-                      <a:endParaRPr lang="en-US" dirty="0"/>
-                    </a:p>
-                  </a:txBody>
-                  <a:tcPr/>
-                </a:tc>
-                <a:tc>
-                  <a:txBody>
-                    <a:bodyPr/>
-                    <a:lstStyle/>
-                    <a:p>
-                      <a:r>
-                        <a:rPr lang="en-US" dirty="0" smtClean="0"/>
-                        <a:t>Description</a:t>
-                      </a:r>
-                      <a:endParaRPr lang="en-US" dirty="0"/>
-                    </a:p>
-                  </a:txBody>
-                  <a:tcPr/>
-                </a:tc>
-              </a:tr>
-              <a:tr h="370840">
-                <a:tc>
-                  <a:txBody>
-                    <a:bodyPr/>
-                    <a:lstStyle/>
-                    <a:p>
-                      <a:r>
-                        <a:rPr lang="en-US" sz="1800" kern="1200" dirty="0" err="1" smtClean="0">
-                          <a:solidFill>
-                            <a:schemeClr val="dk1"/>
-                          </a:solidFill>
-                          <a:effectLst/>
-                          <a:latin typeface="+mn-lt"/>
-                          <a:ea typeface="+mn-ea"/>
-                          <a:cs typeface="+mn-cs"/>
-                        </a:rPr>
-                        <a:t>btnCrReceipt</a:t>
-                      </a:r>
-                      <a:endParaRPr lang="en-US" dirty="0"/>
-                    </a:p>
-                  </a:txBody>
-                  <a:tcPr/>
-                </a:tc>
-                <a:tc>
-                  <a:txBody>
-                    <a:bodyPr/>
-                    <a:lstStyle/>
-                    <a:p>
-                      <a:r>
-                        <a:rPr lang="en-US" sz="1800" kern="1200" dirty="0" err="1" smtClean="0">
-                          <a:solidFill>
-                            <a:schemeClr val="dk1"/>
-                          </a:solidFill>
-                          <a:effectLst/>
-                          <a:latin typeface="+mn-lt"/>
-                          <a:ea typeface="+mn-ea"/>
-                          <a:cs typeface="+mn-cs"/>
-                        </a:rPr>
-                        <a:t>CreateReceipt</a:t>
-                      </a:r>
-                      <a:endParaRPr lang="en-US" dirty="0"/>
-                    </a:p>
-                  </a:txBody>
-                  <a:tcPr/>
-                </a:tc>
-                <a:tc>
-                  <a:txBody>
-                    <a:bodyPr/>
-                    <a:lstStyle/>
-                    <a:p>
-                      <a:r>
-                        <a:rPr lang="en-US" sz="1800" kern="1200" dirty="0" smtClean="0">
-                          <a:solidFill>
-                            <a:schemeClr val="dk1"/>
-                          </a:solidFill>
-                          <a:effectLst/>
-                          <a:latin typeface="+mn-lt"/>
-                          <a:ea typeface="+mn-ea"/>
-                          <a:cs typeface="+mn-cs"/>
-                        </a:rPr>
-                        <a:t>1.Add drug to constant drug list and update Patient in </a:t>
-                      </a:r>
-                      <a:r>
-                        <a:rPr lang="en-US" sz="1800" kern="1200" dirty="0" err="1" smtClean="0">
-                          <a:solidFill>
-                            <a:schemeClr val="dk1"/>
-                          </a:solidFill>
-                          <a:effectLst/>
-                          <a:latin typeface="+mn-lt"/>
-                          <a:ea typeface="+mn-ea"/>
-                          <a:cs typeface="+mn-cs"/>
-                        </a:rPr>
-                        <a:t>mySql</a:t>
-                      </a:r>
-                      <a:endParaRPr lang="en-US" sz="1800" kern="1200" dirty="0" smtClean="0">
-                        <a:solidFill>
-                          <a:schemeClr val="dk1"/>
-                        </a:solidFill>
-                        <a:effectLst/>
-                        <a:latin typeface="+mn-lt"/>
-                        <a:ea typeface="+mn-ea"/>
-                        <a:cs typeface="+mn-cs"/>
-                      </a:endParaRPr>
-                    </a:p>
-                    <a:p>
-                      <a:r>
-                        <a:rPr lang="en-US" sz="1800" kern="1200" dirty="0" smtClean="0">
-                          <a:solidFill>
-                            <a:schemeClr val="dk1"/>
-                          </a:solidFill>
-                          <a:effectLst/>
-                          <a:latin typeface="+mn-lt"/>
-                          <a:ea typeface="+mn-ea"/>
-                          <a:cs typeface="+mn-cs"/>
-                        </a:rPr>
-                        <a:t>2. save all data in </a:t>
-                      </a:r>
-                      <a:r>
-                        <a:rPr lang="en-US" sz="1800" kern="1200" dirty="0" err="1" smtClean="0">
-                          <a:solidFill>
-                            <a:schemeClr val="dk1"/>
-                          </a:solidFill>
-                          <a:effectLst/>
-                          <a:latin typeface="+mn-lt"/>
-                          <a:ea typeface="+mn-ea"/>
-                          <a:cs typeface="+mn-cs"/>
-                        </a:rPr>
-                        <a:t>Hdfs</a:t>
-                      </a:r>
-                      <a:r>
-                        <a:rPr lang="en-US" sz="1800" kern="1200" dirty="0" smtClean="0">
-                          <a:solidFill>
-                            <a:schemeClr val="dk1"/>
-                          </a:solidFill>
-                          <a:effectLst/>
-                          <a:latin typeface="+mn-lt"/>
-                          <a:ea typeface="+mn-ea"/>
-                          <a:cs typeface="+mn-cs"/>
-                        </a:rPr>
-                        <a:t> with list of Patient diseases and list of constant drug</a:t>
-                      </a:r>
-                    </a:p>
-                    <a:p>
-                      <a:r>
-                        <a:rPr lang="en-US" sz="1800" kern="1200" dirty="0" smtClean="0">
-                          <a:solidFill>
-                            <a:schemeClr val="dk1"/>
-                          </a:solidFill>
-                          <a:effectLst/>
-                          <a:latin typeface="+mn-lt"/>
-                          <a:ea typeface="+mn-ea"/>
-                          <a:cs typeface="+mn-cs"/>
-                        </a:rPr>
-                        <a:t>3. Implement LOAD INPATH to hive for new file</a:t>
-                      </a:r>
-                      <a:endParaRPr lang="en-US" dirty="0"/>
-                    </a:p>
-                  </a:txBody>
-                  <a:tcPr/>
-                </a:tc>
-              </a:tr>
-              <a:tr h="370840">
-                <a:tc>
-                  <a:txBody>
-                    <a:bodyPr/>
-                    <a:lstStyle/>
-                    <a:p>
-                      <a:r>
-                        <a:rPr lang="en-US" sz="1800" kern="1200" dirty="0" err="1" smtClean="0">
-                          <a:solidFill>
-                            <a:schemeClr val="dk1"/>
-                          </a:solidFill>
-                          <a:effectLst/>
-                          <a:latin typeface="+mn-lt"/>
-                          <a:ea typeface="+mn-ea"/>
-                          <a:cs typeface="+mn-cs"/>
-                        </a:rPr>
-                        <a:t>btnPatient</a:t>
-                      </a:r>
-                      <a:endParaRPr lang="en-US" dirty="0"/>
-                    </a:p>
-                  </a:txBody>
-                  <a:tcPr/>
-                </a:tc>
-                <a:tc>
-                  <a:txBody>
-                    <a:bodyPr/>
-                    <a:lstStyle/>
-                    <a:p>
-                      <a:r>
-                        <a:rPr lang="en-US" sz="1800" kern="1200" dirty="0" err="1" smtClean="0">
-                          <a:solidFill>
-                            <a:schemeClr val="dk1"/>
-                          </a:solidFill>
-                          <a:effectLst/>
-                          <a:latin typeface="+mn-lt"/>
-                          <a:ea typeface="+mn-ea"/>
-                          <a:cs typeface="+mn-cs"/>
-                        </a:rPr>
-                        <a:t>findPatient</a:t>
-                      </a:r>
-                      <a:endParaRPr lang="en-US" dirty="0"/>
-                    </a:p>
-                  </a:txBody>
-                  <a:tcPr/>
-                </a:tc>
-                <a:tc>
-                  <a:txBody>
-                    <a:bodyPr/>
-                    <a:lstStyle/>
-                    <a:p>
-                      <a:r>
-                        <a:rPr lang="en-US" sz="1800" kern="1200" dirty="0" smtClean="0">
-                          <a:solidFill>
-                            <a:schemeClr val="dk1"/>
-                          </a:solidFill>
-                          <a:effectLst/>
-                          <a:latin typeface="+mn-lt"/>
-                          <a:ea typeface="+mn-ea"/>
-                          <a:cs typeface="+mn-cs"/>
-                        </a:rPr>
-                        <a:t>Find the patient according </a:t>
-                      </a:r>
-                      <a:r>
-                        <a:rPr lang="en-US" sz="1800" kern="1200" dirty="0" err="1" smtClean="0">
-                          <a:solidFill>
-                            <a:schemeClr val="dk1"/>
-                          </a:solidFill>
-                          <a:effectLst/>
-                          <a:latin typeface="+mn-lt"/>
-                          <a:ea typeface="+mn-ea"/>
-                          <a:cs typeface="+mn-cs"/>
-                        </a:rPr>
-                        <a:t>tz</a:t>
-                      </a:r>
-                      <a:r>
-                        <a:rPr lang="en-US" sz="1800" kern="1200" dirty="0" smtClean="0">
-                          <a:solidFill>
-                            <a:schemeClr val="dk1"/>
-                          </a:solidFill>
-                          <a:effectLst/>
-                          <a:latin typeface="+mn-lt"/>
-                          <a:ea typeface="+mn-ea"/>
-                          <a:cs typeface="+mn-cs"/>
-                        </a:rPr>
-                        <a:t> in </a:t>
-                      </a:r>
-                      <a:r>
-                        <a:rPr lang="en-US" sz="1800" kern="1200" dirty="0" err="1" smtClean="0">
-                          <a:solidFill>
-                            <a:schemeClr val="dk1"/>
-                          </a:solidFill>
-                          <a:effectLst/>
-                          <a:latin typeface="+mn-lt"/>
-                          <a:ea typeface="+mn-ea"/>
-                          <a:cs typeface="+mn-cs"/>
-                        </a:rPr>
-                        <a:t>mySql</a:t>
-                      </a:r>
-                      <a:r>
-                        <a:rPr lang="en-US" sz="1800" kern="1200" dirty="0" smtClean="0">
-                          <a:solidFill>
-                            <a:schemeClr val="dk1"/>
-                          </a:solidFill>
-                          <a:effectLst/>
-                          <a:latin typeface="+mn-lt"/>
-                          <a:ea typeface="+mn-ea"/>
-                          <a:cs typeface="+mn-cs"/>
-                        </a:rPr>
-                        <a:t> </a:t>
-                      </a:r>
-                      <a:r>
-                        <a:rPr lang="en-US" sz="1800" kern="1200" dirty="0" err="1" smtClean="0">
-                          <a:solidFill>
-                            <a:schemeClr val="dk1"/>
-                          </a:solidFill>
-                          <a:effectLst/>
-                          <a:latin typeface="+mn-lt"/>
-                          <a:ea typeface="+mn-ea"/>
-                          <a:cs typeface="+mn-cs"/>
-                        </a:rPr>
-                        <a:t>db</a:t>
-                      </a:r>
-                      <a:r>
-                        <a:rPr lang="en-US" sz="1800" kern="1200" dirty="0" smtClean="0">
-                          <a:solidFill>
-                            <a:schemeClr val="dk1"/>
-                          </a:solidFill>
-                          <a:effectLst/>
-                          <a:latin typeface="+mn-lt"/>
-                          <a:ea typeface="+mn-ea"/>
-                          <a:cs typeface="+mn-cs"/>
-                        </a:rPr>
-                        <a:t>, get Patient data</a:t>
-                      </a:r>
-                    </a:p>
-                    <a:p>
-                      <a:r>
-                        <a:rPr lang="en-US" sz="1800" kern="1200" dirty="0" smtClean="0">
-                          <a:solidFill>
-                            <a:schemeClr val="dk1"/>
-                          </a:solidFill>
-                          <a:effectLst/>
-                          <a:latin typeface="+mn-lt"/>
-                          <a:ea typeface="+mn-ea"/>
-                          <a:cs typeface="+mn-cs"/>
-                        </a:rPr>
-                        <a:t>2. fill diseases </a:t>
-                      </a:r>
-                      <a:r>
-                        <a:rPr lang="en-US" sz="1800" kern="1200" dirty="0" err="1" smtClean="0">
-                          <a:solidFill>
-                            <a:schemeClr val="dk1"/>
-                          </a:solidFill>
-                          <a:effectLst/>
-                          <a:latin typeface="+mn-lt"/>
-                          <a:ea typeface="+mn-ea"/>
-                          <a:cs typeface="+mn-cs"/>
-                        </a:rPr>
-                        <a:t>df</a:t>
-                      </a:r>
-                      <a:r>
-                        <a:rPr lang="en-US" sz="1800" kern="1200" dirty="0" smtClean="0">
-                          <a:solidFill>
-                            <a:schemeClr val="dk1"/>
-                          </a:solidFill>
-                          <a:effectLst/>
-                          <a:latin typeface="+mn-lt"/>
-                          <a:ea typeface="+mn-ea"/>
-                          <a:cs typeface="+mn-cs"/>
-                        </a:rPr>
-                        <a:t> and  </a:t>
-                      </a:r>
-                      <a:r>
-                        <a:rPr lang="en-US" sz="1800" kern="1200" dirty="0" err="1" smtClean="0">
-                          <a:solidFill>
-                            <a:schemeClr val="dk1"/>
-                          </a:solidFill>
-                          <a:effectLst/>
-                          <a:latin typeface="+mn-lt"/>
-                          <a:ea typeface="+mn-ea"/>
-                          <a:cs typeface="+mn-cs"/>
-                        </a:rPr>
-                        <a:t>and</a:t>
-                      </a:r>
-                      <a:r>
-                        <a:rPr lang="en-US" sz="1800" kern="1200" dirty="0" smtClean="0">
-                          <a:solidFill>
-                            <a:schemeClr val="dk1"/>
-                          </a:solidFill>
-                          <a:effectLst/>
-                          <a:latin typeface="+mn-lt"/>
-                          <a:ea typeface="+mn-ea"/>
-                          <a:cs typeface="+mn-cs"/>
-                        </a:rPr>
-                        <a:t> constant drugs </a:t>
-                      </a:r>
-                      <a:r>
-                        <a:rPr lang="en-US" sz="1800" kern="1200" dirty="0" err="1" smtClean="0">
-                          <a:solidFill>
-                            <a:schemeClr val="dk1"/>
-                          </a:solidFill>
-                          <a:effectLst/>
-                          <a:latin typeface="+mn-lt"/>
-                          <a:ea typeface="+mn-ea"/>
-                          <a:cs typeface="+mn-cs"/>
-                        </a:rPr>
-                        <a:t>df</a:t>
-                      </a:r>
-                      <a:endParaRPr lang="en-US" dirty="0"/>
-                    </a:p>
-                  </a:txBody>
-                  <a:tcPr/>
-                </a:tc>
-              </a:tr>
-              <a:tr h="370840">
-                <a:tc>
-                  <a:txBody>
-                    <a:bodyPr/>
-                    <a:lstStyle/>
-                    <a:p>
-                      <a:r>
-                        <a:rPr lang="en-US" sz="1800" kern="1200" dirty="0" err="1" smtClean="0">
-                          <a:solidFill>
-                            <a:schemeClr val="dk1"/>
-                          </a:solidFill>
-                          <a:effectLst/>
-                          <a:latin typeface="+mn-lt"/>
-                          <a:ea typeface="+mn-ea"/>
-                          <a:cs typeface="+mn-cs"/>
-                        </a:rPr>
-                        <a:t>btnDiag</a:t>
-                      </a:r>
-                      <a:r>
-                        <a:rPr lang="en-US" sz="1800" kern="1200" dirty="0" smtClean="0">
-                          <a:solidFill>
-                            <a:schemeClr val="dk1"/>
-                          </a:solidFill>
-                          <a:effectLst/>
-                          <a:latin typeface="+mn-lt"/>
-                          <a:ea typeface="+mn-ea"/>
-                          <a:cs typeface="+mn-cs"/>
-                        </a:rPr>
-                        <a:t> </a:t>
-                      </a:r>
-                      <a:endParaRPr lang="en-US" dirty="0"/>
-                    </a:p>
-                  </a:txBody>
-                  <a:tcPr/>
-                </a:tc>
-                <a:tc>
-                  <a:txBody>
-                    <a:bodyPr/>
-                    <a:lstStyle/>
-                    <a:p>
-                      <a:r>
-                        <a:rPr lang="en-US" sz="1800" kern="1200" dirty="0" err="1" smtClean="0">
-                          <a:solidFill>
-                            <a:schemeClr val="dk1"/>
-                          </a:solidFill>
-                          <a:effectLst/>
-                          <a:latin typeface="+mn-lt"/>
-                          <a:ea typeface="+mn-ea"/>
-                          <a:cs typeface="+mn-cs"/>
-                        </a:rPr>
-                        <a:t>addDiagnose</a:t>
-                      </a:r>
-                      <a:endParaRPr lang="en-US" dirty="0"/>
-                    </a:p>
-                  </a:txBody>
-                  <a:tcPr/>
-                </a:tc>
-                <a:tc>
-                  <a:txBody>
-                    <a:bodyPr/>
-                    <a:lstStyle/>
-                    <a:p>
-                      <a:r>
-                        <a:rPr lang="en-US" sz="1800" kern="1200" dirty="0" smtClean="0">
-                          <a:solidFill>
-                            <a:schemeClr val="dk1"/>
-                          </a:solidFill>
-                          <a:effectLst/>
-                          <a:latin typeface="+mn-lt"/>
-                          <a:ea typeface="+mn-ea"/>
-                          <a:cs typeface="+mn-cs"/>
-                        </a:rPr>
-                        <a:t>Add diagnosis to existing list and update in </a:t>
-                      </a:r>
-                      <a:r>
-                        <a:rPr lang="en-US" sz="1800" kern="1200" dirty="0" err="1" smtClean="0">
-                          <a:solidFill>
-                            <a:schemeClr val="dk1"/>
-                          </a:solidFill>
-                          <a:effectLst/>
-                          <a:latin typeface="+mn-lt"/>
-                          <a:ea typeface="+mn-ea"/>
-                          <a:cs typeface="+mn-cs"/>
-                        </a:rPr>
-                        <a:t>Mysql</a:t>
-                      </a:r>
-                      <a:endParaRPr lang="en-US" dirty="0"/>
-                    </a:p>
-                  </a:txBody>
-                  <a:tcPr/>
-                </a:tc>
-              </a:tr>
-              <a:tr h="370840">
-                <a:tc>
-                  <a:txBody>
-                    <a:bodyPr/>
-                    <a:lstStyle/>
-                    <a:p>
-                      <a:r>
-                        <a:rPr lang="en-US" sz="1800" kern="1200" dirty="0" err="1" smtClean="0">
-                          <a:solidFill>
-                            <a:schemeClr val="dk1"/>
-                          </a:solidFill>
-                          <a:effectLst/>
-                          <a:latin typeface="+mn-lt"/>
-                          <a:ea typeface="+mn-ea"/>
-                          <a:cs typeface="+mn-cs"/>
-                        </a:rPr>
-                        <a:t>btnDrug</a:t>
-                      </a:r>
-                      <a:endParaRPr lang="en-US" dirty="0"/>
-                    </a:p>
-                  </a:txBody>
-                  <a:tcPr/>
-                </a:tc>
-                <a:tc>
-                  <a:txBody>
-                    <a:bodyPr/>
-                    <a:lstStyle/>
-                    <a:p>
-                      <a:r>
-                        <a:rPr lang="en-US" sz="1800" kern="1200" dirty="0" err="1" smtClean="0">
-                          <a:solidFill>
-                            <a:schemeClr val="dk1"/>
-                          </a:solidFill>
-                          <a:effectLst/>
-                          <a:latin typeface="+mn-lt"/>
-                          <a:ea typeface="+mn-ea"/>
-                          <a:cs typeface="+mn-cs"/>
-                        </a:rPr>
-                        <a:t>checkDrug</a:t>
-                      </a:r>
-                      <a:endParaRPr lang="en-US" dirty="0"/>
-                    </a:p>
-                  </a:txBody>
-                  <a:tcPr/>
-                </a:tc>
-                <a:tc>
-                  <a:txBody>
-                    <a:bodyPr/>
-                    <a:lstStyle/>
-                    <a:p>
-                      <a:r>
-                        <a:rPr lang="en-US" sz="1800" kern="1200" dirty="0" smtClean="0">
-                          <a:solidFill>
-                            <a:schemeClr val="dk1"/>
-                          </a:solidFill>
-                          <a:effectLst/>
-                          <a:latin typeface="+mn-lt"/>
-                          <a:ea typeface="+mn-ea"/>
-                          <a:cs typeface="+mn-cs"/>
-                        </a:rPr>
-                        <a:t>1.Run consumer  on </a:t>
-                      </a:r>
-                      <a:r>
-                        <a:rPr lang="en-US" sz="1800" kern="1200" dirty="0" err="1" smtClean="0">
-                          <a:solidFill>
-                            <a:schemeClr val="dk1"/>
-                          </a:solidFill>
-                          <a:effectLst/>
-                          <a:latin typeface="+mn-lt"/>
-                          <a:ea typeface="+mn-ea"/>
-                          <a:cs typeface="+mn-cs"/>
-                        </a:rPr>
-                        <a:t>prev</a:t>
-                      </a:r>
-                      <a:r>
-                        <a:rPr lang="en-US" sz="1800" kern="1200" dirty="0" smtClean="0">
-                          <a:solidFill>
-                            <a:schemeClr val="dk1"/>
-                          </a:solidFill>
-                          <a:effectLst/>
-                          <a:latin typeface="+mn-lt"/>
-                          <a:ea typeface="+mn-ea"/>
-                          <a:cs typeface="+mn-cs"/>
-                        </a:rPr>
-                        <a:t> (existing) data </a:t>
-                      </a:r>
-                      <a:r>
-                        <a:rPr lang="en-US" sz="1800" kern="1200" dirty="0" err="1" smtClean="0">
-                          <a:solidFill>
-                            <a:schemeClr val="dk1"/>
-                          </a:solidFill>
-                          <a:effectLst/>
-                          <a:latin typeface="+mn-lt"/>
-                          <a:ea typeface="+mn-ea"/>
-                          <a:cs typeface="+mn-cs"/>
-                        </a:rPr>
-                        <a:t>GetInteraction$DrugNume</a:t>
-                      </a:r>
-                      <a:endParaRPr lang="en-US" sz="1800" kern="1200" dirty="0" smtClean="0">
-                        <a:solidFill>
-                          <a:schemeClr val="dk1"/>
-                        </a:solidFill>
-                        <a:effectLst/>
-                        <a:latin typeface="+mn-lt"/>
-                        <a:ea typeface="+mn-ea"/>
-                        <a:cs typeface="+mn-cs"/>
-                      </a:endParaRPr>
-                    </a:p>
-                    <a:p>
-                      <a:r>
-                        <a:rPr lang="en-US" sz="1800" kern="1200" dirty="0" smtClean="0">
-                          <a:solidFill>
-                            <a:schemeClr val="dk1"/>
-                          </a:solidFill>
-                          <a:effectLst/>
-                          <a:latin typeface="+mn-lt"/>
-                          <a:ea typeface="+mn-ea"/>
-                          <a:cs typeface="+mn-cs"/>
-                        </a:rPr>
-                        <a:t>2. run Kafka producer on </a:t>
-                      </a:r>
-                      <a:r>
-                        <a:rPr lang="en-US" sz="1800" kern="1200" dirty="0" err="1" smtClean="0">
-                          <a:solidFill>
-                            <a:schemeClr val="dk1"/>
-                          </a:solidFill>
-                          <a:effectLst/>
-                          <a:latin typeface="+mn-lt"/>
-                          <a:ea typeface="+mn-ea"/>
-                          <a:cs typeface="+mn-cs"/>
-                        </a:rPr>
-                        <a:t>GetDrug</a:t>
-                      </a:r>
-                      <a:r>
-                        <a:rPr lang="en-US" sz="1800" kern="1200" dirty="0" smtClean="0">
-                          <a:solidFill>
-                            <a:schemeClr val="dk1"/>
-                          </a:solidFill>
-                          <a:effectLst/>
-                          <a:latin typeface="+mn-lt"/>
-                          <a:ea typeface="+mn-ea"/>
-                          <a:cs typeface="+mn-cs"/>
-                        </a:rPr>
-                        <a:t> topic( may be run</a:t>
-                      </a:r>
-                      <a:r>
-                        <a:rPr lang="en-US" sz="1800" kern="1200" baseline="0" dirty="0" smtClean="0">
-                          <a:solidFill>
-                            <a:schemeClr val="dk1"/>
-                          </a:solidFill>
-                          <a:effectLst/>
-                          <a:latin typeface="+mn-lt"/>
-                          <a:ea typeface="+mn-ea"/>
-                          <a:cs typeface="+mn-cs"/>
-                        </a:rPr>
-                        <a:t> </a:t>
-                      </a:r>
-                      <a:r>
-                        <a:rPr lang="en-US" sz="1800" kern="1200" dirty="0" err="1" smtClean="0">
-                          <a:solidFill>
-                            <a:schemeClr val="dk1"/>
-                          </a:solidFill>
-                          <a:effectLst/>
-                          <a:latin typeface="+mn-lt"/>
-                          <a:ea typeface="+mn-ea"/>
-                          <a:cs typeface="+mn-cs"/>
-                        </a:rPr>
-                        <a:t>Async</a:t>
-                      </a:r>
-                      <a:r>
-                        <a:rPr lang="en-US" sz="1800" kern="1200" dirty="0" smtClean="0">
-                          <a:solidFill>
-                            <a:schemeClr val="dk1"/>
-                          </a:solidFill>
-                          <a:effectLst/>
-                          <a:latin typeface="+mn-lt"/>
-                          <a:ea typeface="+mn-ea"/>
-                          <a:cs typeface="+mn-cs"/>
-                        </a:rPr>
-                        <a:t> )</a:t>
-                      </a:r>
-                    </a:p>
-                    <a:p>
-                      <a:r>
-                        <a:rPr lang="en-US" sz="1800" kern="1200" dirty="0" smtClean="0">
-                          <a:solidFill>
-                            <a:schemeClr val="dk1"/>
-                          </a:solidFill>
-                          <a:effectLst/>
-                          <a:latin typeface="+mn-lt"/>
-                          <a:ea typeface="+mn-ea"/>
-                          <a:cs typeface="+mn-cs"/>
-                        </a:rPr>
-                        <a:t>3. once Receive consumer data </a:t>
-                      </a:r>
-                    </a:p>
-                    <a:p>
-                      <a:r>
-                        <a:rPr lang="en-US" sz="1800" kern="1200" dirty="0" smtClean="0">
-                          <a:solidFill>
-                            <a:schemeClr val="dk1"/>
-                          </a:solidFill>
-                          <a:effectLst/>
-                          <a:latin typeface="+mn-lt"/>
-                          <a:ea typeface="+mn-ea"/>
-                          <a:cs typeface="+mn-cs"/>
-                        </a:rPr>
-                        <a:t>3.1 Stop consumer   </a:t>
-                      </a:r>
-                    </a:p>
-                    <a:p>
-                      <a:r>
-                        <a:rPr lang="en-US" sz="1800" kern="1200" dirty="0" smtClean="0">
-                          <a:solidFill>
-                            <a:schemeClr val="dk1"/>
-                          </a:solidFill>
-                          <a:effectLst/>
-                          <a:latin typeface="+mn-lt"/>
-                          <a:ea typeface="+mn-ea"/>
-                          <a:cs typeface="+mn-cs"/>
-                        </a:rPr>
-                        <a:t>3.2. remove from drug list id and drug name list source drug values(exclude from list)</a:t>
-                      </a:r>
-                    </a:p>
-                    <a:p>
-                      <a:r>
-                        <a:rPr lang="en-US" sz="1800" kern="1200" dirty="0" smtClean="0">
-                          <a:solidFill>
-                            <a:schemeClr val="dk1"/>
-                          </a:solidFill>
-                          <a:effectLst/>
-                          <a:latin typeface="+mn-lt"/>
-                          <a:ea typeface="+mn-ea"/>
-                          <a:cs typeface="+mn-cs"/>
-                        </a:rPr>
-                        <a:t>3.3. Build synergy or contraindications according to lexica analysis and random severity to put</a:t>
-                      </a:r>
-                    </a:p>
-                    <a:p>
-                      <a:r>
-                        <a:rPr lang="en-US" sz="1800" kern="1200" dirty="0" smtClean="0">
-                          <a:solidFill>
-                            <a:schemeClr val="dk1"/>
-                          </a:solidFill>
-                          <a:effectLst/>
-                          <a:latin typeface="+mn-lt"/>
-                          <a:ea typeface="+mn-ea"/>
-                          <a:cs typeface="+mn-cs"/>
-                        </a:rPr>
-                        <a:t>3.4. Build result </a:t>
-                      </a:r>
-                      <a:r>
-                        <a:rPr lang="en-US" sz="1800" kern="1200" dirty="0" err="1" smtClean="0">
-                          <a:solidFill>
-                            <a:schemeClr val="dk1"/>
-                          </a:solidFill>
-                          <a:effectLst/>
-                          <a:latin typeface="+mn-lt"/>
-                          <a:ea typeface="+mn-ea"/>
-                          <a:cs typeface="+mn-cs"/>
-                        </a:rPr>
-                        <a:t>df</a:t>
-                      </a:r>
-                      <a:r>
-                        <a:rPr lang="en-US" sz="1800" kern="1200" dirty="0" smtClean="0">
-                          <a:solidFill>
-                            <a:schemeClr val="dk1"/>
-                          </a:solidFill>
-                          <a:effectLst/>
-                          <a:latin typeface="+mn-lt"/>
-                          <a:ea typeface="+mn-ea"/>
-                          <a:cs typeface="+mn-cs"/>
-                        </a:rPr>
-                        <a:t> and show it </a:t>
-                      </a:r>
-                    </a:p>
-                    <a:p>
-                      <a:r>
-                        <a:rPr lang="en-US" sz="1800" kern="1200" dirty="0" smtClean="0">
-                          <a:solidFill>
-                            <a:schemeClr val="dk1"/>
-                          </a:solidFill>
-                          <a:effectLst/>
-                          <a:latin typeface="+mn-lt"/>
-                          <a:ea typeface="+mn-ea"/>
-                          <a:cs typeface="+mn-cs"/>
-                        </a:rPr>
-                        <a:t>3.5 save the full</a:t>
-                      </a:r>
-                      <a:r>
-                        <a:rPr lang="en-US" sz="1800" kern="1200" baseline="0" dirty="0" smtClean="0">
-                          <a:solidFill>
-                            <a:schemeClr val="dk1"/>
-                          </a:solidFill>
-                          <a:effectLst/>
-                          <a:latin typeface="+mn-lt"/>
-                          <a:ea typeface="+mn-ea"/>
-                          <a:cs typeface="+mn-cs"/>
-                        </a:rPr>
-                        <a:t> interaction 7drug result to mongo </a:t>
-                      </a:r>
-                      <a:r>
-                        <a:rPr lang="en-US" sz="1800" kern="1200" baseline="0" dirty="0" err="1" smtClean="0">
-                          <a:solidFill>
-                            <a:schemeClr val="dk1"/>
-                          </a:solidFill>
-                          <a:effectLst/>
-                          <a:latin typeface="+mn-lt"/>
-                          <a:ea typeface="+mn-ea"/>
-                          <a:cs typeface="+mn-cs"/>
-                        </a:rPr>
-                        <a:t>db</a:t>
-                      </a:r>
-                      <a:endParaRPr lang="en-US" sz="1800" kern="1200" dirty="0" smtClean="0">
-                        <a:solidFill>
-                          <a:schemeClr val="dk1"/>
-                        </a:solidFill>
-                        <a:effectLst/>
-                        <a:latin typeface="+mn-lt"/>
-                        <a:ea typeface="+mn-ea"/>
-                        <a:cs typeface="+mn-cs"/>
-                      </a:endParaRPr>
-                    </a:p>
-                    <a:p>
-                      <a:endParaRPr lang="en-US" dirty="0"/>
-                    </a:p>
-                  </a:txBody>
-                  <a:tcPr/>
-                </a:tc>
-              </a:tr>
-            </a:tbl>
-          </a:graphicData>
-        </a:graphic>
-      </p:graphicFrame>
+          </p:nvPr>
+        </p:nvSpPr>
+        <p:spPr/>
+        <p:txBody>
+          <a:bodyPr>
+            <a:normAutofit lnSpcReduction="10000"/>
+          </a:bodyPr>
+          <a:lstStyle/>
+          <a:p>
+            <a:r>
+              <a:rPr lang="en-US" dirty="0" smtClean="0"/>
+              <a:t>Report –amount of receipts with side effects and risks, which part of receipts cause negative effects to patients</a:t>
+            </a:r>
+          </a:p>
+          <a:p>
+            <a:r>
+              <a:rPr lang="en-US" dirty="0" smtClean="0"/>
+              <a:t>Which doctor gives more drugs with serious side effects and/or risks</a:t>
+            </a:r>
+          </a:p>
+          <a:p>
+            <a:r>
+              <a:rPr lang="en-US" dirty="0" smtClean="0"/>
+              <a:t>Which </a:t>
+            </a:r>
+            <a:r>
+              <a:rPr lang="en-US" dirty="0"/>
+              <a:t>diseases are more likely to conflict with the drugs taken for other diseases and require increased doctor's </a:t>
+            </a:r>
+            <a:r>
+              <a:rPr lang="en-US" dirty="0" smtClean="0"/>
+              <a:t>caution</a:t>
+            </a:r>
+            <a:endParaRPr lang="ru-RU" dirty="0" smtClean="0"/>
+          </a:p>
+          <a:p>
+            <a:r>
+              <a:rPr lang="en-US" dirty="0" err="1" smtClean="0"/>
+              <a:t>Etc</a:t>
+            </a:r>
+            <a:r>
+              <a:rPr lang="en-US" dirty="0"/>
+              <a:t> and </a:t>
+            </a:r>
+            <a:r>
+              <a:rPr lang="en-US" dirty="0" smtClean="0"/>
+              <a:t>much </a:t>
+            </a:r>
+            <a:r>
+              <a:rPr lang="en-US" dirty="0"/>
+              <a:t>more</a:t>
+            </a:r>
+          </a:p>
+          <a:p>
+            <a:endParaRPr lang="en-US" dirty="0"/>
+          </a:p>
+        </p:txBody>
+      </p:sp>
     </p:spTree>
     <p:extLst>
       <p:ext uri="{BB962C8B-B14F-4D97-AF65-F5344CB8AC3E}">
-        <p14:creationId xmlns:p14="http://schemas.microsoft.com/office/powerpoint/2010/main" val="2906570201"/>
+        <p14:creationId xmlns:p14="http://schemas.microsoft.com/office/powerpoint/2010/main" val="3113213206"/>
       </p:ext>
     </p:extLst>
   </p:cSld>
@@ -11708,7 +11079,7 @@
       </p:sp>
       <p:pic>
         <p:nvPicPr>
-          <p:cNvPr id="3075" name="Picture 3"/>
+          <p:cNvPr id="7170" name="Picture 2"/>
           <p:cNvPicPr>
             <a:picLocks noChangeAspect="1" noChangeArrowheads="1"/>
           </p:cNvPicPr>
@@ -11729,8 +11100,8 @@
         </p:blipFill>
         <p:spPr bwMode="auto">
           <a:xfrm>
-            <a:off x="685800" y="1752600"/>
-            <a:ext cx="7488740" cy="4298950"/>
+            <a:off x="460870" y="1204913"/>
+            <a:ext cx="8586164" cy="4967287"/>
           </a:xfrm>
           <a:prstGeom prst="rect">
             <a:avLst/>
